--- a/React_Slide.pptx
+++ b/React_Slide.pptx
@@ -111,6 +111,22 @@
       </a:defRPr>
     </a:lvl9pPr>
   </p:defaultTextStyle>
+  <p:extLst>
+    <p:ext uri="{EFAFB233-063F-42B5-8137-9DF3F51BA10A}">
+      <p15:sldGuideLst xmlns:p15="http://schemas.microsoft.com/office/powerpoint/2012/main">
+        <p15:guide id="1" orient="horz" pos="2160">
+          <p15:clr>
+            <a:srgbClr val="A4A3A4"/>
+          </p15:clr>
+        </p15:guide>
+        <p15:guide id="2" pos="2880">
+          <p15:clr>
+            <a:srgbClr val="A4A3A4"/>
+          </p15:clr>
+        </p15:guide>
+      </p15:sldGuideLst>
+    </p:ext>
+  </p:extLst>
 </p:presentation>
 </file>
 
@@ -709,6 +725,220 @@
         </p:txBody>
       </p:sp>
     </p:spTree>
+    <p:extLst>
+      <p:ext uri="{BB962C8B-B14F-4D97-AF65-F5344CB8AC3E}">
+        <p14:creationId xmlns:p14="http://schemas.microsoft.com/office/powerpoint/2010/main" val="3005391094"/>
+      </p:ext>
+    </p:extLst>
+  </p:cSld>
+  <p:clrMapOvr>
+    <a:masterClrMapping/>
+  </p:clrMapOvr>
+</p:notes>
+</file>
+
+<file path=ppt/notesSlides/notesSlide2.xml><?xml version="1.0" encoding="utf-8"?>
+<p:notes xmlns:a="http://schemas.openxmlformats.org/drawingml/2006/main" xmlns:r="http://schemas.openxmlformats.org/officeDocument/2006/relationships" xmlns:p="http://schemas.openxmlformats.org/presentationml/2006/main">
+  <p:cSld>
+    <p:spTree>
+      <p:nvGrpSpPr>
+        <p:cNvPr id="1" name=""/>
+        <p:cNvGrpSpPr/>
+        <p:nvPr/>
+      </p:nvGrpSpPr>
+      <p:grpSpPr>
+        <a:xfrm>
+          <a:off x="0" y="0"/>
+          <a:ext cx="0" cy="0"/>
+          <a:chOff x="0" y="0"/>
+          <a:chExt cx="0" cy="0"/>
+        </a:xfrm>
+      </p:grpSpPr>
+      <p:sp>
+        <p:nvSpPr>
+          <p:cNvPr id="2" name="Slide Image Placeholder 1"/>
+          <p:cNvSpPr>
+            <a:spLocks noGrp="1" noRot="1" noChangeAspect="1"/>
+          </p:cNvSpPr>
+          <p:nvPr>
+            <p:ph type="sldImg"/>
+          </p:nvPr>
+        </p:nvSpPr>
+        <p:spPr/>
+      </p:sp>
+      <p:sp>
+        <p:nvSpPr>
+          <p:cNvPr id="3" name="Notes Placeholder 2"/>
+          <p:cNvSpPr>
+            <a:spLocks noGrp="1"/>
+          </p:cNvSpPr>
+          <p:nvPr>
+            <p:ph type="body" idx="1"/>
+          </p:nvPr>
+        </p:nvSpPr>
+        <p:spPr/>
+        <p:txBody>
+          <a:bodyPr/>
+          <a:lstStyle/>
+          <a:p>
+            <a:r>
+              <a:rPr lang="en-US" sz="1200" b="0" i="0" kern="1200" dirty="0" smtClean="0">
+                <a:solidFill>
+                  <a:schemeClr val="tx1"/>
+                </a:solidFill>
+                <a:effectLst/>
+                <a:latin typeface="+mn-lt"/>
+                <a:ea typeface="+mn-ea"/>
+                <a:cs typeface="+mn-cs"/>
+              </a:rPr>
+              <a:t>React.js isn’t a complete framework, so it doesn’t provide all the components you’ll find in other projects like </a:t>
+            </a:r>
+            <a:r>
+              <a:rPr lang="en-US" sz="1200" b="0" i="0" u="none" strike="noStrike" kern="1200" dirty="0" smtClean="0">
+                <a:solidFill>
+                  <a:schemeClr val="tx1"/>
+                </a:solidFill>
+                <a:effectLst/>
+                <a:latin typeface="+mn-lt"/>
+                <a:ea typeface="+mn-ea"/>
+                <a:cs typeface="+mn-cs"/>
+                <a:hlinkClick r:id="rId3"/>
+              </a:rPr>
+              <a:t>Ember</a:t>
+            </a:r>
+            <a:r>
+              <a:rPr lang="en-US" sz="1200" b="0" i="0" kern="1200" dirty="0" smtClean="0">
+                <a:solidFill>
+                  <a:schemeClr val="tx1"/>
+                </a:solidFill>
+                <a:effectLst/>
+                <a:latin typeface="+mn-lt"/>
+                <a:ea typeface="+mn-ea"/>
+                <a:cs typeface="+mn-cs"/>
+              </a:rPr>
+              <a:t> or </a:t>
+            </a:r>
+            <a:r>
+              <a:rPr lang="en-US" sz="1200" b="0" i="0" u="none" strike="noStrike" kern="1200" dirty="0" err="1" smtClean="0">
+                <a:solidFill>
+                  <a:schemeClr val="tx1"/>
+                </a:solidFill>
+                <a:effectLst/>
+                <a:latin typeface="+mn-lt"/>
+                <a:ea typeface="+mn-ea"/>
+                <a:cs typeface="+mn-cs"/>
+                <a:hlinkClick r:id="rId4"/>
+              </a:rPr>
+              <a:t>AngularJS</a:t>
+            </a:r>
+            <a:r>
+              <a:rPr lang="en-US" sz="1200" b="0" i="0" kern="1200" dirty="0" smtClean="0">
+                <a:solidFill>
+                  <a:schemeClr val="tx1"/>
+                </a:solidFill>
+                <a:effectLst/>
+                <a:latin typeface="+mn-lt"/>
+                <a:ea typeface="+mn-ea"/>
+                <a:cs typeface="+mn-cs"/>
+              </a:rPr>
+              <a:t>. </a:t>
+            </a:r>
+          </a:p>
+          <a:p>
+            <a:r>
+              <a:rPr lang="en-US" sz="1200" b="0" i="0" kern="1200" dirty="0" smtClean="0">
+                <a:solidFill>
+                  <a:schemeClr val="tx1"/>
+                </a:solidFill>
+                <a:effectLst/>
+                <a:latin typeface="+mn-lt"/>
+                <a:ea typeface="+mn-ea"/>
+                <a:cs typeface="+mn-cs"/>
+              </a:rPr>
+              <a:t>An important difference with frameworks like </a:t>
+            </a:r>
+            <a:r>
+              <a:rPr lang="en-US" sz="1200" b="0" i="0" kern="1200" dirty="0" err="1" smtClean="0">
+                <a:solidFill>
+                  <a:schemeClr val="tx1"/>
+                </a:solidFill>
+                <a:effectLst/>
+                <a:latin typeface="+mn-lt"/>
+                <a:ea typeface="+mn-ea"/>
+                <a:cs typeface="+mn-cs"/>
+              </a:rPr>
+              <a:t>AngularJS</a:t>
+            </a:r>
+            <a:r>
+              <a:rPr lang="en-US" sz="1200" b="0" i="0" kern="1200" dirty="0" smtClean="0">
+                <a:solidFill>
+                  <a:schemeClr val="tx1"/>
+                </a:solidFill>
+                <a:effectLst/>
+                <a:latin typeface="+mn-lt"/>
+                <a:ea typeface="+mn-ea"/>
+                <a:cs typeface="+mn-cs"/>
+              </a:rPr>
+              <a:t> – which uses a two-way data binding model – is that </a:t>
+            </a:r>
+            <a:r>
+              <a:rPr lang="en-US" sz="1200" b="0" i="0" u="none" strike="noStrike" kern="1200" dirty="0" smtClean="0">
+                <a:solidFill>
+                  <a:schemeClr val="tx1"/>
+                </a:solidFill>
+                <a:effectLst/>
+                <a:latin typeface="+mn-lt"/>
+                <a:ea typeface="+mn-ea"/>
+                <a:cs typeface="+mn-cs"/>
+                <a:hlinkClick r:id="rId5"/>
+              </a:rPr>
+              <a:t>React features a one-way data binding model</a:t>
+            </a:r>
+            <a:r>
+              <a:rPr lang="en-US" sz="1200" b="0" i="0" kern="1200" dirty="0" smtClean="0">
+                <a:solidFill>
+                  <a:schemeClr val="tx1"/>
+                </a:solidFill>
+                <a:effectLst/>
+                <a:latin typeface="+mn-lt"/>
+                <a:ea typeface="+mn-ea"/>
+                <a:cs typeface="+mn-cs"/>
+              </a:rPr>
+              <a:t>.</a:t>
+            </a:r>
+            <a:endParaRPr lang="en-US" dirty="0"/>
+          </a:p>
+        </p:txBody>
+      </p:sp>
+      <p:sp>
+        <p:nvSpPr>
+          <p:cNvPr id="4" name="Slide Number Placeholder 3"/>
+          <p:cNvSpPr>
+            <a:spLocks noGrp="1"/>
+          </p:cNvSpPr>
+          <p:nvPr>
+            <p:ph type="sldNum" sz="quarter" idx="10"/>
+          </p:nvPr>
+        </p:nvSpPr>
+        <p:spPr/>
+        <p:txBody>
+          <a:bodyPr/>
+          <a:lstStyle/>
+          <a:p>
+            <a:fld id="{47CA5B65-C32E-4594-82B5-5B950CCEF23B}" type="slidenum">
+              <a:rPr lang="en-US" smtClean="0"/>
+              <a:t>3</a:t>
+            </a:fld>
+            <a:endParaRPr lang="en-US"/>
+          </a:p>
+        </p:txBody>
+      </p:sp>
+    </p:spTree>
+    <p:extLst>
+      <p:ext uri="{BB962C8B-B14F-4D97-AF65-F5344CB8AC3E}">
+        <p14:creationId xmlns:p14="http://schemas.microsoft.com/office/powerpoint/2010/main" val="602839175"/>
+      </p:ext>
+    </p:extLst>
   </p:cSld>
   <p:clrMapOvr>
     <a:masterClrMapping/>
@@ -5395,7 +5625,6 @@
               <a:rPr lang="en-US" smtClean="0"/>
               <a:t>Fifth level</a:t>
             </a:r>
-            <a:endParaRPr lang="en-US" smtClean="0"/>
           </a:p>
         </p:txBody>
       </p:sp>
@@ -5724,7 +5953,6 @@
               <a:rPr lang="en-US" smtClean="0"/>
               <a:t>Click to edit Master title style</a:t>
             </a:r>
-            <a:endParaRPr lang="en-US" smtClean="0"/>
           </a:p>
         </p:txBody>
       </p:sp>
@@ -6751,7 +6979,6 @@
               <a:rPr lang="en-US" dirty="0" smtClean="0"/>
               <a:t>Agenda</a:t>
             </a:r>
-            <a:endParaRPr lang="en-US" dirty="0" smtClean="0"/>
           </a:p>
         </p:txBody>
       </p:sp>
@@ -7420,7 +7647,7 @@
         </p:nvSpPr>
         <p:spPr>
           <a:xfrm>
-            <a:off x="457200" y="1600200"/>
+            <a:off x="457993" y="1676400"/>
             <a:ext cx="8075613" cy="4525963"/>
           </a:xfrm>
           <a:prstGeom prst="rect">
@@ -7620,7 +7847,7 @@
         </p:blipFill>
         <p:spPr bwMode="auto">
           <a:xfrm>
-            <a:off x="1115616" y="2891556"/>
+            <a:off x="838200" y="1676796"/>
             <a:ext cx="3000375" cy="1524000"/>
           </a:xfrm>
           <a:prstGeom prst="rect">
@@ -7661,7 +7888,7 @@
         </p:blipFill>
         <p:spPr bwMode="auto">
           <a:xfrm>
-            <a:off x="4900387" y="2877070"/>
+            <a:off x="4724400" y="1600200"/>
             <a:ext cx="2714625" cy="1685925"/>
           </a:xfrm>
           <a:prstGeom prst="rect">
@@ -7677,6 +7904,66 @@
               </a14:hiddenFill>
             </a:ext>
           </a:extLst>
+        </p:spPr>
+      </p:pic>
+      <p:pic>
+        <p:nvPicPr>
+          <p:cNvPr id="8" name="Picture 7"/>
+          <p:cNvPicPr>
+            <a:picLocks noChangeAspect="1"/>
+          </p:cNvPicPr>
+          <p:nvPr/>
+        </p:nvPicPr>
+        <p:blipFill>
+          <a:blip r:embed="rId4">
+            <a:extLst>
+              <a:ext uri="{28A0092B-C50C-407E-A947-70E740481C1C}">
+                <a14:useLocalDpi xmlns:a14="http://schemas.microsoft.com/office/drawing/2010/main" val="0"/>
+              </a:ext>
+            </a:extLst>
+          </a:blip>
+          <a:stretch>
+            <a:fillRect/>
+          </a:stretch>
+        </p:blipFill>
+        <p:spPr>
+          <a:xfrm>
+            <a:off x="990600" y="3792933"/>
+            <a:ext cx="2667000" cy="1512493"/>
+          </a:xfrm>
+          <a:prstGeom prst="rect">
+            <a:avLst/>
+          </a:prstGeom>
+        </p:spPr>
+      </p:pic>
+      <p:pic>
+        <p:nvPicPr>
+          <p:cNvPr id="4" name="Picture 3"/>
+          <p:cNvPicPr>
+            <a:picLocks noChangeAspect="1"/>
+          </p:cNvPicPr>
+          <p:nvPr/>
+        </p:nvPicPr>
+        <p:blipFill>
+          <a:blip r:embed="rId5">
+            <a:extLst>
+              <a:ext uri="{28A0092B-C50C-407E-A947-70E740481C1C}">
+                <a14:useLocalDpi xmlns:a14="http://schemas.microsoft.com/office/drawing/2010/main" val="0"/>
+              </a:ext>
+            </a:extLst>
+          </a:blip>
+          <a:stretch>
+            <a:fillRect/>
+          </a:stretch>
+        </p:blipFill>
+        <p:spPr>
+          <a:xfrm>
+            <a:off x="4724399" y="3699589"/>
+            <a:ext cx="2714625" cy="1634411"/>
+          </a:xfrm>
+          <a:prstGeom prst="rect">
+            <a:avLst/>
+          </a:prstGeom>
         </p:spPr>
       </p:pic>
     </p:spTree>
@@ -7733,7 +8020,7 @@
           <a:p>
             <a:r>
               <a:rPr lang="en-US" dirty="0" smtClean="0"/>
-              <a:t>React Components</a:t>
+              <a:t>React Core Concept</a:t>
             </a:r>
             <a:endParaRPr lang="en-US" dirty="0"/>
           </a:p>

--- a/React_Slide.pptx
+++ b/React_Slide.pptx
@@ -5,14 +5,17 @@
     <p:sldMasterId id="2147483660" r:id="rId1"/>
   </p:sldMasterIdLst>
   <p:notesMasterIdLst>
-    <p:notesMasterId r:id="rId7"/>
+    <p:notesMasterId r:id="rId10"/>
   </p:notesMasterIdLst>
   <p:sldIdLst>
     <p:sldId id="256" r:id="rId2"/>
     <p:sldId id="258" r:id="rId3"/>
     <p:sldId id="259" r:id="rId4"/>
-    <p:sldId id="261" r:id="rId5"/>
-    <p:sldId id="262" r:id="rId6"/>
+    <p:sldId id="265" r:id="rId5"/>
+    <p:sldId id="264" r:id="rId6"/>
+    <p:sldId id="261" r:id="rId7"/>
+    <p:sldId id="262" r:id="rId8"/>
+    <p:sldId id="263" r:id="rId9"/>
   </p:sldIdLst>
   <p:sldSz cx="9144000" cy="6858000" type="screen4x3"/>
   <p:notesSz cx="6858000" cy="9144000"/>
@@ -113,7 +116,7 @@
   </p:defaultTextStyle>
   <p:extLst>
     <p:ext uri="{EFAFB233-063F-42B5-8137-9DF3F51BA10A}">
-      <p15:sldGuideLst xmlns:p15="http://schemas.microsoft.com/office/powerpoint/2012/main">
+      <p15:sldGuideLst xmlns:p15="http://schemas.microsoft.com/office/powerpoint/2012/main" xmlns="">
         <p15:guide id="1" orient="horz" pos="2160">
           <p15:clr>
             <a:srgbClr val="A4A3A4"/>
@@ -212,7 +215,7 @@
           <a:p>
             <a:fld id="{30C56A28-4380-4698-9362-A1403F5E2820}" type="datetimeFigureOut">
               <a:rPr lang="en-US" smtClean="0"/>
-              <a:t>12/2/2015</a:t>
+              <a:t>12/3/2015</a:t>
             </a:fld>
             <a:endParaRPr lang="en-US"/>
           </a:p>
@@ -946,6 +949,424 @@
 </p:notes>
 </file>
 
+<file path=ppt/notesSlides/notesSlide3.xml><?xml version="1.0" encoding="utf-8"?>
+<p:notes xmlns:a="http://schemas.openxmlformats.org/drawingml/2006/main" xmlns:r="http://schemas.openxmlformats.org/officeDocument/2006/relationships" xmlns:p="http://schemas.openxmlformats.org/presentationml/2006/main">
+  <p:cSld>
+    <p:spTree>
+      <p:nvGrpSpPr>
+        <p:cNvPr id="1" name=""/>
+        <p:cNvGrpSpPr/>
+        <p:nvPr/>
+      </p:nvGrpSpPr>
+      <p:grpSpPr>
+        <a:xfrm>
+          <a:off x="0" y="0"/>
+          <a:ext cx="0" cy="0"/>
+          <a:chOff x="0" y="0"/>
+          <a:chExt cx="0" cy="0"/>
+        </a:xfrm>
+      </p:grpSpPr>
+      <p:sp>
+        <p:nvSpPr>
+          <p:cNvPr id="2" name="Slide Image Placeholder 1"/>
+          <p:cNvSpPr>
+            <a:spLocks noGrp="1" noRot="1" noChangeAspect="1"/>
+          </p:cNvSpPr>
+          <p:nvPr>
+            <p:ph type="sldImg"/>
+          </p:nvPr>
+        </p:nvSpPr>
+        <p:spPr/>
+      </p:sp>
+      <p:sp>
+        <p:nvSpPr>
+          <p:cNvPr id="3" name="Notes Placeholder 2"/>
+          <p:cNvSpPr>
+            <a:spLocks noGrp="1"/>
+          </p:cNvSpPr>
+          <p:nvPr>
+            <p:ph type="body" idx="1"/>
+          </p:nvPr>
+        </p:nvSpPr>
+        <p:spPr/>
+        <p:txBody>
+          <a:bodyPr/>
+          <a:lstStyle/>
+          <a:p>
+            <a:r>
+              <a:rPr lang="en-US" sz="1200" b="0" i="0" kern="1200" dirty="0" smtClean="0">
+                <a:solidFill>
+                  <a:schemeClr val="tx1"/>
+                </a:solidFill>
+                <a:effectLst/>
+                <a:latin typeface="+mn-lt"/>
+                <a:ea typeface="+mn-ea"/>
+                <a:cs typeface="+mn-cs"/>
+              </a:rPr>
+              <a:t>React.js isn’t a complete framework, so it doesn’t provide all the components you’ll find in other projects like </a:t>
+            </a:r>
+            <a:r>
+              <a:rPr lang="en-US" sz="1200" b="0" i="0" u="none" strike="noStrike" kern="1200" dirty="0" smtClean="0">
+                <a:solidFill>
+                  <a:schemeClr val="tx1"/>
+                </a:solidFill>
+                <a:effectLst/>
+                <a:latin typeface="+mn-lt"/>
+                <a:ea typeface="+mn-ea"/>
+                <a:cs typeface="+mn-cs"/>
+                <a:hlinkClick r:id="rId3"/>
+              </a:rPr>
+              <a:t>Ember</a:t>
+            </a:r>
+            <a:r>
+              <a:rPr lang="en-US" sz="1200" b="0" i="0" kern="1200" dirty="0" smtClean="0">
+                <a:solidFill>
+                  <a:schemeClr val="tx1"/>
+                </a:solidFill>
+                <a:effectLst/>
+                <a:latin typeface="+mn-lt"/>
+                <a:ea typeface="+mn-ea"/>
+                <a:cs typeface="+mn-cs"/>
+              </a:rPr>
+              <a:t> or </a:t>
+            </a:r>
+            <a:r>
+              <a:rPr lang="en-US" sz="1200" b="0" i="0" u="none" strike="noStrike" kern="1200" dirty="0" err="1" smtClean="0">
+                <a:solidFill>
+                  <a:schemeClr val="tx1"/>
+                </a:solidFill>
+                <a:effectLst/>
+                <a:latin typeface="+mn-lt"/>
+                <a:ea typeface="+mn-ea"/>
+                <a:cs typeface="+mn-cs"/>
+                <a:hlinkClick r:id="rId4"/>
+              </a:rPr>
+              <a:t>AngularJS</a:t>
+            </a:r>
+            <a:r>
+              <a:rPr lang="en-US" sz="1200" b="0" i="0" kern="1200" dirty="0" smtClean="0">
+                <a:solidFill>
+                  <a:schemeClr val="tx1"/>
+                </a:solidFill>
+                <a:effectLst/>
+                <a:latin typeface="+mn-lt"/>
+                <a:ea typeface="+mn-ea"/>
+                <a:cs typeface="+mn-cs"/>
+              </a:rPr>
+              <a:t>. </a:t>
+            </a:r>
+          </a:p>
+          <a:p>
+            <a:r>
+              <a:rPr lang="en-US" sz="1200" b="0" i="0" kern="1200" dirty="0" smtClean="0">
+                <a:solidFill>
+                  <a:schemeClr val="tx1"/>
+                </a:solidFill>
+                <a:effectLst/>
+                <a:latin typeface="+mn-lt"/>
+                <a:ea typeface="+mn-ea"/>
+                <a:cs typeface="+mn-cs"/>
+              </a:rPr>
+              <a:t>An important difference with frameworks like </a:t>
+            </a:r>
+            <a:r>
+              <a:rPr lang="en-US" sz="1200" b="0" i="0" kern="1200" dirty="0" err="1" smtClean="0">
+                <a:solidFill>
+                  <a:schemeClr val="tx1"/>
+                </a:solidFill>
+                <a:effectLst/>
+                <a:latin typeface="+mn-lt"/>
+                <a:ea typeface="+mn-ea"/>
+                <a:cs typeface="+mn-cs"/>
+              </a:rPr>
+              <a:t>AngularJS</a:t>
+            </a:r>
+            <a:r>
+              <a:rPr lang="en-US" sz="1200" b="0" i="0" kern="1200" dirty="0" smtClean="0">
+                <a:solidFill>
+                  <a:schemeClr val="tx1"/>
+                </a:solidFill>
+                <a:effectLst/>
+                <a:latin typeface="+mn-lt"/>
+                <a:ea typeface="+mn-ea"/>
+                <a:cs typeface="+mn-cs"/>
+              </a:rPr>
+              <a:t> – which uses a two-way data binding model – is that </a:t>
+            </a:r>
+            <a:r>
+              <a:rPr lang="en-US" sz="1200" b="0" i="0" u="none" strike="noStrike" kern="1200" dirty="0" smtClean="0">
+                <a:solidFill>
+                  <a:schemeClr val="tx1"/>
+                </a:solidFill>
+                <a:effectLst/>
+                <a:latin typeface="+mn-lt"/>
+                <a:ea typeface="+mn-ea"/>
+                <a:cs typeface="+mn-cs"/>
+                <a:hlinkClick r:id="rId5"/>
+              </a:rPr>
+              <a:t>React features a one-way data binding model</a:t>
+            </a:r>
+            <a:r>
+              <a:rPr lang="en-US" sz="1200" b="0" i="0" kern="1200" dirty="0" smtClean="0">
+                <a:solidFill>
+                  <a:schemeClr val="tx1"/>
+                </a:solidFill>
+                <a:effectLst/>
+                <a:latin typeface="+mn-lt"/>
+                <a:ea typeface="+mn-ea"/>
+                <a:cs typeface="+mn-cs"/>
+              </a:rPr>
+              <a:t>.</a:t>
+            </a:r>
+            <a:endParaRPr lang="en-US" dirty="0"/>
+          </a:p>
+        </p:txBody>
+      </p:sp>
+      <p:sp>
+        <p:nvSpPr>
+          <p:cNvPr id="4" name="Slide Number Placeholder 3"/>
+          <p:cNvSpPr>
+            <a:spLocks noGrp="1"/>
+          </p:cNvSpPr>
+          <p:nvPr>
+            <p:ph type="sldNum" sz="quarter" idx="10"/>
+          </p:nvPr>
+        </p:nvSpPr>
+        <p:spPr/>
+        <p:txBody>
+          <a:bodyPr/>
+          <a:lstStyle/>
+          <a:p>
+            <a:fld id="{47CA5B65-C32E-4594-82B5-5B950CCEF23B}" type="slidenum">
+              <a:rPr lang="en-US" smtClean="0"/>
+              <a:t>4</a:t>
+            </a:fld>
+            <a:endParaRPr lang="en-US"/>
+          </a:p>
+        </p:txBody>
+      </p:sp>
+    </p:spTree>
+    <p:extLst>
+      <p:ext uri="{BB962C8B-B14F-4D97-AF65-F5344CB8AC3E}">
+        <p14:creationId xmlns:p14="http://schemas.microsoft.com/office/powerpoint/2010/main" val="602839175"/>
+      </p:ext>
+    </p:extLst>
+  </p:cSld>
+  <p:clrMapOvr>
+    <a:masterClrMapping/>
+  </p:clrMapOvr>
+</p:notes>
+</file>
+
+<file path=ppt/notesSlides/notesSlide4.xml><?xml version="1.0" encoding="utf-8"?>
+<p:notes xmlns:a="http://schemas.openxmlformats.org/drawingml/2006/main" xmlns:r="http://schemas.openxmlformats.org/officeDocument/2006/relationships" xmlns:p="http://schemas.openxmlformats.org/presentationml/2006/main">
+  <p:cSld>
+    <p:spTree>
+      <p:nvGrpSpPr>
+        <p:cNvPr id="1" name=""/>
+        <p:cNvGrpSpPr/>
+        <p:nvPr/>
+      </p:nvGrpSpPr>
+      <p:grpSpPr>
+        <a:xfrm>
+          <a:off x="0" y="0"/>
+          <a:ext cx="0" cy="0"/>
+          <a:chOff x="0" y="0"/>
+          <a:chExt cx="0" cy="0"/>
+        </a:xfrm>
+      </p:grpSpPr>
+      <p:sp>
+        <p:nvSpPr>
+          <p:cNvPr id="2" name="Slide Image Placeholder 1"/>
+          <p:cNvSpPr>
+            <a:spLocks noGrp="1" noRot="1" noChangeAspect="1"/>
+          </p:cNvSpPr>
+          <p:nvPr>
+            <p:ph type="sldImg"/>
+          </p:nvPr>
+        </p:nvSpPr>
+        <p:spPr/>
+      </p:sp>
+      <p:sp>
+        <p:nvSpPr>
+          <p:cNvPr id="3" name="Notes Placeholder 2"/>
+          <p:cNvSpPr>
+            <a:spLocks noGrp="1"/>
+          </p:cNvSpPr>
+          <p:nvPr>
+            <p:ph type="body" idx="1"/>
+          </p:nvPr>
+        </p:nvSpPr>
+        <p:spPr/>
+        <p:txBody>
+          <a:bodyPr/>
+          <a:lstStyle/>
+          <a:p>
+            <a:r>
+              <a:rPr lang="en-US" sz="1200" b="0" i="0" kern="1200" dirty="0" smtClean="0">
+                <a:solidFill>
+                  <a:schemeClr val="tx1"/>
+                </a:solidFill>
+                <a:effectLst/>
+                <a:latin typeface="+mn-lt"/>
+                <a:ea typeface="+mn-ea"/>
+                <a:cs typeface="+mn-cs"/>
+              </a:rPr>
+              <a:t>React.js isn’t a complete framework, so it doesn’t provide all the components you’ll find in other projects like </a:t>
+            </a:r>
+            <a:r>
+              <a:rPr lang="en-US" sz="1200" b="0" i="0" u="none" strike="noStrike" kern="1200" dirty="0" smtClean="0">
+                <a:solidFill>
+                  <a:schemeClr val="tx1"/>
+                </a:solidFill>
+                <a:effectLst/>
+                <a:latin typeface="+mn-lt"/>
+                <a:ea typeface="+mn-ea"/>
+                <a:cs typeface="+mn-cs"/>
+                <a:hlinkClick r:id="rId3"/>
+              </a:rPr>
+              <a:t>Ember</a:t>
+            </a:r>
+            <a:r>
+              <a:rPr lang="en-US" sz="1200" b="0" i="0" kern="1200" dirty="0" smtClean="0">
+                <a:solidFill>
+                  <a:schemeClr val="tx1"/>
+                </a:solidFill>
+                <a:effectLst/>
+                <a:latin typeface="+mn-lt"/>
+                <a:ea typeface="+mn-ea"/>
+                <a:cs typeface="+mn-cs"/>
+              </a:rPr>
+              <a:t> or </a:t>
+            </a:r>
+            <a:r>
+              <a:rPr lang="en-US" sz="1200" b="0" i="0" u="none" strike="noStrike" kern="1200" dirty="0" err="1" smtClean="0">
+                <a:solidFill>
+                  <a:schemeClr val="tx1"/>
+                </a:solidFill>
+                <a:effectLst/>
+                <a:latin typeface="+mn-lt"/>
+                <a:ea typeface="+mn-ea"/>
+                <a:cs typeface="+mn-cs"/>
+                <a:hlinkClick r:id="rId4"/>
+              </a:rPr>
+              <a:t>AngularJS</a:t>
+            </a:r>
+            <a:r>
+              <a:rPr lang="en-US" sz="1200" b="0" i="0" kern="1200" dirty="0" smtClean="0">
+                <a:solidFill>
+                  <a:schemeClr val="tx1"/>
+                </a:solidFill>
+                <a:effectLst/>
+                <a:latin typeface="+mn-lt"/>
+                <a:ea typeface="+mn-ea"/>
+                <a:cs typeface="+mn-cs"/>
+              </a:rPr>
+              <a:t>. </a:t>
+            </a:r>
+          </a:p>
+          <a:p>
+            <a:r>
+              <a:rPr lang="en-US" sz="1200" b="0" i="0" kern="1200" dirty="0" smtClean="0">
+                <a:solidFill>
+                  <a:schemeClr val="tx1"/>
+                </a:solidFill>
+                <a:effectLst/>
+                <a:latin typeface="+mn-lt"/>
+                <a:ea typeface="+mn-ea"/>
+                <a:cs typeface="+mn-cs"/>
+              </a:rPr>
+              <a:t>An important difference with frameworks like </a:t>
+            </a:r>
+            <a:r>
+              <a:rPr lang="en-US" sz="1200" b="0" i="0" kern="1200" dirty="0" err="1" smtClean="0">
+                <a:solidFill>
+                  <a:schemeClr val="tx1"/>
+                </a:solidFill>
+                <a:effectLst/>
+                <a:latin typeface="+mn-lt"/>
+                <a:ea typeface="+mn-ea"/>
+                <a:cs typeface="+mn-cs"/>
+              </a:rPr>
+              <a:t>AngularJS</a:t>
+            </a:r>
+            <a:r>
+              <a:rPr lang="en-US" sz="1200" b="0" i="0" kern="1200" dirty="0" smtClean="0">
+                <a:solidFill>
+                  <a:schemeClr val="tx1"/>
+                </a:solidFill>
+                <a:effectLst/>
+                <a:latin typeface="+mn-lt"/>
+                <a:ea typeface="+mn-ea"/>
+                <a:cs typeface="+mn-cs"/>
+              </a:rPr>
+              <a:t> – which uses a two-way data binding model – is that </a:t>
+            </a:r>
+            <a:r>
+              <a:rPr lang="en-US" sz="1200" b="0" i="0" u="none" strike="noStrike" kern="1200" dirty="0" smtClean="0">
+                <a:solidFill>
+                  <a:schemeClr val="tx1"/>
+                </a:solidFill>
+                <a:effectLst/>
+                <a:latin typeface="+mn-lt"/>
+                <a:ea typeface="+mn-ea"/>
+                <a:cs typeface="+mn-cs"/>
+                <a:hlinkClick r:id="rId5"/>
+              </a:rPr>
+              <a:t>React features a one-way data binding model</a:t>
+            </a:r>
+            <a:r>
+              <a:rPr lang="en-US" sz="1200" b="0" i="0" kern="1200" dirty="0" smtClean="0">
+                <a:solidFill>
+                  <a:schemeClr val="tx1"/>
+                </a:solidFill>
+                <a:effectLst/>
+                <a:latin typeface="+mn-lt"/>
+                <a:ea typeface="+mn-ea"/>
+                <a:cs typeface="+mn-cs"/>
+              </a:rPr>
+              <a:t>.</a:t>
+            </a:r>
+            <a:endParaRPr lang="en-US" dirty="0"/>
+          </a:p>
+        </p:txBody>
+      </p:sp>
+      <p:sp>
+        <p:nvSpPr>
+          <p:cNvPr id="4" name="Slide Number Placeholder 3"/>
+          <p:cNvSpPr>
+            <a:spLocks noGrp="1"/>
+          </p:cNvSpPr>
+          <p:nvPr>
+            <p:ph type="sldNum" sz="quarter" idx="10"/>
+          </p:nvPr>
+        </p:nvSpPr>
+        <p:spPr/>
+        <p:txBody>
+          <a:bodyPr/>
+          <a:lstStyle/>
+          <a:p>
+            <a:fld id="{47CA5B65-C32E-4594-82B5-5B950CCEF23B}" type="slidenum">
+              <a:rPr lang="en-US" smtClean="0"/>
+              <a:t>5</a:t>
+            </a:fld>
+            <a:endParaRPr lang="en-US"/>
+          </a:p>
+        </p:txBody>
+      </p:sp>
+    </p:spTree>
+    <p:extLst>
+      <p:ext uri="{BB962C8B-B14F-4D97-AF65-F5344CB8AC3E}">
+        <p14:creationId xmlns:p14="http://schemas.microsoft.com/office/powerpoint/2010/main" val="602839175"/>
+      </p:ext>
+    </p:extLst>
+  </p:cSld>
+  <p:clrMapOvr>
+    <a:masterClrMapping/>
+  </p:clrMapOvr>
+</p:notes>
+</file>
+
 <file path=ppt/slideLayouts/slideLayout1.xml><?xml version="1.0" encoding="utf-8"?>
 <p:sldLayout xmlns:a="http://schemas.openxmlformats.org/drawingml/2006/main" xmlns:r="http://schemas.openxmlformats.org/officeDocument/2006/relationships" xmlns:p="http://schemas.openxmlformats.org/presentationml/2006/main" showMasterSp="0" preserve="1">
   <p:cSld name="Title Slide">
@@ -2069,7 +2490,7 @@
             <a:fld id="{1D8BD707-D9CF-40AE-B4C6-C98DA3205C09}" type="datetimeFigureOut">
               <a:rPr lang="en-US" smtClean="0"/>
               <a:pPr/>
-              <a:t>12/2/2015</a:t>
+              <a:t>12/3/2015</a:t>
             </a:fld>
             <a:endParaRPr lang="en-US"/>
           </a:p>
@@ -2296,7 +2717,7 @@
             <a:fld id="{1D8BD707-D9CF-40AE-B4C6-C98DA3205C09}" type="datetimeFigureOut">
               <a:rPr lang="en-US" smtClean="0"/>
               <a:pPr/>
-              <a:t>12/2/2015</a:t>
+              <a:t>12/3/2015</a:t>
             </a:fld>
             <a:endParaRPr lang="en-US"/>
           </a:p>
@@ -2523,7 +2944,7 @@
             <a:fld id="{1D8BD707-D9CF-40AE-B4C6-C98DA3205C09}" type="datetimeFigureOut">
               <a:rPr lang="en-US" smtClean="0"/>
               <a:pPr/>
-              <a:t>12/2/2015</a:t>
+              <a:t>12/3/2015</a:t>
             </a:fld>
             <a:endParaRPr lang="en-US"/>
           </a:p>
@@ -2722,7 +3143,7 @@
             <a:fld id="{1D8BD707-D9CF-40AE-B4C6-C98DA3205C09}" type="datetimeFigureOut">
               <a:rPr lang="en-US" smtClean="0"/>
               <a:pPr/>
-              <a:t>12/2/2015</a:t>
+              <a:t>12/3/2015</a:t>
             </a:fld>
             <a:endParaRPr lang="en-US"/>
           </a:p>
@@ -2921,7 +3342,7 @@
             <a:fld id="{1D8BD707-D9CF-40AE-B4C6-C98DA3205C09}" type="datetimeFigureOut">
               <a:rPr lang="en-US" smtClean="0"/>
               <a:pPr/>
-              <a:t>12/2/2015</a:t>
+              <a:t>12/3/2015</a:t>
             </a:fld>
             <a:endParaRPr lang="en-US"/>
           </a:p>
@@ -3147,7 +3568,7 @@
             <a:fld id="{1D8BD707-D9CF-40AE-B4C6-C98DA3205C09}" type="datetimeFigureOut">
               <a:rPr lang="en-US" smtClean="0"/>
               <a:pPr/>
-              <a:t>12/2/2015</a:t>
+              <a:t>12/3/2015</a:t>
             </a:fld>
             <a:endParaRPr lang="en-US"/>
           </a:p>
@@ -3386,7 +3807,7 @@
             <a:fld id="{1D8BD707-D9CF-40AE-B4C6-C98DA3205C09}" type="datetimeFigureOut">
               <a:rPr lang="en-US" smtClean="0"/>
               <a:pPr/>
-              <a:t>12/2/2015</a:t>
+              <a:t>12/3/2015</a:t>
             </a:fld>
             <a:endParaRPr lang="en-US"/>
           </a:p>
@@ -3721,7 +4142,7 @@
             <a:fld id="{1D8BD707-D9CF-40AE-B4C6-C98DA3205C09}" type="datetimeFigureOut">
               <a:rPr lang="en-US" smtClean="0"/>
               <a:pPr/>
-              <a:t>12/2/2015</a:t>
+              <a:t>12/3/2015</a:t>
             </a:fld>
             <a:endParaRPr lang="en-US"/>
           </a:p>
@@ -4191,7 +4612,7 @@
             <a:fld id="{1D8BD707-D9CF-40AE-B4C6-C98DA3205C09}" type="datetimeFigureOut">
               <a:rPr lang="en-US" smtClean="0"/>
               <a:pPr/>
-              <a:t>12/2/2015</a:t>
+              <a:t>12/3/2015</a:t>
             </a:fld>
             <a:endParaRPr lang="en-US"/>
           </a:p>
@@ -4356,7 +4777,7 @@
             <a:fld id="{1D8BD707-D9CF-40AE-B4C6-C98DA3205C09}" type="datetimeFigureOut">
               <a:rPr lang="en-US" smtClean="0"/>
               <a:pPr/>
-              <a:t>12/2/2015</a:t>
+              <a:t>12/3/2015</a:t>
             </a:fld>
             <a:endParaRPr lang="en-US"/>
           </a:p>
@@ -4498,7 +4919,7 @@
             <a:fld id="{1D8BD707-D9CF-40AE-B4C6-C98DA3205C09}" type="datetimeFigureOut">
               <a:rPr lang="en-US" smtClean="0"/>
               <a:pPr/>
-              <a:t>12/2/2015</a:t>
+              <a:t>12/3/2015</a:t>
             </a:fld>
             <a:endParaRPr lang="en-US"/>
           </a:p>
@@ -4822,7 +5243,7 @@
             <a:fld id="{1D8BD707-D9CF-40AE-B4C6-C98DA3205C09}" type="datetimeFigureOut">
               <a:rPr lang="en-US" smtClean="0"/>
               <a:pPr/>
-              <a:t>12/2/2015</a:t>
+              <a:t>12/3/2015</a:t>
             </a:fld>
             <a:endParaRPr lang="en-US"/>
           </a:p>
@@ -5127,7 +5548,7 @@
             <a:fld id="{1D8BD707-D9CF-40AE-B4C6-C98DA3205C09}" type="datetimeFigureOut">
               <a:rPr lang="en-US" smtClean="0"/>
               <a:pPr/>
-              <a:t>12/2/2015</a:t>
+              <a:t>12/3/2015</a:t>
             </a:fld>
             <a:endParaRPr lang="en-US"/>
           </a:p>
@@ -5672,7 +6093,7 @@
             <a:fld id="{1D8BD707-D9CF-40AE-B4C6-C98DA3205C09}" type="datetimeFigureOut">
               <a:rPr lang="en-US" smtClean="0"/>
               <a:pPr/>
-              <a:t>12/2/2015</a:t>
+              <a:t>12/3/2015</a:t>
             </a:fld>
             <a:endParaRPr lang="en-US"/>
           </a:p>
@@ -7017,214 +7438,208 @@
         <p:spPr>
           <a:xfrm>
             <a:off x="381000" y="1371600"/>
-            <a:ext cx="4572000" cy="3600986"/>
+            <a:ext cx="4572000" cy="3677930"/>
           </a:xfrm>
           <a:prstGeom prst="rect">
             <a:avLst/>
           </a:prstGeom>
+          <a:noFill/>
+          <a:ln/>
         </p:spPr>
         <p:txBody>
-          <a:bodyPr>
-            <a:spAutoFit/>
-          </a:bodyPr>
+          <a:bodyPr/>
           <a:lstStyle/>
           <a:p>
-            <a:pPr marL="800100" lvl="1" indent="-342900">
+            <a:pPr marL="742950" lvl="1" indent="-285750" fontAlgn="base">
               <a:spcBef>
-                <a:spcPts val="1200"/>
+                <a:spcPct val="20000"/>
               </a:spcBef>
               <a:spcAft>
-                <a:spcPts val="0"/>
+                <a:spcPts val="600"/>
               </a:spcAft>
               <a:buClr>
                 <a:schemeClr val="accent1"/>
               </a:buClr>
-              <a:buFont typeface="Wingdings" panose="05000000000000000000" pitchFamily="2" charset="2"/>
+              <a:buFont typeface="Wingdings" pitchFamily="2" charset="2"/>
               <a:buChar char="§"/>
             </a:pPr>
             <a:r>
               <a:rPr lang="en-US" sz="2400" dirty="0">
-                <a:solidFill>
-                  <a:srgbClr val="000000"/>
-                </a:solidFill>
-                <a:latin typeface="Tahoma" panose="020B0604030504040204" pitchFamily="34" charset="0"/>
+                <a:latin typeface="Tahoma" pitchFamily="34" charset="0"/>
                 <a:ea typeface="Tahoma" panose="020B0604030504040204" pitchFamily="34" charset="0"/>
-                <a:cs typeface="Tahoma" panose="020B0604030504040204" pitchFamily="34" charset="0"/>
+                <a:cs typeface="Tahoma" pitchFamily="34" charset="0"/>
               </a:rPr>
               <a:t>Introduce React</a:t>
             </a:r>
           </a:p>
           <a:p>
-            <a:pPr marL="800100" lvl="1" indent="-342900">
+            <a:pPr marL="742950" lvl="1" indent="-285750" fontAlgn="base">
               <a:spcBef>
-                <a:spcPts val="1200"/>
+                <a:spcPct val="20000"/>
               </a:spcBef>
               <a:spcAft>
-                <a:spcPts val="0"/>
+                <a:spcPts val="600"/>
               </a:spcAft>
               <a:buClr>
                 <a:schemeClr val="accent1"/>
               </a:buClr>
-              <a:buFont typeface="Wingdings" panose="05000000000000000000" pitchFamily="2" charset="2"/>
+              <a:buFont typeface="Wingdings" pitchFamily="2" charset="2"/>
               <a:buChar char="§"/>
             </a:pPr>
             <a:r>
               <a:rPr lang="en-US" sz="2400" dirty="0">
-                <a:solidFill>
-                  <a:srgbClr val="000000"/>
-                </a:solidFill>
-                <a:latin typeface="Tahoma" panose="020B0604030504040204" pitchFamily="34" charset="0"/>
+                <a:latin typeface="Tahoma" pitchFamily="34" charset="0"/>
                 <a:ea typeface="Tahoma" panose="020B0604030504040204" pitchFamily="34" charset="0"/>
-                <a:cs typeface="Tahoma" panose="020B0604030504040204" pitchFamily="34" charset="0"/>
+                <a:cs typeface="Tahoma" pitchFamily="34" charset="0"/>
               </a:rPr>
               <a:t>React </a:t>
             </a:r>
             <a:r>
-              <a:rPr lang="en-US" sz="2400" dirty="0" smtClean="0">
-                <a:solidFill>
-                  <a:srgbClr val="000000"/>
-                </a:solidFill>
-                <a:latin typeface="Tahoma" panose="020B0604030504040204" pitchFamily="34" charset="0"/>
+              <a:rPr lang="en-US" sz="2400" dirty="0">
+                <a:latin typeface="Tahoma" pitchFamily="34" charset="0"/>
                 <a:ea typeface="Tahoma" panose="020B0604030504040204" pitchFamily="34" charset="0"/>
-                <a:cs typeface="Tahoma" panose="020B0604030504040204" pitchFamily="34" charset="0"/>
+                <a:cs typeface="Tahoma" pitchFamily="34" charset="0"/>
               </a:rPr>
               <a:t>Core Concept</a:t>
             </a:r>
             <a:endParaRPr lang="en-US" sz="2400" dirty="0">
-              <a:solidFill>
-                <a:srgbClr val="000000"/>
-              </a:solidFill>
-              <a:latin typeface="Tahoma" panose="020B0604030504040204" pitchFamily="34" charset="0"/>
+              <a:latin typeface="Tahoma" pitchFamily="34" charset="0"/>
               <a:ea typeface="Tahoma" panose="020B0604030504040204" pitchFamily="34" charset="0"/>
-              <a:cs typeface="Tahoma" panose="020B0604030504040204" pitchFamily="34" charset="0"/>
+              <a:cs typeface="Tahoma" pitchFamily="34" charset="0"/>
             </a:endParaRPr>
           </a:p>
           <a:p>
-            <a:pPr marL="800100" lvl="1" indent="-342900">
+            <a:pPr marL="742950" lvl="1" indent="-285750" fontAlgn="base">
               <a:spcBef>
-                <a:spcPts val="1200"/>
+                <a:spcPct val="20000"/>
               </a:spcBef>
               <a:spcAft>
-                <a:spcPts val="0"/>
+                <a:spcPts val="600"/>
               </a:spcAft>
               <a:buClr>
                 <a:schemeClr val="accent1"/>
               </a:buClr>
-              <a:buFont typeface="Wingdings" panose="05000000000000000000" pitchFamily="2" charset="2"/>
+              <a:buFont typeface="Wingdings" pitchFamily="2" charset="2"/>
               <a:buChar char="§"/>
             </a:pPr>
             <a:r>
+              <a:rPr lang="en-US" sz="2400" dirty="0" smtClean="0">
+                <a:latin typeface="Tahoma" pitchFamily="34" charset="0"/>
+                <a:ea typeface="Tahoma" panose="020B0604030504040204" pitchFamily="34" charset="0"/>
+                <a:cs typeface="Tahoma" pitchFamily="34" charset="0"/>
+              </a:rPr>
+              <a:t>React </a:t>
+            </a:r>
+            <a:r>
               <a:rPr lang="en-US" sz="2400" dirty="0">
-                <a:solidFill>
-                  <a:srgbClr val="000000"/>
-                </a:solidFill>
-                <a:latin typeface="Tahoma" panose="020B0604030504040204" pitchFamily="34" charset="0"/>
+                <a:latin typeface="Tahoma" pitchFamily="34" charset="0"/>
                 <a:ea typeface="Tahoma" panose="020B0604030504040204" pitchFamily="34" charset="0"/>
-                <a:cs typeface="Tahoma" panose="020B0604030504040204" pitchFamily="34" charset="0"/>
+                <a:cs typeface="Tahoma" pitchFamily="34" charset="0"/>
               </a:rPr>
-              <a:t>Composition</a:t>
-            </a:r>
-          </a:p>
-          <a:p>
-            <a:pPr marL="800100" lvl="1" indent="-342900">
+              <a:t>Life </a:t>
+            </a:r>
+            <a:r>
+              <a:rPr lang="en-US" sz="2400" dirty="0" smtClean="0">
+                <a:latin typeface="Tahoma" pitchFamily="34" charset="0"/>
+                <a:ea typeface="Tahoma" panose="020B0604030504040204" pitchFamily="34" charset="0"/>
+                <a:cs typeface="Tahoma" pitchFamily="34" charset="0"/>
+              </a:rPr>
+              <a:t>Cycle</a:t>
+            </a:r>
+          </a:p>
+          <a:p>
+            <a:pPr marL="742950" lvl="1" indent="-285750" fontAlgn="base">
               <a:spcBef>
-                <a:spcPts val="1200"/>
+                <a:spcPct val="20000"/>
               </a:spcBef>
               <a:spcAft>
-                <a:spcPts val="0"/>
+                <a:spcPts val="600"/>
               </a:spcAft>
               <a:buClr>
                 <a:schemeClr val="accent1"/>
               </a:buClr>
-              <a:buFont typeface="Wingdings" panose="05000000000000000000" pitchFamily="2" charset="2"/>
+              <a:buFont typeface="Wingdings" pitchFamily="2" charset="2"/>
               <a:buChar char="§"/>
             </a:pPr>
             <a:r>
-              <a:rPr lang="en-US" sz="2400" dirty="0">
-                <a:solidFill>
-                  <a:srgbClr val="000000"/>
-                </a:solidFill>
-                <a:latin typeface="Tahoma" panose="020B0604030504040204" pitchFamily="34" charset="0"/>
+              <a:rPr lang="en-US" sz="2400" dirty="0" smtClean="0">
+                <a:latin typeface="Tahoma" pitchFamily="34" charset="0"/>
                 <a:ea typeface="Tahoma" panose="020B0604030504040204" pitchFamily="34" charset="0"/>
-                <a:cs typeface="Tahoma" panose="020B0604030504040204" pitchFamily="34" charset="0"/>
+                <a:cs typeface="Tahoma" pitchFamily="34" charset="0"/>
               </a:rPr>
-              <a:t>React Life Cycle</a:t>
-            </a:r>
-          </a:p>
-          <a:p>
-            <a:pPr marL="800100" lvl="1" indent="-342900">
+              <a:t>React Event</a:t>
+            </a:r>
+            <a:endParaRPr lang="en-US" sz="2400" dirty="0">
+              <a:latin typeface="Tahoma" pitchFamily="34" charset="0"/>
+              <a:ea typeface="Tahoma" panose="020B0604030504040204" pitchFamily="34" charset="0"/>
+              <a:cs typeface="Tahoma" pitchFamily="34" charset="0"/>
+            </a:endParaRPr>
+          </a:p>
+          <a:p>
+            <a:pPr marL="742950" lvl="1" indent="-285750" fontAlgn="base">
               <a:spcBef>
-                <a:spcPts val="1200"/>
+                <a:spcPct val="20000"/>
               </a:spcBef>
               <a:spcAft>
-                <a:spcPts val="0"/>
+                <a:spcPts val="600"/>
               </a:spcAft>
               <a:buClr>
                 <a:schemeClr val="accent1"/>
               </a:buClr>
-              <a:buFont typeface="Wingdings" panose="05000000000000000000" pitchFamily="2" charset="2"/>
+              <a:buFont typeface="Wingdings" pitchFamily="2" charset="2"/>
               <a:buChar char="§"/>
             </a:pPr>
             <a:r>
               <a:rPr lang="en-US" sz="2400" dirty="0">
-                <a:solidFill>
-                  <a:srgbClr val="000000"/>
-                </a:solidFill>
-                <a:latin typeface="Tahoma" panose="020B0604030504040204" pitchFamily="34" charset="0"/>
+                <a:latin typeface="Tahoma" pitchFamily="34" charset="0"/>
                 <a:ea typeface="Tahoma" panose="020B0604030504040204" pitchFamily="34" charset="0"/>
-                <a:cs typeface="Tahoma" panose="020B0604030504040204" pitchFamily="34" charset="0"/>
+                <a:cs typeface="Tahoma" pitchFamily="34" charset="0"/>
               </a:rPr>
               <a:t>React Form</a:t>
             </a:r>
           </a:p>
           <a:p>
-            <a:pPr marL="800100" lvl="1" indent="-342900">
+            <a:pPr marL="742950" lvl="1" indent="-285750" fontAlgn="base">
               <a:spcBef>
-                <a:spcPts val="1200"/>
+                <a:spcPct val="20000"/>
               </a:spcBef>
               <a:spcAft>
-                <a:spcPts val="0"/>
+                <a:spcPts val="600"/>
               </a:spcAft>
               <a:buClr>
                 <a:schemeClr val="accent1"/>
               </a:buClr>
-              <a:buFont typeface="Wingdings" panose="05000000000000000000" pitchFamily="2" charset="2"/>
+              <a:buFont typeface="Wingdings" pitchFamily="2" charset="2"/>
               <a:buChar char="§"/>
             </a:pPr>
             <a:r>
               <a:rPr lang="en-US" sz="2400" dirty="0">
-                <a:solidFill>
-                  <a:srgbClr val="000000"/>
-                </a:solidFill>
-                <a:latin typeface="Tahoma" panose="020B0604030504040204" pitchFamily="34" charset="0"/>
+                <a:latin typeface="Tahoma" pitchFamily="34" charset="0"/>
                 <a:ea typeface="Tahoma" panose="020B0604030504040204" pitchFamily="34" charset="0"/>
-                <a:cs typeface="Tahoma" panose="020B0604030504040204" pitchFamily="34" charset="0"/>
+                <a:cs typeface="Tahoma" pitchFamily="34" charset="0"/>
               </a:rPr>
               <a:t>React Router</a:t>
             </a:r>
           </a:p>
           <a:p>
-            <a:pPr marL="800100" lvl="1" indent="-342900">
+            <a:pPr marL="742950" lvl="1" indent="-285750" fontAlgn="base">
               <a:spcBef>
-                <a:spcPts val="1200"/>
+                <a:spcPct val="20000"/>
               </a:spcBef>
               <a:spcAft>
-                <a:spcPts val="0"/>
+                <a:spcPts val="600"/>
               </a:spcAft>
               <a:buClr>
                 <a:schemeClr val="accent1"/>
               </a:buClr>
-              <a:buFont typeface="Wingdings" panose="05000000000000000000" pitchFamily="2" charset="2"/>
+              <a:buFont typeface="Wingdings" pitchFamily="2" charset="2"/>
               <a:buChar char="§"/>
             </a:pPr>
             <a:r>
               <a:rPr lang="en-US" sz="2400" dirty="0">
-                <a:solidFill>
-                  <a:srgbClr val="000000"/>
-                </a:solidFill>
-                <a:latin typeface="Tahoma" panose="020B0604030504040204" pitchFamily="34" charset="0"/>
+                <a:latin typeface="Tahoma" pitchFamily="34" charset="0"/>
                 <a:ea typeface="Tahoma" panose="020B0604030504040204" pitchFamily="34" charset="0"/>
-                <a:cs typeface="Tahoma" panose="020B0604030504040204" pitchFamily="34" charset="0"/>
+                <a:cs typeface="Tahoma" pitchFamily="34" charset="0"/>
               </a:rPr>
               <a:t>React with Flux</a:t>
             </a:r>
@@ -7472,108 +7887,110 @@
                 <a:spcPts val="600"/>
               </a:spcAft>
             </a:pPr>
-            <a:r>
-              <a:rPr lang="en-US" sz="2400" dirty="0" smtClean="0">
-                <a:ea typeface="Tahoma" panose="020B0604030504040204" pitchFamily="34" charset="0"/>
-              </a:rPr>
-              <a:t>React is a UI library developed at Facebook.</a:t>
-            </a:r>
-          </a:p>
-          <a:p>
-            <a:pPr lvl="1">
-              <a:spcAft>
-                <a:spcPts val="600"/>
-              </a:spcAft>
-            </a:pPr>
-            <a:r>
-              <a:rPr lang="en-US" sz="2400" dirty="0" smtClean="0">
-                <a:ea typeface="Tahoma" panose="020B0604030504040204" pitchFamily="34" charset="0"/>
-              </a:rPr>
-              <a:t>Allow to create UI components</a:t>
-            </a:r>
-          </a:p>
-          <a:p>
-            <a:pPr lvl="2">
-              <a:spcAft>
-                <a:spcPts val="600"/>
-              </a:spcAft>
-              <a:buFont typeface="Wingdings" panose="05000000000000000000" pitchFamily="2" charset="2"/>
-              <a:buChar char="§"/>
-            </a:pPr>
-            <a:r>
-              <a:rPr lang="en-US" dirty="0" smtClean="0">
-                <a:ea typeface="Tahoma" panose="020B0604030504040204" pitchFamily="34" charset="0"/>
-              </a:rPr>
-              <a:t>Interactive</a:t>
-            </a:r>
-          </a:p>
-          <a:p>
-            <a:pPr lvl="2">
-              <a:spcAft>
-                <a:spcPts val="600"/>
-              </a:spcAft>
-              <a:buFont typeface="Wingdings" panose="05000000000000000000" pitchFamily="2" charset="2"/>
-              <a:buChar char="§"/>
-            </a:pPr>
-            <a:r>
-              <a:rPr lang="en-US" dirty="0" err="1" smtClean="0">
-                <a:ea typeface="Tahoma" panose="020B0604030504040204" pitchFamily="34" charset="0"/>
-              </a:rPr>
-              <a:t>Stateful</a:t>
-            </a:r>
-            <a:endParaRPr lang="en-US" dirty="0" smtClean="0">
-              <a:ea typeface="Tahoma" panose="020B0604030504040204" pitchFamily="34" charset="0"/>
-            </a:endParaRPr>
-          </a:p>
-          <a:p>
-            <a:pPr lvl="2">
-              <a:spcAft>
-                <a:spcPts val="600"/>
-              </a:spcAft>
-              <a:buFont typeface="Wingdings" panose="05000000000000000000" pitchFamily="2" charset="2"/>
-              <a:buChar char="§"/>
-            </a:pPr>
-            <a:r>
-              <a:rPr lang="en-US" dirty="0" smtClean="0">
-                <a:ea typeface="Tahoma" panose="020B0604030504040204" pitchFamily="34" charset="0"/>
-              </a:rPr>
-              <a:t>Reusable </a:t>
-            </a:r>
-          </a:p>
-          <a:p>
-            <a:pPr lvl="1">
-              <a:spcAft>
-                <a:spcPts val="600"/>
-              </a:spcAft>
-            </a:pPr>
-            <a:r>
-              <a:rPr lang="en-US" sz="2400" dirty="0" smtClean="0">
-                <a:ea typeface="Tahoma" panose="020B0604030504040204" pitchFamily="34" charset="0"/>
-              </a:rPr>
-              <a:t>Client site and server side</a:t>
-            </a:r>
-          </a:p>
-          <a:p>
-            <a:pPr lvl="1">
-              <a:spcAft>
-                <a:spcPts val="600"/>
-              </a:spcAft>
-            </a:pPr>
-            <a:r>
-              <a:rPr lang="en-US" sz="2400" dirty="0"/>
-              <a:t>React is the "</a:t>
-            </a:r>
-            <a:r>
-              <a:rPr lang="en-US" sz="2400" b="1" dirty="0"/>
-              <a:t>V</a:t>
-            </a:r>
-            <a:r>
-              <a:rPr lang="en-US" sz="2400" dirty="0"/>
-              <a:t>iew" in the application</a:t>
-            </a:r>
             <a:endParaRPr lang="en-US" sz="2400" dirty="0">
               <a:ea typeface="Tahoma" panose="020B0604030504040204" pitchFamily="34" charset="0"/>
             </a:endParaRPr>
+          </a:p>
+        </p:txBody>
+      </p:sp>
+      <p:pic>
+        <p:nvPicPr>
+          <p:cNvPr id="1028" name="Picture 4"/>
+          <p:cNvPicPr>
+            <a:picLocks noChangeAspect="1" noChangeArrowheads="1"/>
+          </p:cNvPicPr>
+          <p:nvPr/>
+        </p:nvPicPr>
+        <p:blipFill>
+          <a:blip r:embed="rId3">
+            <a:extLst>
+              <a:ext uri="{28A0092B-C50C-407E-A947-70E740481C1C}">
+                <a14:useLocalDpi xmlns:a14="http://schemas.microsoft.com/office/drawing/2010/main" val="0"/>
+              </a:ext>
+            </a:extLst>
+          </a:blip>
+          <a:srcRect/>
+          <a:stretch>
+            <a:fillRect/>
+          </a:stretch>
+        </p:blipFill>
+        <p:spPr bwMode="auto">
+          <a:xfrm>
+            <a:off x="2286000" y="1816231"/>
+            <a:ext cx="4114800" cy="3365369"/>
+          </a:xfrm>
+          <a:prstGeom prst="rect">
+            <a:avLst/>
+          </a:prstGeom>
+          <a:noFill/>
+          <a:ln>
+            <a:noFill/>
+          </a:ln>
+          <a:effectLst/>
+          <a:extLst>
+            <a:ext uri="{909E8E84-426E-40DD-AFC4-6F175D3DCCD1}">
+              <a14:hiddenFill xmlns:a14="http://schemas.microsoft.com/office/drawing/2010/main">
+                <a:solidFill>
+                  <a:schemeClr val="accent1"/>
+                </a:solidFill>
+              </a14:hiddenFill>
+            </a:ext>
+            <a:ext uri="{91240B29-F687-4F45-9708-019B960494DF}">
+              <a14:hiddenLine xmlns:a14="http://schemas.microsoft.com/office/drawing/2010/main" w="9525">
+                <a:solidFill>
+                  <a:schemeClr val="tx1"/>
+                </a:solidFill>
+                <a:miter lim="800000"/>
+                <a:headEnd/>
+                <a:tailEnd/>
+              </a14:hiddenLine>
+            </a:ext>
+            <a:ext uri="{AF507438-7753-43E0-B8FC-AC1667EBCBE1}">
+              <a14:hiddenEffects xmlns:a14="http://schemas.microsoft.com/office/drawing/2010/main">
+                <a:effectLst>
+                  <a:outerShdw dist="35921" dir="2700000" algn="ctr" rotWithShape="0">
+                    <a:schemeClr val="bg2"/>
+                  </a:outerShdw>
+                </a:effectLst>
+              </a14:hiddenEffects>
+            </a:ext>
+          </a:extLst>
+        </p:spPr>
+      </p:pic>
+      <p:sp>
+        <p:nvSpPr>
+          <p:cNvPr id="4" name="Rectangle 3"/>
+          <p:cNvSpPr/>
+          <p:nvPr/>
+        </p:nvSpPr>
+        <p:spPr>
+          <a:xfrm>
+            <a:off x="1342222" y="5354214"/>
+            <a:ext cx="6248400" cy="307777"/>
+          </a:xfrm>
+          <a:prstGeom prst="rect">
+            <a:avLst/>
+          </a:prstGeom>
+        </p:spPr>
+        <p:txBody>
+          <a:bodyPr wrap="square">
+            <a:spAutoFit/>
+          </a:bodyPr>
+          <a:lstStyle/>
+          <a:p>
+            <a:r>
+              <a:rPr lang="en-US" sz="1400" i="1" dirty="0"/>
+              <a:t>Google search trends for React </a:t>
+            </a:r>
+            <a:r>
+              <a:rPr lang="en-US" sz="1400" i="1" dirty="0" smtClean="0"/>
+              <a:t>in programming </a:t>
+            </a:r>
+            <a:r>
+              <a:rPr lang="en-US" sz="1400" i="1" dirty="0"/>
+              <a:t>category</a:t>
+            </a:r>
+            <a:endParaRPr lang="en-US" sz="1400" dirty="0"/>
           </a:p>
         </p:txBody>
       </p:sp>
@@ -7598,6 +8015,651 @@
 </file>
 
 <file path=ppt/slides/slide4.xml><?xml version="1.0" encoding="utf-8"?>
+<p:sld xmlns:a="http://schemas.openxmlformats.org/drawingml/2006/main" xmlns:r="http://schemas.openxmlformats.org/officeDocument/2006/relationships" xmlns:p="http://schemas.openxmlformats.org/presentationml/2006/main">
+  <p:cSld>
+    <p:spTree>
+      <p:nvGrpSpPr>
+        <p:cNvPr id="1" name=""/>
+        <p:cNvGrpSpPr/>
+        <p:nvPr/>
+      </p:nvGrpSpPr>
+      <p:grpSpPr>
+        <a:xfrm>
+          <a:off x="0" y="0"/>
+          <a:ext cx="0" cy="0"/>
+          <a:chOff x="0" y="0"/>
+          <a:chExt cx="0" cy="0"/>
+        </a:xfrm>
+      </p:grpSpPr>
+      <p:sp>
+        <p:nvSpPr>
+          <p:cNvPr id="2" name="Title 1"/>
+          <p:cNvSpPr>
+            <a:spLocks noGrp="1"/>
+          </p:cNvSpPr>
+          <p:nvPr>
+            <p:ph type="title"/>
+          </p:nvPr>
+        </p:nvSpPr>
+        <p:spPr/>
+        <p:txBody>
+          <a:bodyPr/>
+          <a:lstStyle/>
+          <a:p>
+            <a:r>
+              <a:rPr lang="en-US" dirty="0" smtClean="0"/>
+              <a:t>Introduce React</a:t>
+            </a:r>
+            <a:endParaRPr lang="en-US" dirty="0"/>
+          </a:p>
+        </p:txBody>
+      </p:sp>
+      <p:sp>
+        <p:nvSpPr>
+          <p:cNvPr id="3" name="Rectangle 5"/>
+          <p:cNvSpPr txBox="1">
+            <a:spLocks noChangeArrowheads="1"/>
+          </p:cNvSpPr>
+          <p:nvPr/>
+        </p:nvSpPr>
+        <p:spPr>
+          <a:xfrm>
+            <a:off x="457200" y="1600200"/>
+            <a:ext cx="8075613" cy="4525963"/>
+          </a:xfrm>
+          <a:prstGeom prst="rect">
+            <a:avLst/>
+          </a:prstGeom>
+          <a:noFill/>
+          <a:ln/>
+        </p:spPr>
+        <p:txBody>
+          <a:bodyPr/>
+          <a:lstStyle>
+            <a:lvl1pPr marL="342900" indent="-342900" algn="l" rtl="0" eaLnBrk="1" fontAlgn="base" hangingPunct="1">
+              <a:spcBef>
+                <a:spcPct val="20000"/>
+              </a:spcBef>
+              <a:spcAft>
+                <a:spcPct val="0"/>
+              </a:spcAft>
+              <a:buClr>
+                <a:schemeClr val="hlink"/>
+              </a:buClr>
+              <a:buFont typeface="Wingdings" pitchFamily="2" charset="2"/>
+              <a:buChar char="v"/>
+              <a:defRPr sz="2800" b="1">
+                <a:solidFill>
+                  <a:schemeClr val="tx1"/>
+                </a:solidFill>
+                <a:latin typeface="Tahoma" pitchFamily="34" charset="0"/>
+                <a:ea typeface="+mn-ea"/>
+                <a:cs typeface="Tahoma" pitchFamily="34" charset="0"/>
+              </a:defRPr>
+            </a:lvl1pPr>
+            <a:lvl2pPr marL="742950" indent="-285750" algn="l" rtl="0" eaLnBrk="1" fontAlgn="base" hangingPunct="1">
+              <a:spcBef>
+                <a:spcPct val="20000"/>
+              </a:spcBef>
+              <a:spcAft>
+                <a:spcPct val="0"/>
+              </a:spcAft>
+              <a:buClr>
+                <a:schemeClr val="accent1"/>
+              </a:buClr>
+              <a:buFont typeface="Wingdings" pitchFamily="2" charset="2"/>
+              <a:buChar char="§"/>
+              <a:defRPr sz="2800">
+                <a:solidFill>
+                  <a:schemeClr val="tx1"/>
+                </a:solidFill>
+                <a:latin typeface="Tahoma" pitchFamily="34" charset="0"/>
+                <a:cs typeface="Tahoma" pitchFamily="34" charset="0"/>
+              </a:defRPr>
+            </a:lvl2pPr>
+            <a:lvl3pPr marL="1143000" indent="-228600" algn="l" rtl="0" eaLnBrk="1" fontAlgn="base" hangingPunct="1">
+              <a:spcBef>
+                <a:spcPct val="20000"/>
+              </a:spcBef>
+              <a:spcAft>
+                <a:spcPct val="0"/>
+              </a:spcAft>
+              <a:buClr>
+                <a:schemeClr val="tx1"/>
+              </a:buClr>
+              <a:buChar char="•"/>
+              <a:defRPr sz="2400">
+                <a:solidFill>
+                  <a:schemeClr val="tx1"/>
+                </a:solidFill>
+                <a:latin typeface="Tahoma" pitchFamily="34" charset="0"/>
+                <a:cs typeface="Tahoma" pitchFamily="34" charset="0"/>
+              </a:defRPr>
+            </a:lvl3pPr>
+            <a:lvl4pPr marL="1600200" indent="-228600" algn="l" rtl="0" eaLnBrk="1" fontAlgn="base" hangingPunct="1">
+              <a:spcBef>
+                <a:spcPct val="20000"/>
+              </a:spcBef>
+              <a:spcAft>
+                <a:spcPct val="0"/>
+              </a:spcAft>
+              <a:buChar char="–"/>
+              <a:defRPr sz="2000">
+                <a:solidFill>
+                  <a:schemeClr val="tx1"/>
+                </a:solidFill>
+                <a:latin typeface="Tahoma" pitchFamily="34" charset="0"/>
+                <a:cs typeface="Tahoma" pitchFamily="34" charset="0"/>
+              </a:defRPr>
+            </a:lvl4pPr>
+            <a:lvl5pPr marL="2057400" indent="-228600" algn="l" rtl="0" eaLnBrk="1" fontAlgn="base" hangingPunct="1">
+              <a:spcBef>
+                <a:spcPct val="20000"/>
+              </a:spcBef>
+              <a:spcAft>
+                <a:spcPct val="0"/>
+              </a:spcAft>
+              <a:buChar char="»"/>
+              <a:defRPr sz="2000">
+                <a:solidFill>
+                  <a:schemeClr val="tx1"/>
+                </a:solidFill>
+                <a:latin typeface="Tahoma" pitchFamily="34" charset="0"/>
+                <a:cs typeface="Tahoma" pitchFamily="34" charset="0"/>
+              </a:defRPr>
+            </a:lvl5pPr>
+            <a:lvl6pPr marL="2514600" indent="-228600" algn="l" rtl="0" eaLnBrk="1" fontAlgn="base" hangingPunct="1">
+              <a:spcBef>
+                <a:spcPct val="20000"/>
+              </a:spcBef>
+              <a:spcAft>
+                <a:spcPct val="0"/>
+              </a:spcAft>
+              <a:buChar char="»"/>
+              <a:defRPr sz="2000">
+                <a:solidFill>
+                  <a:schemeClr val="tx1"/>
+                </a:solidFill>
+                <a:latin typeface="Arial" charset="0"/>
+              </a:defRPr>
+            </a:lvl6pPr>
+            <a:lvl7pPr marL="2971800" indent="-228600" algn="l" rtl="0" eaLnBrk="1" fontAlgn="base" hangingPunct="1">
+              <a:spcBef>
+                <a:spcPct val="20000"/>
+              </a:spcBef>
+              <a:spcAft>
+                <a:spcPct val="0"/>
+              </a:spcAft>
+              <a:buChar char="»"/>
+              <a:defRPr sz="2000">
+                <a:solidFill>
+                  <a:schemeClr val="tx1"/>
+                </a:solidFill>
+                <a:latin typeface="Arial" charset="0"/>
+              </a:defRPr>
+            </a:lvl7pPr>
+            <a:lvl8pPr marL="3429000" indent="-228600" algn="l" rtl="0" eaLnBrk="1" fontAlgn="base" hangingPunct="1">
+              <a:spcBef>
+                <a:spcPct val="20000"/>
+              </a:spcBef>
+              <a:spcAft>
+                <a:spcPct val="0"/>
+              </a:spcAft>
+              <a:buChar char="»"/>
+              <a:defRPr sz="2000">
+                <a:solidFill>
+                  <a:schemeClr val="tx1"/>
+                </a:solidFill>
+                <a:latin typeface="Arial" charset="0"/>
+              </a:defRPr>
+            </a:lvl8pPr>
+            <a:lvl9pPr marL="3886200" indent="-228600" algn="l" rtl="0" eaLnBrk="1" fontAlgn="base" hangingPunct="1">
+              <a:spcBef>
+                <a:spcPct val="20000"/>
+              </a:spcBef>
+              <a:spcAft>
+                <a:spcPct val="0"/>
+              </a:spcAft>
+              <a:buChar char="»"/>
+              <a:defRPr sz="2000">
+                <a:solidFill>
+                  <a:schemeClr val="tx1"/>
+                </a:solidFill>
+                <a:latin typeface="Arial" charset="0"/>
+              </a:defRPr>
+            </a:lvl9pPr>
+          </a:lstStyle>
+          <a:p>
+            <a:pPr lvl="1">
+              <a:spcAft>
+                <a:spcPts val="600"/>
+              </a:spcAft>
+            </a:pPr>
+            <a:r>
+              <a:rPr lang="en-US" sz="2400" dirty="0" smtClean="0">
+                <a:ea typeface="Tahoma" panose="020B0604030504040204" pitchFamily="34" charset="0"/>
+              </a:rPr>
+              <a:t>React is a UI library developed at Facebook.</a:t>
+            </a:r>
+          </a:p>
+          <a:p>
+            <a:pPr lvl="1">
+              <a:spcAft>
+                <a:spcPts val="600"/>
+              </a:spcAft>
+            </a:pPr>
+            <a:r>
+              <a:rPr lang="en-US" sz="2400" dirty="0" smtClean="0">
+                <a:ea typeface="Tahoma" panose="020B0604030504040204" pitchFamily="34" charset="0"/>
+              </a:rPr>
+              <a:t>Allow to create UI components</a:t>
+            </a:r>
+          </a:p>
+          <a:p>
+            <a:pPr lvl="2">
+              <a:spcAft>
+                <a:spcPts val="600"/>
+              </a:spcAft>
+              <a:buFont typeface="Wingdings" panose="05000000000000000000" pitchFamily="2" charset="2"/>
+              <a:buChar char="§"/>
+            </a:pPr>
+            <a:r>
+              <a:rPr lang="en-US" dirty="0" smtClean="0">
+                <a:ea typeface="Tahoma" panose="020B0604030504040204" pitchFamily="34" charset="0"/>
+              </a:rPr>
+              <a:t>Interactive</a:t>
+            </a:r>
+          </a:p>
+          <a:p>
+            <a:pPr lvl="2">
+              <a:spcAft>
+                <a:spcPts val="600"/>
+              </a:spcAft>
+              <a:buFont typeface="Wingdings" panose="05000000000000000000" pitchFamily="2" charset="2"/>
+              <a:buChar char="§"/>
+            </a:pPr>
+            <a:r>
+              <a:rPr lang="en-US" dirty="0" err="1" smtClean="0">
+                <a:ea typeface="Tahoma" panose="020B0604030504040204" pitchFamily="34" charset="0"/>
+              </a:rPr>
+              <a:t>Stateful</a:t>
+            </a:r>
+            <a:endParaRPr lang="en-US" dirty="0" smtClean="0">
+              <a:ea typeface="Tahoma" panose="020B0604030504040204" pitchFamily="34" charset="0"/>
+            </a:endParaRPr>
+          </a:p>
+          <a:p>
+            <a:pPr lvl="2">
+              <a:spcAft>
+                <a:spcPts val="600"/>
+              </a:spcAft>
+              <a:buFont typeface="Wingdings" panose="05000000000000000000" pitchFamily="2" charset="2"/>
+              <a:buChar char="§"/>
+            </a:pPr>
+            <a:r>
+              <a:rPr lang="en-US" dirty="0" smtClean="0">
+                <a:ea typeface="Tahoma" panose="020B0604030504040204" pitchFamily="34" charset="0"/>
+              </a:rPr>
+              <a:t>Reusable </a:t>
+            </a:r>
+          </a:p>
+          <a:p>
+            <a:pPr lvl="1">
+              <a:spcAft>
+                <a:spcPts val="600"/>
+              </a:spcAft>
+            </a:pPr>
+            <a:r>
+              <a:rPr lang="en-US" sz="2400" dirty="0" smtClean="0">
+                <a:ea typeface="Tahoma" panose="020B0604030504040204" pitchFamily="34" charset="0"/>
+              </a:rPr>
+              <a:t>Client site and server side</a:t>
+            </a:r>
+          </a:p>
+          <a:p>
+            <a:pPr lvl="1">
+              <a:spcAft>
+                <a:spcPts val="600"/>
+              </a:spcAft>
+            </a:pPr>
+            <a:r>
+              <a:rPr lang="en-US" sz="2400" dirty="0"/>
+              <a:t>React is the "</a:t>
+            </a:r>
+            <a:r>
+              <a:rPr lang="en-US" sz="2400" b="1" dirty="0"/>
+              <a:t>V</a:t>
+            </a:r>
+            <a:r>
+              <a:rPr lang="en-US" sz="2400" dirty="0"/>
+              <a:t>iew" in the application</a:t>
+            </a:r>
+            <a:endParaRPr lang="en-US" sz="2400" dirty="0">
+              <a:ea typeface="Tahoma" panose="020B0604030504040204" pitchFamily="34" charset="0"/>
+            </a:endParaRPr>
+          </a:p>
+        </p:txBody>
+      </p:sp>
+    </p:spTree>
+    <p:extLst>
+      <p:ext uri="{BB962C8B-B14F-4D97-AF65-F5344CB8AC3E}">
+        <p14:creationId xmlns:p14="http://schemas.microsoft.com/office/powerpoint/2010/main" val="4048286838"/>
+      </p:ext>
+    </p:extLst>
+  </p:cSld>
+  <p:clrMapOvr>
+    <a:masterClrMapping/>
+  </p:clrMapOvr>
+  <p:timing>
+    <p:tnLst>
+      <p:par>
+        <p:cTn id="1" dur="indefinite" restart="never" nodeType="tmRoot"/>
+      </p:par>
+    </p:tnLst>
+  </p:timing>
+</p:sld>
+</file>
+
+<file path=ppt/slides/slide5.xml><?xml version="1.0" encoding="utf-8"?>
+<p:sld xmlns:a="http://schemas.openxmlformats.org/drawingml/2006/main" xmlns:r="http://schemas.openxmlformats.org/officeDocument/2006/relationships" xmlns:p="http://schemas.openxmlformats.org/presentationml/2006/main">
+  <p:cSld>
+    <p:spTree>
+      <p:nvGrpSpPr>
+        <p:cNvPr id="1" name=""/>
+        <p:cNvGrpSpPr/>
+        <p:nvPr/>
+      </p:nvGrpSpPr>
+      <p:grpSpPr>
+        <a:xfrm>
+          <a:off x="0" y="0"/>
+          <a:ext cx="0" cy="0"/>
+          <a:chOff x="0" y="0"/>
+          <a:chExt cx="0" cy="0"/>
+        </a:xfrm>
+      </p:grpSpPr>
+      <p:sp>
+        <p:nvSpPr>
+          <p:cNvPr id="2" name="Title 1"/>
+          <p:cNvSpPr>
+            <a:spLocks noGrp="1"/>
+          </p:cNvSpPr>
+          <p:nvPr>
+            <p:ph type="title"/>
+          </p:nvPr>
+        </p:nvSpPr>
+        <p:spPr/>
+        <p:txBody>
+          <a:bodyPr/>
+          <a:lstStyle/>
+          <a:p>
+            <a:r>
+              <a:rPr lang="en-US" dirty="0" smtClean="0"/>
+              <a:t>Introduce React</a:t>
+            </a:r>
+            <a:endParaRPr lang="en-US" dirty="0"/>
+          </a:p>
+        </p:txBody>
+      </p:sp>
+      <p:sp>
+        <p:nvSpPr>
+          <p:cNvPr id="3" name="Rectangle 5"/>
+          <p:cNvSpPr txBox="1">
+            <a:spLocks noChangeArrowheads="1"/>
+          </p:cNvSpPr>
+          <p:nvPr/>
+        </p:nvSpPr>
+        <p:spPr>
+          <a:xfrm>
+            <a:off x="457200" y="1600200"/>
+            <a:ext cx="8075613" cy="4525963"/>
+          </a:xfrm>
+          <a:prstGeom prst="rect">
+            <a:avLst/>
+          </a:prstGeom>
+          <a:noFill/>
+          <a:ln/>
+        </p:spPr>
+        <p:txBody>
+          <a:bodyPr/>
+          <a:lstStyle>
+            <a:lvl1pPr marL="342900" indent="-342900" algn="l" rtl="0" eaLnBrk="1" fontAlgn="base" hangingPunct="1">
+              <a:spcBef>
+                <a:spcPct val="20000"/>
+              </a:spcBef>
+              <a:spcAft>
+                <a:spcPct val="0"/>
+              </a:spcAft>
+              <a:buClr>
+                <a:schemeClr val="hlink"/>
+              </a:buClr>
+              <a:buFont typeface="Wingdings" pitchFamily="2" charset="2"/>
+              <a:buChar char="v"/>
+              <a:defRPr sz="2800" b="1">
+                <a:solidFill>
+                  <a:schemeClr val="tx1"/>
+                </a:solidFill>
+                <a:latin typeface="Tahoma" pitchFamily="34" charset="0"/>
+                <a:ea typeface="+mn-ea"/>
+                <a:cs typeface="Tahoma" pitchFamily="34" charset="0"/>
+              </a:defRPr>
+            </a:lvl1pPr>
+            <a:lvl2pPr marL="742950" indent="-285750" algn="l" rtl="0" eaLnBrk="1" fontAlgn="base" hangingPunct="1">
+              <a:spcBef>
+                <a:spcPct val="20000"/>
+              </a:spcBef>
+              <a:spcAft>
+                <a:spcPct val="0"/>
+              </a:spcAft>
+              <a:buClr>
+                <a:schemeClr val="accent1"/>
+              </a:buClr>
+              <a:buFont typeface="Wingdings" pitchFamily="2" charset="2"/>
+              <a:buChar char="§"/>
+              <a:defRPr sz="2800">
+                <a:solidFill>
+                  <a:schemeClr val="tx1"/>
+                </a:solidFill>
+                <a:latin typeface="Tahoma" pitchFamily="34" charset="0"/>
+                <a:cs typeface="Tahoma" pitchFamily="34" charset="0"/>
+              </a:defRPr>
+            </a:lvl2pPr>
+            <a:lvl3pPr marL="1143000" indent="-228600" algn="l" rtl="0" eaLnBrk="1" fontAlgn="base" hangingPunct="1">
+              <a:spcBef>
+                <a:spcPct val="20000"/>
+              </a:spcBef>
+              <a:spcAft>
+                <a:spcPct val="0"/>
+              </a:spcAft>
+              <a:buClr>
+                <a:schemeClr val="tx1"/>
+              </a:buClr>
+              <a:buChar char="•"/>
+              <a:defRPr sz="2400">
+                <a:solidFill>
+                  <a:schemeClr val="tx1"/>
+                </a:solidFill>
+                <a:latin typeface="Tahoma" pitchFamily="34" charset="0"/>
+                <a:cs typeface="Tahoma" pitchFamily="34" charset="0"/>
+              </a:defRPr>
+            </a:lvl3pPr>
+            <a:lvl4pPr marL="1600200" indent="-228600" algn="l" rtl="0" eaLnBrk="1" fontAlgn="base" hangingPunct="1">
+              <a:spcBef>
+                <a:spcPct val="20000"/>
+              </a:spcBef>
+              <a:spcAft>
+                <a:spcPct val="0"/>
+              </a:spcAft>
+              <a:buChar char="–"/>
+              <a:defRPr sz="2000">
+                <a:solidFill>
+                  <a:schemeClr val="tx1"/>
+                </a:solidFill>
+                <a:latin typeface="Tahoma" pitchFamily="34" charset="0"/>
+                <a:cs typeface="Tahoma" pitchFamily="34" charset="0"/>
+              </a:defRPr>
+            </a:lvl4pPr>
+            <a:lvl5pPr marL="2057400" indent="-228600" algn="l" rtl="0" eaLnBrk="1" fontAlgn="base" hangingPunct="1">
+              <a:spcBef>
+                <a:spcPct val="20000"/>
+              </a:spcBef>
+              <a:spcAft>
+                <a:spcPct val="0"/>
+              </a:spcAft>
+              <a:buChar char="»"/>
+              <a:defRPr sz="2000">
+                <a:solidFill>
+                  <a:schemeClr val="tx1"/>
+                </a:solidFill>
+                <a:latin typeface="Tahoma" pitchFamily="34" charset="0"/>
+                <a:cs typeface="Tahoma" pitchFamily="34" charset="0"/>
+              </a:defRPr>
+            </a:lvl5pPr>
+            <a:lvl6pPr marL="2514600" indent="-228600" algn="l" rtl="0" eaLnBrk="1" fontAlgn="base" hangingPunct="1">
+              <a:spcBef>
+                <a:spcPct val="20000"/>
+              </a:spcBef>
+              <a:spcAft>
+                <a:spcPct val="0"/>
+              </a:spcAft>
+              <a:buChar char="»"/>
+              <a:defRPr sz="2000">
+                <a:solidFill>
+                  <a:schemeClr val="tx1"/>
+                </a:solidFill>
+                <a:latin typeface="Arial" charset="0"/>
+              </a:defRPr>
+            </a:lvl6pPr>
+            <a:lvl7pPr marL="2971800" indent="-228600" algn="l" rtl="0" eaLnBrk="1" fontAlgn="base" hangingPunct="1">
+              <a:spcBef>
+                <a:spcPct val="20000"/>
+              </a:spcBef>
+              <a:spcAft>
+                <a:spcPct val="0"/>
+              </a:spcAft>
+              <a:buChar char="»"/>
+              <a:defRPr sz="2000">
+                <a:solidFill>
+                  <a:schemeClr val="tx1"/>
+                </a:solidFill>
+                <a:latin typeface="Arial" charset="0"/>
+              </a:defRPr>
+            </a:lvl7pPr>
+            <a:lvl8pPr marL="3429000" indent="-228600" algn="l" rtl="0" eaLnBrk="1" fontAlgn="base" hangingPunct="1">
+              <a:spcBef>
+                <a:spcPct val="20000"/>
+              </a:spcBef>
+              <a:spcAft>
+                <a:spcPct val="0"/>
+              </a:spcAft>
+              <a:buChar char="»"/>
+              <a:defRPr sz="2000">
+                <a:solidFill>
+                  <a:schemeClr val="tx1"/>
+                </a:solidFill>
+                <a:latin typeface="Arial" charset="0"/>
+              </a:defRPr>
+            </a:lvl8pPr>
+            <a:lvl9pPr marL="3886200" indent="-228600" algn="l" rtl="0" eaLnBrk="1" fontAlgn="base" hangingPunct="1">
+              <a:spcBef>
+                <a:spcPct val="20000"/>
+              </a:spcBef>
+              <a:spcAft>
+                <a:spcPct val="0"/>
+              </a:spcAft>
+              <a:buChar char="»"/>
+              <a:defRPr sz="2000">
+                <a:solidFill>
+                  <a:schemeClr val="tx1"/>
+                </a:solidFill>
+                <a:latin typeface="Arial" charset="0"/>
+              </a:defRPr>
+            </a:lvl9pPr>
+          </a:lstStyle>
+          <a:p>
+            <a:pPr lvl="1">
+              <a:spcAft>
+                <a:spcPts val="600"/>
+              </a:spcAft>
+            </a:pPr>
+            <a:r>
+              <a:rPr lang="en-US" sz="2400" dirty="0" smtClean="0"/>
+              <a:t>Using </a:t>
+            </a:r>
+            <a:r>
+              <a:rPr lang="en-US" sz="2400" dirty="0"/>
+              <a:t>Virtual </a:t>
+            </a:r>
+            <a:r>
+              <a:rPr lang="en-US" sz="2400" dirty="0" smtClean="0"/>
+              <a:t>DOM </a:t>
+            </a:r>
+            <a:r>
+              <a:rPr lang="en-US" sz="2400" dirty="0" smtClean="0">
+                <a:sym typeface="Wingdings" panose="05000000000000000000" pitchFamily="2" charset="2"/>
+              </a:rPr>
+              <a:t> </a:t>
+            </a:r>
+            <a:r>
+              <a:rPr lang="en-US" sz="2400" dirty="0" smtClean="0"/>
+              <a:t>enables </a:t>
+            </a:r>
+            <a:r>
+              <a:rPr lang="en-US" sz="2400" dirty="0"/>
+              <a:t>high performance for the rendering the </a:t>
+            </a:r>
+            <a:r>
+              <a:rPr lang="en-US" sz="2400" dirty="0" smtClean="0"/>
+              <a:t>UI.</a:t>
+            </a:r>
+          </a:p>
+          <a:p>
+            <a:pPr lvl="1">
+              <a:spcAft>
+                <a:spcPts val="600"/>
+              </a:spcAft>
+            </a:pPr>
+            <a:r>
+              <a:rPr lang="en-US" sz="2400" dirty="0"/>
+              <a:t> </a:t>
+            </a:r>
+            <a:r>
+              <a:rPr lang="en-US" sz="2400" dirty="0" smtClean="0"/>
+              <a:t>Using with Flux for scaling front-end apps, that provide data flows in a single direction.</a:t>
+            </a:r>
+          </a:p>
+          <a:p>
+            <a:pPr lvl="1">
+              <a:spcAft>
+                <a:spcPts val="600"/>
+              </a:spcAft>
+            </a:pPr>
+            <a:endParaRPr lang="en-US" sz="2400" dirty="0">
+              <a:ea typeface="Tahoma" panose="020B0604030504040204" pitchFamily="34" charset="0"/>
+            </a:endParaRPr>
+          </a:p>
+        </p:txBody>
+      </p:sp>
+    </p:spTree>
+    <p:extLst>
+      <p:ext uri="{BB962C8B-B14F-4D97-AF65-F5344CB8AC3E}">
+        <p14:creationId xmlns:p14="http://schemas.microsoft.com/office/powerpoint/2010/main" val="2269696365"/>
+      </p:ext>
+    </p:extLst>
+  </p:cSld>
+  <p:clrMapOvr>
+    <a:masterClrMapping/>
+  </p:clrMapOvr>
+  <p:timing>
+    <p:tnLst>
+      <p:par>
+        <p:cTn id="1" dur="indefinite" restart="never" nodeType="tmRoot"/>
+      </p:par>
+    </p:tnLst>
+  </p:timing>
+</p:sld>
+</file>
+
+<file path=ppt/slides/slide6.xml><?xml version="1.0" encoding="utf-8"?>
 <p:sld xmlns:a="http://schemas.openxmlformats.org/drawingml/2006/main" xmlns:r="http://schemas.openxmlformats.org/officeDocument/2006/relationships" xmlns:p="http://schemas.openxmlformats.org/presentationml/2006/main">
   <p:cSld>
     <p:spTree>
@@ -7986,7 +9048,7 @@
 </p:sld>
 </file>
 
-<file path=ppt/slides/slide5.xml><?xml version="1.0" encoding="utf-8"?>
+<file path=ppt/slides/slide7.xml><?xml version="1.0" encoding="utf-8"?>
 <p:sld xmlns:a="http://schemas.openxmlformats.org/drawingml/2006/main" xmlns:r="http://schemas.openxmlformats.org/officeDocument/2006/relationships" xmlns:p="http://schemas.openxmlformats.org/presentationml/2006/main">
   <p:cSld>
     <p:spTree>
@@ -8207,9 +9269,93 @@
                 <a:spcPts val="600"/>
               </a:spcAft>
             </a:pPr>
-            <a:endParaRPr lang="en-US" sz="2400" dirty="0">
-              <a:ea typeface="Tahoma" panose="020B0604030504040204" pitchFamily="34" charset="0"/>
-            </a:endParaRPr>
+            <a:r>
+              <a:rPr lang="en-US" sz="2400" dirty="0" smtClean="0"/>
+              <a:t>JSX</a:t>
+            </a:r>
+          </a:p>
+          <a:p>
+            <a:pPr lvl="1">
+              <a:spcAft>
+                <a:spcPts val="600"/>
+              </a:spcAft>
+            </a:pPr>
+            <a:r>
+              <a:rPr lang="en-US" sz="2400" dirty="0"/>
+              <a:t>React </a:t>
+            </a:r>
+            <a:r>
+              <a:rPr lang="en-US" sz="2400" dirty="0" smtClean="0"/>
+              <a:t>Elements</a:t>
+            </a:r>
+          </a:p>
+          <a:p>
+            <a:pPr lvl="1">
+              <a:spcAft>
+                <a:spcPts val="600"/>
+              </a:spcAft>
+            </a:pPr>
+            <a:r>
+              <a:rPr lang="en-US" sz="2400" dirty="0" smtClean="0"/>
+              <a:t>Components</a:t>
+            </a:r>
+          </a:p>
+          <a:p>
+            <a:pPr lvl="1">
+              <a:spcAft>
+                <a:spcPts val="600"/>
+              </a:spcAft>
+            </a:pPr>
+            <a:r>
+              <a:rPr lang="en-US" sz="2400" dirty="0" smtClean="0"/>
+              <a:t>Props</a:t>
+            </a:r>
+          </a:p>
+          <a:p>
+            <a:pPr lvl="1">
+              <a:spcAft>
+                <a:spcPts val="600"/>
+              </a:spcAft>
+            </a:pPr>
+            <a:r>
+              <a:rPr lang="en-US" sz="2400" dirty="0" smtClean="0"/>
+              <a:t>State</a:t>
+            </a:r>
+          </a:p>
+          <a:p>
+            <a:pPr lvl="1">
+              <a:spcAft>
+                <a:spcPts val="600"/>
+              </a:spcAft>
+            </a:pPr>
+            <a:r>
+              <a:rPr lang="en-US" sz="2400" dirty="0" smtClean="0"/>
+              <a:t>Virtual Dom</a:t>
+            </a:r>
+          </a:p>
+          <a:p>
+            <a:pPr lvl="1">
+              <a:spcAft>
+                <a:spcPts val="600"/>
+              </a:spcAft>
+            </a:pPr>
+            <a:r>
+              <a:rPr lang="en-US" sz="2400" dirty="0" err="1" smtClean="0"/>
+              <a:t>Mixins</a:t>
+            </a:r>
+            <a:endParaRPr lang="en-US" sz="2400" dirty="0"/>
+          </a:p>
+          <a:p>
+            <a:pPr lvl="1">
+              <a:spcAft>
+                <a:spcPts val="600"/>
+              </a:spcAft>
+            </a:pPr>
+            <a:r>
+              <a:rPr lang="en-US" sz="2400" dirty="0" smtClean="0"/>
+              <a:t>Composition</a:t>
+            </a:r>
+            <a:endParaRPr lang="en-US" sz="2400" dirty="0"/>
           </a:p>
         </p:txBody>
       </p:sp>
@@ -8217,6 +9363,282 @@
     <p:extLst>
       <p:ext uri="{BB962C8B-B14F-4D97-AF65-F5344CB8AC3E}">
         <p14:creationId xmlns:p14="http://schemas.microsoft.com/office/powerpoint/2010/main" val="3801402064"/>
+      </p:ext>
+    </p:extLst>
+  </p:cSld>
+  <p:clrMapOvr>
+    <a:masterClrMapping/>
+  </p:clrMapOvr>
+  <p:timing>
+    <p:tnLst>
+      <p:par>
+        <p:cTn id="1" dur="indefinite" restart="never" nodeType="tmRoot"/>
+      </p:par>
+    </p:tnLst>
+  </p:timing>
+</p:sld>
+</file>
+
+<file path=ppt/slides/slide8.xml><?xml version="1.0" encoding="utf-8"?>
+<p:sld xmlns:a="http://schemas.openxmlformats.org/drawingml/2006/main" xmlns:r="http://schemas.openxmlformats.org/officeDocument/2006/relationships" xmlns:p="http://schemas.openxmlformats.org/presentationml/2006/main">
+  <p:cSld>
+    <p:spTree>
+      <p:nvGrpSpPr>
+        <p:cNvPr id="1" name=""/>
+        <p:cNvGrpSpPr/>
+        <p:nvPr/>
+      </p:nvGrpSpPr>
+      <p:grpSpPr>
+        <a:xfrm>
+          <a:off x="0" y="0"/>
+          <a:ext cx="0" cy="0"/>
+          <a:chOff x="0" y="0"/>
+          <a:chExt cx="0" cy="0"/>
+        </a:xfrm>
+      </p:grpSpPr>
+      <p:sp>
+        <p:nvSpPr>
+          <p:cNvPr id="2" name="Title 1"/>
+          <p:cNvSpPr>
+            <a:spLocks noGrp="1"/>
+          </p:cNvSpPr>
+          <p:nvPr>
+            <p:ph type="title"/>
+          </p:nvPr>
+        </p:nvSpPr>
+        <p:spPr/>
+        <p:txBody>
+          <a:bodyPr/>
+          <a:lstStyle/>
+          <a:p>
+            <a:r>
+              <a:rPr lang="en-US" dirty="0" smtClean="0"/>
+              <a:t>JSX</a:t>
+            </a:r>
+            <a:endParaRPr lang="en-US" dirty="0"/>
+          </a:p>
+        </p:txBody>
+      </p:sp>
+      <p:sp>
+        <p:nvSpPr>
+          <p:cNvPr id="3" name="Rectangle 5"/>
+          <p:cNvSpPr txBox="1">
+            <a:spLocks noChangeArrowheads="1"/>
+          </p:cNvSpPr>
+          <p:nvPr/>
+        </p:nvSpPr>
+        <p:spPr>
+          <a:xfrm>
+            <a:off x="457200" y="1600200"/>
+            <a:ext cx="8075613" cy="4525963"/>
+          </a:xfrm>
+          <a:prstGeom prst="rect">
+            <a:avLst/>
+          </a:prstGeom>
+          <a:noFill/>
+          <a:ln/>
+        </p:spPr>
+        <p:txBody>
+          <a:bodyPr/>
+          <a:lstStyle>
+            <a:lvl1pPr marL="342900" indent="-342900" algn="l" rtl="0" eaLnBrk="1" fontAlgn="base" hangingPunct="1">
+              <a:spcBef>
+                <a:spcPct val="20000"/>
+              </a:spcBef>
+              <a:spcAft>
+                <a:spcPct val="0"/>
+              </a:spcAft>
+              <a:buClr>
+                <a:schemeClr val="hlink"/>
+              </a:buClr>
+              <a:buFont typeface="Wingdings" pitchFamily="2" charset="2"/>
+              <a:buChar char="v"/>
+              <a:defRPr sz="2800" b="1">
+                <a:solidFill>
+                  <a:schemeClr val="tx1"/>
+                </a:solidFill>
+                <a:latin typeface="Tahoma" pitchFamily="34" charset="0"/>
+                <a:ea typeface="+mn-ea"/>
+                <a:cs typeface="Tahoma" pitchFamily="34" charset="0"/>
+              </a:defRPr>
+            </a:lvl1pPr>
+            <a:lvl2pPr marL="742950" indent="-285750" algn="l" rtl="0" eaLnBrk="1" fontAlgn="base" hangingPunct="1">
+              <a:spcBef>
+                <a:spcPct val="20000"/>
+              </a:spcBef>
+              <a:spcAft>
+                <a:spcPct val="0"/>
+              </a:spcAft>
+              <a:buClr>
+                <a:schemeClr val="accent1"/>
+              </a:buClr>
+              <a:buFont typeface="Wingdings" pitchFamily="2" charset="2"/>
+              <a:buChar char="§"/>
+              <a:defRPr sz="2800">
+                <a:solidFill>
+                  <a:schemeClr val="tx1"/>
+                </a:solidFill>
+                <a:latin typeface="Tahoma" pitchFamily="34" charset="0"/>
+                <a:cs typeface="Tahoma" pitchFamily="34" charset="0"/>
+              </a:defRPr>
+            </a:lvl2pPr>
+            <a:lvl3pPr marL="1143000" indent="-228600" algn="l" rtl="0" eaLnBrk="1" fontAlgn="base" hangingPunct="1">
+              <a:spcBef>
+                <a:spcPct val="20000"/>
+              </a:spcBef>
+              <a:spcAft>
+                <a:spcPct val="0"/>
+              </a:spcAft>
+              <a:buClr>
+                <a:schemeClr val="tx1"/>
+              </a:buClr>
+              <a:buChar char="•"/>
+              <a:defRPr sz="2400">
+                <a:solidFill>
+                  <a:schemeClr val="tx1"/>
+                </a:solidFill>
+                <a:latin typeface="Tahoma" pitchFamily="34" charset="0"/>
+                <a:cs typeface="Tahoma" pitchFamily="34" charset="0"/>
+              </a:defRPr>
+            </a:lvl3pPr>
+            <a:lvl4pPr marL="1600200" indent="-228600" algn="l" rtl="0" eaLnBrk="1" fontAlgn="base" hangingPunct="1">
+              <a:spcBef>
+                <a:spcPct val="20000"/>
+              </a:spcBef>
+              <a:spcAft>
+                <a:spcPct val="0"/>
+              </a:spcAft>
+              <a:buChar char="–"/>
+              <a:defRPr sz="2000">
+                <a:solidFill>
+                  <a:schemeClr val="tx1"/>
+                </a:solidFill>
+                <a:latin typeface="Tahoma" pitchFamily="34" charset="0"/>
+                <a:cs typeface="Tahoma" pitchFamily="34" charset="0"/>
+              </a:defRPr>
+            </a:lvl4pPr>
+            <a:lvl5pPr marL="2057400" indent="-228600" algn="l" rtl="0" eaLnBrk="1" fontAlgn="base" hangingPunct="1">
+              <a:spcBef>
+                <a:spcPct val="20000"/>
+              </a:spcBef>
+              <a:spcAft>
+                <a:spcPct val="0"/>
+              </a:spcAft>
+              <a:buChar char="»"/>
+              <a:defRPr sz="2000">
+                <a:solidFill>
+                  <a:schemeClr val="tx1"/>
+                </a:solidFill>
+                <a:latin typeface="Tahoma" pitchFamily="34" charset="0"/>
+                <a:cs typeface="Tahoma" pitchFamily="34" charset="0"/>
+              </a:defRPr>
+            </a:lvl5pPr>
+            <a:lvl6pPr marL="2514600" indent="-228600" algn="l" rtl="0" eaLnBrk="1" fontAlgn="base" hangingPunct="1">
+              <a:spcBef>
+                <a:spcPct val="20000"/>
+              </a:spcBef>
+              <a:spcAft>
+                <a:spcPct val="0"/>
+              </a:spcAft>
+              <a:buChar char="»"/>
+              <a:defRPr sz="2000">
+                <a:solidFill>
+                  <a:schemeClr val="tx1"/>
+                </a:solidFill>
+                <a:latin typeface="Arial" charset="0"/>
+              </a:defRPr>
+            </a:lvl6pPr>
+            <a:lvl7pPr marL="2971800" indent="-228600" algn="l" rtl="0" eaLnBrk="1" fontAlgn="base" hangingPunct="1">
+              <a:spcBef>
+                <a:spcPct val="20000"/>
+              </a:spcBef>
+              <a:spcAft>
+                <a:spcPct val="0"/>
+              </a:spcAft>
+              <a:buChar char="»"/>
+              <a:defRPr sz="2000">
+                <a:solidFill>
+                  <a:schemeClr val="tx1"/>
+                </a:solidFill>
+                <a:latin typeface="Arial" charset="0"/>
+              </a:defRPr>
+            </a:lvl7pPr>
+            <a:lvl8pPr marL="3429000" indent="-228600" algn="l" rtl="0" eaLnBrk="1" fontAlgn="base" hangingPunct="1">
+              <a:spcBef>
+                <a:spcPct val="20000"/>
+              </a:spcBef>
+              <a:spcAft>
+                <a:spcPct val="0"/>
+              </a:spcAft>
+              <a:buChar char="»"/>
+              <a:defRPr sz="2000">
+                <a:solidFill>
+                  <a:schemeClr val="tx1"/>
+                </a:solidFill>
+                <a:latin typeface="Arial" charset="0"/>
+              </a:defRPr>
+            </a:lvl8pPr>
+            <a:lvl9pPr marL="3886200" indent="-228600" algn="l" rtl="0" eaLnBrk="1" fontAlgn="base" hangingPunct="1">
+              <a:spcBef>
+                <a:spcPct val="20000"/>
+              </a:spcBef>
+              <a:spcAft>
+                <a:spcPct val="0"/>
+              </a:spcAft>
+              <a:buChar char="»"/>
+              <a:defRPr sz="2000">
+                <a:solidFill>
+                  <a:schemeClr val="tx1"/>
+                </a:solidFill>
+                <a:latin typeface="Arial" charset="0"/>
+              </a:defRPr>
+            </a:lvl9pPr>
+          </a:lstStyle>
+          <a:p>
+            <a:pPr lvl="1">
+              <a:spcAft>
+                <a:spcPts val="600"/>
+              </a:spcAft>
+            </a:pPr>
+            <a:r>
+              <a:rPr lang="en-US" sz="2400" dirty="0" smtClean="0"/>
+              <a:t>It </a:t>
+            </a:r>
+            <a:r>
+              <a:rPr lang="en-US" sz="2400" dirty="0"/>
+              <a:t>is a </a:t>
+            </a:r>
+            <a:r>
+              <a:rPr lang="en-US" sz="2400" dirty="0" err="1"/>
+              <a:t>Javascript</a:t>
+            </a:r>
+            <a:r>
+              <a:rPr lang="en-US" sz="2400" dirty="0"/>
+              <a:t> XML </a:t>
+            </a:r>
+            <a:r>
+              <a:rPr lang="en-US" sz="2400"/>
+              <a:t>syntax </a:t>
+            </a:r>
+            <a:r>
+              <a:rPr lang="en-US" sz="2400" smtClean="0"/>
+              <a:t>transform</a:t>
+            </a:r>
+          </a:p>
+          <a:p>
+            <a:pPr lvl="1">
+              <a:spcAft>
+                <a:spcPts val="600"/>
+              </a:spcAft>
+            </a:pPr>
+            <a:endParaRPr lang="en-US" sz="2400" dirty="0"/>
+          </a:p>
+        </p:txBody>
+      </p:sp>
+    </p:spTree>
+    <p:extLst>
+      <p:ext uri="{BB962C8B-B14F-4D97-AF65-F5344CB8AC3E}">
+        <p14:creationId xmlns:p14="http://schemas.microsoft.com/office/powerpoint/2010/main" val="1219119138"/>
       </p:ext>
     </p:extLst>
   </p:cSld>

--- a/React_Slide.pptx
+++ b/React_Slide.pptx
@@ -5,7 +5,7 @@
     <p:sldMasterId id="2147483660" r:id="rId1"/>
   </p:sldMasterIdLst>
   <p:notesMasterIdLst>
-    <p:notesMasterId r:id="rId10"/>
+    <p:notesMasterId r:id="rId11"/>
   </p:notesMasterIdLst>
   <p:sldIdLst>
     <p:sldId id="256" r:id="rId2"/>
@@ -16,6 +16,7 @@
     <p:sldId id="261" r:id="rId7"/>
     <p:sldId id="262" r:id="rId8"/>
     <p:sldId id="263" r:id="rId9"/>
+    <p:sldId id="266" r:id="rId10"/>
   </p:sldIdLst>
   <p:sldSz cx="9144000" cy="6858000" type="screen4x3"/>
   <p:notesSz cx="6858000" cy="9144000"/>
@@ -9614,15 +9615,11 @@
             </a:r>
             <a:r>
               <a:rPr lang="en-US" sz="2400" dirty="0"/>
-              <a:t> XML </a:t>
-            </a:r>
-            <a:r>
-              <a:rPr lang="en-US" sz="2400"/>
-              <a:t>syntax </a:t>
-            </a:r>
-            <a:r>
-              <a:rPr lang="en-US" sz="2400" smtClean="0"/>
-              <a:t>transform</a:t>
+              <a:t> XML syntax </a:t>
+            </a:r>
+            <a:r>
+              <a:rPr lang="en-US" sz="2400" dirty="0" smtClean="0"/>
+              <a:t>transform.</a:t>
             </a:r>
           </a:p>
           <a:p>
@@ -9631,7 +9628,163 @@
                 <a:spcPts val="600"/>
               </a:spcAft>
             </a:pPr>
-            <a:endParaRPr lang="en-US" sz="2400" dirty="0"/>
+            <a:r>
+              <a:rPr lang="en-US" sz="2400" dirty="0" smtClean="0"/>
+              <a:t>Let us </a:t>
+            </a:r>
+            <a:r>
+              <a:rPr lang="en-US" sz="2400" dirty="0"/>
+              <a:t>write </a:t>
+            </a:r>
+            <a:r>
+              <a:rPr lang="en-US" sz="2400" dirty="0" smtClean="0"/>
+              <a:t>HTML</a:t>
+            </a:r>
+            <a:r>
+              <a:rPr lang="en-US" sz="2400" dirty="0"/>
+              <a:t> tags in </a:t>
+            </a:r>
+            <a:r>
+              <a:rPr lang="en-US" sz="2400" dirty="0" err="1" smtClean="0"/>
+              <a:t>Javascript</a:t>
+            </a:r>
+            <a:r>
+              <a:rPr lang="en-US" sz="2400" dirty="0" smtClean="0"/>
+              <a:t>.</a:t>
+            </a:r>
+          </a:p>
+          <a:p>
+            <a:pPr lvl="1">
+              <a:spcAft>
+                <a:spcPts val="600"/>
+              </a:spcAft>
+            </a:pPr>
+            <a:r>
+              <a:rPr lang="en-US" sz="2400" dirty="0"/>
+              <a:t>L</a:t>
+            </a:r>
+            <a:r>
+              <a:rPr lang="en-US" sz="2400" dirty="0" smtClean="0"/>
+              <a:t>ess </a:t>
+            </a:r>
+            <a:r>
+              <a:rPr lang="en-US" sz="2400" dirty="0"/>
+              <a:t>effort to read and </a:t>
+            </a:r>
+            <a:r>
+              <a:rPr lang="en-US" sz="2400" dirty="0" smtClean="0"/>
+              <a:t>write.</a:t>
+            </a:r>
+          </a:p>
+          <a:p>
+            <a:pPr lvl="1">
+              <a:spcAft>
+                <a:spcPts val="600"/>
+              </a:spcAft>
+            </a:pPr>
+            <a:r>
+              <a:rPr lang="en-US" sz="2400" dirty="0" smtClean="0"/>
+              <a:t>Not supported </a:t>
+            </a:r>
+            <a:r>
+              <a:rPr lang="en-US" sz="2400" dirty="0"/>
+              <a:t>in browsers by </a:t>
+            </a:r>
+            <a:r>
+              <a:rPr lang="en-US" sz="2400" dirty="0" smtClean="0"/>
+              <a:t>default.</a:t>
+            </a:r>
+          </a:p>
+          <a:p>
+            <a:pPr lvl="1">
+              <a:spcAft>
+                <a:spcPts val="600"/>
+              </a:spcAft>
+            </a:pPr>
+            <a:r>
+              <a:rPr lang="en-US" sz="2400" dirty="0" smtClean="0"/>
+              <a:t>Need to transformed </a:t>
+            </a:r>
+            <a:r>
+              <a:rPr lang="en-US" sz="2400" dirty="0"/>
+              <a:t>into </a:t>
+            </a:r>
+            <a:r>
+              <a:rPr lang="en-US" sz="2400" dirty="0" smtClean="0"/>
+              <a:t>JS before </a:t>
+            </a:r>
+            <a:r>
+              <a:rPr lang="en-US" sz="2400" dirty="0"/>
+              <a:t>running in the </a:t>
+            </a:r>
+            <a:r>
+              <a:rPr lang="en-US" sz="2400" dirty="0" smtClean="0"/>
+              <a:t>browser.</a:t>
+            </a:r>
+          </a:p>
+          <a:p>
+            <a:pPr lvl="1">
+              <a:spcAft>
+                <a:spcPts val="600"/>
+              </a:spcAft>
+            </a:pPr>
+            <a:r>
+              <a:rPr lang="en-US" sz="2400" dirty="0"/>
+              <a:t>JSX and HTML syntax are similar but it’s different at some point</a:t>
+            </a:r>
+          </a:p>
+          <a:p>
+            <a:pPr lvl="2">
+              <a:spcAft>
+                <a:spcPts val="600"/>
+              </a:spcAft>
+            </a:pPr>
+            <a:r>
+              <a:rPr lang="en-US" sz="2000" dirty="0"/>
+              <a:t>class </a:t>
+            </a:r>
+            <a:r>
+              <a:rPr lang="en-US" sz="2000" dirty="0">
+                <a:sym typeface="Wingdings" panose="05000000000000000000" pitchFamily="2" charset="2"/>
+              </a:rPr>
+              <a:t> </a:t>
+            </a:r>
+            <a:r>
+              <a:rPr lang="en-US" sz="2000" dirty="0" err="1" smtClean="0">
+                <a:sym typeface="Wingdings" panose="05000000000000000000" pitchFamily="2" charset="2"/>
+              </a:rPr>
+              <a:t>className</a:t>
+            </a:r>
+            <a:r>
+              <a:rPr lang="en-US" sz="2000" dirty="0" smtClean="0">
+                <a:sym typeface="Wingdings" panose="05000000000000000000" pitchFamily="2" charset="2"/>
+              </a:rPr>
+              <a:t>, </a:t>
+            </a:r>
+            <a:r>
+              <a:rPr lang="en-US" sz="2000" dirty="0">
+                <a:sym typeface="Wingdings" panose="05000000000000000000" pitchFamily="2" charset="2"/>
+              </a:rPr>
+              <a:t>for  </a:t>
+            </a:r>
+            <a:r>
+              <a:rPr lang="en-US" sz="2000" dirty="0" err="1">
+                <a:sym typeface="Wingdings" panose="05000000000000000000" pitchFamily="2" charset="2"/>
+              </a:rPr>
+              <a:t>htmlFor</a:t>
+            </a:r>
+            <a:endParaRPr lang="en-US" dirty="0"/>
+          </a:p>
+          <a:p>
+            <a:pPr marL="914400" lvl="2" indent="0">
+              <a:spcAft>
+                <a:spcPts val="600"/>
+              </a:spcAft>
+              <a:buNone/>
+            </a:pPr>
+            <a:endParaRPr lang="en-US" sz="2000" dirty="0">
+              <a:sym typeface="Wingdings" panose="05000000000000000000" pitchFamily="2" charset="2"/>
+            </a:endParaRPr>
           </a:p>
         </p:txBody>
       </p:sp>
@@ -9639,6 +9792,253 @@
     <p:extLst>
       <p:ext uri="{BB962C8B-B14F-4D97-AF65-F5344CB8AC3E}">
         <p14:creationId xmlns:p14="http://schemas.microsoft.com/office/powerpoint/2010/main" val="1219119138"/>
+      </p:ext>
+    </p:extLst>
+  </p:cSld>
+  <p:clrMapOvr>
+    <a:masterClrMapping/>
+  </p:clrMapOvr>
+  <p:timing>
+    <p:tnLst>
+      <p:par>
+        <p:cTn id="1" dur="indefinite" restart="never" nodeType="tmRoot"/>
+      </p:par>
+    </p:tnLst>
+  </p:timing>
+</p:sld>
+</file>
+
+<file path=ppt/slides/slide9.xml><?xml version="1.0" encoding="utf-8"?>
+<p:sld xmlns:a="http://schemas.openxmlformats.org/drawingml/2006/main" xmlns:r="http://schemas.openxmlformats.org/officeDocument/2006/relationships" xmlns:p="http://schemas.openxmlformats.org/presentationml/2006/main">
+  <p:cSld>
+    <p:spTree>
+      <p:nvGrpSpPr>
+        <p:cNvPr id="1" name=""/>
+        <p:cNvGrpSpPr/>
+        <p:nvPr/>
+      </p:nvGrpSpPr>
+      <p:grpSpPr>
+        <a:xfrm>
+          <a:off x="0" y="0"/>
+          <a:ext cx="0" cy="0"/>
+          <a:chOff x="0" y="0"/>
+          <a:chExt cx="0" cy="0"/>
+        </a:xfrm>
+      </p:grpSpPr>
+      <p:sp>
+        <p:nvSpPr>
+          <p:cNvPr id="2" name="Title 1"/>
+          <p:cNvSpPr>
+            <a:spLocks noGrp="1"/>
+          </p:cNvSpPr>
+          <p:nvPr>
+            <p:ph type="title"/>
+          </p:nvPr>
+        </p:nvSpPr>
+        <p:spPr/>
+        <p:txBody>
+          <a:bodyPr/>
+          <a:lstStyle/>
+          <a:p>
+            <a:r>
+              <a:rPr lang="en-US" dirty="0" smtClean="0"/>
+              <a:t>JSX Friendly Editor</a:t>
+            </a:r>
+            <a:endParaRPr lang="en-US" dirty="0"/>
+          </a:p>
+        </p:txBody>
+      </p:sp>
+      <p:sp>
+        <p:nvSpPr>
+          <p:cNvPr id="3" name="Rectangle 5"/>
+          <p:cNvSpPr txBox="1">
+            <a:spLocks noChangeArrowheads="1"/>
+          </p:cNvSpPr>
+          <p:nvPr/>
+        </p:nvSpPr>
+        <p:spPr>
+          <a:xfrm>
+            <a:off x="457200" y="1600200"/>
+            <a:ext cx="8075613" cy="4525963"/>
+          </a:xfrm>
+          <a:prstGeom prst="rect">
+            <a:avLst/>
+          </a:prstGeom>
+          <a:noFill/>
+          <a:ln/>
+        </p:spPr>
+        <p:txBody>
+          <a:bodyPr/>
+          <a:lstStyle>
+            <a:lvl1pPr marL="342900" indent="-342900" algn="l" rtl="0" eaLnBrk="1" fontAlgn="base" hangingPunct="1">
+              <a:spcBef>
+                <a:spcPct val="20000"/>
+              </a:spcBef>
+              <a:spcAft>
+                <a:spcPct val="0"/>
+              </a:spcAft>
+              <a:buClr>
+                <a:schemeClr val="hlink"/>
+              </a:buClr>
+              <a:buFont typeface="Wingdings" pitchFamily="2" charset="2"/>
+              <a:buChar char="v"/>
+              <a:defRPr sz="2800" b="1">
+                <a:solidFill>
+                  <a:schemeClr val="tx1"/>
+                </a:solidFill>
+                <a:latin typeface="Tahoma" pitchFamily="34" charset="0"/>
+                <a:ea typeface="+mn-ea"/>
+                <a:cs typeface="Tahoma" pitchFamily="34" charset="0"/>
+              </a:defRPr>
+            </a:lvl1pPr>
+            <a:lvl2pPr marL="742950" indent="-285750" algn="l" rtl="0" eaLnBrk="1" fontAlgn="base" hangingPunct="1">
+              <a:spcBef>
+                <a:spcPct val="20000"/>
+              </a:spcBef>
+              <a:spcAft>
+                <a:spcPct val="0"/>
+              </a:spcAft>
+              <a:buClr>
+                <a:schemeClr val="accent1"/>
+              </a:buClr>
+              <a:buFont typeface="Wingdings" pitchFamily="2" charset="2"/>
+              <a:buChar char="§"/>
+              <a:defRPr sz="2800">
+                <a:solidFill>
+                  <a:schemeClr val="tx1"/>
+                </a:solidFill>
+                <a:latin typeface="Tahoma" pitchFamily="34" charset="0"/>
+                <a:cs typeface="Tahoma" pitchFamily="34" charset="0"/>
+              </a:defRPr>
+            </a:lvl2pPr>
+            <a:lvl3pPr marL="1143000" indent="-228600" algn="l" rtl="0" eaLnBrk="1" fontAlgn="base" hangingPunct="1">
+              <a:spcBef>
+                <a:spcPct val="20000"/>
+              </a:spcBef>
+              <a:spcAft>
+                <a:spcPct val="0"/>
+              </a:spcAft>
+              <a:buClr>
+                <a:schemeClr val="tx1"/>
+              </a:buClr>
+              <a:buChar char="•"/>
+              <a:defRPr sz="2400">
+                <a:solidFill>
+                  <a:schemeClr val="tx1"/>
+                </a:solidFill>
+                <a:latin typeface="Tahoma" pitchFamily="34" charset="0"/>
+                <a:cs typeface="Tahoma" pitchFamily="34" charset="0"/>
+              </a:defRPr>
+            </a:lvl3pPr>
+            <a:lvl4pPr marL="1600200" indent="-228600" algn="l" rtl="0" eaLnBrk="1" fontAlgn="base" hangingPunct="1">
+              <a:spcBef>
+                <a:spcPct val="20000"/>
+              </a:spcBef>
+              <a:spcAft>
+                <a:spcPct val="0"/>
+              </a:spcAft>
+              <a:buChar char="–"/>
+              <a:defRPr sz="2000">
+                <a:solidFill>
+                  <a:schemeClr val="tx1"/>
+                </a:solidFill>
+                <a:latin typeface="Tahoma" pitchFamily="34" charset="0"/>
+                <a:cs typeface="Tahoma" pitchFamily="34" charset="0"/>
+              </a:defRPr>
+            </a:lvl4pPr>
+            <a:lvl5pPr marL="2057400" indent="-228600" algn="l" rtl="0" eaLnBrk="1" fontAlgn="base" hangingPunct="1">
+              <a:spcBef>
+                <a:spcPct val="20000"/>
+              </a:spcBef>
+              <a:spcAft>
+                <a:spcPct val="0"/>
+              </a:spcAft>
+              <a:buChar char="»"/>
+              <a:defRPr sz="2000">
+                <a:solidFill>
+                  <a:schemeClr val="tx1"/>
+                </a:solidFill>
+                <a:latin typeface="Tahoma" pitchFamily="34" charset="0"/>
+                <a:cs typeface="Tahoma" pitchFamily="34" charset="0"/>
+              </a:defRPr>
+            </a:lvl5pPr>
+            <a:lvl6pPr marL="2514600" indent="-228600" algn="l" rtl="0" eaLnBrk="1" fontAlgn="base" hangingPunct="1">
+              <a:spcBef>
+                <a:spcPct val="20000"/>
+              </a:spcBef>
+              <a:spcAft>
+                <a:spcPct val="0"/>
+              </a:spcAft>
+              <a:buChar char="»"/>
+              <a:defRPr sz="2000">
+                <a:solidFill>
+                  <a:schemeClr val="tx1"/>
+                </a:solidFill>
+                <a:latin typeface="Arial" charset="0"/>
+              </a:defRPr>
+            </a:lvl6pPr>
+            <a:lvl7pPr marL="2971800" indent="-228600" algn="l" rtl="0" eaLnBrk="1" fontAlgn="base" hangingPunct="1">
+              <a:spcBef>
+                <a:spcPct val="20000"/>
+              </a:spcBef>
+              <a:spcAft>
+                <a:spcPct val="0"/>
+              </a:spcAft>
+              <a:buChar char="»"/>
+              <a:defRPr sz="2000">
+                <a:solidFill>
+                  <a:schemeClr val="tx1"/>
+                </a:solidFill>
+                <a:latin typeface="Arial" charset="0"/>
+              </a:defRPr>
+            </a:lvl7pPr>
+            <a:lvl8pPr marL="3429000" indent="-228600" algn="l" rtl="0" eaLnBrk="1" fontAlgn="base" hangingPunct="1">
+              <a:spcBef>
+                <a:spcPct val="20000"/>
+              </a:spcBef>
+              <a:spcAft>
+                <a:spcPct val="0"/>
+              </a:spcAft>
+              <a:buChar char="»"/>
+              <a:defRPr sz="2000">
+                <a:solidFill>
+                  <a:schemeClr val="tx1"/>
+                </a:solidFill>
+                <a:latin typeface="Arial" charset="0"/>
+              </a:defRPr>
+            </a:lvl8pPr>
+            <a:lvl9pPr marL="3886200" indent="-228600" algn="l" rtl="0" eaLnBrk="1" fontAlgn="base" hangingPunct="1">
+              <a:spcBef>
+                <a:spcPct val="20000"/>
+              </a:spcBef>
+              <a:spcAft>
+                <a:spcPct val="0"/>
+              </a:spcAft>
+              <a:buChar char="»"/>
+              <a:defRPr sz="2000">
+                <a:solidFill>
+                  <a:schemeClr val="tx1"/>
+                </a:solidFill>
+                <a:latin typeface="Arial" charset="0"/>
+              </a:defRPr>
+            </a:lvl9pPr>
+          </a:lstStyle>
+          <a:p>
+            <a:pPr lvl="1">
+              <a:spcAft>
+                <a:spcPts val="600"/>
+              </a:spcAft>
+            </a:pPr>
+            <a:endParaRPr lang="en-US" dirty="0" smtClean="0">
+              <a:sym typeface="Wingdings" panose="05000000000000000000" pitchFamily="2" charset="2"/>
+            </a:endParaRPr>
+          </a:p>
+        </p:txBody>
+      </p:sp>
+    </p:spTree>
+    <p:extLst>
+      <p:ext uri="{BB962C8B-B14F-4D97-AF65-F5344CB8AC3E}">
+        <p14:creationId xmlns:p14="http://schemas.microsoft.com/office/powerpoint/2010/main" val="4286766441"/>
       </p:ext>
     </p:extLst>
   </p:cSld>

--- a/React_Slide.pptx
+++ b/React_Slide.pptx
@@ -5,7 +5,7 @@
     <p:sldMasterId id="2147483660" r:id="rId1"/>
   </p:sldMasterIdLst>
   <p:notesMasterIdLst>
-    <p:notesMasterId r:id="rId11"/>
+    <p:notesMasterId r:id="rId12"/>
   </p:notesMasterIdLst>
   <p:sldIdLst>
     <p:sldId id="256" r:id="rId2"/>
@@ -17,6 +17,7 @@
     <p:sldId id="262" r:id="rId8"/>
     <p:sldId id="263" r:id="rId9"/>
     <p:sldId id="266" r:id="rId10"/>
+    <p:sldId id="267" r:id="rId11"/>
   </p:sldIdLst>
   <p:sldSz cx="9144000" cy="6858000" type="screen4x3"/>
   <p:notesSz cx="6858000" cy="9144000"/>
@@ -117,7 +118,7 @@
   </p:defaultTextStyle>
   <p:extLst>
     <p:ext uri="{EFAFB233-063F-42B5-8137-9DF3F51BA10A}">
-      <p15:sldGuideLst xmlns:p15="http://schemas.microsoft.com/office/powerpoint/2012/main" xmlns="">
+      <p15:sldGuideLst xmlns:p15="http://schemas.microsoft.com/office/powerpoint/2012/main">
         <p15:guide id="1" orient="horz" pos="2160">
           <p15:clr>
             <a:srgbClr val="A4A3A4"/>
@@ -216,7 +217,7 @@
           <a:p>
             <a:fld id="{30C56A28-4380-4698-9362-A1403F5E2820}" type="datetimeFigureOut">
               <a:rPr lang="en-US" smtClean="0"/>
-              <a:t>12/3/2015</a:t>
+              <a:t>12/5/2015</a:t>
             </a:fld>
             <a:endParaRPr lang="en-US"/>
           </a:p>
@@ -2491,7 +2492,7 @@
             <a:fld id="{1D8BD707-D9CF-40AE-B4C6-C98DA3205C09}" type="datetimeFigureOut">
               <a:rPr lang="en-US" smtClean="0"/>
               <a:pPr/>
-              <a:t>12/3/2015</a:t>
+              <a:t>12/5/2015</a:t>
             </a:fld>
             <a:endParaRPr lang="en-US"/>
           </a:p>
@@ -2718,7 +2719,7 @@
             <a:fld id="{1D8BD707-D9CF-40AE-B4C6-C98DA3205C09}" type="datetimeFigureOut">
               <a:rPr lang="en-US" smtClean="0"/>
               <a:pPr/>
-              <a:t>12/3/2015</a:t>
+              <a:t>12/5/2015</a:t>
             </a:fld>
             <a:endParaRPr lang="en-US"/>
           </a:p>
@@ -2945,7 +2946,7 @@
             <a:fld id="{1D8BD707-D9CF-40AE-B4C6-C98DA3205C09}" type="datetimeFigureOut">
               <a:rPr lang="en-US" smtClean="0"/>
               <a:pPr/>
-              <a:t>12/3/2015</a:t>
+              <a:t>12/5/2015</a:t>
             </a:fld>
             <a:endParaRPr lang="en-US"/>
           </a:p>
@@ -3144,7 +3145,7 @@
             <a:fld id="{1D8BD707-D9CF-40AE-B4C6-C98DA3205C09}" type="datetimeFigureOut">
               <a:rPr lang="en-US" smtClean="0"/>
               <a:pPr/>
-              <a:t>12/3/2015</a:t>
+              <a:t>12/5/2015</a:t>
             </a:fld>
             <a:endParaRPr lang="en-US"/>
           </a:p>
@@ -3343,7 +3344,7 @@
             <a:fld id="{1D8BD707-D9CF-40AE-B4C6-C98DA3205C09}" type="datetimeFigureOut">
               <a:rPr lang="en-US" smtClean="0"/>
               <a:pPr/>
-              <a:t>12/3/2015</a:t>
+              <a:t>12/5/2015</a:t>
             </a:fld>
             <a:endParaRPr lang="en-US"/>
           </a:p>
@@ -3569,7 +3570,7 @@
             <a:fld id="{1D8BD707-D9CF-40AE-B4C6-C98DA3205C09}" type="datetimeFigureOut">
               <a:rPr lang="en-US" smtClean="0"/>
               <a:pPr/>
-              <a:t>12/3/2015</a:t>
+              <a:t>12/5/2015</a:t>
             </a:fld>
             <a:endParaRPr lang="en-US"/>
           </a:p>
@@ -3808,7 +3809,7 @@
             <a:fld id="{1D8BD707-D9CF-40AE-B4C6-C98DA3205C09}" type="datetimeFigureOut">
               <a:rPr lang="en-US" smtClean="0"/>
               <a:pPr/>
-              <a:t>12/3/2015</a:t>
+              <a:t>12/5/2015</a:t>
             </a:fld>
             <a:endParaRPr lang="en-US"/>
           </a:p>
@@ -4143,7 +4144,7 @@
             <a:fld id="{1D8BD707-D9CF-40AE-B4C6-C98DA3205C09}" type="datetimeFigureOut">
               <a:rPr lang="en-US" smtClean="0"/>
               <a:pPr/>
-              <a:t>12/3/2015</a:t>
+              <a:t>12/5/2015</a:t>
             </a:fld>
             <a:endParaRPr lang="en-US"/>
           </a:p>
@@ -4613,7 +4614,7 @@
             <a:fld id="{1D8BD707-D9CF-40AE-B4C6-C98DA3205C09}" type="datetimeFigureOut">
               <a:rPr lang="en-US" smtClean="0"/>
               <a:pPr/>
-              <a:t>12/3/2015</a:t>
+              <a:t>12/5/2015</a:t>
             </a:fld>
             <a:endParaRPr lang="en-US"/>
           </a:p>
@@ -4778,7 +4779,7 @@
             <a:fld id="{1D8BD707-D9CF-40AE-B4C6-C98DA3205C09}" type="datetimeFigureOut">
               <a:rPr lang="en-US" smtClean="0"/>
               <a:pPr/>
-              <a:t>12/3/2015</a:t>
+              <a:t>12/5/2015</a:t>
             </a:fld>
             <a:endParaRPr lang="en-US"/>
           </a:p>
@@ -4920,7 +4921,7 @@
             <a:fld id="{1D8BD707-D9CF-40AE-B4C6-C98DA3205C09}" type="datetimeFigureOut">
               <a:rPr lang="en-US" smtClean="0"/>
               <a:pPr/>
-              <a:t>12/3/2015</a:t>
+              <a:t>12/5/2015</a:t>
             </a:fld>
             <a:endParaRPr lang="en-US"/>
           </a:p>
@@ -5244,7 +5245,7 @@
             <a:fld id="{1D8BD707-D9CF-40AE-B4C6-C98DA3205C09}" type="datetimeFigureOut">
               <a:rPr lang="en-US" smtClean="0"/>
               <a:pPr/>
-              <a:t>12/3/2015</a:t>
+              <a:t>12/5/2015</a:t>
             </a:fld>
             <a:endParaRPr lang="en-US"/>
           </a:p>
@@ -5549,7 +5550,7 @@
             <a:fld id="{1D8BD707-D9CF-40AE-B4C6-C98DA3205C09}" type="datetimeFigureOut">
               <a:rPr lang="en-US" smtClean="0"/>
               <a:pPr/>
-              <a:t>12/3/2015</a:t>
+              <a:t>12/5/2015</a:t>
             </a:fld>
             <a:endParaRPr lang="en-US"/>
           </a:p>
@@ -6094,7 +6095,7 @@
             <a:fld id="{1D8BD707-D9CF-40AE-B4C6-C98DA3205C09}" type="datetimeFigureOut">
               <a:rPr lang="en-US" smtClean="0"/>
               <a:pPr/>
-              <a:t>12/3/2015</a:t>
+              <a:t>12/5/2015</a:t>
             </a:fld>
             <a:endParaRPr lang="en-US"/>
           </a:p>
@@ -7365,6 +7366,349 @@
 </p:sld>
 </file>
 
+<file path=ppt/slides/slide10.xml><?xml version="1.0" encoding="utf-8"?>
+<p:sld xmlns:a="http://schemas.openxmlformats.org/drawingml/2006/main" xmlns:r="http://schemas.openxmlformats.org/officeDocument/2006/relationships" xmlns:p="http://schemas.openxmlformats.org/presentationml/2006/main">
+  <p:cSld>
+    <p:spTree>
+      <p:nvGrpSpPr>
+        <p:cNvPr id="1" name=""/>
+        <p:cNvGrpSpPr/>
+        <p:nvPr/>
+      </p:nvGrpSpPr>
+      <p:grpSpPr>
+        <a:xfrm>
+          <a:off x="0" y="0"/>
+          <a:ext cx="0" cy="0"/>
+          <a:chOff x="0" y="0"/>
+          <a:chExt cx="0" cy="0"/>
+        </a:xfrm>
+      </p:grpSpPr>
+      <p:sp>
+        <p:nvSpPr>
+          <p:cNvPr id="2" name="Title 1"/>
+          <p:cNvSpPr>
+            <a:spLocks noGrp="1"/>
+          </p:cNvSpPr>
+          <p:nvPr>
+            <p:ph type="title"/>
+          </p:nvPr>
+        </p:nvSpPr>
+        <p:spPr/>
+        <p:txBody>
+          <a:bodyPr/>
+          <a:lstStyle/>
+          <a:p>
+            <a:r>
+              <a:rPr lang="en-US" dirty="0" smtClean="0"/>
+              <a:t>Component</a:t>
+            </a:r>
+            <a:endParaRPr lang="en-US" dirty="0"/>
+          </a:p>
+        </p:txBody>
+      </p:sp>
+      <p:sp>
+        <p:nvSpPr>
+          <p:cNvPr id="3" name="Rectangle 5"/>
+          <p:cNvSpPr txBox="1">
+            <a:spLocks noChangeArrowheads="1"/>
+          </p:cNvSpPr>
+          <p:nvPr/>
+        </p:nvSpPr>
+        <p:spPr>
+          <a:xfrm>
+            <a:off x="457200" y="1600200"/>
+            <a:ext cx="8075613" cy="4525963"/>
+          </a:xfrm>
+          <a:prstGeom prst="rect">
+            <a:avLst/>
+          </a:prstGeom>
+          <a:noFill/>
+          <a:ln/>
+        </p:spPr>
+        <p:txBody>
+          <a:bodyPr/>
+          <a:lstStyle>
+            <a:lvl1pPr marL="342900" indent="-342900" algn="l" rtl="0" eaLnBrk="1" fontAlgn="base" hangingPunct="1">
+              <a:spcBef>
+                <a:spcPct val="20000"/>
+              </a:spcBef>
+              <a:spcAft>
+                <a:spcPct val="0"/>
+              </a:spcAft>
+              <a:buClr>
+                <a:schemeClr val="hlink"/>
+              </a:buClr>
+              <a:buFont typeface="Wingdings" pitchFamily="2" charset="2"/>
+              <a:buChar char="v"/>
+              <a:defRPr sz="2800" b="1">
+                <a:solidFill>
+                  <a:schemeClr val="tx1"/>
+                </a:solidFill>
+                <a:latin typeface="Tahoma" pitchFamily="34" charset="0"/>
+                <a:ea typeface="+mn-ea"/>
+                <a:cs typeface="Tahoma" pitchFamily="34" charset="0"/>
+              </a:defRPr>
+            </a:lvl1pPr>
+            <a:lvl2pPr marL="742950" indent="-285750" algn="l" rtl="0" eaLnBrk="1" fontAlgn="base" hangingPunct="1">
+              <a:spcBef>
+                <a:spcPct val="20000"/>
+              </a:spcBef>
+              <a:spcAft>
+                <a:spcPct val="0"/>
+              </a:spcAft>
+              <a:buClr>
+                <a:schemeClr val="accent1"/>
+              </a:buClr>
+              <a:buFont typeface="Wingdings" pitchFamily="2" charset="2"/>
+              <a:buChar char="§"/>
+              <a:defRPr sz="2800">
+                <a:solidFill>
+                  <a:schemeClr val="tx1"/>
+                </a:solidFill>
+                <a:latin typeface="Tahoma" pitchFamily="34" charset="0"/>
+                <a:cs typeface="Tahoma" pitchFamily="34" charset="0"/>
+              </a:defRPr>
+            </a:lvl2pPr>
+            <a:lvl3pPr marL="1143000" indent="-228600" algn="l" rtl="0" eaLnBrk="1" fontAlgn="base" hangingPunct="1">
+              <a:spcBef>
+                <a:spcPct val="20000"/>
+              </a:spcBef>
+              <a:spcAft>
+                <a:spcPct val="0"/>
+              </a:spcAft>
+              <a:buClr>
+                <a:schemeClr val="tx1"/>
+              </a:buClr>
+              <a:buChar char="•"/>
+              <a:defRPr sz="2400">
+                <a:solidFill>
+                  <a:schemeClr val="tx1"/>
+                </a:solidFill>
+                <a:latin typeface="Tahoma" pitchFamily="34" charset="0"/>
+                <a:cs typeface="Tahoma" pitchFamily="34" charset="0"/>
+              </a:defRPr>
+            </a:lvl3pPr>
+            <a:lvl4pPr marL="1600200" indent="-228600" algn="l" rtl="0" eaLnBrk="1" fontAlgn="base" hangingPunct="1">
+              <a:spcBef>
+                <a:spcPct val="20000"/>
+              </a:spcBef>
+              <a:spcAft>
+                <a:spcPct val="0"/>
+              </a:spcAft>
+              <a:buChar char="–"/>
+              <a:defRPr sz="2000">
+                <a:solidFill>
+                  <a:schemeClr val="tx1"/>
+                </a:solidFill>
+                <a:latin typeface="Tahoma" pitchFamily="34" charset="0"/>
+                <a:cs typeface="Tahoma" pitchFamily="34" charset="0"/>
+              </a:defRPr>
+            </a:lvl4pPr>
+            <a:lvl5pPr marL="2057400" indent="-228600" algn="l" rtl="0" eaLnBrk="1" fontAlgn="base" hangingPunct="1">
+              <a:spcBef>
+                <a:spcPct val="20000"/>
+              </a:spcBef>
+              <a:spcAft>
+                <a:spcPct val="0"/>
+              </a:spcAft>
+              <a:buChar char="»"/>
+              <a:defRPr sz="2000">
+                <a:solidFill>
+                  <a:schemeClr val="tx1"/>
+                </a:solidFill>
+                <a:latin typeface="Tahoma" pitchFamily="34" charset="0"/>
+                <a:cs typeface="Tahoma" pitchFamily="34" charset="0"/>
+              </a:defRPr>
+            </a:lvl5pPr>
+            <a:lvl6pPr marL="2514600" indent="-228600" algn="l" rtl="0" eaLnBrk="1" fontAlgn="base" hangingPunct="1">
+              <a:spcBef>
+                <a:spcPct val="20000"/>
+              </a:spcBef>
+              <a:spcAft>
+                <a:spcPct val="0"/>
+              </a:spcAft>
+              <a:buChar char="»"/>
+              <a:defRPr sz="2000">
+                <a:solidFill>
+                  <a:schemeClr val="tx1"/>
+                </a:solidFill>
+                <a:latin typeface="Arial" charset="0"/>
+              </a:defRPr>
+            </a:lvl6pPr>
+            <a:lvl7pPr marL="2971800" indent="-228600" algn="l" rtl="0" eaLnBrk="1" fontAlgn="base" hangingPunct="1">
+              <a:spcBef>
+                <a:spcPct val="20000"/>
+              </a:spcBef>
+              <a:spcAft>
+                <a:spcPct val="0"/>
+              </a:spcAft>
+              <a:buChar char="»"/>
+              <a:defRPr sz="2000">
+                <a:solidFill>
+                  <a:schemeClr val="tx1"/>
+                </a:solidFill>
+                <a:latin typeface="Arial" charset="0"/>
+              </a:defRPr>
+            </a:lvl7pPr>
+            <a:lvl8pPr marL="3429000" indent="-228600" algn="l" rtl="0" eaLnBrk="1" fontAlgn="base" hangingPunct="1">
+              <a:spcBef>
+                <a:spcPct val="20000"/>
+              </a:spcBef>
+              <a:spcAft>
+                <a:spcPct val="0"/>
+              </a:spcAft>
+              <a:buChar char="»"/>
+              <a:defRPr sz="2000">
+                <a:solidFill>
+                  <a:schemeClr val="tx1"/>
+                </a:solidFill>
+                <a:latin typeface="Arial" charset="0"/>
+              </a:defRPr>
+            </a:lvl8pPr>
+            <a:lvl9pPr marL="3886200" indent="-228600" algn="l" rtl="0" eaLnBrk="1" fontAlgn="base" hangingPunct="1">
+              <a:spcBef>
+                <a:spcPct val="20000"/>
+              </a:spcBef>
+              <a:spcAft>
+                <a:spcPct val="0"/>
+              </a:spcAft>
+              <a:buChar char="»"/>
+              <a:defRPr sz="2000">
+                <a:solidFill>
+                  <a:schemeClr val="tx1"/>
+                </a:solidFill>
+                <a:latin typeface="Arial" charset="0"/>
+              </a:defRPr>
+            </a:lvl9pPr>
+          </a:lstStyle>
+          <a:p>
+            <a:pPr lvl="1">
+              <a:spcAft>
+                <a:spcPts val="600"/>
+              </a:spcAft>
+            </a:pPr>
+            <a:endParaRPr lang="en-US" sz="2400" dirty="0" smtClean="0">
+              <a:sym typeface="Wingdings" panose="05000000000000000000" pitchFamily="2" charset="2"/>
+            </a:endParaRPr>
+          </a:p>
+          <a:p>
+            <a:pPr lvl="1">
+              <a:spcAft>
+                <a:spcPts val="600"/>
+              </a:spcAft>
+            </a:pPr>
+            <a:endParaRPr lang="en-US" sz="2400" dirty="0" smtClean="0">
+              <a:sym typeface="Wingdings" panose="05000000000000000000" pitchFamily="2" charset="2"/>
+            </a:endParaRPr>
+          </a:p>
+          <a:p>
+            <a:pPr lvl="1">
+              <a:spcAft>
+                <a:spcPts val="600"/>
+              </a:spcAft>
+            </a:pPr>
+            <a:endParaRPr lang="en-US" sz="2400" dirty="0" smtClean="0">
+              <a:sym typeface="Wingdings" panose="05000000000000000000" pitchFamily="2" charset="2"/>
+            </a:endParaRPr>
+          </a:p>
+          <a:p>
+            <a:pPr lvl="1">
+              <a:spcAft>
+                <a:spcPts val="600"/>
+              </a:spcAft>
+            </a:pPr>
+            <a:endParaRPr lang="en-US" sz="2400" dirty="0" smtClean="0"/>
+          </a:p>
+          <a:p>
+            <a:pPr lvl="1">
+              <a:spcAft>
+                <a:spcPts val="600"/>
+              </a:spcAft>
+            </a:pPr>
+            <a:r>
+              <a:rPr lang="en-US" sz="2400" dirty="0" smtClean="0"/>
+              <a:t>The render function must return a single React component.</a:t>
+            </a:r>
+          </a:p>
+          <a:p>
+            <a:pPr lvl="1">
+              <a:spcAft>
+                <a:spcPts val="600"/>
+              </a:spcAft>
+            </a:pPr>
+            <a:r>
+              <a:rPr lang="en-US" sz="2400" dirty="0"/>
+              <a:t> </a:t>
+            </a:r>
+            <a:r>
+              <a:rPr lang="en-US" sz="2400" dirty="0" smtClean="0"/>
+              <a:t>The </a:t>
+            </a:r>
+            <a:r>
+              <a:rPr lang="en-US" sz="2400" dirty="0"/>
+              <a:t>heart and soul of </a:t>
+            </a:r>
+            <a:r>
+              <a:rPr lang="en-US" sz="2400" dirty="0" smtClean="0"/>
+              <a:t>React.</a:t>
+            </a:r>
+          </a:p>
+          <a:p>
+            <a:pPr lvl="1">
+              <a:spcAft>
+                <a:spcPts val="600"/>
+              </a:spcAft>
+            </a:pPr>
+            <a:endParaRPr lang="en-US" sz="2400" dirty="0" smtClean="0">
+              <a:sym typeface="Wingdings" panose="05000000000000000000" pitchFamily="2" charset="2"/>
+            </a:endParaRPr>
+          </a:p>
+        </p:txBody>
+      </p:sp>
+      <p:pic>
+        <p:nvPicPr>
+          <p:cNvPr id="6" name="Picture 5"/>
+          <p:cNvPicPr>
+            <a:picLocks noChangeAspect="1"/>
+          </p:cNvPicPr>
+          <p:nvPr/>
+        </p:nvPicPr>
+        <p:blipFill>
+          <a:blip r:embed="rId2"/>
+          <a:stretch>
+            <a:fillRect/>
+          </a:stretch>
+        </p:blipFill>
+        <p:spPr>
+          <a:xfrm>
+            <a:off x="1524000" y="1600200"/>
+            <a:ext cx="5745238" cy="1905000"/>
+          </a:xfrm>
+          <a:prstGeom prst="rect">
+            <a:avLst/>
+          </a:prstGeom>
+        </p:spPr>
+      </p:pic>
+    </p:spTree>
+    <p:extLst>
+      <p:ext uri="{BB962C8B-B14F-4D97-AF65-F5344CB8AC3E}">
+        <p14:creationId xmlns:p14="http://schemas.microsoft.com/office/powerpoint/2010/main" val="3457279185"/>
+      </p:ext>
+    </p:extLst>
+  </p:cSld>
+  <p:clrMapOvr>
+    <a:masterClrMapping/>
+  </p:clrMapOvr>
+  <p:timing>
+    <p:tnLst>
+      <p:par>
+        <p:cTn id="1" dur="indefinite" restart="never" nodeType="tmRoot"/>
+      </p:par>
+    </p:tnLst>
+  </p:timing>
+</p:sld>
+</file>
+
 <file path=ppt/slides/slide2.xml><?xml version="1.0" encoding="utf-8"?>
 <p:sld xmlns:a="http://schemas.openxmlformats.org/drawingml/2006/main" xmlns:r="http://schemas.openxmlformats.org/officeDocument/2006/relationships" xmlns:p="http://schemas.openxmlformats.org/presentationml/2006/main">
   <p:cSld>
@@ -7493,21 +7837,8 @@
                 <a:ea typeface="Tahoma" panose="020B0604030504040204" pitchFamily="34" charset="0"/>
                 <a:cs typeface="Tahoma" pitchFamily="34" charset="0"/>
               </a:rPr>
-              <a:t>React </a:t>
-            </a:r>
-            <a:r>
-              <a:rPr lang="en-US" sz="2400" dirty="0">
-                <a:latin typeface="Tahoma" pitchFamily="34" charset="0"/>
-                <a:ea typeface="Tahoma" panose="020B0604030504040204" pitchFamily="34" charset="0"/>
-                <a:cs typeface="Tahoma" pitchFamily="34" charset="0"/>
-              </a:rPr>
-              <a:t>Core Concept</a:t>
-            </a:r>
-            <a:endParaRPr lang="en-US" sz="2400" dirty="0">
-              <a:latin typeface="Tahoma" pitchFamily="34" charset="0"/>
-              <a:ea typeface="Tahoma" panose="020B0604030504040204" pitchFamily="34" charset="0"/>
-              <a:cs typeface="Tahoma" pitchFamily="34" charset="0"/>
-            </a:endParaRPr>
+              <a:t>React Core Concept</a:t>
+            </a:r>
           </a:p>
           <a:p>
             <a:pPr marL="742950" lvl="1" indent="-285750" fontAlgn="base">
@@ -10035,6 +10366,30 @@
           </a:p>
         </p:txBody>
       </p:sp>
+      <p:pic>
+        <p:nvPicPr>
+          <p:cNvPr id="4" name="Picture 3"/>
+          <p:cNvPicPr>
+            <a:picLocks noChangeAspect="1"/>
+          </p:cNvPicPr>
+          <p:nvPr/>
+        </p:nvPicPr>
+        <p:blipFill>
+          <a:blip r:embed="rId2"/>
+          <a:stretch>
+            <a:fillRect/>
+          </a:stretch>
+        </p:blipFill>
+        <p:spPr>
+          <a:xfrm>
+            <a:off x="822124" y="2109787"/>
+            <a:ext cx="6950276" cy="3224213"/>
+          </a:xfrm>
+          <a:prstGeom prst="rect">
+            <a:avLst/>
+          </a:prstGeom>
+        </p:spPr>
+      </p:pic>
     </p:spTree>
     <p:extLst>
       <p:ext uri="{BB962C8B-B14F-4D97-AF65-F5344CB8AC3E}">

--- a/React_Slide.pptx
+++ b/React_Slide.pptx
@@ -5,7 +5,7 @@
     <p:sldMasterId id="2147483660" r:id="rId1"/>
   </p:sldMasterIdLst>
   <p:notesMasterIdLst>
-    <p:notesMasterId r:id="rId12"/>
+    <p:notesMasterId r:id="rId16"/>
   </p:notesMasterIdLst>
   <p:sldIdLst>
     <p:sldId id="256" r:id="rId2"/>
@@ -18,6 +18,10 @@
     <p:sldId id="263" r:id="rId9"/>
     <p:sldId id="266" r:id="rId10"/>
     <p:sldId id="267" r:id="rId11"/>
+    <p:sldId id="269" r:id="rId12"/>
+    <p:sldId id="268" r:id="rId13"/>
+    <p:sldId id="270" r:id="rId14"/>
+    <p:sldId id="272" r:id="rId15"/>
   </p:sldIdLst>
   <p:sldSz cx="9144000" cy="6858000" type="screen4x3"/>
   <p:notesSz cx="6858000" cy="9144000"/>
@@ -118,7 +122,7 @@
   </p:defaultTextStyle>
   <p:extLst>
     <p:ext uri="{EFAFB233-063F-42B5-8137-9DF3F51BA10A}">
-      <p15:sldGuideLst xmlns:p15="http://schemas.microsoft.com/office/powerpoint/2012/main">
+      <p15:sldGuideLst xmlns:p15="http://schemas.microsoft.com/office/powerpoint/2012/main" xmlns="">
         <p15:guide id="1" orient="horz" pos="2160">
           <p15:clr>
             <a:srgbClr val="A4A3A4"/>
@@ -217,7 +221,7 @@
           <a:p>
             <a:fld id="{30C56A28-4380-4698-9362-A1403F5E2820}" type="datetimeFigureOut">
               <a:rPr lang="en-US" smtClean="0"/>
-              <a:t>12/5/2015</a:t>
+              <a:t>12/7/2015</a:t>
             </a:fld>
             <a:endParaRPr lang="en-US"/>
           </a:p>
@@ -1369,6 +1373,636 @@
 </p:notes>
 </file>
 
+<file path=ppt/notesSlides/notesSlide5.xml><?xml version="1.0" encoding="utf-8"?>
+<p:notes xmlns:a="http://schemas.openxmlformats.org/drawingml/2006/main" xmlns:r="http://schemas.openxmlformats.org/officeDocument/2006/relationships" xmlns:p="http://schemas.openxmlformats.org/presentationml/2006/main">
+  <p:cSld>
+    <p:spTree>
+      <p:nvGrpSpPr>
+        <p:cNvPr id="1" name=""/>
+        <p:cNvGrpSpPr/>
+        <p:nvPr/>
+      </p:nvGrpSpPr>
+      <p:grpSpPr>
+        <a:xfrm>
+          <a:off x="0" y="0"/>
+          <a:ext cx="0" cy="0"/>
+          <a:chOff x="0" y="0"/>
+          <a:chExt cx="0" cy="0"/>
+        </a:xfrm>
+      </p:grpSpPr>
+      <p:sp>
+        <p:nvSpPr>
+          <p:cNvPr id="2" name="Slide Image Placeholder 1"/>
+          <p:cNvSpPr>
+            <a:spLocks noGrp="1" noRot="1" noChangeAspect="1"/>
+          </p:cNvSpPr>
+          <p:nvPr>
+            <p:ph type="sldImg"/>
+          </p:nvPr>
+        </p:nvSpPr>
+        <p:spPr/>
+      </p:sp>
+      <p:sp>
+        <p:nvSpPr>
+          <p:cNvPr id="3" name="Notes Placeholder 2"/>
+          <p:cNvSpPr>
+            <a:spLocks noGrp="1"/>
+          </p:cNvSpPr>
+          <p:nvPr>
+            <p:ph type="body" idx="1"/>
+          </p:nvPr>
+        </p:nvSpPr>
+        <p:spPr/>
+        <p:txBody>
+          <a:bodyPr/>
+          <a:lstStyle/>
+          <a:p>
+            <a:endParaRPr lang="en-US" dirty="0"/>
+          </a:p>
+        </p:txBody>
+      </p:sp>
+      <p:sp>
+        <p:nvSpPr>
+          <p:cNvPr id="4" name="Slide Number Placeholder 3"/>
+          <p:cNvSpPr>
+            <a:spLocks noGrp="1"/>
+          </p:cNvSpPr>
+          <p:nvPr>
+            <p:ph type="sldNum" sz="quarter" idx="10"/>
+          </p:nvPr>
+        </p:nvSpPr>
+        <p:spPr/>
+        <p:txBody>
+          <a:bodyPr/>
+          <a:lstStyle/>
+          <a:p>
+            <a:fld id="{47CA5B65-C32E-4594-82B5-5B950CCEF23B}" type="slidenum">
+              <a:rPr lang="en-US" smtClean="0"/>
+              <a:t>10</a:t>
+            </a:fld>
+            <a:endParaRPr lang="en-US"/>
+          </a:p>
+        </p:txBody>
+      </p:sp>
+    </p:spTree>
+    <p:extLst>
+      <p:ext uri="{BB962C8B-B14F-4D97-AF65-F5344CB8AC3E}">
+        <p14:creationId xmlns:p14="http://schemas.microsoft.com/office/powerpoint/2010/main" val="3729163769"/>
+      </p:ext>
+    </p:extLst>
+  </p:cSld>
+  <p:clrMapOvr>
+    <a:masterClrMapping/>
+  </p:clrMapOvr>
+</p:notes>
+</file>
+
+<file path=ppt/notesSlides/notesSlide6.xml><?xml version="1.0" encoding="utf-8"?>
+<p:notes xmlns:a="http://schemas.openxmlformats.org/drawingml/2006/main" xmlns:r="http://schemas.openxmlformats.org/officeDocument/2006/relationships" xmlns:p="http://schemas.openxmlformats.org/presentationml/2006/main">
+  <p:cSld>
+    <p:spTree>
+      <p:nvGrpSpPr>
+        <p:cNvPr id="1" name=""/>
+        <p:cNvGrpSpPr/>
+        <p:nvPr/>
+      </p:nvGrpSpPr>
+      <p:grpSpPr>
+        <a:xfrm>
+          <a:off x="0" y="0"/>
+          <a:ext cx="0" cy="0"/>
+          <a:chOff x="0" y="0"/>
+          <a:chExt cx="0" cy="0"/>
+        </a:xfrm>
+      </p:grpSpPr>
+      <p:sp>
+        <p:nvSpPr>
+          <p:cNvPr id="2" name="Slide Image Placeholder 1"/>
+          <p:cNvSpPr>
+            <a:spLocks noGrp="1" noRot="1" noChangeAspect="1"/>
+          </p:cNvSpPr>
+          <p:nvPr>
+            <p:ph type="sldImg"/>
+          </p:nvPr>
+        </p:nvSpPr>
+        <p:spPr/>
+      </p:sp>
+      <p:sp>
+        <p:nvSpPr>
+          <p:cNvPr id="3" name="Notes Placeholder 2"/>
+          <p:cNvSpPr>
+            <a:spLocks noGrp="1"/>
+          </p:cNvSpPr>
+          <p:nvPr>
+            <p:ph type="body" idx="1"/>
+          </p:nvPr>
+        </p:nvSpPr>
+        <p:spPr/>
+        <p:txBody>
+          <a:bodyPr/>
+          <a:lstStyle/>
+          <a:p>
+            <a:r>
+              <a:rPr lang="en-US" dirty="0" smtClean="0"/>
+              <a:t>https://facebook.github.io/react/docs/tags-and-attributes.html</a:t>
+            </a:r>
+          </a:p>
+          <a:p>
+            <a:endParaRPr lang="en-US" dirty="0"/>
+          </a:p>
+        </p:txBody>
+      </p:sp>
+      <p:sp>
+        <p:nvSpPr>
+          <p:cNvPr id="4" name="Slide Number Placeholder 3"/>
+          <p:cNvSpPr>
+            <a:spLocks noGrp="1"/>
+          </p:cNvSpPr>
+          <p:nvPr>
+            <p:ph type="sldNum" sz="quarter" idx="10"/>
+          </p:nvPr>
+        </p:nvSpPr>
+        <p:spPr/>
+        <p:txBody>
+          <a:bodyPr/>
+          <a:lstStyle/>
+          <a:p>
+            <a:fld id="{47CA5B65-C32E-4594-82B5-5B950CCEF23B}" type="slidenum">
+              <a:rPr lang="en-US" smtClean="0"/>
+              <a:t>11</a:t>
+            </a:fld>
+            <a:endParaRPr lang="en-US"/>
+          </a:p>
+        </p:txBody>
+      </p:sp>
+    </p:spTree>
+    <p:extLst>
+      <p:ext uri="{BB962C8B-B14F-4D97-AF65-F5344CB8AC3E}">
+        <p14:creationId xmlns:p14="http://schemas.microsoft.com/office/powerpoint/2010/main" val="291943593"/>
+      </p:ext>
+    </p:extLst>
+  </p:cSld>
+  <p:clrMapOvr>
+    <a:masterClrMapping/>
+  </p:clrMapOvr>
+</p:notes>
+</file>
+
+<file path=ppt/notesSlides/notesSlide7.xml><?xml version="1.0" encoding="utf-8"?>
+<p:notes xmlns:a="http://schemas.openxmlformats.org/drawingml/2006/main" xmlns:r="http://schemas.openxmlformats.org/officeDocument/2006/relationships" xmlns:p="http://schemas.openxmlformats.org/presentationml/2006/main">
+  <p:cSld>
+    <p:spTree>
+      <p:nvGrpSpPr>
+        <p:cNvPr id="1" name=""/>
+        <p:cNvGrpSpPr/>
+        <p:nvPr/>
+      </p:nvGrpSpPr>
+      <p:grpSpPr>
+        <a:xfrm>
+          <a:off x="0" y="0"/>
+          <a:ext cx="0" cy="0"/>
+          <a:chOff x="0" y="0"/>
+          <a:chExt cx="0" cy="0"/>
+        </a:xfrm>
+      </p:grpSpPr>
+      <p:sp>
+        <p:nvSpPr>
+          <p:cNvPr id="2" name="Slide Image Placeholder 1"/>
+          <p:cNvSpPr>
+            <a:spLocks noGrp="1" noRot="1" noChangeAspect="1"/>
+          </p:cNvSpPr>
+          <p:nvPr>
+            <p:ph type="sldImg"/>
+          </p:nvPr>
+        </p:nvSpPr>
+        <p:spPr/>
+      </p:sp>
+      <p:sp>
+        <p:nvSpPr>
+          <p:cNvPr id="3" name="Notes Placeholder 2"/>
+          <p:cNvSpPr>
+            <a:spLocks noGrp="1"/>
+          </p:cNvSpPr>
+          <p:nvPr>
+            <p:ph type="body" idx="1"/>
+          </p:nvPr>
+        </p:nvSpPr>
+        <p:spPr/>
+        <p:txBody>
+          <a:bodyPr/>
+          <a:lstStyle/>
+          <a:p>
+            <a:r>
+              <a:rPr lang="en-US" sz="1200" b="0" i="0" kern="1200" dirty="0" smtClean="0">
+                <a:solidFill>
+                  <a:schemeClr val="tx1"/>
+                </a:solidFill>
+                <a:effectLst/>
+                <a:latin typeface="+mn-lt"/>
+                <a:ea typeface="+mn-ea"/>
+                <a:cs typeface="+mn-cs"/>
+              </a:rPr>
+              <a:t>You can use React using only </a:t>
+            </a:r>
+            <a:r>
+              <a:rPr lang="en-US" dirty="0" err="1" smtClean="0"/>
+              <a:t>ReactElement</a:t>
+            </a:r>
+            <a:r>
+              <a:rPr lang="en-US" sz="1200" b="0" i="0" kern="1200" dirty="0" err="1" smtClean="0">
+                <a:solidFill>
+                  <a:schemeClr val="tx1"/>
+                </a:solidFill>
+                <a:effectLst/>
+                <a:latin typeface="+mn-lt"/>
+                <a:ea typeface="+mn-ea"/>
+                <a:cs typeface="+mn-cs"/>
+              </a:rPr>
+              <a:t>s</a:t>
+            </a:r>
+            <a:r>
+              <a:rPr lang="en-US" sz="1200" b="0" i="0" kern="1200" dirty="0" smtClean="0">
+                <a:solidFill>
+                  <a:schemeClr val="tx1"/>
+                </a:solidFill>
+                <a:effectLst/>
+                <a:latin typeface="+mn-lt"/>
+                <a:ea typeface="+mn-ea"/>
+                <a:cs typeface="+mn-cs"/>
+              </a:rPr>
+              <a:t> but to really take advantage of React, you'll want to use </a:t>
+            </a:r>
+            <a:r>
+              <a:rPr lang="en-US" dirty="0" err="1" smtClean="0"/>
+              <a:t>ReactComponent</a:t>
+            </a:r>
+            <a:r>
+              <a:rPr lang="en-US" sz="1200" b="0" i="0" kern="1200" dirty="0" err="1" smtClean="0">
+                <a:solidFill>
+                  <a:schemeClr val="tx1"/>
+                </a:solidFill>
+                <a:effectLst/>
+                <a:latin typeface="+mn-lt"/>
+                <a:ea typeface="+mn-ea"/>
+                <a:cs typeface="+mn-cs"/>
+              </a:rPr>
+              <a:t>s</a:t>
+            </a:r>
+            <a:r>
+              <a:rPr lang="en-US" sz="1200" b="0" i="0" kern="1200" dirty="0" smtClean="0">
+                <a:solidFill>
+                  <a:schemeClr val="tx1"/>
+                </a:solidFill>
+                <a:effectLst/>
+                <a:latin typeface="+mn-lt"/>
+                <a:ea typeface="+mn-ea"/>
+                <a:cs typeface="+mn-cs"/>
+              </a:rPr>
+              <a:t> to create encapsulations with embedded state.</a:t>
+            </a:r>
+            <a:endParaRPr lang="en-US" dirty="0"/>
+          </a:p>
+        </p:txBody>
+      </p:sp>
+      <p:sp>
+        <p:nvSpPr>
+          <p:cNvPr id="4" name="Slide Number Placeholder 3"/>
+          <p:cNvSpPr>
+            <a:spLocks noGrp="1"/>
+          </p:cNvSpPr>
+          <p:nvPr>
+            <p:ph type="sldNum" sz="quarter" idx="10"/>
+          </p:nvPr>
+        </p:nvSpPr>
+        <p:spPr/>
+        <p:txBody>
+          <a:bodyPr/>
+          <a:lstStyle/>
+          <a:p>
+            <a:fld id="{47CA5B65-C32E-4594-82B5-5B950CCEF23B}" type="slidenum">
+              <a:rPr lang="en-US" smtClean="0"/>
+              <a:t>12</a:t>
+            </a:fld>
+            <a:endParaRPr lang="en-US"/>
+          </a:p>
+        </p:txBody>
+      </p:sp>
+    </p:spTree>
+    <p:extLst>
+      <p:ext uri="{BB962C8B-B14F-4D97-AF65-F5344CB8AC3E}">
+        <p14:creationId xmlns:p14="http://schemas.microsoft.com/office/powerpoint/2010/main" val="898643330"/>
+      </p:ext>
+    </p:extLst>
+  </p:cSld>
+  <p:clrMapOvr>
+    <a:masterClrMapping/>
+  </p:clrMapOvr>
+</p:notes>
+</file>
+
+<file path=ppt/notesSlides/notesSlide8.xml><?xml version="1.0" encoding="utf-8"?>
+<p:notes xmlns:a="http://schemas.openxmlformats.org/drawingml/2006/main" xmlns:r="http://schemas.openxmlformats.org/officeDocument/2006/relationships" xmlns:p="http://schemas.openxmlformats.org/presentationml/2006/main">
+  <p:cSld>
+    <p:spTree>
+      <p:nvGrpSpPr>
+        <p:cNvPr id="1" name=""/>
+        <p:cNvGrpSpPr/>
+        <p:nvPr/>
+      </p:nvGrpSpPr>
+      <p:grpSpPr>
+        <a:xfrm>
+          <a:off x="0" y="0"/>
+          <a:ext cx="0" cy="0"/>
+          <a:chOff x="0" y="0"/>
+          <a:chExt cx="0" cy="0"/>
+        </a:xfrm>
+      </p:grpSpPr>
+      <p:sp>
+        <p:nvSpPr>
+          <p:cNvPr id="2" name="Slide Image Placeholder 1"/>
+          <p:cNvSpPr>
+            <a:spLocks noGrp="1" noRot="1" noChangeAspect="1"/>
+          </p:cNvSpPr>
+          <p:nvPr>
+            <p:ph type="sldImg"/>
+          </p:nvPr>
+        </p:nvSpPr>
+        <p:spPr/>
+      </p:sp>
+      <p:sp>
+        <p:nvSpPr>
+          <p:cNvPr id="3" name="Notes Placeholder 2"/>
+          <p:cNvSpPr>
+            <a:spLocks noGrp="1"/>
+          </p:cNvSpPr>
+          <p:nvPr>
+            <p:ph type="body" idx="1"/>
+          </p:nvPr>
+        </p:nvSpPr>
+        <p:spPr/>
+        <p:txBody>
+          <a:bodyPr/>
+          <a:lstStyle/>
+          <a:p>
+            <a:r>
+              <a:rPr lang="en-US" sz="1200" b="0" i="0" kern="1200" dirty="0" smtClean="0">
+                <a:solidFill>
+                  <a:schemeClr val="tx1"/>
+                </a:solidFill>
+                <a:effectLst/>
+                <a:latin typeface="+mn-lt"/>
+                <a:ea typeface="+mn-ea"/>
+                <a:cs typeface="+mn-cs"/>
+              </a:rPr>
+              <a:t>You can use React using only </a:t>
+            </a:r>
+            <a:r>
+              <a:rPr lang="en-US" dirty="0" err="1" smtClean="0"/>
+              <a:t>ReactElement</a:t>
+            </a:r>
+            <a:r>
+              <a:rPr lang="en-US" sz="1200" b="0" i="0" kern="1200" dirty="0" err="1" smtClean="0">
+                <a:solidFill>
+                  <a:schemeClr val="tx1"/>
+                </a:solidFill>
+                <a:effectLst/>
+                <a:latin typeface="+mn-lt"/>
+                <a:ea typeface="+mn-ea"/>
+                <a:cs typeface="+mn-cs"/>
+              </a:rPr>
+              <a:t>s</a:t>
+            </a:r>
+            <a:r>
+              <a:rPr lang="en-US" sz="1200" b="0" i="0" kern="1200" dirty="0" smtClean="0">
+                <a:solidFill>
+                  <a:schemeClr val="tx1"/>
+                </a:solidFill>
+                <a:effectLst/>
+                <a:latin typeface="+mn-lt"/>
+                <a:ea typeface="+mn-ea"/>
+                <a:cs typeface="+mn-cs"/>
+              </a:rPr>
+              <a:t> but to really take advantage of React, you'll want to use </a:t>
+            </a:r>
+            <a:r>
+              <a:rPr lang="en-US" dirty="0" err="1" smtClean="0"/>
+              <a:t>ReactComponent</a:t>
+            </a:r>
+            <a:r>
+              <a:rPr lang="en-US" sz="1200" b="0" i="0" kern="1200" dirty="0" err="1" smtClean="0">
+                <a:solidFill>
+                  <a:schemeClr val="tx1"/>
+                </a:solidFill>
+                <a:effectLst/>
+                <a:latin typeface="+mn-lt"/>
+                <a:ea typeface="+mn-ea"/>
+                <a:cs typeface="+mn-cs"/>
+              </a:rPr>
+              <a:t>s</a:t>
+            </a:r>
+            <a:r>
+              <a:rPr lang="en-US" sz="1200" b="0" i="0" kern="1200" dirty="0" smtClean="0">
+                <a:solidFill>
+                  <a:schemeClr val="tx1"/>
+                </a:solidFill>
+                <a:effectLst/>
+                <a:latin typeface="+mn-lt"/>
+                <a:ea typeface="+mn-ea"/>
+                <a:cs typeface="+mn-cs"/>
+              </a:rPr>
+              <a:t> to create encapsulations with embedded state.</a:t>
+            </a:r>
+            <a:endParaRPr lang="en-US" dirty="0"/>
+          </a:p>
+        </p:txBody>
+      </p:sp>
+      <p:sp>
+        <p:nvSpPr>
+          <p:cNvPr id="4" name="Slide Number Placeholder 3"/>
+          <p:cNvSpPr>
+            <a:spLocks noGrp="1"/>
+          </p:cNvSpPr>
+          <p:nvPr>
+            <p:ph type="sldNum" sz="quarter" idx="10"/>
+          </p:nvPr>
+        </p:nvSpPr>
+        <p:spPr/>
+        <p:txBody>
+          <a:bodyPr/>
+          <a:lstStyle/>
+          <a:p>
+            <a:fld id="{47CA5B65-C32E-4594-82B5-5B950CCEF23B}" type="slidenum">
+              <a:rPr lang="en-US" smtClean="0"/>
+              <a:t>13</a:t>
+            </a:fld>
+            <a:endParaRPr lang="en-US"/>
+          </a:p>
+        </p:txBody>
+      </p:sp>
+    </p:spTree>
+    <p:extLst>
+      <p:ext uri="{BB962C8B-B14F-4D97-AF65-F5344CB8AC3E}">
+        <p14:creationId xmlns:p14="http://schemas.microsoft.com/office/powerpoint/2010/main" val="898643330"/>
+      </p:ext>
+    </p:extLst>
+  </p:cSld>
+  <p:clrMapOvr>
+    <a:masterClrMapping/>
+  </p:clrMapOvr>
+</p:notes>
+</file>
+
+<file path=ppt/notesSlides/notesSlide9.xml><?xml version="1.0" encoding="utf-8"?>
+<p:notes xmlns:a="http://schemas.openxmlformats.org/drawingml/2006/main" xmlns:r="http://schemas.openxmlformats.org/officeDocument/2006/relationships" xmlns:p="http://schemas.openxmlformats.org/presentationml/2006/main">
+  <p:cSld>
+    <p:spTree>
+      <p:nvGrpSpPr>
+        <p:cNvPr id="1" name=""/>
+        <p:cNvGrpSpPr/>
+        <p:nvPr/>
+      </p:nvGrpSpPr>
+      <p:grpSpPr>
+        <a:xfrm>
+          <a:off x="0" y="0"/>
+          <a:ext cx="0" cy="0"/>
+          <a:chOff x="0" y="0"/>
+          <a:chExt cx="0" cy="0"/>
+        </a:xfrm>
+      </p:grpSpPr>
+      <p:sp>
+        <p:nvSpPr>
+          <p:cNvPr id="2" name="Slide Image Placeholder 1"/>
+          <p:cNvSpPr>
+            <a:spLocks noGrp="1" noRot="1" noChangeAspect="1"/>
+          </p:cNvSpPr>
+          <p:nvPr>
+            <p:ph type="sldImg"/>
+          </p:nvPr>
+        </p:nvSpPr>
+        <p:spPr/>
+      </p:sp>
+      <p:sp>
+        <p:nvSpPr>
+          <p:cNvPr id="3" name="Notes Placeholder 2"/>
+          <p:cNvSpPr>
+            <a:spLocks noGrp="1"/>
+          </p:cNvSpPr>
+          <p:nvPr>
+            <p:ph type="body" idx="1"/>
+          </p:nvPr>
+        </p:nvSpPr>
+        <p:spPr/>
+        <p:txBody>
+          <a:bodyPr/>
+          <a:lstStyle/>
+          <a:p>
+            <a:r>
+              <a:rPr lang="en-US" sz="1200" b="0" i="0" kern="1200" dirty="0" smtClean="0">
+                <a:solidFill>
+                  <a:schemeClr val="tx1"/>
+                </a:solidFill>
+                <a:effectLst/>
+                <a:latin typeface="+mn-lt"/>
+                <a:ea typeface="+mn-ea"/>
+                <a:cs typeface="+mn-cs"/>
+              </a:rPr>
+              <a:t>You can use React using only </a:t>
+            </a:r>
+            <a:r>
+              <a:rPr lang="en-US" dirty="0" err="1" smtClean="0"/>
+              <a:t>ReactElement</a:t>
+            </a:r>
+            <a:r>
+              <a:rPr lang="en-US" sz="1200" b="0" i="0" kern="1200" dirty="0" err="1" smtClean="0">
+                <a:solidFill>
+                  <a:schemeClr val="tx1"/>
+                </a:solidFill>
+                <a:effectLst/>
+                <a:latin typeface="+mn-lt"/>
+                <a:ea typeface="+mn-ea"/>
+                <a:cs typeface="+mn-cs"/>
+              </a:rPr>
+              <a:t>s</a:t>
+            </a:r>
+            <a:r>
+              <a:rPr lang="en-US" sz="1200" b="0" i="0" kern="1200" dirty="0" smtClean="0">
+                <a:solidFill>
+                  <a:schemeClr val="tx1"/>
+                </a:solidFill>
+                <a:effectLst/>
+                <a:latin typeface="+mn-lt"/>
+                <a:ea typeface="+mn-ea"/>
+                <a:cs typeface="+mn-cs"/>
+              </a:rPr>
+              <a:t> but to really take advantage of React, you'll want to use </a:t>
+            </a:r>
+            <a:r>
+              <a:rPr lang="en-US" dirty="0" err="1" smtClean="0"/>
+              <a:t>ReactComponent</a:t>
+            </a:r>
+            <a:r>
+              <a:rPr lang="en-US" sz="1200" b="0" i="0" kern="1200" dirty="0" err="1" smtClean="0">
+                <a:solidFill>
+                  <a:schemeClr val="tx1"/>
+                </a:solidFill>
+                <a:effectLst/>
+                <a:latin typeface="+mn-lt"/>
+                <a:ea typeface="+mn-ea"/>
+                <a:cs typeface="+mn-cs"/>
+              </a:rPr>
+              <a:t>s</a:t>
+            </a:r>
+            <a:r>
+              <a:rPr lang="en-US" sz="1200" b="0" i="0" kern="1200" dirty="0" smtClean="0">
+                <a:solidFill>
+                  <a:schemeClr val="tx1"/>
+                </a:solidFill>
+                <a:effectLst/>
+                <a:latin typeface="+mn-lt"/>
+                <a:ea typeface="+mn-ea"/>
+                <a:cs typeface="+mn-cs"/>
+              </a:rPr>
+              <a:t> to create encapsulations with embedded state.</a:t>
+            </a:r>
+            <a:endParaRPr lang="en-US" dirty="0"/>
+          </a:p>
+        </p:txBody>
+      </p:sp>
+      <p:sp>
+        <p:nvSpPr>
+          <p:cNvPr id="4" name="Slide Number Placeholder 3"/>
+          <p:cNvSpPr>
+            <a:spLocks noGrp="1"/>
+          </p:cNvSpPr>
+          <p:nvPr>
+            <p:ph type="sldNum" sz="quarter" idx="10"/>
+          </p:nvPr>
+        </p:nvSpPr>
+        <p:spPr/>
+        <p:txBody>
+          <a:bodyPr/>
+          <a:lstStyle/>
+          <a:p>
+            <a:fld id="{47CA5B65-C32E-4594-82B5-5B950CCEF23B}" type="slidenum">
+              <a:rPr lang="en-US" smtClean="0"/>
+              <a:t>14</a:t>
+            </a:fld>
+            <a:endParaRPr lang="en-US"/>
+          </a:p>
+        </p:txBody>
+      </p:sp>
+    </p:spTree>
+    <p:extLst>
+      <p:ext uri="{BB962C8B-B14F-4D97-AF65-F5344CB8AC3E}">
+        <p14:creationId xmlns:p14="http://schemas.microsoft.com/office/powerpoint/2010/main" val="898643330"/>
+      </p:ext>
+    </p:extLst>
+  </p:cSld>
+  <p:clrMapOvr>
+    <a:masterClrMapping/>
+  </p:clrMapOvr>
+</p:notes>
+</file>
+
 <file path=ppt/slideLayouts/slideLayout1.xml><?xml version="1.0" encoding="utf-8"?>
 <p:sldLayout xmlns:a="http://schemas.openxmlformats.org/drawingml/2006/main" xmlns:r="http://schemas.openxmlformats.org/officeDocument/2006/relationships" xmlns:p="http://schemas.openxmlformats.org/presentationml/2006/main" showMasterSp="0" preserve="1">
   <p:cSld name="Title Slide">
@@ -2492,7 +3126,7 @@
             <a:fld id="{1D8BD707-D9CF-40AE-B4C6-C98DA3205C09}" type="datetimeFigureOut">
               <a:rPr lang="en-US" smtClean="0"/>
               <a:pPr/>
-              <a:t>12/5/2015</a:t>
+              <a:t>12/7/2015</a:t>
             </a:fld>
             <a:endParaRPr lang="en-US"/>
           </a:p>
@@ -2719,7 +3353,7 @@
             <a:fld id="{1D8BD707-D9CF-40AE-B4C6-C98DA3205C09}" type="datetimeFigureOut">
               <a:rPr lang="en-US" smtClean="0"/>
               <a:pPr/>
-              <a:t>12/5/2015</a:t>
+              <a:t>12/7/2015</a:t>
             </a:fld>
             <a:endParaRPr lang="en-US"/>
           </a:p>
@@ -2946,7 +3580,7 @@
             <a:fld id="{1D8BD707-D9CF-40AE-B4C6-C98DA3205C09}" type="datetimeFigureOut">
               <a:rPr lang="en-US" smtClean="0"/>
               <a:pPr/>
-              <a:t>12/5/2015</a:t>
+              <a:t>12/7/2015</a:t>
             </a:fld>
             <a:endParaRPr lang="en-US"/>
           </a:p>
@@ -3145,7 +3779,7 @@
             <a:fld id="{1D8BD707-D9CF-40AE-B4C6-C98DA3205C09}" type="datetimeFigureOut">
               <a:rPr lang="en-US" smtClean="0"/>
               <a:pPr/>
-              <a:t>12/5/2015</a:t>
+              <a:t>12/7/2015</a:t>
             </a:fld>
             <a:endParaRPr lang="en-US"/>
           </a:p>
@@ -3344,7 +3978,7 @@
             <a:fld id="{1D8BD707-D9CF-40AE-B4C6-C98DA3205C09}" type="datetimeFigureOut">
               <a:rPr lang="en-US" smtClean="0"/>
               <a:pPr/>
-              <a:t>12/5/2015</a:t>
+              <a:t>12/7/2015</a:t>
             </a:fld>
             <a:endParaRPr lang="en-US"/>
           </a:p>
@@ -3570,7 +4204,7 @@
             <a:fld id="{1D8BD707-D9CF-40AE-B4C6-C98DA3205C09}" type="datetimeFigureOut">
               <a:rPr lang="en-US" smtClean="0"/>
               <a:pPr/>
-              <a:t>12/5/2015</a:t>
+              <a:t>12/7/2015</a:t>
             </a:fld>
             <a:endParaRPr lang="en-US"/>
           </a:p>
@@ -3809,7 +4443,7 @@
             <a:fld id="{1D8BD707-D9CF-40AE-B4C6-C98DA3205C09}" type="datetimeFigureOut">
               <a:rPr lang="en-US" smtClean="0"/>
               <a:pPr/>
-              <a:t>12/5/2015</a:t>
+              <a:t>12/7/2015</a:t>
             </a:fld>
             <a:endParaRPr lang="en-US"/>
           </a:p>
@@ -4144,7 +4778,7 @@
             <a:fld id="{1D8BD707-D9CF-40AE-B4C6-C98DA3205C09}" type="datetimeFigureOut">
               <a:rPr lang="en-US" smtClean="0"/>
               <a:pPr/>
-              <a:t>12/5/2015</a:t>
+              <a:t>12/7/2015</a:t>
             </a:fld>
             <a:endParaRPr lang="en-US"/>
           </a:p>
@@ -4614,7 +5248,7 @@
             <a:fld id="{1D8BD707-D9CF-40AE-B4C6-C98DA3205C09}" type="datetimeFigureOut">
               <a:rPr lang="en-US" smtClean="0"/>
               <a:pPr/>
-              <a:t>12/5/2015</a:t>
+              <a:t>12/7/2015</a:t>
             </a:fld>
             <a:endParaRPr lang="en-US"/>
           </a:p>
@@ -4779,7 +5413,7 @@
             <a:fld id="{1D8BD707-D9CF-40AE-B4C6-C98DA3205C09}" type="datetimeFigureOut">
               <a:rPr lang="en-US" smtClean="0"/>
               <a:pPr/>
-              <a:t>12/5/2015</a:t>
+              <a:t>12/7/2015</a:t>
             </a:fld>
             <a:endParaRPr lang="en-US"/>
           </a:p>
@@ -4921,7 +5555,7 @@
             <a:fld id="{1D8BD707-D9CF-40AE-B4C6-C98DA3205C09}" type="datetimeFigureOut">
               <a:rPr lang="en-US" smtClean="0"/>
               <a:pPr/>
-              <a:t>12/5/2015</a:t>
+              <a:t>12/7/2015</a:t>
             </a:fld>
             <a:endParaRPr lang="en-US"/>
           </a:p>
@@ -5245,7 +5879,7 @@
             <a:fld id="{1D8BD707-D9CF-40AE-B4C6-C98DA3205C09}" type="datetimeFigureOut">
               <a:rPr lang="en-US" smtClean="0"/>
               <a:pPr/>
-              <a:t>12/5/2015</a:t>
+              <a:t>12/7/2015</a:t>
             </a:fld>
             <a:endParaRPr lang="en-US"/>
           </a:p>
@@ -5550,7 +6184,7 @@
             <a:fld id="{1D8BD707-D9CF-40AE-B4C6-C98DA3205C09}" type="datetimeFigureOut">
               <a:rPr lang="en-US" smtClean="0"/>
               <a:pPr/>
-              <a:t>12/5/2015</a:t>
+              <a:t>12/7/2015</a:t>
             </a:fld>
             <a:endParaRPr lang="en-US"/>
           </a:p>
@@ -6095,7 +6729,7 @@
             <a:fld id="{1D8BD707-D9CF-40AE-B4C6-C98DA3205C09}" type="datetimeFigureOut">
               <a:rPr lang="en-US" smtClean="0"/>
               <a:pPr/>
-              <a:t>12/5/2015</a:t>
+              <a:t>12/7/2015</a:t>
             </a:fld>
             <a:endParaRPr lang="en-US"/>
           </a:p>
@@ -7400,7 +8034,7 @@
           <a:p>
             <a:r>
               <a:rPr lang="en-US" dirty="0" smtClean="0"/>
-              <a:t>Component</a:t>
+              <a:t>React Elements</a:t>
             </a:r>
             <a:endParaRPr lang="en-US" dirty="0"/>
           </a:p>
@@ -7587,8 +8221,176 @@
                 <a:spcPts val="600"/>
               </a:spcAft>
             </a:pPr>
-            <a:endParaRPr lang="en-US" sz="2400" dirty="0" smtClean="0">
-              <a:sym typeface="Wingdings" panose="05000000000000000000" pitchFamily="2" charset="2"/>
+            <a:r>
+              <a:rPr lang="en-US" sz="2400" dirty="0" smtClean="0">
+                <a:sym typeface="Wingdings" panose="05000000000000000000" pitchFamily="2" charset="2"/>
+              </a:rPr>
+              <a:t>The primary type in React.</a:t>
+            </a:r>
+          </a:p>
+          <a:p>
+            <a:pPr lvl="1">
+              <a:spcAft>
+                <a:spcPts val="600"/>
+              </a:spcAft>
+            </a:pPr>
+            <a:r>
+              <a:rPr lang="en-US" sz="2400" dirty="0"/>
+              <a:t>It is a virtual </a:t>
+            </a:r>
+            <a:r>
+              <a:rPr lang="en-US" sz="2400" dirty="0" smtClean="0"/>
+              <a:t>DOM.</a:t>
+            </a:r>
+          </a:p>
+          <a:p>
+            <a:pPr lvl="1">
+              <a:spcAft>
+                <a:spcPts val="600"/>
+              </a:spcAft>
+            </a:pPr>
+            <a:r>
+              <a:rPr lang="en-US" sz="2400" dirty="0" smtClean="0"/>
+              <a:t>A virtual </a:t>
+            </a:r>
+            <a:r>
+              <a:rPr lang="en-US" sz="2400" dirty="0"/>
+              <a:t>representation of a DOM </a:t>
+            </a:r>
+            <a:r>
+              <a:rPr lang="en-US" sz="2400" dirty="0" smtClean="0"/>
+              <a:t>Element</a:t>
+            </a:r>
+            <a:r>
+              <a:rPr lang="en-US" sz="2400" dirty="0"/>
+              <a:t>:</a:t>
+            </a:r>
+            <a:endParaRPr lang="en-US" sz="2400" dirty="0" smtClean="0"/>
+          </a:p>
+          <a:p>
+            <a:pPr lvl="2">
+              <a:spcAft>
+                <a:spcPts val="600"/>
+              </a:spcAft>
+            </a:pPr>
+            <a:r>
+              <a:rPr lang="en-US" sz="2000" dirty="0" smtClean="0"/>
+              <a:t>Light</a:t>
+            </a:r>
+          </a:p>
+          <a:p>
+            <a:pPr lvl="2">
+              <a:spcAft>
+                <a:spcPts val="600"/>
+              </a:spcAft>
+            </a:pPr>
+            <a:r>
+              <a:rPr lang="en-US" sz="2000" dirty="0" smtClean="0"/>
+              <a:t>Stateless</a:t>
+            </a:r>
+          </a:p>
+          <a:p>
+            <a:pPr lvl="2">
+              <a:spcAft>
+                <a:spcPts val="600"/>
+              </a:spcAft>
+            </a:pPr>
+            <a:r>
+              <a:rPr lang="en-US" sz="2000" dirty="0" smtClean="0"/>
+              <a:t>Immutable</a:t>
+            </a:r>
+          </a:p>
+          <a:p>
+            <a:pPr lvl="1">
+              <a:spcAft>
+                <a:spcPts val="600"/>
+              </a:spcAft>
+            </a:pPr>
+            <a:r>
+              <a:rPr lang="en-US" sz="2400" dirty="0" smtClean="0"/>
+              <a:t>Pass to </a:t>
+            </a:r>
+            <a:r>
+              <a:rPr lang="en-US" sz="2400" i="1" dirty="0" err="1" smtClean="0">
+                <a:solidFill>
+                  <a:schemeClr val="tx1">
+                    <a:lumMod val="40000"/>
+                    <a:lumOff val="60000"/>
+                  </a:schemeClr>
+                </a:solidFill>
+              </a:rPr>
+              <a:t>React</a:t>
+            </a:r>
+            <a:r>
+              <a:rPr lang="en-US" sz="2400" b="1" i="1" dirty="0" err="1" smtClean="0">
+                <a:solidFill>
+                  <a:schemeClr val="tx1">
+                    <a:lumMod val="40000"/>
+                    <a:lumOff val="60000"/>
+                  </a:schemeClr>
+                </a:solidFill>
+              </a:rPr>
+              <a:t>Dom</a:t>
+            </a:r>
+            <a:r>
+              <a:rPr lang="en-US" sz="2400" i="1" dirty="0" err="1" smtClean="0">
+                <a:solidFill>
+                  <a:schemeClr val="tx1">
+                    <a:lumMod val="40000"/>
+                    <a:lumOff val="60000"/>
+                  </a:schemeClr>
+                </a:solidFill>
+              </a:rPr>
+              <a:t>.render</a:t>
+            </a:r>
+            <a:r>
+              <a:rPr lang="en-US" sz="2400" i="1" dirty="0">
+                <a:solidFill>
+                  <a:schemeClr val="tx1">
+                    <a:lumMod val="40000"/>
+                    <a:lumOff val="60000"/>
+                  </a:schemeClr>
+                </a:solidFill>
+              </a:rPr>
+              <a:t> </a:t>
+            </a:r>
+            <a:r>
+              <a:rPr lang="en-US" sz="2400" i="1" dirty="0" smtClean="0">
+                <a:solidFill>
+                  <a:schemeClr val="tx1">
+                    <a:lumMod val="40000"/>
+                    <a:lumOff val="60000"/>
+                  </a:schemeClr>
+                </a:solidFill>
+              </a:rPr>
+              <a:t> </a:t>
+            </a:r>
+            <a:r>
+              <a:rPr lang="en-US" sz="2400" dirty="0" smtClean="0"/>
+              <a:t>to render a new tree into the DOM.</a:t>
+            </a:r>
+          </a:p>
+          <a:p>
+            <a:pPr lvl="1">
+              <a:spcAft>
+                <a:spcPts val="600"/>
+              </a:spcAft>
+            </a:pPr>
+            <a:endParaRPr lang="en-US" sz="2400" dirty="0" smtClean="0"/>
+          </a:p>
+          <a:p>
+            <a:pPr lvl="1">
+              <a:spcAft>
+                <a:spcPts val="600"/>
+              </a:spcAft>
+            </a:pPr>
+            <a:endParaRPr lang="en-US" sz="2400" i="1" dirty="0" smtClean="0">
+              <a:solidFill>
+                <a:schemeClr val="tx1">
+                  <a:lumMod val="40000"/>
+                  <a:lumOff val="60000"/>
+                </a:schemeClr>
+              </a:solidFill>
             </a:endParaRPr>
           </a:p>
           <a:p>
@@ -7601,98 +8403,1661 @@
               <a:sym typeface="Wingdings" panose="05000000000000000000" pitchFamily="2" charset="2"/>
             </a:endParaRPr>
           </a:p>
+        </p:txBody>
+      </p:sp>
+    </p:spTree>
+    <p:extLst>
+      <p:ext uri="{BB962C8B-B14F-4D97-AF65-F5344CB8AC3E}">
+        <p14:creationId xmlns:p14="http://schemas.microsoft.com/office/powerpoint/2010/main" val="3457279185"/>
+      </p:ext>
+    </p:extLst>
+  </p:cSld>
+  <p:clrMapOvr>
+    <a:masterClrMapping/>
+  </p:clrMapOvr>
+  <p:timing>
+    <p:tnLst>
+      <p:par>
+        <p:cTn id="1" dur="indefinite" restart="never" nodeType="tmRoot"/>
+      </p:par>
+    </p:tnLst>
+  </p:timing>
+</p:sld>
+</file>
+
+<file path=ppt/slides/slide11.xml><?xml version="1.0" encoding="utf-8"?>
+<p:sld xmlns:a="http://schemas.openxmlformats.org/drawingml/2006/main" xmlns:r="http://schemas.openxmlformats.org/officeDocument/2006/relationships" xmlns:p="http://schemas.openxmlformats.org/presentationml/2006/main">
+  <p:cSld>
+    <p:spTree>
+      <p:nvGrpSpPr>
+        <p:cNvPr id="1" name=""/>
+        <p:cNvGrpSpPr/>
+        <p:nvPr/>
+      </p:nvGrpSpPr>
+      <p:grpSpPr>
+        <a:xfrm>
+          <a:off x="0" y="0"/>
+          <a:ext cx="0" cy="0"/>
+          <a:chOff x="0" y="0"/>
+          <a:chExt cx="0" cy="0"/>
+        </a:xfrm>
+      </p:grpSpPr>
+      <p:sp>
+        <p:nvSpPr>
+          <p:cNvPr id="2" name="Title 1"/>
+          <p:cNvSpPr>
+            <a:spLocks noGrp="1"/>
+          </p:cNvSpPr>
+          <p:nvPr>
+            <p:ph type="title"/>
+          </p:nvPr>
+        </p:nvSpPr>
+        <p:spPr/>
+        <p:txBody>
+          <a:bodyPr/>
+          <a:lstStyle/>
+          <a:p>
+            <a:r>
+              <a:rPr lang="en-US" dirty="0" smtClean="0"/>
+              <a:t>React Elements</a:t>
+            </a:r>
+            <a:endParaRPr lang="en-US" dirty="0"/>
+          </a:p>
+        </p:txBody>
+      </p:sp>
+      <p:sp>
+        <p:nvSpPr>
+          <p:cNvPr id="3" name="Rectangle 5"/>
+          <p:cNvSpPr txBox="1">
+            <a:spLocks noChangeArrowheads="1"/>
+          </p:cNvSpPr>
+          <p:nvPr/>
+        </p:nvSpPr>
+        <p:spPr>
+          <a:xfrm>
+            <a:off x="457200" y="1600200"/>
+            <a:ext cx="8075613" cy="4525963"/>
+          </a:xfrm>
+          <a:prstGeom prst="rect">
+            <a:avLst/>
+          </a:prstGeom>
+          <a:noFill/>
+          <a:ln/>
+        </p:spPr>
+        <p:txBody>
+          <a:bodyPr/>
+          <a:lstStyle>
+            <a:lvl1pPr marL="342900" indent="-342900" algn="l" rtl="0" eaLnBrk="1" fontAlgn="base" hangingPunct="1">
+              <a:spcBef>
+                <a:spcPct val="20000"/>
+              </a:spcBef>
+              <a:spcAft>
+                <a:spcPct val="0"/>
+              </a:spcAft>
+              <a:buClr>
+                <a:schemeClr val="hlink"/>
+              </a:buClr>
+              <a:buFont typeface="Wingdings" pitchFamily="2" charset="2"/>
+              <a:buChar char="v"/>
+              <a:defRPr sz="2800" b="1">
+                <a:solidFill>
+                  <a:schemeClr val="tx1"/>
+                </a:solidFill>
+                <a:latin typeface="Tahoma" pitchFamily="34" charset="0"/>
+                <a:ea typeface="+mn-ea"/>
+                <a:cs typeface="Tahoma" pitchFamily="34" charset="0"/>
+              </a:defRPr>
+            </a:lvl1pPr>
+            <a:lvl2pPr marL="742950" indent="-285750" algn="l" rtl="0" eaLnBrk="1" fontAlgn="base" hangingPunct="1">
+              <a:spcBef>
+                <a:spcPct val="20000"/>
+              </a:spcBef>
+              <a:spcAft>
+                <a:spcPct val="0"/>
+              </a:spcAft>
+              <a:buClr>
+                <a:schemeClr val="accent1"/>
+              </a:buClr>
+              <a:buFont typeface="Wingdings" pitchFamily="2" charset="2"/>
+              <a:buChar char="§"/>
+              <a:defRPr sz="2800">
+                <a:solidFill>
+                  <a:schemeClr val="tx1"/>
+                </a:solidFill>
+                <a:latin typeface="Tahoma" pitchFamily="34" charset="0"/>
+                <a:cs typeface="Tahoma" pitchFamily="34" charset="0"/>
+              </a:defRPr>
+            </a:lvl2pPr>
+            <a:lvl3pPr marL="1143000" indent="-228600" algn="l" rtl="0" eaLnBrk="1" fontAlgn="base" hangingPunct="1">
+              <a:spcBef>
+                <a:spcPct val="20000"/>
+              </a:spcBef>
+              <a:spcAft>
+                <a:spcPct val="0"/>
+              </a:spcAft>
+              <a:buClr>
+                <a:schemeClr val="tx1"/>
+              </a:buClr>
+              <a:buChar char="•"/>
+              <a:defRPr sz="2400">
+                <a:solidFill>
+                  <a:schemeClr val="tx1"/>
+                </a:solidFill>
+                <a:latin typeface="Tahoma" pitchFamily="34" charset="0"/>
+                <a:cs typeface="Tahoma" pitchFamily="34" charset="0"/>
+              </a:defRPr>
+            </a:lvl3pPr>
+            <a:lvl4pPr marL="1600200" indent="-228600" algn="l" rtl="0" eaLnBrk="1" fontAlgn="base" hangingPunct="1">
+              <a:spcBef>
+                <a:spcPct val="20000"/>
+              </a:spcBef>
+              <a:spcAft>
+                <a:spcPct val="0"/>
+              </a:spcAft>
+              <a:buChar char="–"/>
+              <a:defRPr sz="2000">
+                <a:solidFill>
+                  <a:schemeClr val="tx1"/>
+                </a:solidFill>
+                <a:latin typeface="Tahoma" pitchFamily="34" charset="0"/>
+                <a:cs typeface="Tahoma" pitchFamily="34" charset="0"/>
+              </a:defRPr>
+            </a:lvl4pPr>
+            <a:lvl5pPr marL="2057400" indent="-228600" algn="l" rtl="0" eaLnBrk="1" fontAlgn="base" hangingPunct="1">
+              <a:spcBef>
+                <a:spcPct val="20000"/>
+              </a:spcBef>
+              <a:spcAft>
+                <a:spcPct val="0"/>
+              </a:spcAft>
+              <a:buChar char="»"/>
+              <a:defRPr sz="2000">
+                <a:solidFill>
+                  <a:schemeClr val="tx1"/>
+                </a:solidFill>
+                <a:latin typeface="Tahoma" pitchFamily="34" charset="0"/>
+                <a:cs typeface="Tahoma" pitchFamily="34" charset="0"/>
+              </a:defRPr>
+            </a:lvl5pPr>
+            <a:lvl6pPr marL="2514600" indent="-228600" algn="l" rtl="0" eaLnBrk="1" fontAlgn="base" hangingPunct="1">
+              <a:spcBef>
+                <a:spcPct val="20000"/>
+              </a:spcBef>
+              <a:spcAft>
+                <a:spcPct val="0"/>
+              </a:spcAft>
+              <a:buChar char="»"/>
+              <a:defRPr sz="2000">
+                <a:solidFill>
+                  <a:schemeClr val="tx1"/>
+                </a:solidFill>
+                <a:latin typeface="Arial" charset="0"/>
+              </a:defRPr>
+            </a:lvl6pPr>
+            <a:lvl7pPr marL="2971800" indent="-228600" algn="l" rtl="0" eaLnBrk="1" fontAlgn="base" hangingPunct="1">
+              <a:spcBef>
+                <a:spcPct val="20000"/>
+              </a:spcBef>
+              <a:spcAft>
+                <a:spcPct val="0"/>
+              </a:spcAft>
+              <a:buChar char="»"/>
+              <a:defRPr sz="2000">
+                <a:solidFill>
+                  <a:schemeClr val="tx1"/>
+                </a:solidFill>
+                <a:latin typeface="Arial" charset="0"/>
+              </a:defRPr>
+            </a:lvl7pPr>
+            <a:lvl8pPr marL="3429000" indent="-228600" algn="l" rtl="0" eaLnBrk="1" fontAlgn="base" hangingPunct="1">
+              <a:spcBef>
+                <a:spcPct val="20000"/>
+              </a:spcBef>
+              <a:spcAft>
+                <a:spcPct val="0"/>
+              </a:spcAft>
+              <a:buChar char="»"/>
+              <a:defRPr sz="2000">
+                <a:solidFill>
+                  <a:schemeClr val="tx1"/>
+                </a:solidFill>
+                <a:latin typeface="Arial" charset="0"/>
+              </a:defRPr>
+            </a:lvl8pPr>
+            <a:lvl9pPr marL="3886200" indent="-228600" algn="l" rtl="0" eaLnBrk="1" fontAlgn="base" hangingPunct="1">
+              <a:spcBef>
+                <a:spcPct val="20000"/>
+              </a:spcBef>
+              <a:spcAft>
+                <a:spcPct val="0"/>
+              </a:spcAft>
+              <a:buChar char="»"/>
+              <a:defRPr sz="2000">
+                <a:solidFill>
+                  <a:schemeClr val="tx1"/>
+                </a:solidFill>
+                <a:latin typeface="Arial" charset="0"/>
+              </a:defRPr>
+            </a:lvl9pPr>
+          </a:lstStyle>
           <a:p>
             <a:pPr lvl="1">
               <a:spcAft>
                 <a:spcPts val="600"/>
               </a:spcAft>
             </a:pPr>
-            <a:endParaRPr lang="en-US" sz="2400" dirty="0" smtClean="0">
+            <a:endParaRPr lang="en-US" sz="2400" i="1" dirty="0" smtClean="0">
+              <a:solidFill>
+                <a:schemeClr val="tx1">
+                  <a:lumMod val="40000"/>
+                  <a:lumOff val="60000"/>
+                </a:schemeClr>
+              </a:solidFill>
+            </a:endParaRPr>
+          </a:p>
+          <a:p>
+            <a:pPr lvl="1">
+              <a:spcAft>
+                <a:spcPts val="600"/>
+              </a:spcAft>
+            </a:pPr>
+            <a:r>
+              <a:rPr lang="en-US" sz="2400" dirty="0" smtClean="0">
+                <a:sym typeface="Wingdings" panose="05000000000000000000" pitchFamily="2" charset="2"/>
+              </a:rPr>
+              <a:t>Ex:</a:t>
+            </a:r>
+          </a:p>
+          <a:p>
+            <a:pPr marL="914400" lvl="2" indent="0">
+              <a:spcAft>
+                <a:spcPts val="600"/>
+              </a:spcAft>
+              <a:buNone/>
+            </a:pPr>
+            <a:endParaRPr lang="en-US" sz="2000" dirty="0" smtClean="0">
               <a:sym typeface="Wingdings" panose="05000000000000000000" pitchFamily="2" charset="2"/>
             </a:endParaRPr>
           </a:p>
-          <a:p>
-            <a:pPr lvl="1">
-              <a:spcAft>
-                <a:spcPts val="600"/>
-              </a:spcAft>
-            </a:pPr>
-            <a:endParaRPr lang="en-US" sz="2400" dirty="0" smtClean="0"/>
-          </a:p>
-          <a:p>
-            <a:pPr lvl="1">
-              <a:spcAft>
-                <a:spcPts val="600"/>
-              </a:spcAft>
-            </a:pPr>
-            <a:r>
-              <a:rPr lang="en-US" sz="2400" dirty="0" smtClean="0"/>
-              <a:t>The render function must return a single React component.</a:t>
-            </a:r>
-          </a:p>
-          <a:p>
-            <a:pPr lvl="1">
-              <a:spcAft>
-                <a:spcPts val="600"/>
-              </a:spcAft>
-            </a:pPr>
-            <a:r>
-              <a:rPr lang="en-US" sz="2400" dirty="0"/>
-              <a:t> </a:t>
-            </a:r>
-            <a:r>
-              <a:rPr lang="en-US" sz="2400" dirty="0" smtClean="0"/>
-              <a:t>The </a:t>
-            </a:r>
-            <a:r>
-              <a:rPr lang="en-US" sz="2400" dirty="0"/>
-              <a:t>heart and soul of </a:t>
-            </a:r>
-            <a:r>
-              <a:rPr lang="en-US" sz="2400" dirty="0" smtClean="0"/>
-              <a:t>React.</a:t>
-            </a:r>
-          </a:p>
-          <a:p>
-            <a:pPr lvl="1">
-              <a:spcAft>
-                <a:spcPts val="600"/>
-              </a:spcAft>
-            </a:pPr>
-            <a:endParaRPr lang="en-US" sz="2400" dirty="0" smtClean="0">
-              <a:sym typeface="Wingdings" panose="05000000000000000000" pitchFamily="2" charset="2"/>
-            </a:endParaRPr>
-          </a:p>
         </p:txBody>
       </p:sp>
       <p:pic>
         <p:nvPicPr>
-          <p:cNvPr id="6" name="Picture 5"/>
+          <p:cNvPr id="1029" name="Picture 5"/>
           <p:cNvPicPr>
-            <a:picLocks noChangeAspect="1"/>
+            <a:picLocks noChangeAspect="1" noChangeArrowheads="1"/>
           </p:cNvPicPr>
           <p:nvPr/>
         </p:nvPicPr>
         <p:blipFill>
-          <a:blip r:embed="rId2"/>
+          <a:blip r:embed="rId3">
+            <a:extLst>
+              <a:ext uri="{28A0092B-C50C-407E-A947-70E740481C1C}">
+                <a14:useLocalDpi xmlns:a14="http://schemas.microsoft.com/office/drawing/2010/main" val="0"/>
+              </a:ext>
+            </a:extLst>
+          </a:blip>
+          <a:srcRect/>
           <a:stretch>
             <a:fillRect/>
           </a:stretch>
         </p:blipFill>
-        <p:spPr>
+        <p:spPr bwMode="auto">
           <a:xfrm>
-            <a:off x="1524000" y="1600200"/>
-            <a:ext cx="5745238" cy="1905000"/>
+            <a:off x="1293018" y="1676400"/>
+            <a:ext cx="6200775" cy="466725"/>
           </a:xfrm>
           <a:prstGeom prst="rect">
             <a:avLst/>
           </a:prstGeom>
+          <a:noFill/>
+          <a:ln>
+            <a:noFill/>
+          </a:ln>
+          <a:effectLst/>
+          <a:extLst>
+            <a:ext uri="{909E8E84-426E-40DD-AFC4-6F175D3DCCD1}">
+              <a14:hiddenFill xmlns:a14="http://schemas.microsoft.com/office/drawing/2010/main">
+                <a:solidFill>
+                  <a:schemeClr val="accent1"/>
+                </a:solidFill>
+              </a14:hiddenFill>
+            </a:ext>
+            <a:ext uri="{91240B29-F687-4F45-9708-019B960494DF}">
+              <a14:hiddenLine xmlns:a14="http://schemas.microsoft.com/office/drawing/2010/main" w="9525">
+                <a:solidFill>
+                  <a:schemeClr val="tx1"/>
+                </a:solidFill>
+                <a:miter lim="800000"/>
+                <a:headEnd/>
+                <a:tailEnd/>
+              </a14:hiddenLine>
+            </a:ext>
+            <a:ext uri="{AF507438-7753-43E0-B8FC-AC1667EBCBE1}">
+              <a14:hiddenEffects xmlns:a14="http://schemas.microsoft.com/office/drawing/2010/main">
+                <a:effectLst>
+                  <a:outerShdw dist="35921" dir="2700000" algn="ctr" rotWithShape="0">
+                    <a:schemeClr val="bg2"/>
+                  </a:outerShdw>
+                </a:effectLst>
+              </a14:hiddenEffects>
+            </a:ext>
+          </a:extLst>
+        </p:spPr>
+      </p:pic>
+      <p:pic>
+        <p:nvPicPr>
+          <p:cNvPr id="1033" name="Picture 9"/>
+          <p:cNvPicPr>
+            <a:picLocks noChangeAspect="1" noChangeArrowheads="1"/>
+          </p:cNvPicPr>
+          <p:nvPr/>
+        </p:nvPicPr>
+        <p:blipFill>
+          <a:blip r:embed="rId4">
+            <a:extLst>
+              <a:ext uri="{28A0092B-C50C-407E-A947-70E740481C1C}">
+                <a14:useLocalDpi xmlns:a14="http://schemas.microsoft.com/office/drawing/2010/main" val="0"/>
+              </a:ext>
+            </a:extLst>
+          </a:blip>
+          <a:srcRect/>
+          <a:stretch>
+            <a:fillRect/>
+          </a:stretch>
+        </p:blipFill>
+        <p:spPr bwMode="auto">
+          <a:xfrm>
+            <a:off x="1293018" y="2590800"/>
+            <a:ext cx="6715125" cy="857250"/>
+          </a:xfrm>
+          <a:prstGeom prst="rect">
+            <a:avLst/>
+          </a:prstGeom>
+          <a:noFill/>
+          <a:ln>
+            <a:noFill/>
+          </a:ln>
+          <a:effectLst/>
+          <a:extLst>
+            <a:ext uri="{909E8E84-426E-40DD-AFC4-6F175D3DCCD1}">
+              <a14:hiddenFill xmlns:a14="http://schemas.microsoft.com/office/drawing/2010/main">
+                <a:solidFill>
+                  <a:schemeClr val="accent1"/>
+                </a:solidFill>
+              </a14:hiddenFill>
+            </a:ext>
+            <a:ext uri="{91240B29-F687-4F45-9708-019B960494DF}">
+              <a14:hiddenLine xmlns:a14="http://schemas.microsoft.com/office/drawing/2010/main" w="9525">
+                <a:solidFill>
+                  <a:schemeClr val="tx1"/>
+                </a:solidFill>
+                <a:miter lim="800000"/>
+                <a:headEnd/>
+                <a:tailEnd/>
+              </a14:hiddenLine>
+            </a:ext>
+            <a:ext uri="{AF507438-7753-43E0-B8FC-AC1667EBCBE1}">
+              <a14:hiddenEffects xmlns:a14="http://schemas.microsoft.com/office/drawing/2010/main">
+                <a:effectLst>
+                  <a:outerShdw dist="35921" dir="2700000" algn="ctr" rotWithShape="0">
+                    <a:schemeClr val="bg2"/>
+                  </a:outerShdw>
+                </a:effectLst>
+              </a14:hiddenEffects>
+            </a:ext>
+          </a:extLst>
+        </p:spPr>
+      </p:pic>
+      <p:pic>
+        <p:nvPicPr>
+          <p:cNvPr id="1035" name="Picture 11"/>
+          <p:cNvPicPr>
+            <a:picLocks noChangeAspect="1" noChangeArrowheads="1"/>
+          </p:cNvPicPr>
+          <p:nvPr/>
+        </p:nvPicPr>
+        <p:blipFill>
+          <a:blip r:embed="rId5">
+            <a:extLst>
+              <a:ext uri="{28A0092B-C50C-407E-A947-70E740481C1C}">
+                <a14:useLocalDpi xmlns:a14="http://schemas.microsoft.com/office/drawing/2010/main" val="0"/>
+              </a:ext>
+            </a:extLst>
+          </a:blip>
+          <a:srcRect/>
+          <a:stretch>
+            <a:fillRect/>
+          </a:stretch>
+        </p:blipFill>
+        <p:spPr bwMode="auto">
+          <a:xfrm>
+            <a:off x="3352800" y="4114800"/>
+            <a:ext cx="1943100" cy="762000"/>
+          </a:xfrm>
+          <a:prstGeom prst="rect">
+            <a:avLst/>
+          </a:prstGeom>
+          <a:noFill/>
+          <a:ln>
+            <a:noFill/>
+          </a:ln>
+          <a:effectLst/>
+          <a:extLst>
+            <a:ext uri="{909E8E84-426E-40DD-AFC4-6F175D3DCCD1}">
+              <a14:hiddenFill xmlns:a14="http://schemas.microsoft.com/office/drawing/2010/main">
+                <a:solidFill>
+                  <a:schemeClr val="accent1"/>
+                </a:solidFill>
+              </a14:hiddenFill>
+            </a:ext>
+            <a:ext uri="{91240B29-F687-4F45-9708-019B960494DF}">
+              <a14:hiddenLine xmlns:a14="http://schemas.microsoft.com/office/drawing/2010/main" w="9525">
+                <a:solidFill>
+                  <a:schemeClr val="tx1"/>
+                </a:solidFill>
+                <a:miter lim="800000"/>
+                <a:headEnd/>
+                <a:tailEnd/>
+              </a14:hiddenLine>
+            </a:ext>
+            <a:ext uri="{AF507438-7753-43E0-B8FC-AC1667EBCBE1}">
+              <a14:hiddenEffects xmlns:a14="http://schemas.microsoft.com/office/drawing/2010/main">
+                <a:effectLst>
+                  <a:outerShdw dist="35921" dir="2700000" algn="ctr" rotWithShape="0">
+                    <a:schemeClr val="bg2"/>
+                  </a:outerShdw>
+                </a:effectLst>
+              </a14:hiddenEffects>
+            </a:ext>
+          </a:extLst>
+        </p:spPr>
+      </p:pic>
+      <p:sp>
+        <p:nvSpPr>
+          <p:cNvPr id="6" name="Down Arrow 5"/>
+          <p:cNvSpPr/>
+          <p:nvPr/>
+        </p:nvSpPr>
+        <p:spPr>
+          <a:xfrm>
+            <a:off x="4267200" y="3505200"/>
+            <a:ext cx="126205" cy="533400"/>
+          </a:xfrm>
+          <a:prstGeom prst="downArrow">
+            <a:avLst/>
+          </a:prstGeom>
+        </p:spPr>
+        <p:style>
+          <a:lnRef idx="2">
+            <a:schemeClr val="accent1">
+              <a:shade val="50000"/>
+            </a:schemeClr>
+          </a:lnRef>
+          <a:fillRef idx="1">
+            <a:schemeClr val="accent1"/>
+          </a:fillRef>
+          <a:effectRef idx="0">
+            <a:schemeClr val="accent1"/>
+          </a:effectRef>
+          <a:fontRef idx="minor">
+            <a:schemeClr val="lt1"/>
+          </a:fontRef>
+        </p:style>
+        <p:txBody>
+          <a:bodyPr rtlCol="0" anchor="ctr"/>
+          <a:lstStyle/>
+          <a:p>
+            <a:pPr algn="ctr"/>
+            <a:endParaRPr lang="en-US"/>
+          </a:p>
+        </p:txBody>
+      </p:sp>
+      <p:pic>
+        <p:nvPicPr>
+          <p:cNvPr id="1036" name="Picture 12"/>
+          <p:cNvPicPr>
+            <a:picLocks noChangeAspect="1" noChangeArrowheads="1"/>
+          </p:cNvPicPr>
+          <p:nvPr/>
+        </p:nvPicPr>
+        <p:blipFill>
+          <a:blip r:embed="rId6">
+            <a:extLst>
+              <a:ext uri="{28A0092B-C50C-407E-A947-70E740481C1C}">
+                <a14:useLocalDpi xmlns:a14="http://schemas.microsoft.com/office/drawing/2010/main" val="0"/>
+              </a:ext>
+            </a:extLst>
+          </a:blip>
+          <a:srcRect/>
+          <a:stretch>
+            <a:fillRect/>
+          </a:stretch>
+        </p:blipFill>
+        <p:spPr bwMode="auto">
+          <a:xfrm>
+            <a:off x="1500187" y="4800600"/>
+            <a:ext cx="5534025" cy="1057275"/>
+          </a:xfrm>
+          <a:prstGeom prst="rect">
+            <a:avLst/>
+          </a:prstGeom>
+          <a:noFill/>
+          <a:ln>
+            <a:noFill/>
+          </a:ln>
+          <a:effectLst/>
+          <a:extLst>
+            <a:ext uri="{909E8E84-426E-40DD-AFC4-6F175D3DCCD1}">
+              <a14:hiddenFill xmlns:a14="http://schemas.microsoft.com/office/drawing/2010/main">
+                <a:solidFill>
+                  <a:schemeClr val="accent1"/>
+                </a:solidFill>
+              </a14:hiddenFill>
+            </a:ext>
+            <a:ext uri="{91240B29-F687-4F45-9708-019B960494DF}">
+              <a14:hiddenLine xmlns:a14="http://schemas.microsoft.com/office/drawing/2010/main" w="9525">
+                <a:solidFill>
+                  <a:schemeClr val="tx1"/>
+                </a:solidFill>
+                <a:miter lim="800000"/>
+                <a:headEnd/>
+                <a:tailEnd/>
+              </a14:hiddenLine>
+            </a:ext>
+            <a:ext uri="{AF507438-7753-43E0-B8FC-AC1667EBCBE1}">
+              <a14:hiddenEffects xmlns:a14="http://schemas.microsoft.com/office/drawing/2010/main">
+                <a:effectLst>
+                  <a:outerShdw dist="35921" dir="2700000" algn="ctr" rotWithShape="0">
+                    <a:schemeClr val="bg2"/>
+                  </a:outerShdw>
+                </a:effectLst>
+              </a14:hiddenEffects>
+            </a:ext>
+          </a:extLst>
         </p:spPr>
       </p:pic>
     </p:spTree>
     <p:extLst>
       <p:ext uri="{BB962C8B-B14F-4D97-AF65-F5344CB8AC3E}">
-        <p14:creationId xmlns:p14="http://schemas.microsoft.com/office/powerpoint/2010/main" val="3457279185"/>
+        <p14:creationId xmlns:p14="http://schemas.microsoft.com/office/powerpoint/2010/main" val="3620681310"/>
+      </p:ext>
+    </p:extLst>
+  </p:cSld>
+  <p:clrMapOvr>
+    <a:masterClrMapping/>
+  </p:clrMapOvr>
+  <p:timing>
+    <p:tnLst>
+      <p:par>
+        <p:cTn id="1" dur="indefinite" restart="never" nodeType="tmRoot"/>
+      </p:par>
+    </p:tnLst>
+  </p:timing>
+</p:sld>
+</file>
+
+<file path=ppt/slides/slide12.xml><?xml version="1.0" encoding="utf-8"?>
+<p:sld xmlns:a="http://schemas.openxmlformats.org/drawingml/2006/main" xmlns:r="http://schemas.openxmlformats.org/officeDocument/2006/relationships" xmlns:p="http://schemas.openxmlformats.org/presentationml/2006/main">
+  <p:cSld>
+    <p:spTree>
+      <p:nvGrpSpPr>
+        <p:cNvPr id="1" name=""/>
+        <p:cNvGrpSpPr/>
+        <p:nvPr/>
+      </p:nvGrpSpPr>
+      <p:grpSpPr>
+        <a:xfrm>
+          <a:off x="0" y="0"/>
+          <a:ext cx="0" cy="0"/>
+          <a:chOff x="0" y="0"/>
+          <a:chExt cx="0" cy="0"/>
+        </a:xfrm>
+      </p:grpSpPr>
+      <p:sp>
+        <p:nvSpPr>
+          <p:cNvPr id="2" name="Title 1"/>
+          <p:cNvSpPr>
+            <a:spLocks noGrp="1"/>
+          </p:cNvSpPr>
+          <p:nvPr>
+            <p:ph type="title"/>
+          </p:nvPr>
+        </p:nvSpPr>
+        <p:spPr/>
+        <p:txBody>
+          <a:bodyPr/>
+          <a:lstStyle/>
+          <a:p>
+            <a:r>
+              <a:rPr lang="en-US" dirty="0" smtClean="0"/>
+              <a:t>React Components</a:t>
+            </a:r>
+            <a:endParaRPr lang="en-US" dirty="0"/>
+          </a:p>
+        </p:txBody>
+      </p:sp>
+      <p:sp>
+        <p:nvSpPr>
+          <p:cNvPr id="3" name="Rectangle 5"/>
+          <p:cNvSpPr txBox="1">
+            <a:spLocks noChangeArrowheads="1"/>
+          </p:cNvSpPr>
+          <p:nvPr/>
+        </p:nvSpPr>
+        <p:spPr>
+          <a:xfrm>
+            <a:off x="457200" y="1600200"/>
+            <a:ext cx="8075613" cy="4525963"/>
+          </a:xfrm>
+          <a:prstGeom prst="rect">
+            <a:avLst/>
+          </a:prstGeom>
+          <a:noFill/>
+          <a:ln/>
+        </p:spPr>
+        <p:txBody>
+          <a:bodyPr/>
+          <a:lstStyle>
+            <a:lvl1pPr marL="342900" indent="-342900" algn="l" rtl="0" eaLnBrk="1" fontAlgn="base" hangingPunct="1">
+              <a:spcBef>
+                <a:spcPct val="20000"/>
+              </a:spcBef>
+              <a:spcAft>
+                <a:spcPct val="0"/>
+              </a:spcAft>
+              <a:buClr>
+                <a:schemeClr val="hlink"/>
+              </a:buClr>
+              <a:buFont typeface="Wingdings" pitchFamily="2" charset="2"/>
+              <a:buChar char="v"/>
+              <a:defRPr sz="2800" b="1">
+                <a:solidFill>
+                  <a:schemeClr val="tx1"/>
+                </a:solidFill>
+                <a:latin typeface="Tahoma" pitchFamily="34" charset="0"/>
+                <a:ea typeface="+mn-ea"/>
+                <a:cs typeface="Tahoma" pitchFamily="34" charset="0"/>
+              </a:defRPr>
+            </a:lvl1pPr>
+            <a:lvl2pPr marL="742950" indent="-285750" algn="l" rtl="0" eaLnBrk="1" fontAlgn="base" hangingPunct="1">
+              <a:spcBef>
+                <a:spcPct val="20000"/>
+              </a:spcBef>
+              <a:spcAft>
+                <a:spcPct val="0"/>
+              </a:spcAft>
+              <a:buClr>
+                <a:schemeClr val="accent1"/>
+              </a:buClr>
+              <a:buFont typeface="Wingdings" pitchFamily="2" charset="2"/>
+              <a:buChar char="§"/>
+              <a:defRPr sz="2800">
+                <a:solidFill>
+                  <a:schemeClr val="tx1"/>
+                </a:solidFill>
+                <a:latin typeface="Tahoma" pitchFamily="34" charset="0"/>
+                <a:cs typeface="Tahoma" pitchFamily="34" charset="0"/>
+              </a:defRPr>
+            </a:lvl2pPr>
+            <a:lvl3pPr marL="1143000" indent="-228600" algn="l" rtl="0" eaLnBrk="1" fontAlgn="base" hangingPunct="1">
+              <a:spcBef>
+                <a:spcPct val="20000"/>
+              </a:spcBef>
+              <a:spcAft>
+                <a:spcPct val="0"/>
+              </a:spcAft>
+              <a:buClr>
+                <a:schemeClr val="tx1"/>
+              </a:buClr>
+              <a:buChar char="•"/>
+              <a:defRPr sz="2400">
+                <a:solidFill>
+                  <a:schemeClr val="tx1"/>
+                </a:solidFill>
+                <a:latin typeface="Tahoma" pitchFamily="34" charset="0"/>
+                <a:cs typeface="Tahoma" pitchFamily="34" charset="0"/>
+              </a:defRPr>
+            </a:lvl3pPr>
+            <a:lvl4pPr marL="1600200" indent="-228600" algn="l" rtl="0" eaLnBrk="1" fontAlgn="base" hangingPunct="1">
+              <a:spcBef>
+                <a:spcPct val="20000"/>
+              </a:spcBef>
+              <a:spcAft>
+                <a:spcPct val="0"/>
+              </a:spcAft>
+              <a:buChar char="–"/>
+              <a:defRPr sz="2000">
+                <a:solidFill>
+                  <a:schemeClr val="tx1"/>
+                </a:solidFill>
+                <a:latin typeface="Tahoma" pitchFamily="34" charset="0"/>
+                <a:cs typeface="Tahoma" pitchFamily="34" charset="0"/>
+              </a:defRPr>
+            </a:lvl4pPr>
+            <a:lvl5pPr marL="2057400" indent="-228600" algn="l" rtl="0" eaLnBrk="1" fontAlgn="base" hangingPunct="1">
+              <a:spcBef>
+                <a:spcPct val="20000"/>
+              </a:spcBef>
+              <a:spcAft>
+                <a:spcPct val="0"/>
+              </a:spcAft>
+              <a:buChar char="»"/>
+              <a:defRPr sz="2000">
+                <a:solidFill>
+                  <a:schemeClr val="tx1"/>
+                </a:solidFill>
+                <a:latin typeface="Tahoma" pitchFamily="34" charset="0"/>
+                <a:cs typeface="Tahoma" pitchFamily="34" charset="0"/>
+              </a:defRPr>
+            </a:lvl5pPr>
+            <a:lvl6pPr marL="2514600" indent="-228600" algn="l" rtl="0" eaLnBrk="1" fontAlgn="base" hangingPunct="1">
+              <a:spcBef>
+                <a:spcPct val="20000"/>
+              </a:spcBef>
+              <a:spcAft>
+                <a:spcPct val="0"/>
+              </a:spcAft>
+              <a:buChar char="»"/>
+              <a:defRPr sz="2000">
+                <a:solidFill>
+                  <a:schemeClr val="tx1"/>
+                </a:solidFill>
+                <a:latin typeface="Arial" charset="0"/>
+              </a:defRPr>
+            </a:lvl6pPr>
+            <a:lvl7pPr marL="2971800" indent="-228600" algn="l" rtl="0" eaLnBrk="1" fontAlgn="base" hangingPunct="1">
+              <a:spcBef>
+                <a:spcPct val="20000"/>
+              </a:spcBef>
+              <a:spcAft>
+                <a:spcPct val="0"/>
+              </a:spcAft>
+              <a:buChar char="»"/>
+              <a:defRPr sz="2000">
+                <a:solidFill>
+                  <a:schemeClr val="tx1"/>
+                </a:solidFill>
+                <a:latin typeface="Arial" charset="0"/>
+              </a:defRPr>
+            </a:lvl7pPr>
+            <a:lvl8pPr marL="3429000" indent="-228600" algn="l" rtl="0" eaLnBrk="1" fontAlgn="base" hangingPunct="1">
+              <a:spcBef>
+                <a:spcPct val="20000"/>
+              </a:spcBef>
+              <a:spcAft>
+                <a:spcPct val="0"/>
+              </a:spcAft>
+              <a:buChar char="»"/>
+              <a:defRPr sz="2000">
+                <a:solidFill>
+                  <a:schemeClr val="tx1"/>
+                </a:solidFill>
+                <a:latin typeface="Arial" charset="0"/>
+              </a:defRPr>
+            </a:lvl8pPr>
+            <a:lvl9pPr marL="3886200" indent="-228600" algn="l" rtl="0" eaLnBrk="1" fontAlgn="base" hangingPunct="1">
+              <a:spcBef>
+                <a:spcPct val="20000"/>
+              </a:spcBef>
+              <a:spcAft>
+                <a:spcPct val="0"/>
+              </a:spcAft>
+              <a:buChar char="»"/>
+              <a:defRPr sz="2000">
+                <a:solidFill>
+                  <a:schemeClr val="tx1"/>
+                </a:solidFill>
+                <a:latin typeface="Arial" charset="0"/>
+              </a:defRPr>
+            </a:lvl9pPr>
+          </a:lstStyle>
+          <a:p>
+            <a:pPr lvl="1">
+              <a:spcAft>
+                <a:spcPts val="600"/>
+              </a:spcAft>
+            </a:pPr>
+            <a:r>
+              <a:rPr lang="en-US" sz="2400" dirty="0" smtClean="0"/>
+              <a:t>React Component is </a:t>
+            </a:r>
+            <a:r>
+              <a:rPr lang="en-US" sz="2400" dirty="0" err="1" smtClean="0"/>
+              <a:t>stateful</a:t>
+            </a:r>
+            <a:r>
+              <a:rPr lang="en-US" sz="2400" dirty="0" smtClean="0"/>
+              <a:t>.</a:t>
+            </a:r>
+          </a:p>
+          <a:p>
+            <a:pPr lvl="1">
+              <a:spcAft>
+                <a:spcPts val="600"/>
+              </a:spcAft>
+            </a:pPr>
+            <a:r>
+              <a:rPr lang="en-US" sz="2400" dirty="0" smtClean="0"/>
+              <a:t>At </a:t>
+            </a:r>
+            <a:r>
+              <a:rPr lang="en-US" sz="2400" dirty="0"/>
+              <a:t>least a </a:t>
+            </a:r>
+            <a:r>
+              <a:rPr lang="en-US" sz="2400" dirty="0" smtClean="0"/>
+              <a:t>render method </a:t>
+            </a:r>
+            <a:r>
+              <a:rPr lang="en-US" sz="2400" dirty="0"/>
+              <a:t>on </a:t>
+            </a:r>
+            <a:r>
+              <a:rPr lang="en-US" sz="2400" dirty="0" smtClean="0"/>
+              <a:t>it.</a:t>
+            </a:r>
+            <a:endParaRPr lang="en-US" sz="2400" dirty="0" smtClean="0"/>
+          </a:p>
+          <a:p>
+            <a:pPr lvl="1">
+              <a:spcAft>
+                <a:spcPts val="600"/>
+              </a:spcAft>
+            </a:pPr>
+            <a:r>
+              <a:rPr lang="en-US" sz="2400" dirty="0" smtClean="0"/>
+              <a:t>The </a:t>
+            </a:r>
+            <a:r>
+              <a:rPr lang="en-US" sz="2400" dirty="0" smtClean="0"/>
+              <a:t>render </a:t>
+            </a:r>
+            <a:r>
+              <a:rPr lang="en-US" sz="2400" dirty="0"/>
+              <a:t>method </a:t>
+            </a:r>
+            <a:r>
+              <a:rPr lang="en-US" sz="2400" dirty="0" smtClean="0"/>
+              <a:t>must return a single React </a:t>
+            </a:r>
+            <a:r>
+              <a:rPr lang="en-US" sz="2400" dirty="0" smtClean="0"/>
+              <a:t>Element</a:t>
+            </a:r>
+            <a:r>
+              <a:rPr lang="en-US" sz="2400" dirty="0" smtClean="0"/>
+              <a:t>.</a:t>
+            </a:r>
+          </a:p>
+          <a:p>
+            <a:pPr lvl="1">
+              <a:spcAft>
+                <a:spcPts val="600"/>
+              </a:spcAft>
+            </a:pPr>
+            <a:r>
+              <a:rPr lang="en-US" sz="2400" dirty="0"/>
+              <a:t>The </a:t>
+            </a:r>
+            <a:r>
+              <a:rPr lang="en-US" sz="2400" dirty="0" smtClean="0"/>
+              <a:t>React Component</a:t>
+            </a:r>
+            <a:r>
+              <a:rPr lang="en-US" sz="2400" dirty="0"/>
+              <a:t> is converted </a:t>
+            </a:r>
+            <a:r>
+              <a:rPr lang="en-US" sz="2400" dirty="0" smtClean="0"/>
+              <a:t>to the React Element when rendering.</a:t>
+            </a:r>
+          </a:p>
+          <a:p>
+            <a:pPr lvl="1">
+              <a:spcAft>
+                <a:spcPts val="600"/>
+              </a:spcAft>
+            </a:pPr>
+            <a:endParaRPr lang="en-US" sz="2400" dirty="0" smtClean="0"/>
+          </a:p>
+          <a:p>
+            <a:pPr lvl="1">
+              <a:spcAft>
+                <a:spcPts val="600"/>
+              </a:spcAft>
+            </a:pPr>
+            <a:endParaRPr lang="en-US" sz="2400" dirty="0" smtClean="0">
+              <a:sym typeface="Wingdings" panose="05000000000000000000" pitchFamily="2" charset="2"/>
+            </a:endParaRPr>
+          </a:p>
+        </p:txBody>
+      </p:sp>
+    </p:spTree>
+    <p:extLst>
+      <p:ext uri="{BB962C8B-B14F-4D97-AF65-F5344CB8AC3E}">
+        <p14:creationId xmlns:p14="http://schemas.microsoft.com/office/powerpoint/2010/main" val="1087545939"/>
+      </p:ext>
+    </p:extLst>
+  </p:cSld>
+  <p:clrMapOvr>
+    <a:masterClrMapping/>
+  </p:clrMapOvr>
+  <p:timing>
+    <p:tnLst>
+      <p:par>
+        <p:cTn id="1" dur="indefinite" restart="never" nodeType="tmRoot"/>
+      </p:par>
+    </p:tnLst>
+  </p:timing>
+</p:sld>
+</file>
+
+<file path=ppt/slides/slide13.xml><?xml version="1.0" encoding="utf-8"?>
+<p:sld xmlns:a="http://schemas.openxmlformats.org/drawingml/2006/main" xmlns:r="http://schemas.openxmlformats.org/officeDocument/2006/relationships" xmlns:p="http://schemas.openxmlformats.org/presentationml/2006/main">
+  <p:cSld>
+    <p:spTree>
+      <p:nvGrpSpPr>
+        <p:cNvPr id="1" name=""/>
+        <p:cNvGrpSpPr/>
+        <p:nvPr/>
+      </p:nvGrpSpPr>
+      <p:grpSpPr>
+        <a:xfrm>
+          <a:off x="0" y="0"/>
+          <a:ext cx="0" cy="0"/>
+          <a:chOff x="0" y="0"/>
+          <a:chExt cx="0" cy="0"/>
+        </a:xfrm>
+      </p:grpSpPr>
+      <p:sp>
+        <p:nvSpPr>
+          <p:cNvPr id="2" name="Title 1"/>
+          <p:cNvSpPr>
+            <a:spLocks noGrp="1"/>
+          </p:cNvSpPr>
+          <p:nvPr>
+            <p:ph type="title"/>
+          </p:nvPr>
+        </p:nvSpPr>
+        <p:spPr/>
+        <p:txBody>
+          <a:bodyPr/>
+          <a:lstStyle/>
+          <a:p>
+            <a:r>
+              <a:rPr lang="en-US" dirty="0" smtClean="0"/>
+              <a:t>React Components</a:t>
+            </a:r>
+            <a:endParaRPr lang="en-US" dirty="0"/>
+          </a:p>
+        </p:txBody>
+      </p:sp>
+      <p:sp>
+        <p:nvSpPr>
+          <p:cNvPr id="3" name="Rectangle 5"/>
+          <p:cNvSpPr txBox="1">
+            <a:spLocks noChangeArrowheads="1"/>
+          </p:cNvSpPr>
+          <p:nvPr/>
+        </p:nvSpPr>
+        <p:spPr>
+          <a:xfrm>
+            <a:off x="457200" y="1600200"/>
+            <a:ext cx="8075613" cy="4525963"/>
+          </a:xfrm>
+          <a:prstGeom prst="rect">
+            <a:avLst/>
+          </a:prstGeom>
+          <a:noFill/>
+          <a:ln/>
+        </p:spPr>
+        <p:txBody>
+          <a:bodyPr/>
+          <a:lstStyle>
+            <a:lvl1pPr marL="342900" indent="-342900" algn="l" rtl="0" eaLnBrk="1" fontAlgn="base" hangingPunct="1">
+              <a:spcBef>
+                <a:spcPct val="20000"/>
+              </a:spcBef>
+              <a:spcAft>
+                <a:spcPct val="0"/>
+              </a:spcAft>
+              <a:buClr>
+                <a:schemeClr val="hlink"/>
+              </a:buClr>
+              <a:buFont typeface="Wingdings" pitchFamily="2" charset="2"/>
+              <a:buChar char="v"/>
+              <a:defRPr sz="2800" b="1">
+                <a:solidFill>
+                  <a:schemeClr val="tx1"/>
+                </a:solidFill>
+                <a:latin typeface="Tahoma" pitchFamily="34" charset="0"/>
+                <a:ea typeface="+mn-ea"/>
+                <a:cs typeface="Tahoma" pitchFamily="34" charset="0"/>
+              </a:defRPr>
+            </a:lvl1pPr>
+            <a:lvl2pPr marL="742950" indent="-285750" algn="l" rtl="0" eaLnBrk="1" fontAlgn="base" hangingPunct="1">
+              <a:spcBef>
+                <a:spcPct val="20000"/>
+              </a:spcBef>
+              <a:spcAft>
+                <a:spcPct val="0"/>
+              </a:spcAft>
+              <a:buClr>
+                <a:schemeClr val="accent1"/>
+              </a:buClr>
+              <a:buFont typeface="Wingdings" pitchFamily="2" charset="2"/>
+              <a:buChar char="§"/>
+              <a:defRPr sz="2800">
+                <a:solidFill>
+                  <a:schemeClr val="tx1"/>
+                </a:solidFill>
+                <a:latin typeface="Tahoma" pitchFamily="34" charset="0"/>
+                <a:cs typeface="Tahoma" pitchFamily="34" charset="0"/>
+              </a:defRPr>
+            </a:lvl2pPr>
+            <a:lvl3pPr marL="1143000" indent="-228600" algn="l" rtl="0" eaLnBrk="1" fontAlgn="base" hangingPunct="1">
+              <a:spcBef>
+                <a:spcPct val="20000"/>
+              </a:spcBef>
+              <a:spcAft>
+                <a:spcPct val="0"/>
+              </a:spcAft>
+              <a:buClr>
+                <a:schemeClr val="tx1"/>
+              </a:buClr>
+              <a:buChar char="•"/>
+              <a:defRPr sz="2400">
+                <a:solidFill>
+                  <a:schemeClr val="tx1"/>
+                </a:solidFill>
+                <a:latin typeface="Tahoma" pitchFamily="34" charset="0"/>
+                <a:cs typeface="Tahoma" pitchFamily="34" charset="0"/>
+              </a:defRPr>
+            </a:lvl3pPr>
+            <a:lvl4pPr marL="1600200" indent="-228600" algn="l" rtl="0" eaLnBrk="1" fontAlgn="base" hangingPunct="1">
+              <a:spcBef>
+                <a:spcPct val="20000"/>
+              </a:spcBef>
+              <a:spcAft>
+                <a:spcPct val="0"/>
+              </a:spcAft>
+              <a:buChar char="–"/>
+              <a:defRPr sz="2000">
+                <a:solidFill>
+                  <a:schemeClr val="tx1"/>
+                </a:solidFill>
+                <a:latin typeface="Tahoma" pitchFamily="34" charset="0"/>
+                <a:cs typeface="Tahoma" pitchFamily="34" charset="0"/>
+              </a:defRPr>
+            </a:lvl4pPr>
+            <a:lvl5pPr marL="2057400" indent="-228600" algn="l" rtl="0" eaLnBrk="1" fontAlgn="base" hangingPunct="1">
+              <a:spcBef>
+                <a:spcPct val="20000"/>
+              </a:spcBef>
+              <a:spcAft>
+                <a:spcPct val="0"/>
+              </a:spcAft>
+              <a:buChar char="»"/>
+              <a:defRPr sz="2000">
+                <a:solidFill>
+                  <a:schemeClr val="tx1"/>
+                </a:solidFill>
+                <a:latin typeface="Tahoma" pitchFamily="34" charset="0"/>
+                <a:cs typeface="Tahoma" pitchFamily="34" charset="0"/>
+              </a:defRPr>
+            </a:lvl5pPr>
+            <a:lvl6pPr marL="2514600" indent="-228600" algn="l" rtl="0" eaLnBrk="1" fontAlgn="base" hangingPunct="1">
+              <a:spcBef>
+                <a:spcPct val="20000"/>
+              </a:spcBef>
+              <a:spcAft>
+                <a:spcPct val="0"/>
+              </a:spcAft>
+              <a:buChar char="»"/>
+              <a:defRPr sz="2000">
+                <a:solidFill>
+                  <a:schemeClr val="tx1"/>
+                </a:solidFill>
+                <a:latin typeface="Arial" charset="0"/>
+              </a:defRPr>
+            </a:lvl6pPr>
+            <a:lvl7pPr marL="2971800" indent="-228600" algn="l" rtl="0" eaLnBrk="1" fontAlgn="base" hangingPunct="1">
+              <a:spcBef>
+                <a:spcPct val="20000"/>
+              </a:spcBef>
+              <a:spcAft>
+                <a:spcPct val="0"/>
+              </a:spcAft>
+              <a:buChar char="»"/>
+              <a:defRPr sz="2000">
+                <a:solidFill>
+                  <a:schemeClr val="tx1"/>
+                </a:solidFill>
+                <a:latin typeface="Arial" charset="0"/>
+              </a:defRPr>
+            </a:lvl7pPr>
+            <a:lvl8pPr marL="3429000" indent="-228600" algn="l" rtl="0" eaLnBrk="1" fontAlgn="base" hangingPunct="1">
+              <a:spcBef>
+                <a:spcPct val="20000"/>
+              </a:spcBef>
+              <a:spcAft>
+                <a:spcPct val="0"/>
+              </a:spcAft>
+              <a:buChar char="»"/>
+              <a:defRPr sz="2000">
+                <a:solidFill>
+                  <a:schemeClr val="tx1"/>
+                </a:solidFill>
+                <a:latin typeface="Arial" charset="0"/>
+              </a:defRPr>
+            </a:lvl8pPr>
+            <a:lvl9pPr marL="3886200" indent="-228600" algn="l" rtl="0" eaLnBrk="1" fontAlgn="base" hangingPunct="1">
+              <a:spcBef>
+                <a:spcPct val="20000"/>
+              </a:spcBef>
+              <a:spcAft>
+                <a:spcPct val="0"/>
+              </a:spcAft>
+              <a:buChar char="»"/>
+              <a:defRPr sz="2000">
+                <a:solidFill>
+                  <a:schemeClr val="tx1"/>
+                </a:solidFill>
+                <a:latin typeface="Arial" charset="0"/>
+              </a:defRPr>
+            </a:lvl9pPr>
+          </a:lstStyle>
+          <a:p>
+            <a:pPr lvl="1">
+              <a:spcAft>
+                <a:spcPts val="600"/>
+              </a:spcAft>
+            </a:pPr>
+            <a:endParaRPr lang="en-US" sz="2400" dirty="0" smtClean="0"/>
+          </a:p>
+          <a:p>
+            <a:pPr lvl="1">
+              <a:spcAft>
+                <a:spcPts val="600"/>
+              </a:spcAft>
+            </a:pPr>
+            <a:endParaRPr lang="en-US" sz="2400" dirty="0" smtClean="0">
+              <a:sym typeface="Wingdings" panose="05000000000000000000" pitchFamily="2" charset="2"/>
+            </a:endParaRPr>
+          </a:p>
+          <a:p>
+            <a:pPr lvl="1">
+              <a:spcAft>
+                <a:spcPts val="600"/>
+              </a:spcAft>
+            </a:pPr>
+            <a:endParaRPr lang="en-US" sz="2400" dirty="0" smtClean="0">
+              <a:sym typeface="Wingdings" panose="05000000000000000000" pitchFamily="2" charset="2"/>
+            </a:endParaRPr>
+          </a:p>
+          <a:p>
+            <a:pPr lvl="1">
+              <a:spcAft>
+                <a:spcPts val="600"/>
+              </a:spcAft>
+            </a:pPr>
+            <a:endParaRPr lang="en-US" sz="2400" dirty="0" smtClean="0">
+              <a:sym typeface="Wingdings" panose="05000000000000000000" pitchFamily="2" charset="2"/>
+            </a:endParaRPr>
+          </a:p>
+          <a:p>
+            <a:pPr lvl="1">
+              <a:spcAft>
+                <a:spcPts val="600"/>
+              </a:spcAft>
+            </a:pPr>
+            <a:endParaRPr lang="en-US" sz="2400" dirty="0" smtClean="0">
+              <a:sym typeface="Wingdings" panose="05000000000000000000" pitchFamily="2" charset="2"/>
+            </a:endParaRPr>
+          </a:p>
+          <a:p>
+            <a:pPr lvl="1">
+              <a:spcAft>
+                <a:spcPts val="600"/>
+              </a:spcAft>
+            </a:pPr>
+            <a:endParaRPr lang="en-US" sz="2400" dirty="0" smtClean="0">
+              <a:sym typeface="Wingdings" panose="05000000000000000000" pitchFamily="2" charset="2"/>
+            </a:endParaRPr>
+          </a:p>
+        </p:txBody>
+      </p:sp>
+      <p:pic>
+        <p:nvPicPr>
+          <p:cNvPr id="2050" name="Picture 2"/>
+          <p:cNvPicPr>
+            <a:picLocks noChangeAspect="1" noChangeArrowheads="1"/>
+          </p:cNvPicPr>
+          <p:nvPr/>
+        </p:nvPicPr>
+        <p:blipFill>
+          <a:blip r:embed="rId3">
+            <a:extLst>
+              <a:ext uri="{28A0092B-C50C-407E-A947-70E740481C1C}">
+                <a14:useLocalDpi xmlns:a14="http://schemas.microsoft.com/office/drawing/2010/main" val="0"/>
+              </a:ext>
+            </a:extLst>
+          </a:blip>
+          <a:srcRect/>
+          <a:stretch>
+            <a:fillRect/>
+          </a:stretch>
+        </p:blipFill>
+        <p:spPr bwMode="auto">
+          <a:xfrm>
+            <a:off x="2286000" y="1722159"/>
+            <a:ext cx="4038600" cy="2240241"/>
+          </a:xfrm>
+          <a:prstGeom prst="rect">
+            <a:avLst/>
+          </a:prstGeom>
+          <a:noFill/>
+          <a:ln>
+            <a:noFill/>
+          </a:ln>
+          <a:effectLst/>
+          <a:extLst>
+            <a:ext uri="{909E8E84-426E-40DD-AFC4-6F175D3DCCD1}">
+              <a14:hiddenFill xmlns:a14="http://schemas.microsoft.com/office/drawing/2010/main">
+                <a:solidFill>
+                  <a:schemeClr val="accent1"/>
+                </a:solidFill>
+              </a14:hiddenFill>
+            </a:ext>
+            <a:ext uri="{91240B29-F687-4F45-9708-019B960494DF}">
+              <a14:hiddenLine xmlns:a14="http://schemas.microsoft.com/office/drawing/2010/main" w="9525">
+                <a:solidFill>
+                  <a:schemeClr val="tx1"/>
+                </a:solidFill>
+                <a:miter lim="800000"/>
+                <a:headEnd/>
+                <a:tailEnd/>
+              </a14:hiddenLine>
+            </a:ext>
+            <a:ext uri="{AF507438-7753-43E0-B8FC-AC1667EBCBE1}">
+              <a14:hiddenEffects xmlns:a14="http://schemas.microsoft.com/office/drawing/2010/main">
+                <a:effectLst>
+                  <a:outerShdw dist="35921" dir="2700000" algn="ctr" rotWithShape="0">
+                    <a:schemeClr val="bg2"/>
+                  </a:outerShdw>
+                </a:effectLst>
+              </a14:hiddenEffects>
+            </a:ext>
+          </a:extLst>
+        </p:spPr>
+      </p:pic>
+      <p:pic>
+        <p:nvPicPr>
+          <p:cNvPr id="3074" name="Picture 2"/>
+          <p:cNvPicPr>
+            <a:picLocks noChangeAspect="1" noChangeArrowheads="1"/>
+          </p:cNvPicPr>
+          <p:nvPr/>
+        </p:nvPicPr>
+        <p:blipFill>
+          <a:blip r:embed="rId4">
+            <a:extLst>
+              <a:ext uri="{28A0092B-C50C-407E-A947-70E740481C1C}">
+                <a14:useLocalDpi xmlns:a14="http://schemas.microsoft.com/office/drawing/2010/main" val="0"/>
+              </a:ext>
+            </a:extLst>
+          </a:blip>
+          <a:srcRect/>
+          <a:stretch>
+            <a:fillRect/>
+          </a:stretch>
+        </p:blipFill>
+        <p:spPr bwMode="auto">
+          <a:xfrm>
+            <a:off x="2081212" y="4648200"/>
+            <a:ext cx="4448175" cy="695325"/>
+          </a:xfrm>
+          <a:prstGeom prst="rect">
+            <a:avLst/>
+          </a:prstGeom>
+          <a:noFill/>
+          <a:ln>
+            <a:noFill/>
+          </a:ln>
+          <a:effectLst/>
+          <a:extLst>
+            <a:ext uri="{909E8E84-426E-40DD-AFC4-6F175D3DCCD1}">
+              <a14:hiddenFill xmlns:a14="http://schemas.microsoft.com/office/drawing/2010/main">
+                <a:solidFill>
+                  <a:schemeClr val="accent1"/>
+                </a:solidFill>
+              </a14:hiddenFill>
+            </a:ext>
+            <a:ext uri="{91240B29-F687-4F45-9708-019B960494DF}">
+              <a14:hiddenLine xmlns:a14="http://schemas.microsoft.com/office/drawing/2010/main" w="9525">
+                <a:solidFill>
+                  <a:schemeClr val="tx1"/>
+                </a:solidFill>
+                <a:miter lim="800000"/>
+                <a:headEnd/>
+                <a:tailEnd/>
+              </a14:hiddenLine>
+            </a:ext>
+            <a:ext uri="{AF507438-7753-43E0-B8FC-AC1667EBCBE1}">
+              <a14:hiddenEffects xmlns:a14="http://schemas.microsoft.com/office/drawing/2010/main">
+                <a:effectLst>
+                  <a:outerShdw dist="35921" dir="2700000" algn="ctr" rotWithShape="0">
+                    <a:schemeClr val="bg2"/>
+                  </a:outerShdw>
+                </a:effectLst>
+              </a14:hiddenEffects>
+            </a:ext>
+          </a:extLst>
+        </p:spPr>
+      </p:pic>
+    </p:spTree>
+    <p:extLst>
+      <p:ext uri="{BB962C8B-B14F-4D97-AF65-F5344CB8AC3E}">
+        <p14:creationId xmlns:p14="http://schemas.microsoft.com/office/powerpoint/2010/main" val="2852487695"/>
+      </p:ext>
+    </p:extLst>
+  </p:cSld>
+  <p:clrMapOvr>
+    <a:masterClrMapping/>
+  </p:clrMapOvr>
+  <p:timing>
+    <p:tnLst>
+      <p:par>
+        <p:cTn id="1" dur="indefinite" restart="never" nodeType="tmRoot"/>
+      </p:par>
+    </p:tnLst>
+  </p:timing>
+</p:sld>
+</file>
+
+<file path=ppt/slides/slide14.xml><?xml version="1.0" encoding="utf-8"?>
+<p:sld xmlns:a="http://schemas.openxmlformats.org/drawingml/2006/main" xmlns:r="http://schemas.openxmlformats.org/officeDocument/2006/relationships" xmlns:p="http://schemas.openxmlformats.org/presentationml/2006/main">
+  <p:cSld>
+    <p:spTree>
+      <p:nvGrpSpPr>
+        <p:cNvPr id="1" name=""/>
+        <p:cNvGrpSpPr/>
+        <p:nvPr/>
+      </p:nvGrpSpPr>
+      <p:grpSpPr>
+        <a:xfrm>
+          <a:off x="0" y="0"/>
+          <a:ext cx="0" cy="0"/>
+          <a:chOff x="0" y="0"/>
+          <a:chExt cx="0" cy="0"/>
+        </a:xfrm>
+      </p:grpSpPr>
+      <p:sp>
+        <p:nvSpPr>
+          <p:cNvPr id="2" name="Title 1"/>
+          <p:cNvSpPr>
+            <a:spLocks noGrp="1"/>
+          </p:cNvSpPr>
+          <p:nvPr>
+            <p:ph type="title"/>
+          </p:nvPr>
+        </p:nvSpPr>
+        <p:spPr/>
+        <p:txBody>
+          <a:bodyPr/>
+          <a:lstStyle/>
+          <a:p>
+            <a:r>
+              <a:rPr lang="en-US" dirty="0" smtClean="0"/>
+              <a:t>Props</a:t>
+            </a:r>
+            <a:endParaRPr lang="en-US" dirty="0"/>
+          </a:p>
+        </p:txBody>
+      </p:sp>
+      <p:sp>
+        <p:nvSpPr>
+          <p:cNvPr id="3" name="Rectangle 5"/>
+          <p:cNvSpPr txBox="1">
+            <a:spLocks noChangeArrowheads="1"/>
+          </p:cNvSpPr>
+          <p:nvPr/>
+        </p:nvSpPr>
+        <p:spPr>
+          <a:xfrm>
+            <a:off x="457200" y="1600200"/>
+            <a:ext cx="8075613" cy="4525963"/>
+          </a:xfrm>
+          <a:prstGeom prst="rect">
+            <a:avLst/>
+          </a:prstGeom>
+          <a:noFill/>
+          <a:ln/>
+        </p:spPr>
+        <p:txBody>
+          <a:bodyPr/>
+          <a:lstStyle>
+            <a:lvl1pPr marL="342900" indent="-342900" algn="l" rtl="0" eaLnBrk="1" fontAlgn="base" hangingPunct="1">
+              <a:spcBef>
+                <a:spcPct val="20000"/>
+              </a:spcBef>
+              <a:spcAft>
+                <a:spcPct val="0"/>
+              </a:spcAft>
+              <a:buClr>
+                <a:schemeClr val="hlink"/>
+              </a:buClr>
+              <a:buFont typeface="Wingdings" pitchFamily="2" charset="2"/>
+              <a:buChar char="v"/>
+              <a:defRPr sz="2800" b="1">
+                <a:solidFill>
+                  <a:schemeClr val="tx1"/>
+                </a:solidFill>
+                <a:latin typeface="Tahoma" pitchFamily="34" charset="0"/>
+                <a:ea typeface="+mn-ea"/>
+                <a:cs typeface="Tahoma" pitchFamily="34" charset="0"/>
+              </a:defRPr>
+            </a:lvl1pPr>
+            <a:lvl2pPr marL="742950" indent="-285750" algn="l" rtl="0" eaLnBrk="1" fontAlgn="base" hangingPunct="1">
+              <a:spcBef>
+                <a:spcPct val="20000"/>
+              </a:spcBef>
+              <a:spcAft>
+                <a:spcPct val="0"/>
+              </a:spcAft>
+              <a:buClr>
+                <a:schemeClr val="accent1"/>
+              </a:buClr>
+              <a:buFont typeface="Wingdings" pitchFamily="2" charset="2"/>
+              <a:buChar char="§"/>
+              <a:defRPr sz="2800">
+                <a:solidFill>
+                  <a:schemeClr val="tx1"/>
+                </a:solidFill>
+                <a:latin typeface="Tahoma" pitchFamily="34" charset="0"/>
+                <a:cs typeface="Tahoma" pitchFamily="34" charset="0"/>
+              </a:defRPr>
+            </a:lvl2pPr>
+            <a:lvl3pPr marL="1143000" indent="-228600" algn="l" rtl="0" eaLnBrk="1" fontAlgn="base" hangingPunct="1">
+              <a:spcBef>
+                <a:spcPct val="20000"/>
+              </a:spcBef>
+              <a:spcAft>
+                <a:spcPct val="0"/>
+              </a:spcAft>
+              <a:buClr>
+                <a:schemeClr val="tx1"/>
+              </a:buClr>
+              <a:buChar char="•"/>
+              <a:defRPr sz="2400">
+                <a:solidFill>
+                  <a:schemeClr val="tx1"/>
+                </a:solidFill>
+                <a:latin typeface="Tahoma" pitchFamily="34" charset="0"/>
+                <a:cs typeface="Tahoma" pitchFamily="34" charset="0"/>
+              </a:defRPr>
+            </a:lvl3pPr>
+            <a:lvl4pPr marL="1600200" indent="-228600" algn="l" rtl="0" eaLnBrk="1" fontAlgn="base" hangingPunct="1">
+              <a:spcBef>
+                <a:spcPct val="20000"/>
+              </a:spcBef>
+              <a:spcAft>
+                <a:spcPct val="0"/>
+              </a:spcAft>
+              <a:buChar char="–"/>
+              <a:defRPr sz="2000">
+                <a:solidFill>
+                  <a:schemeClr val="tx1"/>
+                </a:solidFill>
+                <a:latin typeface="Tahoma" pitchFamily="34" charset="0"/>
+                <a:cs typeface="Tahoma" pitchFamily="34" charset="0"/>
+              </a:defRPr>
+            </a:lvl4pPr>
+            <a:lvl5pPr marL="2057400" indent="-228600" algn="l" rtl="0" eaLnBrk="1" fontAlgn="base" hangingPunct="1">
+              <a:spcBef>
+                <a:spcPct val="20000"/>
+              </a:spcBef>
+              <a:spcAft>
+                <a:spcPct val="0"/>
+              </a:spcAft>
+              <a:buChar char="»"/>
+              <a:defRPr sz="2000">
+                <a:solidFill>
+                  <a:schemeClr val="tx1"/>
+                </a:solidFill>
+                <a:latin typeface="Tahoma" pitchFamily="34" charset="0"/>
+                <a:cs typeface="Tahoma" pitchFamily="34" charset="0"/>
+              </a:defRPr>
+            </a:lvl5pPr>
+            <a:lvl6pPr marL="2514600" indent="-228600" algn="l" rtl="0" eaLnBrk="1" fontAlgn="base" hangingPunct="1">
+              <a:spcBef>
+                <a:spcPct val="20000"/>
+              </a:spcBef>
+              <a:spcAft>
+                <a:spcPct val="0"/>
+              </a:spcAft>
+              <a:buChar char="»"/>
+              <a:defRPr sz="2000">
+                <a:solidFill>
+                  <a:schemeClr val="tx1"/>
+                </a:solidFill>
+                <a:latin typeface="Arial" charset="0"/>
+              </a:defRPr>
+            </a:lvl6pPr>
+            <a:lvl7pPr marL="2971800" indent="-228600" algn="l" rtl="0" eaLnBrk="1" fontAlgn="base" hangingPunct="1">
+              <a:spcBef>
+                <a:spcPct val="20000"/>
+              </a:spcBef>
+              <a:spcAft>
+                <a:spcPct val="0"/>
+              </a:spcAft>
+              <a:buChar char="»"/>
+              <a:defRPr sz="2000">
+                <a:solidFill>
+                  <a:schemeClr val="tx1"/>
+                </a:solidFill>
+                <a:latin typeface="Arial" charset="0"/>
+              </a:defRPr>
+            </a:lvl7pPr>
+            <a:lvl8pPr marL="3429000" indent="-228600" algn="l" rtl="0" eaLnBrk="1" fontAlgn="base" hangingPunct="1">
+              <a:spcBef>
+                <a:spcPct val="20000"/>
+              </a:spcBef>
+              <a:spcAft>
+                <a:spcPct val="0"/>
+              </a:spcAft>
+              <a:buChar char="»"/>
+              <a:defRPr sz="2000">
+                <a:solidFill>
+                  <a:schemeClr val="tx1"/>
+                </a:solidFill>
+                <a:latin typeface="Arial" charset="0"/>
+              </a:defRPr>
+            </a:lvl8pPr>
+            <a:lvl9pPr marL="3886200" indent="-228600" algn="l" rtl="0" eaLnBrk="1" fontAlgn="base" hangingPunct="1">
+              <a:spcBef>
+                <a:spcPct val="20000"/>
+              </a:spcBef>
+              <a:spcAft>
+                <a:spcPct val="0"/>
+              </a:spcAft>
+              <a:buChar char="»"/>
+              <a:defRPr sz="2000">
+                <a:solidFill>
+                  <a:schemeClr val="tx1"/>
+                </a:solidFill>
+                <a:latin typeface="Arial" charset="0"/>
+              </a:defRPr>
+            </a:lvl9pPr>
+          </a:lstStyle>
+          <a:p>
+            <a:pPr lvl="1">
+              <a:spcAft>
+                <a:spcPts val="600"/>
+              </a:spcAft>
+            </a:pPr>
+            <a:r>
+              <a:rPr lang="en-US" sz="2400" dirty="0"/>
+              <a:t>When we use our defined components, we can add attributes called props</a:t>
+            </a:r>
+            <a:r>
+              <a:rPr lang="en-US" sz="2400" dirty="0" smtClean="0"/>
+              <a:t>.</a:t>
+            </a:r>
+          </a:p>
+          <a:p>
+            <a:pPr lvl="1">
+              <a:spcAft>
+                <a:spcPts val="600"/>
+              </a:spcAft>
+            </a:pPr>
+            <a:r>
+              <a:rPr lang="en-US" sz="2400" dirty="0"/>
+              <a:t>These attributes are available in our component as </a:t>
+            </a:r>
+            <a:r>
+              <a:rPr lang="en-US" sz="2400" i="1" dirty="0" err="1" smtClean="0">
+                <a:solidFill>
+                  <a:schemeClr val="tx1">
+                    <a:lumMod val="40000"/>
+                    <a:lumOff val="60000"/>
+                  </a:schemeClr>
+                </a:solidFill>
+              </a:rPr>
+              <a:t>this.props</a:t>
+            </a:r>
+            <a:endParaRPr lang="en-US" sz="2400" i="1" dirty="0" smtClean="0">
+              <a:solidFill>
+                <a:schemeClr val="tx1">
+                  <a:lumMod val="40000"/>
+                  <a:lumOff val="60000"/>
+                </a:schemeClr>
+              </a:solidFill>
+            </a:endParaRPr>
+          </a:p>
+          <a:p>
+            <a:pPr lvl="1">
+              <a:spcAft>
+                <a:spcPts val="600"/>
+              </a:spcAft>
+            </a:pPr>
+            <a:endParaRPr lang="en-US" sz="2400" i="1" dirty="0" smtClean="0">
+              <a:solidFill>
+                <a:schemeClr val="tx1">
+                  <a:lumMod val="40000"/>
+                  <a:lumOff val="60000"/>
+                </a:schemeClr>
+              </a:solidFill>
+              <a:sym typeface="Wingdings" panose="05000000000000000000" pitchFamily="2" charset="2"/>
+            </a:endParaRPr>
+          </a:p>
+        </p:txBody>
+      </p:sp>
+    </p:spTree>
+    <p:extLst>
+      <p:ext uri="{BB962C8B-B14F-4D97-AF65-F5344CB8AC3E}">
+        <p14:creationId xmlns:p14="http://schemas.microsoft.com/office/powerpoint/2010/main" val="601127566"/>
       </p:ext>
     </p:extLst>
   </p:cSld>
@@ -7945,35 +10310,20 @@
               <a:buChar char="§"/>
             </a:pPr>
             <a:r>
+              <a:rPr lang="en-US" sz="2400" dirty="0" smtClean="0">
+                <a:latin typeface="Tahoma" pitchFamily="34" charset="0"/>
+                <a:ea typeface="Tahoma" panose="020B0604030504040204" pitchFamily="34" charset="0"/>
+                <a:cs typeface="Tahoma" pitchFamily="34" charset="0"/>
+              </a:rPr>
+              <a:t>React </a:t>
+            </a:r>
+            <a:r>
               <a:rPr lang="en-US" sz="2400" dirty="0">
                 <a:latin typeface="Tahoma" pitchFamily="34" charset="0"/>
                 <a:ea typeface="Tahoma" panose="020B0604030504040204" pitchFamily="34" charset="0"/>
                 <a:cs typeface="Tahoma" pitchFamily="34" charset="0"/>
               </a:rPr>
-              <a:t>React Router</a:t>
-            </a:r>
-          </a:p>
-          <a:p>
-            <a:pPr marL="742950" lvl="1" indent="-285750" fontAlgn="base">
-              <a:spcBef>
-                <a:spcPct val="20000"/>
-              </a:spcBef>
-              <a:spcAft>
-                <a:spcPts val="600"/>
-              </a:spcAft>
-              <a:buClr>
-                <a:schemeClr val="accent1"/>
-              </a:buClr>
-              <a:buFont typeface="Wingdings" pitchFamily="2" charset="2"/>
-              <a:buChar char="§"/>
-            </a:pPr>
-            <a:r>
-              <a:rPr lang="en-US" sz="2400" dirty="0">
-                <a:latin typeface="Tahoma" pitchFamily="34" charset="0"/>
-                <a:ea typeface="Tahoma" panose="020B0604030504040204" pitchFamily="34" charset="0"/>
-                <a:cs typeface="Tahoma" pitchFamily="34" charset="0"/>
-              </a:rPr>
-              <a:t>React with Flux</a:t>
+              <a:t>with Flux</a:t>
             </a:r>
           </a:p>
         </p:txBody>
@@ -8941,8 +11291,32 @@
             </a:r>
             <a:r>
               <a:rPr lang="en-US" sz="2400" dirty="0" smtClean="0"/>
-              <a:t>UI.</a:t>
-            </a:r>
+              <a:t>UI</a:t>
+            </a:r>
+            <a:r>
+              <a:rPr lang="en-US" sz="2400" dirty="0" smtClean="0"/>
+              <a:t>.</a:t>
+            </a:r>
+          </a:p>
+          <a:p>
+            <a:pPr lvl="1">
+              <a:spcAft>
+                <a:spcPts val="600"/>
+              </a:spcAft>
+            </a:pPr>
+            <a:r>
+              <a:rPr lang="en-US" sz="2400" dirty="0"/>
+              <a:t>B</a:t>
+            </a:r>
+            <a:r>
+              <a:rPr lang="en-US" sz="2400" dirty="0" smtClean="0"/>
+              <a:t>uilding </a:t>
+            </a:r>
+            <a:r>
+              <a:rPr lang="en-US" sz="2400" dirty="0"/>
+              <a:t>large applications with data that changes over time.</a:t>
+            </a:r>
+            <a:endParaRPr lang="en-US" sz="2400" dirty="0"/>
           </a:p>
           <a:p>
             <a:pPr lvl="1">
@@ -9620,6 +11994,7 @@
               <a:rPr lang="en-US" sz="2400" dirty="0" smtClean="0"/>
               <a:t>Elements</a:t>
             </a:r>
+            <a:endParaRPr lang="en-US" sz="2400" dirty="0" smtClean="0"/>
           </a:p>
           <a:p>
             <a:pPr lvl="1">
@@ -9627,10 +12002,15 @@
                 <a:spcPts val="600"/>
               </a:spcAft>
             </a:pPr>
+            <a:r>
+              <a:rPr lang="en-US" sz="2400" dirty="0"/>
+              <a:t>React </a:t>
+            </a:r>
             <a:r>
               <a:rPr lang="en-US" sz="2400" dirty="0" smtClean="0"/>
               <a:t>Components</a:t>
             </a:r>
+            <a:endParaRPr lang="en-US" sz="2400" dirty="0" smtClean="0"/>
           </a:p>
           <a:p>
             <a:pPr lvl="1">
@@ -9642,6 +12022,7 @@
               <a:rPr lang="en-US" sz="2400" dirty="0" smtClean="0"/>
               <a:t>Props</a:t>
             </a:r>
+            <a:endParaRPr lang="en-US" sz="2400" dirty="0" smtClean="0"/>
           </a:p>
           <a:p>
             <a:pPr lvl="1">

--- a/React_Slide.pptx
+++ b/React_Slide.pptx
@@ -5,7 +5,7 @@
     <p:sldMasterId id="2147483660" r:id="rId1"/>
   </p:sldMasterIdLst>
   <p:notesMasterIdLst>
-    <p:notesMasterId r:id="rId16"/>
+    <p:notesMasterId r:id="rId18"/>
   </p:notesMasterIdLst>
   <p:sldIdLst>
     <p:sldId id="256" r:id="rId2"/>
@@ -22,6 +22,8 @@
     <p:sldId id="268" r:id="rId13"/>
     <p:sldId id="270" r:id="rId14"/>
     <p:sldId id="272" r:id="rId15"/>
+    <p:sldId id="273" r:id="rId16"/>
+    <p:sldId id="274" r:id="rId17"/>
   </p:sldIdLst>
   <p:sldSz cx="9144000" cy="6858000" type="screen4x3"/>
   <p:notesSz cx="6858000" cy="9144000"/>
@@ -122,7 +124,7 @@
   </p:defaultTextStyle>
   <p:extLst>
     <p:ext uri="{EFAFB233-063F-42B5-8137-9DF3F51BA10A}">
-      <p15:sldGuideLst xmlns:p15="http://schemas.microsoft.com/office/powerpoint/2012/main" xmlns="">
+      <p15:sldGuideLst xmlns="" xmlns:p15="http://schemas.microsoft.com/office/powerpoint/2012/main">
         <p15:guide id="1" orient="horz" pos="2160">
           <p15:clr>
             <a:srgbClr val="A4A3A4"/>
@@ -221,7 +223,7 @@
           <a:p>
             <a:fld id="{30C56A28-4380-4698-9362-A1403F5E2820}" type="datetimeFigureOut">
               <a:rPr lang="en-US" smtClean="0"/>
-              <a:t>12/7/2015</a:t>
+              <a:t>12/10/2015</a:t>
             </a:fld>
             <a:endParaRPr lang="en-US"/>
           </a:p>
@@ -746,6 +748,174 @@
 </p:notes>
 </file>
 
+<file path=ppt/notesSlides/notesSlide10.xml><?xml version="1.0" encoding="utf-8"?>
+<p:notes xmlns:a="http://schemas.openxmlformats.org/drawingml/2006/main" xmlns:r="http://schemas.openxmlformats.org/officeDocument/2006/relationships" xmlns:p="http://schemas.openxmlformats.org/presentationml/2006/main">
+  <p:cSld>
+    <p:spTree>
+      <p:nvGrpSpPr>
+        <p:cNvPr id="1" name=""/>
+        <p:cNvGrpSpPr/>
+        <p:nvPr/>
+      </p:nvGrpSpPr>
+      <p:grpSpPr>
+        <a:xfrm>
+          <a:off x="0" y="0"/>
+          <a:ext cx="0" cy="0"/>
+          <a:chOff x="0" y="0"/>
+          <a:chExt cx="0" cy="0"/>
+        </a:xfrm>
+      </p:grpSpPr>
+      <p:sp>
+        <p:nvSpPr>
+          <p:cNvPr id="2" name="Slide Image Placeholder 1"/>
+          <p:cNvSpPr>
+            <a:spLocks noGrp="1" noRot="1" noChangeAspect="1"/>
+          </p:cNvSpPr>
+          <p:nvPr>
+            <p:ph type="sldImg"/>
+          </p:nvPr>
+        </p:nvSpPr>
+        <p:spPr/>
+      </p:sp>
+      <p:sp>
+        <p:nvSpPr>
+          <p:cNvPr id="3" name="Notes Placeholder 2"/>
+          <p:cNvSpPr>
+            <a:spLocks noGrp="1"/>
+          </p:cNvSpPr>
+          <p:nvPr>
+            <p:ph type="body" idx="1"/>
+          </p:nvPr>
+        </p:nvSpPr>
+        <p:spPr/>
+        <p:txBody>
+          <a:bodyPr/>
+          <a:lstStyle/>
+          <a:p>
+            <a:endParaRPr lang="en-US" dirty="0"/>
+          </a:p>
+        </p:txBody>
+      </p:sp>
+      <p:sp>
+        <p:nvSpPr>
+          <p:cNvPr id="4" name="Slide Number Placeholder 3"/>
+          <p:cNvSpPr>
+            <a:spLocks noGrp="1"/>
+          </p:cNvSpPr>
+          <p:nvPr>
+            <p:ph type="sldNum" sz="quarter" idx="10"/>
+          </p:nvPr>
+        </p:nvSpPr>
+        <p:spPr/>
+        <p:txBody>
+          <a:bodyPr/>
+          <a:lstStyle/>
+          <a:p>
+            <a:fld id="{47CA5B65-C32E-4594-82B5-5B950CCEF23B}" type="slidenum">
+              <a:rPr lang="en-US" smtClean="0"/>
+              <a:t>15</a:t>
+            </a:fld>
+            <a:endParaRPr lang="en-US"/>
+          </a:p>
+        </p:txBody>
+      </p:sp>
+    </p:spTree>
+    <p:extLst>
+      <p:ext uri="{BB962C8B-B14F-4D97-AF65-F5344CB8AC3E}">
+        <p14:creationId xmlns:p14="http://schemas.microsoft.com/office/powerpoint/2010/main" val="898643330"/>
+      </p:ext>
+    </p:extLst>
+  </p:cSld>
+  <p:clrMapOvr>
+    <a:masterClrMapping/>
+  </p:clrMapOvr>
+</p:notes>
+</file>
+
+<file path=ppt/notesSlides/notesSlide11.xml><?xml version="1.0" encoding="utf-8"?>
+<p:notes xmlns:a="http://schemas.openxmlformats.org/drawingml/2006/main" xmlns:r="http://schemas.openxmlformats.org/officeDocument/2006/relationships" xmlns:p="http://schemas.openxmlformats.org/presentationml/2006/main">
+  <p:cSld>
+    <p:spTree>
+      <p:nvGrpSpPr>
+        <p:cNvPr id="1" name=""/>
+        <p:cNvGrpSpPr/>
+        <p:nvPr/>
+      </p:nvGrpSpPr>
+      <p:grpSpPr>
+        <a:xfrm>
+          <a:off x="0" y="0"/>
+          <a:ext cx="0" cy="0"/>
+          <a:chOff x="0" y="0"/>
+          <a:chExt cx="0" cy="0"/>
+        </a:xfrm>
+      </p:grpSpPr>
+      <p:sp>
+        <p:nvSpPr>
+          <p:cNvPr id="2" name="Slide Image Placeholder 1"/>
+          <p:cNvSpPr>
+            <a:spLocks noGrp="1" noRot="1" noChangeAspect="1"/>
+          </p:cNvSpPr>
+          <p:nvPr>
+            <p:ph type="sldImg"/>
+          </p:nvPr>
+        </p:nvSpPr>
+        <p:spPr/>
+      </p:sp>
+      <p:sp>
+        <p:nvSpPr>
+          <p:cNvPr id="3" name="Notes Placeholder 2"/>
+          <p:cNvSpPr>
+            <a:spLocks noGrp="1"/>
+          </p:cNvSpPr>
+          <p:nvPr>
+            <p:ph type="body" idx="1"/>
+          </p:nvPr>
+        </p:nvSpPr>
+        <p:spPr/>
+        <p:txBody>
+          <a:bodyPr/>
+          <a:lstStyle/>
+          <a:p>
+            <a:endParaRPr lang="en-US" dirty="0"/>
+          </a:p>
+        </p:txBody>
+      </p:sp>
+      <p:sp>
+        <p:nvSpPr>
+          <p:cNvPr id="4" name="Slide Number Placeholder 3"/>
+          <p:cNvSpPr>
+            <a:spLocks noGrp="1"/>
+          </p:cNvSpPr>
+          <p:nvPr>
+            <p:ph type="sldNum" sz="quarter" idx="10"/>
+          </p:nvPr>
+        </p:nvSpPr>
+        <p:spPr/>
+        <p:txBody>
+          <a:bodyPr/>
+          <a:lstStyle/>
+          <a:p>
+            <a:fld id="{47CA5B65-C32E-4594-82B5-5B950CCEF23B}" type="slidenum">
+              <a:rPr lang="en-US" smtClean="0"/>
+              <a:t>16</a:t>
+            </a:fld>
+            <a:endParaRPr lang="en-US"/>
+          </a:p>
+        </p:txBody>
+      </p:sp>
+    </p:spTree>
+    <p:extLst>
+      <p:ext uri="{BB962C8B-B14F-4D97-AF65-F5344CB8AC3E}">
+        <p14:creationId xmlns:p14="http://schemas.microsoft.com/office/powerpoint/2010/main" val="898643330"/>
+      </p:ext>
+    </p:extLst>
+  </p:cSld>
+  <p:clrMapOvr>
+    <a:masterClrMapping/>
+  </p:clrMapOvr>
+</p:notes>
+</file>
+
 <file path=ppt/notesSlides/notesSlide2.xml><?xml version="1.0" encoding="utf-8"?>
 <p:notes xmlns:a="http://schemas.openxmlformats.org/drawingml/2006/main" xmlns:r="http://schemas.openxmlformats.org/officeDocument/2006/relationships" xmlns:p="http://schemas.openxmlformats.org/presentationml/2006/main">
   <p:cSld>
@@ -3126,7 +3296,7 @@
             <a:fld id="{1D8BD707-D9CF-40AE-B4C6-C98DA3205C09}" type="datetimeFigureOut">
               <a:rPr lang="en-US" smtClean="0"/>
               <a:pPr/>
-              <a:t>12/7/2015</a:t>
+              <a:t>12/10/2015</a:t>
             </a:fld>
             <a:endParaRPr lang="en-US"/>
           </a:p>
@@ -3353,7 +3523,7 @@
             <a:fld id="{1D8BD707-D9CF-40AE-B4C6-C98DA3205C09}" type="datetimeFigureOut">
               <a:rPr lang="en-US" smtClean="0"/>
               <a:pPr/>
-              <a:t>12/7/2015</a:t>
+              <a:t>12/10/2015</a:t>
             </a:fld>
             <a:endParaRPr lang="en-US"/>
           </a:p>
@@ -3580,7 +3750,7 @@
             <a:fld id="{1D8BD707-D9CF-40AE-B4C6-C98DA3205C09}" type="datetimeFigureOut">
               <a:rPr lang="en-US" smtClean="0"/>
               <a:pPr/>
-              <a:t>12/7/2015</a:t>
+              <a:t>12/10/2015</a:t>
             </a:fld>
             <a:endParaRPr lang="en-US"/>
           </a:p>
@@ -3779,7 +3949,7 @@
             <a:fld id="{1D8BD707-D9CF-40AE-B4C6-C98DA3205C09}" type="datetimeFigureOut">
               <a:rPr lang="en-US" smtClean="0"/>
               <a:pPr/>
-              <a:t>12/7/2015</a:t>
+              <a:t>12/10/2015</a:t>
             </a:fld>
             <a:endParaRPr lang="en-US"/>
           </a:p>
@@ -3978,7 +4148,7 @@
             <a:fld id="{1D8BD707-D9CF-40AE-B4C6-C98DA3205C09}" type="datetimeFigureOut">
               <a:rPr lang="en-US" smtClean="0"/>
               <a:pPr/>
-              <a:t>12/7/2015</a:t>
+              <a:t>12/10/2015</a:t>
             </a:fld>
             <a:endParaRPr lang="en-US"/>
           </a:p>
@@ -4204,7 +4374,7 @@
             <a:fld id="{1D8BD707-D9CF-40AE-B4C6-C98DA3205C09}" type="datetimeFigureOut">
               <a:rPr lang="en-US" smtClean="0"/>
               <a:pPr/>
-              <a:t>12/7/2015</a:t>
+              <a:t>12/10/2015</a:t>
             </a:fld>
             <a:endParaRPr lang="en-US"/>
           </a:p>
@@ -4443,7 +4613,7 @@
             <a:fld id="{1D8BD707-D9CF-40AE-B4C6-C98DA3205C09}" type="datetimeFigureOut">
               <a:rPr lang="en-US" smtClean="0"/>
               <a:pPr/>
-              <a:t>12/7/2015</a:t>
+              <a:t>12/10/2015</a:t>
             </a:fld>
             <a:endParaRPr lang="en-US"/>
           </a:p>
@@ -4778,7 +4948,7 @@
             <a:fld id="{1D8BD707-D9CF-40AE-B4C6-C98DA3205C09}" type="datetimeFigureOut">
               <a:rPr lang="en-US" smtClean="0"/>
               <a:pPr/>
-              <a:t>12/7/2015</a:t>
+              <a:t>12/10/2015</a:t>
             </a:fld>
             <a:endParaRPr lang="en-US"/>
           </a:p>
@@ -5248,7 +5418,7 @@
             <a:fld id="{1D8BD707-D9CF-40AE-B4C6-C98DA3205C09}" type="datetimeFigureOut">
               <a:rPr lang="en-US" smtClean="0"/>
               <a:pPr/>
-              <a:t>12/7/2015</a:t>
+              <a:t>12/10/2015</a:t>
             </a:fld>
             <a:endParaRPr lang="en-US"/>
           </a:p>
@@ -5413,7 +5583,7 @@
             <a:fld id="{1D8BD707-D9CF-40AE-B4C6-C98DA3205C09}" type="datetimeFigureOut">
               <a:rPr lang="en-US" smtClean="0"/>
               <a:pPr/>
-              <a:t>12/7/2015</a:t>
+              <a:t>12/10/2015</a:t>
             </a:fld>
             <a:endParaRPr lang="en-US"/>
           </a:p>
@@ -5555,7 +5725,7 @@
             <a:fld id="{1D8BD707-D9CF-40AE-B4C6-C98DA3205C09}" type="datetimeFigureOut">
               <a:rPr lang="en-US" smtClean="0"/>
               <a:pPr/>
-              <a:t>12/7/2015</a:t>
+              <a:t>12/10/2015</a:t>
             </a:fld>
             <a:endParaRPr lang="en-US"/>
           </a:p>
@@ -5879,7 +6049,7 @@
             <a:fld id="{1D8BD707-D9CF-40AE-B4C6-C98DA3205C09}" type="datetimeFigureOut">
               <a:rPr lang="en-US" smtClean="0"/>
               <a:pPr/>
-              <a:t>12/7/2015</a:t>
+              <a:t>12/10/2015</a:t>
             </a:fld>
             <a:endParaRPr lang="en-US"/>
           </a:p>
@@ -6184,7 +6354,7 @@
             <a:fld id="{1D8BD707-D9CF-40AE-B4C6-C98DA3205C09}" type="datetimeFigureOut">
               <a:rPr lang="en-US" smtClean="0"/>
               <a:pPr/>
-              <a:t>12/7/2015</a:t>
+              <a:t>12/10/2015</a:t>
             </a:fld>
             <a:endParaRPr lang="en-US"/>
           </a:p>
@@ -6729,7 +6899,7 @@
             <a:fld id="{1D8BD707-D9CF-40AE-B4C6-C98DA3205C09}" type="datetimeFigureOut">
               <a:rPr lang="en-US" smtClean="0"/>
               <a:pPr/>
-              <a:t>12/7/2015</a:t>
+              <a:t>12/10/2015</a:t>
             </a:fld>
             <a:endParaRPr lang="en-US"/>
           </a:p>
@@ -9257,7 +9427,6 @@
               <a:rPr lang="en-US" sz="2400" dirty="0" smtClean="0"/>
               <a:t>it.</a:t>
             </a:r>
-            <a:endParaRPr lang="en-US" sz="2400" dirty="0" smtClean="0"/>
           </a:p>
           <a:p>
             <a:pPr lvl="1">
@@ -9267,11 +9436,7 @@
             </a:pPr>
             <a:r>
               <a:rPr lang="en-US" sz="2400" dirty="0" smtClean="0"/>
-              <a:t>The </a:t>
-            </a:r>
-            <a:r>
-              <a:rPr lang="en-US" sz="2400" dirty="0" smtClean="0"/>
-              <a:t>render </a:t>
+              <a:t>The render </a:t>
             </a:r>
             <a:r>
               <a:rPr lang="en-US" sz="2400" dirty="0"/>
@@ -9279,15 +9444,7 @@
             </a:r>
             <a:r>
               <a:rPr lang="en-US" sz="2400" dirty="0" smtClean="0"/>
-              <a:t>must return a single React </a:t>
-            </a:r>
-            <a:r>
-              <a:rPr lang="en-US" sz="2400" dirty="0" smtClean="0"/>
-              <a:t>Element</a:t>
-            </a:r>
-            <a:r>
-              <a:rPr lang="en-US" sz="2400" dirty="0" smtClean="0"/>
-              <a:t>.</a:t>
+              <a:t>must return a single React Element.</a:t>
             </a:r>
           </a:p>
           <a:p>
@@ -10013,6 +10170,18 @@
               </a:spcAft>
             </a:pPr>
             <a:r>
+              <a:rPr lang="en-US" sz="2400" dirty="0" smtClean="0"/>
+              <a:t>Props are supplied as attributes</a:t>
+            </a:r>
+            <a:endParaRPr lang="en-US" sz="2400" dirty="0" smtClean="0"/>
+          </a:p>
+          <a:p>
+            <a:pPr lvl="1">
+              <a:spcAft>
+                <a:spcPts val="600"/>
+              </a:spcAft>
+            </a:pPr>
+            <a:r>
               <a:rPr lang="en-US" sz="2400" dirty="0"/>
               <a:t>These attributes are available in our component as </a:t>
             </a:r>
@@ -10054,10 +10223,666 @@
           </a:p>
         </p:txBody>
       </p:sp>
+      <p:pic>
+        <p:nvPicPr>
+          <p:cNvPr id="1028" name="Picture 4"/>
+          <p:cNvPicPr>
+            <a:picLocks noChangeAspect="1" noChangeArrowheads="1"/>
+          </p:cNvPicPr>
+          <p:nvPr/>
+        </p:nvPicPr>
+        <p:blipFill>
+          <a:blip r:embed="rId3">
+            <a:extLst>
+              <a:ext uri="{28A0092B-C50C-407E-A947-70E740481C1C}">
+                <a14:useLocalDpi xmlns:a14="http://schemas.microsoft.com/office/drawing/2010/main" val="0"/>
+              </a:ext>
+            </a:extLst>
+          </a:blip>
+          <a:srcRect/>
+          <a:stretch>
+            <a:fillRect/>
+          </a:stretch>
+        </p:blipFill>
+        <p:spPr bwMode="auto">
+          <a:xfrm>
+            <a:off x="1019175" y="4076700"/>
+            <a:ext cx="6957626" cy="1485900"/>
+          </a:xfrm>
+          <a:prstGeom prst="rect">
+            <a:avLst/>
+          </a:prstGeom>
+          <a:noFill/>
+          <a:ln>
+            <a:noFill/>
+          </a:ln>
+          <a:effectLst/>
+          <a:extLst>
+            <a:ext uri="{909E8E84-426E-40DD-AFC4-6F175D3DCCD1}">
+              <a14:hiddenFill xmlns:a14="http://schemas.microsoft.com/office/drawing/2010/main">
+                <a:solidFill>
+                  <a:schemeClr val="accent1"/>
+                </a:solidFill>
+              </a14:hiddenFill>
+            </a:ext>
+            <a:ext uri="{91240B29-F687-4F45-9708-019B960494DF}">
+              <a14:hiddenLine xmlns:a14="http://schemas.microsoft.com/office/drawing/2010/main" w="9525">
+                <a:solidFill>
+                  <a:schemeClr val="tx1"/>
+                </a:solidFill>
+                <a:miter lim="800000"/>
+                <a:headEnd/>
+                <a:tailEnd/>
+              </a14:hiddenLine>
+            </a:ext>
+            <a:ext uri="{AF507438-7753-43E0-B8FC-AC1667EBCBE1}">
+              <a14:hiddenEffects xmlns:a14="http://schemas.microsoft.com/office/drawing/2010/main">
+                <a:effectLst>
+                  <a:outerShdw dist="35921" dir="2700000" algn="ctr" rotWithShape="0">
+                    <a:schemeClr val="bg2"/>
+                  </a:outerShdw>
+                </a:effectLst>
+              </a14:hiddenEffects>
+            </a:ext>
+          </a:extLst>
+        </p:spPr>
+      </p:pic>
     </p:spTree>
     <p:extLst>
       <p:ext uri="{BB962C8B-B14F-4D97-AF65-F5344CB8AC3E}">
         <p14:creationId xmlns:p14="http://schemas.microsoft.com/office/powerpoint/2010/main" val="601127566"/>
+      </p:ext>
+    </p:extLst>
+  </p:cSld>
+  <p:clrMapOvr>
+    <a:masterClrMapping/>
+  </p:clrMapOvr>
+  <p:timing>
+    <p:tnLst>
+      <p:par>
+        <p:cTn id="1" dur="indefinite" restart="never" nodeType="tmRoot"/>
+      </p:par>
+    </p:tnLst>
+  </p:timing>
+</p:sld>
+</file>
+
+<file path=ppt/slides/slide15.xml><?xml version="1.0" encoding="utf-8"?>
+<p:sld xmlns:a="http://schemas.openxmlformats.org/drawingml/2006/main" xmlns:r="http://schemas.openxmlformats.org/officeDocument/2006/relationships" xmlns:p="http://schemas.openxmlformats.org/presentationml/2006/main">
+  <p:cSld>
+    <p:spTree>
+      <p:nvGrpSpPr>
+        <p:cNvPr id="1" name=""/>
+        <p:cNvGrpSpPr/>
+        <p:nvPr/>
+      </p:nvGrpSpPr>
+      <p:grpSpPr>
+        <a:xfrm>
+          <a:off x="0" y="0"/>
+          <a:ext cx="0" cy="0"/>
+          <a:chOff x="0" y="0"/>
+          <a:chExt cx="0" cy="0"/>
+        </a:xfrm>
+      </p:grpSpPr>
+      <p:sp>
+        <p:nvSpPr>
+          <p:cNvPr id="2" name="Title 1"/>
+          <p:cNvSpPr>
+            <a:spLocks noGrp="1"/>
+          </p:cNvSpPr>
+          <p:nvPr>
+            <p:ph type="title"/>
+          </p:nvPr>
+        </p:nvSpPr>
+        <p:spPr/>
+        <p:txBody>
+          <a:bodyPr/>
+          <a:lstStyle/>
+          <a:p>
+            <a:r>
+              <a:rPr lang="en-US" dirty="0" smtClean="0"/>
+              <a:t>Props - </a:t>
+            </a:r>
+            <a:r>
+              <a:rPr lang="en-US" dirty="0" err="1" smtClean="0"/>
+              <a:t>getDefaultProps</a:t>
+            </a:r>
+            <a:endParaRPr lang="en-US" dirty="0"/>
+          </a:p>
+        </p:txBody>
+      </p:sp>
+      <p:sp>
+        <p:nvSpPr>
+          <p:cNvPr id="3" name="Rectangle 5"/>
+          <p:cNvSpPr txBox="1">
+            <a:spLocks noChangeArrowheads="1"/>
+          </p:cNvSpPr>
+          <p:nvPr/>
+        </p:nvSpPr>
+        <p:spPr>
+          <a:xfrm>
+            <a:off x="457200" y="1600200"/>
+            <a:ext cx="8075613" cy="4525963"/>
+          </a:xfrm>
+          <a:prstGeom prst="rect">
+            <a:avLst/>
+          </a:prstGeom>
+          <a:noFill/>
+          <a:ln/>
+        </p:spPr>
+        <p:txBody>
+          <a:bodyPr/>
+          <a:lstStyle>
+            <a:lvl1pPr marL="342900" indent="-342900" algn="l" rtl="0" eaLnBrk="1" fontAlgn="base" hangingPunct="1">
+              <a:spcBef>
+                <a:spcPct val="20000"/>
+              </a:spcBef>
+              <a:spcAft>
+                <a:spcPct val="0"/>
+              </a:spcAft>
+              <a:buClr>
+                <a:schemeClr val="hlink"/>
+              </a:buClr>
+              <a:buFont typeface="Wingdings" pitchFamily="2" charset="2"/>
+              <a:buChar char="v"/>
+              <a:defRPr sz="2800" b="1">
+                <a:solidFill>
+                  <a:schemeClr val="tx1"/>
+                </a:solidFill>
+                <a:latin typeface="Tahoma" pitchFamily="34" charset="0"/>
+                <a:ea typeface="+mn-ea"/>
+                <a:cs typeface="Tahoma" pitchFamily="34" charset="0"/>
+              </a:defRPr>
+            </a:lvl1pPr>
+            <a:lvl2pPr marL="742950" indent="-285750" algn="l" rtl="0" eaLnBrk="1" fontAlgn="base" hangingPunct="1">
+              <a:spcBef>
+                <a:spcPct val="20000"/>
+              </a:spcBef>
+              <a:spcAft>
+                <a:spcPct val="0"/>
+              </a:spcAft>
+              <a:buClr>
+                <a:schemeClr val="accent1"/>
+              </a:buClr>
+              <a:buFont typeface="Wingdings" pitchFamily="2" charset="2"/>
+              <a:buChar char="§"/>
+              <a:defRPr sz="2800">
+                <a:solidFill>
+                  <a:schemeClr val="tx1"/>
+                </a:solidFill>
+                <a:latin typeface="Tahoma" pitchFamily="34" charset="0"/>
+                <a:cs typeface="Tahoma" pitchFamily="34" charset="0"/>
+              </a:defRPr>
+            </a:lvl2pPr>
+            <a:lvl3pPr marL="1143000" indent="-228600" algn="l" rtl="0" eaLnBrk="1" fontAlgn="base" hangingPunct="1">
+              <a:spcBef>
+                <a:spcPct val="20000"/>
+              </a:spcBef>
+              <a:spcAft>
+                <a:spcPct val="0"/>
+              </a:spcAft>
+              <a:buClr>
+                <a:schemeClr val="tx1"/>
+              </a:buClr>
+              <a:buChar char="•"/>
+              <a:defRPr sz="2400">
+                <a:solidFill>
+                  <a:schemeClr val="tx1"/>
+                </a:solidFill>
+                <a:latin typeface="Tahoma" pitchFamily="34" charset="0"/>
+                <a:cs typeface="Tahoma" pitchFamily="34" charset="0"/>
+              </a:defRPr>
+            </a:lvl3pPr>
+            <a:lvl4pPr marL="1600200" indent="-228600" algn="l" rtl="0" eaLnBrk="1" fontAlgn="base" hangingPunct="1">
+              <a:spcBef>
+                <a:spcPct val="20000"/>
+              </a:spcBef>
+              <a:spcAft>
+                <a:spcPct val="0"/>
+              </a:spcAft>
+              <a:buChar char="–"/>
+              <a:defRPr sz="2000">
+                <a:solidFill>
+                  <a:schemeClr val="tx1"/>
+                </a:solidFill>
+                <a:latin typeface="Tahoma" pitchFamily="34" charset="0"/>
+                <a:cs typeface="Tahoma" pitchFamily="34" charset="0"/>
+              </a:defRPr>
+            </a:lvl4pPr>
+            <a:lvl5pPr marL="2057400" indent="-228600" algn="l" rtl="0" eaLnBrk="1" fontAlgn="base" hangingPunct="1">
+              <a:spcBef>
+                <a:spcPct val="20000"/>
+              </a:spcBef>
+              <a:spcAft>
+                <a:spcPct val="0"/>
+              </a:spcAft>
+              <a:buChar char="»"/>
+              <a:defRPr sz="2000">
+                <a:solidFill>
+                  <a:schemeClr val="tx1"/>
+                </a:solidFill>
+                <a:latin typeface="Tahoma" pitchFamily="34" charset="0"/>
+                <a:cs typeface="Tahoma" pitchFamily="34" charset="0"/>
+              </a:defRPr>
+            </a:lvl5pPr>
+            <a:lvl6pPr marL="2514600" indent="-228600" algn="l" rtl="0" eaLnBrk="1" fontAlgn="base" hangingPunct="1">
+              <a:spcBef>
+                <a:spcPct val="20000"/>
+              </a:spcBef>
+              <a:spcAft>
+                <a:spcPct val="0"/>
+              </a:spcAft>
+              <a:buChar char="»"/>
+              <a:defRPr sz="2000">
+                <a:solidFill>
+                  <a:schemeClr val="tx1"/>
+                </a:solidFill>
+                <a:latin typeface="Arial" charset="0"/>
+              </a:defRPr>
+            </a:lvl6pPr>
+            <a:lvl7pPr marL="2971800" indent="-228600" algn="l" rtl="0" eaLnBrk="1" fontAlgn="base" hangingPunct="1">
+              <a:spcBef>
+                <a:spcPct val="20000"/>
+              </a:spcBef>
+              <a:spcAft>
+                <a:spcPct val="0"/>
+              </a:spcAft>
+              <a:buChar char="»"/>
+              <a:defRPr sz="2000">
+                <a:solidFill>
+                  <a:schemeClr val="tx1"/>
+                </a:solidFill>
+                <a:latin typeface="Arial" charset="0"/>
+              </a:defRPr>
+            </a:lvl7pPr>
+            <a:lvl8pPr marL="3429000" indent="-228600" algn="l" rtl="0" eaLnBrk="1" fontAlgn="base" hangingPunct="1">
+              <a:spcBef>
+                <a:spcPct val="20000"/>
+              </a:spcBef>
+              <a:spcAft>
+                <a:spcPct val="0"/>
+              </a:spcAft>
+              <a:buChar char="»"/>
+              <a:defRPr sz="2000">
+                <a:solidFill>
+                  <a:schemeClr val="tx1"/>
+                </a:solidFill>
+                <a:latin typeface="Arial" charset="0"/>
+              </a:defRPr>
+            </a:lvl8pPr>
+            <a:lvl9pPr marL="3886200" indent="-228600" algn="l" rtl="0" eaLnBrk="1" fontAlgn="base" hangingPunct="1">
+              <a:spcBef>
+                <a:spcPct val="20000"/>
+              </a:spcBef>
+              <a:spcAft>
+                <a:spcPct val="0"/>
+              </a:spcAft>
+              <a:buChar char="»"/>
+              <a:defRPr sz="2000">
+                <a:solidFill>
+                  <a:schemeClr val="tx1"/>
+                </a:solidFill>
+                <a:latin typeface="Arial" charset="0"/>
+              </a:defRPr>
+            </a:lvl9pPr>
+          </a:lstStyle>
+          <a:p>
+            <a:pPr lvl="1">
+              <a:spcAft>
+                <a:spcPts val="600"/>
+              </a:spcAft>
+            </a:pPr>
+            <a:r>
+              <a:rPr lang="en-US" sz="2400" dirty="0" smtClean="0">
+                <a:sym typeface="Wingdings" panose="05000000000000000000" pitchFamily="2" charset="2"/>
+              </a:rPr>
+              <a:t>Specify property values to </a:t>
+            </a:r>
+            <a:r>
+              <a:rPr lang="en-US" sz="2400" dirty="0" smtClean="0">
+                <a:sym typeface="Wingdings" panose="05000000000000000000" pitchFamily="2" charset="2"/>
+              </a:rPr>
+              <a:t>use if they are not explicitly supplied.</a:t>
+            </a:r>
+            <a:endParaRPr lang="en-US" sz="2400" i="1" dirty="0" smtClean="0">
+              <a:solidFill>
+                <a:schemeClr val="tx1">
+                  <a:lumMod val="40000"/>
+                  <a:lumOff val="60000"/>
+                </a:schemeClr>
+              </a:solidFill>
+              <a:sym typeface="Wingdings" panose="05000000000000000000" pitchFamily="2" charset="2"/>
+            </a:endParaRPr>
+          </a:p>
+        </p:txBody>
+      </p:sp>
+      <p:pic>
+        <p:nvPicPr>
+          <p:cNvPr id="2050" name="Picture 2"/>
+          <p:cNvPicPr>
+            <a:picLocks noChangeAspect="1" noChangeArrowheads="1"/>
+          </p:cNvPicPr>
+          <p:nvPr/>
+        </p:nvPicPr>
+        <p:blipFill>
+          <a:blip r:embed="rId3">
+            <a:extLst>
+              <a:ext uri="{28A0092B-C50C-407E-A947-70E740481C1C}">
+                <a14:useLocalDpi xmlns:a14="http://schemas.microsoft.com/office/drawing/2010/main" val="0"/>
+              </a:ext>
+            </a:extLst>
+          </a:blip>
+          <a:srcRect/>
+          <a:stretch>
+            <a:fillRect/>
+          </a:stretch>
+        </p:blipFill>
+        <p:spPr bwMode="auto">
+          <a:xfrm>
+            <a:off x="1295399" y="2743200"/>
+            <a:ext cx="6525547" cy="2819400"/>
+          </a:xfrm>
+          <a:prstGeom prst="rect">
+            <a:avLst/>
+          </a:prstGeom>
+          <a:noFill/>
+          <a:ln>
+            <a:noFill/>
+          </a:ln>
+          <a:effectLst/>
+          <a:extLst>
+            <a:ext uri="{909E8E84-426E-40DD-AFC4-6F175D3DCCD1}">
+              <a14:hiddenFill xmlns:a14="http://schemas.microsoft.com/office/drawing/2010/main">
+                <a:solidFill>
+                  <a:schemeClr val="accent1"/>
+                </a:solidFill>
+              </a14:hiddenFill>
+            </a:ext>
+            <a:ext uri="{91240B29-F687-4F45-9708-019B960494DF}">
+              <a14:hiddenLine xmlns:a14="http://schemas.microsoft.com/office/drawing/2010/main" w="9525">
+                <a:solidFill>
+                  <a:schemeClr val="tx1"/>
+                </a:solidFill>
+                <a:miter lim="800000"/>
+                <a:headEnd/>
+                <a:tailEnd/>
+              </a14:hiddenLine>
+            </a:ext>
+            <a:ext uri="{AF507438-7753-43E0-B8FC-AC1667EBCBE1}">
+              <a14:hiddenEffects xmlns:a14="http://schemas.microsoft.com/office/drawing/2010/main">
+                <a:effectLst>
+                  <a:outerShdw dist="35921" dir="2700000" algn="ctr" rotWithShape="0">
+                    <a:schemeClr val="bg2"/>
+                  </a:outerShdw>
+                </a:effectLst>
+              </a14:hiddenEffects>
+            </a:ext>
+          </a:extLst>
+        </p:spPr>
+      </p:pic>
+    </p:spTree>
+    <p:extLst>
+      <p:ext uri="{BB962C8B-B14F-4D97-AF65-F5344CB8AC3E}">
+        <p14:creationId xmlns:p14="http://schemas.microsoft.com/office/powerpoint/2010/main" val="3838464162"/>
+      </p:ext>
+    </p:extLst>
+  </p:cSld>
+  <p:clrMapOvr>
+    <a:masterClrMapping/>
+  </p:clrMapOvr>
+  <p:timing>
+    <p:tnLst>
+      <p:par>
+        <p:cTn id="1" dur="indefinite" restart="never" nodeType="tmRoot"/>
+      </p:par>
+    </p:tnLst>
+  </p:timing>
+</p:sld>
+</file>
+
+<file path=ppt/slides/slide16.xml><?xml version="1.0" encoding="utf-8"?>
+<p:sld xmlns:a="http://schemas.openxmlformats.org/drawingml/2006/main" xmlns:r="http://schemas.openxmlformats.org/officeDocument/2006/relationships" xmlns:p="http://schemas.openxmlformats.org/presentationml/2006/main">
+  <p:cSld>
+    <p:spTree>
+      <p:nvGrpSpPr>
+        <p:cNvPr id="1" name=""/>
+        <p:cNvGrpSpPr/>
+        <p:nvPr/>
+      </p:nvGrpSpPr>
+      <p:grpSpPr>
+        <a:xfrm>
+          <a:off x="0" y="0"/>
+          <a:ext cx="0" cy="0"/>
+          <a:chOff x="0" y="0"/>
+          <a:chExt cx="0" cy="0"/>
+        </a:xfrm>
+      </p:grpSpPr>
+      <p:sp>
+        <p:nvSpPr>
+          <p:cNvPr id="2" name="Title 1"/>
+          <p:cNvSpPr>
+            <a:spLocks noGrp="1"/>
+          </p:cNvSpPr>
+          <p:nvPr>
+            <p:ph type="title"/>
+          </p:nvPr>
+        </p:nvSpPr>
+        <p:spPr/>
+        <p:txBody>
+          <a:bodyPr/>
+          <a:lstStyle/>
+          <a:p>
+            <a:r>
+              <a:rPr lang="en-US" dirty="0" smtClean="0"/>
+              <a:t>Props – Validation properties</a:t>
+            </a:r>
+            <a:endParaRPr lang="en-US" dirty="0"/>
+          </a:p>
+        </p:txBody>
+      </p:sp>
+      <p:sp>
+        <p:nvSpPr>
+          <p:cNvPr id="3" name="Rectangle 5"/>
+          <p:cNvSpPr txBox="1">
+            <a:spLocks noChangeArrowheads="1"/>
+          </p:cNvSpPr>
+          <p:nvPr/>
+        </p:nvSpPr>
+        <p:spPr>
+          <a:xfrm>
+            <a:off x="457200" y="1600200"/>
+            <a:ext cx="8075613" cy="4525963"/>
+          </a:xfrm>
+          <a:prstGeom prst="rect">
+            <a:avLst/>
+          </a:prstGeom>
+          <a:noFill/>
+          <a:ln/>
+        </p:spPr>
+        <p:txBody>
+          <a:bodyPr/>
+          <a:lstStyle>
+            <a:lvl1pPr marL="342900" indent="-342900" algn="l" rtl="0" eaLnBrk="1" fontAlgn="base" hangingPunct="1">
+              <a:spcBef>
+                <a:spcPct val="20000"/>
+              </a:spcBef>
+              <a:spcAft>
+                <a:spcPct val="0"/>
+              </a:spcAft>
+              <a:buClr>
+                <a:schemeClr val="hlink"/>
+              </a:buClr>
+              <a:buFont typeface="Wingdings" pitchFamily="2" charset="2"/>
+              <a:buChar char="v"/>
+              <a:defRPr sz="2800" b="1">
+                <a:solidFill>
+                  <a:schemeClr val="tx1"/>
+                </a:solidFill>
+                <a:latin typeface="Tahoma" pitchFamily="34" charset="0"/>
+                <a:ea typeface="+mn-ea"/>
+                <a:cs typeface="Tahoma" pitchFamily="34" charset="0"/>
+              </a:defRPr>
+            </a:lvl1pPr>
+            <a:lvl2pPr marL="742950" indent="-285750" algn="l" rtl="0" eaLnBrk="1" fontAlgn="base" hangingPunct="1">
+              <a:spcBef>
+                <a:spcPct val="20000"/>
+              </a:spcBef>
+              <a:spcAft>
+                <a:spcPct val="0"/>
+              </a:spcAft>
+              <a:buClr>
+                <a:schemeClr val="accent1"/>
+              </a:buClr>
+              <a:buFont typeface="Wingdings" pitchFamily="2" charset="2"/>
+              <a:buChar char="§"/>
+              <a:defRPr sz="2800">
+                <a:solidFill>
+                  <a:schemeClr val="tx1"/>
+                </a:solidFill>
+                <a:latin typeface="Tahoma" pitchFamily="34" charset="0"/>
+                <a:cs typeface="Tahoma" pitchFamily="34" charset="0"/>
+              </a:defRPr>
+            </a:lvl2pPr>
+            <a:lvl3pPr marL="1143000" indent="-228600" algn="l" rtl="0" eaLnBrk="1" fontAlgn="base" hangingPunct="1">
+              <a:spcBef>
+                <a:spcPct val="20000"/>
+              </a:spcBef>
+              <a:spcAft>
+                <a:spcPct val="0"/>
+              </a:spcAft>
+              <a:buClr>
+                <a:schemeClr val="tx1"/>
+              </a:buClr>
+              <a:buChar char="•"/>
+              <a:defRPr sz="2400">
+                <a:solidFill>
+                  <a:schemeClr val="tx1"/>
+                </a:solidFill>
+                <a:latin typeface="Tahoma" pitchFamily="34" charset="0"/>
+                <a:cs typeface="Tahoma" pitchFamily="34" charset="0"/>
+              </a:defRPr>
+            </a:lvl3pPr>
+            <a:lvl4pPr marL="1600200" indent="-228600" algn="l" rtl="0" eaLnBrk="1" fontAlgn="base" hangingPunct="1">
+              <a:spcBef>
+                <a:spcPct val="20000"/>
+              </a:spcBef>
+              <a:spcAft>
+                <a:spcPct val="0"/>
+              </a:spcAft>
+              <a:buChar char="–"/>
+              <a:defRPr sz="2000">
+                <a:solidFill>
+                  <a:schemeClr val="tx1"/>
+                </a:solidFill>
+                <a:latin typeface="Tahoma" pitchFamily="34" charset="0"/>
+                <a:cs typeface="Tahoma" pitchFamily="34" charset="0"/>
+              </a:defRPr>
+            </a:lvl4pPr>
+            <a:lvl5pPr marL="2057400" indent="-228600" algn="l" rtl="0" eaLnBrk="1" fontAlgn="base" hangingPunct="1">
+              <a:spcBef>
+                <a:spcPct val="20000"/>
+              </a:spcBef>
+              <a:spcAft>
+                <a:spcPct val="0"/>
+              </a:spcAft>
+              <a:buChar char="»"/>
+              <a:defRPr sz="2000">
+                <a:solidFill>
+                  <a:schemeClr val="tx1"/>
+                </a:solidFill>
+                <a:latin typeface="Tahoma" pitchFamily="34" charset="0"/>
+                <a:cs typeface="Tahoma" pitchFamily="34" charset="0"/>
+              </a:defRPr>
+            </a:lvl5pPr>
+            <a:lvl6pPr marL="2514600" indent="-228600" algn="l" rtl="0" eaLnBrk="1" fontAlgn="base" hangingPunct="1">
+              <a:spcBef>
+                <a:spcPct val="20000"/>
+              </a:spcBef>
+              <a:spcAft>
+                <a:spcPct val="0"/>
+              </a:spcAft>
+              <a:buChar char="»"/>
+              <a:defRPr sz="2000">
+                <a:solidFill>
+                  <a:schemeClr val="tx1"/>
+                </a:solidFill>
+                <a:latin typeface="Arial" charset="0"/>
+              </a:defRPr>
+            </a:lvl6pPr>
+            <a:lvl7pPr marL="2971800" indent="-228600" algn="l" rtl="0" eaLnBrk="1" fontAlgn="base" hangingPunct="1">
+              <a:spcBef>
+                <a:spcPct val="20000"/>
+              </a:spcBef>
+              <a:spcAft>
+                <a:spcPct val="0"/>
+              </a:spcAft>
+              <a:buChar char="»"/>
+              <a:defRPr sz="2000">
+                <a:solidFill>
+                  <a:schemeClr val="tx1"/>
+                </a:solidFill>
+                <a:latin typeface="Arial" charset="0"/>
+              </a:defRPr>
+            </a:lvl7pPr>
+            <a:lvl8pPr marL="3429000" indent="-228600" algn="l" rtl="0" eaLnBrk="1" fontAlgn="base" hangingPunct="1">
+              <a:spcBef>
+                <a:spcPct val="20000"/>
+              </a:spcBef>
+              <a:spcAft>
+                <a:spcPct val="0"/>
+              </a:spcAft>
+              <a:buChar char="»"/>
+              <a:defRPr sz="2000">
+                <a:solidFill>
+                  <a:schemeClr val="tx1"/>
+                </a:solidFill>
+                <a:latin typeface="Arial" charset="0"/>
+              </a:defRPr>
+            </a:lvl8pPr>
+            <a:lvl9pPr marL="3886200" indent="-228600" algn="l" rtl="0" eaLnBrk="1" fontAlgn="base" hangingPunct="1">
+              <a:spcBef>
+                <a:spcPct val="20000"/>
+              </a:spcBef>
+              <a:spcAft>
+                <a:spcPct val="0"/>
+              </a:spcAft>
+              <a:buChar char="»"/>
+              <a:defRPr sz="2000">
+                <a:solidFill>
+                  <a:schemeClr val="tx1"/>
+                </a:solidFill>
+                <a:latin typeface="Arial" charset="0"/>
+              </a:defRPr>
+            </a:lvl9pPr>
+          </a:lstStyle>
+          <a:p>
+            <a:pPr lvl="1">
+              <a:spcAft>
+                <a:spcPts val="600"/>
+              </a:spcAft>
+            </a:pPr>
+            <a:r>
+              <a:rPr lang="en-US" sz="2400" smtClean="0">
+                <a:sym typeface="Wingdings" panose="05000000000000000000" pitchFamily="2" charset="2"/>
+              </a:rPr>
+              <a:t>S</a:t>
+            </a:r>
+            <a:endParaRPr lang="en-US" sz="2400" i="1" dirty="0" smtClean="0">
+              <a:solidFill>
+                <a:schemeClr val="tx1">
+                  <a:lumMod val="40000"/>
+                  <a:lumOff val="60000"/>
+                </a:schemeClr>
+              </a:solidFill>
+              <a:sym typeface="Wingdings" panose="05000000000000000000" pitchFamily="2" charset="2"/>
+            </a:endParaRPr>
+          </a:p>
+        </p:txBody>
+      </p:sp>
+    </p:spTree>
+    <p:extLst>
+      <p:ext uri="{BB962C8B-B14F-4D97-AF65-F5344CB8AC3E}">
+        <p14:creationId xmlns:p14="http://schemas.microsoft.com/office/powerpoint/2010/main" val="1568801820"/>
       </p:ext>
     </p:extLst>
   </p:cSld>
@@ -11291,11 +12116,7 @@
             </a:r>
             <a:r>
               <a:rPr lang="en-US" sz="2400" dirty="0" smtClean="0"/>
-              <a:t>UI</a:t>
-            </a:r>
-            <a:r>
-              <a:rPr lang="en-US" sz="2400" dirty="0" smtClean="0"/>
-              <a:t>.</a:t>
+              <a:t>UI.</a:t>
             </a:r>
           </a:p>
           <a:p>
@@ -11316,7 +12137,6 @@
               <a:rPr lang="en-US" sz="2400" dirty="0"/>
               <a:t>large applications with data that changes over time.</a:t>
             </a:r>
-            <a:endParaRPr lang="en-US" sz="2400" dirty="0"/>
           </a:p>
           <a:p>
             <a:pPr lvl="1">
@@ -11994,7 +12814,6 @@
               <a:rPr lang="en-US" sz="2400" dirty="0" smtClean="0"/>
               <a:t>Elements</a:t>
             </a:r>
-            <a:endParaRPr lang="en-US" sz="2400" dirty="0" smtClean="0"/>
           </a:p>
           <a:p>
             <a:pPr lvl="1">
@@ -12010,7 +12829,6 @@
               <a:rPr lang="en-US" sz="2400" dirty="0" smtClean="0"/>
               <a:t>Components</a:t>
             </a:r>
-            <a:endParaRPr lang="en-US" sz="2400" dirty="0" smtClean="0"/>
           </a:p>
           <a:p>
             <a:pPr lvl="1">
@@ -12022,7 +12840,6 @@
               <a:rPr lang="en-US" sz="2400" dirty="0" smtClean="0"/>
               <a:t>Props</a:t>
             </a:r>
-            <a:endParaRPr lang="en-US" sz="2400" dirty="0" smtClean="0"/>
           </a:p>
           <a:p>
             <a:pPr lvl="1">

--- a/React_Slide.pptx
+++ b/React_Slide.pptx
@@ -5,7 +5,7 @@
     <p:sldMasterId id="2147483660" r:id="rId1"/>
   </p:sldMasterIdLst>
   <p:notesMasterIdLst>
-    <p:notesMasterId r:id="rId18"/>
+    <p:notesMasterId r:id="rId20"/>
   </p:notesMasterIdLst>
   <p:sldIdLst>
     <p:sldId id="256" r:id="rId2"/>
@@ -24,6 +24,8 @@
     <p:sldId id="272" r:id="rId15"/>
     <p:sldId id="273" r:id="rId16"/>
     <p:sldId id="274" r:id="rId17"/>
+    <p:sldId id="275" r:id="rId18"/>
+    <p:sldId id="277" r:id="rId19"/>
   </p:sldIdLst>
   <p:sldSz cx="9144000" cy="6858000" type="screen4x3"/>
   <p:notesSz cx="6858000" cy="9144000"/>
@@ -124,7 +126,7 @@
   </p:defaultTextStyle>
   <p:extLst>
     <p:ext uri="{EFAFB233-063F-42B5-8137-9DF3F51BA10A}">
-      <p15:sldGuideLst xmlns="" xmlns:p15="http://schemas.microsoft.com/office/powerpoint/2012/main">
+      <p15:sldGuideLst xmlns:p15="http://schemas.microsoft.com/office/powerpoint/2012/main">
         <p15:guide id="1" orient="horz" pos="2160">
           <p15:clr>
             <a:srgbClr val="A4A3A4"/>
@@ -876,6 +878,140 @@
           <a:bodyPr/>
           <a:lstStyle/>
           <a:p>
+            <a:r>
+              <a:rPr lang="en-US" sz="1200" b="0" i="0" kern="1200" dirty="0" smtClean="0">
+                <a:solidFill>
+                  <a:schemeClr val="tx1"/>
+                </a:solidFill>
+                <a:effectLst/>
+                <a:latin typeface="+mn-lt"/>
+                <a:ea typeface="+mn-ea"/>
+                <a:cs typeface="+mn-cs"/>
+              </a:rPr>
+              <a:t>In React each component is well encapsulated and maintains its own state (if </a:t>
+            </a:r>
+            <a:r>
+              <a:rPr lang="en-US" sz="1200" b="0" i="0" kern="1200" dirty="0" err="1" smtClean="0">
+                <a:solidFill>
+                  <a:schemeClr val="tx1"/>
+                </a:solidFill>
+                <a:effectLst/>
+                <a:latin typeface="+mn-lt"/>
+                <a:ea typeface="+mn-ea"/>
+                <a:cs typeface="+mn-cs"/>
+              </a:rPr>
+              <a:t>stateful</a:t>
+            </a:r>
+            <a:r>
+              <a:rPr lang="en-US" sz="1200" b="0" i="0" kern="1200" dirty="0" smtClean="0">
+                <a:solidFill>
+                  <a:schemeClr val="tx1"/>
+                </a:solidFill>
+                <a:effectLst/>
+                <a:latin typeface="+mn-lt"/>
+                <a:ea typeface="+mn-ea"/>
+                <a:cs typeface="+mn-cs"/>
+              </a:rPr>
+              <a:t>). A </a:t>
+            </a:r>
+            <a:r>
+              <a:rPr lang="en-US" sz="1200" b="0" i="0" kern="1200" dirty="0" err="1" smtClean="0">
+                <a:solidFill>
+                  <a:schemeClr val="tx1"/>
+                </a:solidFill>
+                <a:effectLst/>
+                <a:latin typeface="+mn-lt"/>
+                <a:ea typeface="+mn-ea"/>
+                <a:cs typeface="+mn-cs"/>
+              </a:rPr>
+              <a:t>stateful</a:t>
+            </a:r>
+            <a:r>
+              <a:rPr lang="en-US" sz="1200" b="0" i="0" kern="1200" dirty="0" smtClean="0">
+                <a:solidFill>
+                  <a:schemeClr val="tx1"/>
+                </a:solidFill>
+                <a:effectLst/>
+                <a:latin typeface="+mn-lt"/>
+                <a:ea typeface="+mn-ea"/>
+                <a:cs typeface="+mn-cs"/>
+              </a:rPr>
+              <a:t> component can store a value in its state and pass it to its child components via </a:t>
+            </a:r>
+            <a:r>
+              <a:rPr lang="en-US" dirty="0" smtClean="0"/>
+              <a:t>props</a:t>
+            </a:r>
+            <a:r>
+              <a:rPr lang="en-US" sz="1200" b="0" i="0" kern="1200" dirty="0" smtClean="0">
+                <a:solidFill>
+                  <a:schemeClr val="tx1"/>
+                </a:solidFill>
+                <a:effectLst/>
+                <a:latin typeface="+mn-lt"/>
+                <a:ea typeface="+mn-ea"/>
+                <a:cs typeface="+mn-cs"/>
+              </a:rPr>
+              <a:t>. This ensures that whenever a component’s state changes, the </a:t>
+            </a:r>
+            <a:r>
+              <a:rPr lang="en-US" dirty="0" smtClean="0"/>
+              <a:t>props</a:t>
+            </a:r>
+            <a:r>
+              <a:rPr lang="en-US" sz="1200" b="0" i="0" kern="1200" dirty="0" smtClean="0">
+                <a:solidFill>
+                  <a:schemeClr val="tx1"/>
+                </a:solidFill>
+                <a:effectLst/>
+                <a:latin typeface="+mn-lt"/>
+                <a:ea typeface="+mn-ea"/>
+                <a:cs typeface="+mn-cs"/>
+              </a:rPr>
+              <a:t> also change. As a result the child components that depend on these </a:t>
+            </a:r>
+            <a:r>
+              <a:rPr lang="en-US" dirty="0" smtClean="0"/>
+              <a:t>props</a:t>
+            </a:r>
+            <a:r>
+              <a:rPr lang="en-US" sz="1200" b="0" i="0" kern="1200" dirty="0" smtClean="0">
+                <a:solidFill>
+                  <a:schemeClr val="tx1"/>
+                </a:solidFill>
+                <a:effectLst/>
+                <a:latin typeface="+mn-lt"/>
+                <a:ea typeface="+mn-ea"/>
+                <a:cs typeface="+mn-cs"/>
+              </a:rPr>
+              <a:t> re-render themselves automatically.</a:t>
+            </a:r>
+          </a:p>
+          <a:p>
+            <a:r>
+              <a:rPr lang="en-US" sz="1200" b="0" i="0" kern="1200" dirty="0" smtClean="0">
+                <a:solidFill>
+                  <a:schemeClr val="tx1"/>
+                </a:solidFill>
+                <a:effectLst/>
+                <a:latin typeface="+mn-lt"/>
+                <a:ea typeface="+mn-ea"/>
+                <a:cs typeface="+mn-cs"/>
+              </a:rPr>
+              <a:t>You could say the state is </a:t>
+            </a:r>
+            <a:r>
+              <a:rPr lang="en-US" sz="1200" b="1" i="0" kern="1200" dirty="0" smtClean="0">
+                <a:solidFill>
+                  <a:schemeClr val="tx1"/>
+                </a:solidFill>
+                <a:effectLst/>
+                <a:latin typeface="+mn-lt"/>
+                <a:ea typeface="+mn-ea"/>
+                <a:cs typeface="+mn-cs"/>
+              </a:rPr>
+              <a:t>private.</a:t>
+            </a:r>
             <a:endParaRPr lang="en-US" dirty="0"/>
           </a:p>
         </p:txBody>
@@ -906,7 +1042,443 @@
     </p:spTree>
     <p:extLst>
       <p:ext uri="{BB962C8B-B14F-4D97-AF65-F5344CB8AC3E}">
-        <p14:creationId xmlns:p14="http://schemas.microsoft.com/office/powerpoint/2010/main" val="898643330"/>
+        <p14:creationId xmlns:p14="http://schemas.microsoft.com/office/powerpoint/2010/main" val="3704078898"/>
+      </p:ext>
+    </p:extLst>
+  </p:cSld>
+  <p:clrMapOvr>
+    <a:masterClrMapping/>
+  </p:clrMapOvr>
+</p:notes>
+</file>
+
+<file path=ppt/notesSlides/notesSlide12.xml><?xml version="1.0" encoding="utf-8"?>
+<p:notes xmlns:a="http://schemas.openxmlformats.org/drawingml/2006/main" xmlns:r="http://schemas.openxmlformats.org/officeDocument/2006/relationships" xmlns:p="http://schemas.openxmlformats.org/presentationml/2006/main">
+  <p:cSld>
+    <p:spTree>
+      <p:nvGrpSpPr>
+        <p:cNvPr id="1" name=""/>
+        <p:cNvGrpSpPr/>
+        <p:nvPr/>
+      </p:nvGrpSpPr>
+      <p:grpSpPr>
+        <a:xfrm>
+          <a:off x="0" y="0"/>
+          <a:ext cx="0" cy="0"/>
+          <a:chOff x="0" y="0"/>
+          <a:chExt cx="0" cy="0"/>
+        </a:xfrm>
+      </p:grpSpPr>
+      <p:sp>
+        <p:nvSpPr>
+          <p:cNvPr id="2" name="Slide Image Placeholder 1"/>
+          <p:cNvSpPr>
+            <a:spLocks noGrp="1" noRot="1" noChangeAspect="1"/>
+          </p:cNvSpPr>
+          <p:nvPr>
+            <p:ph type="sldImg"/>
+          </p:nvPr>
+        </p:nvSpPr>
+        <p:spPr/>
+      </p:sp>
+      <p:sp>
+        <p:nvSpPr>
+          <p:cNvPr id="3" name="Notes Placeholder 2"/>
+          <p:cNvSpPr>
+            <a:spLocks noGrp="1"/>
+          </p:cNvSpPr>
+          <p:nvPr>
+            <p:ph type="body" idx="1"/>
+          </p:nvPr>
+        </p:nvSpPr>
+        <p:spPr/>
+        <p:txBody>
+          <a:bodyPr/>
+          <a:lstStyle/>
+          <a:p>
+            <a:r>
+              <a:rPr lang="en-US" sz="1200" b="0" i="0" kern="1200" dirty="0" smtClean="0">
+                <a:solidFill>
+                  <a:schemeClr val="tx1"/>
+                </a:solidFill>
+                <a:effectLst/>
+                <a:latin typeface="+mn-lt"/>
+                <a:ea typeface="+mn-ea"/>
+                <a:cs typeface="+mn-cs"/>
+              </a:rPr>
+              <a:t>In React each component is well encapsulated and maintains its own state (if </a:t>
+            </a:r>
+            <a:r>
+              <a:rPr lang="en-US" sz="1200" b="0" i="0" kern="1200" dirty="0" err="1" smtClean="0">
+                <a:solidFill>
+                  <a:schemeClr val="tx1"/>
+                </a:solidFill>
+                <a:effectLst/>
+                <a:latin typeface="+mn-lt"/>
+                <a:ea typeface="+mn-ea"/>
+                <a:cs typeface="+mn-cs"/>
+              </a:rPr>
+              <a:t>stateful</a:t>
+            </a:r>
+            <a:r>
+              <a:rPr lang="en-US" sz="1200" b="0" i="0" kern="1200" dirty="0" smtClean="0">
+                <a:solidFill>
+                  <a:schemeClr val="tx1"/>
+                </a:solidFill>
+                <a:effectLst/>
+                <a:latin typeface="+mn-lt"/>
+                <a:ea typeface="+mn-ea"/>
+                <a:cs typeface="+mn-cs"/>
+              </a:rPr>
+              <a:t>). A </a:t>
+            </a:r>
+            <a:r>
+              <a:rPr lang="en-US" sz="1200" b="0" i="0" kern="1200" dirty="0" err="1" smtClean="0">
+                <a:solidFill>
+                  <a:schemeClr val="tx1"/>
+                </a:solidFill>
+                <a:effectLst/>
+                <a:latin typeface="+mn-lt"/>
+                <a:ea typeface="+mn-ea"/>
+                <a:cs typeface="+mn-cs"/>
+              </a:rPr>
+              <a:t>stateful</a:t>
+            </a:r>
+            <a:r>
+              <a:rPr lang="en-US" sz="1200" b="0" i="0" kern="1200" dirty="0" smtClean="0">
+                <a:solidFill>
+                  <a:schemeClr val="tx1"/>
+                </a:solidFill>
+                <a:effectLst/>
+                <a:latin typeface="+mn-lt"/>
+                <a:ea typeface="+mn-ea"/>
+                <a:cs typeface="+mn-cs"/>
+              </a:rPr>
+              <a:t> component can store a value in its state and pass it to its child components via </a:t>
+            </a:r>
+            <a:r>
+              <a:rPr lang="en-US" dirty="0" smtClean="0"/>
+              <a:t>props</a:t>
+            </a:r>
+            <a:r>
+              <a:rPr lang="en-US" sz="1200" b="0" i="0" kern="1200" dirty="0" smtClean="0">
+                <a:solidFill>
+                  <a:schemeClr val="tx1"/>
+                </a:solidFill>
+                <a:effectLst/>
+                <a:latin typeface="+mn-lt"/>
+                <a:ea typeface="+mn-ea"/>
+                <a:cs typeface="+mn-cs"/>
+              </a:rPr>
+              <a:t>. This ensures that whenever a component’s state changes, the </a:t>
+            </a:r>
+            <a:r>
+              <a:rPr lang="en-US" dirty="0" smtClean="0"/>
+              <a:t>props</a:t>
+            </a:r>
+            <a:r>
+              <a:rPr lang="en-US" sz="1200" b="0" i="0" kern="1200" dirty="0" smtClean="0">
+                <a:solidFill>
+                  <a:schemeClr val="tx1"/>
+                </a:solidFill>
+                <a:effectLst/>
+                <a:latin typeface="+mn-lt"/>
+                <a:ea typeface="+mn-ea"/>
+                <a:cs typeface="+mn-cs"/>
+              </a:rPr>
+              <a:t> also change. As a result the child components that depend on these </a:t>
+            </a:r>
+            <a:r>
+              <a:rPr lang="en-US" dirty="0" smtClean="0"/>
+              <a:t>props</a:t>
+            </a:r>
+            <a:r>
+              <a:rPr lang="en-US" sz="1200" b="0" i="0" kern="1200" dirty="0" smtClean="0">
+                <a:solidFill>
+                  <a:schemeClr val="tx1"/>
+                </a:solidFill>
+                <a:effectLst/>
+                <a:latin typeface="+mn-lt"/>
+                <a:ea typeface="+mn-ea"/>
+                <a:cs typeface="+mn-cs"/>
+              </a:rPr>
+              <a:t> re-render themselves automatically.</a:t>
+            </a:r>
+          </a:p>
+          <a:p>
+            <a:r>
+              <a:rPr lang="en-US" sz="1200" b="0" i="0" kern="1200" dirty="0" smtClean="0">
+                <a:solidFill>
+                  <a:schemeClr val="tx1"/>
+                </a:solidFill>
+                <a:effectLst/>
+                <a:latin typeface="+mn-lt"/>
+                <a:ea typeface="+mn-ea"/>
+                <a:cs typeface="+mn-cs"/>
+              </a:rPr>
+              <a:t>You could say the state is </a:t>
+            </a:r>
+            <a:r>
+              <a:rPr lang="en-US" sz="1200" b="1" i="0" kern="1200" dirty="0" smtClean="0">
+                <a:solidFill>
+                  <a:schemeClr val="tx1"/>
+                </a:solidFill>
+                <a:effectLst/>
+                <a:latin typeface="+mn-lt"/>
+                <a:ea typeface="+mn-ea"/>
+                <a:cs typeface="+mn-cs"/>
+              </a:rPr>
+              <a:t>private.</a:t>
+            </a:r>
+            <a:endParaRPr lang="en-US" dirty="0"/>
+          </a:p>
+        </p:txBody>
+      </p:sp>
+      <p:sp>
+        <p:nvSpPr>
+          <p:cNvPr id="4" name="Slide Number Placeholder 3"/>
+          <p:cNvSpPr>
+            <a:spLocks noGrp="1"/>
+          </p:cNvSpPr>
+          <p:nvPr>
+            <p:ph type="sldNum" sz="quarter" idx="10"/>
+          </p:nvPr>
+        </p:nvSpPr>
+        <p:spPr/>
+        <p:txBody>
+          <a:bodyPr/>
+          <a:lstStyle/>
+          <a:p>
+            <a:fld id="{47CA5B65-C32E-4594-82B5-5B950CCEF23B}" type="slidenum">
+              <a:rPr lang="en-US" smtClean="0"/>
+              <a:t>17</a:t>
+            </a:fld>
+            <a:endParaRPr lang="en-US"/>
+          </a:p>
+        </p:txBody>
+      </p:sp>
+    </p:spTree>
+    <p:extLst>
+      <p:ext uri="{BB962C8B-B14F-4D97-AF65-F5344CB8AC3E}">
+        <p14:creationId xmlns:p14="http://schemas.microsoft.com/office/powerpoint/2010/main" val="1224336219"/>
+      </p:ext>
+    </p:extLst>
+  </p:cSld>
+  <p:clrMapOvr>
+    <a:masterClrMapping/>
+  </p:clrMapOvr>
+</p:notes>
+</file>
+
+<file path=ppt/notesSlides/notesSlide13.xml><?xml version="1.0" encoding="utf-8"?>
+<p:notes xmlns:a="http://schemas.openxmlformats.org/drawingml/2006/main" xmlns:r="http://schemas.openxmlformats.org/officeDocument/2006/relationships" xmlns:p="http://schemas.openxmlformats.org/presentationml/2006/main">
+  <p:cSld>
+    <p:spTree>
+      <p:nvGrpSpPr>
+        <p:cNvPr id="1" name=""/>
+        <p:cNvGrpSpPr/>
+        <p:nvPr/>
+      </p:nvGrpSpPr>
+      <p:grpSpPr>
+        <a:xfrm>
+          <a:off x="0" y="0"/>
+          <a:ext cx="0" cy="0"/>
+          <a:chOff x="0" y="0"/>
+          <a:chExt cx="0" cy="0"/>
+        </a:xfrm>
+      </p:grpSpPr>
+      <p:sp>
+        <p:nvSpPr>
+          <p:cNvPr id="2" name="Slide Image Placeholder 1"/>
+          <p:cNvSpPr>
+            <a:spLocks noGrp="1" noRot="1" noChangeAspect="1"/>
+          </p:cNvSpPr>
+          <p:nvPr>
+            <p:ph type="sldImg"/>
+          </p:nvPr>
+        </p:nvSpPr>
+        <p:spPr/>
+      </p:sp>
+      <p:sp>
+        <p:nvSpPr>
+          <p:cNvPr id="3" name="Notes Placeholder 2"/>
+          <p:cNvSpPr>
+            <a:spLocks noGrp="1"/>
+          </p:cNvSpPr>
+          <p:nvPr>
+            <p:ph type="body" idx="1"/>
+          </p:nvPr>
+        </p:nvSpPr>
+        <p:spPr/>
+        <p:txBody>
+          <a:bodyPr/>
+          <a:lstStyle/>
+          <a:p>
+            <a:r>
+              <a:rPr lang="en-US" sz="1200" b="0" i="0" kern="1200" dirty="0" smtClean="0">
+                <a:solidFill>
+                  <a:schemeClr val="tx1"/>
+                </a:solidFill>
+                <a:effectLst/>
+                <a:latin typeface="+mn-lt"/>
+                <a:ea typeface="+mn-ea"/>
+                <a:cs typeface="+mn-cs"/>
+              </a:rPr>
+              <a:t>In React each component is well encapsulated and maintains its own state (if </a:t>
+            </a:r>
+            <a:r>
+              <a:rPr lang="en-US" sz="1200" b="0" i="0" kern="1200" dirty="0" err="1" smtClean="0">
+                <a:solidFill>
+                  <a:schemeClr val="tx1"/>
+                </a:solidFill>
+                <a:effectLst/>
+                <a:latin typeface="+mn-lt"/>
+                <a:ea typeface="+mn-ea"/>
+                <a:cs typeface="+mn-cs"/>
+              </a:rPr>
+              <a:t>stateful</a:t>
+            </a:r>
+            <a:r>
+              <a:rPr lang="en-US" sz="1200" b="0" i="0" kern="1200" dirty="0" smtClean="0">
+                <a:solidFill>
+                  <a:schemeClr val="tx1"/>
+                </a:solidFill>
+                <a:effectLst/>
+                <a:latin typeface="+mn-lt"/>
+                <a:ea typeface="+mn-ea"/>
+                <a:cs typeface="+mn-cs"/>
+              </a:rPr>
+              <a:t>). A </a:t>
+            </a:r>
+            <a:r>
+              <a:rPr lang="en-US" sz="1200" b="0" i="0" kern="1200" dirty="0" err="1" smtClean="0">
+                <a:solidFill>
+                  <a:schemeClr val="tx1"/>
+                </a:solidFill>
+                <a:effectLst/>
+                <a:latin typeface="+mn-lt"/>
+                <a:ea typeface="+mn-ea"/>
+                <a:cs typeface="+mn-cs"/>
+              </a:rPr>
+              <a:t>stateful</a:t>
+            </a:r>
+            <a:r>
+              <a:rPr lang="en-US" sz="1200" b="0" i="0" kern="1200" dirty="0" smtClean="0">
+                <a:solidFill>
+                  <a:schemeClr val="tx1"/>
+                </a:solidFill>
+                <a:effectLst/>
+                <a:latin typeface="+mn-lt"/>
+                <a:ea typeface="+mn-ea"/>
+                <a:cs typeface="+mn-cs"/>
+              </a:rPr>
+              <a:t> component can store a value in its state and pass it to its child components via </a:t>
+            </a:r>
+            <a:r>
+              <a:rPr lang="en-US" dirty="0" smtClean="0"/>
+              <a:t>props</a:t>
+            </a:r>
+            <a:r>
+              <a:rPr lang="en-US" sz="1200" b="0" i="0" kern="1200" dirty="0" smtClean="0">
+                <a:solidFill>
+                  <a:schemeClr val="tx1"/>
+                </a:solidFill>
+                <a:effectLst/>
+                <a:latin typeface="+mn-lt"/>
+                <a:ea typeface="+mn-ea"/>
+                <a:cs typeface="+mn-cs"/>
+              </a:rPr>
+              <a:t>. This ensures that whenever a component’s state changes, the </a:t>
+            </a:r>
+            <a:r>
+              <a:rPr lang="en-US" dirty="0" smtClean="0"/>
+              <a:t>props</a:t>
+            </a:r>
+            <a:r>
+              <a:rPr lang="en-US" sz="1200" b="0" i="0" kern="1200" dirty="0" smtClean="0">
+                <a:solidFill>
+                  <a:schemeClr val="tx1"/>
+                </a:solidFill>
+                <a:effectLst/>
+                <a:latin typeface="+mn-lt"/>
+                <a:ea typeface="+mn-ea"/>
+                <a:cs typeface="+mn-cs"/>
+              </a:rPr>
+              <a:t> also change. As a result the child components that depend on these </a:t>
+            </a:r>
+            <a:r>
+              <a:rPr lang="en-US" dirty="0" smtClean="0"/>
+              <a:t>props</a:t>
+            </a:r>
+            <a:r>
+              <a:rPr lang="en-US" sz="1200" b="0" i="0" kern="1200" dirty="0" smtClean="0">
+                <a:solidFill>
+                  <a:schemeClr val="tx1"/>
+                </a:solidFill>
+                <a:effectLst/>
+                <a:latin typeface="+mn-lt"/>
+                <a:ea typeface="+mn-ea"/>
+                <a:cs typeface="+mn-cs"/>
+              </a:rPr>
+              <a:t> re-render themselves automatically.</a:t>
+            </a:r>
+          </a:p>
+          <a:p>
+            <a:r>
+              <a:rPr lang="en-US" sz="1200" b="0" i="0" kern="1200" dirty="0" smtClean="0">
+                <a:solidFill>
+                  <a:schemeClr val="tx1"/>
+                </a:solidFill>
+                <a:effectLst/>
+                <a:latin typeface="+mn-lt"/>
+                <a:ea typeface="+mn-ea"/>
+                <a:cs typeface="+mn-cs"/>
+              </a:rPr>
+              <a:t>You could say the state is </a:t>
+            </a:r>
+            <a:r>
+              <a:rPr lang="en-US" sz="1200" b="1" i="0" kern="1200" dirty="0" smtClean="0">
+                <a:solidFill>
+                  <a:schemeClr val="tx1"/>
+                </a:solidFill>
+                <a:effectLst/>
+                <a:latin typeface="+mn-lt"/>
+                <a:ea typeface="+mn-ea"/>
+                <a:cs typeface="+mn-cs"/>
+              </a:rPr>
+              <a:t>private.</a:t>
+            </a:r>
+            <a:endParaRPr lang="en-US" dirty="0"/>
+          </a:p>
+        </p:txBody>
+      </p:sp>
+      <p:sp>
+        <p:nvSpPr>
+          <p:cNvPr id="4" name="Slide Number Placeholder 3"/>
+          <p:cNvSpPr>
+            <a:spLocks noGrp="1"/>
+          </p:cNvSpPr>
+          <p:nvPr>
+            <p:ph type="sldNum" sz="quarter" idx="10"/>
+          </p:nvPr>
+        </p:nvSpPr>
+        <p:spPr/>
+        <p:txBody>
+          <a:bodyPr/>
+          <a:lstStyle/>
+          <a:p>
+            <a:fld id="{47CA5B65-C32E-4594-82B5-5B950CCEF23B}" type="slidenum">
+              <a:rPr lang="en-US" smtClean="0"/>
+              <a:t>18</a:t>
+            </a:fld>
+            <a:endParaRPr lang="en-US"/>
+          </a:p>
+        </p:txBody>
+      </p:sp>
+    </p:spTree>
+    <p:extLst>
+      <p:ext uri="{BB962C8B-B14F-4D97-AF65-F5344CB8AC3E}">
+        <p14:creationId xmlns:p14="http://schemas.microsoft.com/office/powerpoint/2010/main" val="1044047736"/>
       </p:ext>
     </p:extLst>
   </p:cSld>
@@ -2065,75 +2637,16 @@
           <a:bodyPr/>
           <a:lstStyle/>
           <a:p>
-            <a:r>
-              <a:rPr lang="en-US" sz="1200" b="0" i="0" kern="1200" dirty="0" smtClean="0">
-                <a:solidFill>
-                  <a:schemeClr val="tx1"/>
-                </a:solidFill>
-                <a:effectLst/>
-                <a:latin typeface="+mn-lt"/>
-                <a:ea typeface="+mn-ea"/>
-                <a:cs typeface="+mn-cs"/>
-              </a:rPr>
-              <a:t>You can use React using only </a:t>
-            </a:r>
-            <a:r>
-              <a:rPr lang="en-US" dirty="0" err="1" smtClean="0"/>
-              <a:t>ReactElement</a:t>
-            </a:r>
-            <a:r>
-              <a:rPr lang="en-US" sz="1200" b="0" i="0" kern="1200" dirty="0" err="1" smtClean="0">
-                <a:solidFill>
-                  <a:schemeClr val="tx1"/>
-                </a:solidFill>
-                <a:effectLst/>
-                <a:latin typeface="+mn-lt"/>
-                <a:ea typeface="+mn-ea"/>
-                <a:cs typeface="+mn-cs"/>
-              </a:rPr>
-              <a:t>s</a:t>
-            </a:r>
-            <a:r>
-              <a:rPr lang="en-US" sz="1200" b="0" i="0" kern="1200" dirty="0" smtClean="0">
-                <a:solidFill>
-                  <a:schemeClr val="tx1"/>
-                </a:solidFill>
-                <a:effectLst/>
-                <a:latin typeface="+mn-lt"/>
-                <a:ea typeface="+mn-ea"/>
-                <a:cs typeface="+mn-cs"/>
-              </a:rPr>
-              <a:t> but to really take advantage of React, you'll want to use </a:t>
-            </a:r>
-            <a:r>
-              <a:rPr lang="en-US" dirty="0" err="1" smtClean="0"/>
-              <a:t>ReactComponent</a:t>
-            </a:r>
-            <a:r>
-              <a:rPr lang="en-US" sz="1200" b="0" i="0" kern="1200" dirty="0" err="1" smtClean="0">
-                <a:solidFill>
-                  <a:schemeClr val="tx1"/>
-                </a:solidFill>
-                <a:effectLst/>
-                <a:latin typeface="+mn-lt"/>
-                <a:ea typeface="+mn-ea"/>
-                <a:cs typeface="+mn-cs"/>
-              </a:rPr>
-              <a:t>s</a:t>
-            </a:r>
-            <a:r>
-              <a:rPr lang="en-US" sz="1200" b="0" i="0" kern="1200" dirty="0" smtClean="0">
-                <a:solidFill>
-                  <a:schemeClr val="tx1"/>
-                </a:solidFill>
-                <a:effectLst/>
-                <a:latin typeface="+mn-lt"/>
-                <a:ea typeface="+mn-ea"/>
-                <a:cs typeface="+mn-cs"/>
-              </a:rPr>
-              <a:t> to create encapsulations with embedded state.</a:t>
-            </a:r>
-            <a:endParaRPr lang="en-US" dirty="0"/>
+            <a:pPr lvl="1">
+              <a:spcAft>
+                <a:spcPts val="600"/>
+              </a:spcAft>
+            </a:pPr>
+            <a:r>
+              <a:rPr lang="en-US" sz="2400" dirty="0" smtClean="0"/>
+              <a:t>When we use our defined components, we can add attributes called props.</a:t>
+            </a:r>
+            <a:endParaRPr lang="en-US" sz="2400" dirty="0" smtClean="0"/>
           </a:p>
         </p:txBody>
       </p:sp>
@@ -10155,25 +10668,13 @@
               </a:spcAft>
             </a:pPr>
             <a:r>
-              <a:rPr lang="en-US" sz="2400" dirty="0"/>
-              <a:t>When we use our defined components, we can add attributes called props</a:t>
-            </a:r>
-            <a:r>
               <a:rPr lang="en-US" sz="2400" dirty="0" smtClean="0"/>
-              <a:t>.</a:t>
-            </a:r>
-          </a:p>
-          <a:p>
-            <a:pPr lvl="1">
-              <a:spcAft>
-                <a:spcPts val="600"/>
-              </a:spcAft>
-            </a:pPr>
+              <a:t>Props </a:t>
+            </a:r>
             <a:r>
               <a:rPr lang="en-US" sz="2400" dirty="0" smtClean="0"/>
-              <a:t>Props are supplied as attributes</a:t>
-            </a:r>
-            <a:endParaRPr lang="en-US" sz="2400" dirty="0" smtClean="0"/>
+              <a:t>are supplied as attributes</a:t>
+            </a:r>
           </a:p>
           <a:p>
             <a:pPr lvl="1">
@@ -10195,6 +10696,29 @@
                 </a:solidFill>
               </a:rPr>
               <a:t>this.props</a:t>
+            </a:r>
+            <a:endParaRPr lang="en-US" sz="2400" i="1" dirty="0" smtClean="0">
+              <a:solidFill>
+                <a:schemeClr val="tx1">
+                  <a:lumMod val="40000"/>
+                  <a:lumOff val="60000"/>
+                </a:schemeClr>
+              </a:solidFill>
+            </a:endParaRPr>
+          </a:p>
+          <a:p>
+            <a:pPr lvl="1">
+              <a:spcAft>
+                <a:spcPts val="600"/>
+              </a:spcAft>
+            </a:pPr>
+            <a:r>
+              <a:rPr lang="en-US" sz="2400" dirty="0"/>
+              <a:t>A Component cannot change its </a:t>
+            </a:r>
+            <a:r>
+              <a:rPr lang="en-US" sz="2400" i="1" dirty="0"/>
+              <a:t>props</a:t>
             </a:r>
             <a:endParaRPr lang="en-US" sz="2400" i="1" dirty="0" smtClean="0">
               <a:solidFill>
@@ -10246,7 +10770,7 @@
         </p:blipFill>
         <p:spPr bwMode="auto">
           <a:xfrm>
-            <a:off x="1019175" y="4076700"/>
+            <a:off x="1129229" y="3695700"/>
             <a:ext cx="6957626" cy="1485900"/>
           </a:xfrm>
           <a:prstGeom prst="rect">
@@ -10536,13 +11060,7 @@
               <a:rPr lang="en-US" sz="2400" dirty="0" smtClean="0">
                 <a:sym typeface="Wingdings" panose="05000000000000000000" pitchFamily="2" charset="2"/>
               </a:rPr>
-              <a:t>Specify property values to </a:t>
-            </a:r>
-            <a:r>
-              <a:rPr lang="en-US" sz="2400" dirty="0" smtClean="0">
-                <a:sym typeface="Wingdings" panose="05000000000000000000" pitchFamily="2" charset="2"/>
-              </a:rPr>
-              <a:t>use if they are not explicitly supplied.</a:t>
+              <a:t>Specify property values to use if they are not explicitly supplied.</a:t>
             </a:r>
             <a:endParaRPr lang="en-US" sz="2400" i="1" dirty="0" smtClean="0">
               <a:solidFill>
@@ -10674,7 +11192,7 @@
           <a:p>
             <a:r>
               <a:rPr lang="en-US" dirty="0" smtClean="0"/>
-              <a:t>Props – Validation properties</a:t>
+              <a:t>State</a:t>
             </a:r>
             <a:endParaRPr lang="en-US" dirty="0"/>
           </a:p>
@@ -10690,7 +11208,7 @@
         </p:nvSpPr>
         <p:spPr>
           <a:xfrm>
-            <a:off x="457200" y="1600200"/>
+            <a:off x="457993" y="1600200"/>
             <a:ext cx="8075613" cy="4525963"/>
           </a:xfrm>
           <a:prstGeom prst="rect">
@@ -10862,11 +11380,149 @@
               </a:spcAft>
             </a:pPr>
             <a:r>
-              <a:rPr lang="en-US" sz="2400" smtClean="0">
-                <a:sym typeface="Wingdings" panose="05000000000000000000" pitchFamily="2" charset="2"/>
+              <a:rPr lang="en-US" sz="2400" dirty="0"/>
+              <a:t>A Component manages its own </a:t>
+            </a:r>
+            <a:r>
+              <a:rPr lang="en-US" sz="2400" i="1" dirty="0"/>
+              <a:t>state</a:t>
+            </a:r>
+            <a:r>
+              <a:rPr lang="en-US" sz="2400" dirty="0"/>
+              <a:t> </a:t>
+            </a:r>
+            <a:r>
+              <a:rPr lang="en-US" sz="2400" dirty="0" smtClean="0"/>
+              <a:t>internally.</a:t>
+            </a:r>
+          </a:p>
+          <a:p>
+            <a:pPr lvl="1">
+              <a:spcAft>
+                <a:spcPts val="600"/>
+              </a:spcAft>
+            </a:pPr>
+            <a:r>
+              <a:rPr lang="en-US" sz="2400" dirty="0" smtClean="0"/>
+              <a:t>Using </a:t>
+            </a:r>
+            <a:r>
+              <a:rPr lang="en-US" sz="2400" i="1" dirty="0" err="1" smtClean="0">
+                <a:solidFill>
+                  <a:schemeClr val="tx1">
+                    <a:lumMod val="40000"/>
+                    <a:lumOff val="60000"/>
+                  </a:schemeClr>
+                </a:solidFill>
               </a:rPr>
-              <a:t>S</a:t>
-            </a:r>
+              <a:t>setState</a:t>
+            </a:r>
+            <a:r>
+              <a:rPr lang="en-US" sz="2400" i="1" dirty="0" smtClean="0">
+                <a:solidFill>
+                  <a:schemeClr val="tx1">
+                    <a:lumMod val="40000"/>
+                    <a:lumOff val="60000"/>
+                  </a:schemeClr>
+                </a:solidFill>
+              </a:rPr>
+              <a:t> </a:t>
+            </a:r>
+            <a:r>
+              <a:rPr lang="en-US" sz="2400" dirty="0" smtClean="0"/>
+              <a:t>method to change state.</a:t>
+            </a:r>
+          </a:p>
+          <a:p>
+            <a:pPr lvl="1">
+              <a:spcAft>
+                <a:spcPts val="600"/>
+              </a:spcAft>
+            </a:pPr>
+            <a:r>
+              <a:rPr lang="en-US" sz="2400" dirty="0"/>
+              <a:t>Re-render component when </a:t>
+            </a:r>
+            <a:r>
+              <a:rPr lang="en-US" sz="2400" i="1" dirty="0" err="1">
+                <a:solidFill>
+                  <a:schemeClr val="tx1">
+                    <a:lumMod val="40000"/>
+                    <a:lumOff val="60000"/>
+                  </a:schemeClr>
+                </a:solidFill>
+              </a:rPr>
+              <a:t>setState</a:t>
+            </a:r>
+            <a:r>
+              <a:rPr lang="en-US" sz="2400" dirty="0"/>
+              <a:t> is </a:t>
+            </a:r>
+            <a:r>
+              <a:rPr lang="en-US" sz="2400" dirty="0" smtClean="0"/>
+              <a:t>called.</a:t>
+            </a:r>
+          </a:p>
+          <a:p>
+            <a:pPr lvl="1">
+              <a:spcAft>
+                <a:spcPts val="600"/>
+              </a:spcAft>
+            </a:pPr>
+            <a:r>
+              <a:rPr lang="en-US" sz="2400" dirty="0" smtClean="0"/>
+              <a:t>Using </a:t>
+            </a:r>
+            <a:r>
+              <a:rPr lang="en-US" sz="2400" i="1" dirty="0" err="1" smtClean="0">
+                <a:solidFill>
+                  <a:schemeClr val="tx1">
+                    <a:lumMod val="40000"/>
+                    <a:lumOff val="60000"/>
+                  </a:schemeClr>
+                </a:solidFill>
+              </a:rPr>
+              <a:t>getInitialState</a:t>
+            </a:r>
+            <a:r>
+              <a:rPr lang="en-US" sz="2400" i="1" dirty="0" smtClean="0">
+                <a:solidFill>
+                  <a:schemeClr val="tx1">
+                    <a:lumMod val="40000"/>
+                    <a:lumOff val="60000"/>
+                  </a:schemeClr>
+                </a:solidFill>
+              </a:rPr>
+              <a:t> </a:t>
+            </a:r>
+            <a:r>
+              <a:rPr lang="en-US" sz="2400" dirty="0" smtClean="0"/>
+              <a:t>method to provide the default value</a:t>
+            </a:r>
+            <a:endParaRPr lang="en-US" sz="2400" dirty="0"/>
+          </a:p>
+          <a:p>
+            <a:pPr lvl="1">
+              <a:spcAft>
+                <a:spcPts val="600"/>
+              </a:spcAft>
+            </a:pPr>
+            <a:endParaRPr lang="en-US" sz="2400" dirty="0" smtClean="0"/>
+          </a:p>
+          <a:p>
+            <a:pPr lvl="1">
+              <a:spcAft>
+                <a:spcPts val="600"/>
+              </a:spcAft>
+            </a:pPr>
+            <a:endParaRPr lang="en-US" sz="2400" dirty="0" smtClean="0"/>
+          </a:p>
+          <a:p>
+            <a:pPr lvl="1">
+              <a:spcAft>
+                <a:spcPts val="600"/>
+              </a:spcAft>
+            </a:pPr>
             <a:endParaRPr lang="en-US" sz="2400" i="1" dirty="0" smtClean="0">
               <a:solidFill>
                 <a:schemeClr val="tx1">
@@ -10882,7 +11538,573 @@
     </p:spTree>
     <p:extLst>
       <p:ext uri="{BB962C8B-B14F-4D97-AF65-F5344CB8AC3E}">
-        <p14:creationId xmlns:p14="http://schemas.microsoft.com/office/powerpoint/2010/main" val="1568801820"/>
+        <p14:creationId xmlns:p14="http://schemas.microsoft.com/office/powerpoint/2010/main" val="1316648225"/>
+      </p:ext>
+    </p:extLst>
+  </p:cSld>
+  <p:clrMapOvr>
+    <a:masterClrMapping/>
+  </p:clrMapOvr>
+  <p:timing>
+    <p:tnLst>
+      <p:par>
+        <p:cTn id="1" dur="indefinite" restart="never" nodeType="tmRoot"/>
+      </p:par>
+    </p:tnLst>
+  </p:timing>
+</p:sld>
+</file>
+
+<file path=ppt/slides/slide17.xml><?xml version="1.0" encoding="utf-8"?>
+<p:sld xmlns:a="http://schemas.openxmlformats.org/drawingml/2006/main" xmlns:r="http://schemas.openxmlformats.org/officeDocument/2006/relationships" xmlns:p="http://schemas.openxmlformats.org/presentationml/2006/main">
+  <p:cSld>
+    <p:spTree>
+      <p:nvGrpSpPr>
+        <p:cNvPr id="1" name=""/>
+        <p:cNvGrpSpPr/>
+        <p:nvPr/>
+      </p:nvGrpSpPr>
+      <p:grpSpPr>
+        <a:xfrm>
+          <a:off x="0" y="0"/>
+          <a:ext cx="0" cy="0"/>
+          <a:chOff x="0" y="0"/>
+          <a:chExt cx="0" cy="0"/>
+        </a:xfrm>
+      </p:grpSpPr>
+      <p:sp>
+        <p:nvSpPr>
+          <p:cNvPr id="2" name="Title 1"/>
+          <p:cNvSpPr>
+            <a:spLocks noGrp="1"/>
+          </p:cNvSpPr>
+          <p:nvPr>
+            <p:ph type="title"/>
+          </p:nvPr>
+        </p:nvSpPr>
+        <p:spPr/>
+        <p:txBody>
+          <a:bodyPr/>
+          <a:lstStyle/>
+          <a:p>
+            <a:r>
+              <a:rPr lang="en-US" dirty="0" smtClean="0"/>
+              <a:t>State</a:t>
+            </a:r>
+            <a:endParaRPr lang="en-US" dirty="0"/>
+          </a:p>
+        </p:txBody>
+      </p:sp>
+      <p:sp>
+        <p:nvSpPr>
+          <p:cNvPr id="3" name="Rectangle 5"/>
+          <p:cNvSpPr txBox="1">
+            <a:spLocks noChangeArrowheads="1"/>
+          </p:cNvSpPr>
+          <p:nvPr/>
+        </p:nvSpPr>
+        <p:spPr>
+          <a:xfrm>
+            <a:off x="457993" y="1600200"/>
+            <a:ext cx="8075613" cy="4525963"/>
+          </a:xfrm>
+          <a:prstGeom prst="rect">
+            <a:avLst/>
+          </a:prstGeom>
+          <a:noFill/>
+          <a:ln/>
+        </p:spPr>
+        <p:txBody>
+          <a:bodyPr/>
+          <a:lstStyle>
+            <a:lvl1pPr marL="342900" indent="-342900" algn="l" rtl="0" eaLnBrk="1" fontAlgn="base" hangingPunct="1">
+              <a:spcBef>
+                <a:spcPct val="20000"/>
+              </a:spcBef>
+              <a:spcAft>
+                <a:spcPct val="0"/>
+              </a:spcAft>
+              <a:buClr>
+                <a:schemeClr val="hlink"/>
+              </a:buClr>
+              <a:buFont typeface="Wingdings" pitchFamily="2" charset="2"/>
+              <a:buChar char="v"/>
+              <a:defRPr sz="2800" b="1">
+                <a:solidFill>
+                  <a:schemeClr val="tx1"/>
+                </a:solidFill>
+                <a:latin typeface="Tahoma" pitchFamily="34" charset="0"/>
+                <a:ea typeface="+mn-ea"/>
+                <a:cs typeface="Tahoma" pitchFamily="34" charset="0"/>
+              </a:defRPr>
+            </a:lvl1pPr>
+            <a:lvl2pPr marL="742950" indent="-285750" algn="l" rtl="0" eaLnBrk="1" fontAlgn="base" hangingPunct="1">
+              <a:spcBef>
+                <a:spcPct val="20000"/>
+              </a:spcBef>
+              <a:spcAft>
+                <a:spcPct val="0"/>
+              </a:spcAft>
+              <a:buClr>
+                <a:schemeClr val="accent1"/>
+              </a:buClr>
+              <a:buFont typeface="Wingdings" pitchFamily="2" charset="2"/>
+              <a:buChar char="§"/>
+              <a:defRPr sz="2800">
+                <a:solidFill>
+                  <a:schemeClr val="tx1"/>
+                </a:solidFill>
+                <a:latin typeface="Tahoma" pitchFamily="34" charset="0"/>
+                <a:cs typeface="Tahoma" pitchFamily="34" charset="0"/>
+              </a:defRPr>
+            </a:lvl2pPr>
+            <a:lvl3pPr marL="1143000" indent="-228600" algn="l" rtl="0" eaLnBrk="1" fontAlgn="base" hangingPunct="1">
+              <a:spcBef>
+                <a:spcPct val="20000"/>
+              </a:spcBef>
+              <a:spcAft>
+                <a:spcPct val="0"/>
+              </a:spcAft>
+              <a:buClr>
+                <a:schemeClr val="tx1"/>
+              </a:buClr>
+              <a:buChar char="•"/>
+              <a:defRPr sz="2400">
+                <a:solidFill>
+                  <a:schemeClr val="tx1"/>
+                </a:solidFill>
+                <a:latin typeface="Tahoma" pitchFamily="34" charset="0"/>
+                <a:cs typeface="Tahoma" pitchFamily="34" charset="0"/>
+              </a:defRPr>
+            </a:lvl3pPr>
+            <a:lvl4pPr marL="1600200" indent="-228600" algn="l" rtl="0" eaLnBrk="1" fontAlgn="base" hangingPunct="1">
+              <a:spcBef>
+                <a:spcPct val="20000"/>
+              </a:spcBef>
+              <a:spcAft>
+                <a:spcPct val="0"/>
+              </a:spcAft>
+              <a:buChar char="–"/>
+              <a:defRPr sz="2000">
+                <a:solidFill>
+                  <a:schemeClr val="tx1"/>
+                </a:solidFill>
+                <a:latin typeface="Tahoma" pitchFamily="34" charset="0"/>
+                <a:cs typeface="Tahoma" pitchFamily="34" charset="0"/>
+              </a:defRPr>
+            </a:lvl4pPr>
+            <a:lvl5pPr marL="2057400" indent="-228600" algn="l" rtl="0" eaLnBrk="1" fontAlgn="base" hangingPunct="1">
+              <a:spcBef>
+                <a:spcPct val="20000"/>
+              </a:spcBef>
+              <a:spcAft>
+                <a:spcPct val="0"/>
+              </a:spcAft>
+              <a:buChar char="»"/>
+              <a:defRPr sz="2000">
+                <a:solidFill>
+                  <a:schemeClr val="tx1"/>
+                </a:solidFill>
+                <a:latin typeface="Tahoma" pitchFamily="34" charset="0"/>
+                <a:cs typeface="Tahoma" pitchFamily="34" charset="0"/>
+              </a:defRPr>
+            </a:lvl5pPr>
+            <a:lvl6pPr marL="2514600" indent="-228600" algn="l" rtl="0" eaLnBrk="1" fontAlgn="base" hangingPunct="1">
+              <a:spcBef>
+                <a:spcPct val="20000"/>
+              </a:spcBef>
+              <a:spcAft>
+                <a:spcPct val="0"/>
+              </a:spcAft>
+              <a:buChar char="»"/>
+              <a:defRPr sz="2000">
+                <a:solidFill>
+                  <a:schemeClr val="tx1"/>
+                </a:solidFill>
+                <a:latin typeface="Arial" charset="0"/>
+              </a:defRPr>
+            </a:lvl6pPr>
+            <a:lvl7pPr marL="2971800" indent="-228600" algn="l" rtl="0" eaLnBrk="1" fontAlgn="base" hangingPunct="1">
+              <a:spcBef>
+                <a:spcPct val="20000"/>
+              </a:spcBef>
+              <a:spcAft>
+                <a:spcPct val="0"/>
+              </a:spcAft>
+              <a:buChar char="»"/>
+              <a:defRPr sz="2000">
+                <a:solidFill>
+                  <a:schemeClr val="tx1"/>
+                </a:solidFill>
+                <a:latin typeface="Arial" charset="0"/>
+              </a:defRPr>
+            </a:lvl7pPr>
+            <a:lvl8pPr marL="3429000" indent="-228600" algn="l" rtl="0" eaLnBrk="1" fontAlgn="base" hangingPunct="1">
+              <a:spcBef>
+                <a:spcPct val="20000"/>
+              </a:spcBef>
+              <a:spcAft>
+                <a:spcPct val="0"/>
+              </a:spcAft>
+              <a:buChar char="»"/>
+              <a:defRPr sz="2000">
+                <a:solidFill>
+                  <a:schemeClr val="tx1"/>
+                </a:solidFill>
+                <a:latin typeface="Arial" charset="0"/>
+              </a:defRPr>
+            </a:lvl8pPr>
+            <a:lvl9pPr marL="3886200" indent="-228600" algn="l" rtl="0" eaLnBrk="1" fontAlgn="base" hangingPunct="1">
+              <a:spcBef>
+                <a:spcPct val="20000"/>
+              </a:spcBef>
+              <a:spcAft>
+                <a:spcPct val="0"/>
+              </a:spcAft>
+              <a:buChar char="»"/>
+              <a:defRPr sz="2000">
+                <a:solidFill>
+                  <a:schemeClr val="tx1"/>
+                </a:solidFill>
+                <a:latin typeface="Arial" charset="0"/>
+              </a:defRPr>
+            </a:lvl9pPr>
+          </a:lstStyle>
+          <a:p>
+            <a:pPr lvl="1">
+              <a:spcAft>
+                <a:spcPts val="600"/>
+              </a:spcAft>
+            </a:pPr>
+            <a:endParaRPr lang="en-US" sz="2400" dirty="0" smtClean="0"/>
+          </a:p>
+          <a:p>
+            <a:pPr lvl="1">
+              <a:spcAft>
+                <a:spcPts val="600"/>
+              </a:spcAft>
+            </a:pPr>
+            <a:endParaRPr lang="en-US" sz="2400" dirty="0" smtClean="0"/>
+          </a:p>
+          <a:p>
+            <a:pPr lvl="1">
+              <a:spcAft>
+                <a:spcPts val="600"/>
+              </a:spcAft>
+            </a:pPr>
+            <a:endParaRPr lang="en-US" sz="2400" i="1" dirty="0" smtClean="0">
+              <a:solidFill>
+                <a:schemeClr val="tx1">
+                  <a:lumMod val="40000"/>
+                  <a:lumOff val="60000"/>
+                </a:schemeClr>
+              </a:solidFill>
+              <a:sym typeface="Wingdings" panose="05000000000000000000" pitchFamily="2" charset="2"/>
+            </a:endParaRPr>
+          </a:p>
+        </p:txBody>
+      </p:sp>
+      <p:pic>
+        <p:nvPicPr>
+          <p:cNvPr id="4" name="Picture 3"/>
+          <p:cNvPicPr>
+            <a:picLocks noChangeAspect="1"/>
+          </p:cNvPicPr>
+          <p:nvPr/>
+        </p:nvPicPr>
+        <p:blipFill>
+          <a:blip r:embed="rId3"/>
+          <a:stretch>
+            <a:fillRect/>
+          </a:stretch>
+        </p:blipFill>
+        <p:spPr>
+          <a:xfrm>
+            <a:off x="609600" y="1676400"/>
+            <a:ext cx="7477626" cy="4191000"/>
+          </a:xfrm>
+          <a:prstGeom prst="rect">
+            <a:avLst/>
+          </a:prstGeom>
+        </p:spPr>
+      </p:pic>
+    </p:spTree>
+    <p:extLst>
+      <p:ext uri="{BB962C8B-B14F-4D97-AF65-F5344CB8AC3E}">
+        <p14:creationId xmlns:p14="http://schemas.microsoft.com/office/powerpoint/2010/main" val="3561830684"/>
+      </p:ext>
+    </p:extLst>
+  </p:cSld>
+  <p:clrMapOvr>
+    <a:masterClrMapping/>
+  </p:clrMapOvr>
+  <p:timing>
+    <p:tnLst>
+      <p:par>
+        <p:cTn id="1" dur="indefinite" restart="never" nodeType="tmRoot"/>
+      </p:par>
+    </p:tnLst>
+  </p:timing>
+</p:sld>
+</file>
+
+<file path=ppt/slides/slide18.xml><?xml version="1.0" encoding="utf-8"?>
+<p:sld xmlns:a="http://schemas.openxmlformats.org/drawingml/2006/main" xmlns:r="http://schemas.openxmlformats.org/officeDocument/2006/relationships" xmlns:p="http://schemas.openxmlformats.org/presentationml/2006/main">
+  <p:cSld>
+    <p:spTree>
+      <p:nvGrpSpPr>
+        <p:cNvPr id="1" name=""/>
+        <p:cNvGrpSpPr/>
+        <p:nvPr/>
+      </p:nvGrpSpPr>
+      <p:grpSpPr>
+        <a:xfrm>
+          <a:off x="0" y="0"/>
+          <a:ext cx="0" cy="0"/>
+          <a:chOff x="0" y="0"/>
+          <a:chExt cx="0" cy="0"/>
+        </a:xfrm>
+      </p:grpSpPr>
+      <p:sp>
+        <p:nvSpPr>
+          <p:cNvPr id="2" name="Title 1"/>
+          <p:cNvSpPr>
+            <a:spLocks noGrp="1"/>
+          </p:cNvSpPr>
+          <p:nvPr>
+            <p:ph type="title"/>
+          </p:nvPr>
+        </p:nvSpPr>
+        <p:spPr/>
+        <p:txBody>
+          <a:bodyPr/>
+          <a:lstStyle/>
+          <a:p>
+            <a:r>
+              <a:rPr lang="en-US" dirty="0"/>
+              <a:t>Virtual DOM</a:t>
+            </a:r>
+            <a:endParaRPr lang="en-US" dirty="0"/>
+          </a:p>
+        </p:txBody>
+      </p:sp>
+      <p:sp>
+        <p:nvSpPr>
+          <p:cNvPr id="3" name="Rectangle 5"/>
+          <p:cNvSpPr txBox="1">
+            <a:spLocks noChangeArrowheads="1"/>
+          </p:cNvSpPr>
+          <p:nvPr/>
+        </p:nvSpPr>
+        <p:spPr>
+          <a:xfrm>
+            <a:off x="457993" y="1600200"/>
+            <a:ext cx="8075613" cy="4525963"/>
+          </a:xfrm>
+          <a:prstGeom prst="rect">
+            <a:avLst/>
+          </a:prstGeom>
+          <a:noFill/>
+          <a:ln/>
+        </p:spPr>
+        <p:txBody>
+          <a:bodyPr/>
+          <a:lstStyle>
+            <a:lvl1pPr marL="342900" indent="-342900" algn="l" rtl="0" eaLnBrk="1" fontAlgn="base" hangingPunct="1">
+              <a:spcBef>
+                <a:spcPct val="20000"/>
+              </a:spcBef>
+              <a:spcAft>
+                <a:spcPct val="0"/>
+              </a:spcAft>
+              <a:buClr>
+                <a:schemeClr val="hlink"/>
+              </a:buClr>
+              <a:buFont typeface="Wingdings" pitchFamily="2" charset="2"/>
+              <a:buChar char="v"/>
+              <a:defRPr sz="2800" b="1">
+                <a:solidFill>
+                  <a:schemeClr val="tx1"/>
+                </a:solidFill>
+                <a:latin typeface="Tahoma" pitchFamily="34" charset="0"/>
+                <a:ea typeface="+mn-ea"/>
+                <a:cs typeface="Tahoma" pitchFamily="34" charset="0"/>
+              </a:defRPr>
+            </a:lvl1pPr>
+            <a:lvl2pPr marL="742950" indent="-285750" algn="l" rtl="0" eaLnBrk="1" fontAlgn="base" hangingPunct="1">
+              <a:spcBef>
+                <a:spcPct val="20000"/>
+              </a:spcBef>
+              <a:spcAft>
+                <a:spcPct val="0"/>
+              </a:spcAft>
+              <a:buClr>
+                <a:schemeClr val="accent1"/>
+              </a:buClr>
+              <a:buFont typeface="Wingdings" pitchFamily="2" charset="2"/>
+              <a:buChar char="§"/>
+              <a:defRPr sz="2800">
+                <a:solidFill>
+                  <a:schemeClr val="tx1"/>
+                </a:solidFill>
+                <a:latin typeface="Tahoma" pitchFamily="34" charset="0"/>
+                <a:cs typeface="Tahoma" pitchFamily="34" charset="0"/>
+              </a:defRPr>
+            </a:lvl2pPr>
+            <a:lvl3pPr marL="1143000" indent="-228600" algn="l" rtl="0" eaLnBrk="1" fontAlgn="base" hangingPunct="1">
+              <a:spcBef>
+                <a:spcPct val="20000"/>
+              </a:spcBef>
+              <a:spcAft>
+                <a:spcPct val="0"/>
+              </a:spcAft>
+              <a:buClr>
+                <a:schemeClr val="tx1"/>
+              </a:buClr>
+              <a:buChar char="•"/>
+              <a:defRPr sz="2400">
+                <a:solidFill>
+                  <a:schemeClr val="tx1"/>
+                </a:solidFill>
+                <a:latin typeface="Tahoma" pitchFamily="34" charset="0"/>
+                <a:cs typeface="Tahoma" pitchFamily="34" charset="0"/>
+              </a:defRPr>
+            </a:lvl3pPr>
+            <a:lvl4pPr marL="1600200" indent="-228600" algn="l" rtl="0" eaLnBrk="1" fontAlgn="base" hangingPunct="1">
+              <a:spcBef>
+                <a:spcPct val="20000"/>
+              </a:spcBef>
+              <a:spcAft>
+                <a:spcPct val="0"/>
+              </a:spcAft>
+              <a:buChar char="–"/>
+              <a:defRPr sz="2000">
+                <a:solidFill>
+                  <a:schemeClr val="tx1"/>
+                </a:solidFill>
+                <a:latin typeface="Tahoma" pitchFamily="34" charset="0"/>
+                <a:cs typeface="Tahoma" pitchFamily="34" charset="0"/>
+              </a:defRPr>
+            </a:lvl4pPr>
+            <a:lvl5pPr marL="2057400" indent="-228600" algn="l" rtl="0" eaLnBrk="1" fontAlgn="base" hangingPunct="1">
+              <a:spcBef>
+                <a:spcPct val="20000"/>
+              </a:spcBef>
+              <a:spcAft>
+                <a:spcPct val="0"/>
+              </a:spcAft>
+              <a:buChar char="»"/>
+              <a:defRPr sz="2000">
+                <a:solidFill>
+                  <a:schemeClr val="tx1"/>
+                </a:solidFill>
+                <a:latin typeface="Tahoma" pitchFamily="34" charset="0"/>
+                <a:cs typeface="Tahoma" pitchFamily="34" charset="0"/>
+              </a:defRPr>
+            </a:lvl5pPr>
+            <a:lvl6pPr marL="2514600" indent="-228600" algn="l" rtl="0" eaLnBrk="1" fontAlgn="base" hangingPunct="1">
+              <a:spcBef>
+                <a:spcPct val="20000"/>
+              </a:spcBef>
+              <a:spcAft>
+                <a:spcPct val="0"/>
+              </a:spcAft>
+              <a:buChar char="»"/>
+              <a:defRPr sz="2000">
+                <a:solidFill>
+                  <a:schemeClr val="tx1"/>
+                </a:solidFill>
+                <a:latin typeface="Arial" charset="0"/>
+              </a:defRPr>
+            </a:lvl6pPr>
+            <a:lvl7pPr marL="2971800" indent="-228600" algn="l" rtl="0" eaLnBrk="1" fontAlgn="base" hangingPunct="1">
+              <a:spcBef>
+                <a:spcPct val="20000"/>
+              </a:spcBef>
+              <a:spcAft>
+                <a:spcPct val="0"/>
+              </a:spcAft>
+              <a:buChar char="»"/>
+              <a:defRPr sz="2000">
+                <a:solidFill>
+                  <a:schemeClr val="tx1"/>
+                </a:solidFill>
+                <a:latin typeface="Arial" charset="0"/>
+              </a:defRPr>
+            </a:lvl7pPr>
+            <a:lvl8pPr marL="3429000" indent="-228600" algn="l" rtl="0" eaLnBrk="1" fontAlgn="base" hangingPunct="1">
+              <a:spcBef>
+                <a:spcPct val="20000"/>
+              </a:spcBef>
+              <a:spcAft>
+                <a:spcPct val="0"/>
+              </a:spcAft>
+              <a:buChar char="»"/>
+              <a:defRPr sz="2000">
+                <a:solidFill>
+                  <a:schemeClr val="tx1"/>
+                </a:solidFill>
+                <a:latin typeface="Arial" charset="0"/>
+              </a:defRPr>
+            </a:lvl8pPr>
+            <a:lvl9pPr marL="3886200" indent="-228600" algn="l" rtl="0" eaLnBrk="1" fontAlgn="base" hangingPunct="1">
+              <a:spcBef>
+                <a:spcPct val="20000"/>
+              </a:spcBef>
+              <a:spcAft>
+                <a:spcPct val="0"/>
+              </a:spcAft>
+              <a:buChar char="»"/>
+              <a:defRPr sz="2000">
+                <a:solidFill>
+                  <a:schemeClr val="tx1"/>
+                </a:solidFill>
+                <a:latin typeface="Arial" charset="0"/>
+              </a:defRPr>
+            </a:lvl9pPr>
+          </a:lstStyle>
+          <a:p>
+            <a:pPr lvl="1">
+              <a:spcAft>
+                <a:spcPts val="600"/>
+              </a:spcAft>
+            </a:pPr>
+            <a:r>
+              <a:rPr lang="en-US" sz="2400" smtClean="0"/>
+              <a:t>A</a:t>
+            </a:r>
+            <a:endParaRPr lang="en-US" sz="2400" dirty="0" smtClean="0"/>
+          </a:p>
+          <a:p>
+            <a:pPr lvl="1">
+              <a:spcAft>
+                <a:spcPts val="600"/>
+              </a:spcAft>
+            </a:pPr>
+            <a:endParaRPr lang="en-US" sz="2400" dirty="0" smtClean="0"/>
+          </a:p>
+          <a:p>
+            <a:pPr lvl="1">
+              <a:spcAft>
+                <a:spcPts val="600"/>
+              </a:spcAft>
+            </a:pPr>
+            <a:endParaRPr lang="en-US" sz="2400" i="1" dirty="0" smtClean="0">
+              <a:solidFill>
+                <a:schemeClr val="tx1">
+                  <a:lumMod val="40000"/>
+                  <a:lumOff val="60000"/>
+                </a:schemeClr>
+              </a:solidFill>
+              <a:sym typeface="Wingdings" panose="05000000000000000000" pitchFamily="2" charset="2"/>
+            </a:endParaRPr>
+          </a:p>
+        </p:txBody>
+      </p:sp>
+    </p:spTree>
+    <p:extLst>
+      <p:ext uri="{BB962C8B-B14F-4D97-AF65-F5344CB8AC3E}">
+        <p14:creationId xmlns:p14="http://schemas.microsoft.com/office/powerpoint/2010/main" val="865579507"/>
       </p:ext>
     </p:extLst>
   </p:cSld>
@@ -12860,8 +14082,13 @@
             </a:pPr>
             <a:r>
               <a:rPr lang="en-US" sz="2400" dirty="0" smtClean="0"/>
-              <a:t>Virtual Dom</a:t>
-            </a:r>
+              <a:t>Virtual </a:t>
+            </a:r>
+            <a:r>
+              <a:rPr lang="en-US" sz="2400" dirty="0" smtClean="0"/>
+              <a:t>DOM</a:t>
+            </a:r>
+            <a:endParaRPr lang="en-US" sz="2400" dirty="0" smtClean="0"/>
           </a:p>
           <a:p>
             <a:pPr lvl="1">

--- a/React_Slide.pptx
+++ b/React_Slide.pptx
@@ -5,7 +5,7 @@
     <p:sldMasterId id="2147483660" r:id="rId1"/>
   </p:sldMasterIdLst>
   <p:notesMasterIdLst>
-    <p:notesMasterId r:id="rId20"/>
+    <p:notesMasterId r:id="rId21"/>
   </p:notesMasterIdLst>
   <p:sldIdLst>
     <p:sldId id="256" r:id="rId2"/>
@@ -26,6 +26,7 @@
     <p:sldId id="274" r:id="rId17"/>
     <p:sldId id="275" r:id="rId18"/>
     <p:sldId id="277" r:id="rId19"/>
+    <p:sldId id="279" r:id="rId20"/>
   </p:sldIdLst>
   <p:sldSz cx="9144000" cy="6858000" type="screen4x3"/>
   <p:notesSz cx="6858000" cy="9144000"/>
@@ -126,7 +127,7 @@
   </p:defaultTextStyle>
   <p:extLst>
     <p:ext uri="{EFAFB233-063F-42B5-8137-9DF3F51BA10A}">
-      <p15:sldGuideLst xmlns:p15="http://schemas.microsoft.com/office/powerpoint/2012/main">
+      <p15:sldGuideLst xmlns:p15="http://schemas.microsoft.com/office/powerpoint/2012/main" xmlns="">
         <p15:guide id="1" orient="horz" pos="2160">
           <p15:clr>
             <a:srgbClr val="A4A3A4"/>
@@ -225,7 +226,7 @@
           <a:p>
             <a:fld id="{30C56A28-4380-4698-9362-A1403F5E2820}" type="datetimeFigureOut">
               <a:rPr lang="en-US" smtClean="0"/>
-              <a:t>12/10/2015</a:t>
+              <a:t>12/11/2015</a:t>
             </a:fld>
             <a:endParaRPr lang="en-US"/>
           </a:p>
@@ -1315,6 +1316,246 @@
           <a:lstStyle/>
           <a:p>
             <a:r>
+              <a:rPr lang="en-US" sz="1200" b="1" i="0" kern="1200" cap="all" dirty="0" smtClean="0">
+                <a:solidFill>
+                  <a:schemeClr val="tx1"/>
+                </a:solidFill>
+                <a:effectLst/>
+                <a:latin typeface="+mn-lt"/>
+                <a:ea typeface="+mn-ea"/>
+                <a:cs typeface="+mn-cs"/>
+              </a:rPr>
+              <a:t>PROS</a:t>
+            </a:r>
+          </a:p>
+          <a:p>
+            <a:r>
+              <a:rPr lang="en-US" sz="1200" b="0" i="0" kern="1200" dirty="0" smtClean="0">
+                <a:solidFill>
+                  <a:schemeClr val="tx1"/>
+                </a:solidFill>
+                <a:effectLst/>
+                <a:latin typeface="+mn-lt"/>
+                <a:ea typeface="+mn-ea"/>
+                <a:cs typeface="+mn-cs"/>
+              </a:rPr>
+              <a:t>Fast and efficient "diffing" algorithm</a:t>
+            </a:r>
+          </a:p>
+          <a:p>
+            <a:r>
+              <a:rPr lang="en-US" sz="1200" b="0" i="0" kern="1200" dirty="0" smtClean="0">
+                <a:solidFill>
+                  <a:schemeClr val="tx1"/>
+                </a:solidFill>
+                <a:effectLst/>
+                <a:latin typeface="+mn-lt"/>
+                <a:ea typeface="+mn-ea"/>
+                <a:cs typeface="+mn-cs"/>
+              </a:rPr>
+              <a:t>Multiple frontends (JSX, </a:t>
+            </a:r>
+            <a:r>
+              <a:rPr lang="en-US" sz="1200" b="0" i="0" kern="1200" dirty="0" err="1" smtClean="0">
+                <a:solidFill>
+                  <a:schemeClr val="tx1"/>
+                </a:solidFill>
+                <a:effectLst/>
+                <a:latin typeface="+mn-lt"/>
+                <a:ea typeface="+mn-ea"/>
+                <a:cs typeface="+mn-cs"/>
+              </a:rPr>
+              <a:t>hyperscript</a:t>
+            </a:r>
+            <a:r>
+              <a:rPr lang="en-US" sz="1200" b="0" i="0" kern="1200" dirty="0" smtClean="0">
+                <a:solidFill>
+                  <a:schemeClr val="tx1"/>
+                </a:solidFill>
+                <a:effectLst/>
+                <a:latin typeface="+mn-lt"/>
+                <a:ea typeface="+mn-ea"/>
+                <a:cs typeface="+mn-cs"/>
+              </a:rPr>
+              <a:t>)</a:t>
+            </a:r>
+          </a:p>
+          <a:p>
+            <a:r>
+              <a:rPr lang="en-US" sz="1200" b="0" i="0" kern="1200" dirty="0" smtClean="0">
+                <a:solidFill>
+                  <a:schemeClr val="tx1"/>
+                </a:solidFill>
+                <a:effectLst/>
+                <a:latin typeface="+mn-lt"/>
+                <a:ea typeface="+mn-ea"/>
+                <a:cs typeface="+mn-cs"/>
+              </a:rPr>
+              <a:t>Lightweight enough to run on mobile devices</a:t>
+            </a:r>
+          </a:p>
+          <a:p>
+            <a:r>
+              <a:rPr lang="en-US" sz="1200" b="0" i="0" kern="1200" dirty="0" smtClean="0">
+                <a:solidFill>
+                  <a:schemeClr val="tx1"/>
+                </a:solidFill>
+                <a:effectLst/>
+                <a:latin typeface="+mn-lt"/>
+                <a:ea typeface="+mn-ea"/>
+                <a:cs typeface="+mn-cs"/>
+              </a:rPr>
+              <a:t>Lots of traction and mindshare</a:t>
+            </a:r>
+          </a:p>
+          <a:p>
+            <a:r>
+              <a:rPr lang="en-US" sz="1200" b="0" i="0" kern="1200" dirty="0" smtClean="0">
+                <a:solidFill>
+                  <a:schemeClr val="tx1"/>
+                </a:solidFill>
+                <a:effectLst/>
+                <a:latin typeface="+mn-lt"/>
+                <a:ea typeface="+mn-ea"/>
+                <a:cs typeface="+mn-cs"/>
+              </a:rPr>
+              <a:t>Can be used without React (i.e. as an independent engine)</a:t>
+            </a:r>
+          </a:p>
+          <a:p>
+            <a:r>
+              <a:rPr lang="en-US" sz="1200" b="1" i="0" kern="1200" cap="all" dirty="0" smtClean="0">
+                <a:solidFill>
+                  <a:schemeClr val="tx1"/>
+                </a:solidFill>
+                <a:effectLst/>
+                <a:latin typeface="+mn-lt"/>
+                <a:ea typeface="+mn-ea"/>
+                <a:cs typeface="+mn-cs"/>
+              </a:rPr>
+              <a:t>CONS</a:t>
+            </a:r>
+          </a:p>
+          <a:p>
+            <a:r>
+              <a:rPr lang="en-US" sz="1200" b="0" i="0" kern="1200" dirty="0" smtClean="0">
+                <a:solidFill>
+                  <a:schemeClr val="tx1"/>
+                </a:solidFill>
+                <a:effectLst/>
+                <a:latin typeface="+mn-lt"/>
+                <a:ea typeface="+mn-ea"/>
+                <a:cs typeface="+mn-cs"/>
+              </a:rPr>
+              <a:t>Full in-memory copy of the DOM (higher memory use)</a:t>
+            </a:r>
+          </a:p>
+          <a:p>
+            <a:r>
+              <a:rPr lang="en-US" sz="1200" b="0" i="0" kern="1200" dirty="0" smtClean="0">
+                <a:solidFill>
+                  <a:schemeClr val="tx1"/>
+                </a:solidFill>
+                <a:effectLst/>
+                <a:latin typeface="+mn-lt"/>
+                <a:ea typeface="+mn-ea"/>
+                <a:cs typeface="+mn-cs"/>
+              </a:rPr>
+              <a:t>No differentiation between static and dynamic elements *</a:t>
+            </a:r>
+            <a:endParaRPr lang="en-US" sz="1200" b="0" i="0" kern="1200" dirty="0">
+              <a:solidFill>
+                <a:schemeClr val="tx1"/>
+              </a:solidFill>
+              <a:effectLst/>
+              <a:latin typeface="+mn-lt"/>
+              <a:ea typeface="+mn-ea"/>
+              <a:cs typeface="+mn-cs"/>
+            </a:endParaRPr>
+          </a:p>
+        </p:txBody>
+      </p:sp>
+      <p:sp>
+        <p:nvSpPr>
+          <p:cNvPr id="4" name="Slide Number Placeholder 3"/>
+          <p:cNvSpPr>
+            <a:spLocks noGrp="1"/>
+          </p:cNvSpPr>
+          <p:nvPr>
+            <p:ph type="sldNum" sz="quarter" idx="10"/>
+          </p:nvPr>
+        </p:nvSpPr>
+        <p:spPr/>
+        <p:txBody>
+          <a:bodyPr/>
+          <a:lstStyle/>
+          <a:p>
+            <a:fld id="{47CA5B65-C32E-4594-82B5-5B950CCEF23B}" type="slidenum">
+              <a:rPr lang="en-US" smtClean="0"/>
+              <a:t>18</a:t>
+            </a:fld>
+            <a:endParaRPr lang="en-US"/>
+          </a:p>
+        </p:txBody>
+      </p:sp>
+    </p:spTree>
+    <p:extLst>
+      <p:ext uri="{BB962C8B-B14F-4D97-AF65-F5344CB8AC3E}">
+        <p14:creationId xmlns:p14="http://schemas.microsoft.com/office/powerpoint/2010/main" val="1044047736"/>
+      </p:ext>
+    </p:extLst>
+  </p:cSld>
+  <p:clrMapOvr>
+    <a:masterClrMapping/>
+  </p:clrMapOvr>
+</p:notes>
+</file>
+
+<file path=ppt/notesSlides/notesSlide14.xml><?xml version="1.0" encoding="utf-8"?>
+<p:notes xmlns:a="http://schemas.openxmlformats.org/drawingml/2006/main" xmlns:r="http://schemas.openxmlformats.org/officeDocument/2006/relationships" xmlns:p="http://schemas.openxmlformats.org/presentationml/2006/main">
+  <p:cSld>
+    <p:spTree>
+      <p:nvGrpSpPr>
+        <p:cNvPr id="1" name=""/>
+        <p:cNvGrpSpPr/>
+        <p:nvPr/>
+      </p:nvGrpSpPr>
+      <p:grpSpPr>
+        <a:xfrm>
+          <a:off x="0" y="0"/>
+          <a:ext cx="0" cy="0"/>
+          <a:chOff x="0" y="0"/>
+          <a:chExt cx="0" cy="0"/>
+        </a:xfrm>
+      </p:grpSpPr>
+      <p:sp>
+        <p:nvSpPr>
+          <p:cNvPr id="2" name="Slide Image Placeholder 1"/>
+          <p:cNvSpPr>
+            <a:spLocks noGrp="1" noRot="1" noChangeAspect="1"/>
+          </p:cNvSpPr>
+          <p:nvPr>
+            <p:ph type="sldImg"/>
+          </p:nvPr>
+        </p:nvSpPr>
+        <p:spPr/>
+      </p:sp>
+      <p:sp>
+        <p:nvSpPr>
+          <p:cNvPr id="3" name="Notes Placeholder 2"/>
+          <p:cNvSpPr>
+            <a:spLocks noGrp="1"/>
+          </p:cNvSpPr>
+          <p:nvPr>
+            <p:ph type="body" idx="1"/>
+          </p:nvPr>
+        </p:nvSpPr>
+        <p:spPr/>
+        <p:txBody>
+          <a:bodyPr/>
+          <a:lstStyle/>
+          <a:p>
+            <a:r>
               <a:rPr lang="en-US" sz="1200" b="0" i="0" kern="1200" dirty="0" smtClean="0">
                 <a:solidFill>
                   <a:schemeClr val="tx1"/>
@@ -1469,7 +1710,7 @@
           <a:p>
             <a:fld id="{47CA5B65-C32E-4594-82B5-5B950CCEF23B}" type="slidenum">
               <a:rPr lang="en-US" smtClean="0"/>
-              <a:t>18</a:t>
+              <a:t>19</a:t>
             </a:fld>
             <a:endParaRPr lang="en-US"/>
           </a:p>
@@ -1478,7 +1719,7 @@
     </p:spTree>
     <p:extLst>
       <p:ext uri="{BB962C8B-B14F-4D97-AF65-F5344CB8AC3E}">
-        <p14:creationId xmlns:p14="http://schemas.microsoft.com/office/powerpoint/2010/main" val="1044047736"/>
+        <p14:creationId xmlns:p14="http://schemas.microsoft.com/office/powerpoint/2010/main" val="1224336219"/>
       </p:ext>
     </p:extLst>
   </p:cSld>
@@ -2646,7 +2887,6 @@
               <a:rPr lang="en-US" sz="2400" dirty="0" smtClean="0"/>
               <a:t>When we use our defined components, we can add attributes called props.</a:t>
             </a:r>
-            <a:endParaRPr lang="en-US" sz="2400" dirty="0" smtClean="0"/>
           </a:p>
         </p:txBody>
       </p:sp>
@@ -3809,7 +4049,7 @@
             <a:fld id="{1D8BD707-D9CF-40AE-B4C6-C98DA3205C09}" type="datetimeFigureOut">
               <a:rPr lang="en-US" smtClean="0"/>
               <a:pPr/>
-              <a:t>12/10/2015</a:t>
+              <a:t>12/11/2015</a:t>
             </a:fld>
             <a:endParaRPr lang="en-US"/>
           </a:p>
@@ -4036,7 +4276,7 @@
             <a:fld id="{1D8BD707-D9CF-40AE-B4C6-C98DA3205C09}" type="datetimeFigureOut">
               <a:rPr lang="en-US" smtClean="0"/>
               <a:pPr/>
-              <a:t>12/10/2015</a:t>
+              <a:t>12/11/2015</a:t>
             </a:fld>
             <a:endParaRPr lang="en-US"/>
           </a:p>
@@ -4263,7 +4503,7 @@
             <a:fld id="{1D8BD707-D9CF-40AE-B4C6-C98DA3205C09}" type="datetimeFigureOut">
               <a:rPr lang="en-US" smtClean="0"/>
               <a:pPr/>
-              <a:t>12/10/2015</a:t>
+              <a:t>12/11/2015</a:t>
             </a:fld>
             <a:endParaRPr lang="en-US"/>
           </a:p>
@@ -4462,7 +4702,7 @@
             <a:fld id="{1D8BD707-D9CF-40AE-B4C6-C98DA3205C09}" type="datetimeFigureOut">
               <a:rPr lang="en-US" smtClean="0"/>
               <a:pPr/>
-              <a:t>12/10/2015</a:t>
+              <a:t>12/11/2015</a:t>
             </a:fld>
             <a:endParaRPr lang="en-US"/>
           </a:p>
@@ -4661,7 +4901,7 @@
             <a:fld id="{1D8BD707-D9CF-40AE-B4C6-C98DA3205C09}" type="datetimeFigureOut">
               <a:rPr lang="en-US" smtClean="0"/>
               <a:pPr/>
-              <a:t>12/10/2015</a:t>
+              <a:t>12/11/2015</a:t>
             </a:fld>
             <a:endParaRPr lang="en-US"/>
           </a:p>
@@ -4887,7 +5127,7 @@
             <a:fld id="{1D8BD707-D9CF-40AE-B4C6-C98DA3205C09}" type="datetimeFigureOut">
               <a:rPr lang="en-US" smtClean="0"/>
               <a:pPr/>
-              <a:t>12/10/2015</a:t>
+              <a:t>12/11/2015</a:t>
             </a:fld>
             <a:endParaRPr lang="en-US"/>
           </a:p>
@@ -5126,7 +5366,7 @@
             <a:fld id="{1D8BD707-D9CF-40AE-B4C6-C98DA3205C09}" type="datetimeFigureOut">
               <a:rPr lang="en-US" smtClean="0"/>
               <a:pPr/>
-              <a:t>12/10/2015</a:t>
+              <a:t>12/11/2015</a:t>
             </a:fld>
             <a:endParaRPr lang="en-US"/>
           </a:p>
@@ -5461,7 +5701,7 @@
             <a:fld id="{1D8BD707-D9CF-40AE-B4C6-C98DA3205C09}" type="datetimeFigureOut">
               <a:rPr lang="en-US" smtClean="0"/>
               <a:pPr/>
-              <a:t>12/10/2015</a:t>
+              <a:t>12/11/2015</a:t>
             </a:fld>
             <a:endParaRPr lang="en-US"/>
           </a:p>
@@ -5931,7 +6171,7 @@
             <a:fld id="{1D8BD707-D9CF-40AE-B4C6-C98DA3205C09}" type="datetimeFigureOut">
               <a:rPr lang="en-US" smtClean="0"/>
               <a:pPr/>
-              <a:t>12/10/2015</a:t>
+              <a:t>12/11/2015</a:t>
             </a:fld>
             <a:endParaRPr lang="en-US"/>
           </a:p>
@@ -6096,7 +6336,7 @@
             <a:fld id="{1D8BD707-D9CF-40AE-B4C6-C98DA3205C09}" type="datetimeFigureOut">
               <a:rPr lang="en-US" smtClean="0"/>
               <a:pPr/>
-              <a:t>12/10/2015</a:t>
+              <a:t>12/11/2015</a:t>
             </a:fld>
             <a:endParaRPr lang="en-US"/>
           </a:p>
@@ -6238,7 +6478,7 @@
             <a:fld id="{1D8BD707-D9CF-40AE-B4C6-C98DA3205C09}" type="datetimeFigureOut">
               <a:rPr lang="en-US" smtClean="0"/>
               <a:pPr/>
-              <a:t>12/10/2015</a:t>
+              <a:t>12/11/2015</a:t>
             </a:fld>
             <a:endParaRPr lang="en-US"/>
           </a:p>
@@ -6562,7 +6802,7 @@
             <a:fld id="{1D8BD707-D9CF-40AE-B4C6-C98DA3205C09}" type="datetimeFigureOut">
               <a:rPr lang="en-US" smtClean="0"/>
               <a:pPr/>
-              <a:t>12/10/2015</a:t>
+              <a:t>12/11/2015</a:t>
             </a:fld>
             <a:endParaRPr lang="en-US"/>
           </a:p>
@@ -6867,7 +7107,7 @@
             <a:fld id="{1D8BD707-D9CF-40AE-B4C6-C98DA3205C09}" type="datetimeFigureOut">
               <a:rPr lang="en-US" smtClean="0"/>
               <a:pPr/>
-              <a:t>12/10/2015</a:t>
+              <a:t>12/11/2015</a:t>
             </a:fld>
             <a:endParaRPr lang="en-US"/>
           </a:p>
@@ -7412,7 +7652,7 @@
             <a:fld id="{1D8BD707-D9CF-40AE-B4C6-C98DA3205C09}" type="datetimeFigureOut">
               <a:rPr lang="en-US" smtClean="0"/>
               <a:pPr/>
-              <a:t>12/10/2015</a:t>
+              <a:t>12/11/2015</a:t>
             </a:fld>
             <a:endParaRPr lang="en-US"/>
           </a:p>
@@ -10669,11 +10909,7 @@
             </a:pPr>
             <a:r>
               <a:rPr lang="en-US" sz="2400" dirty="0" smtClean="0"/>
-              <a:t>Props </a:t>
-            </a:r>
-            <a:r>
-              <a:rPr lang="en-US" sz="2400" dirty="0" smtClean="0"/>
-              <a:t>are supplied as attributes</a:t>
+              <a:t>Props are supplied as attributes</a:t>
             </a:r>
           </a:p>
           <a:p>
@@ -11884,6 +12120,1712 @@
               <a:rPr lang="en-US" dirty="0"/>
               <a:t>Virtual DOM</a:t>
             </a:r>
+          </a:p>
+        </p:txBody>
+      </p:sp>
+      <p:sp>
+        <p:nvSpPr>
+          <p:cNvPr id="3" name="Rectangle 5"/>
+          <p:cNvSpPr txBox="1">
+            <a:spLocks noChangeArrowheads="1"/>
+          </p:cNvSpPr>
+          <p:nvPr/>
+        </p:nvSpPr>
+        <p:spPr>
+          <a:xfrm>
+            <a:off x="457992" y="1623218"/>
+            <a:ext cx="8075613" cy="4525963"/>
+          </a:xfrm>
+          <a:prstGeom prst="rect">
+            <a:avLst/>
+          </a:prstGeom>
+          <a:noFill/>
+          <a:ln/>
+        </p:spPr>
+        <p:txBody>
+          <a:bodyPr/>
+          <a:lstStyle>
+            <a:lvl1pPr marL="342900" indent="-342900" algn="l" rtl="0" eaLnBrk="1" fontAlgn="base" hangingPunct="1">
+              <a:spcBef>
+                <a:spcPct val="20000"/>
+              </a:spcBef>
+              <a:spcAft>
+                <a:spcPct val="0"/>
+              </a:spcAft>
+              <a:buClr>
+                <a:schemeClr val="hlink"/>
+              </a:buClr>
+              <a:buFont typeface="Wingdings" pitchFamily="2" charset="2"/>
+              <a:buChar char="v"/>
+              <a:defRPr sz="2800" b="1">
+                <a:solidFill>
+                  <a:schemeClr val="tx1"/>
+                </a:solidFill>
+                <a:latin typeface="Tahoma" pitchFamily="34" charset="0"/>
+                <a:ea typeface="+mn-ea"/>
+                <a:cs typeface="Tahoma" pitchFamily="34" charset="0"/>
+              </a:defRPr>
+            </a:lvl1pPr>
+            <a:lvl2pPr marL="742950" indent="-285750" algn="l" rtl="0" eaLnBrk="1" fontAlgn="base" hangingPunct="1">
+              <a:spcBef>
+                <a:spcPct val="20000"/>
+              </a:spcBef>
+              <a:spcAft>
+                <a:spcPct val="0"/>
+              </a:spcAft>
+              <a:buClr>
+                <a:schemeClr val="accent1"/>
+              </a:buClr>
+              <a:buFont typeface="Wingdings" pitchFamily="2" charset="2"/>
+              <a:buChar char="§"/>
+              <a:defRPr sz="2800">
+                <a:solidFill>
+                  <a:schemeClr val="tx1"/>
+                </a:solidFill>
+                <a:latin typeface="Tahoma" pitchFamily="34" charset="0"/>
+                <a:cs typeface="Tahoma" pitchFamily="34" charset="0"/>
+              </a:defRPr>
+            </a:lvl2pPr>
+            <a:lvl3pPr marL="1143000" indent="-228600" algn="l" rtl="0" eaLnBrk="1" fontAlgn="base" hangingPunct="1">
+              <a:spcBef>
+                <a:spcPct val="20000"/>
+              </a:spcBef>
+              <a:spcAft>
+                <a:spcPct val="0"/>
+              </a:spcAft>
+              <a:buClr>
+                <a:schemeClr val="tx1"/>
+              </a:buClr>
+              <a:buChar char="•"/>
+              <a:defRPr sz="2400">
+                <a:solidFill>
+                  <a:schemeClr val="tx1"/>
+                </a:solidFill>
+                <a:latin typeface="Tahoma" pitchFamily="34" charset="0"/>
+                <a:cs typeface="Tahoma" pitchFamily="34" charset="0"/>
+              </a:defRPr>
+            </a:lvl3pPr>
+            <a:lvl4pPr marL="1600200" indent="-228600" algn="l" rtl="0" eaLnBrk="1" fontAlgn="base" hangingPunct="1">
+              <a:spcBef>
+                <a:spcPct val="20000"/>
+              </a:spcBef>
+              <a:spcAft>
+                <a:spcPct val="0"/>
+              </a:spcAft>
+              <a:buChar char="–"/>
+              <a:defRPr sz="2000">
+                <a:solidFill>
+                  <a:schemeClr val="tx1"/>
+                </a:solidFill>
+                <a:latin typeface="Tahoma" pitchFamily="34" charset="0"/>
+                <a:cs typeface="Tahoma" pitchFamily="34" charset="0"/>
+              </a:defRPr>
+            </a:lvl4pPr>
+            <a:lvl5pPr marL="2057400" indent="-228600" algn="l" rtl="0" eaLnBrk="1" fontAlgn="base" hangingPunct="1">
+              <a:spcBef>
+                <a:spcPct val="20000"/>
+              </a:spcBef>
+              <a:spcAft>
+                <a:spcPct val="0"/>
+              </a:spcAft>
+              <a:buChar char="»"/>
+              <a:defRPr sz="2000">
+                <a:solidFill>
+                  <a:schemeClr val="tx1"/>
+                </a:solidFill>
+                <a:latin typeface="Tahoma" pitchFamily="34" charset="0"/>
+                <a:cs typeface="Tahoma" pitchFamily="34" charset="0"/>
+              </a:defRPr>
+            </a:lvl5pPr>
+            <a:lvl6pPr marL="2514600" indent="-228600" algn="l" rtl="0" eaLnBrk="1" fontAlgn="base" hangingPunct="1">
+              <a:spcBef>
+                <a:spcPct val="20000"/>
+              </a:spcBef>
+              <a:spcAft>
+                <a:spcPct val="0"/>
+              </a:spcAft>
+              <a:buChar char="»"/>
+              <a:defRPr sz="2000">
+                <a:solidFill>
+                  <a:schemeClr val="tx1"/>
+                </a:solidFill>
+                <a:latin typeface="Arial" charset="0"/>
+              </a:defRPr>
+            </a:lvl6pPr>
+            <a:lvl7pPr marL="2971800" indent="-228600" algn="l" rtl="0" eaLnBrk="1" fontAlgn="base" hangingPunct="1">
+              <a:spcBef>
+                <a:spcPct val="20000"/>
+              </a:spcBef>
+              <a:spcAft>
+                <a:spcPct val="0"/>
+              </a:spcAft>
+              <a:buChar char="»"/>
+              <a:defRPr sz="2000">
+                <a:solidFill>
+                  <a:schemeClr val="tx1"/>
+                </a:solidFill>
+                <a:latin typeface="Arial" charset="0"/>
+              </a:defRPr>
+            </a:lvl7pPr>
+            <a:lvl8pPr marL="3429000" indent="-228600" algn="l" rtl="0" eaLnBrk="1" fontAlgn="base" hangingPunct="1">
+              <a:spcBef>
+                <a:spcPct val="20000"/>
+              </a:spcBef>
+              <a:spcAft>
+                <a:spcPct val="0"/>
+              </a:spcAft>
+              <a:buChar char="»"/>
+              <a:defRPr sz="2000">
+                <a:solidFill>
+                  <a:schemeClr val="tx1"/>
+                </a:solidFill>
+                <a:latin typeface="Arial" charset="0"/>
+              </a:defRPr>
+            </a:lvl8pPr>
+            <a:lvl9pPr marL="3886200" indent="-228600" algn="l" rtl="0" eaLnBrk="1" fontAlgn="base" hangingPunct="1">
+              <a:spcBef>
+                <a:spcPct val="20000"/>
+              </a:spcBef>
+              <a:spcAft>
+                <a:spcPct val="0"/>
+              </a:spcAft>
+              <a:buChar char="»"/>
+              <a:defRPr sz="2000">
+                <a:solidFill>
+                  <a:schemeClr val="tx1"/>
+                </a:solidFill>
+                <a:latin typeface="Arial" charset="0"/>
+              </a:defRPr>
+            </a:lvl9pPr>
+          </a:lstStyle>
+          <a:p>
+            <a:pPr lvl="1">
+              <a:spcAft>
+                <a:spcPts val="600"/>
+              </a:spcAft>
+            </a:pPr>
+            <a:r>
+              <a:rPr lang="en-US" sz="2400" dirty="0" smtClean="0"/>
+              <a:t>Not </a:t>
+            </a:r>
+            <a:r>
+              <a:rPr lang="en-US" sz="2400" dirty="0"/>
+              <a:t>invented by </a:t>
+            </a:r>
+            <a:r>
+              <a:rPr lang="en-US" sz="2400" dirty="0" smtClean="0"/>
+              <a:t>React.</a:t>
+            </a:r>
+          </a:p>
+          <a:p>
+            <a:pPr lvl="1">
+              <a:spcAft>
+                <a:spcPts val="600"/>
+              </a:spcAft>
+            </a:pPr>
+            <a:r>
+              <a:rPr lang="en-US" sz="2400" dirty="0" smtClean="0"/>
+              <a:t>It's </a:t>
+            </a:r>
+            <a:r>
+              <a:rPr lang="en-US" sz="2400" dirty="0"/>
+              <a:t>pure JavaScript, in-memory representation of the </a:t>
+            </a:r>
+            <a:r>
+              <a:rPr lang="en-US" sz="2400" dirty="0" smtClean="0"/>
+              <a:t>DOM.</a:t>
+            </a:r>
+          </a:p>
+          <a:p>
+            <a:pPr lvl="1">
+              <a:spcAft>
+                <a:spcPts val="600"/>
+              </a:spcAft>
+            </a:pPr>
+            <a:endParaRPr lang="en-US" sz="2400" dirty="0" smtClean="0"/>
+          </a:p>
+          <a:p>
+            <a:pPr lvl="1">
+              <a:spcAft>
+                <a:spcPts val="600"/>
+              </a:spcAft>
+            </a:pPr>
+            <a:endParaRPr lang="en-US" sz="2400" dirty="0" smtClean="0"/>
+          </a:p>
+          <a:p>
+            <a:pPr lvl="1">
+              <a:spcAft>
+                <a:spcPts val="600"/>
+              </a:spcAft>
+            </a:pPr>
+            <a:endParaRPr lang="en-US" sz="2400" dirty="0" smtClean="0"/>
+          </a:p>
+          <a:p>
+            <a:pPr lvl="1">
+              <a:spcAft>
+                <a:spcPts val="600"/>
+              </a:spcAft>
+            </a:pPr>
+            <a:endParaRPr lang="en-US" sz="2400" i="1" dirty="0" smtClean="0">
+              <a:solidFill>
+                <a:schemeClr val="tx1">
+                  <a:lumMod val="40000"/>
+                  <a:lumOff val="60000"/>
+                </a:schemeClr>
+              </a:solidFill>
+              <a:sym typeface="Wingdings" panose="05000000000000000000" pitchFamily="2" charset="2"/>
+            </a:endParaRPr>
+          </a:p>
+        </p:txBody>
+      </p:sp>
+      <p:grpSp>
+        <p:nvGrpSpPr>
+          <p:cNvPr id="1031" name="Group 1030"/>
+          <p:cNvGrpSpPr/>
+          <p:nvPr/>
+        </p:nvGrpSpPr>
+        <p:grpSpPr>
+          <a:xfrm>
+            <a:off x="1219200" y="3429000"/>
+            <a:ext cx="1619437" cy="1667037"/>
+            <a:chOff x="1479363" y="3149161"/>
+            <a:chExt cx="1619437" cy="1667037"/>
+          </a:xfrm>
+        </p:grpSpPr>
+        <p:sp>
+          <p:nvSpPr>
+            <p:cNvPr id="4" name="Oval 3"/>
+            <p:cNvSpPr/>
+            <p:nvPr/>
+          </p:nvSpPr>
+          <p:spPr>
+            <a:xfrm>
+              <a:off x="1479363" y="3149161"/>
+              <a:ext cx="304800" cy="304800"/>
+            </a:xfrm>
+            <a:prstGeom prst="ellipse">
+              <a:avLst/>
+            </a:prstGeom>
+          </p:spPr>
+          <p:style>
+            <a:lnRef idx="2">
+              <a:schemeClr val="accent2">
+                <a:shade val="50000"/>
+              </a:schemeClr>
+            </a:lnRef>
+            <a:fillRef idx="1">
+              <a:schemeClr val="accent2"/>
+            </a:fillRef>
+            <a:effectRef idx="0">
+              <a:schemeClr val="accent2"/>
+            </a:effectRef>
+            <a:fontRef idx="minor">
+              <a:schemeClr val="lt1"/>
+            </a:fontRef>
+          </p:style>
+          <p:txBody>
+            <a:bodyPr rtlCol="0" anchor="ctr"/>
+            <a:lstStyle/>
+            <a:p>
+              <a:pPr algn="ctr"/>
+              <a:endParaRPr lang="en-US"/>
+            </a:p>
+          </p:txBody>
+        </p:sp>
+        <p:sp>
+          <p:nvSpPr>
+            <p:cNvPr id="11" name="Oval 10"/>
+            <p:cNvSpPr/>
+            <p:nvPr/>
+          </p:nvSpPr>
+          <p:spPr>
+            <a:xfrm>
+              <a:off x="2057400" y="3581400"/>
+              <a:ext cx="304800" cy="304800"/>
+            </a:xfrm>
+            <a:prstGeom prst="ellipse">
+              <a:avLst/>
+            </a:prstGeom>
+          </p:spPr>
+          <p:style>
+            <a:lnRef idx="2">
+              <a:schemeClr val="accent2">
+                <a:shade val="50000"/>
+              </a:schemeClr>
+            </a:lnRef>
+            <a:fillRef idx="1">
+              <a:schemeClr val="accent2"/>
+            </a:fillRef>
+            <a:effectRef idx="0">
+              <a:schemeClr val="accent2"/>
+            </a:effectRef>
+            <a:fontRef idx="minor">
+              <a:schemeClr val="lt1"/>
+            </a:fontRef>
+          </p:style>
+          <p:txBody>
+            <a:bodyPr rtlCol="0" anchor="ctr"/>
+            <a:lstStyle/>
+            <a:p>
+              <a:pPr algn="ctr"/>
+              <a:endParaRPr lang="en-US"/>
+            </a:p>
+          </p:txBody>
+        </p:sp>
+        <p:sp>
+          <p:nvSpPr>
+            <p:cNvPr id="12" name="Oval 11"/>
+            <p:cNvSpPr/>
+            <p:nvPr/>
+          </p:nvSpPr>
+          <p:spPr>
+            <a:xfrm>
+              <a:off x="1696720" y="4207032"/>
+              <a:ext cx="304800" cy="304800"/>
+            </a:xfrm>
+            <a:prstGeom prst="ellipse">
+              <a:avLst/>
+            </a:prstGeom>
+          </p:spPr>
+          <p:style>
+            <a:lnRef idx="2">
+              <a:schemeClr val="accent2">
+                <a:shade val="50000"/>
+              </a:schemeClr>
+            </a:lnRef>
+            <a:fillRef idx="1">
+              <a:schemeClr val="accent2"/>
+            </a:fillRef>
+            <a:effectRef idx="0">
+              <a:schemeClr val="accent2"/>
+            </a:effectRef>
+            <a:fontRef idx="minor">
+              <a:schemeClr val="lt1"/>
+            </a:fontRef>
+          </p:style>
+          <p:txBody>
+            <a:bodyPr rtlCol="0" anchor="ctr"/>
+            <a:lstStyle/>
+            <a:p>
+              <a:pPr algn="ctr"/>
+              <a:endParaRPr lang="en-US"/>
+            </a:p>
+          </p:txBody>
+        </p:sp>
+        <p:sp>
+          <p:nvSpPr>
+            <p:cNvPr id="13" name="Oval 12"/>
+            <p:cNvSpPr/>
+            <p:nvPr/>
+          </p:nvSpPr>
+          <p:spPr>
+            <a:xfrm>
+              <a:off x="2554316" y="4511398"/>
+              <a:ext cx="304800" cy="304800"/>
+            </a:xfrm>
+            <a:prstGeom prst="ellipse">
+              <a:avLst/>
+            </a:prstGeom>
+          </p:spPr>
+          <p:style>
+            <a:lnRef idx="2">
+              <a:schemeClr val="accent2">
+                <a:shade val="50000"/>
+              </a:schemeClr>
+            </a:lnRef>
+            <a:fillRef idx="1">
+              <a:schemeClr val="accent2"/>
+            </a:fillRef>
+            <a:effectRef idx="0">
+              <a:schemeClr val="accent2"/>
+            </a:effectRef>
+            <a:fontRef idx="minor">
+              <a:schemeClr val="lt1"/>
+            </a:fontRef>
+          </p:style>
+          <p:txBody>
+            <a:bodyPr rtlCol="0" anchor="ctr"/>
+            <a:lstStyle/>
+            <a:p>
+              <a:pPr algn="ctr"/>
+              <a:endParaRPr lang="en-US"/>
+            </a:p>
+          </p:txBody>
+        </p:sp>
+        <p:sp>
+          <p:nvSpPr>
+            <p:cNvPr id="14" name="Oval 13"/>
+            <p:cNvSpPr/>
+            <p:nvPr/>
+          </p:nvSpPr>
+          <p:spPr>
+            <a:xfrm>
+              <a:off x="2794000" y="3741816"/>
+              <a:ext cx="304800" cy="304800"/>
+            </a:xfrm>
+            <a:prstGeom prst="ellipse">
+              <a:avLst/>
+            </a:prstGeom>
+          </p:spPr>
+          <p:style>
+            <a:lnRef idx="2">
+              <a:schemeClr val="accent2">
+                <a:shade val="50000"/>
+              </a:schemeClr>
+            </a:lnRef>
+            <a:fillRef idx="1">
+              <a:schemeClr val="accent2"/>
+            </a:fillRef>
+            <a:effectRef idx="0">
+              <a:schemeClr val="accent2"/>
+            </a:effectRef>
+            <a:fontRef idx="minor">
+              <a:schemeClr val="lt1"/>
+            </a:fontRef>
+          </p:style>
+          <p:txBody>
+            <a:bodyPr rtlCol="0" anchor="ctr"/>
+            <a:lstStyle/>
+            <a:p>
+              <a:pPr algn="ctr"/>
+              <a:endParaRPr lang="en-US"/>
+            </a:p>
+          </p:txBody>
+        </p:sp>
+        <p:cxnSp>
+          <p:nvCxnSpPr>
+            <p:cNvPr id="28" name="Straight Connector 27"/>
+            <p:cNvCxnSpPr>
+              <a:stCxn id="4" idx="5"/>
+              <a:endCxn id="11" idx="1"/>
+            </p:cNvCxnSpPr>
+            <p:nvPr/>
+          </p:nvCxnSpPr>
+          <p:spPr>
+            <a:xfrm>
+              <a:off x="1739526" y="3409324"/>
+              <a:ext cx="362511" cy="216713"/>
+            </a:xfrm>
+            <a:prstGeom prst="line">
+              <a:avLst/>
+            </a:prstGeom>
+          </p:spPr>
+          <p:style>
+            <a:lnRef idx="1">
+              <a:schemeClr val="accent6"/>
+            </a:lnRef>
+            <a:fillRef idx="0">
+              <a:schemeClr val="accent6"/>
+            </a:fillRef>
+            <a:effectRef idx="0">
+              <a:schemeClr val="accent6"/>
+            </a:effectRef>
+            <a:fontRef idx="minor">
+              <a:schemeClr val="tx1"/>
+            </a:fontRef>
+          </p:style>
+        </p:cxnSp>
+        <p:cxnSp>
+          <p:nvCxnSpPr>
+            <p:cNvPr id="30" name="Straight Connector 29"/>
+            <p:cNvCxnSpPr>
+              <a:stCxn id="12" idx="6"/>
+              <a:endCxn id="13" idx="1"/>
+            </p:cNvCxnSpPr>
+            <p:nvPr/>
+          </p:nvCxnSpPr>
+          <p:spPr>
+            <a:xfrm>
+              <a:off x="2001520" y="4359432"/>
+              <a:ext cx="597433" cy="196603"/>
+            </a:xfrm>
+            <a:prstGeom prst="line">
+              <a:avLst/>
+            </a:prstGeom>
+          </p:spPr>
+          <p:style>
+            <a:lnRef idx="1">
+              <a:schemeClr val="accent6"/>
+            </a:lnRef>
+            <a:fillRef idx="0">
+              <a:schemeClr val="accent6"/>
+            </a:fillRef>
+            <a:effectRef idx="0">
+              <a:schemeClr val="accent6"/>
+            </a:effectRef>
+            <a:fontRef idx="minor">
+              <a:schemeClr val="tx1"/>
+            </a:fontRef>
+          </p:style>
+        </p:cxnSp>
+        <p:cxnSp>
+          <p:nvCxnSpPr>
+            <p:cNvPr id="1028" name="Straight Connector 1027"/>
+            <p:cNvCxnSpPr>
+              <a:stCxn id="11" idx="3"/>
+              <a:endCxn id="12" idx="7"/>
+            </p:cNvCxnSpPr>
+            <p:nvPr/>
+          </p:nvCxnSpPr>
+          <p:spPr>
+            <a:xfrm flipH="1">
+              <a:off x="1956883" y="3841563"/>
+              <a:ext cx="145154" cy="410106"/>
+            </a:xfrm>
+            <a:prstGeom prst="line">
+              <a:avLst/>
+            </a:prstGeom>
+          </p:spPr>
+          <p:style>
+            <a:lnRef idx="1">
+              <a:schemeClr val="accent6"/>
+            </a:lnRef>
+            <a:fillRef idx="0">
+              <a:schemeClr val="accent6"/>
+            </a:fillRef>
+            <a:effectRef idx="0">
+              <a:schemeClr val="accent6"/>
+            </a:effectRef>
+            <a:fontRef idx="minor">
+              <a:schemeClr val="tx1"/>
+            </a:fontRef>
+          </p:style>
+        </p:cxnSp>
+        <p:cxnSp>
+          <p:nvCxnSpPr>
+            <p:cNvPr id="1030" name="Straight Connector 1029"/>
+            <p:cNvCxnSpPr>
+              <a:stCxn id="11" idx="6"/>
+              <a:endCxn id="14" idx="2"/>
+            </p:cNvCxnSpPr>
+            <p:nvPr/>
+          </p:nvCxnSpPr>
+          <p:spPr>
+            <a:xfrm>
+              <a:off x="2362200" y="3733800"/>
+              <a:ext cx="431800" cy="160416"/>
+            </a:xfrm>
+            <a:prstGeom prst="line">
+              <a:avLst/>
+            </a:prstGeom>
+          </p:spPr>
+          <p:style>
+            <a:lnRef idx="1">
+              <a:schemeClr val="accent6"/>
+            </a:lnRef>
+            <a:fillRef idx="0">
+              <a:schemeClr val="accent6"/>
+            </a:fillRef>
+            <a:effectRef idx="0">
+              <a:schemeClr val="accent6"/>
+            </a:effectRef>
+            <a:fontRef idx="minor">
+              <a:schemeClr val="tx1"/>
+            </a:fontRef>
+          </p:style>
+        </p:cxnSp>
+      </p:grpSp>
+      <p:cxnSp>
+        <p:nvCxnSpPr>
+          <p:cNvPr id="41" name="Straight Connector 40"/>
+          <p:cNvCxnSpPr>
+            <a:stCxn id="13" idx="0"/>
+          </p:cNvCxnSpPr>
+          <p:nvPr/>
+        </p:nvCxnSpPr>
+        <p:spPr>
+          <a:xfrm flipV="1">
+            <a:off x="2446553" y="4326456"/>
+            <a:ext cx="239684" cy="464781"/>
+          </a:xfrm>
+          <a:prstGeom prst="line">
+            <a:avLst/>
+          </a:prstGeom>
+        </p:spPr>
+        <p:style>
+          <a:lnRef idx="1">
+            <a:schemeClr val="accent6"/>
+          </a:lnRef>
+          <a:fillRef idx="0">
+            <a:schemeClr val="accent6"/>
+          </a:fillRef>
+          <a:effectRef idx="0">
+            <a:schemeClr val="accent6"/>
+          </a:effectRef>
+          <a:fontRef idx="minor">
+            <a:schemeClr val="tx1"/>
+          </a:fontRef>
+        </p:style>
+      </p:cxnSp>
+      <p:cxnSp>
+        <p:nvCxnSpPr>
+          <p:cNvPr id="71" name="Straight Connector 70"/>
+          <p:cNvCxnSpPr>
+            <a:stCxn id="62" idx="0"/>
+          </p:cNvCxnSpPr>
+          <p:nvPr/>
+        </p:nvCxnSpPr>
+        <p:spPr>
+          <a:xfrm flipV="1">
+            <a:off x="4572000" y="4493779"/>
+            <a:ext cx="3595" cy="262184"/>
+          </a:xfrm>
+          <a:prstGeom prst="line">
+            <a:avLst/>
+          </a:prstGeom>
+        </p:spPr>
+        <p:style>
+          <a:lnRef idx="1">
+            <a:schemeClr val="accent6"/>
+          </a:lnRef>
+          <a:fillRef idx="0">
+            <a:schemeClr val="accent6"/>
+          </a:fillRef>
+          <a:effectRef idx="0">
+            <a:schemeClr val="accent6"/>
+          </a:effectRef>
+          <a:fontRef idx="minor">
+            <a:schemeClr val="tx1"/>
+          </a:fontRef>
+        </p:style>
+      </p:cxnSp>
+      <p:sp>
+        <p:nvSpPr>
+          <p:cNvPr id="1052" name="Oval 1051"/>
+          <p:cNvSpPr/>
+          <p:nvPr/>
+        </p:nvSpPr>
+        <p:spPr>
+          <a:xfrm>
+            <a:off x="3276600" y="3050828"/>
+            <a:ext cx="2362200" cy="2286000"/>
+          </a:xfrm>
+          <a:prstGeom prst="ellipse">
+            <a:avLst/>
+          </a:prstGeom>
+          <a:solidFill>
+            <a:schemeClr val="accent1">
+              <a:lumMod val="20000"/>
+              <a:lumOff val="80000"/>
+            </a:schemeClr>
+          </a:solidFill>
+          <a:ln>
+            <a:solidFill>
+              <a:schemeClr val="accent1">
+                <a:lumMod val="40000"/>
+                <a:lumOff val="60000"/>
+              </a:schemeClr>
+            </a:solidFill>
+          </a:ln>
+        </p:spPr>
+        <p:style>
+          <a:lnRef idx="2">
+            <a:schemeClr val="accent1">
+              <a:shade val="50000"/>
+            </a:schemeClr>
+          </a:lnRef>
+          <a:fillRef idx="1">
+            <a:schemeClr val="accent1"/>
+          </a:fillRef>
+          <a:effectRef idx="0">
+            <a:schemeClr val="accent1"/>
+          </a:effectRef>
+          <a:fontRef idx="minor">
+            <a:schemeClr val="lt1"/>
+          </a:fontRef>
+        </p:style>
+        <p:txBody>
+          <a:bodyPr rtlCol="0" anchor="ctr"/>
+          <a:lstStyle/>
+          <a:p>
+            <a:pPr algn="ctr"/>
+            <a:endParaRPr lang="en-US"/>
+          </a:p>
+        </p:txBody>
+      </p:sp>
+      <p:grpSp>
+        <p:nvGrpSpPr>
+          <p:cNvPr id="1053" name="Group 1052"/>
+          <p:cNvGrpSpPr/>
+          <p:nvPr/>
+        </p:nvGrpSpPr>
+        <p:grpSpPr>
+          <a:xfrm>
+            <a:off x="3581400" y="3276600"/>
+            <a:ext cx="1676400" cy="1739526"/>
+            <a:chOff x="3581400" y="3245037"/>
+            <a:chExt cx="1676400" cy="1739526"/>
+          </a:xfrm>
+        </p:grpSpPr>
+        <p:sp>
+          <p:nvSpPr>
+            <p:cNvPr id="1045" name="Rectangle 1044"/>
+            <p:cNvSpPr/>
+            <p:nvPr/>
+          </p:nvSpPr>
+          <p:spPr>
+            <a:xfrm>
+              <a:off x="4343400" y="3245037"/>
+              <a:ext cx="457200" cy="260163"/>
+            </a:xfrm>
+            <a:prstGeom prst="rect">
+              <a:avLst/>
+            </a:prstGeom>
+          </p:spPr>
+          <p:style>
+            <a:lnRef idx="1">
+              <a:schemeClr val="accent2"/>
+            </a:lnRef>
+            <a:fillRef idx="2">
+              <a:schemeClr val="accent2"/>
+            </a:fillRef>
+            <a:effectRef idx="1">
+              <a:schemeClr val="accent2"/>
+            </a:effectRef>
+            <a:fontRef idx="minor">
+              <a:schemeClr val="dk1"/>
+            </a:fontRef>
+          </p:style>
+          <p:txBody>
+            <a:bodyPr rtlCol="0" anchor="ctr"/>
+            <a:lstStyle/>
+            <a:p>
+              <a:pPr algn="ctr"/>
+              <a:endParaRPr lang="en-US"/>
+            </a:p>
+          </p:txBody>
+        </p:sp>
+        <p:sp>
+          <p:nvSpPr>
+            <p:cNvPr id="55" name="Rectangle 54"/>
+            <p:cNvSpPr/>
+            <p:nvPr/>
+          </p:nvSpPr>
+          <p:spPr>
+            <a:xfrm>
+              <a:off x="4800600" y="3715727"/>
+              <a:ext cx="457200" cy="260163"/>
+            </a:xfrm>
+            <a:prstGeom prst="rect">
+              <a:avLst/>
+            </a:prstGeom>
+          </p:spPr>
+          <p:style>
+            <a:lnRef idx="1">
+              <a:schemeClr val="accent2"/>
+            </a:lnRef>
+            <a:fillRef idx="2">
+              <a:schemeClr val="accent2"/>
+            </a:fillRef>
+            <a:effectRef idx="1">
+              <a:schemeClr val="accent2"/>
+            </a:effectRef>
+            <a:fontRef idx="minor">
+              <a:schemeClr val="dk1"/>
+            </a:fontRef>
+          </p:style>
+          <p:txBody>
+            <a:bodyPr rtlCol="0" anchor="ctr"/>
+            <a:lstStyle/>
+            <a:p>
+              <a:pPr algn="ctr"/>
+              <a:endParaRPr lang="en-US"/>
+            </a:p>
+          </p:txBody>
+        </p:sp>
+        <p:sp>
+          <p:nvSpPr>
+            <p:cNvPr id="56" name="Rectangle 55"/>
+            <p:cNvSpPr/>
+            <p:nvPr/>
+          </p:nvSpPr>
+          <p:spPr>
+            <a:xfrm>
+              <a:off x="3962400" y="3712899"/>
+              <a:ext cx="457200" cy="260163"/>
+            </a:xfrm>
+            <a:prstGeom prst="rect">
+              <a:avLst/>
+            </a:prstGeom>
+          </p:spPr>
+          <p:style>
+            <a:lnRef idx="1">
+              <a:schemeClr val="accent2"/>
+            </a:lnRef>
+            <a:fillRef idx="2">
+              <a:schemeClr val="accent2"/>
+            </a:fillRef>
+            <a:effectRef idx="1">
+              <a:schemeClr val="accent2"/>
+            </a:effectRef>
+            <a:fontRef idx="minor">
+              <a:schemeClr val="dk1"/>
+            </a:fontRef>
+          </p:style>
+          <p:txBody>
+            <a:bodyPr rtlCol="0" anchor="ctr"/>
+            <a:lstStyle/>
+            <a:p>
+              <a:pPr algn="ctr"/>
+              <a:endParaRPr lang="en-US"/>
+            </a:p>
+          </p:txBody>
+        </p:sp>
+        <p:sp>
+          <p:nvSpPr>
+            <p:cNvPr id="60" name="Rectangle 59"/>
+            <p:cNvSpPr/>
+            <p:nvPr/>
+          </p:nvSpPr>
+          <p:spPr>
+            <a:xfrm>
+              <a:off x="4343400" y="4193828"/>
+              <a:ext cx="457200" cy="260163"/>
+            </a:xfrm>
+            <a:prstGeom prst="rect">
+              <a:avLst/>
+            </a:prstGeom>
+          </p:spPr>
+          <p:style>
+            <a:lnRef idx="1">
+              <a:schemeClr val="accent2"/>
+            </a:lnRef>
+            <a:fillRef idx="2">
+              <a:schemeClr val="accent2"/>
+            </a:fillRef>
+            <a:effectRef idx="1">
+              <a:schemeClr val="accent2"/>
+            </a:effectRef>
+            <a:fontRef idx="minor">
+              <a:schemeClr val="dk1"/>
+            </a:fontRef>
+          </p:style>
+          <p:txBody>
+            <a:bodyPr rtlCol="0" anchor="ctr"/>
+            <a:lstStyle/>
+            <a:p>
+              <a:pPr algn="ctr"/>
+              <a:endParaRPr lang="en-US"/>
+            </a:p>
+          </p:txBody>
+        </p:sp>
+        <p:sp>
+          <p:nvSpPr>
+            <p:cNvPr id="61" name="Rectangle 60"/>
+            <p:cNvSpPr/>
+            <p:nvPr/>
+          </p:nvSpPr>
+          <p:spPr>
+            <a:xfrm>
+              <a:off x="3581400" y="4191000"/>
+              <a:ext cx="457200" cy="260163"/>
+            </a:xfrm>
+            <a:prstGeom prst="rect">
+              <a:avLst/>
+            </a:prstGeom>
+          </p:spPr>
+          <p:style>
+            <a:lnRef idx="1">
+              <a:schemeClr val="accent2"/>
+            </a:lnRef>
+            <a:fillRef idx="2">
+              <a:schemeClr val="accent2"/>
+            </a:fillRef>
+            <a:effectRef idx="1">
+              <a:schemeClr val="accent2"/>
+            </a:effectRef>
+            <a:fontRef idx="minor">
+              <a:schemeClr val="dk1"/>
+            </a:fontRef>
+          </p:style>
+          <p:txBody>
+            <a:bodyPr rtlCol="0" anchor="ctr"/>
+            <a:lstStyle/>
+            <a:p>
+              <a:pPr algn="ctr"/>
+              <a:endParaRPr lang="en-US"/>
+            </a:p>
+          </p:txBody>
+        </p:sp>
+        <p:sp>
+          <p:nvSpPr>
+            <p:cNvPr id="62" name="Rectangle 61"/>
+            <p:cNvSpPr/>
+            <p:nvPr/>
+          </p:nvSpPr>
+          <p:spPr>
+            <a:xfrm>
+              <a:off x="4343400" y="4724400"/>
+              <a:ext cx="457200" cy="260163"/>
+            </a:xfrm>
+            <a:prstGeom prst="rect">
+              <a:avLst/>
+            </a:prstGeom>
+          </p:spPr>
+          <p:style>
+            <a:lnRef idx="1">
+              <a:schemeClr val="accent2"/>
+            </a:lnRef>
+            <a:fillRef idx="2">
+              <a:schemeClr val="accent2"/>
+            </a:fillRef>
+            <a:effectRef idx="1">
+              <a:schemeClr val="accent2"/>
+            </a:effectRef>
+            <a:fontRef idx="minor">
+              <a:schemeClr val="dk1"/>
+            </a:fontRef>
+          </p:style>
+          <p:txBody>
+            <a:bodyPr rtlCol="0" anchor="ctr"/>
+            <a:lstStyle/>
+            <a:p>
+              <a:pPr algn="ctr"/>
+              <a:endParaRPr lang="en-US"/>
+            </a:p>
+          </p:txBody>
+        </p:sp>
+        <p:cxnSp>
+          <p:nvCxnSpPr>
+            <p:cNvPr id="1047" name="Straight Connector 1046"/>
+            <p:cNvCxnSpPr>
+              <a:stCxn id="1045" idx="2"/>
+              <a:endCxn id="56" idx="0"/>
+            </p:cNvCxnSpPr>
+            <p:nvPr/>
+          </p:nvCxnSpPr>
+          <p:spPr>
+            <a:xfrm flipH="1">
+              <a:off x="4191000" y="3505200"/>
+              <a:ext cx="381000" cy="207699"/>
+            </a:xfrm>
+            <a:prstGeom prst="line">
+              <a:avLst/>
+            </a:prstGeom>
+          </p:spPr>
+          <p:style>
+            <a:lnRef idx="1">
+              <a:schemeClr val="accent6"/>
+            </a:lnRef>
+            <a:fillRef idx="0">
+              <a:schemeClr val="accent6"/>
+            </a:fillRef>
+            <a:effectRef idx="0">
+              <a:schemeClr val="accent6"/>
+            </a:effectRef>
+            <a:fontRef idx="minor">
+              <a:schemeClr val="tx1"/>
+            </a:fontRef>
+          </p:style>
+        </p:cxnSp>
+        <p:cxnSp>
+          <p:nvCxnSpPr>
+            <p:cNvPr id="65" name="Straight Connector 64"/>
+            <p:cNvCxnSpPr>
+              <a:stCxn id="55" idx="0"/>
+            </p:cNvCxnSpPr>
+            <p:nvPr/>
+          </p:nvCxnSpPr>
+          <p:spPr>
+            <a:xfrm flipH="1" flipV="1">
+              <a:off x="4572000" y="3512389"/>
+              <a:ext cx="457200" cy="203338"/>
+            </a:xfrm>
+            <a:prstGeom prst="line">
+              <a:avLst/>
+            </a:prstGeom>
+          </p:spPr>
+          <p:style>
+            <a:lnRef idx="1">
+              <a:schemeClr val="accent6"/>
+            </a:lnRef>
+            <a:fillRef idx="0">
+              <a:schemeClr val="accent6"/>
+            </a:fillRef>
+            <a:effectRef idx="0">
+              <a:schemeClr val="accent6"/>
+            </a:effectRef>
+            <a:fontRef idx="minor">
+              <a:schemeClr val="tx1"/>
+            </a:fontRef>
+          </p:style>
+        </p:cxnSp>
+        <p:cxnSp>
+          <p:nvCxnSpPr>
+            <p:cNvPr id="67" name="Straight Connector 66"/>
+            <p:cNvCxnSpPr/>
+            <p:nvPr/>
+          </p:nvCxnSpPr>
+          <p:spPr>
+            <a:xfrm flipH="1">
+              <a:off x="3810000" y="3986129"/>
+              <a:ext cx="381000" cy="207699"/>
+            </a:xfrm>
+            <a:prstGeom prst="line">
+              <a:avLst/>
+            </a:prstGeom>
+          </p:spPr>
+          <p:style>
+            <a:lnRef idx="1">
+              <a:schemeClr val="accent6"/>
+            </a:lnRef>
+            <a:fillRef idx="0">
+              <a:schemeClr val="accent6"/>
+            </a:fillRef>
+            <a:effectRef idx="0">
+              <a:schemeClr val="accent6"/>
+            </a:effectRef>
+            <a:fontRef idx="minor">
+              <a:schemeClr val="tx1"/>
+            </a:fontRef>
+          </p:style>
+        </p:cxnSp>
+        <p:cxnSp>
+          <p:nvCxnSpPr>
+            <p:cNvPr id="68" name="Straight Connector 67"/>
+            <p:cNvCxnSpPr>
+              <a:stCxn id="60" idx="0"/>
+            </p:cNvCxnSpPr>
+            <p:nvPr/>
+          </p:nvCxnSpPr>
+          <p:spPr>
+            <a:xfrm flipH="1" flipV="1">
+              <a:off x="4274390" y="3986129"/>
+              <a:ext cx="297610" cy="207699"/>
+            </a:xfrm>
+            <a:prstGeom prst="line">
+              <a:avLst/>
+            </a:prstGeom>
+          </p:spPr>
+          <p:style>
+            <a:lnRef idx="1">
+              <a:schemeClr val="accent6"/>
+            </a:lnRef>
+            <a:fillRef idx="0">
+              <a:schemeClr val="accent6"/>
+            </a:fillRef>
+            <a:effectRef idx="0">
+              <a:schemeClr val="accent6"/>
+            </a:effectRef>
+            <a:fontRef idx="minor">
+              <a:schemeClr val="tx1"/>
+            </a:fontRef>
+          </p:style>
+        </p:cxnSp>
+      </p:grpSp>
+      <p:grpSp>
+        <p:nvGrpSpPr>
+          <p:cNvPr id="75" name="Group 74"/>
+          <p:cNvGrpSpPr/>
+          <p:nvPr/>
+        </p:nvGrpSpPr>
+        <p:grpSpPr>
+          <a:xfrm>
+            <a:off x="6020595" y="3048000"/>
+            <a:ext cx="2056605" cy="2060228"/>
+            <a:chOff x="3581400" y="3245037"/>
+            <a:chExt cx="1676400" cy="1739526"/>
+          </a:xfrm>
+        </p:grpSpPr>
+        <p:sp>
+          <p:nvSpPr>
+            <p:cNvPr id="76" name="Rectangle 75"/>
+            <p:cNvSpPr/>
+            <p:nvPr/>
+          </p:nvSpPr>
+          <p:spPr>
+            <a:xfrm>
+              <a:off x="4343400" y="3245037"/>
+              <a:ext cx="457200" cy="260163"/>
+            </a:xfrm>
+            <a:prstGeom prst="rect">
+              <a:avLst/>
+            </a:prstGeom>
+          </p:spPr>
+          <p:style>
+            <a:lnRef idx="1">
+              <a:schemeClr val="accent2"/>
+            </a:lnRef>
+            <a:fillRef idx="3">
+              <a:schemeClr val="accent2"/>
+            </a:fillRef>
+            <a:effectRef idx="2">
+              <a:schemeClr val="accent2"/>
+            </a:effectRef>
+            <a:fontRef idx="minor">
+              <a:schemeClr val="lt1"/>
+            </a:fontRef>
+          </p:style>
+          <p:txBody>
+            <a:bodyPr rtlCol="0" anchor="ctr"/>
+            <a:lstStyle/>
+            <a:p>
+              <a:pPr algn="ctr"/>
+              <a:endParaRPr lang="en-US"/>
+            </a:p>
+          </p:txBody>
+        </p:sp>
+        <p:sp>
+          <p:nvSpPr>
+            <p:cNvPr id="77" name="Rectangle 76"/>
+            <p:cNvSpPr/>
+            <p:nvPr/>
+          </p:nvSpPr>
+          <p:spPr>
+            <a:xfrm>
+              <a:off x="4800600" y="3715727"/>
+              <a:ext cx="457200" cy="260163"/>
+            </a:xfrm>
+            <a:prstGeom prst="rect">
+              <a:avLst/>
+            </a:prstGeom>
+          </p:spPr>
+          <p:style>
+            <a:lnRef idx="1">
+              <a:schemeClr val="accent2"/>
+            </a:lnRef>
+            <a:fillRef idx="3">
+              <a:schemeClr val="accent2"/>
+            </a:fillRef>
+            <a:effectRef idx="2">
+              <a:schemeClr val="accent2"/>
+            </a:effectRef>
+            <a:fontRef idx="minor">
+              <a:schemeClr val="lt1"/>
+            </a:fontRef>
+          </p:style>
+          <p:txBody>
+            <a:bodyPr rtlCol="0" anchor="ctr"/>
+            <a:lstStyle/>
+            <a:p>
+              <a:pPr algn="ctr"/>
+              <a:endParaRPr lang="en-US"/>
+            </a:p>
+          </p:txBody>
+        </p:sp>
+        <p:sp>
+          <p:nvSpPr>
+            <p:cNvPr id="78" name="Rectangle 77"/>
+            <p:cNvSpPr/>
+            <p:nvPr/>
+          </p:nvSpPr>
+          <p:spPr>
+            <a:xfrm>
+              <a:off x="3962400" y="3712899"/>
+              <a:ext cx="457200" cy="260163"/>
+            </a:xfrm>
+            <a:prstGeom prst="rect">
+              <a:avLst/>
+            </a:prstGeom>
+          </p:spPr>
+          <p:style>
+            <a:lnRef idx="1">
+              <a:schemeClr val="accent2"/>
+            </a:lnRef>
+            <a:fillRef idx="3">
+              <a:schemeClr val="accent2"/>
+            </a:fillRef>
+            <a:effectRef idx="2">
+              <a:schemeClr val="accent2"/>
+            </a:effectRef>
+            <a:fontRef idx="minor">
+              <a:schemeClr val="lt1"/>
+            </a:fontRef>
+          </p:style>
+          <p:txBody>
+            <a:bodyPr rtlCol="0" anchor="ctr"/>
+            <a:lstStyle/>
+            <a:p>
+              <a:pPr algn="ctr"/>
+              <a:endParaRPr lang="en-US"/>
+            </a:p>
+          </p:txBody>
+        </p:sp>
+        <p:sp>
+          <p:nvSpPr>
+            <p:cNvPr id="79" name="Rectangle 78"/>
+            <p:cNvSpPr/>
+            <p:nvPr/>
+          </p:nvSpPr>
+          <p:spPr>
+            <a:xfrm>
+              <a:off x="4343400" y="4193828"/>
+              <a:ext cx="457200" cy="260163"/>
+            </a:xfrm>
+            <a:prstGeom prst="rect">
+              <a:avLst/>
+            </a:prstGeom>
+          </p:spPr>
+          <p:style>
+            <a:lnRef idx="1">
+              <a:schemeClr val="accent2"/>
+            </a:lnRef>
+            <a:fillRef idx="3">
+              <a:schemeClr val="accent2"/>
+            </a:fillRef>
+            <a:effectRef idx="2">
+              <a:schemeClr val="accent2"/>
+            </a:effectRef>
+            <a:fontRef idx="minor">
+              <a:schemeClr val="lt1"/>
+            </a:fontRef>
+          </p:style>
+          <p:txBody>
+            <a:bodyPr rtlCol="0" anchor="ctr"/>
+            <a:lstStyle/>
+            <a:p>
+              <a:pPr algn="ctr"/>
+              <a:endParaRPr lang="en-US"/>
+            </a:p>
+          </p:txBody>
+        </p:sp>
+        <p:sp>
+          <p:nvSpPr>
+            <p:cNvPr id="80" name="Rectangle 79"/>
+            <p:cNvSpPr/>
+            <p:nvPr/>
+          </p:nvSpPr>
+          <p:spPr>
+            <a:xfrm>
+              <a:off x="3581400" y="4191000"/>
+              <a:ext cx="457200" cy="260163"/>
+            </a:xfrm>
+            <a:prstGeom prst="rect">
+              <a:avLst/>
+            </a:prstGeom>
+          </p:spPr>
+          <p:style>
+            <a:lnRef idx="1">
+              <a:schemeClr val="accent2"/>
+            </a:lnRef>
+            <a:fillRef idx="3">
+              <a:schemeClr val="accent2"/>
+            </a:fillRef>
+            <a:effectRef idx="2">
+              <a:schemeClr val="accent2"/>
+            </a:effectRef>
+            <a:fontRef idx="minor">
+              <a:schemeClr val="lt1"/>
+            </a:fontRef>
+          </p:style>
+          <p:txBody>
+            <a:bodyPr rtlCol="0" anchor="ctr"/>
+            <a:lstStyle/>
+            <a:p>
+              <a:pPr algn="ctr"/>
+              <a:endParaRPr lang="en-US"/>
+            </a:p>
+          </p:txBody>
+        </p:sp>
+        <p:sp>
+          <p:nvSpPr>
+            <p:cNvPr id="81" name="Rectangle 80"/>
+            <p:cNvSpPr/>
+            <p:nvPr/>
+          </p:nvSpPr>
+          <p:spPr>
+            <a:xfrm>
+              <a:off x="4343400" y="4724400"/>
+              <a:ext cx="457200" cy="260163"/>
+            </a:xfrm>
+            <a:prstGeom prst="rect">
+              <a:avLst/>
+            </a:prstGeom>
+          </p:spPr>
+          <p:style>
+            <a:lnRef idx="1">
+              <a:schemeClr val="accent2"/>
+            </a:lnRef>
+            <a:fillRef idx="3">
+              <a:schemeClr val="accent2"/>
+            </a:fillRef>
+            <a:effectRef idx="2">
+              <a:schemeClr val="accent2"/>
+            </a:effectRef>
+            <a:fontRef idx="minor">
+              <a:schemeClr val="lt1"/>
+            </a:fontRef>
+          </p:style>
+          <p:txBody>
+            <a:bodyPr rtlCol="0" anchor="ctr"/>
+            <a:lstStyle/>
+            <a:p>
+              <a:pPr algn="ctr"/>
+              <a:endParaRPr lang="en-US"/>
+            </a:p>
+          </p:txBody>
+        </p:sp>
+        <p:cxnSp>
+          <p:nvCxnSpPr>
+            <p:cNvPr id="82" name="Straight Connector 81"/>
+            <p:cNvCxnSpPr>
+              <a:stCxn id="76" idx="2"/>
+              <a:endCxn id="78" idx="0"/>
+            </p:cNvCxnSpPr>
+            <p:nvPr/>
+          </p:nvCxnSpPr>
+          <p:spPr>
+            <a:xfrm flipH="1">
+              <a:off x="4191000" y="3505200"/>
+              <a:ext cx="381000" cy="207699"/>
+            </a:xfrm>
+            <a:prstGeom prst="line">
+              <a:avLst/>
+            </a:prstGeom>
+          </p:spPr>
+          <p:style>
+            <a:lnRef idx="1">
+              <a:schemeClr val="accent2"/>
+            </a:lnRef>
+            <a:fillRef idx="3">
+              <a:schemeClr val="accent2"/>
+            </a:fillRef>
+            <a:effectRef idx="2">
+              <a:schemeClr val="accent2"/>
+            </a:effectRef>
+            <a:fontRef idx="minor">
+              <a:schemeClr val="lt1"/>
+            </a:fontRef>
+          </p:style>
+        </p:cxnSp>
+        <p:cxnSp>
+          <p:nvCxnSpPr>
+            <p:cNvPr id="83" name="Straight Connector 82"/>
+            <p:cNvCxnSpPr>
+              <a:stCxn id="77" idx="0"/>
+            </p:cNvCxnSpPr>
+            <p:nvPr/>
+          </p:nvCxnSpPr>
+          <p:spPr>
+            <a:xfrm flipH="1" flipV="1">
+              <a:off x="4572000" y="3512389"/>
+              <a:ext cx="457200" cy="203338"/>
+            </a:xfrm>
+            <a:prstGeom prst="line">
+              <a:avLst/>
+            </a:prstGeom>
+          </p:spPr>
+          <p:style>
+            <a:lnRef idx="1">
+              <a:schemeClr val="accent2"/>
+            </a:lnRef>
+            <a:fillRef idx="3">
+              <a:schemeClr val="accent2"/>
+            </a:fillRef>
+            <a:effectRef idx="2">
+              <a:schemeClr val="accent2"/>
+            </a:effectRef>
+            <a:fontRef idx="minor">
+              <a:schemeClr val="lt1"/>
+            </a:fontRef>
+          </p:style>
+        </p:cxnSp>
+        <p:cxnSp>
+          <p:nvCxnSpPr>
+            <p:cNvPr id="84" name="Straight Connector 83"/>
+            <p:cNvCxnSpPr/>
+            <p:nvPr/>
+          </p:nvCxnSpPr>
+          <p:spPr>
+            <a:xfrm flipH="1">
+              <a:off x="3810000" y="3986129"/>
+              <a:ext cx="381000" cy="207699"/>
+            </a:xfrm>
+            <a:prstGeom prst="line">
+              <a:avLst/>
+            </a:prstGeom>
+          </p:spPr>
+          <p:style>
+            <a:lnRef idx="1">
+              <a:schemeClr val="accent2"/>
+            </a:lnRef>
+            <a:fillRef idx="3">
+              <a:schemeClr val="accent2"/>
+            </a:fillRef>
+            <a:effectRef idx="2">
+              <a:schemeClr val="accent2"/>
+            </a:effectRef>
+            <a:fontRef idx="minor">
+              <a:schemeClr val="lt1"/>
+            </a:fontRef>
+          </p:style>
+        </p:cxnSp>
+        <p:cxnSp>
+          <p:nvCxnSpPr>
+            <p:cNvPr id="85" name="Straight Connector 84"/>
+            <p:cNvCxnSpPr>
+              <a:stCxn id="79" idx="0"/>
+            </p:cNvCxnSpPr>
+            <p:nvPr/>
+          </p:nvCxnSpPr>
+          <p:spPr>
+            <a:xfrm flipH="1" flipV="1">
+              <a:off x="4274390" y="3986129"/>
+              <a:ext cx="297610" cy="207699"/>
+            </a:xfrm>
+            <a:prstGeom prst="line">
+              <a:avLst/>
+            </a:prstGeom>
+          </p:spPr>
+          <p:style>
+            <a:lnRef idx="1">
+              <a:schemeClr val="accent2"/>
+            </a:lnRef>
+            <a:fillRef idx="3">
+              <a:schemeClr val="accent2"/>
+            </a:fillRef>
+            <a:effectRef idx="2">
+              <a:schemeClr val="accent2"/>
+            </a:effectRef>
+            <a:fontRef idx="minor">
+              <a:schemeClr val="lt1"/>
+            </a:fontRef>
+          </p:style>
+        </p:cxnSp>
+      </p:grpSp>
+      <p:cxnSp>
+        <p:nvCxnSpPr>
+          <p:cNvPr id="1055" name="Straight Connector 1054"/>
+          <p:cNvCxnSpPr>
+            <a:stCxn id="1052" idx="0"/>
+          </p:cNvCxnSpPr>
+          <p:nvPr/>
+        </p:nvCxnSpPr>
+        <p:spPr>
+          <a:xfrm flipH="1">
+            <a:off x="762000" y="3050828"/>
+            <a:ext cx="3695700" cy="434226"/>
+          </a:xfrm>
+          <a:prstGeom prst="line">
+            <a:avLst/>
+          </a:prstGeom>
+        </p:spPr>
+        <p:style>
+          <a:lnRef idx="1">
+            <a:schemeClr val="accent1"/>
+          </a:lnRef>
+          <a:fillRef idx="0">
+            <a:schemeClr val="accent1"/>
+          </a:fillRef>
+          <a:effectRef idx="0">
+            <a:schemeClr val="accent1"/>
+          </a:effectRef>
+          <a:fontRef idx="minor">
+            <a:schemeClr val="tx1"/>
+          </a:fontRef>
+        </p:style>
+      </p:cxnSp>
+      <p:cxnSp>
+        <p:nvCxnSpPr>
+          <p:cNvPr id="90" name="Straight Connector 89"/>
+          <p:cNvCxnSpPr>
+            <a:stCxn id="1052" idx="4"/>
+          </p:cNvCxnSpPr>
+          <p:nvPr/>
+        </p:nvCxnSpPr>
+        <p:spPr>
+          <a:xfrm flipH="1" flipV="1">
+            <a:off x="591810" y="4886044"/>
+            <a:ext cx="3865890" cy="450784"/>
+          </a:xfrm>
+          <a:prstGeom prst="line">
+            <a:avLst/>
+          </a:prstGeom>
+        </p:spPr>
+        <p:style>
+          <a:lnRef idx="1">
+            <a:schemeClr val="accent1"/>
+          </a:lnRef>
+          <a:fillRef idx="0">
+            <a:schemeClr val="accent1"/>
+          </a:fillRef>
+          <a:effectRef idx="0">
+            <a:schemeClr val="accent1"/>
+          </a:effectRef>
+          <a:fontRef idx="minor">
+            <a:schemeClr val="tx1"/>
+          </a:fontRef>
+        </p:style>
+      </p:cxnSp>
+      <p:sp>
+        <p:nvSpPr>
+          <p:cNvPr id="36" name="TextBox 35"/>
+          <p:cNvSpPr txBox="1"/>
+          <p:nvPr/>
+        </p:nvSpPr>
+        <p:spPr>
+          <a:xfrm>
+            <a:off x="2286000" y="3364468"/>
+            <a:ext cx="762000" cy="307777"/>
+          </a:xfrm>
+          <a:prstGeom prst="rect">
+            <a:avLst/>
+          </a:prstGeom>
+          <a:noFill/>
+        </p:spPr>
+        <p:txBody>
+          <a:bodyPr wrap="square" rtlCol="0">
+            <a:spAutoFit/>
+          </a:bodyPr>
+          <a:lstStyle/>
+          <a:p>
+            <a:r>
+              <a:rPr lang="en-US" sz="1400" dirty="0" smtClean="0"/>
+              <a:t>Model</a:t>
+            </a:r>
+            <a:endParaRPr lang="en-US" sz="1400" dirty="0"/>
+          </a:p>
+        </p:txBody>
+      </p:sp>
+      <p:sp>
+        <p:nvSpPr>
+          <p:cNvPr id="94" name="TextBox 93"/>
+          <p:cNvSpPr txBox="1"/>
+          <p:nvPr/>
+        </p:nvSpPr>
+        <p:spPr>
+          <a:xfrm>
+            <a:off x="3962400" y="5486400"/>
+            <a:ext cx="1295400" cy="307777"/>
+          </a:xfrm>
+          <a:prstGeom prst="rect">
+            <a:avLst/>
+          </a:prstGeom>
+          <a:noFill/>
+        </p:spPr>
+        <p:txBody>
+          <a:bodyPr wrap="square" rtlCol="0">
+            <a:spAutoFit/>
+          </a:bodyPr>
+          <a:lstStyle/>
+          <a:p>
+            <a:r>
+              <a:rPr lang="en-US" sz="1400" dirty="0" smtClean="0"/>
+              <a:t>Virtual DOM</a:t>
+            </a:r>
+            <a:endParaRPr lang="en-US" sz="1400" dirty="0"/>
+          </a:p>
+        </p:txBody>
+      </p:sp>
+      <p:cxnSp>
+        <p:nvCxnSpPr>
+          <p:cNvPr id="38" name="Straight Arrow Connector 37"/>
+          <p:cNvCxnSpPr/>
+          <p:nvPr/>
+        </p:nvCxnSpPr>
+        <p:spPr>
+          <a:xfrm flipV="1">
+            <a:off x="5638800" y="4017692"/>
+            <a:ext cx="838200" cy="3963"/>
+          </a:xfrm>
+          <a:prstGeom prst="straightConnector1">
+            <a:avLst/>
+          </a:prstGeom>
+          <a:ln>
+            <a:tailEnd type="arrow"/>
+          </a:ln>
+        </p:spPr>
+        <p:style>
+          <a:lnRef idx="1">
+            <a:schemeClr val="accent1"/>
+          </a:lnRef>
+          <a:fillRef idx="0">
+            <a:schemeClr val="accent1"/>
+          </a:fillRef>
+          <a:effectRef idx="0">
+            <a:schemeClr val="accent1"/>
+          </a:effectRef>
+          <a:fontRef idx="minor">
+            <a:schemeClr val="tx1"/>
+          </a:fontRef>
+        </p:style>
+      </p:cxnSp>
+      <p:sp>
+        <p:nvSpPr>
+          <p:cNvPr id="97" name="TextBox 96"/>
+          <p:cNvSpPr txBox="1"/>
+          <p:nvPr/>
+        </p:nvSpPr>
+        <p:spPr>
+          <a:xfrm>
+            <a:off x="5649010" y="3654623"/>
+            <a:ext cx="827990" cy="307777"/>
+          </a:xfrm>
+          <a:prstGeom prst="rect">
+            <a:avLst/>
+          </a:prstGeom>
+          <a:noFill/>
+        </p:spPr>
+        <p:txBody>
+          <a:bodyPr wrap="square" rtlCol="0">
+            <a:spAutoFit/>
+          </a:bodyPr>
+          <a:lstStyle/>
+          <a:p>
+            <a:r>
+              <a:rPr lang="en-US" sz="1400" dirty="0" smtClean="0"/>
+              <a:t>Render</a:t>
+            </a:r>
+            <a:endParaRPr lang="en-US" sz="1400" dirty="0"/>
+          </a:p>
+        </p:txBody>
+      </p:sp>
+    </p:spTree>
+    <p:extLst>
+      <p:ext uri="{BB962C8B-B14F-4D97-AF65-F5344CB8AC3E}">
+        <p14:creationId xmlns:p14="http://schemas.microsoft.com/office/powerpoint/2010/main" val="865579507"/>
+      </p:ext>
+    </p:extLst>
+  </p:cSld>
+  <p:clrMapOvr>
+    <a:masterClrMapping/>
+  </p:clrMapOvr>
+  <p:timing>
+    <p:tnLst>
+      <p:par>
+        <p:cTn id="1" dur="indefinite" restart="never" nodeType="tmRoot"/>
+      </p:par>
+    </p:tnLst>
+  </p:timing>
+</p:sld>
+</file>
+
+<file path=ppt/slides/slide19.xml><?xml version="1.0" encoding="utf-8"?>
+<p:sld xmlns:a="http://schemas.openxmlformats.org/drawingml/2006/main" xmlns:r="http://schemas.openxmlformats.org/officeDocument/2006/relationships" xmlns:p="http://schemas.openxmlformats.org/presentationml/2006/main">
+  <p:cSld>
+    <p:spTree>
+      <p:nvGrpSpPr>
+        <p:cNvPr id="1" name=""/>
+        <p:cNvGrpSpPr/>
+        <p:nvPr/>
+      </p:nvGrpSpPr>
+      <p:grpSpPr>
+        <a:xfrm>
+          <a:off x="0" y="0"/>
+          <a:ext cx="0" cy="0"/>
+          <a:chOff x="0" y="0"/>
+          <a:chExt cx="0" cy="0"/>
+        </a:xfrm>
+      </p:grpSpPr>
+      <p:sp>
+        <p:nvSpPr>
+          <p:cNvPr id="2" name="Title 1"/>
+          <p:cNvSpPr>
+            <a:spLocks noGrp="1"/>
+          </p:cNvSpPr>
+          <p:nvPr>
+            <p:ph type="title"/>
+          </p:nvPr>
+        </p:nvSpPr>
+        <p:spPr/>
+        <p:txBody>
+          <a:bodyPr/>
+          <a:lstStyle/>
+          <a:p>
+            <a:r>
+              <a:rPr lang="en-US" dirty="0" smtClean="0"/>
+              <a:t>Virtual DOM</a:t>
+            </a:r>
             <a:endParaRPr lang="en-US" dirty="0"/>
           </a:p>
         </p:txBody>
@@ -12070,24 +14012,40 @@
               </a:spcAft>
             </a:pPr>
             <a:r>
-              <a:rPr lang="en-US" sz="2400" smtClean="0"/>
-              <a:t>A</a:t>
+              <a:rPr lang="en-US" sz="2400" dirty="0"/>
+              <a:t>When do </a:t>
+            </a:r>
+            <a:r>
+              <a:rPr lang="en-US" sz="2400" dirty="0" smtClean="0"/>
+              <a:t>we </a:t>
+            </a:r>
+            <a:r>
+              <a:rPr lang="en-US" sz="2400" dirty="0"/>
+              <a:t>re-render</a:t>
+            </a:r>
+            <a:r>
+              <a:rPr lang="en-US" sz="2400" dirty="0" smtClean="0"/>
+              <a:t>?</a:t>
+            </a:r>
+          </a:p>
+          <a:p>
+            <a:pPr lvl="1">
+              <a:spcAft>
+                <a:spcPts val="600"/>
+              </a:spcAft>
+            </a:pPr>
+            <a:r>
+              <a:rPr lang="en-US" sz="2400" dirty="0"/>
+              <a:t>How do I re-render efficiently?</a:t>
             </a:r>
             <a:endParaRPr lang="en-US" sz="2400" dirty="0" smtClean="0"/>
           </a:p>
           <a:p>
-            <a:pPr lvl="1">
+            <a:pPr marL="457200" lvl="1" indent="0">
               <a:spcAft>
                 <a:spcPts val="600"/>
               </a:spcAft>
-            </a:pPr>
-            <a:endParaRPr lang="en-US" sz="2400" dirty="0" smtClean="0"/>
-          </a:p>
-          <a:p>
-            <a:pPr lvl="1">
-              <a:spcAft>
-                <a:spcPts val="600"/>
-              </a:spcAft>
+              <a:buNone/>
             </a:pPr>
             <a:endParaRPr lang="en-US" sz="2400" i="1" dirty="0" smtClean="0">
               <a:solidFill>
@@ -12104,7 +14062,7 @@
     </p:spTree>
     <p:extLst>
       <p:ext uri="{BB962C8B-B14F-4D97-AF65-F5344CB8AC3E}">
-        <p14:creationId xmlns:p14="http://schemas.microsoft.com/office/powerpoint/2010/main" val="865579507"/>
+        <p14:creationId xmlns:p14="http://schemas.microsoft.com/office/powerpoint/2010/main" val="3709603435"/>
       </p:ext>
     </p:extLst>
   </p:cSld>
@@ -14082,13 +16040,8 @@
             </a:pPr>
             <a:r>
               <a:rPr lang="en-US" sz="2400" dirty="0" smtClean="0"/>
-              <a:t>Virtual </a:t>
-            </a:r>
-            <a:r>
-              <a:rPr lang="en-US" sz="2400" dirty="0" smtClean="0"/>
-              <a:t>DOM</a:t>
-            </a:r>
-            <a:endParaRPr lang="en-US" sz="2400" dirty="0" smtClean="0"/>
+              <a:t>Virtual DOM</a:t>
+            </a:r>
           </a:p>
           <a:p>
             <a:pPr lvl="1">

--- a/React_Slide.pptx
+++ b/React_Slide.pptx
@@ -5,7 +5,7 @@
     <p:sldMasterId id="2147483660" r:id="rId1"/>
   </p:sldMasterIdLst>
   <p:notesMasterIdLst>
-    <p:notesMasterId r:id="rId21"/>
+    <p:notesMasterId r:id="rId23"/>
   </p:notesMasterIdLst>
   <p:sldIdLst>
     <p:sldId id="256" r:id="rId2"/>
@@ -27,6 +27,8 @@
     <p:sldId id="275" r:id="rId18"/>
     <p:sldId id="277" r:id="rId19"/>
     <p:sldId id="279" r:id="rId20"/>
+    <p:sldId id="280" r:id="rId21"/>
+    <p:sldId id="281" r:id="rId22"/>
   </p:sldIdLst>
   <p:sldSz cx="9144000" cy="6858000" type="screen4x3"/>
   <p:notesSz cx="6858000" cy="9144000"/>
@@ -127,7 +129,7 @@
   </p:defaultTextStyle>
   <p:extLst>
     <p:ext uri="{EFAFB233-063F-42B5-8137-9DF3F51BA10A}">
-      <p15:sldGuideLst xmlns:p15="http://schemas.microsoft.com/office/powerpoint/2012/main" xmlns="">
+      <p15:sldGuideLst xmlns="" xmlns:p15="http://schemas.microsoft.com/office/powerpoint/2012/main">
         <p15:guide id="1" orient="horz" pos="2160">
           <p15:clr>
             <a:srgbClr val="A4A3A4"/>
@@ -226,7 +228,7 @@
           <a:p>
             <a:fld id="{30C56A28-4380-4698-9362-A1403F5E2820}" type="datetimeFigureOut">
               <a:rPr lang="en-US" smtClean="0"/>
-              <a:t>12/11/2015</a:t>
+              <a:t>12/14/2015</a:t>
             </a:fld>
             <a:endParaRPr lang="en-US"/>
           </a:p>
@@ -1729,6 +1731,235 @@
 </p:notes>
 </file>
 
+<file path=ppt/notesSlides/notesSlide15.xml><?xml version="1.0" encoding="utf-8"?>
+<p:notes xmlns:a="http://schemas.openxmlformats.org/drawingml/2006/main" xmlns:r="http://schemas.openxmlformats.org/officeDocument/2006/relationships" xmlns:p="http://schemas.openxmlformats.org/presentationml/2006/main">
+  <p:cSld>
+    <p:spTree>
+      <p:nvGrpSpPr>
+        <p:cNvPr id="1" name=""/>
+        <p:cNvGrpSpPr/>
+        <p:nvPr/>
+      </p:nvGrpSpPr>
+      <p:grpSpPr>
+        <a:xfrm>
+          <a:off x="0" y="0"/>
+          <a:ext cx="0" cy="0"/>
+          <a:chOff x="0" y="0"/>
+          <a:chExt cx="0" cy="0"/>
+        </a:xfrm>
+      </p:grpSpPr>
+      <p:sp>
+        <p:nvSpPr>
+          <p:cNvPr id="2" name="Slide Image Placeholder 1"/>
+          <p:cNvSpPr>
+            <a:spLocks noGrp="1" noRot="1" noChangeAspect="1"/>
+          </p:cNvSpPr>
+          <p:nvPr>
+            <p:ph type="sldImg"/>
+          </p:nvPr>
+        </p:nvSpPr>
+        <p:spPr/>
+      </p:sp>
+      <p:sp>
+        <p:nvSpPr>
+          <p:cNvPr id="3" name="Notes Placeholder 2"/>
+          <p:cNvSpPr>
+            <a:spLocks noGrp="1"/>
+          </p:cNvSpPr>
+          <p:nvPr>
+            <p:ph type="body" idx="1"/>
+          </p:nvPr>
+        </p:nvSpPr>
+        <p:spPr/>
+        <p:txBody>
+          <a:bodyPr/>
+          <a:lstStyle/>
+          <a:p>
+            <a:r>
+              <a:rPr lang="en-US" dirty="0" smtClean="0"/>
+              <a:t>Notes:</a:t>
+            </a:r>
+          </a:p>
+          <a:p>
+            <a:pPr marL="171450" indent="-171450">
+              <a:buFontTx/>
+              <a:buChar char="-"/>
+            </a:pPr>
+            <a:r>
+              <a:rPr lang="en-US" baseline="0" dirty="0" smtClean="0"/>
+              <a:t>There are some conflict when using </a:t>
+            </a:r>
+            <a:r>
+              <a:rPr lang="en-US" baseline="0" dirty="0" err="1" smtClean="0"/>
+              <a:t>mixins</a:t>
+            </a:r>
+            <a:r>
+              <a:rPr lang="en-US" baseline="0" dirty="0" smtClean="0"/>
+              <a:t>:</a:t>
+            </a:r>
+          </a:p>
+          <a:p>
+            <a:pPr marL="628650" lvl="1" indent="-171450">
+              <a:buFontTx/>
+              <a:buChar char="-"/>
+            </a:pPr>
+            <a:r>
+              <a:rPr lang="en-US" baseline="0" dirty="0" err="1" smtClean="0"/>
+              <a:t>getDefaultProps</a:t>
+            </a:r>
+            <a:r>
+              <a:rPr lang="en-US" baseline="0" dirty="0" smtClean="0"/>
+              <a:t>: the same prop name</a:t>
+            </a:r>
+          </a:p>
+          <a:p>
+            <a:pPr marL="628650" lvl="1" indent="-171450">
+              <a:buFontTx/>
+              <a:buChar char="-"/>
+            </a:pPr>
+            <a:r>
+              <a:rPr lang="en-US" baseline="0" dirty="0" err="1" smtClean="0"/>
+              <a:t>getDefaultState</a:t>
+            </a:r>
+            <a:r>
+              <a:rPr lang="en-US" baseline="0" dirty="0" smtClean="0"/>
+              <a:t>: the same prop name</a:t>
+            </a:r>
+            <a:endParaRPr lang="en-US" baseline="0" dirty="0"/>
+          </a:p>
+          <a:p>
+            <a:pPr marL="171450" lvl="0" indent="-171450">
+              <a:buFontTx/>
+              <a:buChar char="-"/>
+            </a:pPr>
+            <a:r>
+              <a:rPr lang="en-US" baseline="0" dirty="0" smtClean="0"/>
+              <a:t>The same method name</a:t>
+            </a:r>
+            <a:endParaRPr lang="en-US" baseline="0" dirty="0"/>
+          </a:p>
+        </p:txBody>
+      </p:sp>
+      <p:sp>
+        <p:nvSpPr>
+          <p:cNvPr id="4" name="Slide Number Placeholder 3"/>
+          <p:cNvSpPr>
+            <a:spLocks noGrp="1"/>
+          </p:cNvSpPr>
+          <p:nvPr>
+            <p:ph type="sldNum" sz="quarter" idx="10"/>
+          </p:nvPr>
+        </p:nvSpPr>
+        <p:spPr/>
+        <p:txBody>
+          <a:bodyPr/>
+          <a:lstStyle/>
+          <a:p>
+            <a:fld id="{47CA5B65-C32E-4594-82B5-5B950CCEF23B}" type="slidenum">
+              <a:rPr lang="en-US" smtClean="0"/>
+              <a:t>20</a:t>
+            </a:fld>
+            <a:endParaRPr lang="en-US"/>
+          </a:p>
+        </p:txBody>
+      </p:sp>
+    </p:spTree>
+    <p:extLst>
+      <p:ext uri="{BB962C8B-B14F-4D97-AF65-F5344CB8AC3E}">
+        <p14:creationId xmlns:p14="http://schemas.microsoft.com/office/powerpoint/2010/main" val="3704078898"/>
+      </p:ext>
+    </p:extLst>
+  </p:cSld>
+  <p:clrMapOvr>
+    <a:masterClrMapping/>
+  </p:clrMapOvr>
+</p:notes>
+</file>
+
+<file path=ppt/notesSlides/notesSlide16.xml><?xml version="1.0" encoding="utf-8"?>
+<p:notes xmlns:a="http://schemas.openxmlformats.org/drawingml/2006/main" xmlns:r="http://schemas.openxmlformats.org/officeDocument/2006/relationships" xmlns:p="http://schemas.openxmlformats.org/presentationml/2006/main">
+  <p:cSld>
+    <p:spTree>
+      <p:nvGrpSpPr>
+        <p:cNvPr id="1" name=""/>
+        <p:cNvGrpSpPr/>
+        <p:nvPr/>
+      </p:nvGrpSpPr>
+      <p:grpSpPr>
+        <a:xfrm>
+          <a:off x="0" y="0"/>
+          <a:ext cx="0" cy="0"/>
+          <a:chOff x="0" y="0"/>
+          <a:chExt cx="0" cy="0"/>
+        </a:xfrm>
+      </p:grpSpPr>
+      <p:sp>
+        <p:nvSpPr>
+          <p:cNvPr id="2" name="Slide Image Placeholder 1"/>
+          <p:cNvSpPr>
+            <a:spLocks noGrp="1" noRot="1" noChangeAspect="1"/>
+          </p:cNvSpPr>
+          <p:nvPr>
+            <p:ph type="sldImg"/>
+          </p:nvPr>
+        </p:nvSpPr>
+        <p:spPr/>
+      </p:sp>
+      <p:sp>
+        <p:nvSpPr>
+          <p:cNvPr id="3" name="Notes Placeholder 2"/>
+          <p:cNvSpPr>
+            <a:spLocks noGrp="1"/>
+          </p:cNvSpPr>
+          <p:nvPr>
+            <p:ph type="body" idx="1"/>
+          </p:nvPr>
+        </p:nvSpPr>
+        <p:spPr/>
+        <p:txBody>
+          <a:bodyPr/>
+          <a:lstStyle/>
+          <a:p>
+            <a:endParaRPr lang="en-US" baseline="0" dirty="0"/>
+          </a:p>
+        </p:txBody>
+      </p:sp>
+      <p:sp>
+        <p:nvSpPr>
+          <p:cNvPr id="4" name="Slide Number Placeholder 3"/>
+          <p:cNvSpPr>
+            <a:spLocks noGrp="1"/>
+          </p:cNvSpPr>
+          <p:nvPr>
+            <p:ph type="sldNum" sz="quarter" idx="10"/>
+          </p:nvPr>
+        </p:nvSpPr>
+        <p:spPr/>
+        <p:txBody>
+          <a:bodyPr/>
+          <a:lstStyle/>
+          <a:p>
+            <a:fld id="{47CA5B65-C32E-4594-82B5-5B950CCEF23B}" type="slidenum">
+              <a:rPr lang="en-US" smtClean="0"/>
+              <a:t>21</a:t>
+            </a:fld>
+            <a:endParaRPr lang="en-US"/>
+          </a:p>
+        </p:txBody>
+      </p:sp>
+    </p:spTree>
+    <p:extLst>
+      <p:ext uri="{BB962C8B-B14F-4D97-AF65-F5344CB8AC3E}">
+        <p14:creationId xmlns:p14="http://schemas.microsoft.com/office/powerpoint/2010/main" val="3704078898"/>
+      </p:ext>
+    </p:extLst>
+  </p:cSld>
+  <p:clrMapOvr>
+    <a:masterClrMapping/>
+  </p:clrMapOvr>
+</p:notes>
+</file>
+
 <file path=ppt/notesSlides/notesSlide2.xml><?xml version="1.0" encoding="utf-8"?>
 <p:notes xmlns:a="http://schemas.openxmlformats.org/drawingml/2006/main" xmlns:r="http://schemas.openxmlformats.org/officeDocument/2006/relationships" xmlns:p="http://schemas.openxmlformats.org/presentationml/2006/main">
   <p:cSld>
@@ -4049,7 +4280,7 @@
             <a:fld id="{1D8BD707-D9CF-40AE-B4C6-C98DA3205C09}" type="datetimeFigureOut">
               <a:rPr lang="en-US" smtClean="0"/>
               <a:pPr/>
-              <a:t>12/11/2015</a:t>
+              <a:t>12/14/2015</a:t>
             </a:fld>
             <a:endParaRPr lang="en-US"/>
           </a:p>
@@ -4276,7 +4507,7 @@
             <a:fld id="{1D8BD707-D9CF-40AE-B4C6-C98DA3205C09}" type="datetimeFigureOut">
               <a:rPr lang="en-US" smtClean="0"/>
               <a:pPr/>
-              <a:t>12/11/2015</a:t>
+              <a:t>12/14/2015</a:t>
             </a:fld>
             <a:endParaRPr lang="en-US"/>
           </a:p>
@@ -4503,7 +4734,7 @@
             <a:fld id="{1D8BD707-D9CF-40AE-B4C6-C98DA3205C09}" type="datetimeFigureOut">
               <a:rPr lang="en-US" smtClean="0"/>
               <a:pPr/>
-              <a:t>12/11/2015</a:t>
+              <a:t>12/14/2015</a:t>
             </a:fld>
             <a:endParaRPr lang="en-US"/>
           </a:p>
@@ -4702,7 +4933,7 @@
             <a:fld id="{1D8BD707-D9CF-40AE-B4C6-C98DA3205C09}" type="datetimeFigureOut">
               <a:rPr lang="en-US" smtClean="0"/>
               <a:pPr/>
-              <a:t>12/11/2015</a:t>
+              <a:t>12/14/2015</a:t>
             </a:fld>
             <a:endParaRPr lang="en-US"/>
           </a:p>
@@ -4901,7 +5132,7 @@
             <a:fld id="{1D8BD707-D9CF-40AE-B4C6-C98DA3205C09}" type="datetimeFigureOut">
               <a:rPr lang="en-US" smtClean="0"/>
               <a:pPr/>
-              <a:t>12/11/2015</a:t>
+              <a:t>12/14/2015</a:t>
             </a:fld>
             <a:endParaRPr lang="en-US"/>
           </a:p>
@@ -5127,7 +5358,7 @@
             <a:fld id="{1D8BD707-D9CF-40AE-B4C6-C98DA3205C09}" type="datetimeFigureOut">
               <a:rPr lang="en-US" smtClean="0"/>
               <a:pPr/>
-              <a:t>12/11/2015</a:t>
+              <a:t>12/14/2015</a:t>
             </a:fld>
             <a:endParaRPr lang="en-US"/>
           </a:p>
@@ -5366,7 +5597,7 @@
             <a:fld id="{1D8BD707-D9CF-40AE-B4C6-C98DA3205C09}" type="datetimeFigureOut">
               <a:rPr lang="en-US" smtClean="0"/>
               <a:pPr/>
-              <a:t>12/11/2015</a:t>
+              <a:t>12/14/2015</a:t>
             </a:fld>
             <a:endParaRPr lang="en-US"/>
           </a:p>
@@ -5701,7 +5932,7 @@
             <a:fld id="{1D8BD707-D9CF-40AE-B4C6-C98DA3205C09}" type="datetimeFigureOut">
               <a:rPr lang="en-US" smtClean="0"/>
               <a:pPr/>
-              <a:t>12/11/2015</a:t>
+              <a:t>12/14/2015</a:t>
             </a:fld>
             <a:endParaRPr lang="en-US"/>
           </a:p>
@@ -6171,7 +6402,7 @@
             <a:fld id="{1D8BD707-D9CF-40AE-B4C6-C98DA3205C09}" type="datetimeFigureOut">
               <a:rPr lang="en-US" smtClean="0"/>
               <a:pPr/>
-              <a:t>12/11/2015</a:t>
+              <a:t>12/14/2015</a:t>
             </a:fld>
             <a:endParaRPr lang="en-US"/>
           </a:p>
@@ -6336,7 +6567,7 @@
             <a:fld id="{1D8BD707-D9CF-40AE-B4C6-C98DA3205C09}" type="datetimeFigureOut">
               <a:rPr lang="en-US" smtClean="0"/>
               <a:pPr/>
-              <a:t>12/11/2015</a:t>
+              <a:t>12/14/2015</a:t>
             </a:fld>
             <a:endParaRPr lang="en-US"/>
           </a:p>
@@ -6478,7 +6709,7 @@
             <a:fld id="{1D8BD707-D9CF-40AE-B4C6-C98DA3205C09}" type="datetimeFigureOut">
               <a:rPr lang="en-US" smtClean="0"/>
               <a:pPr/>
-              <a:t>12/11/2015</a:t>
+              <a:t>12/14/2015</a:t>
             </a:fld>
             <a:endParaRPr lang="en-US"/>
           </a:p>
@@ -6802,7 +7033,7 @@
             <a:fld id="{1D8BD707-D9CF-40AE-B4C6-C98DA3205C09}" type="datetimeFigureOut">
               <a:rPr lang="en-US" smtClean="0"/>
               <a:pPr/>
-              <a:t>12/11/2015</a:t>
+              <a:t>12/14/2015</a:t>
             </a:fld>
             <a:endParaRPr lang="en-US"/>
           </a:p>
@@ -7107,7 +7338,7 @@
             <a:fld id="{1D8BD707-D9CF-40AE-B4C6-C98DA3205C09}" type="datetimeFigureOut">
               <a:rPr lang="en-US" smtClean="0"/>
               <a:pPr/>
-              <a:t>12/11/2015</a:t>
+              <a:t>12/14/2015</a:t>
             </a:fld>
             <a:endParaRPr lang="en-US"/>
           </a:p>
@@ -7652,7 +7883,7 @@
             <a:fld id="{1D8BD707-D9CF-40AE-B4C6-C98DA3205C09}" type="datetimeFigureOut">
               <a:rPr lang="en-US" smtClean="0"/>
               <a:pPr/>
-              <a:t>12/11/2015</a:t>
+              <a:t>12/14/2015</a:t>
             </a:fld>
             <a:endParaRPr lang="en-US"/>
           </a:p>
@@ -13656,7 +13887,7 @@
         <p:spPr>
           <a:xfrm>
             <a:off x="2286000" y="3364468"/>
-            <a:ext cx="762000" cy="307777"/>
+            <a:ext cx="762000" cy="276999"/>
           </a:xfrm>
           <a:prstGeom prst="rect">
             <a:avLst/>
@@ -13670,10 +13901,18 @@
           <a:lstStyle/>
           <a:p>
             <a:r>
-              <a:rPr lang="en-US" sz="1400" dirty="0" smtClean="0"/>
+              <a:rPr lang="en-US" sz="1200" dirty="0" smtClean="0">
+                <a:latin typeface="Tahoma" panose="020B0604030504040204" pitchFamily="34" charset="0"/>
+                <a:ea typeface="Tahoma" panose="020B0604030504040204" pitchFamily="34" charset="0"/>
+                <a:cs typeface="Tahoma" panose="020B0604030504040204" pitchFamily="34" charset="0"/>
+              </a:rPr>
               <a:t>Model</a:t>
             </a:r>
-            <a:endParaRPr lang="en-US" sz="1400" dirty="0"/>
+            <a:endParaRPr lang="en-US" sz="1200" dirty="0">
+              <a:latin typeface="Tahoma" panose="020B0604030504040204" pitchFamily="34" charset="0"/>
+              <a:ea typeface="Tahoma" panose="020B0604030504040204" pitchFamily="34" charset="0"/>
+              <a:cs typeface="Tahoma" panose="020B0604030504040204" pitchFamily="34" charset="0"/>
+            </a:endParaRPr>
           </a:p>
         </p:txBody>
       </p:sp>
@@ -13686,7 +13925,7 @@
         <p:spPr>
           <a:xfrm>
             <a:off x="3962400" y="5486400"/>
-            <a:ext cx="1295400" cy="307777"/>
+            <a:ext cx="1295400" cy="276999"/>
           </a:xfrm>
           <a:prstGeom prst="rect">
             <a:avLst/>
@@ -13700,10 +13939,18 @@
           <a:lstStyle/>
           <a:p>
             <a:r>
-              <a:rPr lang="en-US" sz="1400" dirty="0" smtClean="0"/>
+              <a:rPr lang="en-US" sz="1200" dirty="0" smtClean="0">
+                <a:latin typeface="Tahoma" panose="020B0604030504040204" pitchFamily="34" charset="0"/>
+                <a:ea typeface="Tahoma" panose="020B0604030504040204" pitchFamily="34" charset="0"/>
+                <a:cs typeface="Tahoma" panose="020B0604030504040204" pitchFamily="34" charset="0"/>
+              </a:rPr>
               <a:t>Virtual DOM</a:t>
             </a:r>
-            <a:endParaRPr lang="en-US" sz="1400" dirty="0"/>
+            <a:endParaRPr lang="en-US" sz="1200" dirty="0">
+              <a:latin typeface="Tahoma" panose="020B0604030504040204" pitchFamily="34" charset="0"/>
+              <a:ea typeface="Tahoma" panose="020B0604030504040204" pitchFamily="34" charset="0"/>
+              <a:cs typeface="Tahoma" panose="020B0604030504040204" pitchFamily="34" charset="0"/>
+            </a:endParaRPr>
           </a:p>
         </p:txBody>
       </p:sp>
@@ -13749,7 +13996,48 @@
         <p:spPr>
           <a:xfrm>
             <a:off x="5649010" y="3654623"/>
-            <a:ext cx="827990" cy="307777"/>
+            <a:ext cx="827990" cy="276999"/>
+          </a:xfrm>
+          <a:prstGeom prst="rect">
+            <a:avLst/>
+          </a:prstGeom>
+          <a:noFill/>
+        </p:spPr>
+        <p:txBody>
+          <a:bodyPr wrap="square" rtlCol="0">
+            <a:spAutoFit/>
+          </a:bodyPr>
+          <a:lstStyle>
+            <a:defPPr>
+              <a:defRPr lang="en-US"/>
+            </a:defPPr>
+            <a:lvl1pPr>
+              <a:defRPr sz="1200">
+                <a:latin typeface="Tahoma" panose="020B0604030504040204" pitchFamily="34" charset="0"/>
+                <a:ea typeface="Tahoma" panose="020B0604030504040204" pitchFamily="34" charset="0"/>
+                <a:cs typeface="Tahoma" panose="020B0604030504040204" pitchFamily="34" charset="0"/>
+              </a:defRPr>
+            </a:lvl1pPr>
+          </a:lstStyle>
+          <a:p>
+            <a:r>
+              <a:rPr lang="en-US" dirty="0"/>
+              <a:t>Render</a:t>
+            </a:r>
+            <a:endParaRPr lang="en-US" dirty="0"/>
+          </a:p>
+        </p:txBody>
+      </p:sp>
+      <p:sp>
+        <p:nvSpPr>
+          <p:cNvPr id="45" name="TextBox 44"/>
+          <p:cNvSpPr txBox="1"/>
+          <p:nvPr/>
+        </p:nvSpPr>
+        <p:spPr>
+          <a:xfrm>
+            <a:off x="6934200" y="5486400"/>
+            <a:ext cx="647700" cy="276999"/>
           </a:xfrm>
           <a:prstGeom prst="rect">
             <a:avLst/>
@@ -13763,13 +14051,86 @@
           <a:lstStyle/>
           <a:p>
             <a:r>
-              <a:rPr lang="en-US" sz="1400" dirty="0" smtClean="0"/>
-              <a:t>Render</a:t>
-            </a:r>
-            <a:endParaRPr lang="en-US" sz="1400" dirty="0"/>
+              <a:rPr lang="en-US" sz="1200" dirty="0">
+                <a:latin typeface="Tahoma" panose="020B0604030504040204" pitchFamily="34" charset="0"/>
+                <a:ea typeface="Tahoma" panose="020B0604030504040204" pitchFamily="34" charset="0"/>
+                <a:cs typeface="Tahoma" panose="020B0604030504040204" pitchFamily="34" charset="0"/>
+              </a:rPr>
+              <a:t>DOM</a:t>
+            </a:r>
+            <a:endParaRPr lang="en-US" sz="1200" dirty="0">
+              <a:latin typeface="Tahoma" panose="020B0604030504040204" pitchFamily="34" charset="0"/>
+              <a:ea typeface="Tahoma" panose="020B0604030504040204" pitchFamily="34" charset="0"/>
+              <a:cs typeface="Tahoma" panose="020B0604030504040204" pitchFamily="34" charset="0"/>
+            </a:endParaRPr>
           </a:p>
         </p:txBody>
       </p:sp>
+      <p:cxnSp>
+        <p:nvCxnSpPr>
+          <p:cNvPr id="46" name="Straight Connector 45"/>
+          <p:cNvCxnSpPr>
+            <a:stCxn id="62" idx="0"/>
+            <a:endCxn id="60" idx="2"/>
+          </p:cNvCxnSpPr>
+          <p:nvPr/>
+        </p:nvCxnSpPr>
+        <p:spPr>
+          <a:xfrm flipV="1">
+            <a:off x="4572000" y="4485554"/>
+            <a:ext cx="0" cy="270409"/>
+          </a:xfrm>
+          <a:prstGeom prst="line">
+            <a:avLst/>
+          </a:prstGeom>
+        </p:spPr>
+        <p:style>
+          <a:lnRef idx="1">
+            <a:schemeClr val="accent6"/>
+          </a:lnRef>
+          <a:fillRef idx="0">
+            <a:schemeClr val="accent6"/>
+          </a:fillRef>
+          <a:effectRef idx="0">
+            <a:schemeClr val="accent6"/>
+          </a:effectRef>
+          <a:fontRef idx="minor">
+            <a:schemeClr val="tx1"/>
+          </a:fontRef>
+        </p:style>
+      </p:cxnSp>
+      <p:cxnSp>
+        <p:nvCxnSpPr>
+          <p:cNvPr id="53" name="Straight Connector 52"/>
+          <p:cNvCxnSpPr>
+            <a:stCxn id="81" idx="0"/>
+          </p:cNvCxnSpPr>
+          <p:nvPr/>
+        </p:nvCxnSpPr>
+        <p:spPr>
+          <a:xfrm flipV="1">
+            <a:off x="7235861" y="4486872"/>
+            <a:ext cx="0" cy="313229"/>
+          </a:xfrm>
+          <a:prstGeom prst="line">
+            <a:avLst/>
+          </a:prstGeom>
+        </p:spPr>
+        <p:style>
+          <a:lnRef idx="1">
+            <a:schemeClr val="accent2"/>
+          </a:lnRef>
+          <a:fillRef idx="3">
+            <a:schemeClr val="accent2"/>
+          </a:fillRef>
+          <a:effectRef idx="2">
+            <a:schemeClr val="accent2"/>
+          </a:effectRef>
+          <a:fontRef idx="minor">
+            <a:schemeClr val="lt1"/>
+          </a:fontRef>
+        </p:style>
+      </p:cxnSp>
     </p:spTree>
     <p:extLst>
       <p:ext uri="{BB962C8B-B14F-4D97-AF65-F5344CB8AC3E}">
@@ -13824,7 +14185,7 @@
           <a:p>
             <a:r>
               <a:rPr lang="en-US" dirty="0" smtClean="0"/>
-              <a:t>Virtual DOM</a:t>
+              <a:t>When and how re-render?</a:t>
             </a:r>
             <a:endParaRPr lang="en-US" dirty="0"/>
           </a:p>
@@ -13832,7 +14193,7 @@
       </p:sp>
       <p:sp>
         <p:nvSpPr>
-          <p:cNvPr id="3" name="Rectangle 5"/>
+          <p:cNvPr id="5" name="Rectangle 5"/>
           <p:cNvSpPr txBox="1">
             <a:spLocks noChangeArrowheads="1"/>
           </p:cNvSpPr>
@@ -13840,7 +14201,7 @@
         </p:nvSpPr>
         <p:spPr>
           <a:xfrm>
-            <a:off x="457993" y="1600200"/>
+            <a:off x="457992" y="1623218"/>
             <a:ext cx="8075613" cy="4525963"/>
           </a:xfrm>
           <a:prstGeom prst="rect">
@@ -14011,42 +14372,6 @@
                 <a:spcPts val="600"/>
               </a:spcAft>
             </a:pPr>
-            <a:r>
-              <a:rPr lang="en-US" sz="2400" dirty="0"/>
-              <a:t>When do </a:t>
-            </a:r>
-            <a:r>
-              <a:rPr lang="en-US" sz="2400" dirty="0" smtClean="0"/>
-              <a:t>we </a:t>
-            </a:r>
-            <a:r>
-              <a:rPr lang="en-US" sz="2400" dirty="0"/>
-              <a:t>re-render</a:t>
-            </a:r>
-            <a:r>
-              <a:rPr lang="en-US" sz="2400" dirty="0" smtClean="0"/>
-              <a:t>?</a:t>
-            </a:r>
-          </a:p>
-          <a:p>
-            <a:pPr lvl="1">
-              <a:spcAft>
-                <a:spcPts val="600"/>
-              </a:spcAft>
-            </a:pPr>
-            <a:r>
-              <a:rPr lang="en-US" sz="2400" dirty="0"/>
-              <a:t>How do I re-render efficiently?</a:t>
-            </a:r>
-            <a:endParaRPr lang="en-US" sz="2400" dirty="0" smtClean="0"/>
-          </a:p>
-          <a:p>
-            <a:pPr marL="457200" lvl="1" indent="0">
-              <a:spcAft>
-                <a:spcPts val="600"/>
-              </a:spcAft>
-              <a:buNone/>
-            </a:pPr>
             <a:endParaRPr lang="en-US" sz="2400" i="1" dirty="0" smtClean="0">
               <a:solidFill>
                 <a:schemeClr val="tx1">
@@ -14059,6 +14384,2134 @@
           </a:p>
         </p:txBody>
       </p:sp>
+      <p:grpSp>
+        <p:nvGrpSpPr>
+          <p:cNvPr id="6" name="Group 5"/>
+          <p:cNvGrpSpPr/>
+          <p:nvPr/>
+        </p:nvGrpSpPr>
+        <p:grpSpPr>
+          <a:xfrm>
+            <a:off x="906247" y="2968823"/>
+            <a:ext cx="1379753" cy="1456615"/>
+            <a:chOff x="1479363" y="3149161"/>
+            <a:chExt cx="1619437" cy="1667037"/>
+          </a:xfrm>
+        </p:grpSpPr>
+        <p:sp>
+          <p:nvSpPr>
+            <p:cNvPr id="7" name="Oval 6"/>
+            <p:cNvSpPr/>
+            <p:nvPr/>
+          </p:nvSpPr>
+          <p:spPr>
+            <a:xfrm>
+              <a:off x="1479363" y="3149161"/>
+              <a:ext cx="304800" cy="304800"/>
+            </a:xfrm>
+            <a:prstGeom prst="ellipse">
+              <a:avLst/>
+            </a:prstGeom>
+          </p:spPr>
+          <p:style>
+            <a:lnRef idx="2">
+              <a:schemeClr val="accent2">
+                <a:shade val="50000"/>
+              </a:schemeClr>
+            </a:lnRef>
+            <a:fillRef idx="1">
+              <a:schemeClr val="accent2"/>
+            </a:fillRef>
+            <a:effectRef idx="0">
+              <a:schemeClr val="accent2"/>
+            </a:effectRef>
+            <a:fontRef idx="minor">
+              <a:schemeClr val="lt1"/>
+            </a:fontRef>
+          </p:style>
+          <p:txBody>
+            <a:bodyPr rtlCol="0" anchor="ctr"/>
+            <a:lstStyle/>
+            <a:p>
+              <a:pPr algn="ctr"/>
+              <a:endParaRPr lang="en-US"/>
+            </a:p>
+          </p:txBody>
+        </p:sp>
+        <p:sp>
+          <p:nvSpPr>
+            <p:cNvPr id="8" name="Oval 7"/>
+            <p:cNvSpPr/>
+            <p:nvPr/>
+          </p:nvSpPr>
+          <p:spPr>
+            <a:xfrm>
+              <a:off x="2057400" y="3581400"/>
+              <a:ext cx="304800" cy="304800"/>
+            </a:xfrm>
+            <a:prstGeom prst="ellipse">
+              <a:avLst/>
+            </a:prstGeom>
+          </p:spPr>
+          <p:style>
+            <a:lnRef idx="2">
+              <a:schemeClr val="accent2">
+                <a:shade val="50000"/>
+              </a:schemeClr>
+            </a:lnRef>
+            <a:fillRef idx="1">
+              <a:schemeClr val="accent2"/>
+            </a:fillRef>
+            <a:effectRef idx="0">
+              <a:schemeClr val="accent2"/>
+            </a:effectRef>
+            <a:fontRef idx="minor">
+              <a:schemeClr val="lt1"/>
+            </a:fontRef>
+          </p:style>
+          <p:txBody>
+            <a:bodyPr rtlCol="0" anchor="ctr"/>
+            <a:lstStyle/>
+            <a:p>
+              <a:pPr algn="ctr"/>
+              <a:endParaRPr lang="en-US"/>
+            </a:p>
+          </p:txBody>
+        </p:sp>
+        <p:sp>
+          <p:nvSpPr>
+            <p:cNvPr id="9" name="Oval 8"/>
+            <p:cNvSpPr/>
+            <p:nvPr/>
+          </p:nvSpPr>
+          <p:spPr>
+            <a:xfrm>
+              <a:off x="1696720" y="4207032"/>
+              <a:ext cx="304800" cy="304800"/>
+            </a:xfrm>
+            <a:prstGeom prst="ellipse">
+              <a:avLst/>
+            </a:prstGeom>
+          </p:spPr>
+          <p:style>
+            <a:lnRef idx="2">
+              <a:schemeClr val="accent2">
+                <a:shade val="50000"/>
+              </a:schemeClr>
+            </a:lnRef>
+            <a:fillRef idx="1">
+              <a:schemeClr val="accent2"/>
+            </a:fillRef>
+            <a:effectRef idx="0">
+              <a:schemeClr val="accent2"/>
+            </a:effectRef>
+            <a:fontRef idx="minor">
+              <a:schemeClr val="lt1"/>
+            </a:fontRef>
+          </p:style>
+          <p:txBody>
+            <a:bodyPr rtlCol="0" anchor="ctr"/>
+            <a:lstStyle/>
+            <a:p>
+              <a:pPr algn="ctr"/>
+              <a:endParaRPr lang="en-US"/>
+            </a:p>
+          </p:txBody>
+        </p:sp>
+        <p:sp>
+          <p:nvSpPr>
+            <p:cNvPr id="10" name="Oval 9"/>
+            <p:cNvSpPr/>
+            <p:nvPr/>
+          </p:nvSpPr>
+          <p:spPr>
+            <a:xfrm>
+              <a:off x="2554316" y="4511398"/>
+              <a:ext cx="304800" cy="304800"/>
+            </a:xfrm>
+            <a:prstGeom prst="ellipse">
+              <a:avLst/>
+            </a:prstGeom>
+            <a:solidFill>
+              <a:srgbClr val="FF0000"/>
+            </a:solidFill>
+          </p:spPr>
+          <p:style>
+            <a:lnRef idx="2">
+              <a:schemeClr val="accent2">
+                <a:shade val="50000"/>
+              </a:schemeClr>
+            </a:lnRef>
+            <a:fillRef idx="1">
+              <a:schemeClr val="accent2"/>
+            </a:fillRef>
+            <a:effectRef idx="0">
+              <a:schemeClr val="accent2"/>
+            </a:effectRef>
+            <a:fontRef idx="minor">
+              <a:schemeClr val="lt1"/>
+            </a:fontRef>
+          </p:style>
+          <p:txBody>
+            <a:bodyPr rtlCol="0" anchor="ctr"/>
+            <a:lstStyle/>
+            <a:p>
+              <a:pPr algn="ctr"/>
+              <a:endParaRPr lang="en-US"/>
+            </a:p>
+          </p:txBody>
+        </p:sp>
+        <p:sp>
+          <p:nvSpPr>
+            <p:cNvPr id="11" name="Oval 10"/>
+            <p:cNvSpPr/>
+            <p:nvPr/>
+          </p:nvSpPr>
+          <p:spPr>
+            <a:xfrm>
+              <a:off x="2794000" y="3741816"/>
+              <a:ext cx="304800" cy="304800"/>
+            </a:xfrm>
+            <a:prstGeom prst="ellipse">
+              <a:avLst/>
+            </a:prstGeom>
+          </p:spPr>
+          <p:style>
+            <a:lnRef idx="2">
+              <a:schemeClr val="accent2">
+                <a:shade val="50000"/>
+              </a:schemeClr>
+            </a:lnRef>
+            <a:fillRef idx="1">
+              <a:schemeClr val="accent2"/>
+            </a:fillRef>
+            <a:effectRef idx="0">
+              <a:schemeClr val="accent2"/>
+            </a:effectRef>
+            <a:fontRef idx="minor">
+              <a:schemeClr val="lt1"/>
+            </a:fontRef>
+          </p:style>
+          <p:txBody>
+            <a:bodyPr rtlCol="0" anchor="ctr"/>
+            <a:lstStyle/>
+            <a:p>
+              <a:pPr algn="ctr"/>
+              <a:endParaRPr lang="en-US"/>
+            </a:p>
+          </p:txBody>
+        </p:sp>
+        <p:cxnSp>
+          <p:nvCxnSpPr>
+            <p:cNvPr id="12" name="Straight Connector 11"/>
+            <p:cNvCxnSpPr>
+              <a:stCxn id="7" idx="5"/>
+              <a:endCxn id="8" idx="1"/>
+            </p:cNvCxnSpPr>
+            <p:nvPr/>
+          </p:nvCxnSpPr>
+          <p:spPr>
+            <a:xfrm>
+              <a:off x="1739526" y="3409324"/>
+              <a:ext cx="362511" cy="216713"/>
+            </a:xfrm>
+            <a:prstGeom prst="line">
+              <a:avLst/>
+            </a:prstGeom>
+          </p:spPr>
+          <p:style>
+            <a:lnRef idx="1">
+              <a:schemeClr val="accent6"/>
+            </a:lnRef>
+            <a:fillRef idx="0">
+              <a:schemeClr val="accent6"/>
+            </a:fillRef>
+            <a:effectRef idx="0">
+              <a:schemeClr val="accent6"/>
+            </a:effectRef>
+            <a:fontRef idx="minor">
+              <a:schemeClr val="tx1"/>
+            </a:fontRef>
+          </p:style>
+        </p:cxnSp>
+        <p:cxnSp>
+          <p:nvCxnSpPr>
+            <p:cNvPr id="13" name="Straight Connector 12"/>
+            <p:cNvCxnSpPr>
+              <a:stCxn id="9" idx="6"/>
+              <a:endCxn id="10" idx="1"/>
+            </p:cNvCxnSpPr>
+            <p:nvPr/>
+          </p:nvCxnSpPr>
+          <p:spPr>
+            <a:xfrm>
+              <a:off x="2001520" y="4359432"/>
+              <a:ext cx="597433" cy="196603"/>
+            </a:xfrm>
+            <a:prstGeom prst="line">
+              <a:avLst/>
+            </a:prstGeom>
+          </p:spPr>
+          <p:style>
+            <a:lnRef idx="1">
+              <a:schemeClr val="accent6"/>
+            </a:lnRef>
+            <a:fillRef idx="0">
+              <a:schemeClr val="accent6"/>
+            </a:fillRef>
+            <a:effectRef idx="0">
+              <a:schemeClr val="accent6"/>
+            </a:effectRef>
+            <a:fontRef idx="minor">
+              <a:schemeClr val="tx1"/>
+            </a:fontRef>
+          </p:style>
+        </p:cxnSp>
+        <p:cxnSp>
+          <p:nvCxnSpPr>
+            <p:cNvPr id="14" name="Straight Connector 13"/>
+            <p:cNvCxnSpPr>
+              <a:stCxn id="8" idx="3"/>
+              <a:endCxn id="9" idx="7"/>
+            </p:cNvCxnSpPr>
+            <p:nvPr/>
+          </p:nvCxnSpPr>
+          <p:spPr>
+            <a:xfrm flipH="1">
+              <a:off x="1956883" y="3841563"/>
+              <a:ext cx="145154" cy="410106"/>
+            </a:xfrm>
+            <a:prstGeom prst="line">
+              <a:avLst/>
+            </a:prstGeom>
+          </p:spPr>
+          <p:style>
+            <a:lnRef idx="1">
+              <a:schemeClr val="accent6"/>
+            </a:lnRef>
+            <a:fillRef idx="0">
+              <a:schemeClr val="accent6"/>
+            </a:fillRef>
+            <a:effectRef idx="0">
+              <a:schemeClr val="accent6"/>
+            </a:effectRef>
+            <a:fontRef idx="minor">
+              <a:schemeClr val="tx1"/>
+            </a:fontRef>
+          </p:style>
+        </p:cxnSp>
+        <p:cxnSp>
+          <p:nvCxnSpPr>
+            <p:cNvPr id="15" name="Straight Connector 14"/>
+            <p:cNvCxnSpPr>
+              <a:stCxn id="8" idx="6"/>
+              <a:endCxn id="11" idx="2"/>
+            </p:cNvCxnSpPr>
+            <p:nvPr/>
+          </p:nvCxnSpPr>
+          <p:spPr>
+            <a:xfrm>
+              <a:off x="2362200" y="3733800"/>
+              <a:ext cx="431800" cy="160416"/>
+            </a:xfrm>
+            <a:prstGeom prst="line">
+              <a:avLst/>
+            </a:prstGeom>
+          </p:spPr>
+          <p:style>
+            <a:lnRef idx="1">
+              <a:schemeClr val="accent6"/>
+            </a:lnRef>
+            <a:fillRef idx="0">
+              <a:schemeClr val="accent6"/>
+            </a:fillRef>
+            <a:effectRef idx="0">
+              <a:schemeClr val="accent6"/>
+            </a:effectRef>
+            <a:fontRef idx="minor">
+              <a:schemeClr val="tx1"/>
+            </a:fontRef>
+          </p:style>
+        </p:cxnSp>
+      </p:grpSp>
+      <p:sp>
+        <p:nvSpPr>
+          <p:cNvPr id="19" name="TextBox 18"/>
+          <p:cNvSpPr txBox="1"/>
+          <p:nvPr/>
+        </p:nvSpPr>
+        <p:spPr>
+          <a:xfrm>
+            <a:off x="3200400" y="5895201"/>
+            <a:ext cx="1143000" cy="276999"/>
+          </a:xfrm>
+          <a:prstGeom prst="rect">
+            <a:avLst/>
+          </a:prstGeom>
+          <a:noFill/>
+        </p:spPr>
+        <p:txBody>
+          <a:bodyPr wrap="square" rtlCol="0">
+            <a:spAutoFit/>
+          </a:bodyPr>
+          <a:lstStyle/>
+          <a:p>
+            <a:r>
+              <a:rPr lang="en-US" sz="1200" dirty="0">
+                <a:latin typeface="Tahoma" panose="020B0604030504040204" pitchFamily="34" charset="0"/>
+                <a:ea typeface="Tahoma" panose="020B0604030504040204" pitchFamily="34" charset="0"/>
+                <a:cs typeface="Tahoma" panose="020B0604030504040204" pitchFamily="34" charset="0"/>
+              </a:rPr>
+              <a:t>Virtual</a:t>
+            </a:r>
+            <a:r>
+              <a:rPr lang="en-US" sz="1200" dirty="0" smtClean="0"/>
+              <a:t> DOM</a:t>
+            </a:r>
+            <a:endParaRPr lang="en-US" sz="1200" dirty="0"/>
+          </a:p>
+        </p:txBody>
+      </p:sp>
+      <p:grpSp>
+        <p:nvGrpSpPr>
+          <p:cNvPr id="31" name="Group 30"/>
+          <p:cNvGrpSpPr/>
+          <p:nvPr/>
+        </p:nvGrpSpPr>
+        <p:grpSpPr>
+          <a:xfrm>
+            <a:off x="2743200" y="1647814"/>
+            <a:ext cx="1981200" cy="1933586"/>
+            <a:chOff x="3048000" y="1295400"/>
+            <a:chExt cx="2362200" cy="2286000"/>
+          </a:xfrm>
+        </p:grpSpPr>
+        <p:sp>
+          <p:nvSpPr>
+            <p:cNvPr id="16" name="Oval 15"/>
+            <p:cNvSpPr/>
+            <p:nvPr/>
+          </p:nvSpPr>
+          <p:spPr>
+            <a:xfrm>
+              <a:off x="3048000" y="1295400"/>
+              <a:ext cx="2362200" cy="2286000"/>
+            </a:xfrm>
+            <a:prstGeom prst="ellipse">
+              <a:avLst/>
+            </a:prstGeom>
+            <a:solidFill>
+              <a:schemeClr val="accent1">
+                <a:lumMod val="20000"/>
+                <a:lumOff val="80000"/>
+              </a:schemeClr>
+            </a:solidFill>
+            <a:ln>
+              <a:solidFill>
+                <a:schemeClr val="accent1">
+                  <a:lumMod val="40000"/>
+                  <a:lumOff val="60000"/>
+                </a:schemeClr>
+              </a:solidFill>
+            </a:ln>
+          </p:spPr>
+          <p:style>
+            <a:lnRef idx="2">
+              <a:schemeClr val="accent1">
+                <a:shade val="50000"/>
+              </a:schemeClr>
+            </a:lnRef>
+            <a:fillRef idx="1">
+              <a:schemeClr val="accent1"/>
+            </a:fillRef>
+            <a:effectRef idx="0">
+              <a:schemeClr val="accent1"/>
+            </a:effectRef>
+            <a:fontRef idx="minor">
+              <a:schemeClr val="lt1"/>
+            </a:fontRef>
+          </p:style>
+          <p:txBody>
+            <a:bodyPr rtlCol="0" anchor="ctr"/>
+            <a:lstStyle/>
+            <a:p>
+              <a:pPr algn="ctr"/>
+              <a:endParaRPr lang="en-US"/>
+            </a:p>
+          </p:txBody>
+        </p:sp>
+        <p:grpSp>
+          <p:nvGrpSpPr>
+            <p:cNvPr id="20" name="Group 19"/>
+            <p:cNvGrpSpPr/>
+            <p:nvPr/>
+          </p:nvGrpSpPr>
+          <p:grpSpPr>
+            <a:xfrm>
+              <a:off x="3276600" y="1460874"/>
+              <a:ext cx="1676400" cy="1739526"/>
+              <a:chOff x="3581400" y="3245037"/>
+              <a:chExt cx="1676400" cy="1739526"/>
+            </a:xfrm>
+          </p:grpSpPr>
+          <p:sp>
+            <p:nvSpPr>
+              <p:cNvPr id="21" name="Rectangle 20"/>
+              <p:cNvSpPr/>
+              <p:nvPr/>
+            </p:nvSpPr>
+            <p:spPr>
+              <a:xfrm>
+                <a:off x="4343400" y="3245037"/>
+                <a:ext cx="457200" cy="260163"/>
+              </a:xfrm>
+              <a:prstGeom prst="rect">
+                <a:avLst/>
+              </a:prstGeom>
+            </p:spPr>
+            <p:style>
+              <a:lnRef idx="1">
+                <a:schemeClr val="accent2"/>
+              </a:lnRef>
+              <a:fillRef idx="2">
+                <a:schemeClr val="accent2"/>
+              </a:fillRef>
+              <a:effectRef idx="1">
+                <a:schemeClr val="accent2"/>
+              </a:effectRef>
+              <a:fontRef idx="minor">
+                <a:schemeClr val="dk1"/>
+              </a:fontRef>
+            </p:style>
+            <p:txBody>
+              <a:bodyPr rtlCol="0" anchor="ctr"/>
+              <a:lstStyle/>
+              <a:p>
+                <a:pPr algn="ctr"/>
+                <a:endParaRPr lang="en-US"/>
+              </a:p>
+            </p:txBody>
+          </p:sp>
+          <p:sp>
+            <p:nvSpPr>
+              <p:cNvPr id="22" name="Rectangle 21"/>
+              <p:cNvSpPr/>
+              <p:nvPr/>
+            </p:nvSpPr>
+            <p:spPr>
+              <a:xfrm>
+                <a:off x="4800600" y="3715727"/>
+                <a:ext cx="457200" cy="260163"/>
+              </a:xfrm>
+              <a:prstGeom prst="rect">
+                <a:avLst/>
+              </a:prstGeom>
+            </p:spPr>
+            <p:style>
+              <a:lnRef idx="1">
+                <a:schemeClr val="accent2"/>
+              </a:lnRef>
+              <a:fillRef idx="2">
+                <a:schemeClr val="accent2"/>
+              </a:fillRef>
+              <a:effectRef idx="1">
+                <a:schemeClr val="accent2"/>
+              </a:effectRef>
+              <a:fontRef idx="minor">
+                <a:schemeClr val="dk1"/>
+              </a:fontRef>
+            </p:style>
+            <p:txBody>
+              <a:bodyPr rtlCol="0" anchor="ctr"/>
+              <a:lstStyle/>
+              <a:p>
+                <a:pPr algn="ctr"/>
+                <a:endParaRPr lang="en-US"/>
+              </a:p>
+            </p:txBody>
+          </p:sp>
+          <p:sp>
+            <p:nvSpPr>
+              <p:cNvPr id="23" name="Rectangle 22"/>
+              <p:cNvSpPr/>
+              <p:nvPr/>
+            </p:nvSpPr>
+            <p:spPr>
+              <a:xfrm>
+                <a:off x="3962400" y="3712899"/>
+                <a:ext cx="457200" cy="260163"/>
+              </a:xfrm>
+              <a:prstGeom prst="rect">
+                <a:avLst/>
+              </a:prstGeom>
+            </p:spPr>
+            <p:style>
+              <a:lnRef idx="1">
+                <a:schemeClr val="accent2"/>
+              </a:lnRef>
+              <a:fillRef idx="2">
+                <a:schemeClr val="accent2"/>
+              </a:fillRef>
+              <a:effectRef idx="1">
+                <a:schemeClr val="accent2"/>
+              </a:effectRef>
+              <a:fontRef idx="minor">
+                <a:schemeClr val="dk1"/>
+              </a:fontRef>
+            </p:style>
+            <p:txBody>
+              <a:bodyPr rtlCol="0" anchor="ctr"/>
+              <a:lstStyle/>
+              <a:p>
+                <a:pPr algn="ctr"/>
+                <a:endParaRPr lang="en-US"/>
+              </a:p>
+            </p:txBody>
+          </p:sp>
+          <p:sp>
+            <p:nvSpPr>
+              <p:cNvPr id="24" name="Rectangle 23"/>
+              <p:cNvSpPr/>
+              <p:nvPr/>
+            </p:nvSpPr>
+            <p:spPr>
+              <a:xfrm>
+                <a:off x="4343400" y="4193828"/>
+                <a:ext cx="457200" cy="260163"/>
+              </a:xfrm>
+              <a:prstGeom prst="rect">
+                <a:avLst/>
+              </a:prstGeom>
+            </p:spPr>
+            <p:style>
+              <a:lnRef idx="1">
+                <a:schemeClr val="accent2"/>
+              </a:lnRef>
+              <a:fillRef idx="2">
+                <a:schemeClr val="accent2"/>
+              </a:fillRef>
+              <a:effectRef idx="1">
+                <a:schemeClr val="accent2"/>
+              </a:effectRef>
+              <a:fontRef idx="minor">
+                <a:schemeClr val="dk1"/>
+              </a:fontRef>
+            </p:style>
+            <p:txBody>
+              <a:bodyPr rtlCol="0" anchor="ctr"/>
+              <a:lstStyle/>
+              <a:p>
+                <a:pPr algn="ctr"/>
+                <a:endParaRPr lang="en-US"/>
+              </a:p>
+            </p:txBody>
+          </p:sp>
+          <p:sp>
+            <p:nvSpPr>
+              <p:cNvPr id="25" name="Rectangle 24"/>
+              <p:cNvSpPr/>
+              <p:nvPr/>
+            </p:nvSpPr>
+            <p:spPr>
+              <a:xfrm>
+                <a:off x="3581400" y="4191000"/>
+                <a:ext cx="457200" cy="260163"/>
+              </a:xfrm>
+              <a:prstGeom prst="rect">
+                <a:avLst/>
+              </a:prstGeom>
+            </p:spPr>
+            <p:style>
+              <a:lnRef idx="1">
+                <a:schemeClr val="accent2"/>
+              </a:lnRef>
+              <a:fillRef idx="2">
+                <a:schemeClr val="accent2"/>
+              </a:fillRef>
+              <a:effectRef idx="1">
+                <a:schemeClr val="accent2"/>
+              </a:effectRef>
+              <a:fontRef idx="minor">
+                <a:schemeClr val="dk1"/>
+              </a:fontRef>
+            </p:style>
+            <p:txBody>
+              <a:bodyPr rtlCol="0" anchor="ctr"/>
+              <a:lstStyle/>
+              <a:p>
+                <a:pPr algn="ctr"/>
+                <a:endParaRPr lang="en-US"/>
+              </a:p>
+            </p:txBody>
+          </p:sp>
+          <p:sp>
+            <p:nvSpPr>
+              <p:cNvPr id="26" name="Rectangle 25"/>
+              <p:cNvSpPr/>
+              <p:nvPr/>
+            </p:nvSpPr>
+            <p:spPr>
+              <a:xfrm>
+                <a:off x="4343400" y="4724400"/>
+                <a:ext cx="457200" cy="260163"/>
+              </a:xfrm>
+              <a:prstGeom prst="rect">
+                <a:avLst/>
+              </a:prstGeom>
+            </p:spPr>
+            <p:style>
+              <a:lnRef idx="1">
+                <a:schemeClr val="accent2"/>
+              </a:lnRef>
+              <a:fillRef idx="2">
+                <a:schemeClr val="accent2"/>
+              </a:fillRef>
+              <a:effectRef idx="1">
+                <a:schemeClr val="accent2"/>
+              </a:effectRef>
+              <a:fontRef idx="minor">
+                <a:schemeClr val="dk1"/>
+              </a:fontRef>
+            </p:style>
+            <p:txBody>
+              <a:bodyPr rtlCol="0" anchor="ctr"/>
+              <a:lstStyle/>
+              <a:p>
+                <a:pPr algn="ctr"/>
+                <a:endParaRPr lang="en-US"/>
+              </a:p>
+            </p:txBody>
+          </p:sp>
+          <p:cxnSp>
+            <p:nvCxnSpPr>
+              <p:cNvPr id="27" name="Straight Connector 26"/>
+              <p:cNvCxnSpPr>
+                <a:stCxn id="21" idx="2"/>
+                <a:endCxn id="23" idx="0"/>
+              </p:cNvCxnSpPr>
+              <p:nvPr/>
+            </p:nvCxnSpPr>
+            <p:spPr>
+              <a:xfrm flipH="1">
+                <a:off x="4191000" y="3505200"/>
+                <a:ext cx="381000" cy="207699"/>
+              </a:xfrm>
+              <a:prstGeom prst="line">
+                <a:avLst/>
+              </a:prstGeom>
+            </p:spPr>
+            <p:style>
+              <a:lnRef idx="1">
+                <a:schemeClr val="accent6"/>
+              </a:lnRef>
+              <a:fillRef idx="0">
+                <a:schemeClr val="accent6"/>
+              </a:fillRef>
+              <a:effectRef idx="0">
+                <a:schemeClr val="accent6"/>
+              </a:effectRef>
+              <a:fontRef idx="minor">
+                <a:schemeClr val="tx1"/>
+              </a:fontRef>
+            </p:style>
+          </p:cxnSp>
+          <p:cxnSp>
+            <p:nvCxnSpPr>
+              <p:cNvPr id="28" name="Straight Connector 27"/>
+              <p:cNvCxnSpPr>
+                <a:stCxn id="22" idx="0"/>
+              </p:cNvCxnSpPr>
+              <p:nvPr/>
+            </p:nvCxnSpPr>
+            <p:spPr>
+              <a:xfrm flipH="1" flipV="1">
+                <a:off x="4572000" y="3512389"/>
+                <a:ext cx="457200" cy="203338"/>
+              </a:xfrm>
+              <a:prstGeom prst="line">
+                <a:avLst/>
+              </a:prstGeom>
+            </p:spPr>
+            <p:style>
+              <a:lnRef idx="1">
+                <a:schemeClr val="accent6"/>
+              </a:lnRef>
+              <a:fillRef idx="0">
+                <a:schemeClr val="accent6"/>
+              </a:fillRef>
+              <a:effectRef idx="0">
+                <a:schemeClr val="accent6"/>
+              </a:effectRef>
+              <a:fontRef idx="minor">
+                <a:schemeClr val="tx1"/>
+              </a:fontRef>
+            </p:style>
+          </p:cxnSp>
+          <p:cxnSp>
+            <p:nvCxnSpPr>
+              <p:cNvPr id="29" name="Straight Connector 28"/>
+              <p:cNvCxnSpPr/>
+              <p:nvPr/>
+            </p:nvCxnSpPr>
+            <p:spPr>
+              <a:xfrm flipH="1">
+                <a:off x="3810000" y="3986129"/>
+                <a:ext cx="381000" cy="207699"/>
+              </a:xfrm>
+              <a:prstGeom prst="line">
+                <a:avLst/>
+              </a:prstGeom>
+            </p:spPr>
+            <p:style>
+              <a:lnRef idx="1">
+                <a:schemeClr val="accent6"/>
+              </a:lnRef>
+              <a:fillRef idx="0">
+                <a:schemeClr val="accent6"/>
+              </a:fillRef>
+              <a:effectRef idx="0">
+                <a:schemeClr val="accent6"/>
+              </a:effectRef>
+              <a:fontRef idx="minor">
+                <a:schemeClr val="tx1"/>
+              </a:fontRef>
+            </p:style>
+          </p:cxnSp>
+          <p:cxnSp>
+            <p:nvCxnSpPr>
+              <p:cNvPr id="30" name="Straight Connector 29"/>
+              <p:cNvCxnSpPr>
+                <a:stCxn id="24" idx="0"/>
+              </p:cNvCxnSpPr>
+              <p:nvPr/>
+            </p:nvCxnSpPr>
+            <p:spPr>
+              <a:xfrm flipH="1" flipV="1">
+                <a:off x="4274390" y="3986129"/>
+                <a:ext cx="297610" cy="207699"/>
+              </a:xfrm>
+              <a:prstGeom prst="line">
+                <a:avLst/>
+              </a:prstGeom>
+            </p:spPr>
+            <p:style>
+              <a:lnRef idx="1">
+                <a:schemeClr val="accent6"/>
+              </a:lnRef>
+              <a:fillRef idx="0">
+                <a:schemeClr val="accent6"/>
+              </a:fillRef>
+              <a:effectRef idx="0">
+                <a:schemeClr val="accent6"/>
+              </a:effectRef>
+              <a:fontRef idx="minor">
+                <a:schemeClr val="tx1"/>
+              </a:fontRef>
+            </p:style>
+          </p:cxnSp>
+        </p:grpSp>
+      </p:grpSp>
+      <p:grpSp>
+        <p:nvGrpSpPr>
+          <p:cNvPr id="45" name="Group 44"/>
+          <p:cNvGrpSpPr/>
+          <p:nvPr/>
+        </p:nvGrpSpPr>
+        <p:grpSpPr>
+          <a:xfrm>
+            <a:off x="2743200" y="3933814"/>
+            <a:ext cx="1981200" cy="1933586"/>
+            <a:chOff x="3048000" y="1295400"/>
+            <a:chExt cx="2362200" cy="2286000"/>
+          </a:xfrm>
+        </p:grpSpPr>
+        <p:sp>
+          <p:nvSpPr>
+            <p:cNvPr id="46" name="Oval 45"/>
+            <p:cNvSpPr/>
+            <p:nvPr/>
+          </p:nvSpPr>
+          <p:spPr>
+            <a:xfrm>
+              <a:off x="3048000" y="1295400"/>
+              <a:ext cx="2362200" cy="2286000"/>
+            </a:xfrm>
+            <a:prstGeom prst="ellipse">
+              <a:avLst/>
+            </a:prstGeom>
+            <a:solidFill>
+              <a:schemeClr val="accent1">
+                <a:lumMod val="20000"/>
+                <a:lumOff val="80000"/>
+              </a:schemeClr>
+            </a:solidFill>
+            <a:ln>
+              <a:solidFill>
+                <a:schemeClr val="accent1">
+                  <a:lumMod val="40000"/>
+                  <a:lumOff val="60000"/>
+                </a:schemeClr>
+              </a:solidFill>
+            </a:ln>
+          </p:spPr>
+          <p:style>
+            <a:lnRef idx="2">
+              <a:schemeClr val="accent1">
+                <a:shade val="50000"/>
+              </a:schemeClr>
+            </a:lnRef>
+            <a:fillRef idx="1">
+              <a:schemeClr val="accent1"/>
+            </a:fillRef>
+            <a:effectRef idx="0">
+              <a:schemeClr val="accent1"/>
+            </a:effectRef>
+            <a:fontRef idx="minor">
+              <a:schemeClr val="lt1"/>
+            </a:fontRef>
+          </p:style>
+          <p:txBody>
+            <a:bodyPr rtlCol="0" anchor="ctr"/>
+            <a:lstStyle/>
+            <a:p>
+              <a:pPr algn="ctr"/>
+              <a:endParaRPr lang="en-US"/>
+            </a:p>
+          </p:txBody>
+        </p:sp>
+        <p:grpSp>
+          <p:nvGrpSpPr>
+            <p:cNvPr id="47" name="Group 46"/>
+            <p:cNvGrpSpPr/>
+            <p:nvPr/>
+          </p:nvGrpSpPr>
+          <p:grpSpPr>
+            <a:xfrm>
+              <a:off x="3276600" y="1460874"/>
+              <a:ext cx="1676400" cy="1739526"/>
+              <a:chOff x="3581400" y="3245037"/>
+              <a:chExt cx="1676400" cy="1739526"/>
+            </a:xfrm>
+          </p:grpSpPr>
+          <p:sp>
+            <p:nvSpPr>
+              <p:cNvPr id="48" name="Rectangle 47"/>
+              <p:cNvSpPr/>
+              <p:nvPr/>
+            </p:nvSpPr>
+            <p:spPr>
+              <a:xfrm>
+                <a:off x="4343400" y="3245037"/>
+                <a:ext cx="457200" cy="260163"/>
+              </a:xfrm>
+              <a:prstGeom prst="rect">
+                <a:avLst/>
+              </a:prstGeom>
+            </p:spPr>
+            <p:style>
+              <a:lnRef idx="1">
+                <a:schemeClr val="accent2"/>
+              </a:lnRef>
+              <a:fillRef idx="2">
+                <a:schemeClr val="accent2"/>
+              </a:fillRef>
+              <a:effectRef idx="1">
+                <a:schemeClr val="accent2"/>
+              </a:effectRef>
+              <a:fontRef idx="minor">
+                <a:schemeClr val="dk1"/>
+              </a:fontRef>
+            </p:style>
+            <p:txBody>
+              <a:bodyPr rtlCol="0" anchor="ctr"/>
+              <a:lstStyle/>
+              <a:p>
+                <a:pPr algn="ctr"/>
+                <a:endParaRPr lang="en-US"/>
+              </a:p>
+            </p:txBody>
+          </p:sp>
+          <p:sp>
+            <p:nvSpPr>
+              <p:cNvPr id="49" name="Rectangle 48"/>
+              <p:cNvSpPr/>
+              <p:nvPr/>
+            </p:nvSpPr>
+            <p:spPr>
+              <a:xfrm>
+                <a:off x="4800600" y="3715727"/>
+                <a:ext cx="457200" cy="260163"/>
+              </a:xfrm>
+              <a:prstGeom prst="rect">
+                <a:avLst/>
+              </a:prstGeom>
+            </p:spPr>
+            <p:style>
+              <a:lnRef idx="1">
+                <a:schemeClr val="accent2"/>
+              </a:lnRef>
+              <a:fillRef idx="2">
+                <a:schemeClr val="accent2"/>
+              </a:fillRef>
+              <a:effectRef idx="1">
+                <a:schemeClr val="accent2"/>
+              </a:effectRef>
+              <a:fontRef idx="minor">
+                <a:schemeClr val="dk1"/>
+              </a:fontRef>
+            </p:style>
+            <p:txBody>
+              <a:bodyPr rtlCol="0" anchor="ctr"/>
+              <a:lstStyle/>
+              <a:p>
+                <a:pPr algn="ctr"/>
+                <a:endParaRPr lang="en-US"/>
+              </a:p>
+            </p:txBody>
+          </p:sp>
+          <p:sp>
+            <p:nvSpPr>
+              <p:cNvPr id="50" name="Rectangle 49"/>
+              <p:cNvSpPr/>
+              <p:nvPr/>
+            </p:nvSpPr>
+            <p:spPr>
+              <a:xfrm>
+                <a:off x="3962400" y="3712899"/>
+                <a:ext cx="457200" cy="260163"/>
+              </a:xfrm>
+              <a:prstGeom prst="rect">
+                <a:avLst/>
+              </a:prstGeom>
+            </p:spPr>
+            <p:style>
+              <a:lnRef idx="1">
+                <a:schemeClr val="accent2"/>
+              </a:lnRef>
+              <a:fillRef idx="2">
+                <a:schemeClr val="accent2"/>
+              </a:fillRef>
+              <a:effectRef idx="1">
+                <a:schemeClr val="accent2"/>
+              </a:effectRef>
+              <a:fontRef idx="minor">
+                <a:schemeClr val="dk1"/>
+              </a:fontRef>
+            </p:style>
+            <p:txBody>
+              <a:bodyPr rtlCol="0" anchor="ctr"/>
+              <a:lstStyle/>
+              <a:p>
+                <a:pPr algn="ctr"/>
+                <a:endParaRPr lang="en-US"/>
+              </a:p>
+            </p:txBody>
+          </p:sp>
+          <p:sp>
+            <p:nvSpPr>
+              <p:cNvPr id="51" name="Rectangle 50"/>
+              <p:cNvSpPr/>
+              <p:nvPr/>
+            </p:nvSpPr>
+            <p:spPr>
+              <a:xfrm>
+                <a:off x="4343400" y="4193828"/>
+                <a:ext cx="457200" cy="260163"/>
+              </a:xfrm>
+              <a:prstGeom prst="rect">
+                <a:avLst/>
+              </a:prstGeom>
+            </p:spPr>
+            <p:style>
+              <a:lnRef idx="1">
+                <a:schemeClr val="accent2"/>
+              </a:lnRef>
+              <a:fillRef idx="2">
+                <a:schemeClr val="accent2"/>
+              </a:fillRef>
+              <a:effectRef idx="1">
+                <a:schemeClr val="accent2"/>
+              </a:effectRef>
+              <a:fontRef idx="minor">
+                <a:schemeClr val="dk1"/>
+              </a:fontRef>
+            </p:style>
+            <p:txBody>
+              <a:bodyPr rtlCol="0" anchor="ctr"/>
+              <a:lstStyle/>
+              <a:p>
+                <a:pPr algn="ctr"/>
+                <a:endParaRPr lang="en-US"/>
+              </a:p>
+            </p:txBody>
+          </p:sp>
+          <p:sp>
+            <p:nvSpPr>
+              <p:cNvPr id="52" name="Rectangle 51"/>
+              <p:cNvSpPr/>
+              <p:nvPr/>
+            </p:nvSpPr>
+            <p:spPr>
+              <a:xfrm>
+                <a:off x="3581400" y="4191000"/>
+                <a:ext cx="457200" cy="260163"/>
+              </a:xfrm>
+              <a:prstGeom prst="rect">
+                <a:avLst/>
+              </a:prstGeom>
+              <a:solidFill>
+                <a:srgbClr val="FF0000"/>
+              </a:solidFill>
+            </p:spPr>
+            <p:style>
+              <a:lnRef idx="1">
+                <a:schemeClr val="accent2"/>
+              </a:lnRef>
+              <a:fillRef idx="2">
+                <a:schemeClr val="accent2"/>
+              </a:fillRef>
+              <a:effectRef idx="1">
+                <a:schemeClr val="accent2"/>
+              </a:effectRef>
+              <a:fontRef idx="minor">
+                <a:schemeClr val="dk1"/>
+              </a:fontRef>
+            </p:style>
+            <p:txBody>
+              <a:bodyPr rtlCol="0" anchor="ctr"/>
+              <a:lstStyle/>
+              <a:p>
+                <a:pPr algn="ctr"/>
+                <a:endParaRPr lang="en-US"/>
+              </a:p>
+            </p:txBody>
+          </p:sp>
+          <p:sp>
+            <p:nvSpPr>
+              <p:cNvPr id="53" name="Rectangle 52"/>
+              <p:cNvSpPr/>
+              <p:nvPr/>
+            </p:nvSpPr>
+            <p:spPr>
+              <a:xfrm>
+                <a:off x="4343400" y="4724400"/>
+                <a:ext cx="457200" cy="260163"/>
+              </a:xfrm>
+              <a:prstGeom prst="rect">
+                <a:avLst/>
+              </a:prstGeom>
+            </p:spPr>
+            <p:style>
+              <a:lnRef idx="1">
+                <a:schemeClr val="accent2"/>
+              </a:lnRef>
+              <a:fillRef idx="2">
+                <a:schemeClr val="accent2"/>
+              </a:fillRef>
+              <a:effectRef idx="1">
+                <a:schemeClr val="accent2"/>
+              </a:effectRef>
+              <a:fontRef idx="minor">
+                <a:schemeClr val="dk1"/>
+              </a:fontRef>
+            </p:style>
+            <p:txBody>
+              <a:bodyPr rtlCol="0" anchor="ctr"/>
+              <a:lstStyle/>
+              <a:p>
+                <a:pPr algn="ctr"/>
+                <a:endParaRPr lang="en-US"/>
+              </a:p>
+            </p:txBody>
+          </p:sp>
+          <p:cxnSp>
+            <p:nvCxnSpPr>
+              <p:cNvPr id="54" name="Straight Connector 53"/>
+              <p:cNvCxnSpPr>
+                <a:stCxn id="48" idx="2"/>
+                <a:endCxn id="50" idx="0"/>
+              </p:cNvCxnSpPr>
+              <p:nvPr/>
+            </p:nvCxnSpPr>
+            <p:spPr>
+              <a:xfrm flipH="1">
+                <a:off x="4191000" y="3505200"/>
+                <a:ext cx="381000" cy="207699"/>
+              </a:xfrm>
+              <a:prstGeom prst="line">
+                <a:avLst/>
+              </a:prstGeom>
+            </p:spPr>
+            <p:style>
+              <a:lnRef idx="1">
+                <a:schemeClr val="accent6"/>
+              </a:lnRef>
+              <a:fillRef idx="0">
+                <a:schemeClr val="accent6"/>
+              </a:fillRef>
+              <a:effectRef idx="0">
+                <a:schemeClr val="accent6"/>
+              </a:effectRef>
+              <a:fontRef idx="minor">
+                <a:schemeClr val="tx1"/>
+              </a:fontRef>
+            </p:style>
+          </p:cxnSp>
+          <p:cxnSp>
+            <p:nvCxnSpPr>
+              <p:cNvPr id="55" name="Straight Connector 54"/>
+              <p:cNvCxnSpPr>
+                <a:stCxn id="49" idx="0"/>
+              </p:cNvCxnSpPr>
+              <p:nvPr/>
+            </p:nvCxnSpPr>
+            <p:spPr>
+              <a:xfrm flipH="1" flipV="1">
+                <a:off x="4572000" y="3512389"/>
+                <a:ext cx="457200" cy="203338"/>
+              </a:xfrm>
+              <a:prstGeom prst="line">
+                <a:avLst/>
+              </a:prstGeom>
+            </p:spPr>
+            <p:style>
+              <a:lnRef idx="1">
+                <a:schemeClr val="accent6"/>
+              </a:lnRef>
+              <a:fillRef idx="0">
+                <a:schemeClr val="accent6"/>
+              </a:fillRef>
+              <a:effectRef idx="0">
+                <a:schemeClr val="accent6"/>
+              </a:effectRef>
+              <a:fontRef idx="minor">
+                <a:schemeClr val="tx1"/>
+              </a:fontRef>
+            </p:style>
+          </p:cxnSp>
+          <p:cxnSp>
+            <p:nvCxnSpPr>
+              <p:cNvPr id="56" name="Straight Connector 55"/>
+              <p:cNvCxnSpPr/>
+              <p:nvPr/>
+            </p:nvCxnSpPr>
+            <p:spPr>
+              <a:xfrm flipH="1">
+                <a:off x="3810000" y="3986129"/>
+                <a:ext cx="381000" cy="207699"/>
+              </a:xfrm>
+              <a:prstGeom prst="line">
+                <a:avLst/>
+              </a:prstGeom>
+            </p:spPr>
+            <p:style>
+              <a:lnRef idx="1">
+                <a:schemeClr val="accent6"/>
+              </a:lnRef>
+              <a:fillRef idx="0">
+                <a:schemeClr val="accent6"/>
+              </a:fillRef>
+              <a:effectRef idx="0">
+                <a:schemeClr val="accent6"/>
+              </a:effectRef>
+              <a:fontRef idx="minor">
+                <a:schemeClr val="tx1"/>
+              </a:fontRef>
+            </p:style>
+          </p:cxnSp>
+          <p:cxnSp>
+            <p:nvCxnSpPr>
+              <p:cNvPr id="57" name="Straight Connector 56"/>
+              <p:cNvCxnSpPr>
+                <a:stCxn id="51" idx="0"/>
+              </p:cNvCxnSpPr>
+              <p:nvPr/>
+            </p:nvCxnSpPr>
+            <p:spPr>
+              <a:xfrm flipH="1" flipV="1">
+                <a:off x="4274390" y="3986129"/>
+                <a:ext cx="297610" cy="207699"/>
+              </a:xfrm>
+              <a:prstGeom prst="line">
+                <a:avLst/>
+              </a:prstGeom>
+            </p:spPr>
+            <p:style>
+              <a:lnRef idx="1">
+                <a:schemeClr val="accent6"/>
+              </a:lnRef>
+              <a:fillRef idx="0">
+                <a:schemeClr val="accent6"/>
+              </a:fillRef>
+              <a:effectRef idx="0">
+                <a:schemeClr val="accent6"/>
+              </a:effectRef>
+              <a:fontRef idx="minor">
+                <a:schemeClr val="tx1"/>
+              </a:fontRef>
+            </p:style>
+          </p:cxnSp>
+        </p:grpSp>
+      </p:grpSp>
+      <p:cxnSp>
+        <p:nvCxnSpPr>
+          <p:cNvPr id="59" name="Straight Connector 58"/>
+          <p:cNvCxnSpPr/>
+          <p:nvPr/>
+        </p:nvCxnSpPr>
+        <p:spPr>
+          <a:xfrm flipH="1">
+            <a:off x="609600" y="1647814"/>
+            <a:ext cx="2897022" cy="1501293"/>
+          </a:xfrm>
+          <a:prstGeom prst="line">
+            <a:avLst/>
+          </a:prstGeom>
+        </p:spPr>
+        <p:style>
+          <a:lnRef idx="1">
+            <a:schemeClr val="accent1"/>
+          </a:lnRef>
+          <a:fillRef idx="0">
+            <a:schemeClr val="accent1"/>
+          </a:fillRef>
+          <a:effectRef idx="0">
+            <a:schemeClr val="accent1"/>
+          </a:effectRef>
+          <a:fontRef idx="minor">
+            <a:schemeClr val="tx1"/>
+          </a:fontRef>
+        </p:style>
+      </p:cxnSp>
+      <p:cxnSp>
+        <p:nvCxnSpPr>
+          <p:cNvPr id="61" name="Straight Connector 60"/>
+          <p:cNvCxnSpPr/>
+          <p:nvPr/>
+        </p:nvCxnSpPr>
+        <p:spPr>
+          <a:xfrm flipH="1">
+            <a:off x="1127906" y="3549749"/>
+            <a:ext cx="2910694" cy="1238713"/>
+          </a:xfrm>
+          <a:prstGeom prst="line">
+            <a:avLst/>
+          </a:prstGeom>
+        </p:spPr>
+        <p:style>
+          <a:lnRef idx="1">
+            <a:schemeClr val="accent1"/>
+          </a:lnRef>
+          <a:fillRef idx="0">
+            <a:schemeClr val="accent1"/>
+          </a:fillRef>
+          <a:effectRef idx="0">
+            <a:schemeClr val="accent1"/>
+          </a:effectRef>
+          <a:fontRef idx="minor">
+            <a:schemeClr val="tx1"/>
+          </a:fontRef>
+        </p:style>
+      </p:cxnSp>
+      <p:cxnSp>
+        <p:nvCxnSpPr>
+          <p:cNvPr id="66" name="Straight Connector 65"/>
+          <p:cNvCxnSpPr/>
+          <p:nvPr/>
+        </p:nvCxnSpPr>
+        <p:spPr>
+          <a:xfrm flipH="1" flipV="1">
+            <a:off x="685802" y="2810357"/>
+            <a:ext cx="3463411" cy="1215970"/>
+          </a:xfrm>
+          <a:prstGeom prst="line">
+            <a:avLst/>
+          </a:prstGeom>
+        </p:spPr>
+        <p:style>
+          <a:lnRef idx="1">
+            <a:schemeClr val="accent1"/>
+          </a:lnRef>
+          <a:fillRef idx="0">
+            <a:schemeClr val="accent1"/>
+          </a:fillRef>
+          <a:effectRef idx="0">
+            <a:schemeClr val="accent1"/>
+          </a:effectRef>
+          <a:fontRef idx="minor">
+            <a:schemeClr val="tx1"/>
+          </a:fontRef>
+        </p:style>
+      </p:cxnSp>
+      <p:cxnSp>
+        <p:nvCxnSpPr>
+          <p:cNvPr id="68" name="Straight Connector 67"/>
+          <p:cNvCxnSpPr>
+            <a:stCxn id="46" idx="3"/>
+          </p:cNvCxnSpPr>
+          <p:nvPr/>
+        </p:nvCxnSpPr>
+        <p:spPr>
+          <a:xfrm flipH="1" flipV="1">
+            <a:off x="419815" y="3813270"/>
+            <a:ext cx="2613525" cy="1770963"/>
+          </a:xfrm>
+          <a:prstGeom prst="line">
+            <a:avLst/>
+          </a:prstGeom>
+        </p:spPr>
+        <p:style>
+          <a:lnRef idx="1">
+            <a:schemeClr val="accent1"/>
+          </a:lnRef>
+          <a:fillRef idx="0">
+            <a:schemeClr val="accent1"/>
+          </a:fillRef>
+          <a:effectRef idx="0">
+            <a:schemeClr val="accent1"/>
+          </a:effectRef>
+          <a:fontRef idx="minor">
+            <a:schemeClr val="tx1"/>
+          </a:fontRef>
+        </p:style>
+      </p:cxnSp>
+      <p:sp>
+        <p:nvSpPr>
+          <p:cNvPr id="81" name="Rectangle 80"/>
+          <p:cNvSpPr/>
+          <p:nvPr/>
+        </p:nvSpPr>
+        <p:spPr>
+          <a:xfrm>
+            <a:off x="5257800" y="3639930"/>
+            <a:ext cx="383458" cy="220056"/>
+          </a:xfrm>
+          <a:prstGeom prst="rect">
+            <a:avLst/>
+          </a:prstGeom>
+          <a:solidFill>
+            <a:srgbClr val="FF0000"/>
+          </a:solidFill>
+        </p:spPr>
+        <p:style>
+          <a:lnRef idx="1">
+            <a:schemeClr val="accent2"/>
+          </a:lnRef>
+          <a:fillRef idx="2">
+            <a:schemeClr val="accent2"/>
+          </a:fillRef>
+          <a:effectRef idx="1">
+            <a:schemeClr val="accent2"/>
+          </a:effectRef>
+          <a:fontRef idx="minor">
+            <a:schemeClr val="dk1"/>
+          </a:fontRef>
+        </p:style>
+        <p:txBody>
+          <a:bodyPr rtlCol="0" anchor="ctr"/>
+          <a:lstStyle/>
+          <a:p>
+            <a:pPr algn="ctr"/>
+            <a:endParaRPr lang="en-US"/>
+          </a:p>
+        </p:txBody>
+      </p:sp>
+      <p:cxnSp>
+        <p:nvCxnSpPr>
+          <p:cNvPr id="83" name="Straight Arrow Connector 82"/>
+          <p:cNvCxnSpPr/>
+          <p:nvPr/>
+        </p:nvCxnSpPr>
+        <p:spPr>
+          <a:xfrm>
+            <a:off x="4724400" y="2700329"/>
+            <a:ext cx="561975" cy="946234"/>
+          </a:xfrm>
+          <a:prstGeom prst="straightConnector1">
+            <a:avLst/>
+          </a:prstGeom>
+          <a:ln>
+            <a:solidFill>
+              <a:srgbClr val="FF0000"/>
+            </a:solidFill>
+            <a:tailEnd type="arrow"/>
+          </a:ln>
+        </p:spPr>
+        <p:style>
+          <a:lnRef idx="1">
+            <a:schemeClr val="accent1"/>
+          </a:lnRef>
+          <a:fillRef idx="0">
+            <a:schemeClr val="accent1"/>
+          </a:fillRef>
+          <a:effectRef idx="0">
+            <a:schemeClr val="accent1"/>
+          </a:effectRef>
+          <a:fontRef idx="minor">
+            <a:schemeClr val="tx1"/>
+          </a:fontRef>
+        </p:style>
+      </p:cxnSp>
+      <p:cxnSp>
+        <p:nvCxnSpPr>
+          <p:cNvPr id="86" name="Straight Arrow Connector 85"/>
+          <p:cNvCxnSpPr>
+            <a:stCxn id="46" idx="6"/>
+          </p:cNvCxnSpPr>
+          <p:nvPr/>
+        </p:nvCxnSpPr>
+        <p:spPr>
+          <a:xfrm flipV="1">
+            <a:off x="4724400" y="3893164"/>
+            <a:ext cx="561975" cy="1007443"/>
+          </a:xfrm>
+          <a:prstGeom prst="straightConnector1">
+            <a:avLst/>
+          </a:prstGeom>
+          <a:ln>
+            <a:solidFill>
+              <a:srgbClr val="FF0000"/>
+            </a:solidFill>
+            <a:tailEnd type="arrow"/>
+          </a:ln>
+        </p:spPr>
+        <p:style>
+          <a:lnRef idx="1">
+            <a:schemeClr val="accent1"/>
+          </a:lnRef>
+          <a:fillRef idx="0">
+            <a:schemeClr val="accent1"/>
+          </a:fillRef>
+          <a:effectRef idx="0">
+            <a:schemeClr val="accent1"/>
+          </a:effectRef>
+          <a:fontRef idx="minor">
+            <a:schemeClr val="tx1"/>
+          </a:fontRef>
+        </p:style>
+      </p:cxnSp>
+      <p:sp>
+        <p:nvSpPr>
+          <p:cNvPr id="89" name="TextBox 88"/>
+          <p:cNvSpPr txBox="1"/>
+          <p:nvPr/>
+        </p:nvSpPr>
+        <p:spPr>
+          <a:xfrm>
+            <a:off x="4076700" y="3609201"/>
+            <a:ext cx="1181100" cy="276999"/>
+          </a:xfrm>
+          <a:prstGeom prst="rect">
+            <a:avLst/>
+          </a:prstGeom>
+          <a:noFill/>
+        </p:spPr>
+        <p:txBody>
+          <a:bodyPr wrap="square" rtlCol="0">
+            <a:spAutoFit/>
+          </a:bodyPr>
+          <a:lstStyle>
+            <a:defPPr>
+              <a:defRPr lang="en-US"/>
+            </a:defPPr>
+            <a:lvl1pPr>
+              <a:defRPr sz="1200">
+                <a:latin typeface="Tahoma" panose="020B0604030504040204" pitchFamily="34" charset="0"/>
+                <a:ea typeface="Tahoma" panose="020B0604030504040204" pitchFamily="34" charset="0"/>
+                <a:cs typeface="Tahoma" panose="020B0604030504040204" pitchFamily="34" charset="0"/>
+              </a:defRPr>
+            </a:lvl1pPr>
+          </a:lstStyle>
+          <a:p>
+            <a:r>
+              <a:rPr lang="en-US" dirty="0" smtClean="0"/>
+              <a:t>Diff algorithm</a:t>
+            </a:r>
+            <a:endParaRPr lang="en-US" dirty="0"/>
+          </a:p>
+        </p:txBody>
+      </p:sp>
+      <p:grpSp>
+        <p:nvGrpSpPr>
+          <p:cNvPr id="90" name="Group 89"/>
+          <p:cNvGrpSpPr/>
+          <p:nvPr/>
+        </p:nvGrpSpPr>
+        <p:grpSpPr>
+          <a:xfrm>
+            <a:off x="6477795" y="2819400"/>
+            <a:ext cx="1828005" cy="1981137"/>
+            <a:chOff x="3581400" y="3245037"/>
+            <a:chExt cx="1676400" cy="1739526"/>
+          </a:xfrm>
+        </p:grpSpPr>
+        <p:sp>
+          <p:nvSpPr>
+            <p:cNvPr id="91" name="Rectangle 90"/>
+            <p:cNvSpPr/>
+            <p:nvPr/>
+          </p:nvSpPr>
+          <p:spPr>
+            <a:xfrm>
+              <a:off x="4343400" y="3245037"/>
+              <a:ext cx="457200" cy="260163"/>
+            </a:xfrm>
+            <a:prstGeom prst="rect">
+              <a:avLst/>
+            </a:prstGeom>
+          </p:spPr>
+          <p:style>
+            <a:lnRef idx="1">
+              <a:schemeClr val="accent2"/>
+            </a:lnRef>
+            <a:fillRef idx="3">
+              <a:schemeClr val="accent2"/>
+            </a:fillRef>
+            <a:effectRef idx="2">
+              <a:schemeClr val="accent2"/>
+            </a:effectRef>
+            <a:fontRef idx="minor">
+              <a:schemeClr val="lt1"/>
+            </a:fontRef>
+          </p:style>
+          <p:txBody>
+            <a:bodyPr rtlCol="0" anchor="ctr"/>
+            <a:lstStyle/>
+            <a:p>
+              <a:pPr algn="ctr"/>
+              <a:endParaRPr lang="en-US"/>
+            </a:p>
+          </p:txBody>
+        </p:sp>
+        <p:sp>
+          <p:nvSpPr>
+            <p:cNvPr id="92" name="Rectangle 91"/>
+            <p:cNvSpPr/>
+            <p:nvPr/>
+          </p:nvSpPr>
+          <p:spPr>
+            <a:xfrm>
+              <a:off x="4800600" y="3715727"/>
+              <a:ext cx="457200" cy="260163"/>
+            </a:xfrm>
+            <a:prstGeom prst="rect">
+              <a:avLst/>
+            </a:prstGeom>
+          </p:spPr>
+          <p:style>
+            <a:lnRef idx="1">
+              <a:schemeClr val="accent2"/>
+            </a:lnRef>
+            <a:fillRef idx="3">
+              <a:schemeClr val="accent2"/>
+            </a:fillRef>
+            <a:effectRef idx="2">
+              <a:schemeClr val="accent2"/>
+            </a:effectRef>
+            <a:fontRef idx="minor">
+              <a:schemeClr val="lt1"/>
+            </a:fontRef>
+          </p:style>
+          <p:txBody>
+            <a:bodyPr rtlCol="0" anchor="ctr"/>
+            <a:lstStyle/>
+            <a:p>
+              <a:pPr algn="ctr"/>
+              <a:endParaRPr lang="en-US"/>
+            </a:p>
+          </p:txBody>
+        </p:sp>
+        <p:sp>
+          <p:nvSpPr>
+            <p:cNvPr id="93" name="Rectangle 92"/>
+            <p:cNvSpPr/>
+            <p:nvPr/>
+          </p:nvSpPr>
+          <p:spPr>
+            <a:xfrm>
+              <a:off x="3962400" y="3712899"/>
+              <a:ext cx="457200" cy="260163"/>
+            </a:xfrm>
+            <a:prstGeom prst="rect">
+              <a:avLst/>
+            </a:prstGeom>
+          </p:spPr>
+          <p:style>
+            <a:lnRef idx="1">
+              <a:schemeClr val="accent2"/>
+            </a:lnRef>
+            <a:fillRef idx="3">
+              <a:schemeClr val="accent2"/>
+            </a:fillRef>
+            <a:effectRef idx="2">
+              <a:schemeClr val="accent2"/>
+            </a:effectRef>
+            <a:fontRef idx="minor">
+              <a:schemeClr val="lt1"/>
+            </a:fontRef>
+          </p:style>
+          <p:txBody>
+            <a:bodyPr rtlCol="0" anchor="ctr"/>
+            <a:lstStyle/>
+            <a:p>
+              <a:pPr algn="ctr"/>
+              <a:endParaRPr lang="en-US"/>
+            </a:p>
+          </p:txBody>
+        </p:sp>
+        <p:sp>
+          <p:nvSpPr>
+            <p:cNvPr id="94" name="Rectangle 93"/>
+            <p:cNvSpPr/>
+            <p:nvPr/>
+          </p:nvSpPr>
+          <p:spPr>
+            <a:xfrm>
+              <a:off x="4343400" y="4193828"/>
+              <a:ext cx="457200" cy="260163"/>
+            </a:xfrm>
+            <a:prstGeom prst="rect">
+              <a:avLst/>
+            </a:prstGeom>
+          </p:spPr>
+          <p:style>
+            <a:lnRef idx="1">
+              <a:schemeClr val="accent2"/>
+            </a:lnRef>
+            <a:fillRef idx="3">
+              <a:schemeClr val="accent2"/>
+            </a:fillRef>
+            <a:effectRef idx="2">
+              <a:schemeClr val="accent2"/>
+            </a:effectRef>
+            <a:fontRef idx="minor">
+              <a:schemeClr val="lt1"/>
+            </a:fontRef>
+          </p:style>
+          <p:txBody>
+            <a:bodyPr rtlCol="0" anchor="ctr"/>
+            <a:lstStyle/>
+            <a:p>
+              <a:pPr algn="ctr"/>
+              <a:endParaRPr lang="en-US"/>
+            </a:p>
+          </p:txBody>
+        </p:sp>
+        <p:sp>
+          <p:nvSpPr>
+            <p:cNvPr id="95" name="Rectangle 94"/>
+            <p:cNvSpPr/>
+            <p:nvPr/>
+          </p:nvSpPr>
+          <p:spPr>
+            <a:xfrm>
+              <a:off x="3581400" y="4191000"/>
+              <a:ext cx="457200" cy="260163"/>
+            </a:xfrm>
+            <a:prstGeom prst="rect">
+              <a:avLst/>
+            </a:prstGeom>
+            <a:solidFill>
+              <a:srgbClr val="FF0000"/>
+            </a:solidFill>
+          </p:spPr>
+          <p:style>
+            <a:lnRef idx="1">
+              <a:schemeClr val="accent2"/>
+            </a:lnRef>
+            <a:fillRef idx="3">
+              <a:schemeClr val="accent2"/>
+            </a:fillRef>
+            <a:effectRef idx="2">
+              <a:schemeClr val="accent2"/>
+            </a:effectRef>
+            <a:fontRef idx="minor">
+              <a:schemeClr val="lt1"/>
+            </a:fontRef>
+          </p:style>
+          <p:txBody>
+            <a:bodyPr rtlCol="0" anchor="ctr"/>
+            <a:lstStyle/>
+            <a:p>
+              <a:pPr algn="ctr"/>
+              <a:endParaRPr lang="en-US"/>
+            </a:p>
+          </p:txBody>
+        </p:sp>
+        <p:sp>
+          <p:nvSpPr>
+            <p:cNvPr id="96" name="Rectangle 95"/>
+            <p:cNvSpPr/>
+            <p:nvPr/>
+          </p:nvSpPr>
+          <p:spPr>
+            <a:xfrm>
+              <a:off x="4343400" y="4724400"/>
+              <a:ext cx="457200" cy="260163"/>
+            </a:xfrm>
+            <a:prstGeom prst="rect">
+              <a:avLst/>
+            </a:prstGeom>
+          </p:spPr>
+          <p:style>
+            <a:lnRef idx="1">
+              <a:schemeClr val="accent2"/>
+            </a:lnRef>
+            <a:fillRef idx="3">
+              <a:schemeClr val="accent2"/>
+            </a:fillRef>
+            <a:effectRef idx="2">
+              <a:schemeClr val="accent2"/>
+            </a:effectRef>
+            <a:fontRef idx="minor">
+              <a:schemeClr val="lt1"/>
+            </a:fontRef>
+          </p:style>
+          <p:txBody>
+            <a:bodyPr rtlCol="0" anchor="ctr"/>
+            <a:lstStyle/>
+            <a:p>
+              <a:pPr algn="ctr"/>
+              <a:endParaRPr lang="en-US"/>
+            </a:p>
+          </p:txBody>
+        </p:sp>
+        <p:cxnSp>
+          <p:nvCxnSpPr>
+            <p:cNvPr id="97" name="Straight Connector 96"/>
+            <p:cNvCxnSpPr>
+              <a:stCxn id="91" idx="2"/>
+              <a:endCxn id="93" idx="0"/>
+            </p:cNvCxnSpPr>
+            <p:nvPr/>
+          </p:nvCxnSpPr>
+          <p:spPr>
+            <a:xfrm flipH="1">
+              <a:off x="4191000" y="3505200"/>
+              <a:ext cx="381000" cy="207699"/>
+            </a:xfrm>
+            <a:prstGeom prst="line">
+              <a:avLst/>
+            </a:prstGeom>
+          </p:spPr>
+          <p:style>
+            <a:lnRef idx="1">
+              <a:schemeClr val="accent2"/>
+            </a:lnRef>
+            <a:fillRef idx="3">
+              <a:schemeClr val="accent2"/>
+            </a:fillRef>
+            <a:effectRef idx="2">
+              <a:schemeClr val="accent2"/>
+            </a:effectRef>
+            <a:fontRef idx="minor">
+              <a:schemeClr val="lt1"/>
+            </a:fontRef>
+          </p:style>
+        </p:cxnSp>
+        <p:cxnSp>
+          <p:nvCxnSpPr>
+            <p:cNvPr id="98" name="Straight Connector 97"/>
+            <p:cNvCxnSpPr>
+              <a:stCxn id="92" idx="0"/>
+            </p:cNvCxnSpPr>
+            <p:nvPr/>
+          </p:nvCxnSpPr>
+          <p:spPr>
+            <a:xfrm flipH="1" flipV="1">
+              <a:off x="4572000" y="3512389"/>
+              <a:ext cx="457200" cy="203338"/>
+            </a:xfrm>
+            <a:prstGeom prst="line">
+              <a:avLst/>
+            </a:prstGeom>
+          </p:spPr>
+          <p:style>
+            <a:lnRef idx="1">
+              <a:schemeClr val="accent2"/>
+            </a:lnRef>
+            <a:fillRef idx="3">
+              <a:schemeClr val="accent2"/>
+            </a:fillRef>
+            <a:effectRef idx="2">
+              <a:schemeClr val="accent2"/>
+            </a:effectRef>
+            <a:fontRef idx="minor">
+              <a:schemeClr val="lt1"/>
+            </a:fontRef>
+          </p:style>
+        </p:cxnSp>
+        <p:cxnSp>
+          <p:nvCxnSpPr>
+            <p:cNvPr id="99" name="Straight Connector 98"/>
+            <p:cNvCxnSpPr/>
+            <p:nvPr/>
+          </p:nvCxnSpPr>
+          <p:spPr>
+            <a:xfrm flipH="1">
+              <a:off x="3810000" y="3986129"/>
+              <a:ext cx="381000" cy="207699"/>
+            </a:xfrm>
+            <a:prstGeom prst="line">
+              <a:avLst/>
+            </a:prstGeom>
+          </p:spPr>
+          <p:style>
+            <a:lnRef idx="1">
+              <a:schemeClr val="accent2"/>
+            </a:lnRef>
+            <a:fillRef idx="3">
+              <a:schemeClr val="accent2"/>
+            </a:fillRef>
+            <a:effectRef idx="2">
+              <a:schemeClr val="accent2"/>
+            </a:effectRef>
+            <a:fontRef idx="minor">
+              <a:schemeClr val="lt1"/>
+            </a:fontRef>
+          </p:style>
+        </p:cxnSp>
+        <p:cxnSp>
+          <p:nvCxnSpPr>
+            <p:cNvPr id="100" name="Straight Connector 99"/>
+            <p:cNvCxnSpPr>
+              <a:stCxn id="94" idx="0"/>
+            </p:cNvCxnSpPr>
+            <p:nvPr/>
+          </p:nvCxnSpPr>
+          <p:spPr>
+            <a:xfrm flipH="1" flipV="1">
+              <a:off x="4274390" y="3986129"/>
+              <a:ext cx="297610" cy="207699"/>
+            </a:xfrm>
+            <a:prstGeom prst="line">
+              <a:avLst/>
+            </a:prstGeom>
+          </p:spPr>
+          <p:style>
+            <a:lnRef idx="1">
+              <a:schemeClr val="accent2"/>
+            </a:lnRef>
+            <a:fillRef idx="3">
+              <a:schemeClr val="accent2"/>
+            </a:fillRef>
+            <a:effectRef idx="2">
+              <a:schemeClr val="accent2"/>
+            </a:effectRef>
+            <a:fontRef idx="minor">
+              <a:schemeClr val="lt1"/>
+            </a:fontRef>
+          </p:style>
+        </p:cxnSp>
+      </p:grpSp>
+      <p:cxnSp>
+        <p:nvCxnSpPr>
+          <p:cNvPr id="101" name="Straight Arrow Connector 100"/>
+          <p:cNvCxnSpPr>
+            <a:endCxn id="95" idx="1"/>
+          </p:cNvCxnSpPr>
+          <p:nvPr/>
+        </p:nvCxnSpPr>
+        <p:spPr>
+          <a:xfrm>
+            <a:off x="5641258" y="3754388"/>
+            <a:ext cx="836537" cy="290513"/>
+          </a:xfrm>
+          <a:prstGeom prst="straightConnector1">
+            <a:avLst/>
+          </a:prstGeom>
+          <a:ln>
+            <a:solidFill>
+              <a:srgbClr val="FF0000"/>
+            </a:solidFill>
+            <a:tailEnd type="arrow"/>
+          </a:ln>
+        </p:spPr>
+        <p:style>
+          <a:lnRef idx="1">
+            <a:schemeClr val="accent1"/>
+          </a:lnRef>
+          <a:fillRef idx="0">
+            <a:schemeClr val="accent1"/>
+          </a:fillRef>
+          <a:effectRef idx="0">
+            <a:schemeClr val="accent1"/>
+          </a:effectRef>
+          <a:fontRef idx="minor">
+            <a:schemeClr val="tx1"/>
+          </a:fontRef>
+        </p:style>
+      </p:cxnSp>
+      <p:sp>
+        <p:nvSpPr>
+          <p:cNvPr id="103" name="TextBox 102"/>
+          <p:cNvSpPr txBox="1"/>
+          <p:nvPr/>
+        </p:nvSpPr>
+        <p:spPr>
+          <a:xfrm>
+            <a:off x="5863756" y="3581400"/>
+            <a:ext cx="765644" cy="276999"/>
+          </a:xfrm>
+          <a:prstGeom prst="rect">
+            <a:avLst/>
+          </a:prstGeom>
+          <a:noFill/>
+        </p:spPr>
+        <p:txBody>
+          <a:bodyPr wrap="square" rtlCol="0">
+            <a:spAutoFit/>
+          </a:bodyPr>
+          <a:lstStyle>
+            <a:defPPr>
+              <a:defRPr lang="en-US"/>
+            </a:defPPr>
+            <a:lvl1pPr>
+              <a:defRPr sz="1200">
+                <a:latin typeface="Tahoma" panose="020B0604030504040204" pitchFamily="34" charset="0"/>
+                <a:ea typeface="Tahoma" panose="020B0604030504040204" pitchFamily="34" charset="0"/>
+                <a:cs typeface="Tahoma" panose="020B0604030504040204" pitchFamily="34" charset="0"/>
+              </a:defRPr>
+            </a:lvl1pPr>
+          </a:lstStyle>
+          <a:p>
+            <a:r>
+              <a:rPr lang="en-US" dirty="0" smtClean="0"/>
+              <a:t>Batch</a:t>
+            </a:r>
+            <a:endParaRPr lang="en-US" dirty="0"/>
+          </a:p>
+        </p:txBody>
+      </p:sp>
+      <p:sp>
+        <p:nvSpPr>
+          <p:cNvPr id="104" name="TextBox 103"/>
+          <p:cNvSpPr txBox="1"/>
+          <p:nvPr/>
+        </p:nvSpPr>
+        <p:spPr>
+          <a:xfrm>
+            <a:off x="1287981" y="2743200"/>
+            <a:ext cx="769419" cy="276999"/>
+          </a:xfrm>
+          <a:prstGeom prst="rect">
+            <a:avLst/>
+          </a:prstGeom>
+          <a:noFill/>
+        </p:spPr>
+        <p:txBody>
+          <a:bodyPr wrap="square" rtlCol="0">
+            <a:spAutoFit/>
+          </a:bodyPr>
+          <a:lstStyle/>
+          <a:p>
+            <a:r>
+              <a:rPr lang="en-US" sz="1200" dirty="0" smtClean="0">
+                <a:latin typeface="Tahoma" panose="020B0604030504040204" pitchFamily="34" charset="0"/>
+                <a:ea typeface="Tahoma" panose="020B0604030504040204" pitchFamily="34" charset="0"/>
+                <a:cs typeface="Tahoma" panose="020B0604030504040204" pitchFamily="34" charset="0"/>
+              </a:rPr>
+              <a:t>Model</a:t>
+            </a:r>
+          </a:p>
+        </p:txBody>
+      </p:sp>
+      <p:sp>
+        <p:nvSpPr>
+          <p:cNvPr id="105" name="TextBox 104"/>
+          <p:cNvSpPr txBox="1"/>
+          <p:nvPr/>
+        </p:nvSpPr>
+        <p:spPr>
+          <a:xfrm>
+            <a:off x="7315555" y="5029200"/>
+            <a:ext cx="761645" cy="276999"/>
+          </a:xfrm>
+          <a:prstGeom prst="rect">
+            <a:avLst/>
+          </a:prstGeom>
+          <a:noFill/>
+        </p:spPr>
+        <p:txBody>
+          <a:bodyPr wrap="square" rtlCol="0">
+            <a:spAutoFit/>
+          </a:bodyPr>
+          <a:lstStyle/>
+          <a:p>
+            <a:r>
+              <a:rPr lang="en-US" sz="1200" dirty="0" smtClean="0"/>
+              <a:t>DOM</a:t>
+            </a:r>
+            <a:endParaRPr lang="en-US" sz="1200" dirty="0"/>
+          </a:p>
+        </p:txBody>
+      </p:sp>
+      <p:cxnSp>
+        <p:nvCxnSpPr>
+          <p:cNvPr id="106" name="Straight Connector 105"/>
+          <p:cNvCxnSpPr>
+            <a:stCxn id="26" idx="0"/>
+            <a:endCxn id="24" idx="2"/>
+          </p:cNvCxnSpPr>
+          <p:nvPr/>
+        </p:nvCxnSpPr>
+        <p:spPr>
+          <a:xfrm flipV="1">
+            <a:off x="3765755" y="2810357"/>
+            <a:ext cx="0" cy="228722"/>
+          </a:xfrm>
+          <a:prstGeom prst="line">
+            <a:avLst/>
+          </a:prstGeom>
+        </p:spPr>
+        <p:style>
+          <a:lnRef idx="1">
+            <a:schemeClr val="accent6"/>
+          </a:lnRef>
+          <a:fillRef idx="0">
+            <a:schemeClr val="accent6"/>
+          </a:fillRef>
+          <a:effectRef idx="0">
+            <a:schemeClr val="accent6"/>
+          </a:effectRef>
+          <a:fontRef idx="minor">
+            <a:schemeClr val="tx1"/>
+          </a:fontRef>
+        </p:style>
+      </p:cxnSp>
+      <p:cxnSp>
+        <p:nvCxnSpPr>
+          <p:cNvPr id="109" name="Straight Connector 108"/>
+          <p:cNvCxnSpPr>
+            <a:stCxn id="53" idx="0"/>
+            <a:endCxn id="51" idx="2"/>
+          </p:cNvCxnSpPr>
+          <p:nvPr/>
+        </p:nvCxnSpPr>
+        <p:spPr>
+          <a:xfrm flipV="1">
+            <a:off x="3765755" y="5096357"/>
+            <a:ext cx="0" cy="228722"/>
+          </a:xfrm>
+          <a:prstGeom prst="line">
+            <a:avLst/>
+          </a:prstGeom>
+        </p:spPr>
+        <p:style>
+          <a:lnRef idx="1">
+            <a:schemeClr val="accent6"/>
+          </a:lnRef>
+          <a:fillRef idx="0">
+            <a:schemeClr val="accent6"/>
+          </a:fillRef>
+          <a:effectRef idx="0">
+            <a:schemeClr val="accent6"/>
+          </a:effectRef>
+          <a:fontRef idx="minor">
+            <a:schemeClr val="tx1"/>
+          </a:fontRef>
+        </p:style>
+      </p:cxnSp>
     </p:spTree>
     <p:extLst>
       <p:ext uri="{BB962C8B-B14F-4D97-AF65-F5344CB8AC3E}">
@@ -14337,6 +16790,646 @@
     <p:extLst>
       <p:ext uri="{BB962C8B-B14F-4D97-AF65-F5344CB8AC3E}">
         <p14:creationId xmlns:p14="http://schemas.microsoft.com/office/powerpoint/2010/main" val="2013664198"/>
+      </p:ext>
+    </p:extLst>
+  </p:cSld>
+  <p:clrMapOvr>
+    <a:masterClrMapping/>
+  </p:clrMapOvr>
+  <p:timing>
+    <p:tnLst>
+      <p:par>
+        <p:cTn id="1" dur="indefinite" restart="never" nodeType="tmRoot"/>
+      </p:par>
+    </p:tnLst>
+  </p:timing>
+</p:sld>
+</file>
+
+<file path=ppt/slides/slide20.xml><?xml version="1.0" encoding="utf-8"?>
+<p:sld xmlns:a="http://schemas.openxmlformats.org/drawingml/2006/main" xmlns:r="http://schemas.openxmlformats.org/officeDocument/2006/relationships" xmlns:p="http://schemas.openxmlformats.org/presentationml/2006/main">
+  <p:cSld>
+    <p:spTree>
+      <p:nvGrpSpPr>
+        <p:cNvPr id="1" name=""/>
+        <p:cNvGrpSpPr/>
+        <p:nvPr/>
+      </p:nvGrpSpPr>
+      <p:grpSpPr>
+        <a:xfrm>
+          <a:off x="0" y="0"/>
+          <a:ext cx="0" cy="0"/>
+          <a:chOff x="0" y="0"/>
+          <a:chExt cx="0" cy="0"/>
+        </a:xfrm>
+      </p:grpSpPr>
+      <p:sp>
+        <p:nvSpPr>
+          <p:cNvPr id="2" name="Title 1"/>
+          <p:cNvSpPr>
+            <a:spLocks noGrp="1"/>
+          </p:cNvSpPr>
+          <p:nvPr>
+            <p:ph type="title"/>
+          </p:nvPr>
+        </p:nvSpPr>
+        <p:spPr/>
+        <p:txBody>
+          <a:bodyPr/>
+          <a:lstStyle/>
+          <a:p>
+            <a:r>
+              <a:rPr lang="en-US" dirty="0" err="1" smtClean="0"/>
+              <a:t>Mixins</a:t>
+            </a:r>
+            <a:endParaRPr lang="en-US" dirty="0"/>
+          </a:p>
+        </p:txBody>
+      </p:sp>
+      <p:sp>
+        <p:nvSpPr>
+          <p:cNvPr id="3" name="Rectangle 5"/>
+          <p:cNvSpPr txBox="1">
+            <a:spLocks noChangeArrowheads="1"/>
+          </p:cNvSpPr>
+          <p:nvPr/>
+        </p:nvSpPr>
+        <p:spPr>
+          <a:xfrm>
+            <a:off x="457993" y="1600200"/>
+            <a:ext cx="8075613" cy="4525963"/>
+          </a:xfrm>
+          <a:prstGeom prst="rect">
+            <a:avLst/>
+          </a:prstGeom>
+          <a:noFill/>
+          <a:ln/>
+        </p:spPr>
+        <p:txBody>
+          <a:bodyPr/>
+          <a:lstStyle>
+            <a:lvl1pPr marL="342900" indent="-342900" algn="l" rtl="0" eaLnBrk="1" fontAlgn="base" hangingPunct="1">
+              <a:spcBef>
+                <a:spcPct val="20000"/>
+              </a:spcBef>
+              <a:spcAft>
+                <a:spcPct val="0"/>
+              </a:spcAft>
+              <a:buClr>
+                <a:schemeClr val="hlink"/>
+              </a:buClr>
+              <a:buFont typeface="Wingdings" pitchFamily="2" charset="2"/>
+              <a:buChar char="v"/>
+              <a:defRPr sz="2800" b="1">
+                <a:solidFill>
+                  <a:schemeClr val="tx1"/>
+                </a:solidFill>
+                <a:latin typeface="Tahoma" pitchFamily="34" charset="0"/>
+                <a:ea typeface="+mn-ea"/>
+                <a:cs typeface="Tahoma" pitchFamily="34" charset="0"/>
+              </a:defRPr>
+            </a:lvl1pPr>
+            <a:lvl2pPr marL="742950" indent="-285750" algn="l" rtl="0" eaLnBrk="1" fontAlgn="base" hangingPunct="1">
+              <a:spcBef>
+                <a:spcPct val="20000"/>
+              </a:spcBef>
+              <a:spcAft>
+                <a:spcPct val="0"/>
+              </a:spcAft>
+              <a:buClr>
+                <a:schemeClr val="accent1"/>
+              </a:buClr>
+              <a:buFont typeface="Wingdings" pitchFamily="2" charset="2"/>
+              <a:buChar char="§"/>
+              <a:defRPr sz="2800">
+                <a:solidFill>
+                  <a:schemeClr val="tx1"/>
+                </a:solidFill>
+                <a:latin typeface="Tahoma" pitchFamily="34" charset="0"/>
+                <a:cs typeface="Tahoma" pitchFamily="34" charset="0"/>
+              </a:defRPr>
+            </a:lvl2pPr>
+            <a:lvl3pPr marL="1143000" indent="-228600" algn="l" rtl="0" eaLnBrk="1" fontAlgn="base" hangingPunct="1">
+              <a:spcBef>
+                <a:spcPct val="20000"/>
+              </a:spcBef>
+              <a:spcAft>
+                <a:spcPct val="0"/>
+              </a:spcAft>
+              <a:buClr>
+                <a:schemeClr val="tx1"/>
+              </a:buClr>
+              <a:buChar char="•"/>
+              <a:defRPr sz="2400">
+                <a:solidFill>
+                  <a:schemeClr val="tx1"/>
+                </a:solidFill>
+                <a:latin typeface="Tahoma" pitchFamily="34" charset="0"/>
+                <a:cs typeface="Tahoma" pitchFamily="34" charset="0"/>
+              </a:defRPr>
+            </a:lvl3pPr>
+            <a:lvl4pPr marL="1600200" indent="-228600" algn="l" rtl="0" eaLnBrk="1" fontAlgn="base" hangingPunct="1">
+              <a:spcBef>
+                <a:spcPct val="20000"/>
+              </a:spcBef>
+              <a:spcAft>
+                <a:spcPct val="0"/>
+              </a:spcAft>
+              <a:buChar char="–"/>
+              <a:defRPr sz="2000">
+                <a:solidFill>
+                  <a:schemeClr val="tx1"/>
+                </a:solidFill>
+                <a:latin typeface="Tahoma" pitchFamily="34" charset="0"/>
+                <a:cs typeface="Tahoma" pitchFamily="34" charset="0"/>
+              </a:defRPr>
+            </a:lvl4pPr>
+            <a:lvl5pPr marL="2057400" indent="-228600" algn="l" rtl="0" eaLnBrk="1" fontAlgn="base" hangingPunct="1">
+              <a:spcBef>
+                <a:spcPct val="20000"/>
+              </a:spcBef>
+              <a:spcAft>
+                <a:spcPct val="0"/>
+              </a:spcAft>
+              <a:buChar char="»"/>
+              <a:defRPr sz="2000">
+                <a:solidFill>
+                  <a:schemeClr val="tx1"/>
+                </a:solidFill>
+                <a:latin typeface="Tahoma" pitchFamily="34" charset="0"/>
+                <a:cs typeface="Tahoma" pitchFamily="34" charset="0"/>
+              </a:defRPr>
+            </a:lvl5pPr>
+            <a:lvl6pPr marL="2514600" indent="-228600" algn="l" rtl="0" eaLnBrk="1" fontAlgn="base" hangingPunct="1">
+              <a:spcBef>
+                <a:spcPct val="20000"/>
+              </a:spcBef>
+              <a:spcAft>
+                <a:spcPct val="0"/>
+              </a:spcAft>
+              <a:buChar char="»"/>
+              <a:defRPr sz="2000">
+                <a:solidFill>
+                  <a:schemeClr val="tx1"/>
+                </a:solidFill>
+                <a:latin typeface="Arial" charset="0"/>
+              </a:defRPr>
+            </a:lvl6pPr>
+            <a:lvl7pPr marL="2971800" indent="-228600" algn="l" rtl="0" eaLnBrk="1" fontAlgn="base" hangingPunct="1">
+              <a:spcBef>
+                <a:spcPct val="20000"/>
+              </a:spcBef>
+              <a:spcAft>
+                <a:spcPct val="0"/>
+              </a:spcAft>
+              <a:buChar char="»"/>
+              <a:defRPr sz="2000">
+                <a:solidFill>
+                  <a:schemeClr val="tx1"/>
+                </a:solidFill>
+                <a:latin typeface="Arial" charset="0"/>
+              </a:defRPr>
+            </a:lvl7pPr>
+            <a:lvl8pPr marL="3429000" indent="-228600" algn="l" rtl="0" eaLnBrk="1" fontAlgn="base" hangingPunct="1">
+              <a:spcBef>
+                <a:spcPct val="20000"/>
+              </a:spcBef>
+              <a:spcAft>
+                <a:spcPct val="0"/>
+              </a:spcAft>
+              <a:buChar char="»"/>
+              <a:defRPr sz="2000">
+                <a:solidFill>
+                  <a:schemeClr val="tx1"/>
+                </a:solidFill>
+                <a:latin typeface="Arial" charset="0"/>
+              </a:defRPr>
+            </a:lvl8pPr>
+            <a:lvl9pPr marL="3886200" indent="-228600" algn="l" rtl="0" eaLnBrk="1" fontAlgn="base" hangingPunct="1">
+              <a:spcBef>
+                <a:spcPct val="20000"/>
+              </a:spcBef>
+              <a:spcAft>
+                <a:spcPct val="0"/>
+              </a:spcAft>
+              <a:buChar char="»"/>
+              <a:defRPr sz="2000">
+                <a:solidFill>
+                  <a:schemeClr val="tx1"/>
+                </a:solidFill>
+                <a:latin typeface="Arial" charset="0"/>
+              </a:defRPr>
+            </a:lvl9pPr>
+          </a:lstStyle>
+          <a:p>
+            <a:pPr lvl="1">
+              <a:spcAft>
+                <a:spcPts val="600"/>
+              </a:spcAft>
+            </a:pPr>
+            <a:r>
+              <a:rPr lang="en-US" sz="2400" dirty="0"/>
+              <a:t> An array of </a:t>
+            </a:r>
+            <a:r>
+              <a:rPr lang="en-US" sz="2400" dirty="0" smtClean="0"/>
+              <a:t>objects</a:t>
+            </a:r>
+          </a:p>
+          <a:p>
+            <a:pPr lvl="1">
+              <a:spcAft>
+                <a:spcPts val="600"/>
+              </a:spcAft>
+            </a:pPr>
+            <a:r>
+              <a:rPr lang="en-US" sz="2400" dirty="0" smtClean="0"/>
+              <a:t>Using </a:t>
+            </a:r>
+            <a:r>
+              <a:rPr lang="en-US" sz="2400" dirty="0"/>
+              <a:t>to extend the current component’s functionality</a:t>
+            </a:r>
+            <a:r>
+              <a:rPr lang="en-US" sz="2400" dirty="0" smtClean="0"/>
+              <a:t>.</a:t>
+            </a:r>
+          </a:p>
+          <a:p>
+            <a:pPr lvl="1">
+              <a:spcAft>
+                <a:spcPts val="600"/>
+              </a:spcAft>
+            </a:pPr>
+            <a:endParaRPr lang="en-US" sz="2400" i="1" dirty="0">
+              <a:solidFill>
+                <a:schemeClr val="tx1">
+                  <a:lumMod val="40000"/>
+                  <a:lumOff val="60000"/>
+                </a:schemeClr>
+              </a:solidFill>
+              <a:sym typeface="Wingdings" panose="05000000000000000000" pitchFamily="2" charset="2"/>
+            </a:endParaRPr>
+          </a:p>
+          <a:p>
+            <a:pPr lvl="1">
+              <a:spcAft>
+                <a:spcPts val="600"/>
+              </a:spcAft>
+            </a:pPr>
+            <a:endParaRPr lang="en-US" sz="2400" i="1" dirty="0" smtClean="0">
+              <a:solidFill>
+                <a:schemeClr val="tx1">
+                  <a:lumMod val="40000"/>
+                  <a:lumOff val="60000"/>
+                </a:schemeClr>
+              </a:solidFill>
+              <a:sym typeface="Wingdings" panose="05000000000000000000" pitchFamily="2" charset="2"/>
+            </a:endParaRPr>
+          </a:p>
+        </p:txBody>
+      </p:sp>
+      <p:pic>
+        <p:nvPicPr>
+          <p:cNvPr id="1026" name="Picture 2"/>
+          <p:cNvPicPr>
+            <a:picLocks noChangeAspect="1" noChangeArrowheads="1"/>
+          </p:cNvPicPr>
+          <p:nvPr/>
+        </p:nvPicPr>
+        <p:blipFill>
+          <a:blip r:embed="rId3">
+            <a:extLst>
+              <a:ext uri="{28A0092B-C50C-407E-A947-70E740481C1C}">
+                <a14:useLocalDpi xmlns:a14="http://schemas.microsoft.com/office/drawing/2010/main" val="0"/>
+              </a:ext>
+            </a:extLst>
+          </a:blip>
+          <a:srcRect/>
+          <a:stretch>
+            <a:fillRect/>
+          </a:stretch>
+        </p:blipFill>
+        <p:spPr bwMode="auto">
+          <a:xfrm>
+            <a:off x="1209675" y="3048000"/>
+            <a:ext cx="4657725" cy="2809875"/>
+          </a:xfrm>
+          <a:prstGeom prst="rect">
+            <a:avLst/>
+          </a:prstGeom>
+          <a:noFill/>
+          <a:ln>
+            <a:noFill/>
+          </a:ln>
+          <a:effectLst/>
+          <a:extLst>
+            <a:ext uri="{909E8E84-426E-40DD-AFC4-6F175D3DCCD1}">
+              <a14:hiddenFill xmlns:a14="http://schemas.microsoft.com/office/drawing/2010/main">
+                <a:solidFill>
+                  <a:schemeClr val="accent1"/>
+                </a:solidFill>
+              </a14:hiddenFill>
+            </a:ext>
+            <a:ext uri="{91240B29-F687-4F45-9708-019B960494DF}">
+              <a14:hiddenLine xmlns:a14="http://schemas.microsoft.com/office/drawing/2010/main" w="9525">
+                <a:solidFill>
+                  <a:schemeClr val="tx1"/>
+                </a:solidFill>
+                <a:miter lim="800000"/>
+                <a:headEnd/>
+                <a:tailEnd/>
+              </a14:hiddenLine>
+            </a:ext>
+            <a:ext uri="{AF507438-7753-43E0-B8FC-AC1667EBCBE1}">
+              <a14:hiddenEffects xmlns:a14="http://schemas.microsoft.com/office/drawing/2010/main">
+                <a:effectLst>
+                  <a:outerShdw dist="35921" dir="2700000" algn="ctr" rotWithShape="0">
+                    <a:schemeClr val="bg2"/>
+                  </a:outerShdw>
+                </a:effectLst>
+              </a14:hiddenEffects>
+            </a:ext>
+          </a:extLst>
+        </p:spPr>
+      </p:pic>
+    </p:spTree>
+    <p:extLst>
+      <p:ext uri="{BB962C8B-B14F-4D97-AF65-F5344CB8AC3E}">
+        <p14:creationId xmlns:p14="http://schemas.microsoft.com/office/powerpoint/2010/main" val="481502286"/>
+      </p:ext>
+    </p:extLst>
+  </p:cSld>
+  <p:clrMapOvr>
+    <a:masterClrMapping/>
+  </p:clrMapOvr>
+  <p:timing>
+    <p:tnLst>
+      <p:par>
+        <p:cTn id="1" dur="indefinite" restart="never" nodeType="tmRoot"/>
+      </p:par>
+    </p:tnLst>
+  </p:timing>
+</p:sld>
+</file>
+
+<file path=ppt/slides/slide21.xml><?xml version="1.0" encoding="utf-8"?>
+<p:sld xmlns:a="http://schemas.openxmlformats.org/drawingml/2006/main" xmlns:r="http://schemas.openxmlformats.org/officeDocument/2006/relationships" xmlns:p="http://schemas.openxmlformats.org/presentationml/2006/main">
+  <p:cSld>
+    <p:spTree>
+      <p:nvGrpSpPr>
+        <p:cNvPr id="1" name=""/>
+        <p:cNvGrpSpPr/>
+        <p:nvPr/>
+      </p:nvGrpSpPr>
+      <p:grpSpPr>
+        <a:xfrm>
+          <a:off x="0" y="0"/>
+          <a:ext cx="0" cy="0"/>
+          <a:chOff x="0" y="0"/>
+          <a:chExt cx="0" cy="0"/>
+        </a:xfrm>
+      </p:grpSpPr>
+      <p:sp>
+        <p:nvSpPr>
+          <p:cNvPr id="2" name="Title 1"/>
+          <p:cNvSpPr>
+            <a:spLocks noGrp="1"/>
+          </p:cNvSpPr>
+          <p:nvPr>
+            <p:ph type="title"/>
+          </p:nvPr>
+        </p:nvSpPr>
+        <p:spPr/>
+        <p:txBody>
+          <a:bodyPr/>
+          <a:lstStyle/>
+          <a:p>
+            <a:r>
+              <a:rPr lang="en-US" smtClean="0"/>
+              <a:t>Composition</a:t>
+            </a:r>
+            <a:endParaRPr lang="en-US" dirty="0"/>
+          </a:p>
+        </p:txBody>
+      </p:sp>
+      <p:sp>
+        <p:nvSpPr>
+          <p:cNvPr id="3" name="Rectangle 5"/>
+          <p:cNvSpPr txBox="1">
+            <a:spLocks noChangeArrowheads="1"/>
+          </p:cNvSpPr>
+          <p:nvPr/>
+        </p:nvSpPr>
+        <p:spPr>
+          <a:xfrm>
+            <a:off x="457993" y="1600200"/>
+            <a:ext cx="8075613" cy="4525963"/>
+          </a:xfrm>
+          <a:prstGeom prst="rect">
+            <a:avLst/>
+          </a:prstGeom>
+          <a:noFill/>
+          <a:ln/>
+        </p:spPr>
+        <p:txBody>
+          <a:bodyPr/>
+          <a:lstStyle>
+            <a:lvl1pPr marL="342900" indent="-342900" algn="l" rtl="0" eaLnBrk="1" fontAlgn="base" hangingPunct="1">
+              <a:spcBef>
+                <a:spcPct val="20000"/>
+              </a:spcBef>
+              <a:spcAft>
+                <a:spcPct val="0"/>
+              </a:spcAft>
+              <a:buClr>
+                <a:schemeClr val="hlink"/>
+              </a:buClr>
+              <a:buFont typeface="Wingdings" pitchFamily="2" charset="2"/>
+              <a:buChar char="v"/>
+              <a:defRPr sz="2800" b="1">
+                <a:solidFill>
+                  <a:schemeClr val="tx1"/>
+                </a:solidFill>
+                <a:latin typeface="Tahoma" pitchFamily="34" charset="0"/>
+                <a:ea typeface="+mn-ea"/>
+                <a:cs typeface="Tahoma" pitchFamily="34" charset="0"/>
+              </a:defRPr>
+            </a:lvl1pPr>
+            <a:lvl2pPr marL="742950" indent="-285750" algn="l" rtl="0" eaLnBrk="1" fontAlgn="base" hangingPunct="1">
+              <a:spcBef>
+                <a:spcPct val="20000"/>
+              </a:spcBef>
+              <a:spcAft>
+                <a:spcPct val="0"/>
+              </a:spcAft>
+              <a:buClr>
+                <a:schemeClr val="accent1"/>
+              </a:buClr>
+              <a:buFont typeface="Wingdings" pitchFamily="2" charset="2"/>
+              <a:buChar char="§"/>
+              <a:defRPr sz="2800">
+                <a:solidFill>
+                  <a:schemeClr val="tx1"/>
+                </a:solidFill>
+                <a:latin typeface="Tahoma" pitchFamily="34" charset="0"/>
+                <a:cs typeface="Tahoma" pitchFamily="34" charset="0"/>
+              </a:defRPr>
+            </a:lvl2pPr>
+            <a:lvl3pPr marL="1143000" indent="-228600" algn="l" rtl="0" eaLnBrk="1" fontAlgn="base" hangingPunct="1">
+              <a:spcBef>
+                <a:spcPct val="20000"/>
+              </a:spcBef>
+              <a:spcAft>
+                <a:spcPct val="0"/>
+              </a:spcAft>
+              <a:buClr>
+                <a:schemeClr val="tx1"/>
+              </a:buClr>
+              <a:buChar char="•"/>
+              <a:defRPr sz="2400">
+                <a:solidFill>
+                  <a:schemeClr val="tx1"/>
+                </a:solidFill>
+                <a:latin typeface="Tahoma" pitchFamily="34" charset="0"/>
+                <a:cs typeface="Tahoma" pitchFamily="34" charset="0"/>
+              </a:defRPr>
+            </a:lvl3pPr>
+            <a:lvl4pPr marL="1600200" indent="-228600" algn="l" rtl="0" eaLnBrk="1" fontAlgn="base" hangingPunct="1">
+              <a:spcBef>
+                <a:spcPct val="20000"/>
+              </a:spcBef>
+              <a:spcAft>
+                <a:spcPct val="0"/>
+              </a:spcAft>
+              <a:buChar char="–"/>
+              <a:defRPr sz="2000">
+                <a:solidFill>
+                  <a:schemeClr val="tx1"/>
+                </a:solidFill>
+                <a:latin typeface="Tahoma" pitchFamily="34" charset="0"/>
+                <a:cs typeface="Tahoma" pitchFamily="34" charset="0"/>
+              </a:defRPr>
+            </a:lvl4pPr>
+            <a:lvl5pPr marL="2057400" indent="-228600" algn="l" rtl="0" eaLnBrk="1" fontAlgn="base" hangingPunct="1">
+              <a:spcBef>
+                <a:spcPct val="20000"/>
+              </a:spcBef>
+              <a:spcAft>
+                <a:spcPct val="0"/>
+              </a:spcAft>
+              <a:buChar char="»"/>
+              <a:defRPr sz="2000">
+                <a:solidFill>
+                  <a:schemeClr val="tx1"/>
+                </a:solidFill>
+                <a:latin typeface="Tahoma" pitchFamily="34" charset="0"/>
+                <a:cs typeface="Tahoma" pitchFamily="34" charset="0"/>
+              </a:defRPr>
+            </a:lvl5pPr>
+            <a:lvl6pPr marL="2514600" indent="-228600" algn="l" rtl="0" eaLnBrk="1" fontAlgn="base" hangingPunct="1">
+              <a:spcBef>
+                <a:spcPct val="20000"/>
+              </a:spcBef>
+              <a:spcAft>
+                <a:spcPct val="0"/>
+              </a:spcAft>
+              <a:buChar char="»"/>
+              <a:defRPr sz="2000">
+                <a:solidFill>
+                  <a:schemeClr val="tx1"/>
+                </a:solidFill>
+                <a:latin typeface="Arial" charset="0"/>
+              </a:defRPr>
+            </a:lvl6pPr>
+            <a:lvl7pPr marL="2971800" indent="-228600" algn="l" rtl="0" eaLnBrk="1" fontAlgn="base" hangingPunct="1">
+              <a:spcBef>
+                <a:spcPct val="20000"/>
+              </a:spcBef>
+              <a:spcAft>
+                <a:spcPct val="0"/>
+              </a:spcAft>
+              <a:buChar char="»"/>
+              <a:defRPr sz="2000">
+                <a:solidFill>
+                  <a:schemeClr val="tx1"/>
+                </a:solidFill>
+                <a:latin typeface="Arial" charset="0"/>
+              </a:defRPr>
+            </a:lvl7pPr>
+            <a:lvl8pPr marL="3429000" indent="-228600" algn="l" rtl="0" eaLnBrk="1" fontAlgn="base" hangingPunct="1">
+              <a:spcBef>
+                <a:spcPct val="20000"/>
+              </a:spcBef>
+              <a:spcAft>
+                <a:spcPct val="0"/>
+              </a:spcAft>
+              <a:buChar char="»"/>
+              <a:defRPr sz="2000">
+                <a:solidFill>
+                  <a:schemeClr val="tx1"/>
+                </a:solidFill>
+                <a:latin typeface="Arial" charset="0"/>
+              </a:defRPr>
+            </a:lvl8pPr>
+            <a:lvl9pPr marL="3886200" indent="-228600" algn="l" rtl="0" eaLnBrk="1" fontAlgn="base" hangingPunct="1">
+              <a:spcBef>
+                <a:spcPct val="20000"/>
+              </a:spcBef>
+              <a:spcAft>
+                <a:spcPct val="0"/>
+              </a:spcAft>
+              <a:buChar char="»"/>
+              <a:defRPr sz="2000">
+                <a:solidFill>
+                  <a:schemeClr val="tx1"/>
+                </a:solidFill>
+                <a:latin typeface="Arial" charset="0"/>
+              </a:defRPr>
+            </a:lvl9pPr>
+          </a:lstStyle>
+          <a:p>
+            <a:pPr lvl="1">
+              <a:spcAft>
+                <a:spcPts val="600"/>
+              </a:spcAft>
+            </a:pPr>
+            <a:r>
+              <a:rPr lang="en-US" sz="2400" dirty="0"/>
+              <a:t> </a:t>
+            </a:r>
+            <a:endParaRPr lang="en-US" sz="2400" i="1" dirty="0">
+              <a:solidFill>
+                <a:schemeClr val="tx1">
+                  <a:lumMod val="40000"/>
+                  <a:lumOff val="60000"/>
+                </a:schemeClr>
+              </a:solidFill>
+              <a:sym typeface="Wingdings" panose="05000000000000000000" pitchFamily="2" charset="2"/>
+            </a:endParaRPr>
+          </a:p>
+          <a:p>
+            <a:pPr lvl="1">
+              <a:spcAft>
+                <a:spcPts val="600"/>
+              </a:spcAft>
+            </a:pPr>
+            <a:endParaRPr lang="en-US" sz="2400" i="1" dirty="0" smtClean="0">
+              <a:solidFill>
+                <a:schemeClr val="tx1">
+                  <a:lumMod val="40000"/>
+                  <a:lumOff val="60000"/>
+                </a:schemeClr>
+              </a:solidFill>
+              <a:sym typeface="Wingdings" panose="05000000000000000000" pitchFamily="2" charset="2"/>
+            </a:endParaRPr>
+          </a:p>
+        </p:txBody>
+      </p:sp>
+    </p:spTree>
+    <p:extLst>
+      <p:ext uri="{BB962C8B-B14F-4D97-AF65-F5344CB8AC3E}">
+        <p14:creationId xmlns:p14="http://schemas.microsoft.com/office/powerpoint/2010/main" val="1244385372"/>
       </p:ext>
     </p:extLst>
   </p:cSld>

--- a/React_Slide.pptx
+++ b/React_Slide.pptx
@@ -5,7 +5,7 @@
     <p:sldMasterId id="2147483660" r:id="rId1"/>
   </p:sldMasterIdLst>
   <p:notesMasterIdLst>
-    <p:notesMasterId r:id="rId23"/>
+    <p:notesMasterId r:id="rId28"/>
   </p:notesMasterIdLst>
   <p:sldIdLst>
     <p:sldId id="256" r:id="rId2"/>
@@ -29,6 +29,11 @@
     <p:sldId id="279" r:id="rId20"/>
     <p:sldId id="280" r:id="rId21"/>
     <p:sldId id="281" r:id="rId22"/>
+    <p:sldId id="282" r:id="rId23"/>
+    <p:sldId id="283" r:id="rId24"/>
+    <p:sldId id="284" r:id="rId25"/>
+    <p:sldId id="285" r:id="rId26"/>
+    <p:sldId id="286" r:id="rId27"/>
   </p:sldIdLst>
   <p:sldSz cx="9144000" cy="6858000" type="screen4x3"/>
   <p:notesSz cx="6858000" cy="9144000"/>
@@ -129,7 +134,7 @@
   </p:defaultTextStyle>
   <p:extLst>
     <p:ext uri="{EFAFB233-063F-42B5-8137-9DF3F51BA10A}">
-      <p15:sldGuideLst xmlns="" xmlns:p15="http://schemas.microsoft.com/office/powerpoint/2012/main">
+      <p15:sldGuideLst xmlns:p15="http://schemas.microsoft.com/office/powerpoint/2012/main" xmlns="">
         <p15:guide id="1" orient="horz" pos="2160">
           <p15:clr>
             <a:srgbClr val="A4A3A4"/>
@@ -228,7 +233,7 @@
           <a:p>
             <a:fld id="{30C56A28-4380-4698-9362-A1403F5E2820}" type="datetimeFigureOut">
               <a:rPr lang="en-US" smtClean="0"/>
-              <a:t>12/14/2015</a:t>
+              <a:t>12/15/2015</a:t>
             </a:fld>
             <a:endParaRPr lang="en-US"/>
           </a:p>
@@ -1960,6 +1965,1192 @@
 </p:notes>
 </file>
 
+<file path=ppt/notesSlides/notesSlide17.xml><?xml version="1.0" encoding="utf-8"?>
+<p:notes xmlns:a="http://schemas.openxmlformats.org/drawingml/2006/main" xmlns:r="http://schemas.openxmlformats.org/officeDocument/2006/relationships" xmlns:p="http://schemas.openxmlformats.org/presentationml/2006/main">
+  <p:cSld>
+    <p:spTree>
+      <p:nvGrpSpPr>
+        <p:cNvPr id="1" name=""/>
+        <p:cNvGrpSpPr/>
+        <p:nvPr/>
+      </p:nvGrpSpPr>
+      <p:grpSpPr>
+        <a:xfrm>
+          <a:off x="0" y="0"/>
+          <a:ext cx="0" cy="0"/>
+          <a:chOff x="0" y="0"/>
+          <a:chExt cx="0" cy="0"/>
+        </a:xfrm>
+      </p:grpSpPr>
+      <p:sp>
+        <p:nvSpPr>
+          <p:cNvPr id="2" name="Slide Image Placeholder 1"/>
+          <p:cNvSpPr>
+            <a:spLocks noGrp="1" noRot="1" noChangeAspect="1"/>
+          </p:cNvSpPr>
+          <p:nvPr>
+            <p:ph type="sldImg"/>
+          </p:nvPr>
+        </p:nvSpPr>
+        <p:spPr/>
+      </p:sp>
+      <p:sp>
+        <p:nvSpPr>
+          <p:cNvPr id="3" name="Notes Placeholder 2"/>
+          <p:cNvSpPr>
+            <a:spLocks noGrp="1"/>
+          </p:cNvSpPr>
+          <p:nvPr>
+            <p:ph type="body" idx="1"/>
+          </p:nvPr>
+        </p:nvSpPr>
+        <p:spPr/>
+        <p:txBody>
+          <a:bodyPr/>
+          <a:lstStyle/>
+          <a:p>
+            <a:endParaRPr lang="en-US" baseline="0" dirty="0"/>
+          </a:p>
+        </p:txBody>
+      </p:sp>
+      <p:sp>
+        <p:nvSpPr>
+          <p:cNvPr id="4" name="Slide Number Placeholder 3"/>
+          <p:cNvSpPr>
+            <a:spLocks noGrp="1"/>
+          </p:cNvSpPr>
+          <p:nvPr>
+            <p:ph type="sldNum" sz="quarter" idx="10"/>
+          </p:nvPr>
+        </p:nvSpPr>
+        <p:spPr/>
+        <p:txBody>
+          <a:bodyPr/>
+          <a:lstStyle/>
+          <a:p>
+            <a:fld id="{47CA5B65-C32E-4594-82B5-5B950CCEF23B}" type="slidenum">
+              <a:rPr lang="en-US" smtClean="0"/>
+              <a:t>22</a:t>
+            </a:fld>
+            <a:endParaRPr lang="en-US"/>
+          </a:p>
+        </p:txBody>
+      </p:sp>
+    </p:spTree>
+    <p:extLst>
+      <p:ext uri="{BB962C8B-B14F-4D97-AF65-F5344CB8AC3E}">
+        <p14:creationId xmlns:p14="http://schemas.microsoft.com/office/powerpoint/2010/main" val="3704078898"/>
+      </p:ext>
+    </p:extLst>
+  </p:cSld>
+  <p:clrMapOvr>
+    <a:masterClrMapping/>
+  </p:clrMapOvr>
+</p:notes>
+</file>
+
+<file path=ppt/notesSlides/notesSlide18.xml><?xml version="1.0" encoding="utf-8"?>
+<p:notes xmlns:a="http://schemas.openxmlformats.org/drawingml/2006/main" xmlns:r="http://schemas.openxmlformats.org/officeDocument/2006/relationships" xmlns:p="http://schemas.openxmlformats.org/presentationml/2006/main">
+  <p:cSld>
+    <p:spTree>
+      <p:nvGrpSpPr>
+        <p:cNvPr id="1" name=""/>
+        <p:cNvGrpSpPr/>
+        <p:nvPr/>
+      </p:nvGrpSpPr>
+      <p:grpSpPr>
+        <a:xfrm>
+          <a:off x="0" y="0"/>
+          <a:ext cx="0" cy="0"/>
+          <a:chOff x="0" y="0"/>
+          <a:chExt cx="0" cy="0"/>
+        </a:xfrm>
+      </p:grpSpPr>
+      <p:sp>
+        <p:nvSpPr>
+          <p:cNvPr id="2" name="Slide Image Placeholder 1"/>
+          <p:cNvSpPr>
+            <a:spLocks noGrp="1" noRot="1" noChangeAspect="1"/>
+          </p:cNvSpPr>
+          <p:nvPr>
+            <p:ph type="sldImg"/>
+          </p:nvPr>
+        </p:nvSpPr>
+        <p:spPr/>
+      </p:sp>
+      <p:sp>
+        <p:nvSpPr>
+          <p:cNvPr id="3" name="Notes Placeholder 2"/>
+          <p:cNvSpPr>
+            <a:spLocks noGrp="1"/>
+          </p:cNvSpPr>
+          <p:nvPr>
+            <p:ph type="body" idx="1"/>
+          </p:nvPr>
+        </p:nvSpPr>
+        <p:spPr/>
+        <p:txBody>
+          <a:bodyPr/>
+          <a:lstStyle/>
+          <a:p>
+            <a:r>
+              <a:rPr lang="en-US" sz="1200" b="0" i="0" kern="1200" dirty="0" smtClean="0">
+                <a:solidFill>
+                  <a:schemeClr val="tx1"/>
+                </a:solidFill>
+                <a:effectLst/>
+                <a:latin typeface="+mn-lt"/>
+                <a:ea typeface="+mn-ea"/>
+                <a:cs typeface="+mn-cs"/>
+              </a:rPr>
+              <a:t>Any changes on the props object will also trigger the lifecycle and is almost identical to the state change with one additional method being called.</a:t>
+            </a:r>
+          </a:p>
+          <a:p>
+            <a:r>
+              <a:rPr lang="en-US" sz="1200" b="1" i="1" kern="1200" dirty="0" err="1" smtClean="0">
+                <a:solidFill>
+                  <a:schemeClr val="tx1"/>
+                </a:solidFill>
+                <a:effectLst/>
+                <a:latin typeface="+mn-lt"/>
+                <a:ea typeface="+mn-ea"/>
+                <a:cs typeface="+mn-cs"/>
+              </a:rPr>
+              <a:t>componentWillReceiveProps</a:t>
+            </a:r>
+            <a:r>
+              <a:rPr lang="en-US" sz="1200" b="0" i="0" kern="1200" dirty="0" smtClean="0">
+                <a:solidFill>
+                  <a:schemeClr val="tx1"/>
+                </a:solidFill>
+                <a:effectLst/>
+                <a:latin typeface="+mn-lt"/>
+                <a:ea typeface="+mn-ea"/>
+                <a:cs typeface="+mn-cs"/>
+              </a:rPr>
+              <a:t> is only called when the props have changed and when this is not an initial </a:t>
+            </a:r>
+            <a:r>
+              <a:rPr lang="en-US" sz="1200" b="0" i="0" kern="1200" dirty="0" err="1" smtClean="0">
+                <a:solidFill>
+                  <a:schemeClr val="tx1"/>
+                </a:solidFill>
+                <a:effectLst/>
+                <a:latin typeface="+mn-lt"/>
+                <a:ea typeface="+mn-ea"/>
+                <a:cs typeface="+mn-cs"/>
+              </a:rPr>
+              <a:t>rendering.</a:t>
+            </a:r>
+            <a:r>
+              <a:rPr lang="en-US" sz="1200" b="0" i="1" kern="1200" dirty="0" err="1" smtClean="0">
+                <a:solidFill>
+                  <a:schemeClr val="tx1"/>
+                </a:solidFill>
+                <a:effectLst/>
+                <a:latin typeface="+mn-lt"/>
+                <a:ea typeface="+mn-ea"/>
+                <a:cs typeface="+mn-cs"/>
+              </a:rPr>
+              <a:t>componentWillReceiveProps</a:t>
+            </a:r>
+            <a:r>
+              <a:rPr lang="en-US" sz="1200" b="0" i="0" kern="1200" dirty="0" smtClean="0">
+                <a:solidFill>
+                  <a:schemeClr val="tx1"/>
+                </a:solidFill>
+                <a:effectLst/>
+                <a:latin typeface="+mn-lt"/>
+                <a:ea typeface="+mn-ea"/>
+                <a:cs typeface="+mn-cs"/>
+              </a:rPr>
+              <a:t> enables to update the state depending on the existing and upcoming props, without triggering another rendering. One interesting thing to remember here is that there is no equivalent method for the state as state changes should never trigger any props changes.</a:t>
+            </a:r>
+          </a:p>
+          <a:p>
+            <a:r>
+              <a:rPr lang="en-US" sz="1200" b="0" i="0" kern="1200" dirty="0" err="1" smtClean="0">
+                <a:solidFill>
+                  <a:schemeClr val="tx1"/>
+                </a:solidFill>
+                <a:effectLst/>
+                <a:latin typeface="+mn-lt"/>
+                <a:ea typeface="+mn-ea"/>
+                <a:cs typeface="+mn-cs"/>
+              </a:rPr>
+              <a:t>componentWillReceiveProps</a:t>
+            </a:r>
+            <a:r>
+              <a:rPr lang="en-US" sz="1200" b="1" i="0" kern="1200" dirty="0" smtClean="0">
+                <a:solidFill>
+                  <a:schemeClr val="tx1"/>
+                </a:solidFill>
+                <a:effectLst/>
+                <a:latin typeface="+mn-lt"/>
+                <a:ea typeface="+mn-ea"/>
+                <a:cs typeface="+mn-cs"/>
+              </a:rPr>
+              <a:t>:</a:t>
+            </a:r>
+            <a:r>
+              <a:rPr lang="en-US" sz="1200" b="0" i="0" kern="1200" dirty="0" smtClean="0">
+                <a:solidFill>
+                  <a:schemeClr val="tx1"/>
+                </a:solidFill>
+                <a:effectLst/>
+                <a:latin typeface="+mn-lt"/>
+                <a:ea typeface="+mn-ea"/>
+                <a:cs typeface="+mn-cs"/>
+              </a:rPr>
+              <a:t> </a:t>
+            </a:r>
+            <a:r>
+              <a:rPr lang="en-US" sz="1200" b="1" i="0" kern="1200" dirty="0" smtClean="0">
+                <a:solidFill>
+                  <a:schemeClr val="tx1"/>
+                </a:solidFill>
+                <a:effectLst/>
+                <a:latin typeface="+mn-lt"/>
+                <a:ea typeface="+mn-ea"/>
+                <a:cs typeface="+mn-cs"/>
+              </a:rPr>
+              <a:t>function</a:t>
+            </a:r>
+            <a:r>
+              <a:rPr lang="en-US" sz="1200" b="0" i="0" kern="1200" dirty="0" smtClean="0">
+                <a:solidFill>
+                  <a:schemeClr val="tx1"/>
+                </a:solidFill>
+                <a:effectLst/>
+                <a:latin typeface="+mn-lt"/>
+                <a:ea typeface="+mn-ea"/>
+                <a:cs typeface="+mn-cs"/>
+              </a:rPr>
+              <a:t>(</a:t>
+            </a:r>
+            <a:r>
+              <a:rPr lang="en-US" sz="1200" b="0" i="0" kern="1200" dirty="0" err="1" smtClean="0">
+                <a:solidFill>
+                  <a:schemeClr val="tx1"/>
+                </a:solidFill>
+                <a:effectLst/>
+                <a:latin typeface="+mn-lt"/>
+                <a:ea typeface="+mn-ea"/>
+                <a:cs typeface="+mn-cs"/>
+              </a:rPr>
+              <a:t>nextProps</a:t>
+            </a:r>
+            <a:r>
+              <a:rPr lang="en-US" sz="1200" b="0" i="0" kern="1200" dirty="0" smtClean="0">
+                <a:solidFill>
+                  <a:schemeClr val="tx1"/>
+                </a:solidFill>
+                <a:effectLst/>
+                <a:latin typeface="+mn-lt"/>
+                <a:ea typeface="+mn-ea"/>
+                <a:cs typeface="+mn-cs"/>
+              </a:rPr>
+              <a:t>) { </a:t>
+            </a:r>
+            <a:r>
+              <a:rPr lang="en-US" sz="1200" b="1" i="0" kern="1200" dirty="0" err="1" smtClean="0">
+                <a:solidFill>
+                  <a:schemeClr val="tx1"/>
+                </a:solidFill>
+                <a:effectLst/>
+                <a:latin typeface="+mn-lt"/>
+                <a:ea typeface="+mn-ea"/>
+                <a:cs typeface="+mn-cs"/>
+              </a:rPr>
+              <a:t>this</a:t>
+            </a:r>
+            <a:r>
+              <a:rPr lang="en-US" sz="1200" b="0" i="0" kern="1200" dirty="0" err="1" smtClean="0">
+                <a:solidFill>
+                  <a:schemeClr val="tx1"/>
+                </a:solidFill>
+                <a:effectLst/>
+                <a:latin typeface="+mn-lt"/>
+                <a:ea typeface="+mn-ea"/>
+                <a:cs typeface="+mn-cs"/>
+              </a:rPr>
+              <a:t>.setState</a:t>
+            </a:r>
+            <a:r>
+              <a:rPr lang="en-US" sz="1200" b="0" i="0" kern="1200" dirty="0" smtClean="0">
+                <a:solidFill>
+                  <a:schemeClr val="tx1"/>
+                </a:solidFill>
+                <a:effectLst/>
+                <a:latin typeface="+mn-lt"/>
+                <a:ea typeface="+mn-ea"/>
+                <a:cs typeface="+mn-cs"/>
+              </a:rPr>
+              <a:t>({ </a:t>
+            </a:r>
+            <a:r>
+              <a:rPr lang="en-US" sz="1200" b="0" i="1" kern="1200" dirty="0" smtClean="0">
+                <a:solidFill>
+                  <a:schemeClr val="tx1"/>
+                </a:solidFill>
+                <a:effectLst/>
+                <a:latin typeface="+mn-lt"/>
+                <a:ea typeface="+mn-ea"/>
+                <a:cs typeface="+mn-cs"/>
+              </a:rPr>
+              <a:t>// set something </a:t>
+            </a:r>
+            <a:r>
+              <a:rPr lang="en-US" sz="1200" b="0" i="0" kern="1200" dirty="0" smtClean="0">
+                <a:solidFill>
+                  <a:schemeClr val="tx1"/>
+                </a:solidFill>
+                <a:effectLst/>
+                <a:latin typeface="+mn-lt"/>
+                <a:ea typeface="+mn-ea"/>
+                <a:cs typeface="+mn-cs"/>
+              </a:rPr>
+              <a:t>}); } </a:t>
+            </a:r>
+          </a:p>
+          <a:p>
+            <a:r>
+              <a:rPr lang="en-US" sz="1200" b="0" i="0" kern="1200" dirty="0" smtClean="0">
+                <a:solidFill>
+                  <a:schemeClr val="tx1"/>
+                </a:solidFill>
+                <a:effectLst/>
+                <a:latin typeface="+mn-lt"/>
+                <a:ea typeface="+mn-ea"/>
+                <a:cs typeface="+mn-cs"/>
+              </a:rPr>
+              <a:t>The rest of the lifecycle reveals nothing new here and is identical to the state change triggered cycle.</a:t>
+            </a:r>
+            <a:endParaRPr lang="en-US" sz="1200" b="0" i="0" kern="1200" dirty="0">
+              <a:solidFill>
+                <a:schemeClr val="tx1"/>
+              </a:solidFill>
+              <a:effectLst/>
+              <a:latin typeface="+mn-lt"/>
+              <a:ea typeface="+mn-ea"/>
+              <a:cs typeface="+mn-cs"/>
+            </a:endParaRPr>
+          </a:p>
+        </p:txBody>
+      </p:sp>
+      <p:sp>
+        <p:nvSpPr>
+          <p:cNvPr id="4" name="Slide Number Placeholder 3"/>
+          <p:cNvSpPr>
+            <a:spLocks noGrp="1"/>
+          </p:cNvSpPr>
+          <p:nvPr>
+            <p:ph type="sldNum" sz="quarter" idx="10"/>
+          </p:nvPr>
+        </p:nvSpPr>
+        <p:spPr/>
+        <p:txBody>
+          <a:bodyPr/>
+          <a:lstStyle/>
+          <a:p>
+            <a:fld id="{47CA5B65-C32E-4594-82B5-5B950CCEF23B}" type="slidenum">
+              <a:rPr lang="en-US" smtClean="0"/>
+              <a:t>23</a:t>
+            </a:fld>
+            <a:endParaRPr lang="en-US"/>
+          </a:p>
+        </p:txBody>
+      </p:sp>
+    </p:spTree>
+    <p:extLst>
+      <p:ext uri="{BB962C8B-B14F-4D97-AF65-F5344CB8AC3E}">
+        <p14:creationId xmlns:p14="http://schemas.microsoft.com/office/powerpoint/2010/main" val="3704078898"/>
+      </p:ext>
+    </p:extLst>
+  </p:cSld>
+  <p:clrMapOvr>
+    <a:masterClrMapping/>
+  </p:clrMapOvr>
+</p:notes>
+</file>
+
+<file path=ppt/notesSlides/notesSlide19.xml><?xml version="1.0" encoding="utf-8"?>
+<p:notes xmlns:a="http://schemas.openxmlformats.org/drawingml/2006/main" xmlns:r="http://schemas.openxmlformats.org/officeDocument/2006/relationships" xmlns:p="http://schemas.openxmlformats.org/presentationml/2006/main">
+  <p:cSld>
+    <p:spTree>
+      <p:nvGrpSpPr>
+        <p:cNvPr id="1" name=""/>
+        <p:cNvGrpSpPr/>
+        <p:nvPr/>
+      </p:nvGrpSpPr>
+      <p:grpSpPr>
+        <a:xfrm>
+          <a:off x="0" y="0"/>
+          <a:ext cx="0" cy="0"/>
+          <a:chOff x="0" y="0"/>
+          <a:chExt cx="0" cy="0"/>
+        </a:xfrm>
+      </p:grpSpPr>
+      <p:sp>
+        <p:nvSpPr>
+          <p:cNvPr id="2" name="Slide Image Placeholder 1"/>
+          <p:cNvSpPr>
+            <a:spLocks noGrp="1" noRot="1" noChangeAspect="1"/>
+          </p:cNvSpPr>
+          <p:nvPr>
+            <p:ph type="sldImg"/>
+          </p:nvPr>
+        </p:nvSpPr>
+        <p:spPr/>
+      </p:sp>
+      <p:sp>
+        <p:nvSpPr>
+          <p:cNvPr id="3" name="Notes Placeholder 2"/>
+          <p:cNvSpPr>
+            <a:spLocks noGrp="1"/>
+          </p:cNvSpPr>
+          <p:nvPr>
+            <p:ph type="body" idx="1"/>
+          </p:nvPr>
+        </p:nvSpPr>
+        <p:spPr/>
+        <p:txBody>
+          <a:bodyPr/>
+          <a:lstStyle/>
+          <a:p>
+            <a:r>
+              <a:rPr lang="en-US" sz="1200" b="0" i="0" kern="1200" dirty="0" smtClean="0">
+                <a:solidFill>
+                  <a:schemeClr val="tx1"/>
+                </a:solidFill>
+                <a:effectLst/>
+                <a:latin typeface="+mn-lt"/>
+                <a:ea typeface="+mn-ea"/>
+                <a:cs typeface="+mn-cs"/>
+              </a:rPr>
+              <a:t>From looking at the image above we can see that the first two methods being called are </a:t>
+            </a:r>
+            <a:r>
+              <a:rPr lang="en-US" sz="1200" b="0" i="1" kern="1200" dirty="0" err="1" smtClean="0">
+                <a:solidFill>
+                  <a:schemeClr val="tx1"/>
+                </a:solidFill>
+                <a:effectLst/>
+                <a:latin typeface="+mn-lt"/>
+                <a:ea typeface="+mn-ea"/>
+                <a:cs typeface="+mn-cs"/>
+              </a:rPr>
+              <a:t>getDefaultProps</a:t>
+            </a:r>
+            <a:r>
+              <a:rPr lang="en-US" sz="1200" b="0" i="0" kern="1200" dirty="0" smtClean="0">
+                <a:solidFill>
+                  <a:schemeClr val="tx1"/>
+                </a:solidFill>
+                <a:effectLst/>
+                <a:latin typeface="+mn-lt"/>
+                <a:ea typeface="+mn-ea"/>
+                <a:cs typeface="+mn-cs"/>
+              </a:rPr>
+              <a:t> and </a:t>
+            </a:r>
+            <a:r>
+              <a:rPr lang="en-US" sz="1200" b="0" i="1" kern="1200" dirty="0" err="1" smtClean="0">
+                <a:solidFill>
+                  <a:schemeClr val="tx1"/>
+                </a:solidFill>
+                <a:effectLst/>
+                <a:latin typeface="+mn-lt"/>
+                <a:ea typeface="+mn-ea"/>
+                <a:cs typeface="+mn-cs"/>
+              </a:rPr>
+              <a:t>getInitialState</a:t>
+            </a:r>
+            <a:r>
+              <a:rPr lang="en-US" sz="1200" b="0" i="0" kern="1200" dirty="0" smtClean="0">
+                <a:solidFill>
+                  <a:schemeClr val="tx1"/>
+                </a:solidFill>
+                <a:effectLst/>
+                <a:latin typeface="+mn-lt"/>
+                <a:ea typeface="+mn-ea"/>
+                <a:cs typeface="+mn-cs"/>
+              </a:rPr>
+              <a:t>. Both methods are only called once when initially rendering the component.</a:t>
+            </a:r>
+          </a:p>
+          <a:p>
+            <a:r>
+              <a:rPr lang="en-US" sz="1200" b="0" i="0" kern="1200" dirty="0" smtClean="0">
+                <a:solidFill>
+                  <a:schemeClr val="tx1"/>
+                </a:solidFill>
+                <a:effectLst/>
+                <a:latin typeface="+mn-lt"/>
+                <a:ea typeface="+mn-ea"/>
+                <a:cs typeface="+mn-cs"/>
+              </a:rPr>
+              <a:t>The </a:t>
+            </a:r>
+            <a:r>
+              <a:rPr lang="en-US" sz="1200" b="1" i="1" kern="1200" dirty="0" err="1" smtClean="0">
+                <a:solidFill>
+                  <a:schemeClr val="tx1"/>
+                </a:solidFill>
+                <a:effectLst/>
+                <a:latin typeface="+mn-lt"/>
+                <a:ea typeface="+mn-ea"/>
+                <a:cs typeface="+mn-cs"/>
+              </a:rPr>
+              <a:t>getInitialState</a:t>
+            </a:r>
+            <a:r>
+              <a:rPr lang="en-US" sz="1200" b="0" i="0" kern="1200" dirty="0" smtClean="0">
+                <a:solidFill>
+                  <a:schemeClr val="tx1"/>
+                </a:solidFill>
+                <a:effectLst/>
+                <a:latin typeface="+mn-lt"/>
+                <a:ea typeface="+mn-ea"/>
+                <a:cs typeface="+mn-cs"/>
+              </a:rPr>
+              <a:t> method enables to set the initial state value, that is accessible inside the component via </a:t>
+            </a:r>
+            <a:r>
+              <a:rPr lang="en-US" sz="1200" b="0" i="1" kern="1200" dirty="0" err="1" smtClean="0">
+                <a:solidFill>
+                  <a:schemeClr val="tx1"/>
+                </a:solidFill>
+                <a:effectLst/>
+                <a:latin typeface="+mn-lt"/>
+                <a:ea typeface="+mn-ea"/>
+                <a:cs typeface="+mn-cs"/>
+              </a:rPr>
+              <a:t>this.state</a:t>
+            </a:r>
+            <a:r>
+              <a:rPr lang="en-US" sz="1200" b="0" i="0" kern="1200" dirty="0" smtClean="0">
+                <a:solidFill>
+                  <a:schemeClr val="tx1"/>
+                </a:solidFill>
+                <a:effectLst/>
+                <a:latin typeface="+mn-lt"/>
+                <a:ea typeface="+mn-ea"/>
+                <a:cs typeface="+mn-cs"/>
+              </a:rPr>
+              <a:t>.</a:t>
+            </a:r>
+          </a:p>
+          <a:p>
+            <a:r>
+              <a:rPr lang="en-US" sz="1200" b="0" i="0" kern="1200" dirty="0" err="1" smtClean="0">
+                <a:solidFill>
+                  <a:schemeClr val="tx1"/>
+                </a:solidFill>
+                <a:effectLst/>
+                <a:latin typeface="+mn-lt"/>
+                <a:ea typeface="+mn-ea"/>
+                <a:cs typeface="+mn-cs"/>
+              </a:rPr>
+              <a:t>getInitialState</a:t>
+            </a:r>
+            <a:r>
+              <a:rPr lang="en-US" sz="1200" b="1" i="0" kern="1200" dirty="0" smtClean="0">
+                <a:solidFill>
+                  <a:schemeClr val="tx1"/>
+                </a:solidFill>
+                <a:effectLst/>
+                <a:latin typeface="+mn-lt"/>
+                <a:ea typeface="+mn-ea"/>
+                <a:cs typeface="+mn-cs"/>
+              </a:rPr>
+              <a:t>:</a:t>
+            </a:r>
+            <a:r>
+              <a:rPr lang="en-US" sz="1200" b="0" i="0" kern="1200" dirty="0" smtClean="0">
+                <a:solidFill>
+                  <a:schemeClr val="tx1"/>
+                </a:solidFill>
+                <a:effectLst/>
+                <a:latin typeface="+mn-lt"/>
+                <a:ea typeface="+mn-ea"/>
+                <a:cs typeface="+mn-cs"/>
+              </a:rPr>
+              <a:t> </a:t>
+            </a:r>
+            <a:r>
+              <a:rPr lang="en-US" sz="1200" b="1" i="0" kern="1200" dirty="0" smtClean="0">
+                <a:solidFill>
+                  <a:schemeClr val="tx1"/>
+                </a:solidFill>
+                <a:effectLst/>
+                <a:latin typeface="+mn-lt"/>
+                <a:ea typeface="+mn-ea"/>
+                <a:cs typeface="+mn-cs"/>
+              </a:rPr>
+              <a:t>function</a:t>
+            </a:r>
+            <a:r>
+              <a:rPr lang="en-US" sz="1200" b="0" i="0" kern="1200" dirty="0" smtClean="0">
+                <a:solidFill>
+                  <a:schemeClr val="tx1"/>
+                </a:solidFill>
+                <a:effectLst/>
+                <a:latin typeface="+mn-lt"/>
+                <a:ea typeface="+mn-ea"/>
+                <a:cs typeface="+mn-cs"/>
+              </a:rPr>
+              <a:t>(){ </a:t>
+            </a:r>
+            <a:r>
+              <a:rPr lang="en-US" sz="1200" b="1" i="0" kern="1200" dirty="0" smtClean="0">
+                <a:solidFill>
+                  <a:schemeClr val="tx1"/>
+                </a:solidFill>
+                <a:effectLst/>
+                <a:latin typeface="+mn-lt"/>
+                <a:ea typeface="+mn-ea"/>
+                <a:cs typeface="+mn-cs"/>
+              </a:rPr>
+              <a:t>return</a:t>
+            </a:r>
+            <a:r>
+              <a:rPr lang="en-US" sz="1200" b="0" i="0" kern="1200" dirty="0" smtClean="0">
+                <a:solidFill>
+                  <a:schemeClr val="tx1"/>
+                </a:solidFill>
+                <a:effectLst/>
+                <a:latin typeface="+mn-lt"/>
+                <a:ea typeface="+mn-ea"/>
+                <a:cs typeface="+mn-cs"/>
+              </a:rPr>
+              <a:t> { </a:t>
+            </a:r>
+            <a:r>
+              <a:rPr lang="en-US" sz="1200" b="0" i="1" kern="1200" dirty="0" smtClean="0">
+                <a:solidFill>
+                  <a:schemeClr val="tx1"/>
+                </a:solidFill>
+                <a:effectLst/>
+                <a:latin typeface="+mn-lt"/>
+                <a:ea typeface="+mn-ea"/>
+                <a:cs typeface="+mn-cs"/>
+              </a:rPr>
+              <a:t>/* something here */</a:t>
+            </a:r>
+            <a:r>
+              <a:rPr lang="en-US" sz="1200" b="0" i="0" kern="1200" dirty="0" smtClean="0">
+                <a:solidFill>
+                  <a:schemeClr val="tx1"/>
+                </a:solidFill>
+                <a:effectLst/>
+                <a:latin typeface="+mn-lt"/>
+                <a:ea typeface="+mn-ea"/>
+                <a:cs typeface="+mn-cs"/>
+              </a:rPr>
+              <a:t>}; } </a:t>
+            </a:r>
+          </a:p>
+          <a:p>
+            <a:r>
+              <a:rPr lang="en-US" sz="1200" b="0" i="0" kern="1200" dirty="0" smtClean="0">
+                <a:solidFill>
+                  <a:schemeClr val="tx1"/>
+                </a:solidFill>
+                <a:effectLst/>
+                <a:latin typeface="+mn-lt"/>
+                <a:ea typeface="+mn-ea"/>
+                <a:cs typeface="+mn-cs"/>
+              </a:rPr>
+              <a:t>Analogously </a:t>
+            </a:r>
+            <a:r>
+              <a:rPr lang="en-US" sz="1200" b="1" i="1" kern="1200" dirty="0" err="1" smtClean="0">
+                <a:solidFill>
+                  <a:schemeClr val="tx1"/>
+                </a:solidFill>
+                <a:effectLst/>
+                <a:latin typeface="+mn-lt"/>
+                <a:ea typeface="+mn-ea"/>
+                <a:cs typeface="+mn-cs"/>
+              </a:rPr>
+              <a:t>getDefaultProps</a:t>
+            </a:r>
+            <a:r>
+              <a:rPr lang="en-US" sz="1200" b="0" i="0" kern="1200" dirty="0" smtClean="0">
+                <a:solidFill>
+                  <a:schemeClr val="tx1"/>
+                </a:solidFill>
+                <a:effectLst/>
+                <a:latin typeface="+mn-lt"/>
+                <a:ea typeface="+mn-ea"/>
+                <a:cs typeface="+mn-cs"/>
+              </a:rPr>
+              <a:t> can be used to define any default props which can be accessed via </a:t>
+            </a:r>
+            <a:r>
+              <a:rPr lang="en-US" sz="1200" b="0" i="1" kern="1200" dirty="0" err="1" smtClean="0">
+                <a:solidFill>
+                  <a:schemeClr val="tx1"/>
+                </a:solidFill>
+                <a:effectLst/>
+                <a:latin typeface="+mn-lt"/>
+                <a:ea typeface="+mn-ea"/>
+                <a:cs typeface="+mn-cs"/>
+              </a:rPr>
+              <a:t>this.props</a:t>
+            </a:r>
+            <a:r>
+              <a:rPr lang="en-US" sz="1200" b="0" i="0" kern="1200" dirty="0" smtClean="0">
+                <a:solidFill>
+                  <a:schemeClr val="tx1"/>
+                </a:solidFill>
+                <a:effectLst/>
+                <a:latin typeface="+mn-lt"/>
+                <a:ea typeface="+mn-ea"/>
+                <a:cs typeface="+mn-cs"/>
+              </a:rPr>
+              <a:t>.</a:t>
+            </a:r>
+          </a:p>
+          <a:p>
+            <a:r>
+              <a:rPr lang="en-US" sz="1200" b="0" i="0" kern="1200" dirty="0" err="1" smtClean="0">
+                <a:solidFill>
+                  <a:schemeClr val="tx1"/>
+                </a:solidFill>
+                <a:effectLst/>
+                <a:latin typeface="+mn-lt"/>
+                <a:ea typeface="+mn-ea"/>
+                <a:cs typeface="+mn-cs"/>
+              </a:rPr>
+              <a:t>getDefaultProps</a:t>
+            </a:r>
+            <a:r>
+              <a:rPr lang="en-US" sz="1200" b="1" i="0" kern="1200" dirty="0" smtClean="0">
+                <a:solidFill>
+                  <a:schemeClr val="tx1"/>
+                </a:solidFill>
+                <a:effectLst/>
+                <a:latin typeface="+mn-lt"/>
+                <a:ea typeface="+mn-ea"/>
+                <a:cs typeface="+mn-cs"/>
+              </a:rPr>
+              <a:t>:</a:t>
+            </a:r>
+            <a:r>
+              <a:rPr lang="en-US" sz="1200" b="0" i="0" kern="1200" dirty="0" smtClean="0">
+                <a:solidFill>
+                  <a:schemeClr val="tx1"/>
+                </a:solidFill>
+                <a:effectLst/>
+                <a:latin typeface="+mn-lt"/>
+                <a:ea typeface="+mn-ea"/>
+                <a:cs typeface="+mn-cs"/>
+              </a:rPr>
+              <a:t> </a:t>
+            </a:r>
+            <a:r>
+              <a:rPr lang="en-US" sz="1200" b="1" i="0" kern="1200" dirty="0" smtClean="0">
+                <a:solidFill>
+                  <a:schemeClr val="tx1"/>
+                </a:solidFill>
+                <a:effectLst/>
+                <a:latin typeface="+mn-lt"/>
+                <a:ea typeface="+mn-ea"/>
+                <a:cs typeface="+mn-cs"/>
+              </a:rPr>
+              <a:t>function</a:t>
+            </a:r>
+            <a:r>
+              <a:rPr lang="en-US" sz="1200" b="0" i="0" kern="1200" dirty="0" smtClean="0">
+                <a:solidFill>
+                  <a:schemeClr val="tx1"/>
+                </a:solidFill>
+                <a:effectLst/>
+                <a:latin typeface="+mn-lt"/>
+                <a:ea typeface="+mn-ea"/>
+                <a:cs typeface="+mn-cs"/>
+              </a:rPr>
+              <a:t>(){ </a:t>
+            </a:r>
+            <a:r>
+              <a:rPr lang="en-US" sz="1200" b="1" i="0" kern="1200" dirty="0" smtClean="0">
+                <a:solidFill>
+                  <a:schemeClr val="tx1"/>
+                </a:solidFill>
+                <a:effectLst/>
+                <a:latin typeface="+mn-lt"/>
+                <a:ea typeface="+mn-ea"/>
+                <a:cs typeface="+mn-cs"/>
+              </a:rPr>
+              <a:t>return</a:t>
+            </a:r>
+            <a:r>
+              <a:rPr lang="en-US" sz="1200" b="0" i="0" kern="1200" dirty="0" smtClean="0">
+                <a:solidFill>
+                  <a:schemeClr val="tx1"/>
+                </a:solidFill>
+                <a:effectLst/>
+                <a:latin typeface="+mn-lt"/>
+                <a:ea typeface="+mn-ea"/>
+                <a:cs typeface="+mn-cs"/>
+              </a:rPr>
+              <a:t> { </a:t>
+            </a:r>
+            <a:r>
+              <a:rPr lang="en-US" sz="1200" b="0" i="1" kern="1200" dirty="0" smtClean="0">
+                <a:solidFill>
+                  <a:schemeClr val="tx1"/>
+                </a:solidFill>
+                <a:effectLst/>
+                <a:latin typeface="+mn-lt"/>
+                <a:ea typeface="+mn-ea"/>
+                <a:cs typeface="+mn-cs"/>
+              </a:rPr>
+              <a:t>/* something here */</a:t>
+            </a:r>
+            <a:r>
+              <a:rPr lang="en-US" sz="1200" b="0" i="0" kern="1200" dirty="0" smtClean="0">
+                <a:solidFill>
+                  <a:schemeClr val="tx1"/>
+                </a:solidFill>
+                <a:effectLst/>
+                <a:latin typeface="+mn-lt"/>
+                <a:ea typeface="+mn-ea"/>
+                <a:cs typeface="+mn-cs"/>
+              </a:rPr>
+              <a:t>}; } </a:t>
+            </a:r>
+          </a:p>
+          <a:p>
+            <a:r>
+              <a:rPr lang="en-US" sz="1200" b="0" i="0" kern="1200" dirty="0" smtClean="0">
+                <a:solidFill>
+                  <a:schemeClr val="tx1"/>
+                </a:solidFill>
+                <a:effectLst/>
+                <a:latin typeface="+mn-lt"/>
+                <a:ea typeface="+mn-ea"/>
+                <a:cs typeface="+mn-cs"/>
+              </a:rPr>
+              <a:t>Another two methods that only get called when initializing a component are </a:t>
+            </a:r>
+            <a:r>
+              <a:rPr lang="en-US" sz="1200" b="0" i="1" kern="1200" dirty="0" err="1" smtClean="0">
+                <a:solidFill>
+                  <a:schemeClr val="tx1"/>
+                </a:solidFill>
+                <a:effectLst/>
+                <a:latin typeface="+mn-lt"/>
+                <a:ea typeface="+mn-ea"/>
+                <a:cs typeface="+mn-cs"/>
+              </a:rPr>
+              <a:t>componentWillMount</a:t>
+            </a:r>
+            <a:r>
+              <a:rPr lang="en-US" sz="1200" b="0" i="0" kern="1200" dirty="0" smtClean="0">
+                <a:solidFill>
+                  <a:schemeClr val="tx1"/>
+                </a:solidFill>
+                <a:effectLst/>
+                <a:latin typeface="+mn-lt"/>
+                <a:ea typeface="+mn-ea"/>
+                <a:cs typeface="+mn-cs"/>
+              </a:rPr>
+              <a:t> and </a:t>
+            </a:r>
+            <a:r>
+              <a:rPr lang="en-US" sz="1200" b="0" i="1" kern="1200" dirty="0" err="1" smtClean="0">
+                <a:solidFill>
+                  <a:schemeClr val="tx1"/>
+                </a:solidFill>
+                <a:effectLst/>
+                <a:latin typeface="+mn-lt"/>
+                <a:ea typeface="+mn-ea"/>
+                <a:cs typeface="+mn-cs"/>
+              </a:rPr>
+              <a:t>componentDidMount</a:t>
+            </a:r>
+            <a:r>
+              <a:rPr lang="en-US" sz="1200" b="0" i="0" kern="1200" dirty="0" smtClean="0">
+                <a:solidFill>
+                  <a:schemeClr val="tx1"/>
+                </a:solidFill>
+                <a:effectLst/>
+                <a:latin typeface="+mn-lt"/>
+                <a:ea typeface="+mn-ea"/>
+                <a:cs typeface="+mn-cs"/>
+              </a:rPr>
+              <a:t>.</a:t>
+            </a:r>
+          </a:p>
+          <a:p>
+            <a:r>
+              <a:rPr lang="en-US" sz="1200" b="1" i="1" kern="1200" dirty="0" err="1" smtClean="0">
+                <a:solidFill>
+                  <a:schemeClr val="tx1"/>
+                </a:solidFill>
+                <a:effectLst/>
+                <a:latin typeface="+mn-lt"/>
+                <a:ea typeface="+mn-ea"/>
+                <a:cs typeface="+mn-cs"/>
+              </a:rPr>
+              <a:t>componentWillMount</a:t>
+            </a:r>
+            <a:r>
+              <a:rPr lang="en-US" sz="1200" b="0" i="0" kern="1200" dirty="0" smtClean="0">
+                <a:solidFill>
+                  <a:schemeClr val="tx1"/>
+                </a:solidFill>
+                <a:effectLst/>
+                <a:latin typeface="+mn-lt"/>
+                <a:ea typeface="+mn-ea"/>
+                <a:cs typeface="+mn-cs"/>
+              </a:rPr>
+              <a:t> is called before the </a:t>
+            </a:r>
+            <a:r>
+              <a:rPr lang="en-US" sz="1200" b="0" i="1" kern="1200" dirty="0" smtClean="0">
+                <a:solidFill>
+                  <a:schemeClr val="tx1"/>
+                </a:solidFill>
+                <a:effectLst/>
+                <a:latin typeface="+mn-lt"/>
+                <a:ea typeface="+mn-ea"/>
+                <a:cs typeface="+mn-cs"/>
+              </a:rPr>
+              <a:t>render</a:t>
+            </a:r>
+            <a:r>
+              <a:rPr lang="en-US" sz="1200" b="0" i="0" kern="1200" dirty="0" smtClean="0">
+                <a:solidFill>
+                  <a:schemeClr val="tx1"/>
+                </a:solidFill>
+                <a:effectLst/>
+                <a:latin typeface="+mn-lt"/>
+                <a:ea typeface="+mn-ea"/>
+                <a:cs typeface="+mn-cs"/>
+              </a:rPr>
+              <a:t> method is executed. It is important to note that setting the state in this phase will not trigger a re-rendering.</a:t>
+            </a:r>
+          </a:p>
+          <a:p>
+            <a:r>
+              <a:rPr lang="en-US" sz="1200" b="0" i="0" kern="1200" dirty="0" smtClean="0">
+                <a:solidFill>
+                  <a:schemeClr val="tx1"/>
+                </a:solidFill>
+                <a:effectLst/>
+                <a:latin typeface="+mn-lt"/>
+                <a:ea typeface="+mn-ea"/>
+                <a:cs typeface="+mn-cs"/>
+              </a:rPr>
+              <a:t>The </a:t>
+            </a:r>
+            <a:r>
+              <a:rPr lang="en-US" sz="1200" b="1" i="1" kern="1200" dirty="0" smtClean="0">
+                <a:solidFill>
+                  <a:schemeClr val="tx1"/>
+                </a:solidFill>
+                <a:effectLst/>
+                <a:latin typeface="+mn-lt"/>
+                <a:ea typeface="+mn-ea"/>
+                <a:cs typeface="+mn-cs"/>
+              </a:rPr>
+              <a:t>render</a:t>
+            </a:r>
+            <a:r>
+              <a:rPr lang="en-US" sz="1200" b="0" i="0" kern="1200" dirty="0" smtClean="0">
+                <a:solidFill>
+                  <a:schemeClr val="tx1"/>
+                </a:solidFill>
+                <a:effectLst/>
+                <a:latin typeface="+mn-lt"/>
+                <a:ea typeface="+mn-ea"/>
+                <a:cs typeface="+mn-cs"/>
+              </a:rPr>
+              <a:t> method returns the needed component markup, which can be a single child component or null or false (in case you don't want any rendering).</a:t>
+            </a:r>
+          </a:p>
+          <a:p>
+            <a:r>
+              <a:rPr lang="en-US" sz="1200" b="0" i="0" kern="1200" dirty="0" smtClean="0">
+                <a:solidFill>
+                  <a:schemeClr val="tx1"/>
+                </a:solidFill>
+                <a:effectLst/>
+                <a:latin typeface="+mn-lt"/>
+                <a:ea typeface="+mn-ea"/>
+                <a:cs typeface="+mn-cs"/>
+              </a:rPr>
+              <a:t>This is the part of the lifecycle where props and state values are interpreted to create the correct output. Neither props nor state should </a:t>
+            </a:r>
+            <a:r>
+              <a:rPr lang="en-US" sz="1200" b="0" i="0" kern="1200" dirty="0" err="1" smtClean="0">
+                <a:solidFill>
+                  <a:schemeClr val="tx1"/>
+                </a:solidFill>
+                <a:effectLst/>
+                <a:latin typeface="+mn-lt"/>
+                <a:ea typeface="+mn-ea"/>
+                <a:cs typeface="+mn-cs"/>
+              </a:rPr>
+              <a:t>should</a:t>
+            </a:r>
+            <a:r>
+              <a:rPr lang="en-US" sz="1200" b="0" i="0" kern="1200" dirty="0" smtClean="0">
+                <a:solidFill>
+                  <a:schemeClr val="tx1"/>
+                </a:solidFill>
+                <a:effectLst/>
+                <a:latin typeface="+mn-lt"/>
+                <a:ea typeface="+mn-ea"/>
+                <a:cs typeface="+mn-cs"/>
+              </a:rPr>
+              <a:t> be modified inside this function. This is important to remember, as by definition the </a:t>
+            </a:r>
+            <a:r>
+              <a:rPr lang="en-US" sz="1200" b="0" i="1" kern="1200" dirty="0" smtClean="0">
+                <a:solidFill>
+                  <a:schemeClr val="tx1"/>
+                </a:solidFill>
+                <a:effectLst/>
+                <a:latin typeface="+mn-lt"/>
+                <a:ea typeface="+mn-ea"/>
+                <a:cs typeface="+mn-cs"/>
+              </a:rPr>
+              <a:t>render</a:t>
+            </a:r>
+            <a:r>
+              <a:rPr lang="en-US" sz="1200" b="0" i="0" kern="1200" dirty="0" smtClean="0">
+                <a:solidFill>
+                  <a:schemeClr val="tx1"/>
+                </a:solidFill>
+                <a:effectLst/>
+                <a:latin typeface="+mn-lt"/>
+                <a:ea typeface="+mn-ea"/>
+                <a:cs typeface="+mn-cs"/>
+              </a:rPr>
+              <a:t> function has to be pure, meaning that the same result is returned every time the method is invoked.</a:t>
+            </a:r>
+          </a:p>
+          <a:p>
+            <a:r>
+              <a:rPr lang="en-US" sz="1200" b="0" i="0" kern="1200" dirty="0" smtClean="0">
+                <a:solidFill>
+                  <a:schemeClr val="tx1"/>
+                </a:solidFill>
+                <a:effectLst/>
+                <a:latin typeface="+mn-lt"/>
+                <a:ea typeface="+mn-ea"/>
+                <a:cs typeface="+mn-cs"/>
+              </a:rPr>
+              <a:t>As soon as the render method has been executed the </a:t>
+            </a:r>
+            <a:r>
+              <a:rPr lang="en-US" sz="1200" b="1" i="1" kern="1200" dirty="0" err="1" smtClean="0">
+                <a:solidFill>
+                  <a:schemeClr val="tx1"/>
+                </a:solidFill>
+                <a:effectLst/>
+                <a:latin typeface="+mn-lt"/>
+                <a:ea typeface="+mn-ea"/>
+                <a:cs typeface="+mn-cs"/>
+              </a:rPr>
+              <a:t>componentDidMount</a:t>
+            </a:r>
+            <a:r>
+              <a:rPr lang="en-US" sz="1200" b="0" i="0" kern="1200" dirty="0" smtClean="0">
+                <a:solidFill>
+                  <a:schemeClr val="tx1"/>
+                </a:solidFill>
+                <a:effectLst/>
+                <a:latin typeface="+mn-lt"/>
+                <a:ea typeface="+mn-ea"/>
+                <a:cs typeface="+mn-cs"/>
+              </a:rPr>
+              <a:t> function is called. The DOM can be accessed in this method, enabling to define DOM manipulations or data fetching operations. Any DOM interactions should always happen in this phase not inside </a:t>
+            </a:r>
+            <a:r>
+              <a:rPr lang="en-US" sz="1200" b="0" i="0" kern="1200" dirty="0" err="1" smtClean="0">
+                <a:solidFill>
+                  <a:schemeClr val="tx1"/>
+                </a:solidFill>
+                <a:effectLst/>
+                <a:latin typeface="+mn-lt"/>
+                <a:ea typeface="+mn-ea"/>
+                <a:cs typeface="+mn-cs"/>
+              </a:rPr>
+              <a:t>the</a:t>
+            </a:r>
+            <a:r>
+              <a:rPr lang="en-US" sz="1200" b="0" i="1" kern="1200" dirty="0" err="1" smtClean="0">
+                <a:solidFill>
+                  <a:schemeClr val="tx1"/>
+                </a:solidFill>
+                <a:effectLst/>
+                <a:latin typeface="+mn-lt"/>
+                <a:ea typeface="+mn-ea"/>
+                <a:cs typeface="+mn-cs"/>
+              </a:rPr>
+              <a:t>render</a:t>
+            </a:r>
+            <a:r>
+              <a:rPr lang="en-US" sz="1200" b="0" i="0" kern="1200" smtClean="0">
+                <a:solidFill>
+                  <a:schemeClr val="tx1"/>
+                </a:solidFill>
+                <a:effectLst/>
+                <a:latin typeface="+mn-lt"/>
+                <a:ea typeface="+mn-ea"/>
+                <a:cs typeface="+mn-cs"/>
+              </a:rPr>
+              <a:t> method.</a:t>
+            </a:r>
+          </a:p>
+          <a:p>
+            <a:endParaRPr lang="en-US" baseline="0" dirty="0"/>
+          </a:p>
+        </p:txBody>
+      </p:sp>
+      <p:sp>
+        <p:nvSpPr>
+          <p:cNvPr id="4" name="Slide Number Placeholder 3"/>
+          <p:cNvSpPr>
+            <a:spLocks noGrp="1"/>
+          </p:cNvSpPr>
+          <p:nvPr>
+            <p:ph type="sldNum" sz="quarter" idx="10"/>
+          </p:nvPr>
+        </p:nvSpPr>
+        <p:spPr/>
+        <p:txBody>
+          <a:bodyPr/>
+          <a:lstStyle/>
+          <a:p>
+            <a:fld id="{47CA5B65-C32E-4594-82B5-5B950CCEF23B}" type="slidenum">
+              <a:rPr lang="en-US" smtClean="0"/>
+              <a:t>24</a:t>
+            </a:fld>
+            <a:endParaRPr lang="en-US"/>
+          </a:p>
+        </p:txBody>
+      </p:sp>
+    </p:spTree>
+    <p:extLst>
+      <p:ext uri="{BB962C8B-B14F-4D97-AF65-F5344CB8AC3E}">
+        <p14:creationId xmlns:p14="http://schemas.microsoft.com/office/powerpoint/2010/main" val="3704078898"/>
+      </p:ext>
+    </p:extLst>
+  </p:cSld>
+  <p:clrMapOvr>
+    <a:masterClrMapping/>
+  </p:clrMapOvr>
+</p:notes>
+</file>
+
 <file path=ppt/notesSlides/notesSlide2.xml><?xml version="1.0" encoding="utf-8"?>
 <p:notes xmlns:a="http://schemas.openxmlformats.org/drawingml/2006/main" xmlns:r="http://schemas.openxmlformats.org/officeDocument/2006/relationships" xmlns:p="http://schemas.openxmlformats.org/presentationml/2006/main">
   <p:cSld>
@@ -2160,6 +3351,997 @@
     <p:extLst>
       <p:ext uri="{BB962C8B-B14F-4D97-AF65-F5344CB8AC3E}">
         <p14:creationId xmlns:p14="http://schemas.microsoft.com/office/powerpoint/2010/main" val="602839175"/>
+      </p:ext>
+    </p:extLst>
+  </p:cSld>
+  <p:clrMapOvr>
+    <a:masterClrMapping/>
+  </p:clrMapOvr>
+</p:notes>
+</file>
+
+<file path=ppt/notesSlides/notesSlide20.xml><?xml version="1.0" encoding="utf-8"?>
+<p:notes xmlns:a="http://schemas.openxmlformats.org/drawingml/2006/main" xmlns:r="http://schemas.openxmlformats.org/officeDocument/2006/relationships" xmlns:p="http://schemas.openxmlformats.org/presentationml/2006/main">
+  <p:cSld>
+    <p:spTree>
+      <p:nvGrpSpPr>
+        <p:cNvPr id="1" name=""/>
+        <p:cNvGrpSpPr/>
+        <p:nvPr/>
+      </p:nvGrpSpPr>
+      <p:grpSpPr>
+        <a:xfrm>
+          <a:off x="0" y="0"/>
+          <a:ext cx="0" cy="0"/>
+          <a:chOff x="0" y="0"/>
+          <a:chExt cx="0" cy="0"/>
+        </a:xfrm>
+      </p:grpSpPr>
+      <p:sp>
+        <p:nvSpPr>
+          <p:cNvPr id="2" name="Slide Image Placeholder 1"/>
+          <p:cNvSpPr>
+            <a:spLocks noGrp="1" noRot="1" noChangeAspect="1"/>
+          </p:cNvSpPr>
+          <p:nvPr>
+            <p:ph type="sldImg"/>
+          </p:nvPr>
+        </p:nvSpPr>
+        <p:spPr/>
+      </p:sp>
+      <p:sp>
+        <p:nvSpPr>
+          <p:cNvPr id="3" name="Notes Placeholder 2"/>
+          <p:cNvSpPr>
+            <a:spLocks noGrp="1"/>
+          </p:cNvSpPr>
+          <p:nvPr>
+            <p:ph type="body" idx="1"/>
+          </p:nvPr>
+        </p:nvSpPr>
+        <p:spPr/>
+        <p:txBody>
+          <a:bodyPr/>
+          <a:lstStyle/>
+          <a:p>
+            <a:r>
+              <a:rPr lang="en-US" sz="1200" b="0" i="0" kern="1200" dirty="0" smtClean="0">
+                <a:solidFill>
+                  <a:schemeClr val="tx1"/>
+                </a:solidFill>
+                <a:effectLst/>
+                <a:latin typeface="+mn-lt"/>
+                <a:ea typeface="+mn-ea"/>
+                <a:cs typeface="+mn-cs"/>
+              </a:rPr>
+              <a:t>From looking at the image above we can see that the first two methods being called are </a:t>
+            </a:r>
+            <a:r>
+              <a:rPr lang="en-US" sz="1200" b="0" i="1" kern="1200" dirty="0" err="1" smtClean="0">
+                <a:solidFill>
+                  <a:schemeClr val="tx1"/>
+                </a:solidFill>
+                <a:effectLst/>
+                <a:latin typeface="+mn-lt"/>
+                <a:ea typeface="+mn-ea"/>
+                <a:cs typeface="+mn-cs"/>
+              </a:rPr>
+              <a:t>getDefaultProps</a:t>
+            </a:r>
+            <a:r>
+              <a:rPr lang="en-US" sz="1200" b="0" i="0" kern="1200" dirty="0" smtClean="0">
+                <a:solidFill>
+                  <a:schemeClr val="tx1"/>
+                </a:solidFill>
+                <a:effectLst/>
+                <a:latin typeface="+mn-lt"/>
+                <a:ea typeface="+mn-ea"/>
+                <a:cs typeface="+mn-cs"/>
+              </a:rPr>
+              <a:t> and </a:t>
+            </a:r>
+            <a:r>
+              <a:rPr lang="en-US" sz="1200" b="0" i="1" kern="1200" dirty="0" err="1" smtClean="0">
+                <a:solidFill>
+                  <a:schemeClr val="tx1"/>
+                </a:solidFill>
+                <a:effectLst/>
+                <a:latin typeface="+mn-lt"/>
+                <a:ea typeface="+mn-ea"/>
+                <a:cs typeface="+mn-cs"/>
+              </a:rPr>
+              <a:t>getInitialState</a:t>
+            </a:r>
+            <a:r>
+              <a:rPr lang="en-US" sz="1200" b="0" i="0" kern="1200" dirty="0" smtClean="0">
+                <a:solidFill>
+                  <a:schemeClr val="tx1"/>
+                </a:solidFill>
+                <a:effectLst/>
+                <a:latin typeface="+mn-lt"/>
+                <a:ea typeface="+mn-ea"/>
+                <a:cs typeface="+mn-cs"/>
+              </a:rPr>
+              <a:t>. Both methods are only called once when initially rendering the component.</a:t>
+            </a:r>
+          </a:p>
+          <a:p>
+            <a:r>
+              <a:rPr lang="en-US" sz="1200" b="0" i="0" kern="1200" dirty="0" smtClean="0">
+                <a:solidFill>
+                  <a:schemeClr val="tx1"/>
+                </a:solidFill>
+                <a:effectLst/>
+                <a:latin typeface="+mn-lt"/>
+                <a:ea typeface="+mn-ea"/>
+                <a:cs typeface="+mn-cs"/>
+              </a:rPr>
+              <a:t>The </a:t>
+            </a:r>
+            <a:r>
+              <a:rPr lang="en-US" sz="1200" b="1" i="1" kern="1200" dirty="0" err="1" smtClean="0">
+                <a:solidFill>
+                  <a:schemeClr val="tx1"/>
+                </a:solidFill>
+                <a:effectLst/>
+                <a:latin typeface="+mn-lt"/>
+                <a:ea typeface="+mn-ea"/>
+                <a:cs typeface="+mn-cs"/>
+              </a:rPr>
+              <a:t>getInitialState</a:t>
+            </a:r>
+            <a:r>
+              <a:rPr lang="en-US" sz="1200" b="0" i="0" kern="1200" dirty="0" smtClean="0">
+                <a:solidFill>
+                  <a:schemeClr val="tx1"/>
+                </a:solidFill>
+                <a:effectLst/>
+                <a:latin typeface="+mn-lt"/>
+                <a:ea typeface="+mn-ea"/>
+                <a:cs typeface="+mn-cs"/>
+              </a:rPr>
+              <a:t> method enables to set the initial state value, that is accessible inside the component via </a:t>
+            </a:r>
+            <a:r>
+              <a:rPr lang="en-US" sz="1200" b="0" i="1" kern="1200" dirty="0" err="1" smtClean="0">
+                <a:solidFill>
+                  <a:schemeClr val="tx1"/>
+                </a:solidFill>
+                <a:effectLst/>
+                <a:latin typeface="+mn-lt"/>
+                <a:ea typeface="+mn-ea"/>
+                <a:cs typeface="+mn-cs"/>
+              </a:rPr>
+              <a:t>this.state</a:t>
+            </a:r>
+            <a:r>
+              <a:rPr lang="en-US" sz="1200" b="0" i="0" kern="1200" dirty="0" smtClean="0">
+                <a:solidFill>
+                  <a:schemeClr val="tx1"/>
+                </a:solidFill>
+                <a:effectLst/>
+                <a:latin typeface="+mn-lt"/>
+                <a:ea typeface="+mn-ea"/>
+                <a:cs typeface="+mn-cs"/>
+              </a:rPr>
+              <a:t>.</a:t>
+            </a:r>
+          </a:p>
+          <a:p>
+            <a:r>
+              <a:rPr lang="en-US" sz="1200" b="0" i="0" kern="1200" dirty="0" err="1" smtClean="0">
+                <a:solidFill>
+                  <a:schemeClr val="tx1"/>
+                </a:solidFill>
+                <a:effectLst/>
+                <a:latin typeface="+mn-lt"/>
+                <a:ea typeface="+mn-ea"/>
+                <a:cs typeface="+mn-cs"/>
+              </a:rPr>
+              <a:t>getInitialState</a:t>
+            </a:r>
+            <a:r>
+              <a:rPr lang="en-US" sz="1200" b="1" i="0" kern="1200" dirty="0" smtClean="0">
+                <a:solidFill>
+                  <a:schemeClr val="tx1"/>
+                </a:solidFill>
+                <a:effectLst/>
+                <a:latin typeface="+mn-lt"/>
+                <a:ea typeface="+mn-ea"/>
+                <a:cs typeface="+mn-cs"/>
+              </a:rPr>
+              <a:t>:</a:t>
+            </a:r>
+            <a:r>
+              <a:rPr lang="en-US" sz="1200" b="0" i="0" kern="1200" dirty="0" smtClean="0">
+                <a:solidFill>
+                  <a:schemeClr val="tx1"/>
+                </a:solidFill>
+                <a:effectLst/>
+                <a:latin typeface="+mn-lt"/>
+                <a:ea typeface="+mn-ea"/>
+                <a:cs typeface="+mn-cs"/>
+              </a:rPr>
+              <a:t> </a:t>
+            </a:r>
+            <a:r>
+              <a:rPr lang="en-US" sz="1200" b="1" i="0" kern="1200" dirty="0" smtClean="0">
+                <a:solidFill>
+                  <a:schemeClr val="tx1"/>
+                </a:solidFill>
+                <a:effectLst/>
+                <a:latin typeface="+mn-lt"/>
+                <a:ea typeface="+mn-ea"/>
+                <a:cs typeface="+mn-cs"/>
+              </a:rPr>
+              <a:t>function</a:t>
+            </a:r>
+            <a:r>
+              <a:rPr lang="en-US" sz="1200" b="0" i="0" kern="1200" dirty="0" smtClean="0">
+                <a:solidFill>
+                  <a:schemeClr val="tx1"/>
+                </a:solidFill>
+                <a:effectLst/>
+                <a:latin typeface="+mn-lt"/>
+                <a:ea typeface="+mn-ea"/>
+                <a:cs typeface="+mn-cs"/>
+              </a:rPr>
+              <a:t>(){ </a:t>
+            </a:r>
+            <a:r>
+              <a:rPr lang="en-US" sz="1200" b="1" i="0" kern="1200" dirty="0" smtClean="0">
+                <a:solidFill>
+                  <a:schemeClr val="tx1"/>
+                </a:solidFill>
+                <a:effectLst/>
+                <a:latin typeface="+mn-lt"/>
+                <a:ea typeface="+mn-ea"/>
+                <a:cs typeface="+mn-cs"/>
+              </a:rPr>
+              <a:t>return</a:t>
+            </a:r>
+            <a:r>
+              <a:rPr lang="en-US" sz="1200" b="0" i="0" kern="1200" dirty="0" smtClean="0">
+                <a:solidFill>
+                  <a:schemeClr val="tx1"/>
+                </a:solidFill>
+                <a:effectLst/>
+                <a:latin typeface="+mn-lt"/>
+                <a:ea typeface="+mn-ea"/>
+                <a:cs typeface="+mn-cs"/>
+              </a:rPr>
+              <a:t> { </a:t>
+            </a:r>
+            <a:r>
+              <a:rPr lang="en-US" sz="1200" b="0" i="1" kern="1200" dirty="0" smtClean="0">
+                <a:solidFill>
+                  <a:schemeClr val="tx1"/>
+                </a:solidFill>
+                <a:effectLst/>
+                <a:latin typeface="+mn-lt"/>
+                <a:ea typeface="+mn-ea"/>
+                <a:cs typeface="+mn-cs"/>
+              </a:rPr>
+              <a:t>/* something here */</a:t>
+            </a:r>
+            <a:r>
+              <a:rPr lang="en-US" sz="1200" b="0" i="0" kern="1200" dirty="0" smtClean="0">
+                <a:solidFill>
+                  <a:schemeClr val="tx1"/>
+                </a:solidFill>
+                <a:effectLst/>
+                <a:latin typeface="+mn-lt"/>
+                <a:ea typeface="+mn-ea"/>
+                <a:cs typeface="+mn-cs"/>
+              </a:rPr>
+              <a:t>}; } </a:t>
+            </a:r>
+          </a:p>
+          <a:p>
+            <a:r>
+              <a:rPr lang="en-US" sz="1200" b="0" i="0" kern="1200" dirty="0" smtClean="0">
+                <a:solidFill>
+                  <a:schemeClr val="tx1"/>
+                </a:solidFill>
+                <a:effectLst/>
+                <a:latin typeface="+mn-lt"/>
+                <a:ea typeface="+mn-ea"/>
+                <a:cs typeface="+mn-cs"/>
+              </a:rPr>
+              <a:t>Analogously </a:t>
+            </a:r>
+            <a:r>
+              <a:rPr lang="en-US" sz="1200" b="1" i="1" kern="1200" dirty="0" err="1" smtClean="0">
+                <a:solidFill>
+                  <a:schemeClr val="tx1"/>
+                </a:solidFill>
+                <a:effectLst/>
+                <a:latin typeface="+mn-lt"/>
+                <a:ea typeface="+mn-ea"/>
+                <a:cs typeface="+mn-cs"/>
+              </a:rPr>
+              <a:t>getDefaultProps</a:t>
+            </a:r>
+            <a:r>
+              <a:rPr lang="en-US" sz="1200" b="0" i="0" kern="1200" dirty="0" smtClean="0">
+                <a:solidFill>
+                  <a:schemeClr val="tx1"/>
+                </a:solidFill>
+                <a:effectLst/>
+                <a:latin typeface="+mn-lt"/>
+                <a:ea typeface="+mn-ea"/>
+                <a:cs typeface="+mn-cs"/>
+              </a:rPr>
+              <a:t> can be used to define any default props which can be accessed via </a:t>
+            </a:r>
+            <a:r>
+              <a:rPr lang="en-US" sz="1200" b="0" i="1" kern="1200" dirty="0" err="1" smtClean="0">
+                <a:solidFill>
+                  <a:schemeClr val="tx1"/>
+                </a:solidFill>
+                <a:effectLst/>
+                <a:latin typeface="+mn-lt"/>
+                <a:ea typeface="+mn-ea"/>
+                <a:cs typeface="+mn-cs"/>
+              </a:rPr>
+              <a:t>this.props</a:t>
+            </a:r>
+            <a:r>
+              <a:rPr lang="en-US" sz="1200" b="0" i="0" kern="1200" dirty="0" smtClean="0">
+                <a:solidFill>
+                  <a:schemeClr val="tx1"/>
+                </a:solidFill>
+                <a:effectLst/>
+                <a:latin typeface="+mn-lt"/>
+                <a:ea typeface="+mn-ea"/>
+                <a:cs typeface="+mn-cs"/>
+              </a:rPr>
+              <a:t>.</a:t>
+            </a:r>
+          </a:p>
+          <a:p>
+            <a:r>
+              <a:rPr lang="en-US" sz="1200" b="0" i="0" kern="1200" dirty="0" err="1" smtClean="0">
+                <a:solidFill>
+                  <a:schemeClr val="tx1"/>
+                </a:solidFill>
+                <a:effectLst/>
+                <a:latin typeface="+mn-lt"/>
+                <a:ea typeface="+mn-ea"/>
+                <a:cs typeface="+mn-cs"/>
+              </a:rPr>
+              <a:t>getDefaultProps</a:t>
+            </a:r>
+            <a:r>
+              <a:rPr lang="en-US" sz="1200" b="1" i="0" kern="1200" dirty="0" smtClean="0">
+                <a:solidFill>
+                  <a:schemeClr val="tx1"/>
+                </a:solidFill>
+                <a:effectLst/>
+                <a:latin typeface="+mn-lt"/>
+                <a:ea typeface="+mn-ea"/>
+                <a:cs typeface="+mn-cs"/>
+              </a:rPr>
+              <a:t>:</a:t>
+            </a:r>
+            <a:r>
+              <a:rPr lang="en-US" sz="1200" b="0" i="0" kern="1200" dirty="0" smtClean="0">
+                <a:solidFill>
+                  <a:schemeClr val="tx1"/>
+                </a:solidFill>
+                <a:effectLst/>
+                <a:latin typeface="+mn-lt"/>
+                <a:ea typeface="+mn-ea"/>
+                <a:cs typeface="+mn-cs"/>
+              </a:rPr>
+              <a:t> </a:t>
+            </a:r>
+            <a:r>
+              <a:rPr lang="en-US" sz="1200" b="1" i="0" kern="1200" dirty="0" smtClean="0">
+                <a:solidFill>
+                  <a:schemeClr val="tx1"/>
+                </a:solidFill>
+                <a:effectLst/>
+                <a:latin typeface="+mn-lt"/>
+                <a:ea typeface="+mn-ea"/>
+                <a:cs typeface="+mn-cs"/>
+              </a:rPr>
+              <a:t>function</a:t>
+            </a:r>
+            <a:r>
+              <a:rPr lang="en-US" sz="1200" b="0" i="0" kern="1200" dirty="0" smtClean="0">
+                <a:solidFill>
+                  <a:schemeClr val="tx1"/>
+                </a:solidFill>
+                <a:effectLst/>
+                <a:latin typeface="+mn-lt"/>
+                <a:ea typeface="+mn-ea"/>
+                <a:cs typeface="+mn-cs"/>
+              </a:rPr>
+              <a:t>(){ </a:t>
+            </a:r>
+            <a:r>
+              <a:rPr lang="en-US" sz="1200" b="1" i="0" kern="1200" dirty="0" smtClean="0">
+                <a:solidFill>
+                  <a:schemeClr val="tx1"/>
+                </a:solidFill>
+                <a:effectLst/>
+                <a:latin typeface="+mn-lt"/>
+                <a:ea typeface="+mn-ea"/>
+                <a:cs typeface="+mn-cs"/>
+              </a:rPr>
+              <a:t>return</a:t>
+            </a:r>
+            <a:r>
+              <a:rPr lang="en-US" sz="1200" b="0" i="0" kern="1200" dirty="0" smtClean="0">
+                <a:solidFill>
+                  <a:schemeClr val="tx1"/>
+                </a:solidFill>
+                <a:effectLst/>
+                <a:latin typeface="+mn-lt"/>
+                <a:ea typeface="+mn-ea"/>
+                <a:cs typeface="+mn-cs"/>
+              </a:rPr>
+              <a:t> { </a:t>
+            </a:r>
+            <a:r>
+              <a:rPr lang="en-US" sz="1200" b="0" i="1" kern="1200" dirty="0" smtClean="0">
+                <a:solidFill>
+                  <a:schemeClr val="tx1"/>
+                </a:solidFill>
+                <a:effectLst/>
+                <a:latin typeface="+mn-lt"/>
+                <a:ea typeface="+mn-ea"/>
+                <a:cs typeface="+mn-cs"/>
+              </a:rPr>
+              <a:t>/* something here */</a:t>
+            </a:r>
+            <a:r>
+              <a:rPr lang="en-US" sz="1200" b="0" i="0" kern="1200" dirty="0" smtClean="0">
+                <a:solidFill>
+                  <a:schemeClr val="tx1"/>
+                </a:solidFill>
+                <a:effectLst/>
+                <a:latin typeface="+mn-lt"/>
+                <a:ea typeface="+mn-ea"/>
+                <a:cs typeface="+mn-cs"/>
+              </a:rPr>
+              <a:t>}; } </a:t>
+            </a:r>
+          </a:p>
+          <a:p>
+            <a:r>
+              <a:rPr lang="en-US" sz="1200" b="0" i="0" kern="1200" dirty="0" smtClean="0">
+                <a:solidFill>
+                  <a:schemeClr val="tx1"/>
+                </a:solidFill>
+                <a:effectLst/>
+                <a:latin typeface="+mn-lt"/>
+                <a:ea typeface="+mn-ea"/>
+                <a:cs typeface="+mn-cs"/>
+              </a:rPr>
+              <a:t>Another two methods that only get called when initializing a component are </a:t>
+            </a:r>
+            <a:r>
+              <a:rPr lang="en-US" sz="1200" b="0" i="1" kern="1200" dirty="0" err="1" smtClean="0">
+                <a:solidFill>
+                  <a:schemeClr val="tx1"/>
+                </a:solidFill>
+                <a:effectLst/>
+                <a:latin typeface="+mn-lt"/>
+                <a:ea typeface="+mn-ea"/>
+                <a:cs typeface="+mn-cs"/>
+              </a:rPr>
+              <a:t>componentWillMount</a:t>
+            </a:r>
+            <a:r>
+              <a:rPr lang="en-US" sz="1200" b="0" i="0" kern="1200" dirty="0" smtClean="0">
+                <a:solidFill>
+                  <a:schemeClr val="tx1"/>
+                </a:solidFill>
+                <a:effectLst/>
+                <a:latin typeface="+mn-lt"/>
+                <a:ea typeface="+mn-ea"/>
+                <a:cs typeface="+mn-cs"/>
+              </a:rPr>
+              <a:t> and </a:t>
+            </a:r>
+            <a:r>
+              <a:rPr lang="en-US" sz="1200" b="0" i="1" kern="1200" dirty="0" err="1" smtClean="0">
+                <a:solidFill>
+                  <a:schemeClr val="tx1"/>
+                </a:solidFill>
+                <a:effectLst/>
+                <a:latin typeface="+mn-lt"/>
+                <a:ea typeface="+mn-ea"/>
+                <a:cs typeface="+mn-cs"/>
+              </a:rPr>
+              <a:t>componentDidMount</a:t>
+            </a:r>
+            <a:r>
+              <a:rPr lang="en-US" sz="1200" b="0" i="0" kern="1200" dirty="0" smtClean="0">
+                <a:solidFill>
+                  <a:schemeClr val="tx1"/>
+                </a:solidFill>
+                <a:effectLst/>
+                <a:latin typeface="+mn-lt"/>
+                <a:ea typeface="+mn-ea"/>
+                <a:cs typeface="+mn-cs"/>
+              </a:rPr>
+              <a:t>.</a:t>
+            </a:r>
+          </a:p>
+          <a:p>
+            <a:r>
+              <a:rPr lang="en-US" sz="1200" b="1" i="1" kern="1200" dirty="0" err="1" smtClean="0">
+                <a:solidFill>
+                  <a:schemeClr val="tx1"/>
+                </a:solidFill>
+                <a:effectLst/>
+                <a:latin typeface="+mn-lt"/>
+                <a:ea typeface="+mn-ea"/>
+                <a:cs typeface="+mn-cs"/>
+              </a:rPr>
+              <a:t>componentWillMount</a:t>
+            </a:r>
+            <a:r>
+              <a:rPr lang="en-US" sz="1200" b="0" i="0" kern="1200" dirty="0" smtClean="0">
+                <a:solidFill>
+                  <a:schemeClr val="tx1"/>
+                </a:solidFill>
+                <a:effectLst/>
+                <a:latin typeface="+mn-lt"/>
+                <a:ea typeface="+mn-ea"/>
+                <a:cs typeface="+mn-cs"/>
+              </a:rPr>
+              <a:t> is called before the </a:t>
+            </a:r>
+            <a:r>
+              <a:rPr lang="en-US" sz="1200" b="0" i="1" kern="1200" dirty="0" smtClean="0">
+                <a:solidFill>
+                  <a:schemeClr val="tx1"/>
+                </a:solidFill>
+                <a:effectLst/>
+                <a:latin typeface="+mn-lt"/>
+                <a:ea typeface="+mn-ea"/>
+                <a:cs typeface="+mn-cs"/>
+              </a:rPr>
+              <a:t>render</a:t>
+            </a:r>
+            <a:r>
+              <a:rPr lang="en-US" sz="1200" b="0" i="0" kern="1200" dirty="0" smtClean="0">
+                <a:solidFill>
+                  <a:schemeClr val="tx1"/>
+                </a:solidFill>
+                <a:effectLst/>
+                <a:latin typeface="+mn-lt"/>
+                <a:ea typeface="+mn-ea"/>
+                <a:cs typeface="+mn-cs"/>
+              </a:rPr>
+              <a:t> method is executed. It is important to note that setting the state in this phase will not trigger a re-rendering.</a:t>
+            </a:r>
+          </a:p>
+          <a:p>
+            <a:r>
+              <a:rPr lang="en-US" sz="1200" b="0" i="0" kern="1200" dirty="0" smtClean="0">
+                <a:solidFill>
+                  <a:schemeClr val="tx1"/>
+                </a:solidFill>
+                <a:effectLst/>
+                <a:latin typeface="+mn-lt"/>
+                <a:ea typeface="+mn-ea"/>
+                <a:cs typeface="+mn-cs"/>
+              </a:rPr>
+              <a:t>The </a:t>
+            </a:r>
+            <a:r>
+              <a:rPr lang="en-US" sz="1200" b="1" i="1" kern="1200" dirty="0" smtClean="0">
+                <a:solidFill>
+                  <a:schemeClr val="tx1"/>
+                </a:solidFill>
+                <a:effectLst/>
+                <a:latin typeface="+mn-lt"/>
+                <a:ea typeface="+mn-ea"/>
+                <a:cs typeface="+mn-cs"/>
+              </a:rPr>
+              <a:t>render</a:t>
+            </a:r>
+            <a:r>
+              <a:rPr lang="en-US" sz="1200" b="0" i="0" kern="1200" dirty="0" smtClean="0">
+                <a:solidFill>
+                  <a:schemeClr val="tx1"/>
+                </a:solidFill>
+                <a:effectLst/>
+                <a:latin typeface="+mn-lt"/>
+                <a:ea typeface="+mn-ea"/>
+                <a:cs typeface="+mn-cs"/>
+              </a:rPr>
+              <a:t> method returns the needed component markup, which can be a single child component or null or false (in case you don't want any rendering).</a:t>
+            </a:r>
+          </a:p>
+          <a:p>
+            <a:r>
+              <a:rPr lang="en-US" sz="1200" b="0" i="0" kern="1200" dirty="0" smtClean="0">
+                <a:solidFill>
+                  <a:schemeClr val="tx1"/>
+                </a:solidFill>
+                <a:effectLst/>
+                <a:latin typeface="+mn-lt"/>
+                <a:ea typeface="+mn-ea"/>
+                <a:cs typeface="+mn-cs"/>
+              </a:rPr>
+              <a:t>This is the part of the lifecycle where props and state values are interpreted to create the correct output. Neither props nor state should </a:t>
+            </a:r>
+            <a:r>
+              <a:rPr lang="en-US" sz="1200" b="0" i="0" kern="1200" dirty="0" err="1" smtClean="0">
+                <a:solidFill>
+                  <a:schemeClr val="tx1"/>
+                </a:solidFill>
+                <a:effectLst/>
+                <a:latin typeface="+mn-lt"/>
+                <a:ea typeface="+mn-ea"/>
+                <a:cs typeface="+mn-cs"/>
+              </a:rPr>
+              <a:t>should</a:t>
+            </a:r>
+            <a:r>
+              <a:rPr lang="en-US" sz="1200" b="0" i="0" kern="1200" dirty="0" smtClean="0">
+                <a:solidFill>
+                  <a:schemeClr val="tx1"/>
+                </a:solidFill>
+                <a:effectLst/>
+                <a:latin typeface="+mn-lt"/>
+                <a:ea typeface="+mn-ea"/>
+                <a:cs typeface="+mn-cs"/>
+              </a:rPr>
+              <a:t> be modified inside this function. This is important to remember, as by definition the </a:t>
+            </a:r>
+            <a:r>
+              <a:rPr lang="en-US" sz="1200" b="0" i="1" kern="1200" dirty="0" smtClean="0">
+                <a:solidFill>
+                  <a:schemeClr val="tx1"/>
+                </a:solidFill>
+                <a:effectLst/>
+                <a:latin typeface="+mn-lt"/>
+                <a:ea typeface="+mn-ea"/>
+                <a:cs typeface="+mn-cs"/>
+              </a:rPr>
+              <a:t>render</a:t>
+            </a:r>
+            <a:r>
+              <a:rPr lang="en-US" sz="1200" b="0" i="0" kern="1200" dirty="0" smtClean="0">
+                <a:solidFill>
+                  <a:schemeClr val="tx1"/>
+                </a:solidFill>
+                <a:effectLst/>
+                <a:latin typeface="+mn-lt"/>
+                <a:ea typeface="+mn-ea"/>
+                <a:cs typeface="+mn-cs"/>
+              </a:rPr>
+              <a:t> function has to be pure, meaning that the same result is returned every time the method is invoked.</a:t>
+            </a:r>
+          </a:p>
+          <a:p>
+            <a:r>
+              <a:rPr lang="en-US" sz="1200" b="0" i="0" kern="1200" dirty="0" smtClean="0">
+                <a:solidFill>
+                  <a:schemeClr val="tx1"/>
+                </a:solidFill>
+                <a:effectLst/>
+                <a:latin typeface="+mn-lt"/>
+                <a:ea typeface="+mn-ea"/>
+                <a:cs typeface="+mn-cs"/>
+              </a:rPr>
+              <a:t>As soon as the render method has been executed the </a:t>
+            </a:r>
+            <a:r>
+              <a:rPr lang="en-US" sz="1200" b="1" i="1" kern="1200" dirty="0" err="1" smtClean="0">
+                <a:solidFill>
+                  <a:schemeClr val="tx1"/>
+                </a:solidFill>
+                <a:effectLst/>
+                <a:latin typeface="+mn-lt"/>
+                <a:ea typeface="+mn-ea"/>
+                <a:cs typeface="+mn-cs"/>
+              </a:rPr>
+              <a:t>componentDidMount</a:t>
+            </a:r>
+            <a:r>
+              <a:rPr lang="en-US" sz="1200" b="0" i="0" kern="1200" dirty="0" smtClean="0">
+                <a:solidFill>
+                  <a:schemeClr val="tx1"/>
+                </a:solidFill>
+                <a:effectLst/>
+                <a:latin typeface="+mn-lt"/>
+                <a:ea typeface="+mn-ea"/>
+                <a:cs typeface="+mn-cs"/>
+              </a:rPr>
+              <a:t> function is called. The DOM can be accessed in this method, enabling to define DOM manipulations or data fetching operations. Any DOM interactions should always happen in this phase not inside </a:t>
+            </a:r>
+            <a:r>
+              <a:rPr lang="en-US" sz="1200" b="0" i="0" kern="1200" dirty="0" err="1" smtClean="0">
+                <a:solidFill>
+                  <a:schemeClr val="tx1"/>
+                </a:solidFill>
+                <a:effectLst/>
+                <a:latin typeface="+mn-lt"/>
+                <a:ea typeface="+mn-ea"/>
+                <a:cs typeface="+mn-cs"/>
+              </a:rPr>
+              <a:t>the</a:t>
+            </a:r>
+            <a:r>
+              <a:rPr lang="en-US" sz="1200" b="0" i="1" kern="1200" dirty="0" err="1" smtClean="0">
+                <a:solidFill>
+                  <a:schemeClr val="tx1"/>
+                </a:solidFill>
+                <a:effectLst/>
+                <a:latin typeface="+mn-lt"/>
+                <a:ea typeface="+mn-ea"/>
+                <a:cs typeface="+mn-cs"/>
+              </a:rPr>
+              <a:t>render</a:t>
+            </a:r>
+            <a:r>
+              <a:rPr lang="en-US" sz="1200" b="0" i="0" kern="1200" smtClean="0">
+                <a:solidFill>
+                  <a:schemeClr val="tx1"/>
+                </a:solidFill>
+                <a:effectLst/>
+                <a:latin typeface="+mn-lt"/>
+                <a:ea typeface="+mn-ea"/>
+                <a:cs typeface="+mn-cs"/>
+              </a:rPr>
+              <a:t> method.</a:t>
+            </a:r>
+          </a:p>
+          <a:p>
+            <a:endParaRPr lang="en-US" baseline="0" dirty="0"/>
+          </a:p>
+        </p:txBody>
+      </p:sp>
+      <p:sp>
+        <p:nvSpPr>
+          <p:cNvPr id="4" name="Slide Number Placeholder 3"/>
+          <p:cNvSpPr>
+            <a:spLocks noGrp="1"/>
+          </p:cNvSpPr>
+          <p:nvPr>
+            <p:ph type="sldNum" sz="quarter" idx="10"/>
+          </p:nvPr>
+        </p:nvSpPr>
+        <p:spPr/>
+        <p:txBody>
+          <a:bodyPr/>
+          <a:lstStyle/>
+          <a:p>
+            <a:fld id="{47CA5B65-C32E-4594-82B5-5B950CCEF23B}" type="slidenum">
+              <a:rPr lang="en-US" smtClean="0"/>
+              <a:t>25</a:t>
+            </a:fld>
+            <a:endParaRPr lang="en-US"/>
+          </a:p>
+        </p:txBody>
+      </p:sp>
+    </p:spTree>
+    <p:extLst>
+      <p:ext uri="{BB962C8B-B14F-4D97-AF65-F5344CB8AC3E}">
+        <p14:creationId xmlns:p14="http://schemas.microsoft.com/office/powerpoint/2010/main" val="3704078898"/>
+      </p:ext>
+    </p:extLst>
+  </p:cSld>
+  <p:clrMapOvr>
+    <a:masterClrMapping/>
+  </p:clrMapOvr>
+</p:notes>
+</file>
+
+<file path=ppt/notesSlides/notesSlide21.xml><?xml version="1.0" encoding="utf-8"?>
+<p:notes xmlns:a="http://schemas.openxmlformats.org/drawingml/2006/main" xmlns:r="http://schemas.openxmlformats.org/officeDocument/2006/relationships" xmlns:p="http://schemas.openxmlformats.org/presentationml/2006/main">
+  <p:cSld>
+    <p:spTree>
+      <p:nvGrpSpPr>
+        <p:cNvPr id="1" name=""/>
+        <p:cNvGrpSpPr/>
+        <p:nvPr/>
+      </p:nvGrpSpPr>
+      <p:grpSpPr>
+        <a:xfrm>
+          <a:off x="0" y="0"/>
+          <a:ext cx="0" cy="0"/>
+          <a:chOff x="0" y="0"/>
+          <a:chExt cx="0" cy="0"/>
+        </a:xfrm>
+      </p:grpSpPr>
+      <p:sp>
+        <p:nvSpPr>
+          <p:cNvPr id="2" name="Slide Image Placeholder 1"/>
+          <p:cNvSpPr>
+            <a:spLocks noGrp="1" noRot="1" noChangeAspect="1"/>
+          </p:cNvSpPr>
+          <p:nvPr>
+            <p:ph type="sldImg"/>
+          </p:nvPr>
+        </p:nvSpPr>
+        <p:spPr/>
+      </p:sp>
+      <p:sp>
+        <p:nvSpPr>
+          <p:cNvPr id="3" name="Notes Placeholder 2"/>
+          <p:cNvSpPr>
+            <a:spLocks noGrp="1"/>
+          </p:cNvSpPr>
+          <p:nvPr>
+            <p:ph type="body" idx="1"/>
+          </p:nvPr>
+        </p:nvSpPr>
+        <p:spPr/>
+        <p:txBody>
+          <a:bodyPr/>
+          <a:lstStyle/>
+          <a:p>
+            <a:r>
+              <a:rPr lang="en-US" sz="1200" b="0" i="0" kern="1200" dirty="0" smtClean="0">
+                <a:solidFill>
+                  <a:schemeClr val="tx1"/>
+                </a:solidFill>
+                <a:effectLst/>
+                <a:latin typeface="+mn-lt"/>
+                <a:ea typeface="+mn-ea"/>
+                <a:cs typeface="+mn-cs"/>
+              </a:rPr>
+              <a:t>The only method we haven't touched yet is the </a:t>
+            </a:r>
+            <a:r>
+              <a:rPr lang="en-US" sz="1200" b="0" i="1" kern="1200" dirty="0" err="1" smtClean="0">
+                <a:solidFill>
+                  <a:schemeClr val="tx1"/>
+                </a:solidFill>
+                <a:effectLst/>
+                <a:latin typeface="+mn-lt"/>
+                <a:ea typeface="+mn-ea"/>
+                <a:cs typeface="+mn-cs"/>
+              </a:rPr>
+              <a:t>componentWillUnmount</a:t>
+            </a:r>
+            <a:r>
+              <a:rPr lang="en-US" sz="1200" b="0" i="0" kern="1200" dirty="0" smtClean="0">
+                <a:solidFill>
+                  <a:schemeClr val="tx1"/>
+                </a:solidFill>
+                <a:effectLst/>
+                <a:latin typeface="+mn-lt"/>
+                <a:ea typeface="+mn-ea"/>
+                <a:cs typeface="+mn-cs"/>
+              </a:rPr>
+              <a:t> which gets called before the component is removed from the DOM. This method can be beneficial when needing to perform clean up operations, </a:t>
+            </a:r>
+            <a:r>
+              <a:rPr lang="en-US" sz="1200" b="0" i="0" kern="1200" dirty="0" err="1" smtClean="0">
+                <a:solidFill>
+                  <a:schemeClr val="tx1"/>
+                </a:solidFill>
+                <a:effectLst/>
+                <a:latin typeface="+mn-lt"/>
+                <a:ea typeface="+mn-ea"/>
+                <a:cs typeface="+mn-cs"/>
+              </a:rPr>
+              <a:t>f.e</a:t>
+            </a:r>
+            <a:r>
+              <a:rPr lang="en-US" sz="1200" b="0" i="0" kern="1200" dirty="0" smtClean="0">
+                <a:solidFill>
+                  <a:schemeClr val="tx1"/>
+                </a:solidFill>
+                <a:effectLst/>
+                <a:latin typeface="+mn-lt"/>
+                <a:ea typeface="+mn-ea"/>
+                <a:cs typeface="+mn-cs"/>
+              </a:rPr>
+              <a:t>. removing any timers defined in </a:t>
+            </a:r>
+            <a:r>
+              <a:rPr lang="en-US" sz="1200" b="0" i="1" kern="1200" dirty="0" err="1" smtClean="0">
+                <a:solidFill>
+                  <a:schemeClr val="tx1"/>
+                </a:solidFill>
+                <a:effectLst/>
+                <a:latin typeface="+mn-lt"/>
+                <a:ea typeface="+mn-ea"/>
+                <a:cs typeface="+mn-cs"/>
+              </a:rPr>
+              <a:t>componentDidMount</a:t>
+            </a:r>
+            <a:r>
+              <a:rPr lang="en-US" sz="1200" b="0" i="0" kern="1200" dirty="0" smtClean="0">
+                <a:solidFill>
+                  <a:schemeClr val="tx1"/>
+                </a:solidFill>
+                <a:effectLst/>
+                <a:latin typeface="+mn-lt"/>
+                <a:ea typeface="+mn-ea"/>
+                <a:cs typeface="+mn-cs"/>
+              </a:rPr>
+              <a:t>.</a:t>
+            </a:r>
+          </a:p>
+          <a:p>
+            <a:r>
+              <a:rPr lang="en-US" sz="1200" b="0" i="0" kern="1200" smtClean="0">
+                <a:solidFill>
+                  <a:schemeClr val="tx1"/>
+                </a:solidFill>
+                <a:effectLst/>
+                <a:latin typeface="+mn-lt"/>
+                <a:ea typeface="+mn-ea"/>
+                <a:cs typeface="+mn-cs"/>
+              </a:rPr>
+              <a:t>Check the </a:t>
+            </a:r>
+            <a:r>
+              <a:rPr lang="en-US" sz="1200" b="0" i="0" kern="1200" smtClean="0">
+                <a:solidFill>
+                  <a:schemeClr val="tx1"/>
+                </a:solidFill>
+                <a:effectLst/>
+                <a:latin typeface="+mn-lt"/>
+                <a:ea typeface="+mn-ea"/>
+                <a:cs typeface="+mn-cs"/>
+                <a:hlinkClick r:id="rId3"/>
+              </a:rPr>
+              <a:t>code</a:t>
+            </a:r>
+            <a:r>
+              <a:rPr lang="en-US" sz="1200" b="0" i="0" kern="1200" smtClean="0">
+                <a:solidFill>
+                  <a:schemeClr val="tx1"/>
+                </a:solidFill>
+                <a:effectLst/>
+                <a:latin typeface="+mn-lt"/>
+                <a:ea typeface="+mn-ea"/>
+                <a:cs typeface="+mn-cs"/>
+              </a:rPr>
+              <a:t> example for a more detailed insight.</a:t>
+            </a:r>
+            <a:endParaRPr lang="en-US" sz="1200" b="0" i="0" kern="1200">
+              <a:solidFill>
+                <a:schemeClr val="tx1"/>
+              </a:solidFill>
+              <a:effectLst/>
+              <a:latin typeface="+mn-lt"/>
+              <a:ea typeface="+mn-ea"/>
+              <a:cs typeface="+mn-cs"/>
+            </a:endParaRPr>
+          </a:p>
+        </p:txBody>
+      </p:sp>
+      <p:sp>
+        <p:nvSpPr>
+          <p:cNvPr id="4" name="Slide Number Placeholder 3"/>
+          <p:cNvSpPr>
+            <a:spLocks noGrp="1"/>
+          </p:cNvSpPr>
+          <p:nvPr>
+            <p:ph type="sldNum" sz="quarter" idx="10"/>
+          </p:nvPr>
+        </p:nvSpPr>
+        <p:spPr/>
+        <p:txBody>
+          <a:bodyPr/>
+          <a:lstStyle/>
+          <a:p>
+            <a:fld id="{47CA5B65-C32E-4594-82B5-5B950CCEF23B}" type="slidenum">
+              <a:rPr lang="en-US" smtClean="0"/>
+              <a:t>26</a:t>
+            </a:fld>
+            <a:endParaRPr lang="en-US"/>
+          </a:p>
+        </p:txBody>
+      </p:sp>
+    </p:spTree>
+    <p:extLst>
+      <p:ext uri="{BB962C8B-B14F-4D97-AF65-F5344CB8AC3E}">
+        <p14:creationId xmlns:p14="http://schemas.microsoft.com/office/powerpoint/2010/main" val="3704078898"/>
       </p:ext>
     </p:extLst>
   </p:cSld>
@@ -4280,7 +6462,7 @@
             <a:fld id="{1D8BD707-D9CF-40AE-B4C6-C98DA3205C09}" type="datetimeFigureOut">
               <a:rPr lang="en-US" smtClean="0"/>
               <a:pPr/>
-              <a:t>12/14/2015</a:t>
+              <a:t>12/15/2015</a:t>
             </a:fld>
             <a:endParaRPr lang="en-US"/>
           </a:p>
@@ -4507,7 +6689,7 @@
             <a:fld id="{1D8BD707-D9CF-40AE-B4C6-C98DA3205C09}" type="datetimeFigureOut">
               <a:rPr lang="en-US" smtClean="0"/>
               <a:pPr/>
-              <a:t>12/14/2015</a:t>
+              <a:t>12/15/2015</a:t>
             </a:fld>
             <a:endParaRPr lang="en-US"/>
           </a:p>
@@ -4734,7 +6916,7 @@
             <a:fld id="{1D8BD707-D9CF-40AE-B4C6-C98DA3205C09}" type="datetimeFigureOut">
               <a:rPr lang="en-US" smtClean="0"/>
               <a:pPr/>
-              <a:t>12/14/2015</a:t>
+              <a:t>12/15/2015</a:t>
             </a:fld>
             <a:endParaRPr lang="en-US"/>
           </a:p>
@@ -4933,7 +7115,7 @@
             <a:fld id="{1D8BD707-D9CF-40AE-B4C6-C98DA3205C09}" type="datetimeFigureOut">
               <a:rPr lang="en-US" smtClean="0"/>
               <a:pPr/>
-              <a:t>12/14/2015</a:t>
+              <a:t>12/15/2015</a:t>
             </a:fld>
             <a:endParaRPr lang="en-US"/>
           </a:p>
@@ -5132,7 +7314,7 @@
             <a:fld id="{1D8BD707-D9CF-40AE-B4C6-C98DA3205C09}" type="datetimeFigureOut">
               <a:rPr lang="en-US" smtClean="0"/>
               <a:pPr/>
-              <a:t>12/14/2015</a:t>
+              <a:t>12/15/2015</a:t>
             </a:fld>
             <a:endParaRPr lang="en-US"/>
           </a:p>
@@ -5358,7 +7540,7 @@
             <a:fld id="{1D8BD707-D9CF-40AE-B4C6-C98DA3205C09}" type="datetimeFigureOut">
               <a:rPr lang="en-US" smtClean="0"/>
               <a:pPr/>
-              <a:t>12/14/2015</a:t>
+              <a:t>12/15/2015</a:t>
             </a:fld>
             <a:endParaRPr lang="en-US"/>
           </a:p>
@@ -5597,7 +7779,7 @@
             <a:fld id="{1D8BD707-D9CF-40AE-B4C6-C98DA3205C09}" type="datetimeFigureOut">
               <a:rPr lang="en-US" smtClean="0"/>
               <a:pPr/>
-              <a:t>12/14/2015</a:t>
+              <a:t>12/15/2015</a:t>
             </a:fld>
             <a:endParaRPr lang="en-US"/>
           </a:p>
@@ -5932,7 +8114,7 @@
             <a:fld id="{1D8BD707-D9CF-40AE-B4C6-C98DA3205C09}" type="datetimeFigureOut">
               <a:rPr lang="en-US" smtClean="0"/>
               <a:pPr/>
-              <a:t>12/14/2015</a:t>
+              <a:t>12/15/2015</a:t>
             </a:fld>
             <a:endParaRPr lang="en-US"/>
           </a:p>
@@ -6402,7 +8584,7 @@
             <a:fld id="{1D8BD707-D9CF-40AE-B4C6-C98DA3205C09}" type="datetimeFigureOut">
               <a:rPr lang="en-US" smtClean="0"/>
               <a:pPr/>
-              <a:t>12/14/2015</a:t>
+              <a:t>12/15/2015</a:t>
             </a:fld>
             <a:endParaRPr lang="en-US"/>
           </a:p>
@@ -6567,7 +8749,7 @@
             <a:fld id="{1D8BD707-D9CF-40AE-B4C6-C98DA3205C09}" type="datetimeFigureOut">
               <a:rPr lang="en-US" smtClean="0"/>
               <a:pPr/>
-              <a:t>12/14/2015</a:t>
+              <a:t>12/15/2015</a:t>
             </a:fld>
             <a:endParaRPr lang="en-US"/>
           </a:p>
@@ -6709,7 +8891,7 @@
             <a:fld id="{1D8BD707-D9CF-40AE-B4C6-C98DA3205C09}" type="datetimeFigureOut">
               <a:rPr lang="en-US" smtClean="0"/>
               <a:pPr/>
-              <a:t>12/14/2015</a:t>
+              <a:t>12/15/2015</a:t>
             </a:fld>
             <a:endParaRPr lang="en-US"/>
           </a:p>
@@ -7033,7 +9215,7 @@
             <a:fld id="{1D8BD707-D9CF-40AE-B4C6-C98DA3205C09}" type="datetimeFigureOut">
               <a:rPr lang="en-US" smtClean="0"/>
               <a:pPr/>
-              <a:t>12/14/2015</a:t>
+              <a:t>12/15/2015</a:t>
             </a:fld>
             <a:endParaRPr lang="en-US"/>
           </a:p>
@@ -7338,7 +9520,7 @@
             <a:fld id="{1D8BD707-D9CF-40AE-B4C6-C98DA3205C09}" type="datetimeFigureOut">
               <a:rPr lang="en-US" smtClean="0"/>
               <a:pPr/>
-              <a:t>12/14/2015</a:t>
+              <a:t>12/15/2015</a:t>
             </a:fld>
             <a:endParaRPr lang="en-US"/>
           </a:p>
@@ -7883,7 +10065,7 @@
             <a:fld id="{1D8BD707-D9CF-40AE-B4C6-C98DA3205C09}" type="datetimeFigureOut">
               <a:rPr lang="en-US" smtClean="0"/>
               <a:pPr/>
-              <a:t>12/14/2015</a:t>
+              <a:t>12/15/2015</a:t>
             </a:fld>
             <a:endParaRPr lang="en-US"/>
           </a:p>
@@ -14024,7 +16206,6 @@
               <a:rPr lang="en-US" dirty="0"/>
               <a:t>Render</a:t>
             </a:r>
-            <a:endParaRPr lang="en-US" dirty="0"/>
           </a:p>
         </p:txBody>
       </p:sp>
@@ -14058,11 +16239,6 @@
               </a:rPr>
               <a:t>DOM</a:t>
             </a:r>
-            <a:endParaRPr lang="en-US" sz="1200" dirty="0">
-              <a:latin typeface="Tahoma" panose="020B0604030504040204" pitchFamily="34" charset="0"/>
-              <a:ea typeface="Tahoma" panose="020B0604030504040204" pitchFamily="34" charset="0"/>
-              <a:cs typeface="Tahoma" panose="020B0604030504040204" pitchFamily="34" charset="0"/>
-            </a:endParaRPr>
           </a:p>
         </p:txBody>
       </p:sp>
@@ -17395,6 +19571,10 @@
               </a:spcAft>
             </a:pPr>
             <a:r>
+              <a:rPr lang="en-US" sz="2400" dirty="0" smtClean="0"/>
+              <a:t>Combining smaller components inside a component</a:t>
+            </a:r>
+            <a:r>
               <a:rPr lang="en-US" sz="2400" dirty="0"/>
               <a:t> </a:t>
             </a:r>
@@ -17426,10 +19606,1617 @@
           </a:p>
         </p:txBody>
       </p:sp>
+      <p:pic>
+        <p:nvPicPr>
+          <p:cNvPr id="1028" name="Picture 4"/>
+          <p:cNvPicPr>
+            <a:picLocks noChangeAspect="1" noChangeArrowheads="1"/>
+          </p:cNvPicPr>
+          <p:nvPr/>
+        </p:nvPicPr>
+        <p:blipFill>
+          <a:blip r:embed="rId3">
+            <a:extLst>
+              <a:ext uri="{28A0092B-C50C-407E-A947-70E740481C1C}">
+                <a14:useLocalDpi xmlns:a14="http://schemas.microsoft.com/office/drawing/2010/main" val="0"/>
+              </a:ext>
+            </a:extLst>
+          </a:blip>
+          <a:srcRect/>
+          <a:stretch>
+            <a:fillRect/>
+          </a:stretch>
+        </p:blipFill>
+        <p:spPr bwMode="auto">
+          <a:xfrm>
+            <a:off x="1936468" y="2801143"/>
+            <a:ext cx="5118662" cy="2542382"/>
+          </a:xfrm>
+          <a:prstGeom prst="rect">
+            <a:avLst/>
+          </a:prstGeom>
+          <a:noFill/>
+          <a:ln>
+            <a:noFill/>
+          </a:ln>
+          <a:effectLst/>
+          <a:extLst>
+            <a:ext uri="{909E8E84-426E-40DD-AFC4-6F175D3DCCD1}">
+              <a14:hiddenFill xmlns:a14="http://schemas.microsoft.com/office/drawing/2010/main">
+                <a:solidFill>
+                  <a:schemeClr val="accent1"/>
+                </a:solidFill>
+              </a14:hiddenFill>
+            </a:ext>
+            <a:ext uri="{91240B29-F687-4F45-9708-019B960494DF}">
+              <a14:hiddenLine xmlns:a14="http://schemas.microsoft.com/office/drawing/2010/main" w="9525">
+                <a:solidFill>
+                  <a:schemeClr val="tx1"/>
+                </a:solidFill>
+                <a:miter lim="800000"/>
+                <a:headEnd/>
+                <a:tailEnd/>
+              </a14:hiddenLine>
+            </a:ext>
+            <a:ext uri="{AF507438-7753-43E0-B8FC-AC1667EBCBE1}">
+              <a14:hiddenEffects xmlns:a14="http://schemas.microsoft.com/office/drawing/2010/main">
+                <a:effectLst>
+                  <a:outerShdw dist="35921" dir="2700000" algn="ctr" rotWithShape="0">
+                    <a:schemeClr val="bg2"/>
+                  </a:outerShdw>
+                </a:effectLst>
+              </a14:hiddenEffects>
+            </a:ext>
+          </a:extLst>
+        </p:spPr>
+      </p:pic>
     </p:spTree>
     <p:extLst>
       <p:ext uri="{BB962C8B-B14F-4D97-AF65-F5344CB8AC3E}">
         <p14:creationId xmlns:p14="http://schemas.microsoft.com/office/powerpoint/2010/main" val="1244385372"/>
+      </p:ext>
+    </p:extLst>
+  </p:cSld>
+  <p:clrMapOvr>
+    <a:masterClrMapping/>
+  </p:clrMapOvr>
+  <p:timing>
+    <p:tnLst>
+      <p:par>
+        <p:cTn id="1" dur="indefinite" restart="never" nodeType="tmRoot"/>
+      </p:par>
+    </p:tnLst>
+  </p:timing>
+</p:sld>
+</file>
+
+<file path=ppt/slides/slide22.xml><?xml version="1.0" encoding="utf-8"?>
+<p:sld xmlns:a="http://schemas.openxmlformats.org/drawingml/2006/main" xmlns:r="http://schemas.openxmlformats.org/officeDocument/2006/relationships" xmlns:p="http://schemas.openxmlformats.org/presentationml/2006/main">
+  <p:cSld>
+    <p:spTree>
+      <p:nvGrpSpPr>
+        <p:cNvPr id="1" name=""/>
+        <p:cNvGrpSpPr/>
+        <p:nvPr/>
+      </p:nvGrpSpPr>
+      <p:grpSpPr>
+        <a:xfrm>
+          <a:off x="0" y="0"/>
+          <a:ext cx="0" cy="0"/>
+          <a:chOff x="0" y="0"/>
+          <a:chExt cx="0" cy="0"/>
+        </a:xfrm>
+      </p:grpSpPr>
+      <p:sp>
+        <p:nvSpPr>
+          <p:cNvPr id="2" name="Title 1"/>
+          <p:cNvSpPr>
+            <a:spLocks noGrp="1"/>
+          </p:cNvSpPr>
+          <p:nvPr>
+            <p:ph type="title"/>
+          </p:nvPr>
+        </p:nvSpPr>
+        <p:spPr/>
+        <p:txBody>
+          <a:bodyPr/>
+          <a:lstStyle/>
+          <a:p>
+            <a:r>
+              <a:rPr lang="en-US" dirty="0" smtClean="0"/>
+              <a:t>React Life Cycle</a:t>
+            </a:r>
+            <a:endParaRPr lang="en-US" dirty="0"/>
+          </a:p>
+        </p:txBody>
+      </p:sp>
+      <p:sp>
+        <p:nvSpPr>
+          <p:cNvPr id="3" name="Rectangle 5"/>
+          <p:cNvSpPr txBox="1">
+            <a:spLocks noChangeArrowheads="1"/>
+          </p:cNvSpPr>
+          <p:nvPr/>
+        </p:nvSpPr>
+        <p:spPr>
+          <a:xfrm>
+            <a:off x="457993" y="1600200"/>
+            <a:ext cx="8075613" cy="4525963"/>
+          </a:xfrm>
+          <a:prstGeom prst="rect">
+            <a:avLst/>
+          </a:prstGeom>
+          <a:noFill/>
+          <a:ln/>
+        </p:spPr>
+        <p:txBody>
+          <a:bodyPr/>
+          <a:lstStyle>
+            <a:lvl1pPr marL="342900" indent="-342900" algn="l" rtl="0" eaLnBrk="1" fontAlgn="base" hangingPunct="1">
+              <a:spcBef>
+                <a:spcPct val="20000"/>
+              </a:spcBef>
+              <a:spcAft>
+                <a:spcPct val="0"/>
+              </a:spcAft>
+              <a:buClr>
+                <a:schemeClr val="hlink"/>
+              </a:buClr>
+              <a:buFont typeface="Wingdings" pitchFamily="2" charset="2"/>
+              <a:buChar char="v"/>
+              <a:defRPr sz="2800" b="1">
+                <a:solidFill>
+                  <a:schemeClr val="tx1"/>
+                </a:solidFill>
+                <a:latin typeface="Tahoma" pitchFamily="34" charset="0"/>
+                <a:ea typeface="+mn-ea"/>
+                <a:cs typeface="Tahoma" pitchFamily="34" charset="0"/>
+              </a:defRPr>
+            </a:lvl1pPr>
+            <a:lvl2pPr marL="742950" indent="-285750" algn="l" rtl="0" eaLnBrk="1" fontAlgn="base" hangingPunct="1">
+              <a:spcBef>
+                <a:spcPct val="20000"/>
+              </a:spcBef>
+              <a:spcAft>
+                <a:spcPct val="0"/>
+              </a:spcAft>
+              <a:buClr>
+                <a:schemeClr val="accent1"/>
+              </a:buClr>
+              <a:buFont typeface="Wingdings" pitchFamily="2" charset="2"/>
+              <a:buChar char="§"/>
+              <a:defRPr sz="2800">
+                <a:solidFill>
+                  <a:schemeClr val="tx1"/>
+                </a:solidFill>
+                <a:latin typeface="Tahoma" pitchFamily="34" charset="0"/>
+                <a:cs typeface="Tahoma" pitchFamily="34" charset="0"/>
+              </a:defRPr>
+            </a:lvl2pPr>
+            <a:lvl3pPr marL="1143000" indent="-228600" algn="l" rtl="0" eaLnBrk="1" fontAlgn="base" hangingPunct="1">
+              <a:spcBef>
+                <a:spcPct val="20000"/>
+              </a:spcBef>
+              <a:spcAft>
+                <a:spcPct val="0"/>
+              </a:spcAft>
+              <a:buClr>
+                <a:schemeClr val="tx1"/>
+              </a:buClr>
+              <a:buChar char="•"/>
+              <a:defRPr sz="2400">
+                <a:solidFill>
+                  <a:schemeClr val="tx1"/>
+                </a:solidFill>
+                <a:latin typeface="Tahoma" pitchFamily="34" charset="0"/>
+                <a:cs typeface="Tahoma" pitchFamily="34" charset="0"/>
+              </a:defRPr>
+            </a:lvl3pPr>
+            <a:lvl4pPr marL="1600200" indent="-228600" algn="l" rtl="0" eaLnBrk="1" fontAlgn="base" hangingPunct="1">
+              <a:spcBef>
+                <a:spcPct val="20000"/>
+              </a:spcBef>
+              <a:spcAft>
+                <a:spcPct val="0"/>
+              </a:spcAft>
+              <a:buChar char="–"/>
+              <a:defRPr sz="2000">
+                <a:solidFill>
+                  <a:schemeClr val="tx1"/>
+                </a:solidFill>
+                <a:latin typeface="Tahoma" pitchFamily="34" charset="0"/>
+                <a:cs typeface="Tahoma" pitchFamily="34" charset="0"/>
+              </a:defRPr>
+            </a:lvl4pPr>
+            <a:lvl5pPr marL="2057400" indent="-228600" algn="l" rtl="0" eaLnBrk="1" fontAlgn="base" hangingPunct="1">
+              <a:spcBef>
+                <a:spcPct val="20000"/>
+              </a:spcBef>
+              <a:spcAft>
+                <a:spcPct val="0"/>
+              </a:spcAft>
+              <a:buChar char="»"/>
+              <a:defRPr sz="2000">
+                <a:solidFill>
+                  <a:schemeClr val="tx1"/>
+                </a:solidFill>
+                <a:latin typeface="Tahoma" pitchFamily="34" charset="0"/>
+                <a:cs typeface="Tahoma" pitchFamily="34" charset="0"/>
+              </a:defRPr>
+            </a:lvl5pPr>
+            <a:lvl6pPr marL="2514600" indent="-228600" algn="l" rtl="0" eaLnBrk="1" fontAlgn="base" hangingPunct="1">
+              <a:spcBef>
+                <a:spcPct val="20000"/>
+              </a:spcBef>
+              <a:spcAft>
+                <a:spcPct val="0"/>
+              </a:spcAft>
+              <a:buChar char="»"/>
+              <a:defRPr sz="2000">
+                <a:solidFill>
+                  <a:schemeClr val="tx1"/>
+                </a:solidFill>
+                <a:latin typeface="Arial" charset="0"/>
+              </a:defRPr>
+            </a:lvl6pPr>
+            <a:lvl7pPr marL="2971800" indent="-228600" algn="l" rtl="0" eaLnBrk="1" fontAlgn="base" hangingPunct="1">
+              <a:spcBef>
+                <a:spcPct val="20000"/>
+              </a:spcBef>
+              <a:spcAft>
+                <a:spcPct val="0"/>
+              </a:spcAft>
+              <a:buChar char="»"/>
+              <a:defRPr sz="2000">
+                <a:solidFill>
+                  <a:schemeClr val="tx1"/>
+                </a:solidFill>
+                <a:latin typeface="Arial" charset="0"/>
+              </a:defRPr>
+            </a:lvl7pPr>
+            <a:lvl8pPr marL="3429000" indent="-228600" algn="l" rtl="0" eaLnBrk="1" fontAlgn="base" hangingPunct="1">
+              <a:spcBef>
+                <a:spcPct val="20000"/>
+              </a:spcBef>
+              <a:spcAft>
+                <a:spcPct val="0"/>
+              </a:spcAft>
+              <a:buChar char="»"/>
+              <a:defRPr sz="2000">
+                <a:solidFill>
+                  <a:schemeClr val="tx1"/>
+                </a:solidFill>
+                <a:latin typeface="Arial" charset="0"/>
+              </a:defRPr>
+            </a:lvl8pPr>
+            <a:lvl9pPr marL="3886200" indent="-228600" algn="l" rtl="0" eaLnBrk="1" fontAlgn="base" hangingPunct="1">
+              <a:spcBef>
+                <a:spcPct val="20000"/>
+              </a:spcBef>
+              <a:spcAft>
+                <a:spcPct val="0"/>
+              </a:spcAft>
+              <a:buChar char="»"/>
+              <a:defRPr sz="2000">
+                <a:solidFill>
+                  <a:schemeClr val="tx1"/>
+                </a:solidFill>
+                <a:latin typeface="Arial" charset="0"/>
+              </a:defRPr>
+            </a:lvl9pPr>
+          </a:lstStyle>
+          <a:p>
+            <a:pPr lvl="1">
+              <a:spcAft>
+                <a:spcPts val="600"/>
+              </a:spcAft>
+            </a:pPr>
+            <a:r>
+              <a:rPr lang="en-US" sz="2400" dirty="0" smtClean="0"/>
+              <a:t>Initialization</a:t>
+            </a:r>
+          </a:p>
+          <a:p>
+            <a:pPr lvl="1">
+              <a:spcAft>
+                <a:spcPts val="600"/>
+              </a:spcAft>
+            </a:pPr>
+            <a:r>
+              <a:rPr lang="en-US" sz="2400" dirty="0">
+                <a:sym typeface="Wingdings" panose="05000000000000000000" pitchFamily="2" charset="2"/>
+              </a:rPr>
+              <a:t>State Changes</a:t>
+            </a:r>
+          </a:p>
+          <a:p>
+            <a:pPr lvl="1">
+              <a:spcAft>
+                <a:spcPts val="600"/>
+              </a:spcAft>
+            </a:pPr>
+            <a:r>
+              <a:rPr lang="en-US" sz="2400" dirty="0">
+                <a:sym typeface="Wingdings" panose="05000000000000000000" pitchFamily="2" charset="2"/>
+              </a:rPr>
+              <a:t>Props Changes</a:t>
+            </a:r>
+          </a:p>
+          <a:p>
+            <a:pPr lvl="1">
+              <a:spcAft>
+                <a:spcPts val="600"/>
+              </a:spcAft>
+            </a:pPr>
+            <a:r>
+              <a:rPr lang="en-US" sz="2400" dirty="0" err="1">
+                <a:sym typeface="Wingdings" panose="05000000000000000000" pitchFamily="2" charset="2"/>
+              </a:rPr>
+              <a:t>Unmounting</a:t>
+            </a:r>
+            <a:endParaRPr lang="en-US" sz="2400" dirty="0">
+              <a:sym typeface="Wingdings" panose="05000000000000000000" pitchFamily="2" charset="2"/>
+            </a:endParaRPr>
+          </a:p>
+          <a:p>
+            <a:pPr lvl="1">
+              <a:spcAft>
+                <a:spcPts val="600"/>
+              </a:spcAft>
+            </a:pPr>
+            <a:endParaRPr lang="en-US" sz="2400" i="1" dirty="0" smtClean="0">
+              <a:solidFill>
+                <a:schemeClr val="tx1">
+                  <a:lumMod val="40000"/>
+                  <a:lumOff val="60000"/>
+                </a:schemeClr>
+              </a:solidFill>
+              <a:sym typeface="Wingdings" panose="05000000000000000000" pitchFamily="2" charset="2"/>
+            </a:endParaRPr>
+          </a:p>
+        </p:txBody>
+      </p:sp>
+    </p:spTree>
+    <p:extLst>
+      <p:ext uri="{BB962C8B-B14F-4D97-AF65-F5344CB8AC3E}">
+        <p14:creationId xmlns:p14="http://schemas.microsoft.com/office/powerpoint/2010/main" val="3742747437"/>
+      </p:ext>
+    </p:extLst>
+  </p:cSld>
+  <p:clrMapOvr>
+    <a:masterClrMapping/>
+  </p:clrMapOvr>
+  <p:timing>
+    <p:tnLst>
+      <p:par>
+        <p:cTn id="1" dur="indefinite" restart="never" nodeType="tmRoot"/>
+      </p:par>
+    </p:tnLst>
+  </p:timing>
+</p:sld>
+</file>
+
+<file path=ppt/slides/slide23.xml><?xml version="1.0" encoding="utf-8"?>
+<p:sld xmlns:a="http://schemas.openxmlformats.org/drawingml/2006/main" xmlns:r="http://schemas.openxmlformats.org/officeDocument/2006/relationships" xmlns:p="http://schemas.openxmlformats.org/presentationml/2006/main">
+  <p:cSld>
+    <p:spTree>
+      <p:nvGrpSpPr>
+        <p:cNvPr id="1" name=""/>
+        <p:cNvGrpSpPr/>
+        <p:nvPr/>
+      </p:nvGrpSpPr>
+      <p:grpSpPr>
+        <a:xfrm>
+          <a:off x="0" y="0"/>
+          <a:ext cx="0" cy="0"/>
+          <a:chOff x="0" y="0"/>
+          <a:chExt cx="0" cy="0"/>
+        </a:xfrm>
+      </p:grpSpPr>
+      <p:sp>
+        <p:nvSpPr>
+          <p:cNvPr id="2" name="Title 1"/>
+          <p:cNvSpPr>
+            <a:spLocks noGrp="1"/>
+          </p:cNvSpPr>
+          <p:nvPr>
+            <p:ph type="title"/>
+          </p:nvPr>
+        </p:nvSpPr>
+        <p:spPr/>
+        <p:txBody>
+          <a:bodyPr/>
+          <a:lstStyle/>
+          <a:p>
+            <a:r>
+              <a:rPr lang="en-US" dirty="0" smtClean="0"/>
+              <a:t>Initialization</a:t>
+            </a:r>
+            <a:endParaRPr lang="en-US" dirty="0"/>
+          </a:p>
+        </p:txBody>
+      </p:sp>
+      <p:sp>
+        <p:nvSpPr>
+          <p:cNvPr id="3" name="Rectangle 5"/>
+          <p:cNvSpPr txBox="1">
+            <a:spLocks noChangeArrowheads="1"/>
+          </p:cNvSpPr>
+          <p:nvPr/>
+        </p:nvSpPr>
+        <p:spPr>
+          <a:xfrm>
+            <a:off x="457993" y="1600200"/>
+            <a:ext cx="8075613" cy="4525963"/>
+          </a:xfrm>
+          <a:prstGeom prst="rect">
+            <a:avLst/>
+          </a:prstGeom>
+          <a:noFill/>
+          <a:ln/>
+        </p:spPr>
+        <p:txBody>
+          <a:bodyPr/>
+          <a:lstStyle>
+            <a:lvl1pPr marL="342900" indent="-342900" algn="l" rtl="0" eaLnBrk="1" fontAlgn="base" hangingPunct="1">
+              <a:spcBef>
+                <a:spcPct val="20000"/>
+              </a:spcBef>
+              <a:spcAft>
+                <a:spcPct val="0"/>
+              </a:spcAft>
+              <a:buClr>
+                <a:schemeClr val="hlink"/>
+              </a:buClr>
+              <a:buFont typeface="Wingdings" pitchFamily="2" charset="2"/>
+              <a:buChar char="v"/>
+              <a:defRPr sz="2800" b="1">
+                <a:solidFill>
+                  <a:schemeClr val="tx1"/>
+                </a:solidFill>
+                <a:latin typeface="Tahoma" pitchFamily="34" charset="0"/>
+                <a:ea typeface="+mn-ea"/>
+                <a:cs typeface="Tahoma" pitchFamily="34" charset="0"/>
+              </a:defRPr>
+            </a:lvl1pPr>
+            <a:lvl2pPr marL="742950" indent="-285750" algn="l" rtl="0" eaLnBrk="1" fontAlgn="base" hangingPunct="1">
+              <a:spcBef>
+                <a:spcPct val="20000"/>
+              </a:spcBef>
+              <a:spcAft>
+                <a:spcPct val="0"/>
+              </a:spcAft>
+              <a:buClr>
+                <a:schemeClr val="accent1"/>
+              </a:buClr>
+              <a:buFont typeface="Wingdings" pitchFamily="2" charset="2"/>
+              <a:buChar char="§"/>
+              <a:defRPr sz="2800">
+                <a:solidFill>
+                  <a:schemeClr val="tx1"/>
+                </a:solidFill>
+                <a:latin typeface="Tahoma" pitchFamily="34" charset="0"/>
+                <a:cs typeface="Tahoma" pitchFamily="34" charset="0"/>
+              </a:defRPr>
+            </a:lvl2pPr>
+            <a:lvl3pPr marL="1143000" indent="-228600" algn="l" rtl="0" eaLnBrk="1" fontAlgn="base" hangingPunct="1">
+              <a:spcBef>
+                <a:spcPct val="20000"/>
+              </a:spcBef>
+              <a:spcAft>
+                <a:spcPct val="0"/>
+              </a:spcAft>
+              <a:buClr>
+                <a:schemeClr val="tx1"/>
+              </a:buClr>
+              <a:buChar char="•"/>
+              <a:defRPr sz="2400">
+                <a:solidFill>
+                  <a:schemeClr val="tx1"/>
+                </a:solidFill>
+                <a:latin typeface="Tahoma" pitchFamily="34" charset="0"/>
+                <a:cs typeface="Tahoma" pitchFamily="34" charset="0"/>
+              </a:defRPr>
+            </a:lvl3pPr>
+            <a:lvl4pPr marL="1600200" indent="-228600" algn="l" rtl="0" eaLnBrk="1" fontAlgn="base" hangingPunct="1">
+              <a:spcBef>
+                <a:spcPct val="20000"/>
+              </a:spcBef>
+              <a:spcAft>
+                <a:spcPct val="0"/>
+              </a:spcAft>
+              <a:buChar char="–"/>
+              <a:defRPr sz="2000">
+                <a:solidFill>
+                  <a:schemeClr val="tx1"/>
+                </a:solidFill>
+                <a:latin typeface="Tahoma" pitchFamily="34" charset="0"/>
+                <a:cs typeface="Tahoma" pitchFamily="34" charset="0"/>
+              </a:defRPr>
+            </a:lvl4pPr>
+            <a:lvl5pPr marL="2057400" indent="-228600" algn="l" rtl="0" eaLnBrk="1" fontAlgn="base" hangingPunct="1">
+              <a:spcBef>
+                <a:spcPct val="20000"/>
+              </a:spcBef>
+              <a:spcAft>
+                <a:spcPct val="0"/>
+              </a:spcAft>
+              <a:buChar char="»"/>
+              <a:defRPr sz="2000">
+                <a:solidFill>
+                  <a:schemeClr val="tx1"/>
+                </a:solidFill>
+                <a:latin typeface="Tahoma" pitchFamily="34" charset="0"/>
+                <a:cs typeface="Tahoma" pitchFamily="34" charset="0"/>
+              </a:defRPr>
+            </a:lvl5pPr>
+            <a:lvl6pPr marL="2514600" indent="-228600" algn="l" rtl="0" eaLnBrk="1" fontAlgn="base" hangingPunct="1">
+              <a:spcBef>
+                <a:spcPct val="20000"/>
+              </a:spcBef>
+              <a:spcAft>
+                <a:spcPct val="0"/>
+              </a:spcAft>
+              <a:buChar char="»"/>
+              <a:defRPr sz="2000">
+                <a:solidFill>
+                  <a:schemeClr val="tx1"/>
+                </a:solidFill>
+                <a:latin typeface="Arial" charset="0"/>
+              </a:defRPr>
+            </a:lvl6pPr>
+            <a:lvl7pPr marL="2971800" indent="-228600" algn="l" rtl="0" eaLnBrk="1" fontAlgn="base" hangingPunct="1">
+              <a:spcBef>
+                <a:spcPct val="20000"/>
+              </a:spcBef>
+              <a:spcAft>
+                <a:spcPct val="0"/>
+              </a:spcAft>
+              <a:buChar char="»"/>
+              <a:defRPr sz="2000">
+                <a:solidFill>
+                  <a:schemeClr val="tx1"/>
+                </a:solidFill>
+                <a:latin typeface="Arial" charset="0"/>
+              </a:defRPr>
+            </a:lvl7pPr>
+            <a:lvl8pPr marL="3429000" indent="-228600" algn="l" rtl="0" eaLnBrk="1" fontAlgn="base" hangingPunct="1">
+              <a:spcBef>
+                <a:spcPct val="20000"/>
+              </a:spcBef>
+              <a:spcAft>
+                <a:spcPct val="0"/>
+              </a:spcAft>
+              <a:buChar char="»"/>
+              <a:defRPr sz="2000">
+                <a:solidFill>
+                  <a:schemeClr val="tx1"/>
+                </a:solidFill>
+                <a:latin typeface="Arial" charset="0"/>
+              </a:defRPr>
+            </a:lvl8pPr>
+            <a:lvl9pPr marL="3886200" indent="-228600" algn="l" rtl="0" eaLnBrk="1" fontAlgn="base" hangingPunct="1">
+              <a:spcBef>
+                <a:spcPct val="20000"/>
+              </a:spcBef>
+              <a:spcAft>
+                <a:spcPct val="0"/>
+              </a:spcAft>
+              <a:buChar char="»"/>
+              <a:defRPr sz="2000">
+                <a:solidFill>
+                  <a:schemeClr val="tx1"/>
+                </a:solidFill>
+                <a:latin typeface="Arial" charset="0"/>
+              </a:defRPr>
+            </a:lvl9pPr>
+          </a:lstStyle>
+          <a:p>
+            <a:pPr marL="914400" lvl="1" indent="-457200">
+              <a:spcAft>
+                <a:spcPts val="600"/>
+              </a:spcAft>
+              <a:buFont typeface="+mj-lt"/>
+              <a:buAutoNum type="arabicPeriod"/>
+            </a:pPr>
+            <a:r>
+              <a:rPr lang="en-US" sz="2400" dirty="0" err="1">
+                <a:sym typeface="Wingdings" panose="05000000000000000000" pitchFamily="2" charset="2"/>
+              </a:rPr>
+              <a:t>getDefaultProps</a:t>
+            </a:r>
+            <a:endParaRPr lang="en-US" sz="2400" dirty="0">
+              <a:sym typeface="Wingdings" panose="05000000000000000000" pitchFamily="2" charset="2"/>
+            </a:endParaRPr>
+          </a:p>
+          <a:p>
+            <a:pPr marL="914400" lvl="1" indent="-457200">
+              <a:spcAft>
+                <a:spcPts val="600"/>
+              </a:spcAft>
+              <a:buFont typeface="+mj-lt"/>
+              <a:buAutoNum type="arabicPeriod"/>
+            </a:pPr>
+            <a:r>
+              <a:rPr lang="en-US" sz="2400" dirty="0" err="1">
+                <a:sym typeface="Wingdings" panose="05000000000000000000" pitchFamily="2" charset="2"/>
+              </a:rPr>
+              <a:t>getInitialState</a:t>
+            </a:r>
+            <a:endParaRPr lang="en-US" sz="2400" dirty="0">
+              <a:sym typeface="Wingdings" panose="05000000000000000000" pitchFamily="2" charset="2"/>
+            </a:endParaRPr>
+          </a:p>
+          <a:p>
+            <a:pPr marL="914400" lvl="1" indent="-457200">
+              <a:spcAft>
+                <a:spcPts val="600"/>
+              </a:spcAft>
+              <a:buFont typeface="+mj-lt"/>
+              <a:buAutoNum type="arabicPeriod"/>
+            </a:pPr>
+            <a:r>
+              <a:rPr lang="en-US" sz="2400" dirty="0" err="1">
+                <a:sym typeface="Wingdings" panose="05000000000000000000" pitchFamily="2" charset="2"/>
+              </a:rPr>
+              <a:t>c</a:t>
+            </a:r>
+            <a:r>
+              <a:rPr lang="en-US" sz="2400" dirty="0" err="1">
+                <a:sym typeface="Wingdings" panose="05000000000000000000" pitchFamily="2" charset="2"/>
+              </a:rPr>
+              <a:t>omponentWillMount</a:t>
+            </a:r>
+            <a:endParaRPr lang="en-US" sz="2400" dirty="0">
+              <a:sym typeface="Wingdings" panose="05000000000000000000" pitchFamily="2" charset="2"/>
+            </a:endParaRPr>
+          </a:p>
+          <a:p>
+            <a:pPr marL="914400" lvl="1" indent="-457200">
+              <a:spcAft>
+                <a:spcPts val="600"/>
+              </a:spcAft>
+              <a:buFont typeface="+mj-lt"/>
+              <a:buAutoNum type="arabicPeriod"/>
+            </a:pPr>
+            <a:r>
+              <a:rPr lang="en-US" sz="2400" dirty="0">
+                <a:sym typeface="Wingdings" panose="05000000000000000000" pitchFamily="2" charset="2"/>
+              </a:rPr>
+              <a:t>r</a:t>
+            </a:r>
+            <a:r>
+              <a:rPr lang="en-US" sz="2400" dirty="0">
+                <a:sym typeface="Wingdings" panose="05000000000000000000" pitchFamily="2" charset="2"/>
+              </a:rPr>
+              <a:t>ender</a:t>
+            </a:r>
+          </a:p>
+          <a:p>
+            <a:pPr marL="914400" lvl="1" indent="-457200">
+              <a:spcAft>
+                <a:spcPts val="600"/>
+              </a:spcAft>
+              <a:buFont typeface="+mj-lt"/>
+              <a:buAutoNum type="arabicPeriod"/>
+            </a:pPr>
+            <a:r>
+              <a:rPr lang="en-US" sz="2400" dirty="0" err="1">
+                <a:sym typeface="Wingdings" panose="05000000000000000000" pitchFamily="2" charset="2"/>
+              </a:rPr>
+              <a:t>c</a:t>
+            </a:r>
+            <a:r>
+              <a:rPr lang="en-US" sz="2400" dirty="0" err="1">
+                <a:sym typeface="Wingdings" panose="05000000000000000000" pitchFamily="2" charset="2"/>
+              </a:rPr>
+              <a:t>omponentDidMount</a:t>
+            </a:r>
+            <a:endParaRPr lang="en-US" sz="2400" dirty="0">
+              <a:sym typeface="Wingdings" panose="05000000000000000000" pitchFamily="2" charset="2"/>
+            </a:endParaRPr>
+          </a:p>
+        </p:txBody>
+      </p:sp>
+    </p:spTree>
+    <p:extLst>
+      <p:ext uri="{BB962C8B-B14F-4D97-AF65-F5344CB8AC3E}">
+        <p14:creationId xmlns:p14="http://schemas.microsoft.com/office/powerpoint/2010/main" val="1944724412"/>
+      </p:ext>
+    </p:extLst>
+  </p:cSld>
+  <p:clrMapOvr>
+    <a:masterClrMapping/>
+  </p:clrMapOvr>
+  <p:timing>
+    <p:tnLst>
+      <p:par>
+        <p:cTn id="1" dur="indefinite" restart="never" nodeType="tmRoot"/>
+      </p:par>
+    </p:tnLst>
+  </p:timing>
+</p:sld>
+</file>
+
+<file path=ppt/slides/slide24.xml><?xml version="1.0" encoding="utf-8"?>
+<p:sld xmlns:a="http://schemas.openxmlformats.org/drawingml/2006/main" xmlns:r="http://schemas.openxmlformats.org/officeDocument/2006/relationships" xmlns:p="http://schemas.openxmlformats.org/presentationml/2006/main">
+  <p:cSld>
+    <p:spTree>
+      <p:nvGrpSpPr>
+        <p:cNvPr id="1" name=""/>
+        <p:cNvGrpSpPr/>
+        <p:nvPr/>
+      </p:nvGrpSpPr>
+      <p:grpSpPr>
+        <a:xfrm>
+          <a:off x="0" y="0"/>
+          <a:ext cx="0" cy="0"/>
+          <a:chOff x="0" y="0"/>
+          <a:chExt cx="0" cy="0"/>
+        </a:xfrm>
+      </p:grpSpPr>
+      <p:sp>
+        <p:nvSpPr>
+          <p:cNvPr id="2" name="Title 1"/>
+          <p:cNvSpPr>
+            <a:spLocks noGrp="1"/>
+          </p:cNvSpPr>
+          <p:nvPr>
+            <p:ph type="title"/>
+          </p:nvPr>
+        </p:nvSpPr>
+        <p:spPr/>
+        <p:txBody>
+          <a:bodyPr/>
+          <a:lstStyle/>
+          <a:p>
+            <a:r>
+              <a:rPr lang="en-US" dirty="0" smtClean="0"/>
+              <a:t>State Changes</a:t>
+            </a:r>
+            <a:endParaRPr lang="en-US" dirty="0"/>
+          </a:p>
+        </p:txBody>
+      </p:sp>
+      <p:sp>
+        <p:nvSpPr>
+          <p:cNvPr id="3" name="Rectangle 5"/>
+          <p:cNvSpPr txBox="1">
+            <a:spLocks noChangeArrowheads="1"/>
+          </p:cNvSpPr>
+          <p:nvPr/>
+        </p:nvSpPr>
+        <p:spPr>
+          <a:xfrm>
+            <a:off x="457993" y="1600200"/>
+            <a:ext cx="8075613" cy="4525963"/>
+          </a:xfrm>
+          <a:prstGeom prst="rect">
+            <a:avLst/>
+          </a:prstGeom>
+          <a:noFill/>
+          <a:ln/>
+        </p:spPr>
+        <p:txBody>
+          <a:bodyPr/>
+          <a:lstStyle>
+            <a:lvl1pPr marL="342900" indent="-342900" algn="l" rtl="0" eaLnBrk="1" fontAlgn="base" hangingPunct="1">
+              <a:spcBef>
+                <a:spcPct val="20000"/>
+              </a:spcBef>
+              <a:spcAft>
+                <a:spcPct val="0"/>
+              </a:spcAft>
+              <a:buClr>
+                <a:schemeClr val="hlink"/>
+              </a:buClr>
+              <a:buFont typeface="Wingdings" pitchFamily="2" charset="2"/>
+              <a:buChar char="v"/>
+              <a:defRPr sz="2800" b="1">
+                <a:solidFill>
+                  <a:schemeClr val="tx1"/>
+                </a:solidFill>
+                <a:latin typeface="Tahoma" pitchFamily="34" charset="0"/>
+                <a:ea typeface="+mn-ea"/>
+                <a:cs typeface="Tahoma" pitchFamily="34" charset="0"/>
+              </a:defRPr>
+            </a:lvl1pPr>
+            <a:lvl2pPr marL="742950" indent="-285750" algn="l" rtl="0" eaLnBrk="1" fontAlgn="base" hangingPunct="1">
+              <a:spcBef>
+                <a:spcPct val="20000"/>
+              </a:spcBef>
+              <a:spcAft>
+                <a:spcPct val="0"/>
+              </a:spcAft>
+              <a:buClr>
+                <a:schemeClr val="accent1"/>
+              </a:buClr>
+              <a:buFont typeface="Wingdings" pitchFamily="2" charset="2"/>
+              <a:buChar char="§"/>
+              <a:defRPr sz="2800">
+                <a:solidFill>
+                  <a:schemeClr val="tx1"/>
+                </a:solidFill>
+                <a:latin typeface="Tahoma" pitchFamily="34" charset="0"/>
+                <a:cs typeface="Tahoma" pitchFamily="34" charset="0"/>
+              </a:defRPr>
+            </a:lvl2pPr>
+            <a:lvl3pPr marL="1143000" indent="-228600" algn="l" rtl="0" eaLnBrk="1" fontAlgn="base" hangingPunct="1">
+              <a:spcBef>
+                <a:spcPct val="20000"/>
+              </a:spcBef>
+              <a:spcAft>
+                <a:spcPct val="0"/>
+              </a:spcAft>
+              <a:buClr>
+                <a:schemeClr val="tx1"/>
+              </a:buClr>
+              <a:buChar char="•"/>
+              <a:defRPr sz="2400">
+                <a:solidFill>
+                  <a:schemeClr val="tx1"/>
+                </a:solidFill>
+                <a:latin typeface="Tahoma" pitchFamily="34" charset="0"/>
+                <a:cs typeface="Tahoma" pitchFamily="34" charset="0"/>
+              </a:defRPr>
+            </a:lvl3pPr>
+            <a:lvl4pPr marL="1600200" indent="-228600" algn="l" rtl="0" eaLnBrk="1" fontAlgn="base" hangingPunct="1">
+              <a:spcBef>
+                <a:spcPct val="20000"/>
+              </a:spcBef>
+              <a:spcAft>
+                <a:spcPct val="0"/>
+              </a:spcAft>
+              <a:buChar char="–"/>
+              <a:defRPr sz="2000">
+                <a:solidFill>
+                  <a:schemeClr val="tx1"/>
+                </a:solidFill>
+                <a:latin typeface="Tahoma" pitchFamily="34" charset="0"/>
+                <a:cs typeface="Tahoma" pitchFamily="34" charset="0"/>
+              </a:defRPr>
+            </a:lvl4pPr>
+            <a:lvl5pPr marL="2057400" indent="-228600" algn="l" rtl="0" eaLnBrk="1" fontAlgn="base" hangingPunct="1">
+              <a:spcBef>
+                <a:spcPct val="20000"/>
+              </a:spcBef>
+              <a:spcAft>
+                <a:spcPct val="0"/>
+              </a:spcAft>
+              <a:buChar char="»"/>
+              <a:defRPr sz="2000">
+                <a:solidFill>
+                  <a:schemeClr val="tx1"/>
+                </a:solidFill>
+                <a:latin typeface="Tahoma" pitchFamily="34" charset="0"/>
+                <a:cs typeface="Tahoma" pitchFamily="34" charset="0"/>
+              </a:defRPr>
+            </a:lvl5pPr>
+            <a:lvl6pPr marL="2514600" indent="-228600" algn="l" rtl="0" eaLnBrk="1" fontAlgn="base" hangingPunct="1">
+              <a:spcBef>
+                <a:spcPct val="20000"/>
+              </a:spcBef>
+              <a:spcAft>
+                <a:spcPct val="0"/>
+              </a:spcAft>
+              <a:buChar char="»"/>
+              <a:defRPr sz="2000">
+                <a:solidFill>
+                  <a:schemeClr val="tx1"/>
+                </a:solidFill>
+                <a:latin typeface="Arial" charset="0"/>
+              </a:defRPr>
+            </a:lvl6pPr>
+            <a:lvl7pPr marL="2971800" indent="-228600" algn="l" rtl="0" eaLnBrk="1" fontAlgn="base" hangingPunct="1">
+              <a:spcBef>
+                <a:spcPct val="20000"/>
+              </a:spcBef>
+              <a:spcAft>
+                <a:spcPct val="0"/>
+              </a:spcAft>
+              <a:buChar char="»"/>
+              <a:defRPr sz="2000">
+                <a:solidFill>
+                  <a:schemeClr val="tx1"/>
+                </a:solidFill>
+                <a:latin typeface="Arial" charset="0"/>
+              </a:defRPr>
+            </a:lvl7pPr>
+            <a:lvl8pPr marL="3429000" indent="-228600" algn="l" rtl="0" eaLnBrk="1" fontAlgn="base" hangingPunct="1">
+              <a:spcBef>
+                <a:spcPct val="20000"/>
+              </a:spcBef>
+              <a:spcAft>
+                <a:spcPct val="0"/>
+              </a:spcAft>
+              <a:buChar char="»"/>
+              <a:defRPr sz="2000">
+                <a:solidFill>
+                  <a:schemeClr val="tx1"/>
+                </a:solidFill>
+                <a:latin typeface="Arial" charset="0"/>
+              </a:defRPr>
+            </a:lvl8pPr>
+            <a:lvl9pPr marL="3886200" indent="-228600" algn="l" rtl="0" eaLnBrk="1" fontAlgn="base" hangingPunct="1">
+              <a:spcBef>
+                <a:spcPct val="20000"/>
+              </a:spcBef>
+              <a:spcAft>
+                <a:spcPct val="0"/>
+              </a:spcAft>
+              <a:buChar char="»"/>
+              <a:defRPr sz="2000">
+                <a:solidFill>
+                  <a:schemeClr val="tx1"/>
+                </a:solidFill>
+                <a:latin typeface="Arial" charset="0"/>
+              </a:defRPr>
+            </a:lvl9pPr>
+          </a:lstStyle>
+          <a:p>
+            <a:pPr marL="914400" lvl="1" indent="-457200">
+              <a:spcAft>
+                <a:spcPts val="600"/>
+              </a:spcAft>
+              <a:buFont typeface="+mj-lt"/>
+              <a:buAutoNum type="arabicPeriod"/>
+            </a:pPr>
+            <a:r>
+              <a:rPr lang="en-US" sz="2400" dirty="0" err="1" smtClean="0">
+                <a:sym typeface="Wingdings" panose="05000000000000000000" pitchFamily="2" charset="2"/>
+              </a:rPr>
+              <a:t>shouldComponentUpdate</a:t>
+            </a:r>
+            <a:endParaRPr lang="en-US" sz="2400" dirty="0">
+              <a:sym typeface="Wingdings" panose="05000000000000000000" pitchFamily="2" charset="2"/>
+            </a:endParaRPr>
+          </a:p>
+          <a:p>
+            <a:pPr marL="914400" lvl="1" indent="-457200">
+              <a:spcAft>
+                <a:spcPts val="600"/>
+              </a:spcAft>
+              <a:buFont typeface="+mj-lt"/>
+              <a:buAutoNum type="arabicPeriod"/>
+            </a:pPr>
+            <a:r>
+              <a:rPr lang="en-US" sz="2400" dirty="0" err="1" smtClean="0">
+                <a:sym typeface="Wingdings" panose="05000000000000000000" pitchFamily="2" charset="2"/>
+              </a:rPr>
+              <a:t>componentWillUpdate</a:t>
+            </a:r>
+            <a:endParaRPr lang="en-US" sz="2400" dirty="0">
+              <a:sym typeface="Wingdings" panose="05000000000000000000" pitchFamily="2" charset="2"/>
+            </a:endParaRPr>
+          </a:p>
+          <a:p>
+            <a:pPr marL="914400" lvl="1" indent="-457200">
+              <a:spcAft>
+                <a:spcPts val="600"/>
+              </a:spcAft>
+              <a:buFont typeface="+mj-lt"/>
+              <a:buAutoNum type="arabicPeriod"/>
+            </a:pPr>
+            <a:r>
+              <a:rPr lang="en-US" sz="2400" dirty="0" smtClean="0">
+                <a:sym typeface="Wingdings" panose="05000000000000000000" pitchFamily="2" charset="2"/>
+              </a:rPr>
+              <a:t>render</a:t>
+            </a:r>
+          </a:p>
+          <a:p>
+            <a:pPr marL="914400" lvl="1" indent="-457200">
+              <a:spcAft>
+                <a:spcPts val="600"/>
+              </a:spcAft>
+              <a:buFont typeface="+mj-lt"/>
+              <a:buAutoNum type="arabicPeriod"/>
+            </a:pPr>
+            <a:r>
+              <a:rPr lang="en-US" sz="2400" dirty="0" err="1" smtClean="0">
+                <a:sym typeface="Wingdings" panose="05000000000000000000" pitchFamily="2" charset="2"/>
+              </a:rPr>
+              <a:t>componentDidUpdate</a:t>
+            </a:r>
+            <a:endParaRPr lang="en-US" sz="2400" dirty="0">
+              <a:sym typeface="Wingdings" panose="05000000000000000000" pitchFamily="2" charset="2"/>
+            </a:endParaRPr>
+          </a:p>
+        </p:txBody>
+      </p:sp>
+    </p:spTree>
+    <p:extLst>
+      <p:ext uri="{BB962C8B-B14F-4D97-AF65-F5344CB8AC3E}">
+        <p14:creationId xmlns:p14="http://schemas.microsoft.com/office/powerpoint/2010/main" val="4053190782"/>
+      </p:ext>
+    </p:extLst>
+  </p:cSld>
+  <p:clrMapOvr>
+    <a:masterClrMapping/>
+  </p:clrMapOvr>
+  <p:timing>
+    <p:tnLst>
+      <p:par>
+        <p:cTn id="1" dur="indefinite" restart="never" nodeType="tmRoot"/>
+      </p:par>
+    </p:tnLst>
+  </p:timing>
+</p:sld>
+</file>
+
+<file path=ppt/slides/slide25.xml><?xml version="1.0" encoding="utf-8"?>
+<p:sld xmlns:a="http://schemas.openxmlformats.org/drawingml/2006/main" xmlns:r="http://schemas.openxmlformats.org/officeDocument/2006/relationships" xmlns:p="http://schemas.openxmlformats.org/presentationml/2006/main">
+  <p:cSld>
+    <p:spTree>
+      <p:nvGrpSpPr>
+        <p:cNvPr id="1" name=""/>
+        <p:cNvGrpSpPr/>
+        <p:nvPr/>
+      </p:nvGrpSpPr>
+      <p:grpSpPr>
+        <a:xfrm>
+          <a:off x="0" y="0"/>
+          <a:ext cx="0" cy="0"/>
+          <a:chOff x="0" y="0"/>
+          <a:chExt cx="0" cy="0"/>
+        </a:xfrm>
+      </p:grpSpPr>
+      <p:sp>
+        <p:nvSpPr>
+          <p:cNvPr id="2" name="Title 1"/>
+          <p:cNvSpPr>
+            <a:spLocks noGrp="1"/>
+          </p:cNvSpPr>
+          <p:nvPr>
+            <p:ph type="title"/>
+          </p:nvPr>
+        </p:nvSpPr>
+        <p:spPr/>
+        <p:txBody>
+          <a:bodyPr/>
+          <a:lstStyle/>
+          <a:p>
+            <a:r>
+              <a:rPr lang="en-US" dirty="0" smtClean="0"/>
+              <a:t>Props Changes</a:t>
+            </a:r>
+            <a:endParaRPr lang="en-US" dirty="0"/>
+          </a:p>
+        </p:txBody>
+      </p:sp>
+      <p:sp>
+        <p:nvSpPr>
+          <p:cNvPr id="3" name="Rectangle 5"/>
+          <p:cNvSpPr txBox="1">
+            <a:spLocks noChangeArrowheads="1"/>
+          </p:cNvSpPr>
+          <p:nvPr/>
+        </p:nvSpPr>
+        <p:spPr>
+          <a:xfrm>
+            <a:off x="457993" y="1600200"/>
+            <a:ext cx="8075613" cy="4525963"/>
+          </a:xfrm>
+          <a:prstGeom prst="rect">
+            <a:avLst/>
+          </a:prstGeom>
+          <a:noFill/>
+          <a:ln/>
+        </p:spPr>
+        <p:txBody>
+          <a:bodyPr/>
+          <a:lstStyle>
+            <a:lvl1pPr marL="342900" indent="-342900" algn="l" rtl="0" eaLnBrk="1" fontAlgn="base" hangingPunct="1">
+              <a:spcBef>
+                <a:spcPct val="20000"/>
+              </a:spcBef>
+              <a:spcAft>
+                <a:spcPct val="0"/>
+              </a:spcAft>
+              <a:buClr>
+                <a:schemeClr val="hlink"/>
+              </a:buClr>
+              <a:buFont typeface="Wingdings" pitchFamily="2" charset="2"/>
+              <a:buChar char="v"/>
+              <a:defRPr sz="2800" b="1">
+                <a:solidFill>
+                  <a:schemeClr val="tx1"/>
+                </a:solidFill>
+                <a:latin typeface="Tahoma" pitchFamily="34" charset="0"/>
+                <a:ea typeface="+mn-ea"/>
+                <a:cs typeface="Tahoma" pitchFamily="34" charset="0"/>
+              </a:defRPr>
+            </a:lvl1pPr>
+            <a:lvl2pPr marL="742950" indent="-285750" algn="l" rtl="0" eaLnBrk="1" fontAlgn="base" hangingPunct="1">
+              <a:spcBef>
+                <a:spcPct val="20000"/>
+              </a:spcBef>
+              <a:spcAft>
+                <a:spcPct val="0"/>
+              </a:spcAft>
+              <a:buClr>
+                <a:schemeClr val="accent1"/>
+              </a:buClr>
+              <a:buFont typeface="Wingdings" pitchFamily="2" charset="2"/>
+              <a:buChar char="§"/>
+              <a:defRPr sz="2800">
+                <a:solidFill>
+                  <a:schemeClr val="tx1"/>
+                </a:solidFill>
+                <a:latin typeface="Tahoma" pitchFamily="34" charset="0"/>
+                <a:cs typeface="Tahoma" pitchFamily="34" charset="0"/>
+              </a:defRPr>
+            </a:lvl2pPr>
+            <a:lvl3pPr marL="1143000" indent="-228600" algn="l" rtl="0" eaLnBrk="1" fontAlgn="base" hangingPunct="1">
+              <a:spcBef>
+                <a:spcPct val="20000"/>
+              </a:spcBef>
+              <a:spcAft>
+                <a:spcPct val="0"/>
+              </a:spcAft>
+              <a:buClr>
+                <a:schemeClr val="tx1"/>
+              </a:buClr>
+              <a:buChar char="•"/>
+              <a:defRPr sz="2400">
+                <a:solidFill>
+                  <a:schemeClr val="tx1"/>
+                </a:solidFill>
+                <a:latin typeface="Tahoma" pitchFamily="34" charset="0"/>
+                <a:cs typeface="Tahoma" pitchFamily="34" charset="0"/>
+              </a:defRPr>
+            </a:lvl3pPr>
+            <a:lvl4pPr marL="1600200" indent="-228600" algn="l" rtl="0" eaLnBrk="1" fontAlgn="base" hangingPunct="1">
+              <a:spcBef>
+                <a:spcPct val="20000"/>
+              </a:spcBef>
+              <a:spcAft>
+                <a:spcPct val="0"/>
+              </a:spcAft>
+              <a:buChar char="–"/>
+              <a:defRPr sz="2000">
+                <a:solidFill>
+                  <a:schemeClr val="tx1"/>
+                </a:solidFill>
+                <a:latin typeface="Tahoma" pitchFamily="34" charset="0"/>
+                <a:cs typeface="Tahoma" pitchFamily="34" charset="0"/>
+              </a:defRPr>
+            </a:lvl4pPr>
+            <a:lvl5pPr marL="2057400" indent="-228600" algn="l" rtl="0" eaLnBrk="1" fontAlgn="base" hangingPunct="1">
+              <a:spcBef>
+                <a:spcPct val="20000"/>
+              </a:spcBef>
+              <a:spcAft>
+                <a:spcPct val="0"/>
+              </a:spcAft>
+              <a:buChar char="»"/>
+              <a:defRPr sz="2000">
+                <a:solidFill>
+                  <a:schemeClr val="tx1"/>
+                </a:solidFill>
+                <a:latin typeface="Tahoma" pitchFamily="34" charset="0"/>
+                <a:cs typeface="Tahoma" pitchFamily="34" charset="0"/>
+              </a:defRPr>
+            </a:lvl5pPr>
+            <a:lvl6pPr marL="2514600" indent="-228600" algn="l" rtl="0" eaLnBrk="1" fontAlgn="base" hangingPunct="1">
+              <a:spcBef>
+                <a:spcPct val="20000"/>
+              </a:spcBef>
+              <a:spcAft>
+                <a:spcPct val="0"/>
+              </a:spcAft>
+              <a:buChar char="»"/>
+              <a:defRPr sz="2000">
+                <a:solidFill>
+                  <a:schemeClr val="tx1"/>
+                </a:solidFill>
+                <a:latin typeface="Arial" charset="0"/>
+              </a:defRPr>
+            </a:lvl6pPr>
+            <a:lvl7pPr marL="2971800" indent="-228600" algn="l" rtl="0" eaLnBrk="1" fontAlgn="base" hangingPunct="1">
+              <a:spcBef>
+                <a:spcPct val="20000"/>
+              </a:spcBef>
+              <a:spcAft>
+                <a:spcPct val="0"/>
+              </a:spcAft>
+              <a:buChar char="»"/>
+              <a:defRPr sz="2000">
+                <a:solidFill>
+                  <a:schemeClr val="tx1"/>
+                </a:solidFill>
+                <a:latin typeface="Arial" charset="0"/>
+              </a:defRPr>
+            </a:lvl7pPr>
+            <a:lvl8pPr marL="3429000" indent="-228600" algn="l" rtl="0" eaLnBrk="1" fontAlgn="base" hangingPunct="1">
+              <a:spcBef>
+                <a:spcPct val="20000"/>
+              </a:spcBef>
+              <a:spcAft>
+                <a:spcPct val="0"/>
+              </a:spcAft>
+              <a:buChar char="»"/>
+              <a:defRPr sz="2000">
+                <a:solidFill>
+                  <a:schemeClr val="tx1"/>
+                </a:solidFill>
+                <a:latin typeface="Arial" charset="0"/>
+              </a:defRPr>
+            </a:lvl8pPr>
+            <a:lvl9pPr marL="3886200" indent="-228600" algn="l" rtl="0" eaLnBrk="1" fontAlgn="base" hangingPunct="1">
+              <a:spcBef>
+                <a:spcPct val="20000"/>
+              </a:spcBef>
+              <a:spcAft>
+                <a:spcPct val="0"/>
+              </a:spcAft>
+              <a:buChar char="»"/>
+              <a:defRPr sz="2000">
+                <a:solidFill>
+                  <a:schemeClr val="tx1"/>
+                </a:solidFill>
+                <a:latin typeface="Arial" charset="0"/>
+              </a:defRPr>
+            </a:lvl9pPr>
+          </a:lstStyle>
+          <a:p>
+            <a:pPr marL="914400" lvl="1" indent="-457200">
+              <a:spcAft>
+                <a:spcPts val="600"/>
+              </a:spcAft>
+              <a:buFont typeface="+mj-lt"/>
+              <a:buAutoNum type="arabicPeriod"/>
+            </a:pPr>
+            <a:r>
+              <a:rPr lang="en-US" sz="2400" dirty="0" err="1" smtClean="0">
+                <a:sym typeface="Wingdings" panose="05000000000000000000" pitchFamily="2" charset="2"/>
+              </a:rPr>
+              <a:t>componentWillRecieveProps</a:t>
+            </a:r>
+            <a:endParaRPr lang="en-US" sz="2400" dirty="0" smtClean="0">
+              <a:sym typeface="Wingdings" panose="05000000000000000000" pitchFamily="2" charset="2"/>
+            </a:endParaRPr>
+          </a:p>
+          <a:p>
+            <a:pPr marL="914400" lvl="1" indent="-457200">
+              <a:spcAft>
+                <a:spcPts val="600"/>
+              </a:spcAft>
+              <a:buFont typeface="+mj-lt"/>
+              <a:buAutoNum type="arabicPeriod"/>
+            </a:pPr>
+            <a:r>
+              <a:rPr lang="en-US" sz="2400" dirty="0" err="1" smtClean="0">
+                <a:sym typeface="Wingdings" panose="05000000000000000000" pitchFamily="2" charset="2"/>
+              </a:rPr>
+              <a:t>shouldComponentUpdate</a:t>
+            </a:r>
+            <a:endParaRPr lang="en-US" sz="2400" dirty="0" smtClean="0">
+              <a:sym typeface="Wingdings" panose="05000000000000000000" pitchFamily="2" charset="2"/>
+            </a:endParaRPr>
+          </a:p>
+          <a:p>
+            <a:pPr marL="914400" lvl="1" indent="-457200">
+              <a:spcAft>
+                <a:spcPts val="600"/>
+              </a:spcAft>
+              <a:buFont typeface="+mj-lt"/>
+              <a:buAutoNum type="arabicPeriod"/>
+            </a:pPr>
+            <a:r>
+              <a:rPr lang="en-US" sz="2400" dirty="0" err="1" smtClean="0">
+                <a:sym typeface="Wingdings" panose="05000000000000000000" pitchFamily="2" charset="2"/>
+              </a:rPr>
+              <a:t>componentWillUpdate</a:t>
+            </a:r>
+            <a:endParaRPr lang="en-US" sz="2400" dirty="0" smtClean="0">
+              <a:sym typeface="Wingdings" panose="05000000000000000000" pitchFamily="2" charset="2"/>
+            </a:endParaRPr>
+          </a:p>
+          <a:p>
+            <a:pPr marL="914400" lvl="1" indent="-457200">
+              <a:spcAft>
+                <a:spcPts val="600"/>
+              </a:spcAft>
+              <a:buFont typeface="+mj-lt"/>
+              <a:buAutoNum type="arabicPeriod"/>
+            </a:pPr>
+            <a:r>
+              <a:rPr lang="en-US" sz="2400" dirty="0" smtClean="0">
+                <a:sym typeface="Wingdings" panose="05000000000000000000" pitchFamily="2" charset="2"/>
+              </a:rPr>
+              <a:t>render</a:t>
+            </a:r>
+          </a:p>
+          <a:p>
+            <a:pPr marL="914400" lvl="1" indent="-457200">
+              <a:spcAft>
+                <a:spcPts val="600"/>
+              </a:spcAft>
+              <a:buFont typeface="+mj-lt"/>
+              <a:buAutoNum type="arabicPeriod"/>
+            </a:pPr>
+            <a:r>
+              <a:rPr lang="en-US" sz="2400" dirty="0" err="1" smtClean="0">
+                <a:sym typeface="Wingdings" panose="05000000000000000000" pitchFamily="2" charset="2"/>
+              </a:rPr>
+              <a:t>componentDidUpdate</a:t>
+            </a:r>
+            <a:endParaRPr lang="en-US" sz="2400" dirty="0" smtClean="0">
+              <a:sym typeface="Wingdings" panose="05000000000000000000" pitchFamily="2" charset="2"/>
+            </a:endParaRPr>
+          </a:p>
+          <a:p>
+            <a:pPr lvl="1">
+              <a:spcAft>
+                <a:spcPts val="600"/>
+              </a:spcAft>
+            </a:pPr>
+            <a:endParaRPr lang="en-US" sz="2400" dirty="0">
+              <a:sym typeface="Wingdings" panose="05000000000000000000" pitchFamily="2" charset="2"/>
+            </a:endParaRPr>
+          </a:p>
+        </p:txBody>
+      </p:sp>
+    </p:spTree>
+    <p:extLst>
+      <p:ext uri="{BB962C8B-B14F-4D97-AF65-F5344CB8AC3E}">
+        <p14:creationId xmlns:p14="http://schemas.microsoft.com/office/powerpoint/2010/main" val="2461562108"/>
+      </p:ext>
+    </p:extLst>
+  </p:cSld>
+  <p:clrMapOvr>
+    <a:masterClrMapping/>
+  </p:clrMapOvr>
+  <p:timing>
+    <p:tnLst>
+      <p:par>
+        <p:cTn id="1" dur="indefinite" restart="never" nodeType="tmRoot"/>
+      </p:par>
+    </p:tnLst>
+  </p:timing>
+</p:sld>
+</file>
+
+<file path=ppt/slides/slide26.xml><?xml version="1.0" encoding="utf-8"?>
+<p:sld xmlns:a="http://schemas.openxmlformats.org/drawingml/2006/main" xmlns:r="http://schemas.openxmlformats.org/officeDocument/2006/relationships" xmlns:p="http://schemas.openxmlformats.org/presentationml/2006/main">
+  <p:cSld>
+    <p:spTree>
+      <p:nvGrpSpPr>
+        <p:cNvPr id="1" name=""/>
+        <p:cNvGrpSpPr/>
+        <p:nvPr/>
+      </p:nvGrpSpPr>
+      <p:grpSpPr>
+        <a:xfrm>
+          <a:off x="0" y="0"/>
+          <a:ext cx="0" cy="0"/>
+          <a:chOff x="0" y="0"/>
+          <a:chExt cx="0" cy="0"/>
+        </a:xfrm>
+      </p:grpSpPr>
+      <p:sp>
+        <p:nvSpPr>
+          <p:cNvPr id="2" name="Title 1"/>
+          <p:cNvSpPr>
+            <a:spLocks noGrp="1"/>
+          </p:cNvSpPr>
+          <p:nvPr>
+            <p:ph type="title"/>
+          </p:nvPr>
+        </p:nvSpPr>
+        <p:spPr/>
+        <p:txBody>
+          <a:bodyPr/>
+          <a:lstStyle/>
+          <a:p>
+            <a:r>
+              <a:rPr lang="en-US" dirty="0" err="1" smtClean="0"/>
+              <a:t>Unmounting</a:t>
+            </a:r>
+            <a:endParaRPr lang="en-US" dirty="0"/>
+          </a:p>
+        </p:txBody>
+      </p:sp>
+      <p:sp>
+        <p:nvSpPr>
+          <p:cNvPr id="3" name="Rectangle 5"/>
+          <p:cNvSpPr txBox="1">
+            <a:spLocks noChangeArrowheads="1"/>
+          </p:cNvSpPr>
+          <p:nvPr/>
+        </p:nvSpPr>
+        <p:spPr>
+          <a:xfrm>
+            <a:off x="457993" y="1600200"/>
+            <a:ext cx="8075613" cy="4525963"/>
+          </a:xfrm>
+          <a:prstGeom prst="rect">
+            <a:avLst/>
+          </a:prstGeom>
+          <a:noFill/>
+          <a:ln/>
+        </p:spPr>
+        <p:txBody>
+          <a:bodyPr/>
+          <a:lstStyle>
+            <a:lvl1pPr marL="342900" indent="-342900" algn="l" rtl="0" eaLnBrk="1" fontAlgn="base" hangingPunct="1">
+              <a:spcBef>
+                <a:spcPct val="20000"/>
+              </a:spcBef>
+              <a:spcAft>
+                <a:spcPct val="0"/>
+              </a:spcAft>
+              <a:buClr>
+                <a:schemeClr val="hlink"/>
+              </a:buClr>
+              <a:buFont typeface="Wingdings" pitchFamily="2" charset="2"/>
+              <a:buChar char="v"/>
+              <a:defRPr sz="2800" b="1">
+                <a:solidFill>
+                  <a:schemeClr val="tx1"/>
+                </a:solidFill>
+                <a:latin typeface="Tahoma" pitchFamily="34" charset="0"/>
+                <a:ea typeface="+mn-ea"/>
+                <a:cs typeface="Tahoma" pitchFamily="34" charset="0"/>
+              </a:defRPr>
+            </a:lvl1pPr>
+            <a:lvl2pPr marL="742950" indent="-285750" algn="l" rtl="0" eaLnBrk="1" fontAlgn="base" hangingPunct="1">
+              <a:spcBef>
+                <a:spcPct val="20000"/>
+              </a:spcBef>
+              <a:spcAft>
+                <a:spcPct val="0"/>
+              </a:spcAft>
+              <a:buClr>
+                <a:schemeClr val="accent1"/>
+              </a:buClr>
+              <a:buFont typeface="Wingdings" pitchFamily="2" charset="2"/>
+              <a:buChar char="§"/>
+              <a:defRPr sz="2800">
+                <a:solidFill>
+                  <a:schemeClr val="tx1"/>
+                </a:solidFill>
+                <a:latin typeface="Tahoma" pitchFamily="34" charset="0"/>
+                <a:cs typeface="Tahoma" pitchFamily="34" charset="0"/>
+              </a:defRPr>
+            </a:lvl2pPr>
+            <a:lvl3pPr marL="1143000" indent="-228600" algn="l" rtl="0" eaLnBrk="1" fontAlgn="base" hangingPunct="1">
+              <a:spcBef>
+                <a:spcPct val="20000"/>
+              </a:spcBef>
+              <a:spcAft>
+                <a:spcPct val="0"/>
+              </a:spcAft>
+              <a:buClr>
+                <a:schemeClr val="tx1"/>
+              </a:buClr>
+              <a:buChar char="•"/>
+              <a:defRPr sz="2400">
+                <a:solidFill>
+                  <a:schemeClr val="tx1"/>
+                </a:solidFill>
+                <a:latin typeface="Tahoma" pitchFamily="34" charset="0"/>
+                <a:cs typeface="Tahoma" pitchFamily="34" charset="0"/>
+              </a:defRPr>
+            </a:lvl3pPr>
+            <a:lvl4pPr marL="1600200" indent="-228600" algn="l" rtl="0" eaLnBrk="1" fontAlgn="base" hangingPunct="1">
+              <a:spcBef>
+                <a:spcPct val="20000"/>
+              </a:spcBef>
+              <a:spcAft>
+                <a:spcPct val="0"/>
+              </a:spcAft>
+              <a:buChar char="–"/>
+              <a:defRPr sz="2000">
+                <a:solidFill>
+                  <a:schemeClr val="tx1"/>
+                </a:solidFill>
+                <a:latin typeface="Tahoma" pitchFamily="34" charset="0"/>
+                <a:cs typeface="Tahoma" pitchFamily="34" charset="0"/>
+              </a:defRPr>
+            </a:lvl4pPr>
+            <a:lvl5pPr marL="2057400" indent="-228600" algn="l" rtl="0" eaLnBrk="1" fontAlgn="base" hangingPunct="1">
+              <a:spcBef>
+                <a:spcPct val="20000"/>
+              </a:spcBef>
+              <a:spcAft>
+                <a:spcPct val="0"/>
+              </a:spcAft>
+              <a:buChar char="»"/>
+              <a:defRPr sz="2000">
+                <a:solidFill>
+                  <a:schemeClr val="tx1"/>
+                </a:solidFill>
+                <a:latin typeface="Tahoma" pitchFamily="34" charset="0"/>
+                <a:cs typeface="Tahoma" pitchFamily="34" charset="0"/>
+              </a:defRPr>
+            </a:lvl5pPr>
+            <a:lvl6pPr marL="2514600" indent="-228600" algn="l" rtl="0" eaLnBrk="1" fontAlgn="base" hangingPunct="1">
+              <a:spcBef>
+                <a:spcPct val="20000"/>
+              </a:spcBef>
+              <a:spcAft>
+                <a:spcPct val="0"/>
+              </a:spcAft>
+              <a:buChar char="»"/>
+              <a:defRPr sz="2000">
+                <a:solidFill>
+                  <a:schemeClr val="tx1"/>
+                </a:solidFill>
+                <a:latin typeface="Arial" charset="0"/>
+              </a:defRPr>
+            </a:lvl6pPr>
+            <a:lvl7pPr marL="2971800" indent="-228600" algn="l" rtl="0" eaLnBrk="1" fontAlgn="base" hangingPunct="1">
+              <a:spcBef>
+                <a:spcPct val="20000"/>
+              </a:spcBef>
+              <a:spcAft>
+                <a:spcPct val="0"/>
+              </a:spcAft>
+              <a:buChar char="»"/>
+              <a:defRPr sz="2000">
+                <a:solidFill>
+                  <a:schemeClr val="tx1"/>
+                </a:solidFill>
+                <a:latin typeface="Arial" charset="0"/>
+              </a:defRPr>
+            </a:lvl7pPr>
+            <a:lvl8pPr marL="3429000" indent="-228600" algn="l" rtl="0" eaLnBrk="1" fontAlgn="base" hangingPunct="1">
+              <a:spcBef>
+                <a:spcPct val="20000"/>
+              </a:spcBef>
+              <a:spcAft>
+                <a:spcPct val="0"/>
+              </a:spcAft>
+              <a:buChar char="»"/>
+              <a:defRPr sz="2000">
+                <a:solidFill>
+                  <a:schemeClr val="tx1"/>
+                </a:solidFill>
+                <a:latin typeface="Arial" charset="0"/>
+              </a:defRPr>
+            </a:lvl8pPr>
+            <a:lvl9pPr marL="3886200" indent="-228600" algn="l" rtl="0" eaLnBrk="1" fontAlgn="base" hangingPunct="1">
+              <a:spcBef>
+                <a:spcPct val="20000"/>
+              </a:spcBef>
+              <a:spcAft>
+                <a:spcPct val="0"/>
+              </a:spcAft>
+              <a:buChar char="»"/>
+              <a:defRPr sz="2000">
+                <a:solidFill>
+                  <a:schemeClr val="tx1"/>
+                </a:solidFill>
+                <a:latin typeface="Arial" charset="0"/>
+              </a:defRPr>
+            </a:lvl9pPr>
+          </a:lstStyle>
+          <a:p>
+            <a:pPr marL="914400" lvl="1" indent="-457200">
+              <a:spcAft>
+                <a:spcPts val="600"/>
+              </a:spcAft>
+              <a:buFont typeface="+mj-lt"/>
+              <a:buAutoNum type="arabicPeriod"/>
+            </a:pPr>
+            <a:r>
+              <a:rPr lang="en-US" sz="2400" dirty="0" err="1" smtClean="0">
+                <a:sym typeface="Wingdings" panose="05000000000000000000" pitchFamily="2" charset="2"/>
+              </a:rPr>
+              <a:t>componentWillUnmount</a:t>
+            </a:r>
+            <a:endParaRPr lang="en-US" sz="2400" dirty="0">
+              <a:sym typeface="Wingdings" panose="05000000000000000000" pitchFamily="2" charset="2"/>
+            </a:endParaRPr>
+          </a:p>
+        </p:txBody>
+      </p:sp>
+    </p:spTree>
+    <p:extLst>
+      <p:ext uri="{BB962C8B-B14F-4D97-AF65-F5344CB8AC3E}">
+        <p14:creationId xmlns:p14="http://schemas.microsoft.com/office/powerpoint/2010/main" val="2781326319"/>
       </p:ext>
     </p:extLst>
   </p:cSld>
@@ -20101,7 +23888,31 @@
       </a:bgFillStyleLst>
     </a:fmtScheme>
   </a:themeElements>
-  <a:objectDefaults/>
+  <a:objectDefaults>
+    <a:spDef>
+      <a:spPr/>
+      <a:bodyPr rtlCol="0" anchor="ctr"/>
+      <a:lstStyle>
+        <a:defPPr algn="ctr">
+          <a:defRPr dirty="0" err="1" smtClean="0"/>
+        </a:defPPr>
+      </a:lstStyle>
+      <a:style>
+        <a:lnRef idx="1">
+          <a:schemeClr val="accent4"/>
+        </a:lnRef>
+        <a:fillRef idx="2">
+          <a:schemeClr val="accent4"/>
+        </a:fillRef>
+        <a:effectRef idx="1">
+          <a:schemeClr val="accent4"/>
+        </a:effectRef>
+        <a:fontRef idx="minor">
+          <a:schemeClr val="dk1"/>
+        </a:fontRef>
+      </a:style>
+    </a:spDef>
+  </a:objectDefaults>
   <a:extraClrSchemeLst>
     <a:extraClrScheme>
       <a:clrScheme name="sample 1">

--- a/React_Slide.pptx
+++ b/React_Slide.pptx
@@ -134,7 +134,7 @@
   </p:defaultTextStyle>
   <p:extLst>
     <p:ext uri="{EFAFB233-063F-42B5-8137-9DF3F51BA10A}">
-      <p15:sldGuideLst xmlns:p15="http://schemas.microsoft.com/office/powerpoint/2012/main" xmlns="">
+      <p15:sldGuideLst xmlns="" xmlns:p15="http://schemas.microsoft.com/office/powerpoint/2012/main">
         <p15:guide id="1" orient="horz" pos="2160">
           <p15:clr>
             <a:srgbClr val="A4A3A4"/>
@@ -233,7 +233,7 @@
           <a:p>
             <a:fld id="{30C56A28-4380-4698-9362-A1403F5E2820}" type="datetimeFigureOut">
               <a:rPr lang="en-US" smtClean="0"/>
-              <a:t>12/15/2015</a:t>
+              <a:t>12/16/2015</a:t>
             </a:fld>
             <a:endParaRPr lang="en-US"/>
           </a:p>
@@ -2009,6 +2009,10 @@
           <a:bodyPr/>
           <a:lstStyle/>
           <a:p>
+            <a:r>
+              <a:rPr lang="en-US" baseline="0" dirty="0" smtClean="0"/>
+              <a:t>https://facebook.github.io/react/docs/component-specs.html</a:t>
+            </a:r>
             <a:endParaRPr lang="en-US" baseline="0" dirty="0"/>
           </a:p>
         </p:txBody>
@@ -4267,7 +4271,7 @@
           </a:p>
           <a:p>
             <a:r>
-              <a:rPr lang="en-US" sz="1200" b="0" i="0" kern="1200" smtClean="0">
+              <a:rPr lang="en-US" sz="1200" b="0" i="0" kern="1200" dirty="0" smtClean="0">
                 <a:solidFill>
                   <a:schemeClr val="tx1"/>
                 </a:solidFill>
@@ -4279,7 +4283,7 @@
               <a:t>Check the </a:t>
             </a:r>
             <a:r>
-              <a:rPr lang="en-US" sz="1200" b="0" i="0" kern="1200" smtClean="0">
+              <a:rPr lang="en-US" sz="1200" b="0" i="0" kern="1200" dirty="0" smtClean="0">
                 <a:solidFill>
                   <a:schemeClr val="tx1"/>
                 </a:solidFill>
@@ -4292,7 +4296,7 @@
               <a:t>code</a:t>
             </a:r>
             <a:r>
-              <a:rPr lang="en-US" sz="1200" b="0" i="0" kern="1200" smtClean="0">
+              <a:rPr lang="en-US" sz="1200" b="0" i="0" kern="1200" dirty="0" smtClean="0">
                 <a:solidFill>
                   <a:schemeClr val="tx1"/>
                 </a:solidFill>
@@ -4303,7 +4307,7 @@
               </a:rPr>
               <a:t> example for a more detailed insight.</a:t>
             </a:r>
-            <a:endParaRPr lang="en-US" sz="1200" b="0" i="0" kern="1200">
+            <a:endParaRPr lang="en-US" sz="1200" b="0" i="0" kern="1200" dirty="0">
               <a:solidFill>
                 <a:schemeClr val="tx1"/>
               </a:solidFill>
@@ -6462,7 +6466,7 @@
             <a:fld id="{1D8BD707-D9CF-40AE-B4C6-C98DA3205C09}" type="datetimeFigureOut">
               <a:rPr lang="en-US" smtClean="0"/>
               <a:pPr/>
-              <a:t>12/15/2015</a:t>
+              <a:t>12/16/2015</a:t>
             </a:fld>
             <a:endParaRPr lang="en-US"/>
           </a:p>
@@ -6689,7 +6693,7 @@
             <a:fld id="{1D8BD707-D9CF-40AE-B4C6-C98DA3205C09}" type="datetimeFigureOut">
               <a:rPr lang="en-US" smtClean="0"/>
               <a:pPr/>
-              <a:t>12/15/2015</a:t>
+              <a:t>12/16/2015</a:t>
             </a:fld>
             <a:endParaRPr lang="en-US"/>
           </a:p>
@@ -6916,7 +6920,7 @@
             <a:fld id="{1D8BD707-D9CF-40AE-B4C6-C98DA3205C09}" type="datetimeFigureOut">
               <a:rPr lang="en-US" smtClean="0"/>
               <a:pPr/>
-              <a:t>12/15/2015</a:t>
+              <a:t>12/16/2015</a:t>
             </a:fld>
             <a:endParaRPr lang="en-US"/>
           </a:p>
@@ -7115,7 +7119,7 @@
             <a:fld id="{1D8BD707-D9CF-40AE-B4C6-C98DA3205C09}" type="datetimeFigureOut">
               <a:rPr lang="en-US" smtClean="0"/>
               <a:pPr/>
-              <a:t>12/15/2015</a:t>
+              <a:t>12/16/2015</a:t>
             </a:fld>
             <a:endParaRPr lang="en-US"/>
           </a:p>
@@ -7314,7 +7318,7 @@
             <a:fld id="{1D8BD707-D9CF-40AE-B4C6-C98DA3205C09}" type="datetimeFigureOut">
               <a:rPr lang="en-US" smtClean="0"/>
               <a:pPr/>
-              <a:t>12/15/2015</a:t>
+              <a:t>12/16/2015</a:t>
             </a:fld>
             <a:endParaRPr lang="en-US"/>
           </a:p>
@@ -7540,7 +7544,7 @@
             <a:fld id="{1D8BD707-D9CF-40AE-B4C6-C98DA3205C09}" type="datetimeFigureOut">
               <a:rPr lang="en-US" smtClean="0"/>
               <a:pPr/>
-              <a:t>12/15/2015</a:t>
+              <a:t>12/16/2015</a:t>
             </a:fld>
             <a:endParaRPr lang="en-US"/>
           </a:p>
@@ -7779,7 +7783,7 @@
             <a:fld id="{1D8BD707-D9CF-40AE-B4C6-C98DA3205C09}" type="datetimeFigureOut">
               <a:rPr lang="en-US" smtClean="0"/>
               <a:pPr/>
-              <a:t>12/15/2015</a:t>
+              <a:t>12/16/2015</a:t>
             </a:fld>
             <a:endParaRPr lang="en-US"/>
           </a:p>
@@ -8114,7 +8118,7 @@
             <a:fld id="{1D8BD707-D9CF-40AE-B4C6-C98DA3205C09}" type="datetimeFigureOut">
               <a:rPr lang="en-US" smtClean="0"/>
               <a:pPr/>
-              <a:t>12/15/2015</a:t>
+              <a:t>12/16/2015</a:t>
             </a:fld>
             <a:endParaRPr lang="en-US"/>
           </a:p>
@@ -8584,7 +8588,7 @@
             <a:fld id="{1D8BD707-D9CF-40AE-B4C6-C98DA3205C09}" type="datetimeFigureOut">
               <a:rPr lang="en-US" smtClean="0"/>
               <a:pPr/>
-              <a:t>12/15/2015</a:t>
+              <a:t>12/16/2015</a:t>
             </a:fld>
             <a:endParaRPr lang="en-US"/>
           </a:p>
@@ -8749,7 +8753,7 @@
             <a:fld id="{1D8BD707-D9CF-40AE-B4C6-C98DA3205C09}" type="datetimeFigureOut">
               <a:rPr lang="en-US" smtClean="0"/>
               <a:pPr/>
-              <a:t>12/15/2015</a:t>
+              <a:t>12/16/2015</a:t>
             </a:fld>
             <a:endParaRPr lang="en-US"/>
           </a:p>
@@ -8891,7 +8895,7 @@
             <a:fld id="{1D8BD707-D9CF-40AE-B4C6-C98DA3205C09}" type="datetimeFigureOut">
               <a:rPr lang="en-US" smtClean="0"/>
               <a:pPr/>
-              <a:t>12/15/2015</a:t>
+              <a:t>12/16/2015</a:t>
             </a:fld>
             <a:endParaRPr lang="en-US"/>
           </a:p>
@@ -9215,7 +9219,7 @@
             <a:fld id="{1D8BD707-D9CF-40AE-B4C6-C98DA3205C09}" type="datetimeFigureOut">
               <a:rPr lang="en-US" smtClean="0"/>
               <a:pPr/>
-              <a:t>12/15/2015</a:t>
+              <a:t>12/16/2015</a:t>
             </a:fld>
             <a:endParaRPr lang="en-US"/>
           </a:p>
@@ -9520,7 +9524,7 @@
             <a:fld id="{1D8BD707-D9CF-40AE-B4C6-C98DA3205C09}" type="datetimeFigureOut">
               <a:rPr lang="en-US" smtClean="0"/>
               <a:pPr/>
-              <a:t>12/15/2015</a:t>
+              <a:t>12/16/2015</a:t>
             </a:fld>
             <a:endParaRPr lang="en-US"/>
           </a:p>
@@ -10065,7 +10069,7 @@
             <a:fld id="{1D8BD707-D9CF-40AE-B4C6-C98DA3205C09}" type="datetimeFigureOut">
               <a:rPr lang="en-US" smtClean="0"/>
               <a:pPr/>
-              <a:t>12/15/2015</a:t>
+              <a:t>12/16/2015</a:t>
             </a:fld>
             <a:endParaRPr lang="en-US"/>
           </a:p>
@@ -18898,36 +18902,21 @@
                 <a:ea typeface="Tahoma" panose="020B0604030504040204" pitchFamily="34" charset="0"/>
                 <a:cs typeface="Tahoma" pitchFamily="34" charset="0"/>
               </a:rPr>
-              <a:t>React Event</a:t>
+              <a:t>React </a:t>
+            </a:r>
+            <a:r>
+              <a:rPr lang="en-US" sz="2400" dirty="0" smtClean="0">
+                <a:latin typeface="Tahoma" pitchFamily="34" charset="0"/>
+                <a:ea typeface="Tahoma" panose="020B0604030504040204" pitchFamily="34" charset="0"/>
+                <a:cs typeface="Tahoma" pitchFamily="34" charset="0"/>
+              </a:rPr>
+              <a:t>Form and Event</a:t>
             </a:r>
             <a:endParaRPr lang="en-US" sz="2400" dirty="0">
               <a:latin typeface="Tahoma" pitchFamily="34" charset="0"/>
               <a:ea typeface="Tahoma" panose="020B0604030504040204" pitchFamily="34" charset="0"/>
               <a:cs typeface="Tahoma" pitchFamily="34" charset="0"/>
             </a:endParaRPr>
-          </a:p>
-          <a:p>
-            <a:pPr marL="742950" lvl="1" indent="-285750" fontAlgn="base">
-              <a:spcBef>
-                <a:spcPct val="20000"/>
-              </a:spcBef>
-              <a:spcAft>
-                <a:spcPts val="600"/>
-              </a:spcAft>
-              <a:buClr>
-                <a:schemeClr val="accent1"/>
-              </a:buClr>
-              <a:buFont typeface="Wingdings" pitchFamily="2" charset="2"/>
-              <a:buChar char="§"/>
-            </a:pPr>
-            <a:r>
-              <a:rPr lang="en-US" sz="2400" dirty="0">
-                <a:latin typeface="Tahoma" pitchFamily="34" charset="0"/>
-                <a:ea typeface="Tahoma" panose="020B0604030504040204" pitchFamily="34" charset="0"/>
-                <a:cs typeface="Tahoma" pitchFamily="34" charset="0"/>
-              </a:rPr>
-              <a:t>React Form</a:t>
-            </a:r>
           </a:p>
           <a:p>
             <a:pPr marL="742950" lvl="1" indent="-285750" fontAlgn="base">
@@ -20259,13 +20248,7 @@
               <a:rPr lang="en-US" sz="2400" dirty="0" err="1">
                 <a:sym typeface="Wingdings" panose="05000000000000000000" pitchFamily="2" charset="2"/>
               </a:rPr>
-              <a:t>c</a:t>
-            </a:r>
-            <a:r>
-              <a:rPr lang="en-US" sz="2400" dirty="0" err="1">
-                <a:sym typeface="Wingdings" panose="05000000000000000000" pitchFamily="2" charset="2"/>
-              </a:rPr>
-              <a:t>omponentWillMount</a:t>
+              <a:t>componentWillMount</a:t>
             </a:r>
             <a:endParaRPr lang="en-US" sz="2400" dirty="0">
               <a:sym typeface="Wingdings" panose="05000000000000000000" pitchFamily="2" charset="2"/>
@@ -20283,13 +20266,7 @@
               <a:rPr lang="en-US" sz="2400" dirty="0">
                 <a:sym typeface="Wingdings" panose="05000000000000000000" pitchFamily="2" charset="2"/>
               </a:rPr>
-              <a:t>r</a:t>
-            </a:r>
-            <a:r>
-              <a:rPr lang="en-US" sz="2400" dirty="0">
-                <a:sym typeface="Wingdings" panose="05000000000000000000" pitchFamily="2" charset="2"/>
-              </a:rPr>
-              <a:t>ender</a:t>
+              <a:t>render</a:t>
             </a:r>
           </a:p>
           <a:p>
@@ -20304,13 +20281,7 @@
               <a:rPr lang="en-US" sz="2400" dirty="0" err="1">
                 <a:sym typeface="Wingdings" panose="05000000000000000000" pitchFamily="2" charset="2"/>
               </a:rPr>
-              <a:t>c</a:t>
-            </a:r>
-            <a:r>
-              <a:rPr lang="en-US" sz="2400" dirty="0" err="1">
-                <a:sym typeface="Wingdings" panose="05000000000000000000" pitchFamily="2" charset="2"/>
-              </a:rPr>
-              <a:t>omponentDidMount</a:t>
+              <a:t>componentDidMount</a:t>
             </a:r>
             <a:endParaRPr lang="en-US" sz="2400" dirty="0">
               <a:sym typeface="Wingdings" panose="05000000000000000000" pitchFamily="2" charset="2"/>

--- a/React_Slide.pptx
+++ b/React_Slide.pptx
@@ -5,7 +5,7 @@
     <p:sldMasterId id="2147483660" r:id="rId1"/>
   </p:sldMasterIdLst>
   <p:notesMasterIdLst>
-    <p:notesMasterId r:id="rId28"/>
+    <p:notesMasterId r:id="rId39"/>
   </p:notesMasterIdLst>
   <p:sldIdLst>
     <p:sldId id="256" r:id="rId2"/>
@@ -34,6 +34,17 @@
     <p:sldId id="284" r:id="rId25"/>
     <p:sldId id="285" r:id="rId26"/>
     <p:sldId id="286" r:id="rId27"/>
+    <p:sldId id="293" r:id="rId28"/>
+    <p:sldId id="294" r:id="rId29"/>
+    <p:sldId id="295" r:id="rId30"/>
+    <p:sldId id="296" r:id="rId31"/>
+    <p:sldId id="297" r:id="rId32"/>
+    <p:sldId id="298" r:id="rId33"/>
+    <p:sldId id="288" r:id="rId34"/>
+    <p:sldId id="290" r:id="rId35"/>
+    <p:sldId id="291" r:id="rId36"/>
+    <p:sldId id="289" r:id="rId37"/>
+    <p:sldId id="292" r:id="rId38"/>
   </p:sldIdLst>
   <p:sldSz cx="9144000" cy="6858000" type="screen4x3"/>
   <p:notesSz cx="6858000" cy="9144000"/>
@@ -233,7 +244,7 @@
           <a:p>
             <a:fld id="{30C56A28-4380-4698-9362-A1403F5E2820}" type="datetimeFigureOut">
               <a:rPr lang="en-US" smtClean="0"/>
-              <a:t>12/16/2015</a:t>
+              <a:t>12/22/2015</a:t>
             </a:fld>
             <a:endParaRPr lang="en-US"/>
           </a:p>
@@ -4355,6 +4366,1366 @@
 </p:notes>
 </file>
 
+<file path=ppt/notesSlides/notesSlide22.xml><?xml version="1.0" encoding="utf-8"?>
+<p:notes xmlns:a="http://schemas.openxmlformats.org/drawingml/2006/main" xmlns:r="http://schemas.openxmlformats.org/officeDocument/2006/relationships" xmlns:p="http://schemas.openxmlformats.org/presentationml/2006/main">
+  <p:cSld>
+    <p:spTree>
+      <p:nvGrpSpPr>
+        <p:cNvPr id="1" name=""/>
+        <p:cNvGrpSpPr/>
+        <p:nvPr/>
+      </p:nvGrpSpPr>
+      <p:grpSpPr>
+        <a:xfrm>
+          <a:off x="0" y="0"/>
+          <a:ext cx="0" cy="0"/>
+          <a:chOff x="0" y="0"/>
+          <a:chExt cx="0" cy="0"/>
+        </a:xfrm>
+      </p:grpSpPr>
+      <p:sp>
+        <p:nvSpPr>
+          <p:cNvPr id="2" name="Slide Image Placeholder 1"/>
+          <p:cNvSpPr>
+            <a:spLocks noGrp="1" noRot="1" noChangeAspect="1"/>
+          </p:cNvSpPr>
+          <p:nvPr>
+            <p:ph type="sldImg"/>
+          </p:nvPr>
+        </p:nvSpPr>
+        <p:spPr/>
+      </p:sp>
+      <p:sp>
+        <p:nvSpPr>
+          <p:cNvPr id="3" name="Notes Placeholder 2"/>
+          <p:cNvSpPr>
+            <a:spLocks noGrp="1"/>
+          </p:cNvSpPr>
+          <p:nvPr>
+            <p:ph type="body" idx="1"/>
+          </p:nvPr>
+        </p:nvSpPr>
+        <p:spPr/>
+        <p:txBody>
+          <a:bodyPr/>
+          <a:lstStyle/>
+          <a:p>
+            <a:r>
+              <a:rPr lang="en-US" sz="1200" b="0" i="0" kern="1200" dirty="0" smtClean="0">
+                <a:solidFill>
+                  <a:schemeClr val="tx1"/>
+                </a:solidFill>
+                <a:effectLst/>
+                <a:latin typeface="+mn-lt"/>
+                <a:ea typeface="+mn-ea"/>
+                <a:cs typeface="+mn-cs"/>
+              </a:rPr>
+              <a:t>The only method we haven't touched yet is the </a:t>
+            </a:r>
+            <a:r>
+              <a:rPr lang="en-US" sz="1200" b="0" i="1" kern="1200" dirty="0" err="1" smtClean="0">
+                <a:solidFill>
+                  <a:schemeClr val="tx1"/>
+                </a:solidFill>
+                <a:effectLst/>
+                <a:latin typeface="+mn-lt"/>
+                <a:ea typeface="+mn-ea"/>
+                <a:cs typeface="+mn-cs"/>
+              </a:rPr>
+              <a:t>componentWillUnmount</a:t>
+            </a:r>
+            <a:r>
+              <a:rPr lang="en-US" sz="1200" b="0" i="0" kern="1200" dirty="0" smtClean="0">
+                <a:solidFill>
+                  <a:schemeClr val="tx1"/>
+                </a:solidFill>
+                <a:effectLst/>
+                <a:latin typeface="+mn-lt"/>
+                <a:ea typeface="+mn-ea"/>
+                <a:cs typeface="+mn-cs"/>
+              </a:rPr>
+              <a:t> which gets called before the component is removed from the DOM. This method can be beneficial when needing to perform clean up operations, </a:t>
+            </a:r>
+            <a:r>
+              <a:rPr lang="en-US" sz="1200" b="0" i="0" kern="1200" dirty="0" err="1" smtClean="0">
+                <a:solidFill>
+                  <a:schemeClr val="tx1"/>
+                </a:solidFill>
+                <a:effectLst/>
+                <a:latin typeface="+mn-lt"/>
+                <a:ea typeface="+mn-ea"/>
+                <a:cs typeface="+mn-cs"/>
+              </a:rPr>
+              <a:t>f.e</a:t>
+            </a:r>
+            <a:r>
+              <a:rPr lang="en-US" sz="1200" b="0" i="0" kern="1200" dirty="0" smtClean="0">
+                <a:solidFill>
+                  <a:schemeClr val="tx1"/>
+                </a:solidFill>
+                <a:effectLst/>
+                <a:latin typeface="+mn-lt"/>
+                <a:ea typeface="+mn-ea"/>
+                <a:cs typeface="+mn-cs"/>
+              </a:rPr>
+              <a:t>. removing any timers defined in </a:t>
+            </a:r>
+            <a:r>
+              <a:rPr lang="en-US" sz="1200" b="0" i="1" kern="1200" dirty="0" err="1" smtClean="0">
+                <a:solidFill>
+                  <a:schemeClr val="tx1"/>
+                </a:solidFill>
+                <a:effectLst/>
+                <a:latin typeface="+mn-lt"/>
+                <a:ea typeface="+mn-ea"/>
+                <a:cs typeface="+mn-cs"/>
+              </a:rPr>
+              <a:t>componentDidMount</a:t>
+            </a:r>
+            <a:r>
+              <a:rPr lang="en-US" sz="1200" b="0" i="0" kern="1200" dirty="0" smtClean="0">
+                <a:solidFill>
+                  <a:schemeClr val="tx1"/>
+                </a:solidFill>
+                <a:effectLst/>
+                <a:latin typeface="+mn-lt"/>
+                <a:ea typeface="+mn-ea"/>
+                <a:cs typeface="+mn-cs"/>
+              </a:rPr>
+              <a:t>.</a:t>
+            </a:r>
+          </a:p>
+        </p:txBody>
+      </p:sp>
+      <p:sp>
+        <p:nvSpPr>
+          <p:cNvPr id="4" name="Slide Number Placeholder 3"/>
+          <p:cNvSpPr>
+            <a:spLocks noGrp="1"/>
+          </p:cNvSpPr>
+          <p:nvPr>
+            <p:ph type="sldNum" sz="quarter" idx="10"/>
+          </p:nvPr>
+        </p:nvSpPr>
+        <p:spPr/>
+        <p:txBody>
+          <a:bodyPr/>
+          <a:lstStyle/>
+          <a:p>
+            <a:fld id="{47CA5B65-C32E-4594-82B5-5B950CCEF23B}" type="slidenum">
+              <a:rPr lang="en-US" smtClean="0"/>
+              <a:t>27</a:t>
+            </a:fld>
+            <a:endParaRPr lang="en-US"/>
+          </a:p>
+        </p:txBody>
+      </p:sp>
+    </p:spTree>
+    <p:extLst>
+      <p:ext uri="{BB962C8B-B14F-4D97-AF65-F5344CB8AC3E}">
+        <p14:creationId xmlns:p14="http://schemas.microsoft.com/office/powerpoint/2010/main" val="3704078898"/>
+      </p:ext>
+    </p:extLst>
+  </p:cSld>
+  <p:clrMapOvr>
+    <a:masterClrMapping/>
+  </p:clrMapOvr>
+</p:notes>
+</file>
+
+<file path=ppt/notesSlides/notesSlide23.xml><?xml version="1.0" encoding="utf-8"?>
+<p:notes xmlns:a="http://schemas.openxmlformats.org/drawingml/2006/main" xmlns:r="http://schemas.openxmlformats.org/officeDocument/2006/relationships" xmlns:p="http://schemas.openxmlformats.org/presentationml/2006/main">
+  <p:cSld>
+    <p:spTree>
+      <p:nvGrpSpPr>
+        <p:cNvPr id="1" name=""/>
+        <p:cNvGrpSpPr/>
+        <p:nvPr/>
+      </p:nvGrpSpPr>
+      <p:grpSpPr>
+        <a:xfrm>
+          <a:off x="0" y="0"/>
+          <a:ext cx="0" cy="0"/>
+          <a:chOff x="0" y="0"/>
+          <a:chExt cx="0" cy="0"/>
+        </a:xfrm>
+      </p:grpSpPr>
+      <p:sp>
+        <p:nvSpPr>
+          <p:cNvPr id="2" name="Slide Image Placeholder 1"/>
+          <p:cNvSpPr>
+            <a:spLocks noGrp="1" noRot="1" noChangeAspect="1"/>
+          </p:cNvSpPr>
+          <p:nvPr>
+            <p:ph type="sldImg"/>
+          </p:nvPr>
+        </p:nvSpPr>
+        <p:spPr/>
+      </p:sp>
+      <p:sp>
+        <p:nvSpPr>
+          <p:cNvPr id="3" name="Notes Placeholder 2"/>
+          <p:cNvSpPr>
+            <a:spLocks noGrp="1"/>
+          </p:cNvSpPr>
+          <p:nvPr>
+            <p:ph type="body" idx="1"/>
+          </p:nvPr>
+        </p:nvSpPr>
+        <p:spPr/>
+        <p:txBody>
+          <a:bodyPr/>
+          <a:lstStyle/>
+          <a:p>
+            <a:r>
+              <a:rPr lang="en-US" sz="1200" b="0" i="0" kern="1200" dirty="0" smtClean="0">
+                <a:solidFill>
+                  <a:schemeClr val="tx1"/>
+                </a:solidFill>
+                <a:effectLst/>
+                <a:latin typeface="+mn-lt"/>
+                <a:ea typeface="+mn-ea"/>
+                <a:cs typeface="+mn-cs"/>
+              </a:rPr>
+              <a:t>The only method we haven't touched yet is the </a:t>
+            </a:r>
+            <a:r>
+              <a:rPr lang="en-US" sz="1200" b="0" i="1" kern="1200" dirty="0" err="1" smtClean="0">
+                <a:solidFill>
+                  <a:schemeClr val="tx1"/>
+                </a:solidFill>
+                <a:effectLst/>
+                <a:latin typeface="+mn-lt"/>
+                <a:ea typeface="+mn-ea"/>
+                <a:cs typeface="+mn-cs"/>
+              </a:rPr>
+              <a:t>componentWillUnmount</a:t>
+            </a:r>
+            <a:r>
+              <a:rPr lang="en-US" sz="1200" b="0" i="0" kern="1200" dirty="0" smtClean="0">
+                <a:solidFill>
+                  <a:schemeClr val="tx1"/>
+                </a:solidFill>
+                <a:effectLst/>
+                <a:latin typeface="+mn-lt"/>
+                <a:ea typeface="+mn-ea"/>
+                <a:cs typeface="+mn-cs"/>
+              </a:rPr>
+              <a:t> which gets called before the component is removed from the DOM. This method can be beneficial when needing to perform clean up operations, </a:t>
+            </a:r>
+            <a:r>
+              <a:rPr lang="en-US" sz="1200" b="0" i="0" kern="1200" dirty="0" err="1" smtClean="0">
+                <a:solidFill>
+                  <a:schemeClr val="tx1"/>
+                </a:solidFill>
+                <a:effectLst/>
+                <a:latin typeface="+mn-lt"/>
+                <a:ea typeface="+mn-ea"/>
+                <a:cs typeface="+mn-cs"/>
+              </a:rPr>
+              <a:t>f.e</a:t>
+            </a:r>
+            <a:r>
+              <a:rPr lang="en-US" sz="1200" b="0" i="0" kern="1200" dirty="0" smtClean="0">
+                <a:solidFill>
+                  <a:schemeClr val="tx1"/>
+                </a:solidFill>
+                <a:effectLst/>
+                <a:latin typeface="+mn-lt"/>
+                <a:ea typeface="+mn-ea"/>
+                <a:cs typeface="+mn-cs"/>
+              </a:rPr>
+              <a:t>. removing any timers defined in </a:t>
+            </a:r>
+            <a:r>
+              <a:rPr lang="en-US" sz="1200" b="0" i="1" kern="1200" dirty="0" err="1" smtClean="0">
+                <a:solidFill>
+                  <a:schemeClr val="tx1"/>
+                </a:solidFill>
+                <a:effectLst/>
+                <a:latin typeface="+mn-lt"/>
+                <a:ea typeface="+mn-ea"/>
+                <a:cs typeface="+mn-cs"/>
+              </a:rPr>
+              <a:t>componentDidMount</a:t>
+            </a:r>
+            <a:r>
+              <a:rPr lang="en-US" sz="1200" b="0" i="0" kern="1200" dirty="0" smtClean="0">
+                <a:solidFill>
+                  <a:schemeClr val="tx1"/>
+                </a:solidFill>
+                <a:effectLst/>
+                <a:latin typeface="+mn-lt"/>
+                <a:ea typeface="+mn-ea"/>
+                <a:cs typeface="+mn-cs"/>
+              </a:rPr>
+              <a:t>.</a:t>
+            </a:r>
+          </a:p>
+        </p:txBody>
+      </p:sp>
+      <p:sp>
+        <p:nvSpPr>
+          <p:cNvPr id="4" name="Slide Number Placeholder 3"/>
+          <p:cNvSpPr>
+            <a:spLocks noGrp="1"/>
+          </p:cNvSpPr>
+          <p:nvPr>
+            <p:ph type="sldNum" sz="quarter" idx="10"/>
+          </p:nvPr>
+        </p:nvSpPr>
+        <p:spPr/>
+        <p:txBody>
+          <a:bodyPr/>
+          <a:lstStyle/>
+          <a:p>
+            <a:fld id="{47CA5B65-C32E-4594-82B5-5B950CCEF23B}" type="slidenum">
+              <a:rPr lang="en-US" smtClean="0"/>
+              <a:t>28</a:t>
+            </a:fld>
+            <a:endParaRPr lang="en-US"/>
+          </a:p>
+        </p:txBody>
+      </p:sp>
+    </p:spTree>
+    <p:extLst>
+      <p:ext uri="{BB962C8B-B14F-4D97-AF65-F5344CB8AC3E}">
+        <p14:creationId xmlns:p14="http://schemas.microsoft.com/office/powerpoint/2010/main" val="3704078898"/>
+      </p:ext>
+    </p:extLst>
+  </p:cSld>
+  <p:clrMapOvr>
+    <a:masterClrMapping/>
+  </p:clrMapOvr>
+</p:notes>
+</file>
+
+<file path=ppt/notesSlides/notesSlide24.xml><?xml version="1.0" encoding="utf-8"?>
+<p:notes xmlns:a="http://schemas.openxmlformats.org/drawingml/2006/main" xmlns:r="http://schemas.openxmlformats.org/officeDocument/2006/relationships" xmlns:p="http://schemas.openxmlformats.org/presentationml/2006/main">
+  <p:cSld>
+    <p:spTree>
+      <p:nvGrpSpPr>
+        <p:cNvPr id="1" name=""/>
+        <p:cNvGrpSpPr/>
+        <p:nvPr/>
+      </p:nvGrpSpPr>
+      <p:grpSpPr>
+        <a:xfrm>
+          <a:off x="0" y="0"/>
+          <a:ext cx="0" cy="0"/>
+          <a:chOff x="0" y="0"/>
+          <a:chExt cx="0" cy="0"/>
+        </a:xfrm>
+      </p:grpSpPr>
+      <p:sp>
+        <p:nvSpPr>
+          <p:cNvPr id="2" name="Slide Image Placeholder 1"/>
+          <p:cNvSpPr>
+            <a:spLocks noGrp="1" noRot="1" noChangeAspect="1"/>
+          </p:cNvSpPr>
+          <p:nvPr>
+            <p:ph type="sldImg"/>
+          </p:nvPr>
+        </p:nvSpPr>
+        <p:spPr/>
+      </p:sp>
+      <p:sp>
+        <p:nvSpPr>
+          <p:cNvPr id="3" name="Notes Placeholder 2"/>
+          <p:cNvSpPr>
+            <a:spLocks noGrp="1"/>
+          </p:cNvSpPr>
+          <p:nvPr>
+            <p:ph type="body" idx="1"/>
+          </p:nvPr>
+        </p:nvSpPr>
+        <p:spPr/>
+        <p:txBody>
+          <a:bodyPr/>
+          <a:lstStyle/>
+          <a:p>
+            <a:r>
+              <a:rPr lang="en-US" sz="1200" b="0" i="0" kern="1200" dirty="0" smtClean="0">
+                <a:solidFill>
+                  <a:schemeClr val="tx1"/>
+                </a:solidFill>
+                <a:effectLst/>
+                <a:latin typeface="+mn-lt"/>
+                <a:ea typeface="+mn-ea"/>
+                <a:cs typeface="+mn-cs"/>
+              </a:rPr>
+              <a:t>The only method we haven't touched yet is the </a:t>
+            </a:r>
+            <a:r>
+              <a:rPr lang="en-US" sz="1200" b="0" i="1" kern="1200" dirty="0" err="1" smtClean="0">
+                <a:solidFill>
+                  <a:schemeClr val="tx1"/>
+                </a:solidFill>
+                <a:effectLst/>
+                <a:latin typeface="+mn-lt"/>
+                <a:ea typeface="+mn-ea"/>
+                <a:cs typeface="+mn-cs"/>
+              </a:rPr>
+              <a:t>componentWillUnmount</a:t>
+            </a:r>
+            <a:r>
+              <a:rPr lang="en-US" sz="1200" b="0" i="0" kern="1200" dirty="0" smtClean="0">
+                <a:solidFill>
+                  <a:schemeClr val="tx1"/>
+                </a:solidFill>
+                <a:effectLst/>
+                <a:latin typeface="+mn-lt"/>
+                <a:ea typeface="+mn-ea"/>
+                <a:cs typeface="+mn-cs"/>
+              </a:rPr>
+              <a:t> which gets called before the component is removed from the DOM. This method can be beneficial when needing to perform clean up operations, </a:t>
+            </a:r>
+            <a:r>
+              <a:rPr lang="en-US" sz="1200" b="0" i="0" kern="1200" dirty="0" err="1" smtClean="0">
+                <a:solidFill>
+                  <a:schemeClr val="tx1"/>
+                </a:solidFill>
+                <a:effectLst/>
+                <a:latin typeface="+mn-lt"/>
+                <a:ea typeface="+mn-ea"/>
+                <a:cs typeface="+mn-cs"/>
+              </a:rPr>
+              <a:t>f.e</a:t>
+            </a:r>
+            <a:r>
+              <a:rPr lang="en-US" sz="1200" b="0" i="0" kern="1200" dirty="0" smtClean="0">
+                <a:solidFill>
+                  <a:schemeClr val="tx1"/>
+                </a:solidFill>
+                <a:effectLst/>
+                <a:latin typeface="+mn-lt"/>
+                <a:ea typeface="+mn-ea"/>
+                <a:cs typeface="+mn-cs"/>
+              </a:rPr>
+              <a:t>. removing any timers defined in </a:t>
+            </a:r>
+            <a:r>
+              <a:rPr lang="en-US" sz="1200" b="0" i="1" kern="1200" dirty="0" err="1" smtClean="0">
+                <a:solidFill>
+                  <a:schemeClr val="tx1"/>
+                </a:solidFill>
+                <a:effectLst/>
+                <a:latin typeface="+mn-lt"/>
+                <a:ea typeface="+mn-ea"/>
+                <a:cs typeface="+mn-cs"/>
+              </a:rPr>
+              <a:t>componentDidMount</a:t>
+            </a:r>
+            <a:r>
+              <a:rPr lang="en-US" sz="1200" b="0" i="0" kern="1200" dirty="0" smtClean="0">
+                <a:solidFill>
+                  <a:schemeClr val="tx1"/>
+                </a:solidFill>
+                <a:effectLst/>
+                <a:latin typeface="+mn-lt"/>
+                <a:ea typeface="+mn-ea"/>
+                <a:cs typeface="+mn-cs"/>
+              </a:rPr>
+              <a:t>.</a:t>
+            </a:r>
+          </a:p>
+        </p:txBody>
+      </p:sp>
+      <p:sp>
+        <p:nvSpPr>
+          <p:cNvPr id="4" name="Slide Number Placeholder 3"/>
+          <p:cNvSpPr>
+            <a:spLocks noGrp="1"/>
+          </p:cNvSpPr>
+          <p:nvPr>
+            <p:ph type="sldNum" sz="quarter" idx="10"/>
+          </p:nvPr>
+        </p:nvSpPr>
+        <p:spPr/>
+        <p:txBody>
+          <a:bodyPr/>
+          <a:lstStyle/>
+          <a:p>
+            <a:fld id="{47CA5B65-C32E-4594-82B5-5B950CCEF23B}" type="slidenum">
+              <a:rPr lang="en-US" smtClean="0"/>
+              <a:t>29</a:t>
+            </a:fld>
+            <a:endParaRPr lang="en-US"/>
+          </a:p>
+        </p:txBody>
+      </p:sp>
+    </p:spTree>
+    <p:extLst>
+      <p:ext uri="{BB962C8B-B14F-4D97-AF65-F5344CB8AC3E}">
+        <p14:creationId xmlns:p14="http://schemas.microsoft.com/office/powerpoint/2010/main" val="3704078898"/>
+      </p:ext>
+    </p:extLst>
+  </p:cSld>
+  <p:clrMapOvr>
+    <a:masterClrMapping/>
+  </p:clrMapOvr>
+</p:notes>
+</file>
+
+<file path=ppt/notesSlides/notesSlide25.xml><?xml version="1.0" encoding="utf-8"?>
+<p:notes xmlns:a="http://schemas.openxmlformats.org/drawingml/2006/main" xmlns:r="http://schemas.openxmlformats.org/officeDocument/2006/relationships" xmlns:p="http://schemas.openxmlformats.org/presentationml/2006/main">
+  <p:cSld>
+    <p:spTree>
+      <p:nvGrpSpPr>
+        <p:cNvPr id="1" name=""/>
+        <p:cNvGrpSpPr/>
+        <p:nvPr/>
+      </p:nvGrpSpPr>
+      <p:grpSpPr>
+        <a:xfrm>
+          <a:off x="0" y="0"/>
+          <a:ext cx="0" cy="0"/>
+          <a:chOff x="0" y="0"/>
+          <a:chExt cx="0" cy="0"/>
+        </a:xfrm>
+      </p:grpSpPr>
+      <p:sp>
+        <p:nvSpPr>
+          <p:cNvPr id="2" name="Slide Image Placeholder 1"/>
+          <p:cNvSpPr>
+            <a:spLocks noGrp="1" noRot="1" noChangeAspect="1"/>
+          </p:cNvSpPr>
+          <p:nvPr>
+            <p:ph type="sldImg"/>
+          </p:nvPr>
+        </p:nvSpPr>
+        <p:spPr/>
+      </p:sp>
+      <p:sp>
+        <p:nvSpPr>
+          <p:cNvPr id="3" name="Notes Placeholder 2"/>
+          <p:cNvSpPr>
+            <a:spLocks noGrp="1"/>
+          </p:cNvSpPr>
+          <p:nvPr>
+            <p:ph type="body" idx="1"/>
+          </p:nvPr>
+        </p:nvSpPr>
+        <p:spPr/>
+        <p:txBody>
+          <a:bodyPr/>
+          <a:lstStyle/>
+          <a:p>
+            <a:r>
+              <a:rPr lang="en-US" sz="1200" b="0" i="0" kern="1200" dirty="0" smtClean="0">
+                <a:solidFill>
+                  <a:schemeClr val="tx1"/>
+                </a:solidFill>
+                <a:effectLst/>
+                <a:latin typeface="+mn-lt"/>
+                <a:ea typeface="+mn-ea"/>
+                <a:cs typeface="+mn-cs"/>
+              </a:rPr>
+              <a:t>The only method we haven't touched yet is the </a:t>
+            </a:r>
+            <a:r>
+              <a:rPr lang="en-US" sz="1200" b="0" i="1" kern="1200" dirty="0" err="1" smtClean="0">
+                <a:solidFill>
+                  <a:schemeClr val="tx1"/>
+                </a:solidFill>
+                <a:effectLst/>
+                <a:latin typeface="+mn-lt"/>
+                <a:ea typeface="+mn-ea"/>
+                <a:cs typeface="+mn-cs"/>
+              </a:rPr>
+              <a:t>componentWillUnmount</a:t>
+            </a:r>
+            <a:r>
+              <a:rPr lang="en-US" sz="1200" b="0" i="0" kern="1200" dirty="0" smtClean="0">
+                <a:solidFill>
+                  <a:schemeClr val="tx1"/>
+                </a:solidFill>
+                <a:effectLst/>
+                <a:latin typeface="+mn-lt"/>
+                <a:ea typeface="+mn-ea"/>
+                <a:cs typeface="+mn-cs"/>
+              </a:rPr>
+              <a:t> which gets called before the component is removed from the DOM. This method can be beneficial when needing to perform clean up operations, </a:t>
+            </a:r>
+            <a:r>
+              <a:rPr lang="en-US" sz="1200" b="0" i="0" kern="1200" dirty="0" err="1" smtClean="0">
+                <a:solidFill>
+                  <a:schemeClr val="tx1"/>
+                </a:solidFill>
+                <a:effectLst/>
+                <a:latin typeface="+mn-lt"/>
+                <a:ea typeface="+mn-ea"/>
+                <a:cs typeface="+mn-cs"/>
+              </a:rPr>
+              <a:t>f.e</a:t>
+            </a:r>
+            <a:r>
+              <a:rPr lang="en-US" sz="1200" b="0" i="0" kern="1200" dirty="0" smtClean="0">
+                <a:solidFill>
+                  <a:schemeClr val="tx1"/>
+                </a:solidFill>
+                <a:effectLst/>
+                <a:latin typeface="+mn-lt"/>
+                <a:ea typeface="+mn-ea"/>
+                <a:cs typeface="+mn-cs"/>
+              </a:rPr>
+              <a:t>. removing any timers defined in </a:t>
+            </a:r>
+            <a:r>
+              <a:rPr lang="en-US" sz="1200" b="0" i="1" kern="1200" dirty="0" err="1" smtClean="0">
+                <a:solidFill>
+                  <a:schemeClr val="tx1"/>
+                </a:solidFill>
+                <a:effectLst/>
+                <a:latin typeface="+mn-lt"/>
+                <a:ea typeface="+mn-ea"/>
+                <a:cs typeface="+mn-cs"/>
+              </a:rPr>
+              <a:t>componentDidMount</a:t>
+            </a:r>
+            <a:r>
+              <a:rPr lang="en-US" sz="1200" b="0" i="0" kern="1200" dirty="0" smtClean="0">
+                <a:solidFill>
+                  <a:schemeClr val="tx1"/>
+                </a:solidFill>
+                <a:effectLst/>
+                <a:latin typeface="+mn-lt"/>
+                <a:ea typeface="+mn-ea"/>
+                <a:cs typeface="+mn-cs"/>
+              </a:rPr>
+              <a:t>.</a:t>
+            </a:r>
+          </a:p>
+        </p:txBody>
+      </p:sp>
+      <p:sp>
+        <p:nvSpPr>
+          <p:cNvPr id="4" name="Slide Number Placeholder 3"/>
+          <p:cNvSpPr>
+            <a:spLocks noGrp="1"/>
+          </p:cNvSpPr>
+          <p:nvPr>
+            <p:ph type="sldNum" sz="quarter" idx="10"/>
+          </p:nvPr>
+        </p:nvSpPr>
+        <p:spPr/>
+        <p:txBody>
+          <a:bodyPr/>
+          <a:lstStyle/>
+          <a:p>
+            <a:fld id="{47CA5B65-C32E-4594-82B5-5B950CCEF23B}" type="slidenum">
+              <a:rPr lang="en-US" smtClean="0"/>
+              <a:t>30</a:t>
+            </a:fld>
+            <a:endParaRPr lang="en-US"/>
+          </a:p>
+        </p:txBody>
+      </p:sp>
+    </p:spTree>
+    <p:extLst>
+      <p:ext uri="{BB962C8B-B14F-4D97-AF65-F5344CB8AC3E}">
+        <p14:creationId xmlns:p14="http://schemas.microsoft.com/office/powerpoint/2010/main" val="3704078898"/>
+      </p:ext>
+    </p:extLst>
+  </p:cSld>
+  <p:clrMapOvr>
+    <a:masterClrMapping/>
+  </p:clrMapOvr>
+</p:notes>
+</file>
+
+<file path=ppt/notesSlides/notesSlide26.xml><?xml version="1.0" encoding="utf-8"?>
+<p:notes xmlns:a="http://schemas.openxmlformats.org/drawingml/2006/main" xmlns:r="http://schemas.openxmlformats.org/officeDocument/2006/relationships" xmlns:p="http://schemas.openxmlformats.org/presentationml/2006/main">
+  <p:cSld>
+    <p:spTree>
+      <p:nvGrpSpPr>
+        <p:cNvPr id="1" name=""/>
+        <p:cNvGrpSpPr/>
+        <p:nvPr/>
+      </p:nvGrpSpPr>
+      <p:grpSpPr>
+        <a:xfrm>
+          <a:off x="0" y="0"/>
+          <a:ext cx="0" cy="0"/>
+          <a:chOff x="0" y="0"/>
+          <a:chExt cx="0" cy="0"/>
+        </a:xfrm>
+      </p:grpSpPr>
+      <p:sp>
+        <p:nvSpPr>
+          <p:cNvPr id="2" name="Slide Image Placeholder 1"/>
+          <p:cNvSpPr>
+            <a:spLocks noGrp="1" noRot="1" noChangeAspect="1"/>
+          </p:cNvSpPr>
+          <p:nvPr>
+            <p:ph type="sldImg"/>
+          </p:nvPr>
+        </p:nvSpPr>
+        <p:spPr/>
+      </p:sp>
+      <p:sp>
+        <p:nvSpPr>
+          <p:cNvPr id="3" name="Notes Placeholder 2"/>
+          <p:cNvSpPr>
+            <a:spLocks noGrp="1"/>
+          </p:cNvSpPr>
+          <p:nvPr>
+            <p:ph type="body" idx="1"/>
+          </p:nvPr>
+        </p:nvSpPr>
+        <p:spPr/>
+        <p:txBody>
+          <a:bodyPr/>
+          <a:lstStyle/>
+          <a:p>
+            <a:r>
+              <a:rPr lang="en-US" sz="1200" b="0" i="0" kern="1200" dirty="0" smtClean="0">
+                <a:solidFill>
+                  <a:schemeClr val="tx1"/>
+                </a:solidFill>
+                <a:effectLst/>
+                <a:latin typeface="+mn-lt"/>
+                <a:ea typeface="+mn-ea"/>
+                <a:cs typeface="+mn-cs"/>
+              </a:rPr>
+              <a:t>The only method we haven't touched yet is the </a:t>
+            </a:r>
+            <a:r>
+              <a:rPr lang="en-US" sz="1200" b="0" i="1" kern="1200" dirty="0" err="1" smtClean="0">
+                <a:solidFill>
+                  <a:schemeClr val="tx1"/>
+                </a:solidFill>
+                <a:effectLst/>
+                <a:latin typeface="+mn-lt"/>
+                <a:ea typeface="+mn-ea"/>
+                <a:cs typeface="+mn-cs"/>
+              </a:rPr>
+              <a:t>componentWillUnmount</a:t>
+            </a:r>
+            <a:r>
+              <a:rPr lang="en-US" sz="1200" b="0" i="1" kern="1200" dirty="0" smtClean="0">
+                <a:solidFill>
+                  <a:schemeClr val="tx1"/>
+                </a:solidFill>
+                <a:effectLst/>
+                <a:latin typeface="+mn-lt"/>
+                <a:ea typeface="+mn-ea"/>
+                <a:cs typeface="+mn-cs"/>
+              </a:rPr>
+              <a:t> </a:t>
+            </a:r>
+            <a:r>
+              <a:rPr lang="en-US" sz="1200" b="0" i="0" kern="1200" dirty="0" smtClean="0">
+                <a:solidFill>
+                  <a:schemeClr val="tx1"/>
+                </a:solidFill>
+                <a:effectLst/>
+                <a:latin typeface="+mn-lt"/>
+                <a:ea typeface="+mn-ea"/>
+                <a:cs typeface="+mn-cs"/>
+              </a:rPr>
+              <a:t> which gets called before the component is removed from the DOM. This method can be beneficial when needing to perform clean up operations, </a:t>
+            </a:r>
+            <a:r>
+              <a:rPr lang="en-US" sz="1200" b="0" i="0" kern="1200" dirty="0" err="1" smtClean="0">
+                <a:solidFill>
+                  <a:schemeClr val="tx1"/>
+                </a:solidFill>
+                <a:effectLst/>
+                <a:latin typeface="+mn-lt"/>
+                <a:ea typeface="+mn-ea"/>
+                <a:cs typeface="+mn-cs"/>
+              </a:rPr>
+              <a:t>f.e</a:t>
+            </a:r>
+            <a:r>
+              <a:rPr lang="en-US" sz="1200" b="0" i="0" kern="1200" dirty="0" smtClean="0">
+                <a:solidFill>
+                  <a:schemeClr val="tx1"/>
+                </a:solidFill>
+                <a:effectLst/>
+                <a:latin typeface="+mn-lt"/>
+                <a:ea typeface="+mn-ea"/>
+                <a:cs typeface="+mn-cs"/>
+              </a:rPr>
+              <a:t>. removing any timers defined in </a:t>
+            </a:r>
+            <a:r>
+              <a:rPr lang="en-US" sz="1200" b="0" i="1" kern="1200" dirty="0" err="1" smtClean="0">
+                <a:solidFill>
+                  <a:schemeClr val="tx1"/>
+                </a:solidFill>
+                <a:effectLst/>
+                <a:latin typeface="+mn-lt"/>
+                <a:ea typeface="+mn-ea"/>
+                <a:cs typeface="+mn-cs"/>
+              </a:rPr>
+              <a:t>componentDidMount</a:t>
+            </a:r>
+            <a:r>
+              <a:rPr lang="en-US" sz="1200" b="0" i="0" kern="1200" dirty="0" smtClean="0">
+                <a:solidFill>
+                  <a:schemeClr val="tx1"/>
+                </a:solidFill>
+                <a:effectLst/>
+                <a:latin typeface="+mn-lt"/>
+                <a:ea typeface="+mn-ea"/>
+                <a:cs typeface="+mn-cs"/>
+              </a:rPr>
+              <a:t>.</a:t>
+            </a:r>
+          </a:p>
+        </p:txBody>
+      </p:sp>
+      <p:sp>
+        <p:nvSpPr>
+          <p:cNvPr id="4" name="Slide Number Placeholder 3"/>
+          <p:cNvSpPr>
+            <a:spLocks noGrp="1"/>
+          </p:cNvSpPr>
+          <p:nvPr>
+            <p:ph type="sldNum" sz="quarter" idx="10"/>
+          </p:nvPr>
+        </p:nvSpPr>
+        <p:spPr/>
+        <p:txBody>
+          <a:bodyPr/>
+          <a:lstStyle/>
+          <a:p>
+            <a:fld id="{47CA5B65-C32E-4594-82B5-5B950CCEF23B}" type="slidenum">
+              <a:rPr lang="en-US" smtClean="0"/>
+              <a:t>31</a:t>
+            </a:fld>
+            <a:endParaRPr lang="en-US"/>
+          </a:p>
+        </p:txBody>
+      </p:sp>
+    </p:spTree>
+    <p:extLst>
+      <p:ext uri="{BB962C8B-B14F-4D97-AF65-F5344CB8AC3E}">
+        <p14:creationId xmlns:p14="http://schemas.microsoft.com/office/powerpoint/2010/main" val="3704078898"/>
+      </p:ext>
+    </p:extLst>
+  </p:cSld>
+  <p:clrMapOvr>
+    <a:masterClrMapping/>
+  </p:clrMapOvr>
+</p:notes>
+</file>
+
+<file path=ppt/notesSlides/notesSlide27.xml><?xml version="1.0" encoding="utf-8"?>
+<p:notes xmlns:a="http://schemas.openxmlformats.org/drawingml/2006/main" xmlns:r="http://schemas.openxmlformats.org/officeDocument/2006/relationships" xmlns:p="http://schemas.openxmlformats.org/presentationml/2006/main">
+  <p:cSld>
+    <p:spTree>
+      <p:nvGrpSpPr>
+        <p:cNvPr id="1" name=""/>
+        <p:cNvGrpSpPr/>
+        <p:nvPr/>
+      </p:nvGrpSpPr>
+      <p:grpSpPr>
+        <a:xfrm>
+          <a:off x="0" y="0"/>
+          <a:ext cx="0" cy="0"/>
+          <a:chOff x="0" y="0"/>
+          <a:chExt cx="0" cy="0"/>
+        </a:xfrm>
+      </p:grpSpPr>
+      <p:sp>
+        <p:nvSpPr>
+          <p:cNvPr id="2" name="Slide Image Placeholder 1"/>
+          <p:cNvSpPr>
+            <a:spLocks noGrp="1" noRot="1" noChangeAspect="1"/>
+          </p:cNvSpPr>
+          <p:nvPr>
+            <p:ph type="sldImg"/>
+          </p:nvPr>
+        </p:nvSpPr>
+        <p:spPr/>
+      </p:sp>
+      <p:sp>
+        <p:nvSpPr>
+          <p:cNvPr id="3" name="Notes Placeholder 2"/>
+          <p:cNvSpPr>
+            <a:spLocks noGrp="1"/>
+          </p:cNvSpPr>
+          <p:nvPr>
+            <p:ph type="body" idx="1"/>
+          </p:nvPr>
+        </p:nvSpPr>
+        <p:spPr/>
+        <p:txBody>
+          <a:bodyPr/>
+          <a:lstStyle/>
+          <a:p>
+            <a:r>
+              <a:rPr lang="en-US" sz="1200" b="0" i="0" kern="1200" dirty="0" smtClean="0">
+                <a:solidFill>
+                  <a:schemeClr val="tx1"/>
+                </a:solidFill>
+                <a:effectLst/>
+                <a:latin typeface="+mn-lt"/>
+                <a:ea typeface="+mn-ea"/>
+                <a:cs typeface="+mn-cs"/>
+              </a:rPr>
+              <a:t>The only method we haven't touched yet is the </a:t>
+            </a:r>
+            <a:r>
+              <a:rPr lang="en-US" sz="1200" b="0" i="1" kern="1200" dirty="0" err="1" smtClean="0">
+                <a:solidFill>
+                  <a:schemeClr val="tx1"/>
+                </a:solidFill>
+                <a:effectLst/>
+                <a:latin typeface="+mn-lt"/>
+                <a:ea typeface="+mn-ea"/>
+                <a:cs typeface="+mn-cs"/>
+              </a:rPr>
+              <a:t>componentWillUnmount</a:t>
+            </a:r>
+            <a:r>
+              <a:rPr lang="en-US" sz="1200" b="0" i="1" kern="1200" smtClean="0">
+                <a:solidFill>
+                  <a:schemeClr val="tx1"/>
+                </a:solidFill>
+                <a:effectLst/>
+                <a:latin typeface="+mn-lt"/>
+                <a:ea typeface="+mn-ea"/>
+                <a:cs typeface="+mn-cs"/>
+              </a:rPr>
+              <a:t> </a:t>
+            </a:r>
+            <a:r>
+              <a:rPr lang="en-US" sz="1200" b="0" i="0" kern="1200" dirty="0" smtClean="0">
+                <a:solidFill>
+                  <a:schemeClr val="tx1"/>
+                </a:solidFill>
+                <a:effectLst/>
+                <a:latin typeface="+mn-lt"/>
+                <a:ea typeface="+mn-ea"/>
+                <a:cs typeface="+mn-cs"/>
+              </a:rPr>
+              <a:t> which gets called before the component is removed from the DOM. This method can be beneficial when needing to perform clean up operations, </a:t>
+            </a:r>
+            <a:r>
+              <a:rPr lang="en-US" sz="1200" b="0" i="0" kern="1200" dirty="0" err="1" smtClean="0">
+                <a:solidFill>
+                  <a:schemeClr val="tx1"/>
+                </a:solidFill>
+                <a:effectLst/>
+                <a:latin typeface="+mn-lt"/>
+                <a:ea typeface="+mn-ea"/>
+                <a:cs typeface="+mn-cs"/>
+              </a:rPr>
+              <a:t>f.e</a:t>
+            </a:r>
+            <a:r>
+              <a:rPr lang="en-US" sz="1200" b="0" i="0" kern="1200" dirty="0" smtClean="0">
+                <a:solidFill>
+                  <a:schemeClr val="tx1"/>
+                </a:solidFill>
+                <a:effectLst/>
+                <a:latin typeface="+mn-lt"/>
+                <a:ea typeface="+mn-ea"/>
+                <a:cs typeface="+mn-cs"/>
+              </a:rPr>
+              <a:t>. removing any timers defined in </a:t>
+            </a:r>
+            <a:r>
+              <a:rPr lang="en-US" sz="1200" b="0" i="1" kern="1200" dirty="0" err="1" smtClean="0">
+                <a:solidFill>
+                  <a:schemeClr val="tx1"/>
+                </a:solidFill>
+                <a:effectLst/>
+                <a:latin typeface="+mn-lt"/>
+                <a:ea typeface="+mn-ea"/>
+                <a:cs typeface="+mn-cs"/>
+              </a:rPr>
+              <a:t>componentDidMount</a:t>
+            </a:r>
+            <a:r>
+              <a:rPr lang="en-US" sz="1200" b="0" i="0" kern="1200" dirty="0" smtClean="0">
+                <a:solidFill>
+                  <a:schemeClr val="tx1"/>
+                </a:solidFill>
+                <a:effectLst/>
+                <a:latin typeface="+mn-lt"/>
+                <a:ea typeface="+mn-ea"/>
+                <a:cs typeface="+mn-cs"/>
+              </a:rPr>
+              <a:t>.</a:t>
+            </a:r>
+          </a:p>
+        </p:txBody>
+      </p:sp>
+      <p:sp>
+        <p:nvSpPr>
+          <p:cNvPr id="4" name="Slide Number Placeholder 3"/>
+          <p:cNvSpPr>
+            <a:spLocks noGrp="1"/>
+          </p:cNvSpPr>
+          <p:nvPr>
+            <p:ph type="sldNum" sz="quarter" idx="10"/>
+          </p:nvPr>
+        </p:nvSpPr>
+        <p:spPr/>
+        <p:txBody>
+          <a:bodyPr/>
+          <a:lstStyle/>
+          <a:p>
+            <a:fld id="{47CA5B65-C32E-4594-82B5-5B950CCEF23B}" type="slidenum">
+              <a:rPr lang="en-US" smtClean="0"/>
+              <a:t>32</a:t>
+            </a:fld>
+            <a:endParaRPr lang="en-US"/>
+          </a:p>
+        </p:txBody>
+      </p:sp>
+    </p:spTree>
+    <p:extLst>
+      <p:ext uri="{BB962C8B-B14F-4D97-AF65-F5344CB8AC3E}">
+        <p14:creationId xmlns:p14="http://schemas.microsoft.com/office/powerpoint/2010/main" val="3704078898"/>
+      </p:ext>
+    </p:extLst>
+  </p:cSld>
+  <p:clrMapOvr>
+    <a:masterClrMapping/>
+  </p:clrMapOvr>
+</p:notes>
+</file>
+
+<file path=ppt/notesSlides/notesSlide28.xml><?xml version="1.0" encoding="utf-8"?>
+<p:notes xmlns:a="http://schemas.openxmlformats.org/drawingml/2006/main" xmlns:r="http://schemas.openxmlformats.org/officeDocument/2006/relationships" xmlns:p="http://schemas.openxmlformats.org/presentationml/2006/main">
+  <p:cSld>
+    <p:spTree>
+      <p:nvGrpSpPr>
+        <p:cNvPr id="1" name=""/>
+        <p:cNvGrpSpPr/>
+        <p:nvPr/>
+      </p:nvGrpSpPr>
+      <p:grpSpPr>
+        <a:xfrm>
+          <a:off x="0" y="0"/>
+          <a:ext cx="0" cy="0"/>
+          <a:chOff x="0" y="0"/>
+          <a:chExt cx="0" cy="0"/>
+        </a:xfrm>
+      </p:grpSpPr>
+      <p:sp>
+        <p:nvSpPr>
+          <p:cNvPr id="2" name="Slide Image Placeholder 1"/>
+          <p:cNvSpPr>
+            <a:spLocks noGrp="1" noRot="1" noChangeAspect="1"/>
+          </p:cNvSpPr>
+          <p:nvPr>
+            <p:ph type="sldImg"/>
+          </p:nvPr>
+        </p:nvSpPr>
+        <p:spPr/>
+      </p:sp>
+      <p:sp>
+        <p:nvSpPr>
+          <p:cNvPr id="3" name="Notes Placeholder 2"/>
+          <p:cNvSpPr>
+            <a:spLocks noGrp="1"/>
+          </p:cNvSpPr>
+          <p:nvPr>
+            <p:ph type="body" idx="1"/>
+          </p:nvPr>
+        </p:nvSpPr>
+        <p:spPr/>
+        <p:txBody>
+          <a:bodyPr/>
+          <a:lstStyle/>
+          <a:p>
+            <a:r>
+              <a:rPr lang="en-US" sz="1200" b="0" i="0" kern="1200" dirty="0" smtClean="0">
+                <a:solidFill>
+                  <a:schemeClr val="tx1"/>
+                </a:solidFill>
+                <a:effectLst/>
+                <a:latin typeface="+mn-lt"/>
+                <a:ea typeface="+mn-ea"/>
+                <a:cs typeface="+mn-cs"/>
+              </a:rPr>
+              <a:t>The only method we haven't touched yet is the </a:t>
+            </a:r>
+            <a:r>
+              <a:rPr lang="en-US" sz="1200" b="0" i="1" kern="1200" dirty="0" err="1" smtClean="0">
+                <a:solidFill>
+                  <a:schemeClr val="tx1"/>
+                </a:solidFill>
+                <a:effectLst/>
+                <a:latin typeface="+mn-lt"/>
+                <a:ea typeface="+mn-ea"/>
+                <a:cs typeface="+mn-cs"/>
+              </a:rPr>
+              <a:t>componentWillUnmount</a:t>
+            </a:r>
+            <a:r>
+              <a:rPr lang="en-US" sz="1200" b="0" i="0" kern="1200" dirty="0" smtClean="0">
+                <a:solidFill>
+                  <a:schemeClr val="tx1"/>
+                </a:solidFill>
+                <a:effectLst/>
+                <a:latin typeface="+mn-lt"/>
+                <a:ea typeface="+mn-ea"/>
+                <a:cs typeface="+mn-cs"/>
+              </a:rPr>
+              <a:t> which gets called before the component is removed from the DOM. This method can be beneficial when needing to perform clean up operations, </a:t>
+            </a:r>
+            <a:r>
+              <a:rPr lang="en-US" sz="1200" b="0" i="0" kern="1200" dirty="0" err="1" smtClean="0">
+                <a:solidFill>
+                  <a:schemeClr val="tx1"/>
+                </a:solidFill>
+                <a:effectLst/>
+                <a:latin typeface="+mn-lt"/>
+                <a:ea typeface="+mn-ea"/>
+                <a:cs typeface="+mn-cs"/>
+              </a:rPr>
+              <a:t>f.e</a:t>
+            </a:r>
+            <a:r>
+              <a:rPr lang="en-US" sz="1200" b="0" i="0" kern="1200" dirty="0" smtClean="0">
+                <a:solidFill>
+                  <a:schemeClr val="tx1"/>
+                </a:solidFill>
+                <a:effectLst/>
+                <a:latin typeface="+mn-lt"/>
+                <a:ea typeface="+mn-ea"/>
+                <a:cs typeface="+mn-cs"/>
+              </a:rPr>
+              <a:t>. removing any timers defined in </a:t>
+            </a:r>
+            <a:r>
+              <a:rPr lang="en-US" sz="1200" b="0" i="1" kern="1200" dirty="0" err="1" smtClean="0">
+                <a:solidFill>
+                  <a:schemeClr val="tx1"/>
+                </a:solidFill>
+                <a:effectLst/>
+                <a:latin typeface="+mn-lt"/>
+                <a:ea typeface="+mn-ea"/>
+                <a:cs typeface="+mn-cs"/>
+              </a:rPr>
+              <a:t>componentDidMount</a:t>
+            </a:r>
+            <a:r>
+              <a:rPr lang="en-US" sz="1200" b="0" i="0" kern="1200" dirty="0" smtClean="0">
+                <a:solidFill>
+                  <a:schemeClr val="tx1"/>
+                </a:solidFill>
+                <a:effectLst/>
+                <a:latin typeface="+mn-lt"/>
+                <a:ea typeface="+mn-ea"/>
+                <a:cs typeface="+mn-cs"/>
+              </a:rPr>
+              <a:t>.</a:t>
+            </a:r>
+          </a:p>
+        </p:txBody>
+      </p:sp>
+      <p:sp>
+        <p:nvSpPr>
+          <p:cNvPr id="4" name="Slide Number Placeholder 3"/>
+          <p:cNvSpPr>
+            <a:spLocks noGrp="1"/>
+          </p:cNvSpPr>
+          <p:nvPr>
+            <p:ph type="sldNum" sz="quarter" idx="10"/>
+          </p:nvPr>
+        </p:nvSpPr>
+        <p:spPr/>
+        <p:txBody>
+          <a:bodyPr/>
+          <a:lstStyle/>
+          <a:p>
+            <a:fld id="{47CA5B65-C32E-4594-82B5-5B950CCEF23B}" type="slidenum">
+              <a:rPr lang="en-US" smtClean="0"/>
+              <a:t>33</a:t>
+            </a:fld>
+            <a:endParaRPr lang="en-US"/>
+          </a:p>
+        </p:txBody>
+      </p:sp>
+    </p:spTree>
+    <p:extLst>
+      <p:ext uri="{BB962C8B-B14F-4D97-AF65-F5344CB8AC3E}">
+        <p14:creationId xmlns:p14="http://schemas.microsoft.com/office/powerpoint/2010/main" val="3704078898"/>
+      </p:ext>
+    </p:extLst>
+  </p:cSld>
+  <p:clrMapOvr>
+    <a:masterClrMapping/>
+  </p:clrMapOvr>
+</p:notes>
+</file>
+
+<file path=ppt/notesSlides/notesSlide29.xml><?xml version="1.0" encoding="utf-8"?>
+<p:notes xmlns:a="http://schemas.openxmlformats.org/drawingml/2006/main" xmlns:r="http://schemas.openxmlformats.org/officeDocument/2006/relationships" xmlns:p="http://schemas.openxmlformats.org/presentationml/2006/main">
+  <p:cSld>
+    <p:spTree>
+      <p:nvGrpSpPr>
+        <p:cNvPr id="1" name=""/>
+        <p:cNvGrpSpPr/>
+        <p:nvPr/>
+      </p:nvGrpSpPr>
+      <p:grpSpPr>
+        <a:xfrm>
+          <a:off x="0" y="0"/>
+          <a:ext cx="0" cy="0"/>
+          <a:chOff x="0" y="0"/>
+          <a:chExt cx="0" cy="0"/>
+        </a:xfrm>
+      </p:grpSpPr>
+      <p:sp>
+        <p:nvSpPr>
+          <p:cNvPr id="2" name="Slide Image Placeholder 1"/>
+          <p:cNvSpPr>
+            <a:spLocks noGrp="1" noRot="1" noChangeAspect="1"/>
+          </p:cNvSpPr>
+          <p:nvPr>
+            <p:ph type="sldImg"/>
+          </p:nvPr>
+        </p:nvSpPr>
+        <p:spPr/>
+      </p:sp>
+      <p:sp>
+        <p:nvSpPr>
+          <p:cNvPr id="3" name="Notes Placeholder 2"/>
+          <p:cNvSpPr>
+            <a:spLocks noGrp="1"/>
+          </p:cNvSpPr>
+          <p:nvPr>
+            <p:ph type="body" idx="1"/>
+          </p:nvPr>
+        </p:nvSpPr>
+        <p:spPr/>
+        <p:txBody>
+          <a:bodyPr/>
+          <a:lstStyle/>
+          <a:p>
+            <a:r>
+              <a:rPr lang="en-US" sz="1200" b="0" i="0" kern="1200" dirty="0" smtClean="0">
+                <a:solidFill>
+                  <a:schemeClr val="tx1"/>
+                </a:solidFill>
+                <a:effectLst/>
+                <a:latin typeface="+mn-lt"/>
+                <a:ea typeface="+mn-ea"/>
+                <a:cs typeface="+mn-cs"/>
+              </a:rPr>
+              <a:t>The only method we haven't touched yet is the </a:t>
+            </a:r>
+            <a:r>
+              <a:rPr lang="en-US" sz="1200" b="0" i="1" kern="1200" dirty="0" err="1" smtClean="0">
+                <a:solidFill>
+                  <a:schemeClr val="tx1"/>
+                </a:solidFill>
+                <a:effectLst/>
+                <a:latin typeface="+mn-lt"/>
+                <a:ea typeface="+mn-ea"/>
+                <a:cs typeface="+mn-cs"/>
+              </a:rPr>
+              <a:t>componentWillUnmount</a:t>
+            </a:r>
+            <a:r>
+              <a:rPr lang="en-US" sz="1200" b="0" i="0" kern="1200" dirty="0" smtClean="0">
+                <a:solidFill>
+                  <a:schemeClr val="tx1"/>
+                </a:solidFill>
+                <a:effectLst/>
+                <a:latin typeface="+mn-lt"/>
+                <a:ea typeface="+mn-ea"/>
+                <a:cs typeface="+mn-cs"/>
+              </a:rPr>
+              <a:t> which gets called before the component is removed from the DOM. This method can be beneficial when needing to perform clean up operations, </a:t>
+            </a:r>
+            <a:r>
+              <a:rPr lang="en-US" sz="1200" b="0" i="0" kern="1200" dirty="0" err="1" smtClean="0">
+                <a:solidFill>
+                  <a:schemeClr val="tx1"/>
+                </a:solidFill>
+                <a:effectLst/>
+                <a:latin typeface="+mn-lt"/>
+                <a:ea typeface="+mn-ea"/>
+                <a:cs typeface="+mn-cs"/>
+              </a:rPr>
+              <a:t>f.e</a:t>
+            </a:r>
+            <a:r>
+              <a:rPr lang="en-US" sz="1200" b="0" i="0" kern="1200" dirty="0" smtClean="0">
+                <a:solidFill>
+                  <a:schemeClr val="tx1"/>
+                </a:solidFill>
+                <a:effectLst/>
+                <a:latin typeface="+mn-lt"/>
+                <a:ea typeface="+mn-ea"/>
+                <a:cs typeface="+mn-cs"/>
+              </a:rPr>
+              <a:t>. removing any timers defined in </a:t>
+            </a:r>
+            <a:r>
+              <a:rPr lang="en-US" sz="1200" b="0" i="1" kern="1200" dirty="0" err="1" smtClean="0">
+                <a:solidFill>
+                  <a:schemeClr val="tx1"/>
+                </a:solidFill>
+                <a:effectLst/>
+                <a:latin typeface="+mn-lt"/>
+                <a:ea typeface="+mn-ea"/>
+                <a:cs typeface="+mn-cs"/>
+              </a:rPr>
+              <a:t>componentDidMount</a:t>
+            </a:r>
+            <a:r>
+              <a:rPr lang="en-US" sz="1200" b="0" i="0" kern="1200" dirty="0" smtClean="0">
+                <a:solidFill>
+                  <a:schemeClr val="tx1"/>
+                </a:solidFill>
+                <a:effectLst/>
+                <a:latin typeface="+mn-lt"/>
+                <a:ea typeface="+mn-ea"/>
+                <a:cs typeface="+mn-cs"/>
+              </a:rPr>
+              <a:t>.</a:t>
+            </a:r>
+          </a:p>
+        </p:txBody>
+      </p:sp>
+      <p:sp>
+        <p:nvSpPr>
+          <p:cNvPr id="4" name="Slide Number Placeholder 3"/>
+          <p:cNvSpPr>
+            <a:spLocks noGrp="1"/>
+          </p:cNvSpPr>
+          <p:nvPr>
+            <p:ph type="sldNum" sz="quarter" idx="10"/>
+          </p:nvPr>
+        </p:nvSpPr>
+        <p:spPr/>
+        <p:txBody>
+          <a:bodyPr/>
+          <a:lstStyle/>
+          <a:p>
+            <a:fld id="{47CA5B65-C32E-4594-82B5-5B950CCEF23B}" type="slidenum">
+              <a:rPr lang="en-US" smtClean="0"/>
+              <a:t>34</a:t>
+            </a:fld>
+            <a:endParaRPr lang="en-US"/>
+          </a:p>
+        </p:txBody>
+      </p:sp>
+    </p:spTree>
+    <p:extLst>
+      <p:ext uri="{BB962C8B-B14F-4D97-AF65-F5344CB8AC3E}">
+        <p14:creationId xmlns:p14="http://schemas.microsoft.com/office/powerpoint/2010/main" val="3704078898"/>
+      </p:ext>
+    </p:extLst>
+  </p:cSld>
+  <p:clrMapOvr>
+    <a:masterClrMapping/>
+  </p:clrMapOvr>
+</p:notes>
+</file>
+
 <file path=ppt/notesSlides/notesSlide3.xml><?xml version="1.0" encoding="utf-8"?>
 <p:notes xmlns:a="http://schemas.openxmlformats.org/drawingml/2006/main" xmlns:r="http://schemas.openxmlformats.org/officeDocument/2006/relationships" xmlns:p="http://schemas.openxmlformats.org/presentationml/2006/main">
   <p:cSld>
@@ -4555,6 +5926,507 @@
     <p:extLst>
       <p:ext uri="{BB962C8B-B14F-4D97-AF65-F5344CB8AC3E}">
         <p14:creationId xmlns:p14="http://schemas.microsoft.com/office/powerpoint/2010/main" val="602839175"/>
+      </p:ext>
+    </p:extLst>
+  </p:cSld>
+  <p:clrMapOvr>
+    <a:masterClrMapping/>
+  </p:clrMapOvr>
+</p:notes>
+</file>
+
+<file path=ppt/notesSlides/notesSlide30.xml><?xml version="1.0" encoding="utf-8"?>
+<p:notes xmlns:a="http://schemas.openxmlformats.org/drawingml/2006/main" xmlns:r="http://schemas.openxmlformats.org/officeDocument/2006/relationships" xmlns:p="http://schemas.openxmlformats.org/presentationml/2006/main">
+  <p:cSld>
+    <p:spTree>
+      <p:nvGrpSpPr>
+        <p:cNvPr id="1" name=""/>
+        <p:cNvGrpSpPr/>
+        <p:nvPr/>
+      </p:nvGrpSpPr>
+      <p:grpSpPr>
+        <a:xfrm>
+          <a:off x="0" y="0"/>
+          <a:ext cx="0" cy="0"/>
+          <a:chOff x="0" y="0"/>
+          <a:chExt cx="0" cy="0"/>
+        </a:xfrm>
+      </p:grpSpPr>
+      <p:sp>
+        <p:nvSpPr>
+          <p:cNvPr id="2" name="Slide Image Placeholder 1"/>
+          <p:cNvSpPr>
+            <a:spLocks noGrp="1" noRot="1" noChangeAspect="1"/>
+          </p:cNvSpPr>
+          <p:nvPr>
+            <p:ph type="sldImg"/>
+          </p:nvPr>
+        </p:nvSpPr>
+        <p:spPr/>
+      </p:sp>
+      <p:sp>
+        <p:nvSpPr>
+          <p:cNvPr id="3" name="Notes Placeholder 2"/>
+          <p:cNvSpPr>
+            <a:spLocks noGrp="1"/>
+          </p:cNvSpPr>
+          <p:nvPr>
+            <p:ph type="body" idx="1"/>
+          </p:nvPr>
+        </p:nvSpPr>
+        <p:spPr/>
+        <p:txBody>
+          <a:bodyPr/>
+          <a:lstStyle/>
+          <a:p>
+            <a:r>
+              <a:rPr lang="en-US" sz="1200" b="0" i="0" kern="1200" dirty="0" smtClean="0">
+                <a:solidFill>
+                  <a:schemeClr val="tx1"/>
+                </a:solidFill>
+                <a:effectLst/>
+                <a:latin typeface="+mn-lt"/>
+                <a:ea typeface="+mn-ea"/>
+                <a:cs typeface="+mn-cs"/>
+              </a:rPr>
+              <a:t>The only method we haven't touched yet is the </a:t>
+            </a:r>
+            <a:r>
+              <a:rPr lang="en-US" sz="1200" b="0" i="1" kern="1200" dirty="0" err="1" smtClean="0">
+                <a:solidFill>
+                  <a:schemeClr val="tx1"/>
+                </a:solidFill>
+                <a:effectLst/>
+                <a:latin typeface="+mn-lt"/>
+                <a:ea typeface="+mn-ea"/>
+                <a:cs typeface="+mn-cs"/>
+              </a:rPr>
+              <a:t>componentWillUnmount</a:t>
+            </a:r>
+            <a:r>
+              <a:rPr lang="en-US" sz="1200" b="0" i="0" kern="1200" dirty="0" smtClean="0">
+                <a:solidFill>
+                  <a:schemeClr val="tx1"/>
+                </a:solidFill>
+                <a:effectLst/>
+                <a:latin typeface="+mn-lt"/>
+                <a:ea typeface="+mn-ea"/>
+                <a:cs typeface="+mn-cs"/>
+              </a:rPr>
+              <a:t> which gets called before the component is removed from the DOM. This method can be beneficial when needing to perform clean up operations, </a:t>
+            </a:r>
+            <a:r>
+              <a:rPr lang="en-US" sz="1200" b="0" i="0" kern="1200" dirty="0" err="1" smtClean="0">
+                <a:solidFill>
+                  <a:schemeClr val="tx1"/>
+                </a:solidFill>
+                <a:effectLst/>
+                <a:latin typeface="+mn-lt"/>
+                <a:ea typeface="+mn-ea"/>
+                <a:cs typeface="+mn-cs"/>
+              </a:rPr>
+              <a:t>f.e</a:t>
+            </a:r>
+            <a:r>
+              <a:rPr lang="en-US" sz="1200" b="0" i="0" kern="1200" dirty="0" smtClean="0">
+                <a:solidFill>
+                  <a:schemeClr val="tx1"/>
+                </a:solidFill>
+                <a:effectLst/>
+                <a:latin typeface="+mn-lt"/>
+                <a:ea typeface="+mn-ea"/>
+                <a:cs typeface="+mn-cs"/>
+              </a:rPr>
+              <a:t>. removing any timers defined in </a:t>
+            </a:r>
+            <a:r>
+              <a:rPr lang="en-US" sz="1200" b="0" i="1" kern="1200" dirty="0" err="1" smtClean="0">
+                <a:solidFill>
+                  <a:schemeClr val="tx1"/>
+                </a:solidFill>
+                <a:effectLst/>
+                <a:latin typeface="+mn-lt"/>
+                <a:ea typeface="+mn-ea"/>
+                <a:cs typeface="+mn-cs"/>
+              </a:rPr>
+              <a:t>componentDidMount</a:t>
+            </a:r>
+            <a:r>
+              <a:rPr lang="en-US" sz="1200" b="0" i="0" kern="1200" dirty="0" smtClean="0">
+                <a:solidFill>
+                  <a:schemeClr val="tx1"/>
+                </a:solidFill>
+                <a:effectLst/>
+                <a:latin typeface="+mn-lt"/>
+                <a:ea typeface="+mn-ea"/>
+                <a:cs typeface="+mn-cs"/>
+              </a:rPr>
+              <a:t>.</a:t>
+            </a:r>
+          </a:p>
+        </p:txBody>
+      </p:sp>
+      <p:sp>
+        <p:nvSpPr>
+          <p:cNvPr id="4" name="Slide Number Placeholder 3"/>
+          <p:cNvSpPr>
+            <a:spLocks noGrp="1"/>
+          </p:cNvSpPr>
+          <p:nvPr>
+            <p:ph type="sldNum" sz="quarter" idx="10"/>
+          </p:nvPr>
+        </p:nvSpPr>
+        <p:spPr/>
+        <p:txBody>
+          <a:bodyPr/>
+          <a:lstStyle/>
+          <a:p>
+            <a:fld id="{47CA5B65-C32E-4594-82B5-5B950CCEF23B}" type="slidenum">
+              <a:rPr lang="en-US" smtClean="0"/>
+              <a:t>35</a:t>
+            </a:fld>
+            <a:endParaRPr lang="en-US"/>
+          </a:p>
+        </p:txBody>
+      </p:sp>
+    </p:spTree>
+    <p:extLst>
+      <p:ext uri="{BB962C8B-B14F-4D97-AF65-F5344CB8AC3E}">
+        <p14:creationId xmlns:p14="http://schemas.microsoft.com/office/powerpoint/2010/main" val="3704078898"/>
+      </p:ext>
+    </p:extLst>
+  </p:cSld>
+  <p:clrMapOvr>
+    <a:masterClrMapping/>
+  </p:clrMapOvr>
+</p:notes>
+</file>
+
+<file path=ppt/notesSlides/notesSlide31.xml><?xml version="1.0" encoding="utf-8"?>
+<p:notes xmlns:a="http://schemas.openxmlformats.org/drawingml/2006/main" xmlns:r="http://schemas.openxmlformats.org/officeDocument/2006/relationships" xmlns:p="http://schemas.openxmlformats.org/presentationml/2006/main">
+  <p:cSld>
+    <p:spTree>
+      <p:nvGrpSpPr>
+        <p:cNvPr id="1" name=""/>
+        <p:cNvGrpSpPr/>
+        <p:nvPr/>
+      </p:nvGrpSpPr>
+      <p:grpSpPr>
+        <a:xfrm>
+          <a:off x="0" y="0"/>
+          <a:ext cx="0" cy="0"/>
+          <a:chOff x="0" y="0"/>
+          <a:chExt cx="0" cy="0"/>
+        </a:xfrm>
+      </p:grpSpPr>
+      <p:sp>
+        <p:nvSpPr>
+          <p:cNvPr id="2" name="Slide Image Placeholder 1"/>
+          <p:cNvSpPr>
+            <a:spLocks noGrp="1" noRot="1" noChangeAspect="1"/>
+          </p:cNvSpPr>
+          <p:nvPr>
+            <p:ph type="sldImg"/>
+          </p:nvPr>
+        </p:nvSpPr>
+        <p:spPr/>
+      </p:sp>
+      <p:sp>
+        <p:nvSpPr>
+          <p:cNvPr id="3" name="Notes Placeholder 2"/>
+          <p:cNvSpPr>
+            <a:spLocks noGrp="1"/>
+          </p:cNvSpPr>
+          <p:nvPr>
+            <p:ph type="body" idx="1"/>
+          </p:nvPr>
+        </p:nvSpPr>
+        <p:spPr/>
+        <p:txBody>
+          <a:bodyPr/>
+          <a:lstStyle/>
+          <a:p>
+            <a:r>
+              <a:rPr lang="en-US" sz="1200" b="0" i="0" kern="1200" dirty="0" smtClean="0">
+                <a:solidFill>
+                  <a:schemeClr val="tx1"/>
+                </a:solidFill>
+                <a:effectLst/>
+                <a:latin typeface="+mn-lt"/>
+                <a:ea typeface="+mn-ea"/>
+                <a:cs typeface="+mn-cs"/>
+              </a:rPr>
+              <a:t>The only method we haven't touched yet is the </a:t>
+            </a:r>
+            <a:r>
+              <a:rPr lang="en-US" sz="1200" b="0" i="1" kern="1200" dirty="0" err="1" smtClean="0">
+                <a:solidFill>
+                  <a:schemeClr val="tx1"/>
+                </a:solidFill>
+                <a:effectLst/>
+                <a:latin typeface="+mn-lt"/>
+                <a:ea typeface="+mn-ea"/>
+                <a:cs typeface="+mn-cs"/>
+              </a:rPr>
+              <a:t>componentWillUnmount</a:t>
+            </a:r>
+            <a:r>
+              <a:rPr lang="en-US" sz="1200" b="0" i="0" kern="1200" dirty="0" smtClean="0">
+                <a:solidFill>
+                  <a:schemeClr val="tx1"/>
+                </a:solidFill>
+                <a:effectLst/>
+                <a:latin typeface="+mn-lt"/>
+                <a:ea typeface="+mn-ea"/>
+                <a:cs typeface="+mn-cs"/>
+              </a:rPr>
+              <a:t> which gets called before the component is removed from the DOM. This method can be beneficial when needing to perform clean up operations, </a:t>
+            </a:r>
+            <a:r>
+              <a:rPr lang="en-US" sz="1200" b="0" i="0" kern="1200" dirty="0" err="1" smtClean="0">
+                <a:solidFill>
+                  <a:schemeClr val="tx1"/>
+                </a:solidFill>
+                <a:effectLst/>
+                <a:latin typeface="+mn-lt"/>
+                <a:ea typeface="+mn-ea"/>
+                <a:cs typeface="+mn-cs"/>
+              </a:rPr>
+              <a:t>f.e</a:t>
+            </a:r>
+            <a:r>
+              <a:rPr lang="en-US" sz="1200" b="0" i="0" kern="1200" dirty="0" smtClean="0">
+                <a:solidFill>
+                  <a:schemeClr val="tx1"/>
+                </a:solidFill>
+                <a:effectLst/>
+                <a:latin typeface="+mn-lt"/>
+                <a:ea typeface="+mn-ea"/>
+                <a:cs typeface="+mn-cs"/>
+              </a:rPr>
+              <a:t>. removing any timers defined in </a:t>
+            </a:r>
+            <a:r>
+              <a:rPr lang="en-US" sz="1200" b="0" i="1" kern="1200" dirty="0" err="1" smtClean="0">
+                <a:solidFill>
+                  <a:schemeClr val="tx1"/>
+                </a:solidFill>
+                <a:effectLst/>
+                <a:latin typeface="+mn-lt"/>
+                <a:ea typeface="+mn-ea"/>
+                <a:cs typeface="+mn-cs"/>
+              </a:rPr>
+              <a:t>componentDidMount</a:t>
+            </a:r>
+            <a:r>
+              <a:rPr lang="en-US" sz="1200" b="0" i="0" kern="1200" dirty="0" smtClean="0">
+                <a:solidFill>
+                  <a:schemeClr val="tx1"/>
+                </a:solidFill>
+                <a:effectLst/>
+                <a:latin typeface="+mn-lt"/>
+                <a:ea typeface="+mn-ea"/>
+                <a:cs typeface="+mn-cs"/>
+              </a:rPr>
+              <a:t>.</a:t>
+            </a:r>
+          </a:p>
+        </p:txBody>
+      </p:sp>
+      <p:sp>
+        <p:nvSpPr>
+          <p:cNvPr id="4" name="Slide Number Placeholder 3"/>
+          <p:cNvSpPr>
+            <a:spLocks noGrp="1"/>
+          </p:cNvSpPr>
+          <p:nvPr>
+            <p:ph type="sldNum" sz="quarter" idx="10"/>
+          </p:nvPr>
+        </p:nvSpPr>
+        <p:spPr/>
+        <p:txBody>
+          <a:bodyPr/>
+          <a:lstStyle/>
+          <a:p>
+            <a:fld id="{47CA5B65-C32E-4594-82B5-5B950CCEF23B}" type="slidenum">
+              <a:rPr lang="en-US" smtClean="0"/>
+              <a:t>36</a:t>
+            </a:fld>
+            <a:endParaRPr lang="en-US"/>
+          </a:p>
+        </p:txBody>
+      </p:sp>
+    </p:spTree>
+    <p:extLst>
+      <p:ext uri="{BB962C8B-B14F-4D97-AF65-F5344CB8AC3E}">
+        <p14:creationId xmlns:p14="http://schemas.microsoft.com/office/powerpoint/2010/main" val="3704078898"/>
+      </p:ext>
+    </p:extLst>
+  </p:cSld>
+  <p:clrMapOvr>
+    <a:masterClrMapping/>
+  </p:clrMapOvr>
+</p:notes>
+</file>
+
+<file path=ppt/notesSlides/notesSlide32.xml><?xml version="1.0" encoding="utf-8"?>
+<p:notes xmlns:a="http://schemas.openxmlformats.org/drawingml/2006/main" xmlns:r="http://schemas.openxmlformats.org/officeDocument/2006/relationships" xmlns:p="http://schemas.openxmlformats.org/presentationml/2006/main">
+  <p:cSld>
+    <p:spTree>
+      <p:nvGrpSpPr>
+        <p:cNvPr id="1" name=""/>
+        <p:cNvGrpSpPr/>
+        <p:nvPr/>
+      </p:nvGrpSpPr>
+      <p:grpSpPr>
+        <a:xfrm>
+          <a:off x="0" y="0"/>
+          <a:ext cx="0" cy="0"/>
+          <a:chOff x="0" y="0"/>
+          <a:chExt cx="0" cy="0"/>
+        </a:xfrm>
+      </p:grpSpPr>
+      <p:sp>
+        <p:nvSpPr>
+          <p:cNvPr id="2" name="Slide Image Placeholder 1"/>
+          <p:cNvSpPr>
+            <a:spLocks noGrp="1" noRot="1" noChangeAspect="1"/>
+          </p:cNvSpPr>
+          <p:nvPr>
+            <p:ph type="sldImg"/>
+          </p:nvPr>
+        </p:nvSpPr>
+        <p:spPr/>
+      </p:sp>
+      <p:sp>
+        <p:nvSpPr>
+          <p:cNvPr id="3" name="Notes Placeholder 2"/>
+          <p:cNvSpPr>
+            <a:spLocks noGrp="1"/>
+          </p:cNvSpPr>
+          <p:nvPr>
+            <p:ph type="body" idx="1"/>
+          </p:nvPr>
+        </p:nvSpPr>
+        <p:spPr/>
+        <p:txBody>
+          <a:bodyPr/>
+          <a:lstStyle/>
+          <a:p>
+            <a:r>
+              <a:rPr lang="en-US" sz="1200" b="0" i="0" kern="1200" dirty="0" smtClean="0">
+                <a:solidFill>
+                  <a:schemeClr val="tx1"/>
+                </a:solidFill>
+                <a:effectLst/>
+                <a:latin typeface="+mn-lt"/>
+                <a:ea typeface="+mn-ea"/>
+                <a:cs typeface="+mn-cs"/>
+              </a:rPr>
+              <a:t>The only method we haven't touched yet is the </a:t>
+            </a:r>
+            <a:r>
+              <a:rPr lang="en-US" sz="1200" b="0" i="1" kern="1200" dirty="0" err="1" smtClean="0">
+                <a:solidFill>
+                  <a:schemeClr val="tx1"/>
+                </a:solidFill>
+                <a:effectLst/>
+                <a:latin typeface="+mn-lt"/>
+                <a:ea typeface="+mn-ea"/>
+                <a:cs typeface="+mn-cs"/>
+              </a:rPr>
+              <a:t>componentWillUnmount</a:t>
+            </a:r>
+            <a:r>
+              <a:rPr lang="en-US" sz="1200" b="0" i="0" kern="1200" dirty="0" smtClean="0">
+                <a:solidFill>
+                  <a:schemeClr val="tx1"/>
+                </a:solidFill>
+                <a:effectLst/>
+                <a:latin typeface="+mn-lt"/>
+                <a:ea typeface="+mn-ea"/>
+                <a:cs typeface="+mn-cs"/>
+              </a:rPr>
+              <a:t> which gets called before the component is removed from the DOM. This method can be beneficial when needing to perform clean up operations, </a:t>
+            </a:r>
+            <a:r>
+              <a:rPr lang="en-US" sz="1200" b="0" i="0" kern="1200" dirty="0" err="1" smtClean="0">
+                <a:solidFill>
+                  <a:schemeClr val="tx1"/>
+                </a:solidFill>
+                <a:effectLst/>
+                <a:latin typeface="+mn-lt"/>
+                <a:ea typeface="+mn-ea"/>
+                <a:cs typeface="+mn-cs"/>
+              </a:rPr>
+              <a:t>f.e</a:t>
+            </a:r>
+            <a:r>
+              <a:rPr lang="en-US" sz="1200" b="0" i="0" kern="1200" dirty="0" smtClean="0">
+                <a:solidFill>
+                  <a:schemeClr val="tx1"/>
+                </a:solidFill>
+                <a:effectLst/>
+                <a:latin typeface="+mn-lt"/>
+                <a:ea typeface="+mn-ea"/>
+                <a:cs typeface="+mn-cs"/>
+              </a:rPr>
+              <a:t>. removing any timers defined in </a:t>
+            </a:r>
+            <a:r>
+              <a:rPr lang="en-US" sz="1200" b="0" i="1" kern="1200" dirty="0" err="1" smtClean="0">
+                <a:solidFill>
+                  <a:schemeClr val="tx1"/>
+                </a:solidFill>
+                <a:effectLst/>
+                <a:latin typeface="+mn-lt"/>
+                <a:ea typeface="+mn-ea"/>
+                <a:cs typeface="+mn-cs"/>
+              </a:rPr>
+              <a:t>componentDidMount</a:t>
+            </a:r>
+            <a:r>
+              <a:rPr lang="en-US" sz="1200" b="0" i="0" kern="1200" dirty="0" smtClean="0">
+                <a:solidFill>
+                  <a:schemeClr val="tx1"/>
+                </a:solidFill>
+                <a:effectLst/>
+                <a:latin typeface="+mn-lt"/>
+                <a:ea typeface="+mn-ea"/>
+                <a:cs typeface="+mn-cs"/>
+              </a:rPr>
+              <a:t>.</a:t>
+            </a:r>
+          </a:p>
+        </p:txBody>
+      </p:sp>
+      <p:sp>
+        <p:nvSpPr>
+          <p:cNvPr id="4" name="Slide Number Placeholder 3"/>
+          <p:cNvSpPr>
+            <a:spLocks noGrp="1"/>
+          </p:cNvSpPr>
+          <p:nvPr>
+            <p:ph type="sldNum" sz="quarter" idx="10"/>
+          </p:nvPr>
+        </p:nvSpPr>
+        <p:spPr/>
+        <p:txBody>
+          <a:bodyPr/>
+          <a:lstStyle/>
+          <a:p>
+            <a:fld id="{47CA5B65-C32E-4594-82B5-5B950CCEF23B}" type="slidenum">
+              <a:rPr lang="en-US" smtClean="0"/>
+              <a:t>37</a:t>
+            </a:fld>
+            <a:endParaRPr lang="en-US"/>
+          </a:p>
+        </p:txBody>
+      </p:sp>
+    </p:spTree>
+    <p:extLst>
+      <p:ext uri="{BB962C8B-B14F-4D97-AF65-F5344CB8AC3E}">
+        <p14:creationId xmlns:p14="http://schemas.microsoft.com/office/powerpoint/2010/main" val="3704078898"/>
       </p:ext>
     </p:extLst>
   </p:cSld>
@@ -6466,7 +8338,7 @@
             <a:fld id="{1D8BD707-D9CF-40AE-B4C6-C98DA3205C09}" type="datetimeFigureOut">
               <a:rPr lang="en-US" smtClean="0"/>
               <a:pPr/>
-              <a:t>12/16/2015</a:t>
+              <a:t>12/22/2015</a:t>
             </a:fld>
             <a:endParaRPr lang="en-US"/>
           </a:p>
@@ -6693,7 +8565,7 @@
             <a:fld id="{1D8BD707-D9CF-40AE-B4C6-C98DA3205C09}" type="datetimeFigureOut">
               <a:rPr lang="en-US" smtClean="0"/>
               <a:pPr/>
-              <a:t>12/16/2015</a:t>
+              <a:t>12/22/2015</a:t>
             </a:fld>
             <a:endParaRPr lang="en-US"/>
           </a:p>
@@ -6920,7 +8792,7 @@
             <a:fld id="{1D8BD707-D9CF-40AE-B4C6-C98DA3205C09}" type="datetimeFigureOut">
               <a:rPr lang="en-US" smtClean="0"/>
               <a:pPr/>
-              <a:t>12/16/2015</a:t>
+              <a:t>12/22/2015</a:t>
             </a:fld>
             <a:endParaRPr lang="en-US"/>
           </a:p>
@@ -7119,7 +8991,7 @@
             <a:fld id="{1D8BD707-D9CF-40AE-B4C6-C98DA3205C09}" type="datetimeFigureOut">
               <a:rPr lang="en-US" smtClean="0"/>
               <a:pPr/>
-              <a:t>12/16/2015</a:t>
+              <a:t>12/22/2015</a:t>
             </a:fld>
             <a:endParaRPr lang="en-US"/>
           </a:p>
@@ -7318,7 +9190,7 @@
             <a:fld id="{1D8BD707-D9CF-40AE-B4C6-C98DA3205C09}" type="datetimeFigureOut">
               <a:rPr lang="en-US" smtClean="0"/>
               <a:pPr/>
-              <a:t>12/16/2015</a:t>
+              <a:t>12/22/2015</a:t>
             </a:fld>
             <a:endParaRPr lang="en-US"/>
           </a:p>
@@ -7544,7 +9416,7 @@
             <a:fld id="{1D8BD707-D9CF-40AE-B4C6-C98DA3205C09}" type="datetimeFigureOut">
               <a:rPr lang="en-US" smtClean="0"/>
               <a:pPr/>
-              <a:t>12/16/2015</a:t>
+              <a:t>12/22/2015</a:t>
             </a:fld>
             <a:endParaRPr lang="en-US"/>
           </a:p>
@@ -7783,7 +9655,7 @@
             <a:fld id="{1D8BD707-D9CF-40AE-B4C6-C98DA3205C09}" type="datetimeFigureOut">
               <a:rPr lang="en-US" smtClean="0"/>
               <a:pPr/>
-              <a:t>12/16/2015</a:t>
+              <a:t>12/22/2015</a:t>
             </a:fld>
             <a:endParaRPr lang="en-US"/>
           </a:p>
@@ -8118,7 +9990,7 @@
             <a:fld id="{1D8BD707-D9CF-40AE-B4C6-C98DA3205C09}" type="datetimeFigureOut">
               <a:rPr lang="en-US" smtClean="0"/>
               <a:pPr/>
-              <a:t>12/16/2015</a:t>
+              <a:t>12/22/2015</a:t>
             </a:fld>
             <a:endParaRPr lang="en-US"/>
           </a:p>
@@ -8588,7 +10460,7 @@
             <a:fld id="{1D8BD707-D9CF-40AE-B4C6-C98DA3205C09}" type="datetimeFigureOut">
               <a:rPr lang="en-US" smtClean="0"/>
               <a:pPr/>
-              <a:t>12/16/2015</a:t>
+              <a:t>12/22/2015</a:t>
             </a:fld>
             <a:endParaRPr lang="en-US"/>
           </a:p>
@@ -8753,7 +10625,7 @@
             <a:fld id="{1D8BD707-D9CF-40AE-B4C6-C98DA3205C09}" type="datetimeFigureOut">
               <a:rPr lang="en-US" smtClean="0"/>
               <a:pPr/>
-              <a:t>12/16/2015</a:t>
+              <a:t>12/22/2015</a:t>
             </a:fld>
             <a:endParaRPr lang="en-US"/>
           </a:p>
@@ -8895,7 +10767,7 @@
             <a:fld id="{1D8BD707-D9CF-40AE-B4C6-C98DA3205C09}" type="datetimeFigureOut">
               <a:rPr lang="en-US" smtClean="0"/>
               <a:pPr/>
-              <a:t>12/16/2015</a:t>
+              <a:t>12/22/2015</a:t>
             </a:fld>
             <a:endParaRPr lang="en-US"/>
           </a:p>
@@ -9219,7 +11091,7 @@
             <a:fld id="{1D8BD707-D9CF-40AE-B4C6-C98DA3205C09}" type="datetimeFigureOut">
               <a:rPr lang="en-US" smtClean="0"/>
               <a:pPr/>
-              <a:t>12/16/2015</a:t>
+              <a:t>12/22/2015</a:t>
             </a:fld>
             <a:endParaRPr lang="en-US"/>
           </a:p>
@@ -9524,7 +11396,7 @@
             <a:fld id="{1D8BD707-D9CF-40AE-B4C6-C98DA3205C09}" type="datetimeFigureOut">
               <a:rPr lang="en-US" smtClean="0"/>
               <a:pPr/>
-              <a:t>12/16/2015</a:t>
+              <a:t>12/22/2015</a:t>
             </a:fld>
             <a:endParaRPr lang="en-US"/>
           </a:p>
@@ -10069,7 +11941,7 @@
             <a:fld id="{1D8BD707-D9CF-40AE-B4C6-C98DA3205C09}" type="datetimeFigureOut">
               <a:rPr lang="en-US" smtClean="0"/>
               <a:pPr/>
-              <a:t>12/16/2015</a:t>
+              <a:t>12/22/2015</a:t>
             </a:fld>
             <a:endParaRPr lang="en-US"/>
           </a:p>
@@ -18905,42 +20777,6 @@
               <a:t>React </a:t>
             </a:r>
             <a:r>
-              <a:rPr lang="en-US" sz="2400" dirty="0" smtClean="0">
-                <a:latin typeface="Tahoma" pitchFamily="34" charset="0"/>
-                <a:ea typeface="Tahoma" panose="020B0604030504040204" pitchFamily="34" charset="0"/>
-                <a:cs typeface="Tahoma" pitchFamily="34" charset="0"/>
-              </a:rPr>
-              <a:t>Form and Event</a:t>
-            </a:r>
-            <a:endParaRPr lang="en-US" sz="2400" dirty="0">
-              <a:latin typeface="Tahoma" pitchFamily="34" charset="0"/>
-              <a:ea typeface="Tahoma" panose="020B0604030504040204" pitchFamily="34" charset="0"/>
-              <a:cs typeface="Tahoma" pitchFamily="34" charset="0"/>
-            </a:endParaRPr>
-          </a:p>
-          <a:p>
-            <a:pPr marL="742950" lvl="1" indent="-285750" fontAlgn="base">
-              <a:spcBef>
-                <a:spcPct val="20000"/>
-              </a:spcBef>
-              <a:spcAft>
-                <a:spcPts val="600"/>
-              </a:spcAft>
-              <a:buClr>
-                <a:schemeClr val="accent1"/>
-              </a:buClr>
-              <a:buFont typeface="Wingdings" pitchFamily="2" charset="2"/>
-              <a:buChar char="§"/>
-            </a:pPr>
-            <a:r>
-              <a:rPr lang="en-US" sz="2400" dirty="0" smtClean="0">
-                <a:latin typeface="Tahoma" pitchFamily="34" charset="0"/>
-                <a:ea typeface="Tahoma" panose="020B0604030504040204" pitchFamily="34" charset="0"/>
-                <a:cs typeface="Tahoma" pitchFamily="34" charset="0"/>
-              </a:rPr>
-              <a:t>React </a:t>
-            </a:r>
-            <a:r>
               <a:rPr lang="en-US" sz="2400" dirty="0">
                 <a:latin typeface="Tahoma" pitchFamily="34" charset="0"/>
                 <a:ea typeface="Tahoma" panose="020B0604030504040204" pitchFamily="34" charset="0"/>
@@ -21204,6 +23040,1163 @@
 </p:sld>
 </file>
 
+<file path=ppt/slides/slide27.xml><?xml version="1.0" encoding="utf-8"?>
+<p:sld xmlns:a="http://schemas.openxmlformats.org/drawingml/2006/main" xmlns:r="http://schemas.openxmlformats.org/officeDocument/2006/relationships" xmlns:p="http://schemas.openxmlformats.org/presentationml/2006/main">
+  <p:cSld>
+    <p:spTree>
+      <p:nvGrpSpPr>
+        <p:cNvPr id="1" name=""/>
+        <p:cNvGrpSpPr/>
+        <p:nvPr/>
+      </p:nvGrpSpPr>
+      <p:grpSpPr>
+        <a:xfrm>
+          <a:off x="0" y="0"/>
+          <a:ext cx="0" cy="0"/>
+          <a:chOff x="0" y="0"/>
+          <a:chExt cx="0" cy="0"/>
+        </a:xfrm>
+      </p:grpSpPr>
+      <p:sp>
+        <p:nvSpPr>
+          <p:cNvPr id="2" name="Title 1"/>
+          <p:cNvSpPr>
+            <a:spLocks noGrp="1"/>
+          </p:cNvSpPr>
+          <p:nvPr>
+            <p:ph type="title"/>
+          </p:nvPr>
+        </p:nvSpPr>
+        <p:spPr/>
+        <p:txBody>
+          <a:bodyPr/>
+          <a:lstStyle/>
+          <a:p>
+            <a:r>
+              <a:rPr lang="en-US" dirty="0" smtClean="0"/>
+              <a:t>Best practices</a:t>
+            </a:r>
+            <a:endParaRPr lang="en-US" dirty="0"/>
+          </a:p>
+        </p:txBody>
+      </p:sp>
+      <p:sp>
+        <p:nvSpPr>
+          <p:cNvPr id="3" name="Rectangle 5"/>
+          <p:cNvSpPr txBox="1">
+            <a:spLocks noChangeArrowheads="1"/>
+          </p:cNvSpPr>
+          <p:nvPr/>
+        </p:nvSpPr>
+        <p:spPr>
+          <a:xfrm>
+            <a:off x="457993" y="1600200"/>
+            <a:ext cx="8075613" cy="4525963"/>
+          </a:xfrm>
+          <a:prstGeom prst="rect">
+            <a:avLst/>
+          </a:prstGeom>
+          <a:noFill/>
+          <a:ln/>
+        </p:spPr>
+        <p:txBody>
+          <a:bodyPr/>
+          <a:lstStyle>
+            <a:lvl1pPr marL="342900" indent="-342900" algn="l" rtl="0" eaLnBrk="1" fontAlgn="base" hangingPunct="1">
+              <a:spcBef>
+                <a:spcPct val="20000"/>
+              </a:spcBef>
+              <a:spcAft>
+                <a:spcPct val="0"/>
+              </a:spcAft>
+              <a:buClr>
+                <a:schemeClr val="hlink"/>
+              </a:buClr>
+              <a:buFont typeface="Wingdings" pitchFamily="2" charset="2"/>
+              <a:buChar char="v"/>
+              <a:defRPr sz="2800" b="1">
+                <a:solidFill>
+                  <a:schemeClr val="tx1"/>
+                </a:solidFill>
+                <a:latin typeface="Tahoma" pitchFamily="34" charset="0"/>
+                <a:ea typeface="+mn-ea"/>
+                <a:cs typeface="Tahoma" pitchFamily="34" charset="0"/>
+              </a:defRPr>
+            </a:lvl1pPr>
+            <a:lvl2pPr marL="742950" indent="-285750" algn="l" rtl="0" eaLnBrk="1" fontAlgn="base" hangingPunct="1">
+              <a:spcBef>
+                <a:spcPct val="20000"/>
+              </a:spcBef>
+              <a:spcAft>
+                <a:spcPct val="0"/>
+              </a:spcAft>
+              <a:buClr>
+                <a:schemeClr val="accent1"/>
+              </a:buClr>
+              <a:buFont typeface="Wingdings" pitchFamily="2" charset="2"/>
+              <a:buChar char="§"/>
+              <a:defRPr sz="2800">
+                <a:solidFill>
+                  <a:schemeClr val="tx1"/>
+                </a:solidFill>
+                <a:latin typeface="Tahoma" pitchFamily="34" charset="0"/>
+                <a:cs typeface="Tahoma" pitchFamily="34" charset="0"/>
+              </a:defRPr>
+            </a:lvl2pPr>
+            <a:lvl3pPr marL="1143000" indent="-228600" algn="l" rtl="0" eaLnBrk="1" fontAlgn="base" hangingPunct="1">
+              <a:spcBef>
+                <a:spcPct val="20000"/>
+              </a:spcBef>
+              <a:spcAft>
+                <a:spcPct val="0"/>
+              </a:spcAft>
+              <a:buClr>
+                <a:schemeClr val="tx1"/>
+              </a:buClr>
+              <a:buChar char="•"/>
+              <a:defRPr sz="2400">
+                <a:solidFill>
+                  <a:schemeClr val="tx1"/>
+                </a:solidFill>
+                <a:latin typeface="Tahoma" pitchFamily="34" charset="0"/>
+                <a:cs typeface="Tahoma" pitchFamily="34" charset="0"/>
+              </a:defRPr>
+            </a:lvl3pPr>
+            <a:lvl4pPr marL="1600200" indent="-228600" algn="l" rtl="0" eaLnBrk="1" fontAlgn="base" hangingPunct="1">
+              <a:spcBef>
+                <a:spcPct val="20000"/>
+              </a:spcBef>
+              <a:spcAft>
+                <a:spcPct val="0"/>
+              </a:spcAft>
+              <a:buChar char="–"/>
+              <a:defRPr sz="2000">
+                <a:solidFill>
+                  <a:schemeClr val="tx1"/>
+                </a:solidFill>
+                <a:latin typeface="Tahoma" pitchFamily="34" charset="0"/>
+                <a:cs typeface="Tahoma" pitchFamily="34" charset="0"/>
+              </a:defRPr>
+            </a:lvl4pPr>
+            <a:lvl5pPr marL="2057400" indent="-228600" algn="l" rtl="0" eaLnBrk="1" fontAlgn="base" hangingPunct="1">
+              <a:spcBef>
+                <a:spcPct val="20000"/>
+              </a:spcBef>
+              <a:spcAft>
+                <a:spcPct val="0"/>
+              </a:spcAft>
+              <a:buChar char="»"/>
+              <a:defRPr sz="2000">
+                <a:solidFill>
+                  <a:schemeClr val="tx1"/>
+                </a:solidFill>
+                <a:latin typeface="Tahoma" pitchFamily="34" charset="0"/>
+                <a:cs typeface="Tahoma" pitchFamily="34" charset="0"/>
+              </a:defRPr>
+            </a:lvl5pPr>
+            <a:lvl6pPr marL="2514600" indent="-228600" algn="l" rtl="0" eaLnBrk="1" fontAlgn="base" hangingPunct="1">
+              <a:spcBef>
+                <a:spcPct val="20000"/>
+              </a:spcBef>
+              <a:spcAft>
+                <a:spcPct val="0"/>
+              </a:spcAft>
+              <a:buChar char="»"/>
+              <a:defRPr sz="2000">
+                <a:solidFill>
+                  <a:schemeClr val="tx1"/>
+                </a:solidFill>
+                <a:latin typeface="Arial" charset="0"/>
+              </a:defRPr>
+            </a:lvl6pPr>
+            <a:lvl7pPr marL="2971800" indent="-228600" algn="l" rtl="0" eaLnBrk="1" fontAlgn="base" hangingPunct="1">
+              <a:spcBef>
+                <a:spcPct val="20000"/>
+              </a:spcBef>
+              <a:spcAft>
+                <a:spcPct val="0"/>
+              </a:spcAft>
+              <a:buChar char="»"/>
+              <a:defRPr sz="2000">
+                <a:solidFill>
+                  <a:schemeClr val="tx1"/>
+                </a:solidFill>
+                <a:latin typeface="Arial" charset="0"/>
+              </a:defRPr>
+            </a:lvl7pPr>
+            <a:lvl8pPr marL="3429000" indent="-228600" algn="l" rtl="0" eaLnBrk="1" fontAlgn="base" hangingPunct="1">
+              <a:spcBef>
+                <a:spcPct val="20000"/>
+              </a:spcBef>
+              <a:spcAft>
+                <a:spcPct val="0"/>
+              </a:spcAft>
+              <a:buChar char="»"/>
+              <a:defRPr sz="2000">
+                <a:solidFill>
+                  <a:schemeClr val="tx1"/>
+                </a:solidFill>
+                <a:latin typeface="Arial" charset="0"/>
+              </a:defRPr>
+            </a:lvl8pPr>
+            <a:lvl9pPr marL="3886200" indent="-228600" algn="l" rtl="0" eaLnBrk="1" fontAlgn="base" hangingPunct="1">
+              <a:spcBef>
+                <a:spcPct val="20000"/>
+              </a:spcBef>
+              <a:spcAft>
+                <a:spcPct val="0"/>
+              </a:spcAft>
+              <a:buChar char="»"/>
+              <a:defRPr sz="2000">
+                <a:solidFill>
+                  <a:schemeClr val="tx1"/>
+                </a:solidFill>
+                <a:latin typeface="Arial" charset="0"/>
+              </a:defRPr>
+            </a:lvl9pPr>
+          </a:lstStyle>
+          <a:p>
+            <a:pPr lvl="1">
+              <a:spcAft>
+                <a:spcPts val="600"/>
+              </a:spcAft>
+            </a:pPr>
+            <a:r>
+              <a:rPr lang="en-US" sz="2400" dirty="0" smtClean="0"/>
+              <a:t>Component </a:t>
+            </a:r>
+            <a:r>
+              <a:rPr lang="en-US" sz="2400" dirty="0" err="1"/>
+              <a:t>organisation</a:t>
+            </a:r>
+            <a:endParaRPr lang="en-US" sz="2400" dirty="0"/>
+          </a:p>
+          <a:p>
+            <a:pPr lvl="1">
+              <a:spcAft>
+                <a:spcPts val="600"/>
+              </a:spcAft>
+            </a:pPr>
+            <a:endParaRPr lang="en-US" sz="2000" dirty="0" smtClean="0"/>
+          </a:p>
+          <a:p>
+            <a:pPr lvl="2">
+              <a:spcAft>
+                <a:spcPts val="600"/>
+              </a:spcAft>
+            </a:pPr>
+            <a:endParaRPr lang="en-US" sz="2000" dirty="0"/>
+          </a:p>
+        </p:txBody>
+      </p:sp>
+      <p:pic>
+        <p:nvPicPr>
+          <p:cNvPr id="1026" name="Picture 2"/>
+          <p:cNvPicPr>
+            <a:picLocks noChangeAspect="1" noChangeArrowheads="1"/>
+          </p:cNvPicPr>
+          <p:nvPr/>
+        </p:nvPicPr>
+        <p:blipFill>
+          <a:blip r:embed="rId3">
+            <a:extLst>
+              <a:ext uri="{28A0092B-C50C-407E-A947-70E740481C1C}">
+                <a14:useLocalDpi xmlns:a14="http://schemas.microsoft.com/office/drawing/2010/main" val="0"/>
+              </a:ext>
+            </a:extLst>
+          </a:blip>
+          <a:srcRect/>
+          <a:stretch>
+            <a:fillRect/>
+          </a:stretch>
+        </p:blipFill>
+        <p:spPr bwMode="auto">
+          <a:xfrm>
+            <a:off x="1447800" y="2162175"/>
+            <a:ext cx="5629275" cy="4238625"/>
+          </a:xfrm>
+          <a:prstGeom prst="rect">
+            <a:avLst/>
+          </a:prstGeom>
+          <a:noFill/>
+          <a:ln>
+            <a:noFill/>
+          </a:ln>
+          <a:effectLst/>
+          <a:extLst>
+            <a:ext uri="{909E8E84-426E-40DD-AFC4-6F175D3DCCD1}">
+              <a14:hiddenFill xmlns:a14="http://schemas.microsoft.com/office/drawing/2010/main">
+                <a:solidFill>
+                  <a:schemeClr val="accent1"/>
+                </a:solidFill>
+              </a14:hiddenFill>
+            </a:ext>
+            <a:ext uri="{91240B29-F687-4F45-9708-019B960494DF}">
+              <a14:hiddenLine xmlns:a14="http://schemas.microsoft.com/office/drawing/2010/main" w="9525">
+                <a:solidFill>
+                  <a:schemeClr val="tx1"/>
+                </a:solidFill>
+                <a:miter lim="800000"/>
+                <a:headEnd/>
+                <a:tailEnd/>
+              </a14:hiddenLine>
+            </a:ext>
+            <a:ext uri="{AF507438-7753-43E0-B8FC-AC1667EBCBE1}">
+              <a14:hiddenEffects xmlns:a14="http://schemas.microsoft.com/office/drawing/2010/main">
+                <a:effectLst>
+                  <a:outerShdw dist="35921" dir="2700000" algn="ctr" rotWithShape="0">
+                    <a:schemeClr val="bg2"/>
+                  </a:outerShdw>
+                </a:effectLst>
+              </a14:hiddenEffects>
+            </a:ext>
+          </a:extLst>
+        </p:spPr>
+      </p:pic>
+    </p:spTree>
+    <p:extLst>
+      <p:ext uri="{BB962C8B-B14F-4D97-AF65-F5344CB8AC3E}">
+        <p14:creationId xmlns:p14="http://schemas.microsoft.com/office/powerpoint/2010/main" val="2642400953"/>
+      </p:ext>
+    </p:extLst>
+  </p:cSld>
+  <p:clrMapOvr>
+    <a:masterClrMapping/>
+  </p:clrMapOvr>
+  <p:timing>
+    <p:tnLst>
+      <p:par>
+        <p:cTn id="1" dur="indefinite" restart="never" nodeType="tmRoot"/>
+      </p:par>
+    </p:tnLst>
+  </p:timing>
+</p:sld>
+</file>
+
+<file path=ppt/slides/slide28.xml><?xml version="1.0" encoding="utf-8"?>
+<p:sld xmlns:a="http://schemas.openxmlformats.org/drawingml/2006/main" xmlns:r="http://schemas.openxmlformats.org/officeDocument/2006/relationships" xmlns:p="http://schemas.openxmlformats.org/presentationml/2006/main">
+  <p:cSld>
+    <p:spTree>
+      <p:nvGrpSpPr>
+        <p:cNvPr id="1" name=""/>
+        <p:cNvGrpSpPr/>
+        <p:nvPr/>
+      </p:nvGrpSpPr>
+      <p:grpSpPr>
+        <a:xfrm>
+          <a:off x="0" y="0"/>
+          <a:ext cx="0" cy="0"/>
+          <a:chOff x="0" y="0"/>
+          <a:chExt cx="0" cy="0"/>
+        </a:xfrm>
+      </p:grpSpPr>
+      <p:sp>
+        <p:nvSpPr>
+          <p:cNvPr id="2" name="Title 1"/>
+          <p:cNvSpPr>
+            <a:spLocks noGrp="1"/>
+          </p:cNvSpPr>
+          <p:nvPr>
+            <p:ph type="title"/>
+          </p:nvPr>
+        </p:nvSpPr>
+        <p:spPr/>
+        <p:txBody>
+          <a:bodyPr/>
+          <a:lstStyle/>
+          <a:p>
+            <a:r>
+              <a:rPr lang="en-US" dirty="0" smtClean="0"/>
+              <a:t>Best practices</a:t>
+            </a:r>
+            <a:endParaRPr lang="en-US" dirty="0"/>
+          </a:p>
+        </p:txBody>
+      </p:sp>
+      <p:sp>
+        <p:nvSpPr>
+          <p:cNvPr id="3" name="Rectangle 5"/>
+          <p:cNvSpPr txBox="1">
+            <a:spLocks noChangeArrowheads="1"/>
+          </p:cNvSpPr>
+          <p:nvPr/>
+        </p:nvSpPr>
+        <p:spPr>
+          <a:xfrm>
+            <a:off x="457993" y="1600200"/>
+            <a:ext cx="8075613" cy="4525963"/>
+          </a:xfrm>
+          <a:prstGeom prst="rect">
+            <a:avLst/>
+          </a:prstGeom>
+          <a:noFill/>
+          <a:ln/>
+        </p:spPr>
+        <p:txBody>
+          <a:bodyPr/>
+          <a:lstStyle>
+            <a:lvl1pPr marL="342900" indent="-342900" algn="l" rtl="0" eaLnBrk="1" fontAlgn="base" hangingPunct="1">
+              <a:spcBef>
+                <a:spcPct val="20000"/>
+              </a:spcBef>
+              <a:spcAft>
+                <a:spcPct val="0"/>
+              </a:spcAft>
+              <a:buClr>
+                <a:schemeClr val="hlink"/>
+              </a:buClr>
+              <a:buFont typeface="Wingdings" pitchFamily="2" charset="2"/>
+              <a:buChar char="v"/>
+              <a:defRPr sz="2800" b="1">
+                <a:solidFill>
+                  <a:schemeClr val="tx1"/>
+                </a:solidFill>
+                <a:latin typeface="Tahoma" pitchFamily="34" charset="0"/>
+                <a:ea typeface="+mn-ea"/>
+                <a:cs typeface="Tahoma" pitchFamily="34" charset="0"/>
+              </a:defRPr>
+            </a:lvl1pPr>
+            <a:lvl2pPr marL="742950" indent="-285750" algn="l" rtl="0" eaLnBrk="1" fontAlgn="base" hangingPunct="1">
+              <a:spcBef>
+                <a:spcPct val="20000"/>
+              </a:spcBef>
+              <a:spcAft>
+                <a:spcPct val="0"/>
+              </a:spcAft>
+              <a:buClr>
+                <a:schemeClr val="accent1"/>
+              </a:buClr>
+              <a:buFont typeface="Wingdings" pitchFamily="2" charset="2"/>
+              <a:buChar char="§"/>
+              <a:defRPr sz="2800">
+                <a:solidFill>
+                  <a:schemeClr val="tx1"/>
+                </a:solidFill>
+                <a:latin typeface="Tahoma" pitchFamily="34" charset="0"/>
+                <a:cs typeface="Tahoma" pitchFamily="34" charset="0"/>
+              </a:defRPr>
+            </a:lvl2pPr>
+            <a:lvl3pPr marL="1143000" indent="-228600" algn="l" rtl="0" eaLnBrk="1" fontAlgn="base" hangingPunct="1">
+              <a:spcBef>
+                <a:spcPct val="20000"/>
+              </a:spcBef>
+              <a:spcAft>
+                <a:spcPct val="0"/>
+              </a:spcAft>
+              <a:buClr>
+                <a:schemeClr val="tx1"/>
+              </a:buClr>
+              <a:buChar char="•"/>
+              <a:defRPr sz="2400">
+                <a:solidFill>
+                  <a:schemeClr val="tx1"/>
+                </a:solidFill>
+                <a:latin typeface="Tahoma" pitchFamily="34" charset="0"/>
+                <a:cs typeface="Tahoma" pitchFamily="34" charset="0"/>
+              </a:defRPr>
+            </a:lvl3pPr>
+            <a:lvl4pPr marL="1600200" indent="-228600" algn="l" rtl="0" eaLnBrk="1" fontAlgn="base" hangingPunct="1">
+              <a:spcBef>
+                <a:spcPct val="20000"/>
+              </a:spcBef>
+              <a:spcAft>
+                <a:spcPct val="0"/>
+              </a:spcAft>
+              <a:buChar char="–"/>
+              <a:defRPr sz="2000">
+                <a:solidFill>
+                  <a:schemeClr val="tx1"/>
+                </a:solidFill>
+                <a:latin typeface="Tahoma" pitchFamily="34" charset="0"/>
+                <a:cs typeface="Tahoma" pitchFamily="34" charset="0"/>
+              </a:defRPr>
+            </a:lvl4pPr>
+            <a:lvl5pPr marL="2057400" indent="-228600" algn="l" rtl="0" eaLnBrk="1" fontAlgn="base" hangingPunct="1">
+              <a:spcBef>
+                <a:spcPct val="20000"/>
+              </a:spcBef>
+              <a:spcAft>
+                <a:spcPct val="0"/>
+              </a:spcAft>
+              <a:buChar char="»"/>
+              <a:defRPr sz="2000">
+                <a:solidFill>
+                  <a:schemeClr val="tx1"/>
+                </a:solidFill>
+                <a:latin typeface="Tahoma" pitchFamily="34" charset="0"/>
+                <a:cs typeface="Tahoma" pitchFamily="34" charset="0"/>
+              </a:defRPr>
+            </a:lvl5pPr>
+            <a:lvl6pPr marL="2514600" indent="-228600" algn="l" rtl="0" eaLnBrk="1" fontAlgn="base" hangingPunct="1">
+              <a:spcBef>
+                <a:spcPct val="20000"/>
+              </a:spcBef>
+              <a:spcAft>
+                <a:spcPct val="0"/>
+              </a:spcAft>
+              <a:buChar char="»"/>
+              <a:defRPr sz="2000">
+                <a:solidFill>
+                  <a:schemeClr val="tx1"/>
+                </a:solidFill>
+                <a:latin typeface="Arial" charset="0"/>
+              </a:defRPr>
+            </a:lvl6pPr>
+            <a:lvl7pPr marL="2971800" indent="-228600" algn="l" rtl="0" eaLnBrk="1" fontAlgn="base" hangingPunct="1">
+              <a:spcBef>
+                <a:spcPct val="20000"/>
+              </a:spcBef>
+              <a:spcAft>
+                <a:spcPct val="0"/>
+              </a:spcAft>
+              <a:buChar char="»"/>
+              <a:defRPr sz="2000">
+                <a:solidFill>
+                  <a:schemeClr val="tx1"/>
+                </a:solidFill>
+                <a:latin typeface="Arial" charset="0"/>
+              </a:defRPr>
+            </a:lvl7pPr>
+            <a:lvl8pPr marL="3429000" indent="-228600" algn="l" rtl="0" eaLnBrk="1" fontAlgn="base" hangingPunct="1">
+              <a:spcBef>
+                <a:spcPct val="20000"/>
+              </a:spcBef>
+              <a:spcAft>
+                <a:spcPct val="0"/>
+              </a:spcAft>
+              <a:buChar char="»"/>
+              <a:defRPr sz="2000">
+                <a:solidFill>
+                  <a:schemeClr val="tx1"/>
+                </a:solidFill>
+                <a:latin typeface="Arial" charset="0"/>
+              </a:defRPr>
+            </a:lvl8pPr>
+            <a:lvl9pPr marL="3886200" indent="-228600" algn="l" rtl="0" eaLnBrk="1" fontAlgn="base" hangingPunct="1">
+              <a:spcBef>
+                <a:spcPct val="20000"/>
+              </a:spcBef>
+              <a:spcAft>
+                <a:spcPct val="0"/>
+              </a:spcAft>
+              <a:buChar char="»"/>
+              <a:defRPr sz="2000">
+                <a:solidFill>
+                  <a:schemeClr val="tx1"/>
+                </a:solidFill>
+                <a:latin typeface="Arial" charset="0"/>
+              </a:defRPr>
+            </a:lvl9pPr>
+          </a:lstStyle>
+          <a:p>
+            <a:pPr lvl="1">
+              <a:spcAft>
+                <a:spcPts val="600"/>
+              </a:spcAft>
+            </a:pPr>
+            <a:r>
+              <a:rPr lang="en-US" sz="2400" dirty="0"/>
+              <a:t>Always set </a:t>
+            </a:r>
+            <a:r>
+              <a:rPr lang="en-US" sz="2400" dirty="0" err="1"/>
+              <a:t>propTypes</a:t>
+            </a:r>
+            <a:r>
+              <a:rPr lang="en-US" sz="2400" dirty="0"/>
+              <a:t> for validation and </a:t>
+            </a:r>
+            <a:r>
+              <a:rPr lang="en-US" sz="2400" dirty="0" smtClean="0"/>
+              <a:t>self-documentation.</a:t>
+            </a:r>
+            <a:endParaRPr lang="en-US" sz="2000" dirty="0" smtClean="0"/>
+          </a:p>
+          <a:p>
+            <a:pPr lvl="2">
+              <a:spcAft>
+                <a:spcPts val="600"/>
+              </a:spcAft>
+            </a:pPr>
+            <a:endParaRPr lang="en-US" sz="2000" dirty="0"/>
+          </a:p>
+        </p:txBody>
+      </p:sp>
+      <p:pic>
+        <p:nvPicPr>
+          <p:cNvPr id="2050" name="Picture 2"/>
+          <p:cNvPicPr>
+            <a:picLocks noChangeAspect="1" noChangeArrowheads="1"/>
+          </p:cNvPicPr>
+          <p:nvPr/>
+        </p:nvPicPr>
+        <p:blipFill>
+          <a:blip r:embed="rId3">
+            <a:extLst>
+              <a:ext uri="{28A0092B-C50C-407E-A947-70E740481C1C}">
+                <a14:useLocalDpi xmlns:a14="http://schemas.microsoft.com/office/drawing/2010/main" val="0"/>
+              </a:ext>
+            </a:extLst>
+          </a:blip>
+          <a:srcRect/>
+          <a:stretch>
+            <a:fillRect/>
+          </a:stretch>
+        </p:blipFill>
+        <p:spPr bwMode="auto">
+          <a:xfrm>
+            <a:off x="1676400" y="2858293"/>
+            <a:ext cx="5314950" cy="2009775"/>
+          </a:xfrm>
+          <a:prstGeom prst="rect">
+            <a:avLst/>
+          </a:prstGeom>
+          <a:noFill/>
+          <a:ln>
+            <a:noFill/>
+          </a:ln>
+          <a:effectLst/>
+          <a:extLst>
+            <a:ext uri="{909E8E84-426E-40DD-AFC4-6F175D3DCCD1}">
+              <a14:hiddenFill xmlns:a14="http://schemas.microsoft.com/office/drawing/2010/main">
+                <a:solidFill>
+                  <a:schemeClr val="accent1"/>
+                </a:solidFill>
+              </a14:hiddenFill>
+            </a:ext>
+            <a:ext uri="{91240B29-F687-4F45-9708-019B960494DF}">
+              <a14:hiddenLine xmlns:a14="http://schemas.microsoft.com/office/drawing/2010/main" w="9525">
+                <a:solidFill>
+                  <a:schemeClr val="tx1"/>
+                </a:solidFill>
+                <a:miter lim="800000"/>
+                <a:headEnd/>
+                <a:tailEnd/>
+              </a14:hiddenLine>
+            </a:ext>
+            <a:ext uri="{AF507438-7753-43E0-B8FC-AC1667EBCBE1}">
+              <a14:hiddenEffects xmlns:a14="http://schemas.microsoft.com/office/drawing/2010/main">
+                <a:effectLst>
+                  <a:outerShdw dist="35921" dir="2700000" algn="ctr" rotWithShape="0">
+                    <a:schemeClr val="bg2"/>
+                  </a:outerShdw>
+                </a:effectLst>
+              </a14:hiddenEffects>
+            </a:ext>
+          </a:extLst>
+        </p:spPr>
+      </p:pic>
+    </p:spTree>
+    <p:extLst>
+      <p:ext uri="{BB962C8B-B14F-4D97-AF65-F5344CB8AC3E}">
+        <p14:creationId xmlns:p14="http://schemas.microsoft.com/office/powerpoint/2010/main" val="1891946897"/>
+      </p:ext>
+    </p:extLst>
+  </p:cSld>
+  <p:clrMapOvr>
+    <a:masterClrMapping/>
+  </p:clrMapOvr>
+  <p:timing>
+    <p:tnLst>
+      <p:par>
+        <p:cTn id="1" dur="indefinite" restart="never" nodeType="tmRoot"/>
+      </p:par>
+    </p:tnLst>
+  </p:timing>
+</p:sld>
+</file>
+
+<file path=ppt/slides/slide29.xml><?xml version="1.0" encoding="utf-8"?>
+<p:sld xmlns:a="http://schemas.openxmlformats.org/drawingml/2006/main" xmlns:r="http://schemas.openxmlformats.org/officeDocument/2006/relationships" xmlns:p="http://schemas.openxmlformats.org/presentationml/2006/main">
+  <p:cSld>
+    <p:spTree>
+      <p:nvGrpSpPr>
+        <p:cNvPr id="1" name=""/>
+        <p:cNvGrpSpPr/>
+        <p:nvPr/>
+      </p:nvGrpSpPr>
+      <p:grpSpPr>
+        <a:xfrm>
+          <a:off x="0" y="0"/>
+          <a:ext cx="0" cy="0"/>
+          <a:chOff x="0" y="0"/>
+          <a:chExt cx="0" cy="0"/>
+        </a:xfrm>
+      </p:grpSpPr>
+      <p:sp>
+        <p:nvSpPr>
+          <p:cNvPr id="2" name="Title 1"/>
+          <p:cNvSpPr>
+            <a:spLocks noGrp="1"/>
+          </p:cNvSpPr>
+          <p:nvPr>
+            <p:ph type="title"/>
+          </p:nvPr>
+        </p:nvSpPr>
+        <p:spPr/>
+        <p:txBody>
+          <a:bodyPr/>
+          <a:lstStyle/>
+          <a:p>
+            <a:r>
+              <a:rPr lang="en-US" dirty="0" smtClean="0"/>
+              <a:t>Best practices</a:t>
+            </a:r>
+            <a:endParaRPr lang="en-US" dirty="0"/>
+          </a:p>
+        </p:txBody>
+      </p:sp>
+      <p:sp>
+        <p:nvSpPr>
+          <p:cNvPr id="3" name="Rectangle 5"/>
+          <p:cNvSpPr txBox="1">
+            <a:spLocks noChangeArrowheads="1"/>
+          </p:cNvSpPr>
+          <p:nvPr/>
+        </p:nvSpPr>
+        <p:spPr>
+          <a:xfrm>
+            <a:off x="457993" y="1600200"/>
+            <a:ext cx="8075613" cy="4525963"/>
+          </a:xfrm>
+          <a:prstGeom prst="rect">
+            <a:avLst/>
+          </a:prstGeom>
+          <a:noFill/>
+          <a:ln/>
+        </p:spPr>
+        <p:txBody>
+          <a:bodyPr/>
+          <a:lstStyle>
+            <a:lvl1pPr marL="342900" indent="-342900" algn="l" rtl="0" eaLnBrk="1" fontAlgn="base" hangingPunct="1">
+              <a:spcBef>
+                <a:spcPct val="20000"/>
+              </a:spcBef>
+              <a:spcAft>
+                <a:spcPct val="0"/>
+              </a:spcAft>
+              <a:buClr>
+                <a:schemeClr val="hlink"/>
+              </a:buClr>
+              <a:buFont typeface="Wingdings" pitchFamily="2" charset="2"/>
+              <a:buChar char="v"/>
+              <a:defRPr sz="2800" b="1">
+                <a:solidFill>
+                  <a:schemeClr val="tx1"/>
+                </a:solidFill>
+                <a:latin typeface="Tahoma" pitchFamily="34" charset="0"/>
+                <a:ea typeface="+mn-ea"/>
+                <a:cs typeface="Tahoma" pitchFamily="34" charset="0"/>
+              </a:defRPr>
+            </a:lvl1pPr>
+            <a:lvl2pPr marL="742950" indent="-285750" algn="l" rtl="0" eaLnBrk="1" fontAlgn="base" hangingPunct="1">
+              <a:spcBef>
+                <a:spcPct val="20000"/>
+              </a:spcBef>
+              <a:spcAft>
+                <a:spcPct val="0"/>
+              </a:spcAft>
+              <a:buClr>
+                <a:schemeClr val="accent1"/>
+              </a:buClr>
+              <a:buFont typeface="Wingdings" pitchFamily="2" charset="2"/>
+              <a:buChar char="§"/>
+              <a:defRPr sz="2800">
+                <a:solidFill>
+                  <a:schemeClr val="tx1"/>
+                </a:solidFill>
+                <a:latin typeface="Tahoma" pitchFamily="34" charset="0"/>
+                <a:cs typeface="Tahoma" pitchFamily="34" charset="0"/>
+              </a:defRPr>
+            </a:lvl2pPr>
+            <a:lvl3pPr marL="1143000" indent="-228600" algn="l" rtl="0" eaLnBrk="1" fontAlgn="base" hangingPunct="1">
+              <a:spcBef>
+                <a:spcPct val="20000"/>
+              </a:spcBef>
+              <a:spcAft>
+                <a:spcPct val="0"/>
+              </a:spcAft>
+              <a:buClr>
+                <a:schemeClr val="tx1"/>
+              </a:buClr>
+              <a:buChar char="•"/>
+              <a:defRPr sz="2400">
+                <a:solidFill>
+                  <a:schemeClr val="tx1"/>
+                </a:solidFill>
+                <a:latin typeface="Tahoma" pitchFamily="34" charset="0"/>
+                <a:cs typeface="Tahoma" pitchFamily="34" charset="0"/>
+              </a:defRPr>
+            </a:lvl3pPr>
+            <a:lvl4pPr marL="1600200" indent="-228600" algn="l" rtl="0" eaLnBrk="1" fontAlgn="base" hangingPunct="1">
+              <a:spcBef>
+                <a:spcPct val="20000"/>
+              </a:spcBef>
+              <a:spcAft>
+                <a:spcPct val="0"/>
+              </a:spcAft>
+              <a:buChar char="–"/>
+              <a:defRPr sz="2000">
+                <a:solidFill>
+                  <a:schemeClr val="tx1"/>
+                </a:solidFill>
+                <a:latin typeface="Tahoma" pitchFamily="34" charset="0"/>
+                <a:cs typeface="Tahoma" pitchFamily="34" charset="0"/>
+              </a:defRPr>
+            </a:lvl4pPr>
+            <a:lvl5pPr marL="2057400" indent="-228600" algn="l" rtl="0" eaLnBrk="1" fontAlgn="base" hangingPunct="1">
+              <a:spcBef>
+                <a:spcPct val="20000"/>
+              </a:spcBef>
+              <a:spcAft>
+                <a:spcPct val="0"/>
+              </a:spcAft>
+              <a:buChar char="»"/>
+              <a:defRPr sz="2000">
+                <a:solidFill>
+                  <a:schemeClr val="tx1"/>
+                </a:solidFill>
+                <a:latin typeface="Tahoma" pitchFamily="34" charset="0"/>
+                <a:cs typeface="Tahoma" pitchFamily="34" charset="0"/>
+              </a:defRPr>
+            </a:lvl5pPr>
+            <a:lvl6pPr marL="2514600" indent="-228600" algn="l" rtl="0" eaLnBrk="1" fontAlgn="base" hangingPunct="1">
+              <a:spcBef>
+                <a:spcPct val="20000"/>
+              </a:spcBef>
+              <a:spcAft>
+                <a:spcPct val="0"/>
+              </a:spcAft>
+              <a:buChar char="»"/>
+              <a:defRPr sz="2000">
+                <a:solidFill>
+                  <a:schemeClr val="tx1"/>
+                </a:solidFill>
+                <a:latin typeface="Arial" charset="0"/>
+              </a:defRPr>
+            </a:lvl6pPr>
+            <a:lvl7pPr marL="2971800" indent="-228600" algn="l" rtl="0" eaLnBrk="1" fontAlgn="base" hangingPunct="1">
+              <a:spcBef>
+                <a:spcPct val="20000"/>
+              </a:spcBef>
+              <a:spcAft>
+                <a:spcPct val="0"/>
+              </a:spcAft>
+              <a:buChar char="»"/>
+              <a:defRPr sz="2000">
+                <a:solidFill>
+                  <a:schemeClr val="tx1"/>
+                </a:solidFill>
+                <a:latin typeface="Arial" charset="0"/>
+              </a:defRPr>
+            </a:lvl7pPr>
+            <a:lvl8pPr marL="3429000" indent="-228600" algn="l" rtl="0" eaLnBrk="1" fontAlgn="base" hangingPunct="1">
+              <a:spcBef>
+                <a:spcPct val="20000"/>
+              </a:spcBef>
+              <a:spcAft>
+                <a:spcPct val="0"/>
+              </a:spcAft>
+              <a:buChar char="»"/>
+              <a:defRPr sz="2000">
+                <a:solidFill>
+                  <a:schemeClr val="tx1"/>
+                </a:solidFill>
+                <a:latin typeface="Arial" charset="0"/>
+              </a:defRPr>
+            </a:lvl8pPr>
+            <a:lvl9pPr marL="3886200" indent="-228600" algn="l" rtl="0" eaLnBrk="1" fontAlgn="base" hangingPunct="1">
+              <a:spcBef>
+                <a:spcPct val="20000"/>
+              </a:spcBef>
+              <a:spcAft>
+                <a:spcPct val="0"/>
+              </a:spcAft>
+              <a:buChar char="»"/>
+              <a:defRPr sz="2000">
+                <a:solidFill>
+                  <a:schemeClr val="tx1"/>
+                </a:solidFill>
+                <a:latin typeface="Arial" charset="0"/>
+              </a:defRPr>
+            </a:lvl9pPr>
+          </a:lstStyle>
+          <a:p>
+            <a:pPr lvl="1">
+              <a:spcAft>
+                <a:spcPts val="600"/>
+              </a:spcAft>
+            </a:pPr>
+            <a:r>
+              <a:rPr lang="en-US" sz="2400" dirty="0" smtClean="0"/>
+              <a:t>Using JSX for more readable</a:t>
+            </a:r>
+          </a:p>
+          <a:p>
+            <a:pPr lvl="1">
+              <a:spcAft>
+                <a:spcPts val="600"/>
+              </a:spcAft>
+            </a:pPr>
+            <a:r>
+              <a:rPr lang="en-US" sz="2400" dirty="0"/>
+              <a:t>Multi-line </a:t>
+            </a:r>
+            <a:r>
+              <a:rPr lang="en-US" sz="2400" dirty="0" smtClean="0"/>
+              <a:t>JSX</a:t>
+            </a:r>
+          </a:p>
+          <a:p>
+            <a:pPr lvl="1">
+              <a:spcAft>
+                <a:spcPts val="600"/>
+              </a:spcAft>
+            </a:pPr>
+            <a:endParaRPr lang="en-US" sz="2400" dirty="0"/>
+          </a:p>
+          <a:p>
+            <a:pPr lvl="1">
+              <a:spcAft>
+                <a:spcPts val="600"/>
+              </a:spcAft>
+            </a:pPr>
+            <a:endParaRPr lang="en-US" sz="2400" dirty="0" smtClean="0"/>
+          </a:p>
+          <a:p>
+            <a:pPr lvl="1">
+              <a:spcAft>
+                <a:spcPts val="600"/>
+              </a:spcAft>
+            </a:pPr>
+            <a:endParaRPr lang="en-US" sz="2400" dirty="0"/>
+          </a:p>
+          <a:p>
+            <a:pPr lvl="2">
+              <a:spcAft>
+                <a:spcPts val="600"/>
+              </a:spcAft>
+            </a:pPr>
+            <a:endParaRPr lang="en-US" sz="2000" dirty="0" smtClean="0"/>
+          </a:p>
+          <a:p>
+            <a:pPr marL="914400" lvl="2" indent="0">
+              <a:spcAft>
+                <a:spcPts val="600"/>
+              </a:spcAft>
+              <a:buNone/>
+            </a:pPr>
+            <a:r>
+              <a:rPr lang="en-US" sz="1800" dirty="0" smtClean="0"/>
+              <a:t>Rather than …</a:t>
+            </a:r>
+          </a:p>
+          <a:p>
+            <a:pPr lvl="2">
+              <a:spcAft>
+                <a:spcPts val="600"/>
+              </a:spcAft>
+            </a:pPr>
+            <a:endParaRPr lang="en-US" sz="2000" dirty="0" smtClean="0"/>
+          </a:p>
+          <a:p>
+            <a:pPr lvl="1">
+              <a:spcAft>
+                <a:spcPts val="600"/>
+              </a:spcAft>
+            </a:pPr>
+            <a:endParaRPr lang="en-US" sz="2400" dirty="0"/>
+          </a:p>
+          <a:p>
+            <a:pPr lvl="1">
+              <a:spcAft>
+                <a:spcPts val="600"/>
+              </a:spcAft>
+            </a:pPr>
+            <a:endParaRPr lang="en-US" sz="2400" dirty="0" smtClean="0"/>
+          </a:p>
+          <a:p>
+            <a:pPr lvl="1">
+              <a:spcAft>
+                <a:spcPts val="600"/>
+              </a:spcAft>
+            </a:pPr>
+            <a:endParaRPr lang="en-US" sz="2400" dirty="0"/>
+          </a:p>
+          <a:p>
+            <a:pPr lvl="2">
+              <a:spcAft>
+                <a:spcPts val="600"/>
+              </a:spcAft>
+            </a:pPr>
+            <a:endParaRPr lang="en-US" sz="2000" dirty="0"/>
+          </a:p>
+          <a:p>
+            <a:pPr lvl="1">
+              <a:spcAft>
+                <a:spcPts val="600"/>
+              </a:spcAft>
+            </a:pPr>
+            <a:endParaRPr lang="en-US" sz="2000" dirty="0" smtClean="0"/>
+          </a:p>
+          <a:p>
+            <a:pPr lvl="2">
+              <a:spcAft>
+                <a:spcPts val="600"/>
+              </a:spcAft>
+            </a:pPr>
+            <a:endParaRPr lang="en-US" sz="2000" dirty="0"/>
+          </a:p>
+        </p:txBody>
+      </p:sp>
+      <p:pic>
+        <p:nvPicPr>
+          <p:cNvPr id="3074" name="Picture 2"/>
+          <p:cNvPicPr>
+            <a:picLocks noChangeAspect="1" noChangeArrowheads="1"/>
+          </p:cNvPicPr>
+          <p:nvPr/>
+        </p:nvPicPr>
+        <p:blipFill>
+          <a:blip r:embed="rId3">
+            <a:extLst>
+              <a:ext uri="{28A0092B-C50C-407E-A947-70E740481C1C}">
+                <a14:useLocalDpi xmlns:a14="http://schemas.microsoft.com/office/drawing/2010/main" val="0"/>
+              </a:ext>
+            </a:extLst>
+          </a:blip>
+          <a:srcRect/>
+          <a:stretch>
+            <a:fillRect/>
+          </a:stretch>
+        </p:blipFill>
+        <p:spPr bwMode="auto">
+          <a:xfrm>
+            <a:off x="1781175" y="2657475"/>
+            <a:ext cx="5581650" cy="1543050"/>
+          </a:xfrm>
+          <a:prstGeom prst="rect">
+            <a:avLst/>
+          </a:prstGeom>
+          <a:noFill/>
+          <a:ln>
+            <a:noFill/>
+          </a:ln>
+          <a:effectLst/>
+          <a:extLst>
+            <a:ext uri="{909E8E84-426E-40DD-AFC4-6F175D3DCCD1}">
+              <a14:hiddenFill xmlns:a14="http://schemas.microsoft.com/office/drawing/2010/main">
+                <a:solidFill>
+                  <a:schemeClr val="accent1"/>
+                </a:solidFill>
+              </a14:hiddenFill>
+            </a:ext>
+            <a:ext uri="{91240B29-F687-4F45-9708-019B960494DF}">
+              <a14:hiddenLine xmlns:a14="http://schemas.microsoft.com/office/drawing/2010/main" w="9525">
+                <a:solidFill>
+                  <a:schemeClr val="tx1"/>
+                </a:solidFill>
+                <a:miter lim="800000"/>
+                <a:headEnd/>
+                <a:tailEnd/>
+              </a14:hiddenLine>
+            </a:ext>
+            <a:ext uri="{AF507438-7753-43E0-B8FC-AC1667EBCBE1}">
+              <a14:hiddenEffects xmlns:a14="http://schemas.microsoft.com/office/drawing/2010/main">
+                <a:effectLst>
+                  <a:outerShdw dist="35921" dir="2700000" algn="ctr" rotWithShape="0">
+                    <a:schemeClr val="bg2"/>
+                  </a:outerShdw>
+                </a:effectLst>
+              </a14:hiddenEffects>
+            </a:ext>
+          </a:extLst>
+        </p:spPr>
+      </p:pic>
+      <p:pic>
+        <p:nvPicPr>
+          <p:cNvPr id="3075" name="Picture 3"/>
+          <p:cNvPicPr>
+            <a:picLocks noChangeAspect="1" noChangeArrowheads="1"/>
+          </p:cNvPicPr>
+          <p:nvPr/>
+        </p:nvPicPr>
+        <p:blipFill>
+          <a:blip r:embed="rId4">
+            <a:extLst>
+              <a:ext uri="{28A0092B-C50C-407E-A947-70E740481C1C}">
+                <a14:useLocalDpi xmlns:a14="http://schemas.microsoft.com/office/drawing/2010/main" val="0"/>
+              </a:ext>
+            </a:extLst>
+          </a:blip>
+          <a:srcRect/>
+          <a:stretch>
+            <a:fillRect/>
+          </a:stretch>
+        </p:blipFill>
+        <p:spPr bwMode="auto">
+          <a:xfrm>
+            <a:off x="1828800" y="5191125"/>
+            <a:ext cx="5238750" cy="447675"/>
+          </a:xfrm>
+          <a:prstGeom prst="rect">
+            <a:avLst/>
+          </a:prstGeom>
+          <a:noFill/>
+          <a:ln>
+            <a:noFill/>
+          </a:ln>
+          <a:effectLst/>
+          <a:extLst>
+            <a:ext uri="{909E8E84-426E-40DD-AFC4-6F175D3DCCD1}">
+              <a14:hiddenFill xmlns:a14="http://schemas.microsoft.com/office/drawing/2010/main">
+                <a:solidFill>
+                  <a:schemeClr val="accent1"/>
+                </a:solidFill>
+              </a14:hiddenFill>
+            </a:ext>
+            <a:ext uri="{91240B29-F687-4F45-9708-019B960494DF}">
+              <a14:hiddenLine xmlns:a14="http://schemas.microsoft.com/office/drawing/2010/main" w="9525">
+                <a:solidFill>
+                  <a:schemeClr val="tx1"/>
+                </a:solidFill>
+                <a:miter lim="800000"/>
+                <a:headEnd/>
+                <a:tailEnd/>
+              </a14:hiddenLine>
+            </a:ext>
+            <a:ext uri="{AF507438-7753-43E0-B8FC-AC1667EBCBE1}">
+              <a14:hiddenEffects xmlns:a14="http://schemas.microsoft.com/office/drawing/2010/main">
+                <a:effectLst>
+                  <a:outerShdw dist="35921" dir="2700000" algn="ctr" rotWithShape="0">
+                    <a:schemeClr val="bg2"/>
+                  </a:outerShdw>
+                </a:effectLst>
+              </a14:hiddenEffects>
+            </a:ext>
+          </a:extLst>
+        </p:spPr>
+      </p:pic>
+    </p:spTree>
+    <p:extLst>
+      <p:ext uri="{BB962C8B-B14F-4D97-AF65-F5344CB8AC3E}">
+        <p14:creationId xmlns:p14="http://schemas.microsoft.com/office/powerpoint/2010/main" val="552869976"/>
+      </p:ext>
+    </p:extLst>
+  </p:cSld>
+  <p:clrMapOvr>
+    <a:masterClrMapping/>
+  </p:clrMapOvr>
+  <p:timing>
+    <p:tnLst>
+      <p:par>
+        <p:cTn id="1" dur="indefinite" restart="never" nodeType="tmRoot"/>
+      </p:par>
+    </p:tnLst>
+  </p:timing>
+</p:sld>
+</file>
+
 <file path=ppt/slides/slide3.xml><?xml version="1.0" encoding="utf-8"?>
 <p:sld xmlns:a="http://schemas.openxmlformats.org/drawingml/2006/main" xmlns:r="http://schemas.openxmlformats.org/officeDocument/2006/relationships" xmlns:p="http://schemas.openxmlformats.org/presentationml/2006/main">
   <p:cSld>
@@ -21536,6 +24529,3520 @@
     <p:extLst>
       <p:ext uri="{BB962C8B-B14F-4D97-AF65-F5344CB8AC3E}">
         <p14:creationId xmlns:p14="http://schemas.microsoft.com/office/powerpoint/2010/main" val="2480312656"/>
+      </p:ext>
+    </p:extLst>
+  </p:cSld>
+  <p:clrMapOvr>
+    <a:masterClrMapping/>
+  </p:clrMapOvr>
+  <p:timing>
+    <p:tnLst>
+      <p:par>
+        <p:cTn id="1" dur="indefinite" restart="never" nodeType="tmRoot"/>
+      </p:par>
+    </p:tnLst>
+  </p:timing>
+</p:sld>
+</file>
+
+<file path=ppt/slides/slide30.xml><?xml version="1.0" encoding="utf-8"?>
+<p:sld xmlns:a="http://schemas.openxmlformats.org/drawingml/2006/main" xmlns:r="http://schemas.openxmlformats.org/officeDocument/2006/relationships" xmlns:p="http://schemas.openxmlformats.org/presentationml/2006/main">
+  <p:cSld>
+    <p:spTree>
+      <p:nvGrpSpPr>
+        <p:cNvPr id="1" name=""/>
+        <p:cNvGrpSpPr/>
+        <p:nvPr/>
+      </p:nvGrpSpPr>
+      <p:grpSpPr>
+        <a:xfrm>
+          <a:off x="0" y="0"/>
+          <a:ext cx="0" cy="0"/>
+          <a:chOff x="0" y="0"/>
+          <a:chExt cx="0" cy="0"/>
+        </a:xfrm>
+      </p:grpSpPr>
+      <p:sp>
+        <p:nvSpPr>
+          <p:cNvPr id="2" name="Title 1"/>
+          <p:cNvSpPr>
+            <a:spLocks noGrp="1"/>
+          </p:cNvSpPr>
+          <p:nvPr>
+            <p:ph type="title"/>
+          </p:nvPr>
+        </p:nvSpPr>
+        <p:spPr/>
+        <p:txBody>
+          <a:bodyPr/>
+          <a:lstStyle/>
+          <a:p>
+            <a:r>
+              <a:rPr lang="en-US" dirty="0" smtClean="0"/>
+              <a:t>Best practices</a:t>
+            </a:r>
+            <a:endParaRPr lang="en-US" dirty="0"/>
+          </a:p>
+        </p:txBody>
+      </p:sp>
+      <p:sp>
+        <p:nvSpPr>
+          <p:cNvPr id="3" name="Rectangle 5"/>
+          <p:cNvSpPr txBox="1">
+            <a:spLocks noChangeArrowheads="1"/>
+          </p:cNvSpPr>
+          <p:nvPr/>
+        </p:nvSpPr>
+        <p:spPr>
+          <a:xfrm>
+            <a:off x="457993" y="1600200"/>
+            <a:ext cx="8075613" cy="4525963"/>
+          </a:xfrm>
+          <a:prstGeom prst="rect">
+            <a:avLst/>
+          </a:prstGeom>
+          <a:noFill/>
+          <a:ln/>
+        </p:spPr>
+        <p:txBody>
+          <a:bodyPr/>
+          <a:lstStyle>
+            <a:lvl1pPr marL="342900" indent="-342900" algn="l" rtl="0" eaLnBrk="1" fontAlgn="base" hangingPunct="1">
+              <a:spcBef>
+                <a:spcPct val="20000"/>
+              </a:spcBef>
+              <a:spcAft>
+                <a:spcPct val="0"/>
+              </a:spcAft>
+              <a:buClr>
+                <a:schemeClr val="hlink"/>
+              </a:buClr>
+              <a:buFont typeface="Wingdings" pitchFamily="2" charset="2"/>
+              <a:buChar char="v"/>
+              <a:defRPr sz="2800" b="1">
+                <a:solidFill>
+                  <a:schemeClr val="tx1"/>
+                </a:solidFill>
+                <a:latin typeface="Tahoma" pitchFamily="34" charset="0"/>
+                <a:ea typeface="+mn-ea"/>
+                <a:cs typeface="Tahoma" pitchFamily="34" charset="0"/>
+              </a:defRPr>
+            </a:lvl1pPr>
+            <a:lvl2pPr marL="742950" indent="-285750" algn="l" rtl="0" eaLnBrk="1" fontAlgn="base" hangingPunct="1">
+              <a:spcBef>
+                <a:spcPct val="20000"/>
+              </a:spcBef>
+              <a:spcAft>
+                <a:spcPct val="0"/>
+              </a:spcAft>
+              <a:buClr>
+                <a:schemeClr val="accent1"/>
+              </a:buClr>
+              <a:buFont typeface="Wingdings" pitchFamily="2" charset="2"/>
+              <a:buChar char="§"/>
+              <a:defRPr sz="2800">
+                <a:solidFill>
+                  <a:schemeClr val="tx1"/>
+                </a:solidFill>
+                <a:latin typeface="Tahoma" pitchFamily="34" charset="0"/>
+                <a:cs typeface="Tahoma" pitchFamily="34" charset="0"/>
+              </a:defRPr>
+            </a:lvl2pPr>
+            <a:lvl3pPr marL="1143000" indent="-228600" algn="l" rtl="0" eaLnBrk="1" fontAlgn="base" hangingPunct="1">
+              <a:spcBef>
+                <a:spcPct val="20000"/>
+              </a:spcBef>
+              <a:spcAft>
+                <a:spcPct val="0"/>
+              </a:spcAft>
+              <a:buClr>
+                <a:schemeClr val="tx1"/>
+              </a:buClr>
+              <a:buChar char="•"/>
+              <a:defRPr sz="2400">
+                <a:solidFill>
+                  <a:schemeClr val="tx1"/>
+                </a:solidFill>
+                <a:latin typeface="Tahoma" pitchFamily="34" charset="0"/>
+                <a:cs typeface="Tahoma" pitchFamily="34" charset="0"/>
+              </a:defRPr>
+            </a:lvl3pPr>
+            <a:lvl4pPr marL="1600200" indent="-228600" algn="l" rtl="0" eaLnBrk="1" fontAlgn="base" hangingPunct="1">
+              <a:spcBef>
+                <a:spcPct val="20000"/>
+              </a:spcBef>
+              <a:spcAft>
+                <a:spcPct val="0"/>
+              </a:spcAft>
+              <a:buChar char="–"/>
+              <a:defRPr sz="2000">
+                <a:solidFill>
+                  <a:schemeClr val="tx1"/>
+                </a:solidFill>
+                <a:latin typeface="Tahoma" pitchFamily="34" charset="0"/>
+                <a:cs typeface="Tahoma" pitchFamily="34" charset="0"/>
+              </a:defRPr>
+            </a:lvl4pPr>
+            <a:lvl5pPr marL="2057400" indent="-228600" algn="l" rtl="0" eaLnBrk="1" fontAlgn="base" hangingPunct="1">
+              <a:spcBef>
+                <a:spcPct val="20000"/>
+              </a:spcBef>
+              <a:spcAft>
+                <a:spcPct val="0"/>
+              </a:spcAft>
+              <a:buChar char="»"/>
+              <a:defRPr sz="2000">
+                <a:solidFill>
+                  <a:schemeClr val="tx1"/>
+                </a:solidFill>
+                <a:latin typeface="Tahoma" pitchFamily="34" charset="0"/>
+                <a:cs typeface="Tahoma" pitchFamily="34" charset="0"/>
+              </a:defRPr>
+            </a:lvl5pPr>
+            <a:lvl6pPr marL="2514600" indent="-228600" algn="l" rtl="0" eaLnBrk="1" fontAlgn="base" hangingPunct="1">
+              <a:spcBef>
+                <a:spcPct val="20000"/>
+              </a:spcBef>
+              <a:spcAft>
+                <a:spcPct val="0"/>
+              </a:spcAft>
+              <a:buChar char="»"/>
+              <a:defRPr sz="2000">
+                <a:solidFill>
+                  <a:schemeClr val="tx1"/>
+                </a:solidFill>
+                <a:latin typeface="Arial" charset="0"/>
+              </a:defRPr>
+            </a:lvl6pPr>
+            <a:lvl7pPr marL="2971800" indent="-228600" algn="l" rtl="0" eaLnBrk="1" fontAlgn="base" hangingPunct="1">
+              <a:spcBef>
+                <a:spcPct val="20000"/>
+              </a:spcBef>
+              <a:spcAft>
+                <a:spcPct val="0"/>
+              </a:spcAft>
+              <a:buChar char="»"/>
+              <a:defRPr sz="2000">
+                <a:solidFill>
+                  <a:schemeClr val="tx1"/>
+                </a:solidFill>
+                <a:latin typeface="Arial" charset="0"/>
+              </a:defRPr>
+            </a:lvl7pPr>
+            <a:lvl8pPr marL="3429000" indent="-228600" algn="l" rtl="0" eaLnBrk="1" fontAlgn="base" hangingPunct="1">
+              <a:spcBef>
+                <a:spcPct val="20000"/>
+              </a:spcBef>
+              <a:spcAft>
+                <a:spcPct val="0"/>
+              </a:spcAft>
+              <a:buChar char="»"/>
+              <a:defRPr sz="2000">
+                <a:solidFill>
+                  <a:schemeClr val="tx1"/>
+                </a:solidFill>
+                <a:latin typeface="Arial" charset="0"/>
+              </a:defRPr>
+            </a:lvl8pPr>
+            <a:lvl9pPr marL="3886200" indent="-228600" algn="l" rtl="0" eaLnBrk="1" fontAlgn="base" hangingPunct="1">
+              <a:spcBef>
+                <a:spcPct val="20000"/>
+              </a:spcBef>
+              <a:spcAft>
+                <a:spcPct val="0"/>
+              </a:spcAft>
+              <a:buChar char="»"/>
+              <a:defRPr sz="2000">
+                <a:solidFill>
+                  <a:schemeClr val="tx1"/>
+                </a:solidFill>
+                <a:latin typeface="Arial" charset="0"/>
+              </a:defRPr>
+            </a:lvl9pPr>
+          </a:lstStyle>
+          <a:p>
+            <a:pPr lvl="1">
+              <a:spcAft>
+                <a:spcPts val="600"/>
+              </a:spcAft>
+            </a:pPr>
+            <a:r>
+              <a:rPr lang="en-US" sz="2400" dirty="0"/>
+              <a:t>Conditional </a:t>
+            </a:r>
+            <a:r>
+              <a:rPr lang="en-US" sz="2400" dirty="0" smtClean="0"/>
+              <a:t>JSX</a:t>
+            </a:r>
+          </a:p>
+          <a:p>
+            <a:pPr marL="457200" lvl="1" indent="0">
+              <a:spcAft>
+                <a:spcPts val="600"/>
+              </a:spcAft>
+              <a:buNone/>
+            </a:pPr>
+            <a:endParaRPr lang="en-US" sz="2000" dirty="0" smtClean="0"/>
+          </a:p>
+          <a:p>
+            <a:pPr lvl="1">
+              <a:spcAft>
+                <a:spcPts val="600"/>
+              </a:spcAft>
+            </a:pPr>
+            <a:endParaRPr lang="en-US" sz="2400" dirty="0"/>
+          </a:p>
+          <a:p>
+            <a:pPr lvl="1">
+              <a:spcAft>
+                <a:spcPts val="600"/>
+              </a:spcAft>
+            </a:pPr>
+            <a:endParaRPr lang="en-US" sz="2400" dirty="0" smtClean="0"/>
+          </a:p>
+          <a:p>
+            <a:pPr lvl="1">
+              <a:spcAft>
+                <a:spcPts val="600"/>
+              </a:spcAft>
+            </a:pPr>
+            <a:endParaRPr lang="en-US" sz="2400" dirty="0"/>
+          </a:p>
+          <a:p>
+            <a:pPr lvl="2">
+              <a:spcAft>
+                <a:spcPts val="600"/>
+              </a:spcAft>
+            </a:pPr>
+            <a:endParaRPr lang="en-US" sz="2000" dirty="0"/>
+          </a:p>
+          <a:p>
+            <a:pPr lvl="1">
+              <a:spcAft>
+                <a:spcPts val="600"/>
+              </a:spcAft>
+            </a:pPr>
+            <a:endParaRPr lang="en-US" sz="2000" dirty="0" smtClean="0"/>
+          </a:p>
+          <a:p>
+            <a:pPr lvl="2">
+              <a:spcAft>
+                <a:spcPts val="600"/>
+              </a:spcAft>
+            </a:pPr>
+            <a:endParaRPr lang="en-US" sz="2000" dirty="0"/>
+          </a:p>
+        </p:txBody>
+      </p:sp>
+      <p:pic>
+        <p:nvPicPr>
+          <p:cNvPr id="4098" name="Picture 2"/>
+          <p:cNvPicPr>
+            <a:picLocks noChangeAspect="1" noChangeArrowheads="1"/>
+          </p:cNvPicPr>
+          <p:nvPr/>
+        </p:nvPicPr>
+        <p:blipFill>
+          <a:blip r:embed="rId3">
+            <a:extLst>
+              <a:ext uri="{28A0092B-C50C-407E-A947-70E740481C1C}">
+                <a14:useLocalDpi xmlns:a14="http://schemas.microsoft.com/office/drawing/2010/main" val="0"/>
+              </a:ext>
+            </a:extLst>
+          </a:blip>
+          <a:srcRect/>
+          <a:stretch>
+            <a:fillRect/>
+          </a:stretch>
+        </p:blipFill>
+        <p:spPr bwMode="auto">
+          <a:xfrm>
+            <a:off x="1676400" y="2543175"/>
+            <a:ext cx="5486400" cy="3171825"/>
+          </a:xfrm>
+          <a:prstGeom prst="rect">
+            <a:avLst/>
+          </a:prstGeom>
+          <a:noFill/>
+          <a:ln>
+            <a:noFill/>
+          </a:ln>
+          <a:effectLst/>
+          <a:extLst>
+            <a:ext uri="{909E8E84-426E-40DD-AFC4-6F175D3DCCD1}">
+              <a14:hiddenFill xmlns:a14="http://schemas.microsoft.com/office/drawing/2010/main">
+                <a:solidFill>
+                  <a:schemeClr val="accent1"/>
+                </a:solidFill>
+              </a14:hiddenFill>
+            </a:ext>
+            <a:ext uri="{91240B29-F687-4F45-9708-019B960494DF}">
+              <a14:hiddenLine xmlns:a14="http://schemas.microsoft.com/office/drawing/2010/main" w="9525">
+                <a:solidFill>
+                  <a:schemeClr val="tx1"/>
+                </a:solidFill>
+                <a:miter lim="800000"/>
+                <a:headEnd/>
+                <a:tailEnd/>
+              </a14:hiddenLine>
+            </a:ext>
+            <a:ext uri="{AF507438-7753-43E0-B8FC-AC1667EBCBE1}">
+              <a14:hiddenEffects xmlns:a14="http://schemas.microsoft.com/office/drawing/2010/main">
+                <a:effectLst>
+                  <a:outerShdw dist="35921" dir="2700000" algn="ctr" rotWithShape="0">
+                    <a:schemeClr val="bg2"/>
+                  </a:outerShdw>
+                </a:effectLst>
+              </a14:hiddenEffects>
+            </a:ext>
+          </a:extLst>
+        </p:spPr>
+      </p:pic>
+    </p:spTree>
+    <p:extLst>
+      <p:ext uri="{BB962C8B-B14F-4D97-AF65-F5344CB8AC3E}">
+        <p14:creationId xmlns:p14="http://schemas.microsoft.com/office/powerpoint/2010/main" val="2020826854"/>
+      </p:ext>
+    </p:extLst>
+  </p:cSld>
+  <p:clrMapOvr>
+    <a:masterClrMapping/>
+  </p:clrMapOvr>
+  <p:timing>
+    <p:tnLst>
+      <p:par>
+        <p:cTn id="1" dur="indefinite" restart="never" nodeType="tmRoot"/>
+      </p:par>
+    </p:tnLst>
+  </p:timing>
+</p:sld>
+</file>
+
+<file path=ppt/slides/slide31.xml><?xml version="1.0" encoding="utf-8"?>
+<p:sld xmlns:a="http://schemas.openxmlformats.org/drawingml/2006/main" xmlns:r="http://schemas.openxmlformats.org/officeDocument/2006/relationships" xmlns:p="http://schemas.openxmlformats.org/presentationml/2006/main">
+  <p:cSld>
+    <p:spTree>
+      <p:nvGrpSpPr>
+        <p:cNvPr id="1" name=""/>
+        <p:cNvGrpSpPr/>
+        <p:nvPr/>
+      </p:nvGrpSpPr>
+      <p:grpSpPr>
+        <a:xfrm>
+          <a:off x="0" y="0"/>
+          <a:ext cx="0" cy="0"/>
+          <a:chOff x="0" y="0"/>
+          <a:chExt cx="0" cy="0"/>
+        </a:xfrm>
+      </p:grpSpPr>
+      <p:sp>
+        <p:nvSpPr>
+          <p:cNvPr id="2" name="Title 1"/>
+          <p:cNvSpPr>
+            <a:spLocks noGrp="1"/>
+          </p:cNvSpPr>
+          <p:nvPr>
+            <p:ph type="title"/>
+          </p:nvPr>
+        </p:nvSpPr>
+        <p:spPr/>
+        <p:txBody>
+          <a:bodyPr/>
+          <a:lstStyle/>
+          <a:p>
+            <a:r>
+              <a:rPr lang="en-US" dirty="0" smtClean="0"/>
+              <a:t>Best practices</a:t>
+            </a:r>
+            <a:endParaRPr lang="en-US" dirty="0"/>
+          </a:p>
+        </p:txBody>
+      </p:sp>
+      <p:sp>
+        <p:nvSpPr>
+          <p:cNvPr id="3" name="Rectangle 5"/>
+          <p:cNvSpPr txBox="1">
+            <a:spLocks noChangeArrowheads="1"/>
+          </p:cNvSpPr>
+          <p:nvPr/>
+        </p:nvSpPr>
+        <p:spPr>
+          <a:xfrm>
+            <a:off x="457993" y="1600200"/>
+            <a:ext cx="8075613" cy="4525963"/>
+          </a:xfrm>
+          <a:prstGeom prst="rect">
+            <a:avLst/>
+          </a:prstGeom>
+          <a:noFill/>
+          <a:ln/>
+        </p:spPr>
+        <p:txBody>
+          <a:bodyPr/>
+          <a:lstStyle>
+            <a:lvl1pPr marL="342900" indent="-342900" algn="l" rtl="0" eaLnBrk="1" fontAlgn="base" hangingPunct="1">
+              <a:spcBef>
+                <a:spcPct val="20000"/>
+              </a:spcBef>
+              <a:spcAft>
+                <a:spcPct val="0"/>
+              </a:spcAft>
+              <a:buClr>
+                <a:schemeClr val="hlink"/>
+              </a:buClr>
+              <a:buFont typeface="Wingdings" pitchFamily="2" charset="2"/>
+              <a:buChar char="v"/>
+              <a:defRPr sz="2800" b="1">
+                <a:solidFill>
+                  <a:schemeClr val="tx1"/>
+                </a:solidFill>
+                <a:latin typeface="Tahoma" pitchFamily="34" charset="0"/>
+                <a:ea typeface="+mn-ea"/>
+                <a:cs typeface="Tahoma" pitchFamily="34" charset="0"/>
+              </a:defRPr>
+            </a:lvl1pPr>
+            <a:lvl2pPr marL="742950" indent="-285750" algn="l" rtl="0" eaLnBrk="1" fontAlgn="base" hangingPunct="1">
+              <a:spcBef>
+                <a:spcPct val="20000"/>
+              </a:spcBef>
+              <a:spcAft>
+                <a:spcPct val="0"/>
+              </a:spcAft>
+              <a:buClr>
+                <a:schemeClr val="accent1"/>
+              </a:buClr>
+              <a:buFont typeface="Wingdings" pitchFamily="2" charset="2"/>
+              <a:buChar char="§"/>
+              <a:defRPr sz="2800">
+                <a:solidFill>
+                  <a:schemeClr val="tx1"/>
+                </a:solidFill>
+                <a:latin typeface="Tahoma" pitchFamily="34" charset="0"/>
+                <a:cs typeface="Tahoma" pitchFamily="34" charset="0"/>
+              </a:defRPr>
+            </a:lvl2pPr>
+            <a:lvl3pPr marL="1143000" indent="-228600" algn="l" rtl="0" eaLnBrk="1" fontAlgn="base" hangingPunct="1">
+              <a:spcBef>
+                <a:spcPct val="20000"/>
+              </a:spcBef>
+              <a:spcAft>
+                <a:spcPct val="0"/>
+              </a:spcAft>
+              <a:buClr>
+                <a:schemeClr val="tx1"/>
+              </a:buClr>
+              <a:buChar char="•"/>
+              <a:defRPr sz="2400">
+                <a:solidFill>
+                  <a:schemeClr val="tx1"/>
+                </a:solidFill>
+                <a:latin typeface="Tahoma" pitchFamily="34" charset="0"/>
+                <a:cs typeface="Tahoma" pitchFamily="34" charset="0"/>
+              </a:defRPr>
+            </a:lvl3pPr>
+            <a:lvl4pPr marL="1600200" indent="-228600" algn="l" rtl="0" eaLnBrk="1" fontAlgn="base" hangingPunct="1">
+              <a:spcBef>
+                <a:spcPct val="20000"/>
+              </a:spcBef>
+              <a:spcAft>
+                <a:spcPct val="0"/>
+              </a:spcAft>
+              <a:buChar char="–"/>
+              <a:defRPr sz="2000">
+                <a:solidFill>
+                  <a:schemeClr val="tx1"/>
+                </a:solidFill>
+                <a:latin typeface="Tahoma" pitchFamily="34" charset="0"/>
+                <a:cs typeface="Tahoma" pitchFamily="34" charset="0"/>
+              </a:defRPr>
+            </a:lvl4pPr>
+            <a:lvl5pPr marL="2057400" indent="-228600" algn="l" rtl="0" eaLnBrk="1" fontAlgn="base" hangingPunct="1">
+              <a:spcBef>
+                <a:spcPct val="20000"/>
+              </a:spcBef>
+              <a:spcAft>
+                <a:spcPct val="0"/>
+              </a:spcAft>
+              <a:buChar char="»"/>
+              <a:defRPr sz="2000">
+                <a:solidFill>
+                  <a:schemeClr val="tx1"/>
+                </a:solidFill>
+                <a:latin typeface="Tahoma" pitchFamily="34" charset="0"/>
+                <a:cs typeface="Tahoma" pitchFamily="34" charset="0"/>
+              </a:defRPr>
+            </a:lvl5pPr>
+            <a:lvl6pPr marL="2514600" indent="-228600" algn="l" rtl="0" eaLnBrk="1" fontAlgn="base" hangingPunct="1">
+              <a:spcBef>
+                <a:spcPct val="20000"/>
+              </a:spcBef>
+              <a:spcAft>
+                <a:spcPct val="0"/>
+              </a:spcAft>
+              <a:buChar char="»"/>
+              <a:defRPr sz="2000">
+                <a:solidFill>
+                  <a:schemeClr val="tx1"/>
+                </a:solidFill>
+                <a:latin typeface="Arial" charset="0"/>
+              </a:defRPr>
+            </a:lvl6pPr>
+            <a:lvl7pPr marL="2971800" indent="-228600" algn="l" rtl="0" eaLnBrk="1" fontAlgn="base" hangingPunct="1">
+              <a:spcBef>
+                <a:spcPct val="20000"/>
+              </a:spcBef>
+              <a:spcAft>
+                <a:spcPct val="0"/>
+              </a:spcAft>
+              <a:buChar char="»"/>
+              <a:defRPr sz="2000">
+                <a:solidFill>
+                  <a:schemeClr val="tx1"/>
+                </a:solidFill>
+                <a:latin typeface="Arial" charset="0"/>
+              </a:defRPr>
+            </a:lvl7pPr>
+            <a:lvl8pPr marL="3429000" indent="-228600" algn="l" rtl="0" eaLnBrk="1" fontAlgn="base" hangingPunct="1">
+              <a:spcBef>
+                <a:spcPct val="20000"/>
+              </a:spcBef>
+              <a:spcAft>
+                <a:spcPct val="0"/>
+              </a:spcAft>
+              <a:buChar char="»"/>
+              <a:defRPr sz="2000">
+                <a:solidFill>
+                  <a:schemeClr val="tx1"/>
+                </a:solidFill>
+                <a:latin typeface="Arial" charset="0"/>
+              </a:defRPr>
+            </a:lvl8pPr>
+            <a:lvl9pPr marL="3886200" indent="-228600" algn="l" rtl="0" eaLnBrk="1" fontAlgn="base" hangingPunct="1">
+              <a:spcBef>
+                <a:spcPct val="20000"/>
+              </a:spcBef>
+              <a:spcAft>
+                <a:spcPct val="0"/>
+              </a:spcAft>
+              <a:buChar char="»"/>
+              <a:defRPr sz="2000">
+                <a:solidFill>
+                  <a:schemeClr val="tx1"/>
+                </a:solidFill>
+                <a:latin typeface="Arial" charset="0"/>
+              </a:defRPr>
+            </a:lvl9pPr>
+          </a:lstStyle>
+          <a:p>
+            <a:pPr lvl="1">
+              <a:spcAft>
+                <a:spcPts val="600"/>
+              </a:spcAft>
+            </a:pPr>
+            <a:r>
+              <a:rPr lang="en-US" sz="2400" dirty="0"/>
+              <a:t>In-line list iteration</a:t>
+            </a:r>
+          </a:p>
+          <a:p>
+            <a:pPr lvl="1">
+              <a:spcAft>
+                <a:spcPts val="600"/>
+              </a:spcAft>
+            </a:pPr>
+            <a:endParaRPr lang="en-US" sz="2400" dirty="0" smtClean="0"/>
+          </a:p>
+          <a:p>
+            <a:pPr marL="457200" lvl="1" indent="0">
+              <a:spcAft>
+                <a:spcPts val="600"/>
+              </a:spcAft>
+              <a:buNone/>
+            </a:pPr>
+            <a:endParaRPr lang="en-US" sz="2000" dirty="0" smtClean="0"/>
+          </a:p>
+          <a:p>
+            <a:pPr lvl="1">
+              <a:spcAft>
+                <a:spcPts val="600"/>
+              </a:spcAft>
+            </a:pPr>
+            <a:endParaRPr lang="en-US" sz="2400" dirty="0"/>
+          </a:p>
+          <a:p>
+            <a:pPr lvl="1">
+              <a:spcAft>
+                <a:spcPts val="600"/>
+              </a:spcAft>
+            </a:pPr>
+            <a:endParaRPr lang="en-US" sz="2400" dirty="0" smtClean="0"/>
+          </a:p>
+          <a:p>
+            <a:pPr lvl="1">
+              <a:spcAft>
+                <a:spcPts val="600"/>
+              </a:spcAft>
+            </a:pPr>
+            <a:endParaRPr lang="en-US" sz="2400" dirty="0"/>
+          </a:p>
+          <a:p>
+            <a:pPr lvl="2">
+              <a:spcAft>
+                <a:spcPts val="600"/>
+              </a:spcAft>
+            </a:pPr>
+            <a:endParaRPr lang="en-US" sz="2000" dirty="0"/>
+          </a:p>
+          <a:p>
+            <a:pPr lvl="1">
+              <a:spcAft>
+                <a:spcPts val="600"/>
+              </a:spcAft>
+            </a:pPr>
+            <a:endParaRPr lang="en-US" sz="2000" dirty="0" smtClean="0"/>
+          </a:p>
+          <a:p>
+            <a:pPr lvl="2">
+              <a:spcAft>
+                <a:spcPts val="600"/>
+              </a:spcAft>
+            </a:pPr>
+            <a:endParaRPr lang="en-US" sz="2000" dirty="0"/>
+          </a:p>
+        </p:txBody>
+      </p:sp>
+      <p:pic>
+        <p:nvPicPr>
+          <p:cNvPr id="5122" name="Picture 2"/>
+          <p:cNvPicPr>
+            <a:picLocks noChangeAspect="1" noChangeArrowheads="1"/>
+          </p:cNvPicPr>
+          <p:nvPr/>
+        </p:nvPicPr>
+        <p:blipFill>
+          <a:blip r:embed="rId3">
+            <a:extLst>
+              <a:ext uri="{28A0092B-C50C-407E-A947-70E740481C1C}">
+                <a14:useLocalDpi xmlns:a14="http://schemas.microsoft.com/office/drawing/2010/main" val="0"/>
+              </a:ext>
+            </a:extLst>
+          </a:blip>
+          <a:srcRect/>
+          <a:stretch>
+            <a:fillRect/>
+          </a:stretch>
+        </p:blipFill>
+        <p:spPr bwMode="auto">
+          <a:xfrm>
+            <a:off x="1676400" y="2543175"/>
+            <a:ext cx="5295900" cy="1800225"/>
+          </a:xfrm>
+          <a:prstGeom prst="rect">
+            <a:avLst/>
+          </a:prstGeom>
+          <a:noFill/>
+          <a:ln>
+            <a:noFill/>
+          </a:ln>
+          <a:effectLst/>
+          <a:extLst>
+            <a:ext uri="{909E8E84-426E-40DD-AFC4-6F175D3DCCD1}">
+              <a14:hiddenFill xmlns:a14="http://schemas.microsoft.com/office/drawing/2010/main">
+                <a:solidFill>
+                  <a:schemeClr val="accent1"/>
+                </a:solidFill>
+              </a14:hiddenFill>
+            </a:ext>
+            <a:ext uri="{91240B29-F687-4F45-9708-019B960494DF}">
+              <a14:hiddenLine xmlns:a14="http://schemas.microsoft.com/office/drawing/2010/main" w="9525">
+                <a:solidFill>
+                  <a:schemeClr val="tx1"/>
+                </a:solidFill>
+                <a:miter lim="800000"/>
+                <a:headEnd/>
+                <a:tailEnd/>
+              </a14:hiddenLine>
+            </a:ext>
+            <a:ext uri="{AF507438-7753-43E0-B8FC-AC1667EBCBE1}">
+              <a14:hiddenEffects xmlns:a14="http://schemas.microsoft.com/office/drawing/2010/main">
+                <a:effectLst>
+                  <a:outerShdw dist="35921" dir="2700000" algn="ctr" rotWithShape="0">
+                    <a:schemeClr val="bg2"/>
+                  </a:outerShdw>
+                </a:effectLst>
+              </a14:hiddenEffects>
+            </a:ext>
+          </a:extLst>
+        </p:spPr>
+      </p:pic>
+    </p:spTree>
+    <p:extLst>
+      <p:ext uri="{BB962C8B-B14F-4D97-AF65-F5344CB8AC3E}">
+        <p14:creationId xmlns:p14="http://schemas.microsoft.com/office/powerpoint/2010/main" val="519607648"/>
+      </p:ext>
+    </p:extLst>
+  </p:cSld>
+  <p:clrMapOvr>
+    <a:masterClrMapping/>
+  </p:clrMapOvr>
+  <p:timing>
+    <p:tnLst>
+      <p:par>
+        <p:cTn id="1" dur="indefinite" restart="never" nodeType="tmRoot"/>
+      </p:par>
+    </p:tnLst>
+  </p:timing>
+</p:sld>
+</file>
+
+<file path=ppt/slides/slide32.xml><?xml version="1.0" encoding="utf-8"?>
+<p:sld xmlns:a="http://schemas.openxmlformats.org/drawingml/2006/main" xmlns:r="http://schemas.openxmlformats.org/officeDocument/2006/relationships" xmlns:p="http://schemas.openxmlformats.org/presentationml/2006/main">
+  <p:cSld>
+    <p:spTree>
+      <p:nvGrpSpPr>
+        <p:cNvPr id="1" name=""/>
+        <p:cNvGrpSpPr/>
+        <p:nvPr/>
+      </p:nvGrpSpPr>
+      <p:grpSpPr>
+        <a:xfrm>
+          <a:off x="0" y="0"/>
+          <a:ext cx="0" cy="0"/>
+          <a:chOff x="0" y="0"/>
+          <a:chExt cx="0" cy="0"/>
+        </a:xfrm>
+      </p:grpSpPr>
+      <p:sp>
+        <p:nvSpPr>
+          <p:cNvPr id="2" name="Title 1"/>
+          <p:cNvSpPr>
+            <a:spLocks noGrp="1"/>
+          </p:cNvSpPr>
+          <p:nvPr>
+            <p:ph type="title"/>
+          </p:nvPr>
+        </p:nvSpPr>
+        <p:spPr/>
+        <p:txBody>
+          <a:bodyPr/>
+          <a:lstStyle/>
+          <a:p>
+            <a:r>
+              <a:rPr lang="en-US" dirty="0" smtClean="0"/>
+              <a:t>Best practices</a:t>
+            </a:r>
+            <a:endParaRPr lang="en-US" dirty="0"/>
+          </a:p>
+        </p:txBody>
+      </p:sp>
+      <p:sp>
+        <p:nvSpPr>
+          <p:cNvPr id="3" name="Rectangle 5"/>
+          <p:cNvSpPr txBox="1">
+            <a:spLocks noChangeArrowheads="1"/>
+          </p:cNvSpPr>
+          <p:nvPr/>
+        </p:nvSpPr>
+        <p:spPr>
+          <a:xfrm>
+            <a:off x="457993" y="1600200"/>
+            <a:ext cx="8075613" cy="4525963"/>
+          </a:xfrm>
+          <a:prstGeom prst="rect">
+            <a:avLst/>
+          </a:prstGeom>
+          <a:noFill/>
+          <a:ln/>
+        </p:spPr>
+        <p:txBody>
+          <a:bodyPr/>
+          <a:lstStyle>
+            <a:lvl1pPr marL="342900" indent="-342900" algn="l" rtl="0" eaLnBrk="1" fontAlgn="base" hangingPunct="1">
+              <a:spcBef>
+                <a:spcPct val="20000"/>
+              </a:spcBef>
+              <a:spcAft>
+                <a:spcPct val="0"/>
+              </a:spcAft>
+              <a:buClr>
+                <a:schemeClr val="hlink"/>
+              </a:buClr>
+              <a:buFont typeface="Wingdings" pitchFamily="2" charset="2"/>
+              <a:buChar char="v"/>
+              <a:defRPr sz="2800" b="1">
+                <a:solidFill>
+                  <a:schemeClr val="tx1"/>
+                </a:solidFill>
+                <a:latin typeface="Tahoma" pitchFamily="34" charset="0"/>
+                <a:ea typeface="+mn-ea"/>
+                <a:cs typeface="Tahoma" pitchFamily="34" charset="0"/>
+              </a:defRPr>
+            </a:lvl1pPr>
+            <a:lvl2pPr marL="742950" indent="-285750" algn="l" rtl="0" eaLnBrk="1" fontAlgn="base" hangingPunct="1">
+              <a:spcBef>
+                <a:spcPct val="20000"/>
+              </a:spcBef>
+              <a:spcAft>
+                <a:spcPct val="0"/>
+              </a:spcAft>
+              <a:buClr>
+                <a:schemeClr val="accent1"/>
+              </a:buClr>
+              <a:buFont typeface="Wingdings" pitchFamily="2" charset="2"/>
+              <a:buChar char="§"/>
+              <a:defRPr sz="2800">
+                <a:solidFill>
+                  <a:schemeClr val="tx1"/>
+                </a:solidFill>
+                <a:latin typeface="Tahoma" pitchFamily="34" charset="0"/>
+                <a:cs typeface="Tahoma" pitchFamily="34" charset="0"/>
+              </a:defRPr>
+            </a:lvl2pPr>
+            <a:lvl3pPr marL="1143000" indent="-228600" algn="l" rtl="0" eaLnBrk="1" fontAlgn="base" hangingPunct="1">
+              <a:spcBef>
+                <a:spcPct val="20000"/>
+              </a:spcBef>
+              <a:spcAft>
+                <a:spcPct val="0"/>
+              </a:spcAft>
+              <a:buClr>
+                <a:schemeClr val="tx1"/>
+              </a:buClr>
+              <a:buChar char="•"/>
+              <a:defRPr sz="2400">
+                <a:solidFill>
+                  <a:schemeClr val="tx1"/>
+                </a:solidFill>
+                <a:latin typeface="Tahoma" pitchFamily="34" charset="0"/>
+                <a:cs typeface="Tahoma" pitchFamily="34" charset="0"/>
+              </a:defRPr>
+            </a:lvl3pPr>
+            <a:lvl4pPr marL="1600200" indent="-228600" algn="l" rtl="0" eaLnBrk="1" fontAlgn="base" hangingPunct="1">
+              <a:spcBef>
+                <a:spcPct val="20000"/>
+              </a:spcBef>
+              <a:spcAft>
+                <a:spcPct val="0"/>
+              </a:spcAft>
+              <a:buChar char="–"/>
+              <a:defRPr sz="2000">
+                <a:solidFill>
+                  <a:schemeClr val="tx1"/>
+                </a:solidFill>
+                <a:latin typeface="Tahoma" pitchFamily="34" charset="0"/>
+                <a:cs typeface="Tahoma" pitchFamily="34" charset="0"/>
+              </a:defRPr>
+            </a:lvl4pPr>
+            <a:lvl5pPr marL="2057400" indent="-228600" algn="l" rtl="0" eaLnBrk="1" fontAlgn="base" hangingPunct="1">
+              <a:spcBef>
+                <a:spcPct val="20000"/>
+              </a:spcBef>
+              <a:spcAft>
+                <a:spcPct val="0"/>
+              </a:spcAft>
+              <a:buChar char="»"/>
+              <a:defRPr sz="2000">
+                <a:solidFill>
+                  <a:schemeClr val="tx1"/>
+                </a:solidFill>
+                <a:latin typeface="Tahoma" pitchFamily="34" charset="0"/>
+                <a:cs typeface="Tahoma" pitchFamily="34" charset="0"/>
+              </a:defRPr>
+            </a:lvl5pPr>
+            <a:lvl6pPr marL="2514600" indent="-228600" algn="l" rtl="0" eaLnBrk="1" fontAlgn="base" hangingPunct="1">
+              <a:spcBef>
+                <a:spcPct val="20000"/>
+              </a:spcBef>
+              <a:spcAft>
+                <a:spcPct val="0"/>
+              </a:spcAft>
+              <a:buChar char="»"/>
+              <a:defRPr sz="2000">
+                <a:solidFill>
+                  <a:schemeClr val="tx1"/>
+                </a:solidFill>
+                <a:latin typeface="Arial" charset="0"/>
+              </a:defRPr>
+            </a:lvl6pPr>
+            <a:lvl7pPr marL="2971800" indent="-228600" algn="l" rtl="0" eaLnBrk="1" fontAlgn="base" hangingPunct="1">
+              <a:spcBef>
+                <a:spcPct val="20000"/>
+              </a:spcBef>
+              <a:spcAft>
+                <a:spcPct val="0"/>
+              </a:spcAft>
+              <a:buChar char="»"/>
+              <a:defRPr sz="2000">
+                <a:solidFill>
+                  <a:schemeClr val="tx1"/>
+                </a:solidFill>
+                <a:latin typeface="Arial" charset="0"/>
+              </a:defRPr>
+            </a:lvl7pPr>
+            <a:lvl8pPr marL="3429000" indent="-228600" algn="l" rtl="0" eaLnBrk="1" fontAlgn="base" hangingPunct="1">
+              <a:spcBef>
+                <a:spcPct val="20000"/>
+              </a:spcBef>
+              <a:spcAft>
+                <a:spcPct val="0"/>
+              </a:spcAft>
+              <a:buChar char="»"/>
+              <a:defRPr sz="2000">
+                <a:solidFill>
+                  <a:schemeClr val="tx1"/>
+                </a:solidFill>
+                <a:latin typeface="Arial" charset="0"/>
+              </a:defRPr>
+            </a:lvl8pPr>
+            <a:lvl9pPr marL="3886200" indent="-228600" algn="l" rtl="0" eaLnBrk="1" fontAlgn="base" hangingPunct="1">
+              <a:spcBef>
+                <a:spcPct val="20000"/>
+              </a:spcBef>
+              <a:spcAft>
+                <a:spcPct val="0"/>
+              </a:spcAft>
+              <a:buChar char="»"/>
+              <a:defRPr sz="2000">
+                <a:solidFill>
+                  <a:schemeClr val="tx1"/>
+                </a:solidFill>
+                <a:latin typeface="Arial" charset="0"/>
+              </a:defRPr>
+            </a:lvl9pPr>
+          </a:lstStyle>
+          <a:p>
+            <a:pPr lvl="1">
+              <a:spcAft>
+                <a:spcPts val="600"/>
+              </a:spcAft>
+            </a:pPr>
+            <a:r>
+              <a:rPr lang="en-US" sz="2400" dirty="0"/>
+              <a:t>Indentation and new line for component attributes</a:t>
+            </a:r>
+          </a:p>
+          <a:p>
+            <a:pPr lvl="1">
+              <a:spcAft>
+                <a:spcPts val="600"/>
+              </a:spcAft>
+            </a:pPr>
+            <a:endParaRPr lang="en-US" sz="2400" dirty="0"/>
+          </a:p>
+          <a:p>
+            <a:pPr lvl="1">
+              <a:spcAft>
+                <a:spcPts val="600"/>
+              </a:spcAft>
+            </a:pPr>
+            <a:endParaRPr lang="en-US" sz="2400" dirty="0" smtClean="0"/>
+          </a:p>
+          <a:p>
+            <a:pPr marL="457200" lvl="1" indent="0">
+              <a:spcAft>
+                <a:spcPts val="600"/>
+              </a:spcAft>
+              <a:buNone/>
+            </a:pPr>
+            <a:endParaRPr lang="en-US" sz="2000" dirty="0" smtClean="0"/>
+          </a:p>
+          <a:p>
+            <a:pPr lvl="1">
+              <a:spcAft>
+                <a:spcPts val="600"/>
+              </a:spcAft>
+            </a:pPr>
+            <a:endParaRPr lang="en-US" sz="2400" dirty="0"/>
+          </a:p>
+          <a:p>
+            <a:pPr lvl="1">
+              <a:spcAft>
+                <a:spcPts val="600"/>
+              </a:spcAft>
+            </a:pPr>
+            <a:endParaRPr lang="en-US" sz="2400" dirty="0" smtClean="0"/>
+          </a:p>
+          <a:p>
+            <a:pPr lvl="1">
+              <a:spcAft>
+                <a:spcPts val="600"/>
+              </a:spcAft>
+            </a:pPr>
+            <a:endParaRPr lang="en-US" sz="2400" dirty="0"/>
+          </a:p>
+          <a:p>
+            <a:pPr lvl="2">
+              <a:spcAft>
+                <a:spcPts val="600"/>
+              </a:spcAft>
+            </a:pPr>
+            <a:endParaRPr lang="en-US" sz="2000" dirty="0"/>
+          </a:p>
+          <a:p>
+            <a:pPr lvl="1">
+              <a:spcAft>
+                <a:spcPts val="600"/>
+              </a:spcAft>
+            </a:pPr>
+            <a:endParaRPr lang="en-US" sz="2000" dirty="0" smtClean="0"/>
+          </a:p>
+          <a:p>
+            <a:pPr lvl="2">
+              <a:spcAft>
+                <a:spcPts val="600"/>
+              </a:spcAft>
+            </a:pPr>
+            <a:endParaRPr lang="en-US" sz="2000" dirty="0"/>
+          </a:p>
+        </p:txBody>
+      </p:sp>
+      <p:pic>
+        <p:nvPicPr>
+          <p:cNvPr id="6146" name="Picture 2"/>
+          <p:cNvPicPr>
+            <a:picLocks noChangeAspect="1" noChangeArrowheads="1"/>
+          </p:cNvPicPr>
+          <p:nvPr/>
+        </p:nvPicPr>
+        <p:blipFill>
+          <a:blip r:embed="rId3">
+            <a:extLst>
+              <a:ext uri="{28A0092B-C50C-407E-A947-70E740481C1C}">
+                <a14:useLocalDpi xmlns:a14="http://schemas.microsoft.com/office/drawing/2010/main" val="0"/>
+              </a:ext>
+            </a:extLst>
+          </a:blip>
+          <a:srcRect/>
+          <a:stretch>
+            <a:fillRect/>
+          </a:stretch>
+        </p:blipFill>
+        <p:spPr bwMode="auto">
+          <a:xfrm>
+            <a:off x="1433513" y="2686050"/>
+            <a:ext cx="6276975" cy="2952750"/>
+          </a:xfrm>
+          <a:prstGeom prst="rect">
+            <a:avLst/>
+          </a:prstGeom>
+          <a:noFill/>
+          <a:ln>
+            <a:noFill/>
+          </a:ln>
+          <a:effectLst/>
+          <a:extLst>
+            <a:ext uri="{909E8E84-426E-40DD-AFC4-6F175D3DCCD1}">
+              <a14:hiddenFill xmlns:a14="http://schemas.microsoft.com/office/drawing/2010/main">
+                <a:solidFill>
+                  <a:schemeClr val="accent1"/>
+                </a:solidFill>
+              </a14:hiddenFill>
+            </a:ext>
+            <a:ext uri="{91240B29-F687-4F45-9708-019B960494DF}">
+              <a14:hiddenLine xmlns:a14="http://schemas.microsoft.com/office/drawing/2010/main" w="9525">
+                <a:solidFill>
+                  <a:schemeClr val="tx1"/>
+                </a:solidFill>
+                <a:miter lim="800000"/>
+                <a:headEnd/>
+                <a:tailEnd/>
+              </a14:hiddenLine>
+            </a:ext>
+            <a:ext uri="{AF507438-7753-43E0-B8FC-AC1667EBCBE1}">
+              <a14:hiddenEffects xmlns:a14="http://schemas.microsoft.com/office/drawing/2010/main">
+                <a:effectLst>
+                  <a:outerShdw dist="35921" dir="2700000" algn="ctr" rotWithShape="0">
+                    <a:schemeClr val="bg2"/>
+                  </a:outerShdw>
+                </a:effectLst>
+              </a14:hiddenEffects>
+            </a:ext>
+          </a:extLst>
+        </p:spPr>
+      </p:pic>
+    </p:spTree>
+    <p:extLst>
+      <p:ext uri="{BB962C8B-B14F-4D97-AF65-F5344CB8AC3E}">
+        <p14:creationId xmlns:p14="http://schemas.microsoft.com/office/powerpoint/2010/main" val="583195270"/>
+      </p:ext>
+    </p:extLst>
+  </p:cSld>
+  <p:clrMapOvr>
+    <a:masterClrMapping/>
+  </p:clrMapOvr>
+  <p:timing>
+    <p:tnLst>
+      <p:par>
+        <p:cTn id="1" dur="indefinite" restart="never" nodeType="tmRoot"/>
+      </p:par>
+    </p:tnLst>
+  </p:timing>
+</p:sld>
+</file>
+
+<file path=ppt/slides/slide33.xml><?xml version="1.0" encoding="utf-8"?>
+<p:sld xmlns:a="http://schemas.openxmlformats.org/drawingml/2006/main" xmlns:r="http://schemas.openxmlformats.org/officeDocument/2006/relationships" xmlns:p="http://schemas.openxmlformats.org/presentationml/2006/main">
+  <p:cSld>
+    <p:spTree>
+      <p:nvGrpSpPr>
+        <p:cNvPr id="1" name=""/>
+        <p:cNvGrpSpPr/>
+        <p:nvPr/>
+      </p:nvGrpSpPr>
+      <p:grpSpPr>
+        <a:xfrm>
+          <a:off x="0" y="0"/>
+          <a:ext cx="0" cy="0"/>
+          <a:chOff x="0" y="0"/>
+          <a:chExt cx="0" cy="0"/>
+        </a:xfrm>
+      </p:grpSpPr>
+      <p:sp>
+        <p:nvSpPr>
+          <p:cNvPr id="2" name="Title 1"/>
+          <p:cNvSpPr>
+            <a:spLocks noGrp="1"/>
+          </p:cNvSpPr>
+          <p:nvPr>
+            <p:ph type="title"/>
+          </p:nvPr>
+        </p:nvSpPr>
+        <p:spPr/>
+        <p:txBody>
+          <a:bodyPr/>
+          <a:lstStyle/>
+          <a:p>
+            <a:r>
+              <a:rPr lang="en-US" dirty="0" smtClean="0"/>
+              <a:t>React with Flux</a:t>
+            </a:r>
+            <a:endParaRPr lang="en-US" dirty="0"/>
+          </a:p>
+        </p:txBody>
+      </p:sp>
+      <p:sp>
+        <p:nvSpPr>
+          <p:cNvPr id="3" name="Rectangle 5"/>
+          <p:cNvSpPr txBox="1">
+            <a:spLocks noChangeArrowheads="1"/>
+          </p:cNvSpPr>
+          <p:nvPr/>
+        </p:nvSpPr>
+        <p:spPr>
+          <a:xfrm>
+            <a:off x="457993" y="1600200"/>
+            <a:ext cx="8075613" cy="4525963"/>
+          </a:xfrm>
+          <a:prstGeom prst="rect">
+            <a:avLst/>
+          </a:prstGeom>
+          <a:noFill/>
+          <a:ln/>
+        </p:spPr>
+        <p:txBody>
+          <a:bodyPr/>
+          <a:lstStyle>
+            <a:lvl1pPr marL="342900" indent="-342900" algn="l" rtl="0" eaLnBrk="1" fontAlgn="base" hangingPunct="1">
+              <a:spcBef>
+                <a:spcPct val="20000"/>
+              </a:spcBef>
+              <a:spcAft>
+                <a:spcPct val="0"/>
+              </a:spcAft>
+              <a:buClr>
+                <a:schemeClr val="hlink"/>
+              </a:buClr>
+              <a:buFont typeface="Wingdings" pitchFamily="2" charset="2"/>
+              <a:buChar char="v"/>
+              <a:defRPr sz="2800" b="1">
+                <a:solidFill>
+                  <a:schemeClr val="tx1"/>
+                </a:solidFill>
+                <a:latin typeface="Tahoma" pitchFamily="34" charset="0"/>
+                <a:ea typeface="+mn-ea"/>
+                <a:cs typeface="Tahoma" pitchFamily="34" charset="0"/>
+              </a:defRPr>
+            </a:lvl1pPr>
+            <a:lvl2pPr marL="742950" indent="-285750" algn="l" rtl="0" eaLnBrk="1" fontAlgn="base" hangingPunct="1">
+              <a:spcBef>
+                <a:spcPct val="20000"/>
+              </a:spcBef>
+              <a:spcAft>
+                <a:spcPct val="0"/>
+              </a:spcAft>
+              <a:buClr>
+                <a:schemeClr val="accent1"/>
+              </a:buClr>
+              <a:buFont typeface="Wingdings" pitchFamily="2" charset="2"/>
+              <a:buChar char="§"/>
+              <a:defRPr sz="2800">
+                <a:solidFill>
+                  <a:schemeClr val="tx1"/>
+                </a:solidFill>
+                <a:latin typeface="Tahoma" pitchFamily="34" charset="0"/>
+                <a:cs typeface="Tahoma" pitchFamily="34" charset="0"/>
+              </a:defRPr>
+            </a:lvl2pPr>
+            <a:lvl3pPr marL="1143000" indent="-228600" algn="l" rtl="0" eaLnBrk="1" fontAlgn="base" hangingPunct="1">
+              <a:spcBef>
+                <a:spcPct val="20000"/>
+              </a:spcBef>
+              <a:spcAft>
+                <a:spcPct val="0"/>
+              </a:spcAft>
+              <a:buClr>
+                <a:schemeClr val="tx1"/>
+              </a:buClr>
+              <a:buChar char="•"/>
+              <a:defRPr sz="2400">
+                <a:solidFill>
+                  <a:schemeClr val="tx1"/>
+                </a:solidFill>
+                <a:latin typeface="Tahoma" pitchFamily="34" charset="0"/>
+                <a:cs typeface="Tahoma" pitchFamily="34" charset="0"/>
+              </a:defRPr>
+            </a:lvl3pPr>
+            <a:lvl4pPr marL="1600200" indent="-228600" algn="l" rtl="0" eaLnBrk="1" fontAlgn="base" hangingPunct="1">
+              <a:spcBef>
+                <a:spcPct val="20000"/>
+              </a:spcBef>
+              <a:spcAft>
+                <a:spcPct val="0"/>
+              </a:spcAft>
+              <a:buChar char="–"/>
+              <a:defRPr sz="2000">
+                <a:solidFill>
+                  <a:schemeClr val="tx1"/>
+                </a:solidFill>
+                <a:latin typeface="Tahoma" pitchFamily="34" charset="0"/>
+                <a:cs typeface="Tahoma" pitchFamily="34" charset="0"/>
+              </a:defRPr>
+            </a:lvl4pPr>
+            <a:lvl5pPr marL="2057400" indent="-228600" algn="l" rtl="0" eaLnBrk="1" fontAlgn="base" hangingPunct="1">
+              <a:spcBef>
+                <a:spcPct val="20000"/>
+              </a:spcBef>
+              <a:spcAft>
+                <a:spcPct val="0"/>
+              </a:spcAft>
+              <a:buChar char="»"/>
+              <a:defRPr sz="2000">
+                <a:solidFill>
+                  <a:schemeClr val="tx1"/>
+                </a:solidFill>
+                <a:latin typeface="Tahoma" pitchFamily="34" charset="0"/>
+                <a:cs typeface="Tahoma" pitchFamily="34" charset="0"/>
+              </a:defRPr>
+            </a:lvl5pPr>
+            <a:lvl6pPr marL="2514600" indent="-228600" algn="l" rtl="0" eaLnBrk="1" fontAlgn="base" hangingPunct="1">
+              <a:spcBef>
+                <a:spcPct val="20000"/>
+              </a:spcBef>
+              <a:spcAft>
+                <a:spcPct val="0"/>
+              </a:spcAft>
+              <a:buChar char="»"/>
+              <a:defRPr sz="2000">
+                <a:solidFill>
+                  <a:schemeClr val="tx1"/>
+                </a:solidFill>
+                <a:latin typeface="Arial" charset="0"/>
+              </a:defRPr>
+            </a:lvl6pPr>
+            <a:lvl7pPr marL="2971800" indent="-228600" algn="l" rtl="0" eaLnBrk="1" fontAlgn="base" hangingPunct="1">
+              <a:spcBef>
+                <a:spcPct val="20000"/>
+              </a:spcBef>
+              <a:spcAft>
+                <a:spcPct val="0"/>
+              </a:spcAft>
+              <a:buChar char="»"/>
+              <a:defRPr sz="2000">
+                <a:solidFill>
+                  <a:schemeClr val="tx1"/>
+                </a:solidFill>
+                <a:latin typeface="Arial" charset="0"/>
+              </a:defRPr>
+            </a:lvl7pPr>
+            <a:lvl8pPr marL="3429000" indent="-228600" algn="l" rtl="0" eaLnBrk="1" fontAlgn="base" hangingPunct="1">
+              <a:spcBef>
+                <a:spcPct val="20000"/>
+              </a:spcBef>
+              <a:spcAft>
+                <a:spcPct val="0"/>
+              </a:spcAft>
+              <a:buChar char="»"/>
+              <a:defRPr sz="2000">
+                <a:solidFill>
+                  <a:schemeClr val="tx1"/>
+                </a:solidFill>
+                <a:latin typeface="Arial" charset="0"/>
+              </a:defRPr>
+            </a:lvl8pPr>
+            <a:lvl9pPr marL="3886200" indent="-228600" algn="l" rtl="0" eaLnBrk="1" fontAlgn="base" hangingPunct="1">
+              <a:spcBef>
+                <a:spcPct val="20000"/>
+              </a:spcBef>
+              <a:spcAft>
+                <a:spcPct val="0"/>
+              </a:spcAft>
+              <a:buChar char="»"/>
+              <a:defRPr sz="2000">
+                <a:solidFill>
+                  <a:schemeClr val="tx1"/>
+                </a:solidFill>
+                <a:latin typeface="Arial" charset="0"/>
+              </a:defRPr>
+            </a:lvl9pPr>
+          </a:lstStyle>
+          <a:p>
+            <a:pPr lvl="1">
+              <a:spcAft>
+                <a:spcPts val="600"/>
+              </a:spcAft>
+            </a:pPr>
+            <a:r>
+              <a:rPr lang="en-US" sz="2400" dirty="0"/>
+              <a:t>Flux is the application </a:t>
+            </a:r>
+            <a:r>
+              <a:rPr lang="en-US" sz="2400" dirty="0" smtClean="0"/>
+              <a:t>architecture</a:t>
+            </a:r>
+          </a:p>
+          <a:p>
+            <a:pPr lvl="1">
+              <a:spcAft>
+                <a:spcPts val="600"/>
+              </a:spcAft>
+            </a:pPr>
+            <a:r>
+              <a:rPr lang="en-US" sz="2400" dirty="0" smtClean="0"/>
+              <a:t>Unidirectional </a:t>
+            </a:r>
+            <a:r>
+              <a:rPr lang="en-US" sz="2400" dirty="0"/>
+              <a:t>data </a:t>
+            </a:r>
+            <a:r>
+              <a:rPr lang="en-US" sz="2400" dirty="0" smtClean="0"/>
+              <a:t>flow</a:t>
+            </a:r>
+          </a:p>
+          <a:p>
+            <a:pPr lvl="1">
+              <a:spcAft>
+                <a:spcPts val="600"/>
+              </a:spcAft>
+            </a:pPr>
+            <a:r>
+              <a:rPr lang="en-US" sz="2400" dirty="0" smtClean="0"/>
+              <a:t>Is a </a:t>
+            </a:r>
+            <a:r>
+              <a:rPr lang="en-US" sz="2400" dirty="0"/>
+              <a:t>pattern and not a technology or framework.</a:t>
+            </a:r>
+            <a:endParaRPr lang="en-US" sz="2400" dirty="0" smtClean="0"/>
+          </a:p>
+          <a:p>
+            <a:pPr lvl="1">
+              <a:spcAft>
+                <a:spcPts val="600"/>
+              </a:spcAft>
+            </a:pPr>
+            <a:r>
+              <a:rPr lang="en-US" sz="2400" dirty="0" smtClean="0"/>
+              <a:t>Some major </a:t>
+            </a:r>
+            <a:r>
+              <a:rPr lang="en-US" sz="2400" dirty="0"/>
+              <a:t>parts: </a:t>
+            </a:r>
+            <a:endParaRPr lang="en-US" sz="2400" dirty="0" smtClean="0"/>
+          </a:p>
+          <a:p>
+            <a:pPr lvl="2">
+              <a:spcAft>
+                <a:spcPts val="600"/>
+              </a:spcAft>
+            </a:pPr>
+            <a:r>
+              <a:rPr lang="en-US" sz="2000" dirty="0" smtClean="0"/>
+              <a:t>Dispatcher</a:t>
+            </a:r>
+            <a:endParaRPr lang="en-US" sz="2000" dirty="0"/>
+          </a:p>
+          <a:p>
+            <a:pPr lvl="2">
+              <a:spcAft>
+                <a:spcPts val="600"/>
+              </a:spcAft>
+            </a:pPr>
+            <a:r>
+              <a:rPr lang="en-US" sz="2000" dirty="0" smtClean="0"/>
+              <a:t>Stores</a:t>
+            </a:r>
+          </a:p>
+          <a:p>
+            <a:pPr lvl="2">
+              <a:spcAft>
+                <a:spcPts val="600"/>
+              </a:spcAft>
+            </a:pPr>
+            <a:r>
+              <a:rPr lang="en-US" sz="2000" dirty="0" smtClean="0"/>
+              <a:t>Views (React Components)</a:t>
+            </a:r>
+          </a:p>
+          <a:p>
+            <a:pPr lvl="2">
+              <a:spcAft>
+                <a:spcPts val="600"/>
+              </a:spcAft>
+            </a:pPr>
+            <a:r>
+              <a:rPr lang="en-US" sz="2000" dirty="0" smtClean="0">
+                <a:sym typeface="Wingdings" panose="05000000000000000000" pitchFamily="2" charset="2"/>
+              </a:rPr>
+              <a:t>Action</a:t>
+            </a:r>
+            <a:endParaRPr lang="en-US" sz="2000" dirty="0">
+              <a:sym typeface="Wingdings" panose="05000000000000000000" pitchFamily="2" charset="2"/>
+            </a:endParaRPr>
+          </a:p>
+        </p:txBody>
+      </p:sp>
+    </p:spTree>
+    <p:extLst>
+      <p:ext uri="{BB962C8B-B14F-4D97-AF65-F5344CB8AC3E}">
+        <p14:creationId xmlns:p14="http://schemas.microsoft.com/office/powerpoint/2010/main" val="3429227231"/>
+      </p:ext>
+    </p:extLst>
+  </p:cSld>
+  <p:clrMapOvr>
+    <a:masterClrMapping/>
+  </p:clrMapOvr>
+  <p:timing>
+    <p:tnLst>
+      <p:par>
+        <p:cTn id="1" dur="indefinite" restart="never" nodeType="tmRoot"/>
+      </p:par>
+    </p:tnLst>
+  </p:timing>
+</p:sld>
+</file>
+
+<file path=ppt/slides/slide34.xml><?xml version="1.0" encoding="utf-8"?>
+<p:sld xmlns:a="http://schemas.openxmlformats.org/drawingml/2006/main" xmlns:r="http://schemas.openxmlformats.org/officeDocument/2006/relationships" xmlns:p="http://schemas.openxmlformats.org/presentationml/2006/main">
+  <p:cSld>
+    <p:spTree>
+      <p:nvGrpSpPr>
+        <p:cNvPr id="1" name=""/>
+        <p:cNvGrpSpPr/>
+        <p:nvPr/>
+      </p:nvGrpSpPr>
+      <p:grpSpPr>
+        <a:xfrm>
+          <a:off x="0" y="0"/>
+          <a:ext cx="0" cy="0"/>
+          <a:chOff x="0" y="0"/>
+          <a:chExt cx="0" cy="0"/>
+        </a:xfrm>
+      </p:grpSpPr>
+      <p:sp>
+        <p:nvSpPr>
+          <p:cNvPr id="2" name="Title 1"/>
+          <p:cNvSpPr>
+            <a:spLocks noGrp="1"/>
+          </p:cNvSpPr>
+          <p:nvPr>
+            <p:ph type="title"/>
+          </p:nvPr>
+        </p:nvSpPr>
+        <p:spPr/>
+        <p:txBody>
+          <a:bodyPr/>
+          <a:lstStyle/>
+          <a:p>
+            <a:r>
+              <a:rPr lang="en-US" dirty="0" smtClean="0"/>
+              <a:t>React with Flux</a:t>
+            </a:r>
+            <a:endParaRPr lang="en-US" dirty="0"/>
+          </a:p>
+        </p:txBody>
+      </p:sp>
+      <p:sp>
+        <p:nvSpPr>
+          <p:cNvPr id="3" name="Rectangle 5"/>
+          <p:cNvSpPr txBox="1">
+            <a:spLocks noChangeArrowheads="1"/>
+          </p:cNvSpPr>
+          <p:nvPr/>
+        </p:nvSpPr>
+        <p:spPr>
+          <a:xfrm>
+            <a:off x="457993" y="1600200"/>
+            <a:ext cx="8075613" cy="4525963"/>
+          </a:xfrm>
+          <a:prstGeom prst="rect">
+            <a:avLst/>
+          </a:prstGeom>
+          <a:noFill/>
+          <a:ln/>
+        </p:spPr>
+        <p:txBody>
+          <a:bodyPr/>
+          <a:lstStyle>
+            <a:lvl1pPr marL="342900" indent="-342900" algn="l" rtl="0" eaLnBrk="1" fontAlgn="base" hangingPunct="1">
+              <a:spcBef>
+                <a:spcPct val="20000"/>
+              </a:spcBef>
+              <a:spcAft>
+                <a:spcPct val="0"/>
+              </a:spcAft>
+              <a:buClr>
+                <a:schemeClr val="hlink"/>
+              </a:buClr>
+              <a:buFont typeface="Wingdings" pitchFamily="2" charset="2"/>
+              <a:buChar char="v"/>
+              <a:defRPr sz="2800" b="1">
+                <a:solidFill>
+                  <a:schemeClr val="tx1"/>
+                </a:solidFill>
+                <a:latin typeface="Tahoma" pitchFamily="34" charset="0"/>
+                <a:ea typeface="+mn-ea"/>
+                <a:cs typeface="Tahoma" pitchFamily="34" charset="0"/>
+              </a:defRPr>
+            </a:lvl1pPr>
+            <a:lvl2pPr marL="742950" indent="-285750" algn="l" rtl="0" eaLnBrk="1" fontAlgn="base" hangingPunct="1">
+              <a:spcBef>
+                <a:spcPct val="20000"/>
+              </a:spcBef>
+              <a:spcAft>
+                <a:spcPct val="0"/>
+              </a:spcAft>
+              <a:buClr>
+                <a:schemeClr val="accent1"/>
+              </a:buClr>
+              <a:buFont typeface="Wingdings" pitchFamily="2" charset="2"/>
+              <a:buChar char="§"/>
+              <a:defRPr sz="2800">
+                <a:solidFill>
+                  <a:schemeClr val="tx1"/>
+                </a:solidFill>
+                <a:latin typeface="Tahoma" pitchFamily="34" charset="0"/>
+                <a:cs typeface="Tahoma" pitchFamily="34" charset="0"/>
+              </a:defRPr>
+            </a:lvl2pPr>
+            <a:lvl3pPr marL="1143000" indent="-228600" algn="l" rtl="0" eaLnBrk="1" fontAlgn="base" hangingPunct="1">
+              <a:spcBef>
+                <a:spcPct val="20000"/>
+              </a:spcBef>
+              <a:spcAft>
+                <a:spcPct val="0"/>
+              </a:spcAft>
+              <a:buClr>
+                <a:schemeClr val="tx1"/>
+              </a:buClr>
+              <a:buChar char="•"/>
+              <a:defRPr sz="2400">
+                <a:solidFill>
+                  <a:schemeClr val="tx1"/>
+                </a:solidFill>
+                <a:latin typeface="Tahoma" pitchFamily="34" charset="0"/>
+                <a:cs typeface="Tahoma" pitchFamily="34" charset="0"/>
+              </a:defRPr>
+            </a:lvl3pPr>
+            <a:lvl4pPr marL="1600200" indent="-228600" algn="l" rtl="0" eaLnBrk="1" fontAlgn="base" hangingPunct="1">
+              <a:spcBef>
+                <a:spcPct val="20000"/>
+              </a:spcBef>
+              <a:spcAft>
+                <a:spcPct val="0"/>
+              </a:spcAft>
+              <a:buChar char="–"/>
+              <a:defRPr sz="2000">
+                <a:solidFill>
+                  <a:schemeClr val="tx1"/>
+                </a:solidFill>
+                <a:latin typeface="Tahoma" pitchFamily="34" charset="0"/>
+                <a:cs typeface="Tahoma" pitchFamily="34" charset="0"/>
+              </a:defRPr>
+            </a:lvl4pPr>
+            <a:lvl5pPr marL="2057400" indent="-228600" algn="l" rtl="0" eaLnBrk="1" fontAlgn="base" hangingPunct="1">
+              <a:spcBef>
+                <a:spcPct val="20000"/>
+              </a:spcBef>
+              <a:spcAft>
+                <a:spcPct val="0"/>
+              </a:spcAft>
+              <a:buChar char="»"/>
+              <a:defRPr sz="2000">
+                <a:solidFill>
+                  <a:schemeClr val="tx1"/>
+                </a:solidFill>
+                <a:latin typeface="Tahoma" pitchFamily="34" charset="0"/>
+                <a:cs typeface="Tahoma" pitchFamily="34" charset="0"/>
+              </a:defRPr>
+            </a:lvl5pPr>
+            <a:lvl6pPr marL="2514600" indent="-228600" algn="l" rtl="0" eaLnBrk="1" fontAlgn="base" hangingPunct="1">
+              <a:spcBef>
+                <a:spcPct val="20000"/>
+              </a:spcBef>
+              <a:spcAft>
+                <a:spcPct val="0"/>
+              </a:spcAft>
+              <a:buChar char="»"/>
+              <a:defRPr sz="2000">
+                <a:solidFill>
+                  <a:schemeClr val="tx1"/>
+                </a:solidFill>
+                <a:latin typeface="Arial" charset="0"/>
+              </a:defRPr>
+            </a:lvl6pPr>
+            <a:lvl7pPr marL="2971800" indent="-228600" algn="l" rtl="0" eaLnBrk="1" fontAlgn="base" hangingPunct="1">
+              <a:spcBef>
+                <a:spcPct val="20000"/>
+              </a:spcBef>
+              <a:spcAft>
+                <a:spcPct val="0"/>
+              </a:spcAft>
+              <a:buChar char="»"/>
+              <a:defRPr sz="2000">
+                <a:solidFill>
+                  <a:schemeClr val="tx1"/>
+                </a:solidFill>
+                <a:latin typeface="Arial" charset="0"/>
+              </a:defRPr>
+            </a:lvl7pPr>
+            <a:lvl8pPr marL="3429000" indent="-228600" algn="l" rtl="0" eaLnBrk="1" fontAlgn="base" hangingPunct="1">
+              <a:spcBef>
+                <a:spcPct val="20000"/>
+              </a:spcBef>
+              <a:spcAft>
+                <a:spcPct val="0"/>
+              </a:spcAft>
+              <a:buChar char="»"/>
+              <a:defRPr sz="2000">
+                <a:solidFill>
+                  <a:schemeClr val="tx1"/>
+                </a:solidFill>
+                <a:latin typeface="Arial" charset="0"/>
+              </a:defRPr>
+            </a:lvl8pPr>
+            <a:lvl9pPr marL="3886200" indent="-228600" algn="l" rtl="0" eaLnBrk="1" fontAlgn="base" hangingPunct="1">
+              <a:spcBef>
+                <a:spcPct val="20000"/>
+              </a:spcBef>
+              <a:spcAft>
+                <a:spcPct val="0"/>
+              </a:spcAft>
+              <a:buChar char="»"/>
+              <a:defRPr sz="2000">
+                <a:solidFill>
+                  <a:schemeClr val="tx1"/>
+                </a:solidFill>
+                <a:latin typeface="Arial" charset="0"/>
+              </a:defRPr>
+            </a:lvl9pPr>
+          </a:lstStyle>
+          <a:p>
+            <a:pPr lvl="1">
+              <a:spcAft>
+                <a:spcPts val="600"/>
+              </a:spcAft>
+            </a:pPr>
+            <a:r>
+              <a:rPr lang="en-US" sz="2400" b="1" dirty="0" smtClean="0"/>
+              <a:t>Dispatcher: </a:t>
+            </a:r>
+            <a:endParaRPr lang="en-US" sz="2400" dirty="0"/>
+          </a:p>
+          <a:p>
+            <a:pPr lvl="2">
+              <a:spcAft>
+                <a:spcPts val="600"/>
+              </a:spcAft>
+            </a:pPr>
+            <a:r>
+              <a:rPr lang="en-US" sz="1600" dirty="0" smtClean="0">
+                <a:sym typeface="Wingdings" panose="05000000000000000000" pitchFamily="2" charset="2"/>
+              </a:rPr>
+              <a:t>The central hub that manage all flow in application</a:t>
+            </a:r>
+          </a:p>
+          <a:p>
+            <a:pPr lvl="2">
+              <a:spcAft>
+                <a:spcPts val="600"/>
+              </a:spcAft>
+            </a:pPr>
+            <a:r>
+              <a:rPr lang="en-US" sz="1600" dirty="0" smtClean="0"/>
+              <a:t>Receives </a:t>
+            </a:r>
+            <a:r>
+              <a:rPr lang="en-US" sz="1600" dirty="0"/>
+              <a:t>new data and passes it to the </a:t>
+            </a:r>
+            <a:r>
+              <a:rPr lang="en-US" sz="1600" b="1" dirty="0" smtClean="0"/>
+              <a:t>Stores</a:t>
+            </a:r>
+          </a:p>
+          <a:p>
+            <a:pPr lvl="1">
+              <a:spcAft>
+                <a:spcPts val="600"/>
+              </a:spcAft>
+            </a:pPr>
+            <a:r>
+              <a:rPr lang="en-US" sz="2000" b="1" dirty="0" smtClean="0"/>
+              <a:t>Stores: </a:t>
+            </a:r>
+          </a:p>
+          <a:p>
+            <a:pPr lvl="2">
+              <a:spcAft>
+                <a:spcPts val="600"/>
+              </a:spcAft>
+            </a:pPr>
+            <a:r>
+              <a:rPr lang="en-US" sz="1600" dirty="0" smtClean="0"/>
+              <a:t>Contain </a:t>
+            </a:r>
+            <a:r>
+              <a:rPr lang="en-US" sz="1600" dirty="0"/>
+              <a:t>the application </a:t>
+            </a:r>
+            <a:r>
+              <a:rPr lang="en-US" sz="1600" dirty="0" smtClean="0"/>
+              <a:t>data</a:t>
+            </a:r>
+          </a:p>
+          <a:p>
+            <a:pPr lvl="2">
+              <a:spcAft>
+                <a:spcPts val="600"/>
+              </a:spcAft>
+            </a:pPr>
+            <a:r>
+              <a:rPr lang="en-US" sz="1600" dirty="0"/>
+              <a:t>When a Store changes its data, it notifies the </a:t>
+            </a:r>
+            <a:r>
+              <a:rPr lang="en-US" sz="1600" b="1" dirty="0"/>
+              <a:t>Views</a:t>
+            </a:r>
+            <a:r>
+              <a:rPr lang="en-US" sz="1600" dirty="0" smtClean="0"/>
+              <a:t>.</a:t>
+            </a:r>
+          </a:p>
+          <a:p>
+            <a:pPr lvl="1">
+              <a:spcAft>
+                <a:spcPts val="600"/>
+              </a:spcAft>
+            </a:pPr>
+            <a:r>
+              <a:rPr lang="en-US" sz="2000" b="1" dirty="0" smtClean="0"/>
+              <a:t>Views</a:t>
+            </a:r>
+          </a:p>
+          <a:p>
+            <a:pPr lvl="2">
+              <a:spcAft>
+                <a:spcPts val="600"/>
+              </a:spcAft>
+            </a:pPr>
+            <a:r>
+              <a:rPr lang="en-US" sz="1600" dirty="0"/>
+              <a:t>A</a:t>
+            </a:r>
+            <a:r>
+              <a:rPr lang="en-US" sz="1600" dirty="0" smtClean="0"/>
+              <a:t>re React component</a:t>
+            </a:r>
+          </a:p>
+          <a:p>
+            <a:pPr lvl="2">
+              <a:spcAft>
+                <a:spcPts val="600"/>
+              </a:spcAft>
+            </a:pPr>
+            <a:r>
+              <a:rPr lang="en-US" sz="1600" dirty="0"/>
+              <a:t>R</a:t>
+            </a:r>
+            <a:r>
+              <a:rPr lang="en-US" sz="1600" dirty="0" smtClean="0"/>
+              <a:t>endering </a:t>
+            </a:r>
+            <a:r>
+              <a:rPr lang="en-US" sz="1600" dirty="0"/>
+              <a:t>interfaces and handling user </a:t>
+            </a:r>
+            <a:r>
+              <a:rPr lang="en-US" sz="1600" dirty="0" smtClean="0"/>
+              <a:t>events</a:t>
+            </a:r>
+          </a:p>
+          <a:p>
+            <a:pPr lvl="2">
+              <a:spcAft>
+                <a:spcPts val="600"/>
+              </a:spcAft>
+            </a:pPr>
+            <a:r>
+              <a:rPr lang="en-US" sz="1600" dirty="0"/>
+              <a:t>Their data is obtained from the </a:t>
+            </a:r>
+            <a:r>
+              <a:rPr lang="en-US" sz="1600" b="1" dirty="0"/>
+              <a:t>Stores</a:t>
+            </a:r>
+            <a:endParaRPr lang="en-US" sz="1600" b="1" dirty="0" smtClean="0"/>
+          </a:p>
+          <a:p>
+            <a:pPr lvl="1">
+              <a:spcAft>
+                <a:spcPts val="600"/>
+              </a:spcAft>
+            </a:pPr>
+            <a:endParaRPr lang="en-US" sz="2000" b="1" dirty="0">
+              <a:sym typeface="Wingdings" panose="05000000000000000000" pitchFamily="2" charset="2"/>
+            </a:endParaRPr>
+          </a:p>
+        </p:txBody>
+      </p:sp>
+    </p:spTree>
+    <p:extLst>
+      <p:ext uri="{BB962C8B-B14F-4D97-AF65-F5344CB8AC3E}">
+        <p14:creationId xmlns:p14="http://schemas.microsoft.com/office/powerpoint/2010/main" val="780827556"/>
+      </p:ext>
+    </p:extLst>
+  </p:cSld>
+  <p:clrMapOvr>
+    <a:masterClrMapping/>
+  </p:clrMapOvr>
+  <p:timing>
+    <p:tnLst>
+      <p:par>
+        <p:cTn id="1" dur="indefinite" restart="never" nodeType="tmRoot"/>
+      </p:par>
+    </p:tnLst>
+  </p:timing>
+</p:sld>
+</file>
+
+<file path=ppt/slides/slide35.xml><?xml version="1.0" encoding="utf-8"?>
+<p:sld xmlns:a="http://schemas.openxmlformats.org/drawingml/2006/main" xmlns:r="http://schemas.openxmlformats.org/officeDocument/2006/relationships" xmlns:p="http://schemas.openxmlformats.org/presentationml/2006/main">
+  <p:cSld>
+    <p:spTree>
+      <p:nvGrpSpPr>
+        <p:cNvPr id="1" name=""/>
+        <p:cNvGrpSpPr/>
+        <p:nvPr/>
+      </p:nvGrpSpPr>
+      <p:grpSpPr>
+        <a:xfrm>
+          <a:off x="0" y="0"/>
+          <a:ext cx="0" cy="0"/>
+          <a:chOff x="0" y="0"/>
+          <a:chExt cx="0" cy="0"/>
+        </a:xfrm>
+      </p:grpSpPr>
+      <p:sp>
+        <p:nvSpPr>
+          <p:cNvPr id="2" name="Title 1"/>
+          <p:cNvSpPr>
+            <a:spLocks noGrp="1"/>
+          </p:cNvSpPr>
+          <p:nvPr>
+            <p:ph type="title"/>
+          </p:nvPr>
+        </p:nvSpPr>
+        <p:spPr/>
+        <p:txBody>
+          <a:bodyPr/>
+          <a:lstStyle/>
+          <a:p>
+            <a:r>
+              <a:rPr lang="en-US" dirty="0" smtClean="0"/>
+              <a:t>React with Flux</a:t>
+            </a:r>
+            <a:endParaRPr lang="en-US" dirty="0"/>
+          </a:p>
+        </p:txBody>
+      </p:sp>
+      <p:sp>
+        <p:nvSpPr>
+          <p:cNvPr id="3" name="Rectangle 5"/>
+          <p:cNvSpPr txBox="1">
+            <a:spLocks noChangeArrowheads="1"/>
+          </p:cNvSpPr>
+          <p:nvPr/>
+        </p:nvSpPr>
+        <p:spPr>
+          <a:xfrm>
+            <a:off x="457993" y="1600200"/>
+            <a:ext cx="8075613" cy="4525963"/>
+          </a:xfrm>
+          <a:prstGeom prst="rect">
+            <a:avLst/>
+          </a:prstGeom>
+          <a:noFill/>
+          <a:ln/>
+        </p:spPr>
+        <p:txBody>
+          <a:bodyPr/>
+          <a:lstStyle>
+            <a:lvl1pPr marL="342900" indent="-342900" algn="l" rtl="0" eaLnBrk="1" fontAlgn="base" hangingPunct="1">
+              <a:spcBef>
+                <a:spcPct val="20000"/>
+              </a:spcBef>
+              <a:spcAft>
+                <a:spcPct val="0"/>
+              </a:spcAft>
+              <a:buClr>
+                <a:schemeClr val="hlink"/>
+              </a:buClr>
+              <a:buFont typeface="Wingdings" pitchFamily="2" charset="2"/>
+              <a:buChar char="v"/>
+              <a:defRPr sz="2800" b="1">
+                <a:solidFill>
+                  <a:schemeClr val="tx1"/>
+                </a:solidFill>
+                <a:latin typeface="Tahoma" pitchFamily="34" charset="0"/>
+                <a:ea typeface="+mn-ea"/>
+                <a:cs typeface="Tahoma" pitchFamily="34" charset="0"/>
+              </a:defRPr>
+            </a:lvl1pPr>
+            <a:lvl2pPr marL="742950" indent="-285750" algn="l" rtl="0" eaLnBrk="1" fontAlgn="base" hangingPunct="1">
+              <a:spcBef>
+                <a:spcPct val="20000"/>
+              </a:spcBef>
+              <a:spcAft>
+                <a:spcPct val="0"/>
+              </a:spcAft>
+              <a:buClr>
+                <a:schemeClr val="accent1"/>
+              </a:buClr>
+              <a:buFont typeface="Wingdings" pitchFamily="2" charset="2"/>
+              <a:buChar char="§"/>
+              <a:defRPr sz="2800">
+                <a:solidFill>
+                  <a:schemeClr val="tx1"/>
+                </a:solidFill>
+                <a:latin typeface="Tahoma" pitchFamily="34" charset="0"/>
+                <a:cs typeface="Tahoma" pitchFamily="34" charset="0"/>
+              </a:defRPr>
+            </a:lvl2pPr>
+            <a:lvl3pPr marL="1143000" indent="-228600" algn="l" rtl="0" eaLnBrk="1" fontAlgn="base" hangingPunct="1">
+              <a:spcBef>
+                <a:spcPct val="20000"/>
+              </a:spcBef>
+              <a:spcAft>
+                <a:spcPct val="0"/>
+              </a:spcAft>
+              <a:buClr>
+                <a:schemeClr val="tx1"/>
+              </a:buClr>
+              <a:buChar char="•"/>
+              <a:defRPr sz="2400">
+                <a:solidFill>
+                  <a:schemeClr val="tx1"/>
+                </a:solidFill>
+                <a:latin typeface="Tahoma" pitchFamily="34" charset="0"/>
+                <a:cs typeface="Tahoma" pitchFamily="34" charset="0"/>
+              </a:defRPr>
+            </a:lvl3pPr>
+            <a:lvl4pPr marL="1600200" indent="-228600" algn="l" rtl="0" eaLnBrk="1" fontAlgn="base" hangingPunct="1">
+              <a:spcBef>
+                <a:spcPct val="20000"/>
+              </a:spcBef>
+              <a:spcAft>
+                <a:spcPct val="0"/>
+              </a:spcAft>
+              <a:buChar char="–"/>
+              <a:defRPr sz="2000">
+                <a:solidFill>
+                  <a:schemeClr val="tx1"/>
+                </a:solidFill>
+                <a:latin typeface="Tahoma" pitchFamily="34" charset="0"/>
+                <a:cs typeface="Tahoma" pitchFamily="34" charset="0"/>
+              </a:defRPr>
+            </a:lvl4pPr>
+            <a:lvl5pPr marL="2057400" indent="-228600" algn="l" rtl="0" eaLnBrk="1" fontAlgn="base" hangingPunct="1">
+              <a:spcBef>
+                <a:spcPct val="20000"/>
+              </a:spcBef>
+              <a:spcAft>
+                <a:spcPct val="0"/>
+              </a:spcAft>
+              <a:buChar char="»"/>
+              <a:defRPr sz="2000">
+                <a:solidFill>
+                  <a:schemeClr val="tx1"/>
+                </a:solidFill>
+                <a:latin typeface="Tahoma" pitchFamily="34" charset="0"/>
+                <a:cs typeface="Tahoma" pitchFamily="34" charset="0"/>
+              </a:defRPr>
+            </a:lvl5pPr>
+            <a:lvl6pPr marL="2514600" indent="-228600" algn="l" rtl="0" eaLnBrk="1" fontAlgn="base" hangingPunct="1">
+              <a:spcBef>
+                <a:spcPct val="20000"/>
+              </a:spcBef>
+              <a:spcAft>
+                <a:spcPct val="0"/>
+              </a:spcAft>
+              <a:buChar char="»"/>
+              <a:defRPr sz="2000">
+                <a:solidFill>
+                  <a:schemeClr val="tx1"/>
+                </a:solidFill>
+                <a:latin typeface="Arial" charset="0"/>
+              </a:defRPr>
+            </a:lvl6pPr>
+            <a:lvl7pPr marL="2971800" indent="-228600" algn="l" rtl="0" eaLnBrk="1" fontAlgn="base" hangingPunct="1">
+              <a:spcBef>
+                <a:spcPct val="20000"/>
+              </a:spcBef>
+              <a:spcAft>
+                <a:spcPct val="0"/>
+              </a:spcAft>
+              <a:buChar char="»"/>
+              <a:defRPr sz="2000">
+                <a:solidFill>
+                  <a:schemeClr val="tx1"/>
+                </a:solidFill>
+                <a:latin typeface="Arial" charset="0"/>
+              </a:defRPr>
+            </a:lvl7pPr>
+            <a:lvl8pPr marL="3429000" indent="-228600" algn="l" rtl="0" eaLnBrk="1" fontAlgn="base" hangingPunct="1">
+              <a:spcBef>
+                <a:spcPct val="20000"/>
+              </a:spcBef>
+              <a:spcAft>
+                <a:spcPct val="0"/>
+              </a:spcAft>
+              <a:buChar char="»"/>
+              <a:defRPr sz="2000">
+                <a:solidFill>
+                  <a:schemeClr val="tx1"/>
+                </a:solidFill>
+                <a:latin typeface="Arial" charset="0"/>
+              </a:defRPr>
+            </a:lvl8pPr>
+            <a:lvl9pPr marL="3886200" indent="-228600" algn="l" rtl="0" eaLnBrk="1" fontAlgn="base" hangingPunct="1">
+              <a:spcBef>
+                <a:spcPct val="20000"/>
+              </a:spcBef>
+              <a:spcAft>
+                <a:spcPct val="0"/>
+              </a:spcAft>
+              <a:buChar char="»"/>
+              <a:defRPr sz="2000">
+                <a:solidFill>
+                  <a:schemeClr val="tx1"/>
+                </a:solidFill>
+                <a:latin typeface="Arial" charset="0"/>
+              </a:defRPr>
+            </a:lvl9pPr>
+          </a:lstStyle>
+          <a:p>
+            <a:pPr lvl="1">
+              <a:spcAft>
+                <a:spcPts val="600"/>
+              </a:spcAft>
+            </a:pPr>
+            <a:r>
+              <a:rPr lang="en-US" sz="2400" dirty="0" smtClean="0"/>
+              <a:t>Action:</a:t>
+            </a:r>
+          </a:p>
+          <a:p>
+            <a:pPr lvl="2">
+              <a:spcAft>
+                <a:spcPts val="600"/>
+              </a:spcAft>
+            </a:pPr>
+            <a:r>
+              <a:rPr lang="en-US" sz="1600" dirty="0"/>
+              <a:t>The dispatcher exposes a method </a:t>
+            </a:r>
+            <a:r>
+              <a:rPr lang="en-US" sz="1600" dirty="0" smtClean="0"/>
+              <a:t>to </a:t>
+            </a:r>
+            <a:r>
+              <a:rPr lang="en-US" sz="1600" dirty="0"/>
+              <a:t>trigger a dispatch to the </a:t>
+            </a:r>
+            <a:r>
+              <a:rPr lang="en-US" sz="1600" dirty="0" smtClean="0"/>
+              <a:t>stores</a:t>
+            </a:r>
+          </a:p>
+          <a:p>
+            <a:pPr lvl="2">
+              <a:spcAft>
+                <a:spcPts val="600"/>
+              </a:spcAft>
+            </a:pPr>
+            <a:r>
+              <a:rPr lang="en-US" sz="1600" dirty="0" smtClean="0"/>
+              <a:t>Contain Action Type and data</a:t>
+            </a:r>
+          </a:p>
+          <a:p>
+            <a:pPr lvl="1">
+              <a:spcAft>
+                <a:spcPts val="600"/>
+              </a:spcAft>
+            </a:pPr>
+            <a:endParaRPr lang="en-US" sz="2000" dirty="0" smtClean="0"/>
+          </a:p>
+          <a:p>
+            <a:pPr lvl="1">
+              <a:spcAft>
+                <a:spcPts val="600"/>
+              </a:spcAft>
+            </a:pPr>
+            <a:endParaRPr lang="en-US" sz="1600" dirty="0" smtClean="0"/>
+          </a:p>
+          <a:p>
+            <a:pPr lvl="1">
+              <a:spcAft>
+                <a:spcPts val="600"/>
+              </a:spcAft>
+            </a:pPr>
+            <a:endParaRPr lang="en-US" sz="2000" b="1" dirty="0">
+              <a:sym typeface="Wingdings" panose="05000000000000000000" pitchFamily="2" charset="2"/>
+            </a:endParaRPr>
+          </a:p>
+        </p:txBody>
+      </p:sp>
+    </p:spTree>
+    <p:extLst>
+      <p:ext uri="{BB962C8B-B14F-4D97-AF65-F5344CB8AC3E}">
+        <p14:creationId xmlns:p14="http://schemas.microsoft.com/office/powerpoint/2010/main" val="1432082530"/>
+      </p:ext>
+    </p:extLst>
+  </p:cSld>
+  <p:clrMapOvr>
+    <a:masterClrMapping/>
+  </p:clrMapOvr>
+  <p:timing>
+    <p:tnLst>
+      <p:par>
+        <p:cTn id="1" dur="indefinite" restart="never" nodeType="tmRoot"/>
+      </p:par>
+    </p:tnLst>
+  </p:timing>
+</p:sld>
+</file>
+
+<file path=ppt/slides/slide36.xml><?xml version="1.0" encoding="utf-8"?>
+<p:sld xmlns:a="http://schemas.openxmlformats.org/drawingml/2006/main" xmlns:r="http://schemas.openxmlformats.org/officeDocument/2006/relationships" xmlns:p="http://schemas.openxmlformats.org/presentationml/2006/main">
+  <p:cSld>
+    <p:spTree>
+      <p:nvGrpSpPr>
+        <p:cNvPr id="1" name=""/>
+        <p:cNvGrpSpPr/>
+        <p:nvPr/>
+      </p:nvGrpSpPr>
+      <p:grpSpPr>
+        <a:xfrm>
+          <a:off x="0" y="0"/>
+          <a:ext cx="0" cy="0"/>
+          <a:chOff x="0" y="0"/>
+          <a:chExt cx="0" cy="0"/>
+        </a:xfrm>
+      </p:grpSpPr>
+      <p:sp>
+        <p:nvSpPr>
+          <p:cNvPr id="2" name="Title 1"/>
+          <p:cNvSpPr>
+            <a:spLocks noGrp="1"/>
+          </p:cNvSpPr>
+          <p:nvPr>
+            <p:ph type="title"/>
+          </p:nvPr>
+        </p:nvSpPr>
+        <p:spPr/>
+        <p:txBody>
+          <a:bodyPr/>
+          <a:lstStyle/>
+          <a:p>
+            <a:r>
+              <a:rPr lang="en-US" dirty="0" smtClean="0"/>
+              <a:t>React with Flux</a:t>
+            </a:r>
+            <a:endParaRPr lang="en-US" dirty="0"/>
+          </a:p>
+        </p:txBody>
+      </p:sp>
+      <p:sp>
+        <p:nvSpPr>
+          <p:cNvPr id="3" name="Rectangle 5"/>
+          <p:cNvSpPr txBox="1">
+            <a:spLocks noChangeArrowheads="1"/>
+          </p:cNvSpPr>
+          <p:nvPr/>
+        </p:nvSpPr>
+        <p:spPr>
+          <a:xfrm>
+            <a:off x="457992" y="1600200"/>
+            <a:ext cx="8075613" cy="4525963"/>
+          </a:xfrm>
+          <a:prstGeom prst="rect">
+            <a:avLst/>
+          </a:prstGeom>
+          <a:noFill/>
+          <a:ln/>
+        </p:spPr>
+        <p:txBody>
+          <a:bodyPr/>
+          <a:lstStyle>
+            <a:lvl1pPr marL="342900" indent="-342900" algn="l" rtl="0" eaLnBrk="1" fontAlgn="base" hangingPunct="1">
+              <a:spcBef>
+                <a:spcPct val="20000"/>
+              </a:spcBef>
+              <a:spcAft>
+                <a:spcPct val="0"/>
+              </a:spcAft>
+              <a:buClr>
+                <a:schemeClr val="hlink"/>
+              </a:buClr>
+              <a:buFont typeface="Wingdings" pitchFamily="2" charset="2"/>
+              <a:buChar char="v"/>
+              <a:defRPr sz="2800" b="1">
+                <a:solidFill>
+                  <a:schemeClr val="tx1"/>
+                </a:solidFill>
+                <a:latin typeface="Tahoma" pitchFamily="34" charset="0"/>
+                <a:ea typeface="+mn-ea"/>
+                <a:cs typeface="Tahoma" pitchFamily="34" charset="0"/>
+              </a:defRPr>
+            </a:lvl1pPr>
+            <a:lvl2pPr marL="742950" indent="-285750" algn="l" rtl="0" eaLnBrk="1" fontAlgn="base" hangingPunct="1">
+              <a:spcBef>
+                <a:spcPct val="20000"/>
+              </a:spcBef>
+              <a:spcAft>
+                <a:spcPct val="0"/>
+              </a:spcAft>
+              <a:buClr>
+                <a:schemeClr val="accent1"/>
+              </a:buClr>
+              <a:buFont typeface="Wingdings" pitchFamily="2" charset="2"/>
+              <a:buChar char="§"/>
+              <a:defRPr sz="2800">
+                <a:solidFill>
+                  <a:schemeClr val="tx1"/>
+                </a:solidFill>
+                <a:latin typeface="Tahoma" pitchFamily="34" charset="0"/>
+                <a:cs typeface="Tahoma" pitchFamily="34" charset="0"/>
+              </a:defRPr>
+            </a:lvl2pPr>
+            <a:lvl3pPr marL="1143000" indent="-228600" algn="l" rtl="0" eaLnBrk="1" fontAlgn="base" hangingPunct="1">
+              <a:spcBef>
+                <a:spcPct val="20000"/>
+              </a:spcBef>
+              <a:spcAft>
+                <a:spcPct val="0"/>
+              </a:spcAft>
+              <a:buClr>
+                <a:schemeClr val="tx1"/>
+              </a:buClr>
+              <a:buChar char="•"/>
+              <a:defRPr sz="2400">
+                <a:solidFill>
+                  <a:schemeClr val="tx1"/>
+                </a:solidFill>
+                <a:latin typeface="Tahoma" pitchFamily="34" charset="0"/>
+                <a:cs typeface="Tahoma" pitchFamily="34" charset="0"/>
+              </a:defRPr>
+            </a:lvl3pPr>
+            <a:lvl4pPr marL="1600200" indent="-228600" algn="l" rtl="0" eaLnBrk="1" fontAlgn="base" hangingPunct="1">
+              <a:spcBef>
+                <a:spcPct val="20000"/>
+              </a:spcBef>
+              <a:spcAft>
+                <a:spcPct val="0"/>
+              </a:spcAft>
+              <a:buChar char="–"/>
+              <a:defRPr sz="2000">
+                <a:solidFill>
+                  <a:schemeClr val="tx1"/>
+                </a:solidFill>
+                <a:latin typeface="Tahoma" pitchFamily="34" charset="0"/>
+                <a:cs typeface="Tahoma" pitchFamily="34" charset="0"/>
+              </a:defRPr>
+            </a:lvl4pPr>
+            <a:lvl5pPr marL="2057400" indent="-228600" algn="l" rtl="0" eaLnBrk="1" fontAlgn="base" hangingPunct="1">
+              <a:spcBef>
+                <a:spcPct val="20000"/>
+              </a:spcBef>
+              <a:spcAft>
+                <a:spcPct val="0"/>
+              </a:spcAft>
+              <a:buChar char="»"/>
+              <a:defRPr sz="2000">
+                <a:solidFill>
+                  <a:schemeClr val="tx1"/>
+                </a:solidFill>
+                <a:latin typeface="Tahoma" pitchFamily="34" charset="0"/>
+                <a:cs typeface="Tahoma" pitchFamily="34" charset="0"/>
+              </a:defRPr>
+            </a:lvl5pPr>
+            <a:lvl6pPr marL="2514600" indent="-228600" algn="l" rtl="0" eaLnBrk="1" fontAlgn="base" hangingPunct="1">
+              <a:spcBef>
+                <a:spcPct val="20000"/>
+              </a:spcBef>
+              <a:spcAft>
+                <a:spcPct val="0"/>
+              </a:spcAft>
+              <a:buChar char="»"/>
+              <a:defRPr sz="2000">
+                <a:solidFill>
+                  <a:schemeClr val="tx1"/>
+                </a:solidFill>
+                <a:latin typeface="Arial" charset="0"/>
+              </a:defRPr>
+            </a:lvl6pPr>
+            <a:lvl7pPr marL="2971800" indent="-228600" algn="l" rtl="0" eaLnBrk="1" fontAlgn="base" hangingPunct="1">
+              <a:spcBef>
+                <a:spcPct val="20000"/>
+              </a:spcBef>
+              <a:spcAft>
+                <a:spcPct val="0"/>
+              </a:spcAft>
+              <a:buChar char="»"/>
+              <a:defRPr sz="2000">
+                <a:solidFill>
+                  <a:schemeClr val="tx1"/>
+                </a:solidFill>
+                <a:latin typeface="Arial" charset="0"/>
+              </a:defRPr>
+            </a:lvl7pPr>
+            <a:lvl8pPr marL="3429000" indent="-228600" algn="l" rtl="0" eaLnBrk="1" fontAlgn="base" hangingPunct="1">
+              <a:spcBef>
+                <a:spcPct val="20000"/>
+              </a:spcBef>
+              <a:spcAft>
+                <a:spcPct val="0"/>
+              </a:spcAft>
+              <a:buChar char="»"/>
+              <a:defRPr sz="2000">
+                <a:solidFill>
+                  <a:schemeClr val="tx1"/>
+                </a:solidFill>
+                <a:latin typeface="Arial" charset="0"/>
+              </a:defRPr>
+            </a:lvl8pPr>
+            <a:lvl9pPr marL="3886200" indent="-228600" algn="l" rtl="0" eaLnBrk="1" fontAlgn="base" hangingPunct="1">
+              <a:spcBef>
+                <a:spcPct val="20000"/>
+              </a:spcBef>
+              <a:spcAft>
+                <a:spcPct val="0"/>
+              </a:spcAft>
+              <a:buChar char="»"/>
+              <a:defRPr sz="2000">
+                <a:solidFill>
+                  <a:schemeClr val="tx1"/>
+                </a:solidFill>
+                <a:latin typeface="Arial" charset="0"/>
+              </a:defRPr>
+            </a:lvl9pPr>
+          </a:lstStyle>
+          <a:p>
+            <a:pPr lvl="1">
+              <a:spcAft>
+                <a:spcPts val="600"/>
+              </a:spcAft>
+            </a:pPr>
+            <a:endParaRPr lang="en-US" sz="2000" dirty="0">
+              <a:sym typeface="Wingdings" panose="05000000000000000000" pitchFamily="2" charset="2"/>
+            </a:endParaRPr>
+          </a:p>
+        </p:txBody>
+      </p:sp>
+      <p:sp>
+        <p:nvSpPr>
+          <p:cNvPr id="10" name="Rectangle 9"/>
+          <p:cNvSpPr/>
+          <p:nvPr/>
+        </p:nvSpPr>
+        <p:spPr>
+          <a:xfrm>
+            <a:off x="1371600" y="3733800"/>
+            <a:ext cx="1981200" cy="514350"/>
+          </a:xfrm>
+          <a:prstGeom prst="rect">
+            <a:avLst/>
+          </a:prstGeom>
+          <a:solidFill>
+            <a:schemeClr val="accent2"/>
+          </a:solidFill>
+          <a:ln>
+            <a:solidFill>
+              <a:schemeClr val="accent3"/>
+            </a:solidFill>
+          </a:ln>
+        </p:spPr>
+        <p:style>
+          <a:lnRef idx="1">
+            <a:schemeClr val="accent4"/>
+          </a:lnRef>
+          <a:fillRef idx="2">
+            <a:schemeClr val="accent4"/>
+          </a:fillRef>
+          <a:effectRef idx="1">
+            <a:schemeClr val="accent4"/>
+          </a:effectRef>
+          <a:fontRef idx="minor">
+            <a:schemeClr val="dk1"/>
+          </a:fontRef>
+        </p:style>
+        <p:txBody>
+          <a:bodyPr rtlCol="0" anchor="ctr"/>
+          <a:lstStyle/>
+          <a:p>
+            <a:pPr algn="ctr"/>
+            <a:r>
+              <a:rPr lang="en-US" sz="1600" dirty="0" smtClean="0">
+                <a:solidFill>
+                  <a:schemeClr val="bg1"/>
+                </a:solidFill>
+                <a:latin typeface="Tahoma" panose="020B0604030504040204" pitchFamily="34" charset="0"/>
+                <a:ea typeface="Tahoma" panose="020B0604030504040204" pitchFamily="34" charset="0"/>
+                <a:cs typeface="Tahoma" panose="020B0604030504040204" pitchFamily="34" charset="0"/>
+              </a:rPr>
+              <a:t>Action</a:t>
+            </a:r>
+          </a:p>
+        </p:txBody>
+      </p:sp>
+      <p:sp>
+        <p:nvSpPr>
+          <p:cNvPr id="13" name="Rectangle 12"/>
+          <p:cNvSpPr/>
+          <p:nvPr/>
+        </p:nvSpPr>
+        <p:spPr>
+          <a:xfrm>
+            <a:off x="1371600" y="1981200"/>
+            <a:ext cx="1981200" cy="533400"/>
+          </a:xfrm>
+          <a:prstGeom prst="rect">
+            <a:avLst/>
+          </a:prstGeom>
+          <a:solidFill>
+            <a:srgbClr val="00B0F0"/>
+          </a:solidFill>
+          <a:ln>
+            <a:solidFill>
+              <a:schemeClr val="accent3"/>
+            </a:solidFill>
+          </a:ln>
+        </p:spPr>
+        <p:style>
+          <a:lnRef idx="1">
+            <a:schemeClr val="accent4"/>
+          </a:lnRef>
+          <a:fillRef idx="2">
+            <a:schemeClr val="accent4"/>
+          </a:fillRef>
+          <a:effectRef idx="1">
+            <a:schemeClr val="accent4"/>
+          </a:effectRef>
+          <a:fontRef idx="minor">
+            <a:schemeClr val="dk1"/>
+          </a:fontRef>
+        </p:style>
+        <p:txBody>
+          <a:bodyPr rtlCol="0" anchor="ctr"/>
+          <a:lstStyle/>
+          <a:p>
+            <a:pPr algn="ctr"/>
+            <a:r>
+              <a:rPr lang="en-US" sz="1600" dirty="0" smtClean="0">
+                <a:solidFill>
+                  <a:schemeClr val="bg1"/>
+                </a:solidFill>
+                <a:latin typeface="Tahoma" panose="020B0604030504040204" pitchFamily="34" charset="0"/>
+                <a:ea typeface="Tahoma" panose="020B0604030504040204" pitchFamily="34" charset="0"/>
+                <a:cs typeface="Tahoma" panose="020B0604030504040204" pitchFamily="34" charset="0"/>
+              </a:rPr>
+              <a:t>Dispatcher</a:t>
+            </a:r>
+          </a:p>
+        </p:txBody>
+      </p:sp>
+      <p:sp>
+        <p:nvSpPr>
+          <p:cNvPr id="14" name="Rectangle 13"/>
+          <p:cNvSpPr/>
+          <p:nvPr/>
+        </p:nvSpPr>
+        <p:spPr>
+          <a:xfrm>
+            <a:off x="4876800" y="1981200"/>
+            <a:ext cx="1981200" cy="510381"/>
+          </a:xfrm>
+          <a:prstGeom prst="rect">
+            <a:avLst/>
+          </a:prstGeom>
+          <a:solidFill>
+            <a:schemeClr val="accent1">
+              <a:lumMod val="75000"/>
+            </a:schemeClr>
+          </a:solidFill>
+          <a:ln>
+            <a:solidFill>
+              <a:schemeClr val="accent3"/>
+            </a:solidFill>
+          </a:ln>
+        </p:spPr>
+        <p:style>
+          <a:lnRef idx="1">
+            <a:schemeClr val="accent4"/>
+          </a:lnRef>
+          <a:fillRef idx="2">
+            <a:schemeClr val="accent4"/>
+          </a:fillRef>
+          <a:effectRef idx="1">
+            <a:schemeClr val="accent4"/>
+          </a:effectRef>
+          <a:fontRef idx="minor">
+            <a:schemeClr val="dk1"/>
+          </a:fontRef>
+        </p:style>
+        <p:txBody>
+          <a:bodyPr rtlCol="0" anchor="ctr"/>
+          <a:lstStyle/>
+          <a:p>
+            <a:pPr algn="ctr"/>
+            <a:r>
+              <a:rPr lang="en-US" sz="1600" dirty="0" smtClean="0">
+                <a:solidFill>
+                  <a:schemeClr val="bg1"/>
+                </a:solidFill>
+                <a:latin typeface="Tahoma" panose="020B0604030504040204" pitchFamily="34" charset="0"/>
+                <a:ea typeface="Tahoma" panose="020B0604030504040204" pitchFamily="34" charset="0"/>
+                <a:cs typeface="Tahoma" panose="020B0604030504040204" pitchFamily="34" charset="0"/>
+              </a:rPr>
+              <a:t>Store</a:t>
+            </a:r>
+          </a:p>
+        </p:txBody>
+      </p:sp>
+      <p:sp>
+        <p:nvSpPr>
+          <p:cNvPr id="15" name="Rectangle 14"/>
+          <p:cNvSpPr/>
+          <p:nvPr/>
+        </p:nvSpPr>
+        <p:spPr>
+          <a:xfrm>
+            <a:off x="4876800" y="3733800"/>
+            <a:ext cx="1981200" cy="533400"/>
+          </a:xfrm>
+          <a:prstGeom prst="rect">
+            <a:avLst/>
+          </a:prstGeom>
+          <a:solidFill>
+            <a:srgbClr val="B93025"/>
+          </a:solidFill>
+          <a:ln>
+            <a:solidFill>
+              <a:schemeClr val="accent3"/>
+            </a:solidFill>
+          </a:ln>
+        </p:spPr>
+        <p:style>
+          <a:lnRef idx="1">
+            <a:schemeClr val="accent4"/>
+          </a:lnRef>
+          <a:fillRef idx="2">
+            <a:schemeClr val="accent4"/>
+          </a:fillRef>
+          <a:effectRef idx="1">
+            <a:schemeClr val="accent4"/>
+          </a:effectRef>
+          <a:fontRef idx="minor">
+            <a:schemeClr val="dk1"/>
+          </a:fontRef>
+        </p:style>
+        <p:txBody>
+          <a:bodyPr rtlCol="0" anchor="ctr"/>
+          <a:lstStyle/>
+          <a:p>
+            <a:pPr algn="ctr"/>
+            <a:r>
+              <a:rPr lang="en-US" sz="1600" dirty="0" smtClean="0">
+                <a:solidFill>
+                  <a:schemeClr val="bg1"/>
+                </a:solidFill>
+                <a:latin typeface="Tahoma" panose="020B0604030504040204" pitchFamily="34" charset="0"/>
+                <a:ea typeface="Tahoma" panose="020B0604030504040204" pitchFamily="34" charset="0"/>
+                <a:cs typeface="Tahoma" panose="020B0604030504040204" pitchFamily="34" charset="0"/>
+              </a:rPr>
+              <a:t>View</a:t>
+            </a:r>
+          </a:p>
+        </p:txBody>
+      </p:sp>
+      <p:sp>
+        <p:nvSpPr>
+          <p:cNvPr id="16" name="Rectangle 15"/>
+          <p:cNvSpPr/>
+          <p:nvPr/>
+        </p:nvSpPr>
+        <p:spPr>
+          <a:xfrm>
+            <a:off x="1381125" y="5181600"/>
+            <a:ext cx="1981200" cy="514350"/>
+          </a:xfrm>
+          <a:prstGeom prst="rect">
+            <a:avLst/>
+          </a:prstGeom>
+          <a:solidFill>
+            <a:srgbClr val="7030A0"/>
+          </a:solidFill>
+          <a:ln>
+            <a:solidFill>
+              <a:schemeClr val="accent3"/>
+            </a:solidFill>
+          </a:ln>
+        </p:spPr>
+        <p:style>
+          <a:lnRef idx="1">
+            <a:schemeClr val="accent4"/>
+          </a:lnRef>
+          <a:fillRef idx="2">
+            <a:schemeClr val="accent4"/>
+          </a:fillRef>
+          <a:effectRef idx="1">
+            <a:schemeClr val="accent4"/>
+          </a:effectRef>
+          <a:fontRef idx="minor">
+            <a:schemeClr val="dk1"/>
+          </a:fontRef>
+        </p:style>
+        <p:txBody>
+          <a:bodyPr rtlCol="0" anchor="ctr"/>
+          <a:lstStyle/>
+          <a:p>
+            <a:pPr algn="ctr"/>
+            <a:r>
+              <a:rPr lang="en-US" sz="1600" dirty="0" smtClean="0">
+                <a:solidFill>
+                  <a:schemeClr val="bg1"/>
+                </a:solidFill>
+                <a:latin typeface="Tahoma" panose="020B0604030504040204" pitchFamily="34" charset="0"/>
+                <a:ea typeface="Tahoma" panose="020B0604030504040204" pitchFamily="34" charset="0"/>
+                <a:cs typeface="Tahoma" panose="020B0604030504040204" pitchFamily="34" charset="0"/>
+              </a:rPr>
+              <a:t>API</a:t>
+            </a:r>
+          </a:p>
+        </p:txBody>
+      </p:sp>
+      <p:cxnSp>
+        <p:nvCxnSpPr>
+          <p:cNvPr id="18" name="Straight Arrow Connector 17"/>
+          <p:cNvCxnSpPr>
+            <a:stCxn id="13" idx="3"/>
+          </p:cNvCxnSpPr>
+          <p:nvPr/>
+        </p:nvCxnSpPr>
+        <p:spPr>
+          <a:xfrm>
+            <a:off x="3352800" y="2247900"/>
+            <a:ext cx="1524000" cy="0"/>
+          </a:xfrm>
+          <a:prstGeom prst="straightConnector1">
+            <a:avLst/>
+          </a:prstGeom>
+          <a:ln w="28575">
+            <a:solidFill>
+              <a:schemeClr val="bg2">
+                <a:lumMod val="50000"/>
+              </a:schemeClr>
+            </a:solidFill>
+            <a:tailEnd type="arrow"/>
+          </a:ln>
+        </p:spPr>
+        <p:style>
+          <a:lnRef idx="1">
+            <a:schemeClr val="accent1"/>
+          </a:lnRef>
+          <a:fillRef idx="0">
+            <a:schemeClr val="accent1"/>
+          </a:fillRef>
+          <a:effectRef idx="0">
+            <a:schemeClr val="accent1"/>
+          </a:effectRef>
+          <a:fontRef idx="minor">
+            <a:schemeClr val="tx1"/>
+          </a:fontRef>
+        </p:style>
+      </p:cxnSp>
+      <p:cxnSp>
+        <p:nvCxnSpPr>
+          <p:cNvPr id="27" name="Straight Arrow Connector 26"/>
+          <p:cNvCxnSpPr>
+            <a:stCxn id="14" idx="2"/>
+            <a:endCxn id="15" idx="0"/>
+          </p:cNvCxnSpPr>
+          <p:nvPr/>
+        </p:nvCxnSpPr>
+        <p:spPr>
+          <a:xfrm>
+            <a:off x="5867400" y="2491581"/>
+            <a:ext cx="0" cy="1242219"/>
+          </a:xfrm>
+          <a:prstGeom prst="straightConnector1">
+            <a:avLst/>
+          </a:prstGeom>
+          <a:ln w="28575">
+            <a:solidFill>
+              <a:schemeClr val="bg2">
+                <a:lumMod val="50000"/>
+              </a:schemeClr>
+            </a:solidFill>
+            <a:tailEnd type="arrow"/>
+          </a:ln>
+        </p:spPr>
+        <p:style>
+          <a:lnRef idx="1">
+            <a:schemeClr val="accent1"/>
+          </a:lnRef>
+          <a:fillRef idx="0">
+            <a:schemeClr val="accent1"/>
+          </a:fillRef>
+          <a:effectRef idx="0">
+            <a:schemeClr val="accent1"/>
+          </a:effectRef>
+          <a:fontRef idx="minor">
+            <a:schemeClr val="tx1"/>
+          </a:fontRef>
+        </p:style>
+      </p:cxnSp>
+      <p:cxnSp>
+        <p:nvCxnSpPr>
+          <p:cNvPr id="33" name="Straight Arrow Connector 32"/>
+          <p:cNvCxnSpPr>
+            <a:stCxn id="15" idx="1"/>
+          </p:cNvCxnSpPr>
+          <p:nvPr/>
+        </p:nvCxnSpPr>
+        <p:spPr>
+          <a:xfrm flipH="1">
+            <a:off x="3362325" y="4000500"/>
+            <a:ext cx="1514475" cy="0"/>
+          </a:xfrm>
+          <a:prstGeom prst="straightConnector1">
+            <a:avLst/>
+          </a:prstGeom>
+          <a:ln w="28575">
+            <a:solidFill>
+              <a:schemeClr val="bg2">
+                <a:lumMod val="50000"/>
+              </a:schemeClr>
+            </a:solidFill>
+            <a:tailEnd type="arrow"/>
+          </a:ln>
+        </p:spPr>
+        <p:style>
+          <a:lnRef idx="1">
+            <a:schemeClr val="accent1"/>
+          </a:lnRef>
+          <a:fillRef idx="0">
+            <a:schemeClr val="accent1"/>
+          </a:fillRef>
+          <a:effectRef idx="0">
+            <a:schemeClr val="accent1"/>
+          </a:effectRef>
+          <a:fontRef idx="minor">
+            <a:schemeClr val="tx1"/>
+          </a:fontRef>
+        </p:style>
+      </p:cxnSp>
+      <p:cxnSp>
+        <p:nvCxnSpPr>
+          <p:cNvPr id="38" name="Straight Arrow Connector 37"/>
+          <p:cNvCxnSpPr>
+            <a:stCxn id="10" idx="0"/>
+            <a:endCxn id="13" idx="2"/>
+          </p:cNvCxnSpPr>
+          <p:nvPr/>
+        </p:nvCxnSpPr>
+        <p:spPr>
+          <a:xfrm flipV="1">
+            <a:off x="2362200" y="2514600"/>
+            <a:ext cx="0" cy="1219200"/>
+          </a:xfrm>
+          <a:prstGeom prst="straightConnector1">
+            <a:avLst/>
+          </a:prstGeom>
+          <a:ln w="28575">
+            <a:solidFill>
+              <a:schemeClr val="bg2">
+                <a:lumMod val="50000"/>
+              </a:schemeClr>
+            </a:solidFill>
+            <a:tailEnd type="arrow"/>
+          </a:ln>
+        </p:spPr>
+        <p:style>
+          <a:lnRef idx="1">
+            <a:schemeClr val="accent1"/>
+          </a:lnRef>
+          <a:fillRef idx="0">
+            <a:schemeClr val="accent1"/>
+          </a:fillRef>
+          <a:effectRef idx="0">
+            <a:schemeClr val="accent1"/>
+          </a:effectRef>
+          <a:fontRef idx="minor">
+            <a:schemeClr val="tx1"/>
+          </a:fontRef>
+        </p:style>
+      </p:cxnSp>
+      <p:cxnSp>
+        <p:nvCxnSpPr>
+          <p:cNvPr id="42" name="Straight Arrow Connector 41"/>
+          <p:cNvCxnSpPr/>
+          <p:nvPr/>
+        </p:nvCxnSpPr>
+        <p:spPr>
+          <a:xfrm flipV="1">
+            <a:off x="2514600" y="4267200"/>
+            <a:ext cx="0" cy="952500"/>
+          </a:xfrm>
+          <a:prstGeom prst="straightConnector1">
+            <a:avLst/>
+          </a:prstGeom>
+          <a:ln w="28575">
+            <a:solidFill>
+              <a:schemeClr val="bg2">
+                <a:lumMod val="50000"/>
+              </a:schemeClr>
+            </a:solidFill>
+            <a:tailEnd type="arrow"/>
+          </a:ln>
+        </p:spPr>
+        <p:style>
+          <a:lnRef idx="1">
+            <a:schemeClr val="accent1"/>
+          </a:lnRef>
+          <a:fillRef idx="0">
+            <a:schemeClr val="accent1"/>
+          </a:fillRef>
+          <a:effectRef idx="0">
+            <a:schemeClr val="accent1"/>
+          </a:effectRef>
+          <a:fontRef idx="minor">
+            <a:schemeClr val="tx1"/>
+          </a:fontRef>
+        </p:style>
+      </p:cxnSp>
+      <p:cxnSp>
+        <p:nvCxnSpPr>
+          <p:cNvPr id="44" name="Straight Arrow Connector 43"/>
+          <p:cNvCxnSpPr/>
+          <p:nvPr/>
+        </p:nvCxnSpPr>
+        <p:spPr>
+          <a:xfrm>
+            <a:off x="2133600" y="4267200"/>
+            <a:ext cx="0" cy="914400"/>
+          </a:xfrm>
+          <a:prstGeom prst="straightConnector1">
+            <a:avLst/>
+          </a:prstGeom>
+          <a:ln w="28575">
+            <a:solidFill>
+              <a:schemeClr val="bg2">
+                <a:lumMod val="50000"/>
+              </a:schemeClr>
+            </a:solidFill>
+            <a:tailEnd type="arrow"/>
+          </a:ln>
+        </p:spPr>
+        <p:style>
+          <a:lnRef idx="1">
+            <a:schemeClr val="accent1"/>
+          </a:lnRef>
+          <a:fillRef idx="0">
+            <a:schemeClr val="accent1"/>
+          </a:fillRef>
+          <a:effectRef idx="0">
+            <a:schemeClr val="accent1"/>
+          </a:effectRef>
+          <a:fontRef idx="minor">
+            <a:schemeClr val="tx1"/>
+          </a:fontRef>
+        </p:style>
+      </p:cxnSp>
+      <p:sp>
+        <p:nvSpPr>
+          <p:cNvPr id="46" name="TextBox 45"/>
+          <p:cNvSpPr txBox="1"/>
+          <p:nvPr/>
+        </p:nvSpPr>
+        <p:spPr>
+          <a:xfrm>
+            <a:off x="3810000" y="3657600"/>
+            <a:ext cx="533399" cy="276999"/>
+          </a:xfrm>
+          <a:prstGeom prst="rect">
+            <a:avLst/>
+          </a:prstGeom>
+          <a:noFill/>
+        </p:spPr>
+        <p:txBody>
+          <a:bodyPr wrap="square" rtlCol="0">
+            <a:spAutoFit/>
+          </a:bodyPr>
+          <a:lstStyle/>
+          <a:p>
+            <a:r>
+              <a:rPr lang="en-US" sz="1200" dirty="0" smtClean="0">
+                <a:latin typeface="Tahoma" panose="020B0604030504040204" pitchFamily="34" charset="0"/>
+                <a:ea typeface="Tahoma" panose="020B0604030504040204" pitchFamily="34" charset="0"/>
+                <a:cs typeface="Tahoma" panose="020B0604030504040204" pitchFamily="34" charset="0"/>
+              </a:rPr>
+              <a:t>Call</a:t>
+            </a:r>
+            <a:endParaRPr lang="en-US" sz="1200" dirty="0">
+              <a:latin typeface="Tahoma" panose="020B0604030504040204" pitchFamily="34" charset="0"/>
+              <a:ea typeface="Tahoma" panose="020B0604030504040204" pitchFamily="34" charset="0"/>
+              <a:cs typeface="Tahoma" panose="020B0604030504040204" pitchFamily="34" charset="0"/>
+            </a:endParaRPr>
+          </a:p>
+        </p:txBody>
+      </p:sp>
+      <p:sp>
+        <p:nvSpPr>
+          <p:cNvPr id="47" name="TextBox 46"/>
+          <p:cNvSpPr txBox="1"/>
+          <p:nvPr/>
+        </p:nvSpPr>
+        <p:spPr>
+          <a:xfrm>
+            <a:off x="2362200" y="2971800"/>
+            <a:ext cx="1219200" cy="276999"/>
+          </a:xfrm>
+          <a:prstGeom prst="rect">
+            <a:avLst/>
+          </a:prstGeom>
+          <a:noFill/>
+        </p:spPr>
+        <p:txBody>
+          <a:bodyPr wrap="square" rtlCol="0">
+            <a:spAutoFit/>
+          </a:bodyPr>
+          <a:lstStyle/>
+          <a:p>
+            <a:r>
+              <a:rPr lang="en-US" sz="1200" dirty="0" smtClean="0">
+                <a:latin typeface="Tahoma" panose="020B0604030504040204" pitchFamily="34" charset="0"/>
+                <a:ea typeface="Tahoma" panose="020B0604030504040204" pitchFamily="34" charset="0"/>
+                <a:cs typeface="Tahoma" panose="020B0604030504040204" pitchFamily="34" charset="0"/>
+              </a:rPr>
+              <a:t>Call dispatch</a:t>
+            </a:r>
+            <a:endParaRPr lang="en-US" sz="1200" dirty="0">
+              <a:latin typeface="Tahoma" panose="020B0604030504040204" pitchFamily="34" charset="0"/>
+              <a:ea typeface="Tahoma" panose="020B0604030504040204" pitchFamily="34" charset="0"/>
+              <a:cs typeface="Tahoma" panose="020B0604030504040204" pitchFamily="34" charset="0"/>
+            </a:endParaRPr>
+          </a:p>
+        </p:txBody>
+      </p:sp>
+      <p:sp>
+        <p:nvSpPr>
+          <p:cNvPr id="48" name="TextBox 47"/>
+          <p:cNvSpPr txBox="1"/>
+          <p:nvPr/>
+        </p:nvSpPr>
+        <p:spPr>
+          <a:xfrm>
+            <a:off x="5867400" y="2958801"/>
+            <a:ext cx="762000" cy="276999"/>
+          </a:xfrm>
+          <a:prstGeom prst="rect">
+            <a:avLst/>
+          </a:prstGeom>
+          <a:noFill/>
+        </p:spPr>
+        <p:txBody>
+          <a:bodyPr wrap="square" rtlCol="0">
+            <a:spAutoFit/>
+          </a:bodyPr>
+          <a:lstStyle/>
+          <a:p>
+            <a:r>
+              <a:rPr lang="en-US" sz="1200" dirty="0" smtClean="0">
+                <a:latin typeface="Tahoma" panose="020B0604030504040204" pitchFamily="34" charset="0"/>
+                <a:ea typeface="Tahoma" panose="020B0604030504040204" pitchFamily="34" charset="0"/>
+                <a:cs typeface="Tahoma" panose="020B0604030504040204" pitchFamily="34" charset="0"/>
+              </a:rPr>
+              <a:t>Notify</a:t>
+            </a:r>
+            <a:endParaRPr lang="en-US" sz="1200" dirty="0">
+              <a:latin typeface="Tahoma" panose="020B0604030504040204" pitchFamily="34" charset="0"/>
+              <a:ea typeface="Tahoma" panose="020B0604030504040204" pitchFamily="34" charset="0"/>
+              <a:cs typeface="Tahoma" panose="020B0604030504040204" pitchFamily="34" charset="0"/>
+            </a:endParaRPr>
+          </a:p>
+        </p:txBody>
+      </p:sp>
+      <p:sp>
+        <p:nvSpPr>
+          <p:cNvPr id="49" name="TextBox 48"/>
+          <p:cNvSpPr txBox="1"/>
+          <p:nvPr/>
+        </p:nvSpPr>
+        <p:spPr>
+          <a:xfrm>
+            <a:off x="3429000" y="1928613"/>
+            <a:ext cx="1504952" cy="276999"/>
+          </a:xfrm>
+          <a:prstGeom prst="rect">
+            <a:avLst/>
+          </a:prstGeom>
+          <a:noFill/>
+        </p:spPr>
+        <p:txBody>
+          <a:bodyPr wrap="square" rtlCol="0">
+            <a:spAutoFit/>
+          </a:bodyPr>
+          <a:lstStyle/>
+          <a:p>
+            <a:r>
+              <a:rPr lang="en-US" sz="1200" dirty="0" smtClean="0">
+                <a:latin typeface="Tahoma" panose="020B0604030504040204" pitchFamily="34" charset="0"/>
+                <a:ea typeface="Tahoma" panose="020B0604030504040204" pitchFamily="34" charset="0"/>
+                <a:cs typeface="Tahoma" panose="020B0604030504040204" pitchFamily="34" charset="0"/>
+              </a:rPr>
+              <a:t>Dispatch action</a:t>
+            </a:r>
+            <a:endParaRPr lang="en-US" sz="1200" dirty="0">
+              <a:latin typeface="Tahoma" panose="020B0604030504040204" pitchFamily="34" charset="0"/>
+              <a:ea typeface="Tahoma" panose="020B0604030504040204" pitchFamily="34" charset="0"/>
+              <a:cs typeface="Tahoma" panose="020B0604030504040204" pitchFamily="34" charset="0"/>
+            </a:endParaRPr>
+          </a:p>
+        </p:txBody>
+      </p:sp>
+      <p:sp>
+        <p:nvSpPr>
+          <p:cNvPr id="50" name="TextBox 49"/>
+          <p:cNvSpPr txBox="1"/>
+          <p:nvPr/>
+        </p:nvSpPr>
+        <p:spPr>
+          <a:xfrm>
+            <a:off x="1304925" y="4570511"/>
+            <a:ext cx="838200" cy="276999"/>
+          </a:xfrm>
+          <a:prstGeom prst="rect">
+            <a:avLst/>
+          </a:prstGeom>
+          <a:noFill/>
+        </p:spPr>
+        <p:txBody>
+          <a:bodyPr wrap="square" rtlCol="0">
+            <a:spAutoFit/>
+          </a:bodyPr>
+          <a:lstStyle/>
+          <a:p>
+            <a:r>
+              <a:rPr lang="en-US" sz="1200" dirty="0" smtClean="0">
+                <a:latin typeface="Tahoma" panose="020B0604030504040204" pitchFamily="34" charset="0"/>
+                <a:ea typeface="Tahoma" panose="020B0604030504040204" pitchFamily="34" charset="0"/>
+                <a:cs typeface="Tahoma" panose="020B0604030504040204" pitchFamily="34" charset="0"/>
+              </a:rPr>
+              <a:t>Request</a:t>
+            </a:r>
+            <a:endParaRPr lang="en-US" sz="1200" dirty="0">
+              <a:latin typeface="Tahoma" panose="020B0604030504040204" pitchFamily="34" charset="0"/>
+              <a:ea typeface="Tahoma" panose="020B0604030504040204" pitchFamily="34" charset="0"/>
+              <a:cs typeface="Tahoma" panose="020B0604030504040204" pitchFamily="34" charset="0"/>
+            </a:endParaRPr>
+          </a:p>
+        </p:txBody>
+      </p:sp>
+      <p:sp>
+        <p:nvSpPr>
+          <p:cNvPr id="51" name="TextBox 50"/>
+          <p:cNvSpPr txBox="1"/>
+          <p:nvPr/>
+        </p:nvSpPr>
+        <p:spPr>
+          <a:xfrm>
+            <a:off x="2514600" y="4570510"/>
+            <a:ext cx="800100" cy="276999"/>
+          </a:xfrm>
+          <a:prstGeom prst="rect">
+            <a:avLst/>
+          </a:prstGeom>
+          <a:noFill/>
+        </p:spPr>
+        <p:txBody>
+          <a:bodyPr wrap="square" rtlCol="0">
+            <a:spAutoFit/>
+          </a:bodyPr>
+          <a:lstStyle/>
+          <a:p>
+            <a:r>
+              <a:rPr lang="en-US" sz="1200" dirty="0" smtClean="0">
+                <a:latin typeface="Tahoma" panose="020B0604030504040204" pitchFamily="34" charset="0"/>
+                <a:ea typeface="Tahoma" panose="020B0604030504040204" pitchFamily="34" charset="0"/>
+                <a:cs typeface="Tahoma" panose="020B0604030504040204" pitchFamily="34" charset="0"/>
+              </a:rPr>
+              <a:t>Data</a:t>
+            </a:r>
+            <a:endParaRPr lang="en-US" sz="1200" dirty="0">
+              <a:latin typeface="Tahoma" panose="020B0604030504040204" pitchFamily="34" charset="0"/>
+              <a:ea typeface="Tahoma" panose="020B0604030504040204" pitchFamily="34" charset="0"/>
+              <a:cs typeface="Tahoma" panose="020B0604030504040204" pitchFamily="34" charset="0"/>
+            </a:endParaRPr>
+          </a:p>
+        </p:txBody>
+      </p:sp>
+    </p:spTree>
+    <p:extLst>
+      <p:ext uri="{BB962C8B-B14F-4D97-AF65-F5344CB8AC3E}">
+        <p14:creationId xmlns:p14="http://schemas.microsoft.com/office/powerpoint/2010/main" val="2987393982"/>
+      </p:ext>
+    </p:extLst>
+  </p:cSld>
+  <p:clrMapOvr>
+    <a:masterClrMapping/>
+  </p:clrMapOvr>
+  <p:timing>
+    <p:tnLst>
+      <p:par>
+        <p:cTn id="1" dur="indefinite" restart="never" nodeType="tmRoot"/>
+      </p:par>
+    </p:tnLst>
+  </p:timing>
+</p:sld>
+</file>
+
+<file path=ppt/slides/slide37.xml><?xml version="1.0" encoding="utf-8"?>
+<p:sld xmlns:a="http://schemas.openxmlformats.org/drawingml/2006/main" xmlns:r="http://schemas.openxmlformats.org/officeDocument/2006/relationships" xmlns:p="http://schemas.openxmlformats.org/presentationml/2006/main">
+  <p:cSld>
+    <p:spTree>
+      <p:nvGrpSpPr>
+        <p:cNvPr id="1" name=""/>
+        <p:cNvGrpSpPr/>
+        <p:nvPr/>
+      </p:nvGrpSpPr>
+      <p:grpSpPr>
+        <a:xfrm>
+          <a:off x="0" y="0"/>
+          <a:ext cx="0" cy="0"/>
+          <a:chOff x="0" y="0"/>
+          <a:chExt cx="0" cy="0"/>
+        </a:xfrm>
+      </p:grpSpPr>
+      <p:sp>
+        <p:nvSpPr>
+          <p:cNvPr id="2" name="Title 1"/>
+          <p:cNvSpPr>
+            <a:spLocks noGrp="1"/>
+          </p:cNvSpPr>
+          <p:nvPr>
+            <p:ph type="title"/>
+          </p:nvPr>
+        </p:nvSpPr>
+        <p:spPr/>
+        <p:txBody>
+          <a:bodyPr/>
+          <a:lstStyle/>
+          <a:p>
+            <a:r>
+              <a:rPr lang="en-US" dirty="0" smtClean="0"/>
+              <a:t>Example</a:t>
+            </a:r>
+            <a:endParaRPr lang="en-US" dirty="0"/>
+          </a:p>
+        </p:txBody>
+      </p:sp>
+      <p:sp>
+        <p:nvSpPr>
+          <p:cNvPr id="3" name="Rectangle 5"/>
+          <p:cNvSpPr txBox="1">
+            <a:spLocks noChangeArrowheads="1"/>
+          </p:cNvSpPr>
+          <p:nvPr/>
+        </p:nvSpPr>
+        <p:spPr>
+          <a:xfrm>
+            <a:off x="457993" y="1600200"/>
+            <a:ext cx="8075613" cy="4525963"/>
+          </a:xfrm>
+          <a:prstGeom prst="rect">
+            <a:avLst/>
+          </a:prstGeom>
+          <a:noFill/>
+          <a:ln/>
+        </p:spPr>
+        <p:txBody>
+          <a:bodyPr/>
+          <a:lstStyle>
+            <a:lvl1pPr marL="342900" indent="-342900" algn="l" rtl="0" eaLnBrk="1" fontAlgn="base" hangingPunct="1">
+              <a:spcBef>
+                <a:spcPct val="20000"/>
+              </a:spcBef>
+              <a:spcAft>
+                <a:spcPct val="0"/>
+              </a:spcAft>
+              <a:buClr>
+                <a:schemeClr val="hlink"/>
+              </a:buClr>
+              <a:buFont typeface="Wingdings" pitchFamily="2" charset="2"/>
+              <a:buChar char="v"/>
+              <a:defRPr sz="2800" b="1">
+                <a:solidFill>
+                  <a:schemeClr val="tx1"/>
+                </a:solidFill>
+                <a:latin typeface="Tahoma" pitchFamily="34" charset="0"/>
+                <a:ea typeface="+mn-ea"/>
+                <a:cs typeface="Tahoma" pitchFamily="34" charset="0"/>
+              </a:defRPr>
+            </a:lvl1pPr>
+            <a:lvl2pPr marL="742950" indent="-285750" algn="l" rtl="0" eaLnBrk="1" fontAlgn="base" hangingPunct="1">
+              <a:spcBef>
+                <a:spcPct val="20000"/>
+              </a:spcBef>
+              <a:spcAft>
+                <a:spcPct val="0"/>
+              </a:spcAft>
+              <a:buClr>
+                <a:schemeClr val="accent1"/>
+              </a:buClr>
+              <a:buFont typeface="Wingdings" pitchFamily="2" charset="2"/>
+              <a:buChar char="§"/>
+              <a:defRPr sz="2800">
+                <a:solidFill>
+                  <a:schemeClr val="tx1"/>
+                </a:solidFill>
+                <a:latin typeface="Tahoma" pitchFamily="34" charset="0"/>
+                <a:cs typeface="Tahoma" pitchFamily="34" charset="0"/>
+              </a:defRPr>
+            </a:lvl2pPr>
+            <a:lvl3pPr marL="1143000" indent="-228600" algn="l" rtl="0" eaLnBrk="1" fontAlgn="base" hangingPunct="1">
+              <a:spcBef>
+                <a:spcPct val="20000"/>
+              </a:spcBef>
+              <a:spcAft>
+                <a:spcPct val="0"/>
+              </a:spcAft>
+              <a:buClr>
+                <a:schemeClr val="tx1"/>
+              </a:buClr>
+              <a:buChar char="•"/>
+              <a:defRPr sz="2400">
+                <a:solidFill>
+                  <a:schemeClr val="tx1"/>
+                </a:solidFill>
+                <a:latin typeface="Tahoma" pitchFamily="34" charset="0"/>
+                <a:cs typeface="Tahoma" pitchFamily="34" charset="0"/>
+              </a:defRPr>
+            </a:lvl3pPr>
+            <a:lvl4pPr marL="1600200" indent="-228600" algn="l" rtl="0" eaLnBrk="1" fontAlgn="base" hangingPunct="1">
+              <a:spcBef>
+                <a:spcPct val="20000"/>
+              </a:spcBef>
+              <a:spcAft>
+                <a:spcPct val="0"/>
+              </a:spcAft>
+              <a:buChar char="–"/>
+              <a:defRPr sz="2000">
+                <a:solidFill>
+                  <a:schemeClr val="tx1"/>
+                </a:solidFill>
+                <a:latin typeface="Tahoma" pitchFamily="34" charset="0"/>
+                <a:cs typeface="Tahoma" pitchFamily="34" charset="0"/>
+              </a:defRPr>
+            </a:lvl4pPr>
+            <a:lvl5pPr marL="2057400" indent="-228600" algn="l" rtl="0" eaLnBrk="1" fontAlgn="base" hangingPunct="1">
+              <a:spcBef>
+                <a:spcPct val="20000"/>
+              </a:spcBef>
+              <a:spcAft>
+                <a:spcPct val="0"/>
+              </a:spcAft>
+              <a:buChar char="»"/>
+              <a:defRPr sz="2000">
+                <a:solidFill>
+                  <a:schemeClr val="tx1"/>
+                </a:solidFill>
+                <a:latin typeface="Tahoma" pitchFamily="34" charset="0"/>
+                <a:cs typeface="Tahoma" pitchFamily="34" charset="0"/>
+              </a:defRPr>
+            </a:lvl5pPr>
+            <a:lvl6pPr marL="2514600" indent="-228600" algn="l" rtl="0" eaLnBrk="1" fontAlgn="base" hangingPunct="1">
+              <a:spcBef>
+                <a:spcPct val="20000"/>
+              </a:spcBef>
+              <a:spcAft>
+                <a:spcPct val="0"/>
+              </a:spcAft>
+              <a:buChar char="»"/>
+              <a:defRPr sz="2000">
+                <a:solidFill>
+                  <a:schemeClr val="tx1"/>
+                </a:solidFill>
+                <a:latin typeface="Arial" charset="0"/>
+              </a:defRPr>
+            </a:lvl6pPr>
+            <a:lvl7pPr marL="2971800" indent="-228600" algn="l" rtl="0" eaLnBrk="1" fontAlgn="base" hangingPunct="1">
+              <a:spcBef>
+                <a:spcPct val="20000"/>
+              </a:spcBef>
+              <a:spcAft>
+                <a:spcPct val="0"/>
+              </a:spcAft>
+              <a:buChar char="»"/>
+              <a:defRPr sz="2000">
+                <a:solidFill>
+                  <a:schemeClr val="tx1"/>
+                </a:solidFill>
+                <a:latin typeface="Arial" charset="0"/>
+              </a:defRPr>
+            </a:lvl7pPr>
+            <a:lvl8pPr marL="3429000" indent="-228600" algn="l" rtl="0" eaLnBrk="1" fontAlgn="base" hangingPunct="1">
+              <a:spcBef>
+                <a:spcPct val="20000"/>
+              </a:spcBef>
+              <a:spcAft>
+                <a:spcPct val="0"/>
+              </a:spcAft>
+              <a:buChar char="»"/>
+              <a:defRPr sz="2000">
+                <a:solidFill>
+                  <a:schemeClr val="tx1"/>
+                </a:solidFill>
+                <a:latin typeface="Arial" charset="0"/>
+              </a:defRPr>
+            </a:lvl8pPr>
+            <a:lvl9pPr marL="3886200" indent="-228600" algn="l" rtl="0" eaLnBrk="1" fontAlgn="base" hangingPunct="1">
+              <a:spcBef>
+                <a:spcPct val="20000"/>
+              </a:spcBef>
+              <a:spcAft>
+                <a:spcPct val="0"/>
+              </a:spcAft>
+              <a:buChar char="»"/>
+              <a:defRPr sz="2000">
+                <a:solidFill>
+                  <a:schemeClr val="tx1"/>
+                </a:solidFill>
+                <a:latin typeface="Arial" charset="0"/>
+              </a:defRPr>
+            </a:lvl9pPr>
+          </a:lstStyle>
+          <a:p>
+            <a:pPr lvl="1">
+              <a:spcAft>
+                <a:spcPts val="600"/>
+              </a:spcAft>
+            </a:pPr>
+            <a:r>
+              <a:rPr lang="en-US" sz="2400" dirty="0" smtClean="0"/>
+              <a:t>Build </a:t>
+            </a:r>
+            <a:r>
+              <a:rPr lang="en-US" sz="2400" dirty="0" err="1" smtClean="0"/>
+              <a:t>Todo</a:t>
+            </a:r>
+            <a:r>
+              <a:rPr lang="en-US" sz="2400" dirty="0" smtClean="0"/>
+              <a:t> List using</a:t>
+            </a:r>
+          </a:p>
+          <a:p>
+            <a:pPr lvl="2">
+              <a:spcAft>
+                <a:spcPts val="600"/>
+              </a:spcAft>
+            </a:pPr>
+            <a:r>
+              <a:rPr lang="en-US" sz="2000" dirty="0" smtClean="0"/>
+              <a:t>React</a:t>
+            </a:r>
+          </a:p>
+          <a:p>
+            <a:pPr lvl="2">
+              <a:spcAft>
+                <a:spcPts val="600"/>
+              </a:spcAft>
+            </a:pPr>
+            <a:r>
+              <a:rPr lang="en-US" sz="2000" dirty="0" smtClean="0"/>
+              <a:t>Flux</a:t>
+            </a:r>
+          </a:p>
+          <a:p>
+            <a:pPr lvl="2">
+              <a:spcAft>
+                <a:spcPts val="600"/>
+              </a:spcAft>
+            </a:pPr>
+            <a:r>
+              <a:rPr lang="en-US" sz="2000" dirty="0" smtClean="0"/>
+              <a:t>Gulp</a:t>
+            </a:r>
+          </a:p>
+          <a:p>
+            <a:pPr lvl="2">
+              <a:spcAft>
+                <a:spcPts val="600"/>
+              </a:spcAft>
+            </a:pPr>
+            <a:r>
+              <a:rPr lang="en-US" sz="2000" dirty="0" err="1" smtClean="0"/>
+              <a:t>Browserify</a:t>
+            </a:r>
+            <a:endParaRPr lang="en-US" sz="2000" dirty="0" smtClean="0"/>
+          </a:p>
+          <a:p>
+            <a:pPr marL="914400" lvl="2" indent="0">
+              <a:spcAft>
+                <a:spcPts val="600"/>
+              </a:spcAft>
+              <a:buNone/>
+            </a:pPr>
+            <a:endParaRPr lang="en-US" sz="2000" dirty="0" smtClean="0"/>
+          </a:p>
+          <a:p>
+            <a:pPr lvl="2">
+              <a:spcAft>
+                <a:spcPts val="600"/>
+              </a:spcAft>
+            </a:pPr>
+            <a:endParaRPr lang="en-US" sz="2000" dirty="0"/>
+          </a:p>
+        </p:txBody>
+      </p:sp>
+    </p:spTree>
+    <p:extLst>
+      <p:ext uri="{BB962C8B-B14F-4D97-AF65-F5344CB8AC3E}">
+        <p14:creationId xmlns:p14="http://schemas.microsoft.com/office/powerpoint/2010/main" val="3444772947"/>
       </p:ext>
     </p:extLst>
   </p:cSld>

--- a/React_Slide.pptx
+++ b/React_Slide.pptx
@@ -5,7 +5,7 @@
     <p:sldMasterId id="2147483660" r:id="rId1"/>
   </p:sldMasterIdLst>
   <p:notesMasterIdLst>
-    <p:notesMasterId r:id="rId39"/>
+    <p:notesMasterId r:id="rId36"/>
   </p:notesMasterIdLst>
   <p:sldIdLst>
     <p:sldId id="256" r:id="rId2"/>
@@ -40,11 +40,8 @@
     <p:sldId id="296" r:id="rId31"/>
     <p:sldId id="297" r:id="rId32"/>
     <p:sldId id="298" r:id="rId33"/>
-    <p:sldId id="288" r:id="rId34"/>
-    <p:sldId id="290" r:id="rId35"/>
-    <p:sldId id="291" r:id="rId36"/>
-    <p:sldId id="289" r:id="rId37"/>
-    <p:sldId id="292" r:id="rId38"/>
+    <p:sldId id="292" r:id="rId34"/>
+    <p:sldId id="299" r:id="rId35"/>
   </p:sldIdLst>
   <p:sldSz cx="9144000" cy="6858000" type="screen4x3"/>
   <p:notesSz cx="6858000" cy="9144000"/>
@@ -145,7 +142,7 @@
   </p:defaultTextStyle>
   <p:extLst>
     <p:ext uri="{EFAFB233-063F-42B5-8137-9DF3F51BA10A}">
-      <p15:sldGuideLst xmlns="" xmlns:p15="http://schemas.microsoft.com/office/powerpoint/2012/main">
+      <p15:sldGuideLst xmlns:p15="http://schemas.microsoft.com/office/powerpoint/2012/main" xmlns="">
         <p15:guide id="1" orient="horz" pos="2160">
           <p15:clr>
             <a:srgbClr val="A4A3A4"/>
@@ -244,7 +241,7 @@
           <a:p>
             <a:fld id="{30C56A28-4380-4698-9362-A1403F5E2820}" type="datetimeFigureOut">
               <a:rPr lang="en-US" smtClean="0"/>
-              <a:t>12/22/2015</a:t>
+              <a:t>12/23/2015</a:t>
             </a:fld>
             <a:endParaRPr lang="en-US"/>
           </a:p>
@@ -5935,507 +5932,6 @@
 </p:notes>
 </file>
 
-<file path=ppt/notesSlides/notesSlide30.xml><?xml version="1.0" encoding="utf-8"?>
-<p:notes xmlns:a="http://schemas.openxmlformats.org/drawingml/2006/main" xmlns:r="http://schemas.openxmlformats.org/officeDocument/2006/relationships" xmlns:p="http://schemas.openxmlformats.org/presentationml/2006/main">
-  <p:cSld>
-    <p:spTree>
-      <p:nvGrpSpPr>
-        <p:cNvPr id="1" name=""/>
-        <p:cNvGrpSpPr/>
-        <p:nvPr/>
-      </p:nvGrpSpPr>
-      <p:grpSpPr>
-        <a:xfrm>
-          <a:off x="0" y="0"/>
-          <a:ext cx="0" cy="0"/>
-          <a:chOff x="0" y="0"/>
-          <a:chExt cx="0" cy="0"/>
-        </a:xfrm>
-      </p:grpSpPr>
-      <p:sp>
-        <p:nvSpPr>
-          <p:cNvPr id="2" name="Slide Image Placeholder 1"/>
-          <p:cNvSpPr>
-            <a:spLocks noGrp="1" noRot="1" noChangeAspect="1"/>
-          </p:cNvSpPr>
-          <p:nvPr>
-            <p:ph type="sldImg"/>
-          </p:nvPr>
-        </p:nvSpPr>
-        <p:spPr/>
-      </p:sp>
-      <p:sp>
-        <p:nvSpPr>
-          <p:cNvPr id="3" name="Notes Placeholder 2"/>
-          <p:cNvSpPr>
-            <a:spLocks noGrp="1"/>
-          </p:cNvSpPr>
-          <p:nvPr>
-            <p:ph type="body" idx="1"/>
-          </p:nvPr>
-        </p:nvSpPr>
-        <p:spPr/>
-        <p:txBody>
-          <a:bodyPr/>
-          <a:lstStyle/>
-          <a:p>
-            <a:r>
-              <a:rPr lang="en-US" sz="1200" b="0" i="0" kern="1200" dirty="0" smtClean="0">
-                <a:solidFill>
-                  <a:schemeClr val="tx1"/>
-                </a:solidFill>
-                <a:effectLst/>
-                <a:latin typeface="+mn-lt"/>
-                <a:ea typeface="+mn-ea"/>
-                <a:cs typeface="+mn-cs"/>
-              </a:rPr>
-              <a:t>The only method we haven't touched yet is the </a:t>
-            </a:r>
-            <a:r>
-              <a:rPr lang="en-US" sz="1200" b="0" i="1" kern="1200" dirty="0" err="1" smtClean="0">
-                <a:solidFill>
-                  <a:schemeClr val="tx1"/>
-                </a:solidFill>
-                <a:effectLst/>
-                <a:latin typeface="+mn-lt"/>
-                <a:ea typeface="+mn-ea"/>
-                <a:cs typeface="+mn-cs"/>
-              </a:rPr>
-              <a:t>componentWillUnmount</a:t>
-            </a:r>
-            <a:r>
-              <a:rPr lang="en-US" sz="1200" b="0" i="0" kern="1200" dirty="0" smtClean="0">
-                <a:solidFill>
-                  <a:schemeClr val="tx1"/>
-                </a:solidFill>
-                <a:effectLst/>
-                <a:latin typeface="+mn-lt"/>
-                <a:ea typeface="+mn-ea"/>
-                <a:cs typeface="+mn-cs"/>
-              </a:rPr>
-              <a:t> which gets called before the component is removed from the DOM. This method can be beneficial when needing to perform clean up operations, </a:t>
-            </a:r>
-            <a:r>
-              <a:rPr lang="en-US" sz="1200" b="0" i="0" kern="1200" dirty="0" err="1" smtClean="0">
-                <a:solidFill>
-                  <a:schemeClr val="tx1"/>
-                </a:solidFill>
-                <a:effectLst/>
-                <a:latin typeface="+mn-lt"/>
-                <a:ea typeface="+mn-ea"/>
-                <a:cs typeface="+mn-cs"/>
-              </a:rPr>
-              <a:t>f.e</a:t>
-            </a:r>
-            <a:r>
-              <a:rPr lang="en-US" sz="1200" b="0" i="0" kern="1200" dirty="0" smtClean="0">
-                <a:solidFill>
-                  <a:schemeClr val="tx1"/>
-                </a:solidFill>
-                <a:effectLst/>
-                <a:latin typeface="+mn-lt"/>
-                <a:ea typeface="+mn-ea"/>
-                <a:cs typeface="+mn-cs"/>
-              </a:rPr>
-              <a:t>. removing any timers defined in </a:t>
-            </a:r>
-            <a:r>
-              <a:rPr lang="en-US" sz="1200" b="0" i="1" kern="1200" dirty="0" err="1" smtClean="0">
-                <a:solidFill>
-                  <a:schemeClr val="tx1"/>
-                </a:solidFill>
-                <a:effectLst/>
-                <a:latin typeface="+mn-lt"/>
-                <a:ea typeface="+mn-ea"/>
-                <a:cs typeface="+mn-cs"/>
-              </a:rPr>
-              <a:t>componentDidMount</a:t>
-            </a:r>
-            <a:r>
-              <a:rPr lang="en-US" sz="1200" b="0" i="0" kern="1200" dirty="0" smtClean="0">
-                <a:solidFill>
-                  <a:schemeClr val="tx1"/>
-                </a:solidFill>
-                <a:effectLst/>
-                <a:latin typeface="+mn-lt"/>
-                <a:ea typeface="+mn-ea"/>
-                <a:cs typeface="+mn-cs"/>
-              </a:rPr>
-              <a:t>.</a:t>
-            </a:r>
-          </a:p>
-        </p:txBody>
-      </p:sp>
-      <p:sp>
-        <p:nvSpPr>
-          <p:cNvPr id="4" name="Slide Number Placeholder 3"/>
-          <p:cNvSpPr>
-            <a:spLocks noGrp="1"/>
-          </p:cNvSpPr>
-          <p:nvPr>
-            <p:ph type="sldNum" sz="quarter" idx="10"/>
-          </p:nvPr>
-        </p:nvSpPr>
-        <p:spPr/>
-        <p:txBody>
-          <a:bodyPr/>
-          <a:lstStyle/>
-          <a:p>
-            <a:fld id="{47CA5B65-C32E-4594-82B5-5B950CCEF23B}" type="slidenum">
-              <a:rPr lang="en-US" smtClean="0"/>
-              <a:t>35</a:t>
-            </a:fld>
-            <a:endParaRPr lang="en-US"/>
-          </a:p>
-        </p:txBody>
-      </p:sp>
-    </p:spTree>
-    <p:extLst>
-      <p:ext uri="{BB962C8B-B14F-4D97-AF65-F5344CB8AC3E}">
-        <p14:creationId xmlns:p14="http://schemas.microsoft.com/office/powerpoint/2010/main" val="3704078898"/>
-      </p:ext>
-    </p:extLst>
-  </p:cSld>
-  <p:clrMapOvr>
-    <a:masterClrMapping/>
-  </p:clrMapOvr>
-</p:notes>
-</file>
-
-<file path=ppt/notesSlides/notesSlide31.xml><?xml version="1.0" encoding="utf-8"?>
-<p:notes xmlns:a="http://schemas.openxmlformats.org/drawingml/2006/main" xmlns:r="http://schemas.openxmlformats.org/officeDocument/2006/relationships" xmlns:p="http://schemas.openxmlformats.org/presentationml/2006/main">
-  <p:cSld>
-    <p:spTree>
-      <p:nvGrpSpPr>
-        <p:cNvPr id="1" name=""/>
-        <p:cNvGrpSpPr/>
-        <p:nvPr/>
-      </p:nvGrpSpPr>
-      <p:grpSpPr>
-        <a:xfrm>
-          <a:off x="0" y="0"/>
-          <a:ext cx="0" cy="0"/>
-          <a:chOff x="0" y="0"/>
-          <a:chExt cx="0" cy="0"/>
-        </a:xfrm>
-      </p:grpSpPr>
-      <p:sp>
-        <p:nvSpPr>
-          <p:cNvPr id="2" name="Slide Image Placeholder 1"/>
-          <p:cNvSpPr>
-            <a:spLocks noGrp="1" noRot="1" noChangeAspect="1"/>
-          </p:cNvSpPr>
-          <p:nvPr>
-            <p:ph type="sldImg"/>
-          </p:nvPr>
-        </p:nvSpPr>
-        <p:spPr/>
-      </p:sp>
-      <p:sp>
-        <p:nvSpPr>
-          <p:cNvPr id="3" name="Notes Placeholder 2"/>
-          <p:cNvSpPr>
-            <a:spLocks noGrp="1"/>
-          </p:cNvSpPr>
-          <p:nvPr>
-            <p:ph type="body" idx="1"/>
-          </p:nvPr>
-        </p:nvSpPr>
-        <p:spPr/>
-        <p:txBody>
-          <a:bodyPr/>
-          <a:lstStyle/>
-          <a:p>
-            <a:r>
-              <a:rPr lang="en-US" sz="1200" b="0" i="0" kern="1200" dirty="0" smtClean="0">
-                <a:solidFill>
-                  <a:schemeClr val="tx1"/>
-                </a:solidFill>
-                <a:effectLst/>
-                <a:latin typeface="+mn-lt"/>
-                <a:ea typeface="+mn-ea"/>
-                <a:cs typeface="+mn-cs"/>
-              </a:rPr>
-              <a:t>The only method we haven't touched yet is the </a:t>
-            </a:r>
-            <a:r>
-              <a:rPr lang="en-US" sz="1200" b="0" i="1" kern="1200" dirty="0" err="1" smtClean="0">
-                <a:solidFill>
-                  <a:schemeClr val="tx1"/>
-                </a:solidFill>
-                <a:effectLst/>
-                <a:latin typeface="+mn-lt"/>
-                <a:ea typeface="+mn-ea"/>
-                <a:cs typeface="+mn-cs"/>
-              </a:rPr>
-              <a:t>componentWillUnmount</a:t>
-            </a:r>
-            <a:r>
-              <a:rPr lang="en-US" sz="1200" b="0" i="0" kern="1200" dirty="0" smtClean="0">
-                <a:solidFill>
-                  <a:schemeClr val="tx1"/>
-                </a:solidFill>
-                <a:effectLst/>
-                <a:latin typeface="+mn-lt"/>
-                <a:ea typeface="+mn-ea"/>
-                <a:cs typeface="+mn-cs"/>
-              </a:rPr>
-              <a:t> which gets called before the component is removed from the DOM. This method can be beneficial when needing to perform clean up operations, </a:t>
-            </a:r>
-            <a:r>
-              <a:rPr lang="en-US" sz="1200" b="0" i="0" kern="1200" dirty="0" err="1" smtClean="0">
-                <a:solidFill>
-                  <a:schemeClr val="tx1"/>
-                </a:solidFill>
-                <a:effectLst/>
-                <a:latin typeface="+mn-lt"/>
-                <a:ea typeface="+mn-ea"/>
-                <a:cs typeface="+mn-cs"/>
-              </a:rPr>
-              <a:t>f.e</a:t>
-            </a:r>
-            <a:r>
-              <a:rPr lang="en-US" sz="1200" b="0" i="0" kern="1200" dirty="0" smtClean="0">
-                <a:solidFill>
-                  <a:schemeClr val="tx1"/>
-                </a:solidFill>
-                <a:effectLst/>
-                <a:latin typeface="+mn-lt"/>
-                <a:ea typeface="+mn-ea"/>
-                <a:cs typeface="+mn-cs"/>
-              </a:rPr>
-              <a:t>. removing any timers defined in </a:t>
-            </a:r>
-            <a:r>
-              <a:rPr lang="en-US" sz="1200" b="0" i="1" kern="1200" dirty="0" err="1" smtClean="0">
-                <a:solidFill>
-                  <a:schemeClr val="tx1"/>
-                </a:solidFill>
-                <a:effectLst/>
-                <a:latin typeface="+mn-lt"/>
-                <a:ea typeface="+mn-ea"/>
-                <a:cs typeface="+mn-cs"/>
-              </a:rPr>
-              <a:t>componentDidMount</a:t>
-            </a:r>
-            <a:r>
-              <a:rPr lang="en-US" sz="1200" b="0" i="0" kern="1200" dirty="0" smtClean="0">
-                <a:solidFill>
-                  <a:schemeClr val="tx1"/>
-                </a:solidFill>
-                <a:effectLst/>
-                <a:latin typeface="+mn-lt"/>
-                <a:ea typeface="+mn-ea"/>
-                <a:cs typeface="+mn-cs"/>
-              </a:rPr>
-              <a:t>.</a:t>
-            </a:r>
-          </a:p>
-        </p:txBody>
-      </p:sp>
-      <p:sp>
-        <p:nvSpPr>
-          <p:cNvPr id="4" name="Slide Number Placeholder 3"/>
-          <p:cNvSpPr>
-            <a:spLocks noGrp="1"/>
-          </p:cNvSpPr>
-          <p:nvPr>
-            <p:ph type="sldNum" sz="quarter" idx="10"/>
-          </p:nvPr>
-        </p:nvSpPr>
-        <p:spPr/>
-        <p:txBody>
-          <a:bodyPr/>
-          <a:lstStyle/>
-          <a:p>
-            <a:fld id="{47CA5B65-C32E-4594-82B5-5B950CCEF23B}" type="slidenum">
-              <a:rPr lang="en-US" smtClean="0"/>
-              <a:t>36</a:t>
-            </a:fld>
-            <a:endParaRPr lang="en-US"/>
-          </a:p>
-        </p:txBody>
-      </p:sp>
-    </p:spTree>
-    <p:extLst>
-      <p:ext uri="{BB962C8B-B14F-4D97-AF65-F5344CB8AC3E}">
-        <p14:creationId xmlns:p14="http://schemas.microsoft.com/office/powerpoint/2010/main" val="3704078898"/>
-      </p:ext>
-    </p:extLst>
-  </p:cSld>
-  <p:clrMapOvr>
-    <a:masterClrMapping/>
-  </p:clrMapOvr>
-</p:notes>
-</file>
-
-<file path=ppt/notesSlides/notesSlide32.xml><?xml version="1.0" encoding="utf-8"?>
-<p:notes xmlns:a="http://schemas.openxmlformats.org/drawingml/2006/main" xmlns:r="http://schemas.openxmlformats.org/officeDocument/2006/relationships" xmlns:p="http://schemas.openxmlformats.org/presentationml/2006/main">
-  <p:cSld>
-    <p:spTree>
-      <p:nvGrpSpPr>
-        <p:cNvPr id="1" name=""/>
-        <p:cNvGrpSpPr/>
-        <p:nvPr/>
-      </p:nvGrpSpPr>
-      <p:grpSpPr>
-        <a:xfrm>
-          <a:off x="0" y="0"/>
-          <a:ext cx="0" cy="0"/>
-          <a:chOff x="0" y="0"/>
-          <a:chExt cx="0" cy="0"/>
-        </a:xfrm>
-      </p:grpSpPr>
-      <p:sp>
-        <p:nvSpPr>
-          <p:cNvPr id="2" name="Slide Image Placeholder 1"/>
-          <p:cNvSpPr>
-            <a:spLocks noGrp="1" noRot="1" noChangeAspect="1"/>
-          </p:cNvSpPr>
-          <p:nvPr>
-            <p:ph type="sldImg"/>
-          </p:nvPr>
-        </p:nvSpPr>
-        <p:spPr/>
-      </p:sp>
-      <p:sp>
-        <p:nvSpPr>
-          <p:cNvPr id="3" name="Notes Placeholder 2"/>
-          <p:cNvSpPr>
-            <a:spLocks noGrp="1"/>
-          </p:cNvSpPr>
-          <p:nvPr>
-            <p:ph type="body" idx="1"/>
-          </p:nvPr>
-        </p:nvSpPr>
-        <p:spPr/>
-        <p:txBody>
-          <a:bodyPr/>
-          <a:lstStyle/>
-          <a:p>
-            <a:r>
-              <a:rPr lang="en-US" sz="1200" b="0" i="0" kern="1200" dirty="0" smtClean="0">
-                <a:solidFill>
-                  <a:schemeClr val="tx1"/>
-                </a:solidFill>
-                <a:effectLst/>
-                <a:latin typeface="+mn-lt"/>
-                <a:ea typeface="+mn-ea"/>
-                <a:cs typeface="+mn-cs"/>
-              </a:rPr>
-              <a:t>The only method we haven't touched yet is the </a:t>
-            </a:r>
-            <a:r>
-              <a:rPr lang="en-US" sz="1200" b="0" i="1" kern="1200" dirty="0" err="1" smtClean="0">
-                <a:solidFill>
-                  <a:schemeClr val="tx1"/>
-                </a:solidFill>
-                <a:effectLst/>
-                <a:latin typeface="+mn-lt"/>
-                <a:ea typeface="+mn-ea"/>
-                <a:cs typeface="+mn-cs"/>
-              </a:rPr>
-              <a:t>componentWillUnmount</a:t>
-            </a:r>
-            <a:r>
-              <a:rPr lang="en-US" sz="1200" b="0" i="0" kern="1200" dirty="0" smtClean="0">
-                <a:solidFill>
-                  <a:schemeClr val="tx1"/>
-                </a:solidFill>
-                <a:effectLst/>
-                <a:latin typeface="+mn-lt"/>
-                <a:ea typeface="+mn-ea"/>
-                <a:cs typeface="+mn-cs"/>
-              </a:rPr>
-              <a:t> which gets called before the component is removed from the DOM. This method can be beneficial when needing to perform clean up operations, </a:t>
-            </a:r>
-            <a:r>
-              <a:rPr lang="en-US" sz="1200" b="0" i="0" kern="1200" dirty="0" err="1" smtClean="0">
-                <a:solidFill>
-                  <a:schemeClr val="tx1"/>
-                </a:solidFill>
-                <a:effectLst/>
-                <a:latin typeface="+mn-lt"/>
-                <a:ea typeface="+mn-ea"/>
-                <a:cs typeface="+mn-cs"/>
-              </a:rPr>
-              <a:t>f.e</a:t>
-            </a:r>
-            <a:r>
-              <a:rPr lang="en-US" sz="1200" b="0" i="0" kern="1200" dirty="0" smtClean="0">
-                <a:solidFill>
-                  <a:schemeClr val="tx1"/>
-                </a:solidFill>
-                <a:effectLst/>
-                <a:latin typeface="+mn-lt"/>
-                <a:ea typeface="+mn-ea"/>
-                <a:cs typeface="+mn-cs"/>
-              </a:rPr>
-              <a:t>. removing any timers defined in </a:t>
-            </a:r>
-            <a:r>
-              <a:rPr lang="en-US" sz="1200" b="0" i="1" kern="1200" dirty="0" err="1" smtClean="0">
-                <a:solidFill>
-                  <a:schemeClr val="tx1"/>
-                </a:solidFill>
-                <a:effectLst/>
-                <a:latin typeface="+mn-lt"/>
-                <a:ea typeface="+mn-ea"/>
-                <a:cs typeface="+mn-cs"/>
-              </a:rPr>
-              <a:t>componentDidMount</a:t>
-            </a:r>
-            <a:r>
-              <a:rPr lang="en-US" sz="1200" b="0" i="0" kern="1200" dirty="0" smtClean="0">
-                <a:solidFill>
-                  <a:schemeClr val="tx1"/>
-                </a:solidFill>
-                <a:effectLst/>
-                <a:latin typeface="+mn-lt"/>
-                <a:ea typeface="+mn-ea"/>
-                <a:cs typeface="+mn-cs"/>
-              </a:rPr>
-              <a:t>.</a:t>
-            </a:r>
-          </a:p>
-        </p:txBody>
-      </p:sp>
-      <p:sp>
-        <p:nvSpPr>
-          <p:cNvPr id="4" name="Slide Number Placeholder 3"/>
-          <p:cNvSpPr>
-            <a:spLocks noGrp="1"/>
-          </p:cNvSpPr>
-          <p:nvPr>
-            <p:ph type="sldNum" sz="quarter" idx="10"/>
-          </p:nvPr>
-        </p:nvSpPr>
-        <p:spPr/>
-        <p:txBody>
-          <a:bodyPr/>
-          <a:lstStyle/>
-          <a:p>
-            <a:fld id="{47CA5B65-C32E-4594-82B5-5B950CCEF23B}" type="slidenum">
-              <a:rPr lang="en-US" smtClean="0"/>
-              <a:t>37</a:t>
-            </a:fld>
-            <a:endParaRPr lang="en-US"/>
-          </a:p>
-        </p:txBody>
-      </p:sp>
-    </p:spTree>
-    <p:extLst>
-      <p:ext uri="{BB962C8B-B14F-4D97-AF65-F5344CB8AC3E}">
-        <p14:creationId xmlns:p14="http://schemas.microsoft.com/office/powerpoint/2010/main" val="3704078898"/>
-      </p:ext>
-    </p:extLst>
-  </p:cSld>
-  <p:clrMapOvr>
-    <a:masterClrMapping/>
-  </p:clrMapOvr>
-</p:notes>
-</file>
-
 <file path=ppt/notesSlides/notesSlide4.xml><?xml version="1.0" encoding="utf-8"?>
 <p:notes xmlns:a="http://schemas.openxmlformats.org/drawingml/2006/main" xmlns:r="http://schemas.openxmlformats.org/officeDocument/2006/relationships" xmlns:p="http://schemas.openxmlformats.org/presentationml/2006/main">
   <p:cSld>
@@ -8338,7 +7834,7 @@
             <a:fld id="{1D8BD707-D9CF-40AE-B4C6-C98DA3205C09}" type="datetimeFigureOut">
               <a:rPr lang="en-US" smtClean="0"/>
               <a:pPr/>
-              <a:t>12/22/2015</a:t>
+              <a:t>12/23/2015</a:t>
             </a:fld>
             <a:endParaRPr lang="en-US"/>
           </a:p>
@@ -8565,7 +8061,7 @@
             <a:fld id="{1D8BD707-D9CF-40AE-B4C6-C98DA3205C09}" type="datetimeFigureOut">
               <a:rPr lang="en-US" smtClean="0"/>
               <a:pPr/>
-              <a:t>12/22/2015</a:t>
+              <a:t>12/23/2015</a:t>
             </a:fld>
             <a:endParaRPr lang="en-US"/>
           </a:p>
@@ -8792,7 +8288,7 @@
             <a:fld id="{1D8BD707-D9CF-40AE-B4C6-C98DA3205C09}" type="datetimeFigureOut">
               <a:rPr lang="en-US" smtClean="0"/>
               <a:pPr/>
-              <a:t>12/22/2015</a:t>
+              <a:t>12/23/2015</a:t>
             </a:fld>
             <a:endParaRPr lang="en-US"/>
           </a:p>
@@ -8991,7 +8487,7 @@
             <a:fld id="{1D8BD707-D9CF-40AE-B4C6-C98DA3205C09}" type="datetimeFigureOut">
               <a:rPr lang="en-US" smtClean="0"/>
               <a:pPr/>
-              <a:t>12/22/2015</a:t>
+              <a:t>12/23/2015</a:t>
             </a:fld>
             <a:endParaRPr lang="en-US"/>
           </a:p>
@@ -9190,7 +8686,7 @@
             <a:fld id="{1D8BD707-D9CF-40AE-B4C6-C98DA3205C09}" type="datetimeFigureOut">
               <a:rPr lang="en-US" smtClean="0"/>
               <a:pPr/>
-              <a:t>12/22/2015</a:t>
+              <a:t>12/23/2015</a:t>
             </a:fld>
             <a:endParaRPr lang="en-US"/>
           </a:p>
@@ -9416,7 +8912,7 @@
             <a:fld id="{1D8BD707-D9CF-40AE-B4C6-C98DA3205C09}" type="datetimeFigureOut">
               <a:rPr lang="en-US" smtClean="0"/>
               <a:pPr/>
-              <a:t>12/22/2015</a:t>
+              <a:t>12/23/2015</a:t>
             </a:fld>
             <a:endParaRPr lang="en-US"/>
           </a:p>
@@ -9655,7 +9151,7 @@
             <a:fld id="{1D8BD707-D9CF-40AE-B4C6-C98DA3205C09}" type="datetimeFigureOut">
               <a:rPr lang="en-US" smtClean="0"/>
               <a:pPr/>
-              <a:t>12/22/2015</a:t>
+              <a:t>12/23/2015</a:t>
             </a:fld>
             <a:endParaRPr lang="en-US"/>
           </a:p>
@@ -9990,7 +9486,7 @@
             <a:fld id="{1D8BD707-D9CF-40AE-B4C6-C98DA3205C09}" type="datetimeFigureOut">
               <a:rPr lang="en-US" smtClean="0"/>
               <a:pPr/>
-              <a:t>12/22/2015</a:t>
+              <a:t>12/23/2015</a:t>
             </a:fld>
             <a:endParaRPr lang="en-US"/>
           </a:p>
@@ -10460,7 +9956,7 @@
             <a:fld id="{1D8BD707-D9CF-40AE-B4C6-C98DA3205C09}" type="datetimeFigureOut">
               <a:rPr lang="en-US" smtClean="0"/>
               <a:pPr/>
-              <a:t>12/22/2015</a:t>
+              <a:t>12/23/2015</a:t>
             </a:fld>
             <a:endParaRPr lang="en-US"/>
           </a:p>
@@ -10625,7 +10121,7 @@
             <a:fld id="{1D8BD707-D9CF-40AE-B4C6-C98DA3205C09}" type="datetimeFigureOut">
               <a:rPr lang="en-US" smtClean="0"/>
               <a:pPr/>
-              <a:t>12/22/2015</a:t>
+              <a:t>12/23/2015</a:t>
             </a:fld>
             <a:endParaRPr lang="en-US"/>
           </a:p>
@@ -10767,7 +10263,7 @@
             <a:fld id="{1D8BD707-D9CF-40AE-B4C6-C98DA3205C09}" type="datetimeFigureOut">
               <a:rPr lang="en-US" smtClean="0"/>
               <a:pPr/>
-              <a:t>12/22/2015</a:t>
+              <a:t>12/23/2015</a:t>
             </a:fld>
             <a:endParaRPr lang="en-US"/>
           </a:p>
@@ -11091,7 +10587,7 @@
             <a:fld id="{1D8BD707-D9CF-40AE-B4C6-C98DA3205C09}" type="datetimeFigureOut">
               <a:rPr lang="en-US" smtClean="0"/>
               <a:pPr/>
-              <a:t>12/22/2015</a:t>
+              <a:t>12/23/2015</a:t>
             </a:fld>
             <a:endParaRPr lang="en-US"/>
           </a:p>
@@ -11396,7 +10892,7 @@
             <a:fld id="{1D8BD707-D9CF-40AE-B4C6-C98DA3205C09}" type="datetimeFigureOut">
               <a:rPr lang="en-US" smtClean="0"/>
               <a:pPr/>
-              <a:t>12/22/2015</a:t>
+              <a:t>12/23/2015</a:t>
             </a:fld>
             <a:endParaRPr lang="en-US"/>
           </a:p>
@@ -11941,7 +11437,7 @@
             <a:fld id="{1D8BD707-D9CF-40AE-B4C6-C98DA3205C09}" type="datetimeFigureOut">
               <a:rPr lang="en-US" smtClean="0"/>
               <a:pPr/>
-              <a:t>12/22/2015</a:t>
+              <a:t>12/23/2015</a:t>
             </a:fld>
             <a:endParaRPr lang="en-US"/>
           </a:p>
@@ -25714,7 +25210,7 @@
           <a:p>
             <a:r>
               <a:rPr lang="en-US" dirty="0" smtClean="0"/>
-              <a:t>React with Flux</a:t>
+              <a:t>DEMO</a:t>
             </a:r>
             <a:endParaRPr lang="en-US" dirty="0"/>
           </a:p>
@@ -25902,121 +25398,37 @@
               </a:spcAft>
             </a:pPr>
             <a:r>
-              <a:rPr lang="en-US" sz="2400" dirty="0"/>
-              <a:t>Flux is the application </a:t>
-            </a:r>
-            <a:r>
               <a:rPr lang="en-US" sz="2400" dirty="0" smtClean="0"/>
-              <a:t>architecture</a:t>
-            </a:r>
-          </a:p>
-          <a:p>
-            <a:pPr lvl="1">
+              <a:t>Build </a:t>
+            </a:r>
+            <a:r>
+              <a:rPr lang="en-US" sz="2400" dirty="0" err="1" smtClean="0"/>
+              <a:t>Todo</a:t>
+            </a:r>
+            <a:r>
+              <a:rPr lang="en-US" sz="2400" dirty="0" smtClean="0"/>
+              <a:t> </a:t>
+            </a:r>
+            <a:r>
+              <a:rPr lang="en-US" sz="2400" dirty="0" smtClean="0"/>
+              <a:t>List</a:t>
+            </a:r>
+            <a:endParaRPr lang="en-US" sz="2000" dirty="0" smtClean="0"/>
+          </a:p>
+          <a:p>
+            <a:pPr lvl="2">
               <a:spcAft>
                 <a:spcPts val="600"/>
               </a:spcAft>
             </a:pPr>
-            <a:r>
-              <a:rPr lang="en-US" sz="2400" dirty="0" smtClean="0"/>
-              <a:t>Unidirectional </a:t>
-            </a:r>
-            <a:r>
-              <a:rPr lang="en-US" sz="2400" dirty="0"/>
-              <a:t>data </a:t>
-            </a:r>
-            <a:r>
-              <a:rPr lang="en-US" sz="2400" dirty="0" smtClean="0"/>
-              <a:t>flow</a:t>
-            </a:r>
-          </a:p>
-          <a:p>
-            <a:pPr lvl="1">
-              <a:spcAft>
-                <a:spcPts val="600"/>
-              </a:spcAft>
-            </a:pPr>
-            <a:r>
-              <a:rPr lang="en-US" sz="2400" dirty="0" smtClean="0"/>
-              <a:t>Is a </a:t>
-            </a:r>
-            <a:r>
-              <a:rPr lang="en-US" sz="2400" dirty="0"/>
-              <a:t>pattern and not a technology or framework.</a:t>
-            </a:r>
-            <a:endParaRPr lang="en-US" sz="2400" dirty="0" smtClean="0"/>
-          </a:p>
-          <a:p>
-            <a:pPr lvl="1">
-              <a:spcAft>
-                <a:spcPts val="600"/>
-              </a:spcAft>
-            </a:pPr>
-            <a:r>
-              <a:rPr lang="en-US" sz="2400" dirty="0" smtClean="0"/>
-              <a:t>Some major </a:t>
-            </a:r>
-            <a:r>
-              <a:rPr lang="en-US" sz="2400" dirty="0"/>
-              <a:t>parts: </a:t>
-            </a:r>
-            <a:endParaRPr lang="en-US" sz="2400" dirty="0" smtClean="0"/>
-          </a:p>
-          <a:p>
-            <a:pPr lvl="2">
-              <a:spcAft>
-                <a:spcPts val="600"/>
-              </a:spcAft>
-            </a:pPr>
-            <a:r>
-              <a:rPr lang="en-US" sz="2000" dirty="0" smtClean="0"/>
-              <a:t>Dispatcher</a:t>
-            </a:r>
             <a:endParaRPr lang="en-US" sz="2000" dirty="0"/>
-          </a:p>
-          <a:p>
-            <a:pPr lvl="2">
-              <a:spcAft>
-                <a:spcPts val="600"/>
-              </a:spcAft>
-            </a:pPr>
-            <a:r>
-              <a:rPr lang="en-US" sz="2000" dirty="0" smtClean="0"/>
-              <a:t>Stores</a:t>
-            </a:r>
-          </a:p>
-          <a:p>
-            <a:pPr lvl="2">
-              <a:spcAft>
-                <a:spcPts val="600"/>
-              </a:spcAft>
-            </a:pPr>
-            <a:r>
-              <a:rPr lang="en-US" sz="2000" dirty="0" smtClean="0"/>
-              <a:t>Views (React Components)</a:t>
-            </a:r>
-          </a:p>
-          <a:p>
-            <a:pPr lvl="2">
-              <a:spcAft>
-                <a:spcPts val="600"/>
-              </a:spcAft>
-            </a:pPr>
-            <a:r>
-              <a:rPr lang="en-US" sz="2000" dirty="0" smtClean="0">
-                <a:sym typeface="Wingdings" panose="05000000000000000000" pitchFamily="2" charset="2"/>
-              </a:rPr>
-              <a:t>Action</a:t>
-            </a:r>
-            <a:endParaRPr lang="en-US" sz="2000" dirty="0">
-              <a:sym typeface="Wingdings" panose="05000000000000000000" pitchFamily="2" charset="2"/>
-            </a:endParaRPr>
           </a:p>
         </p:txBody>
       </p:sp>
     </p:spTree>
     <p:extLst>
       <p:ext uri="{BB962C8B-B14F-4D97-AF65-F5344CB8AC3E}">
-        <p14:creationId xmlns:p14="http://schemas.microsoft.com/office/powerpoint/2010/main" val="3429227231"/>
+        <p14:creationId xmlns:p14="http://schemas.microsoft.com/office/powerpoint/2010/main" val="3444772947"/>
       </p:ext>
     </p:extLst>
   </p:cSld>
@@ -26067,7 +25479,7 @@
           <a:p>
             <a:r>
               <a:rPr lang="en-US" dirty="0" smtClean="0"/>
-              <a:t>React with Flux</a:t>
+              <a:t>Questions &amp; answers</a:t>
             </a:r>
             <a:endParaRPr lang="en-US" dirty="0"/>
           </a:p>
@@ -26249,1800 +25661,60 @@
             </a:lvl9pPr>
           </a:lstStyle>
           <a:p>
-            <a:pPr lvl="1">
+            <a:pPr lvl="2">
               <a:spcAft>
                 <a:spcPts val="600"/>
               </a:spcAft>
             </a:pPr>
-            <a:r>
-              <a:rPr lang="en-US" sz="2400" b="1" dirty="0" smtClean="0"/>
-              <a:t>Dispatcher: </a:t>
-            </a:r>
-            <a:endParaRPr lang="en-US" sz="2400" dirty="0"/>
-          </a:p>
-          <a:p>
-            <a:pPr lvl="2">
-              <a:spcAft>
-                <a:spcPts val="600"/>
-              </a:spcAft>
-            </a:pPr>
-            <a:r>
-              <a:rPr lang="en-US" sz="1600" dirty="0" smtClean="0">
-                <a:sym typeface="Wingdings" panose="05000000000000000000" pitchFamily="2" charset="2"/>
-              </a:rPr>
-              <a:t>The central hub that manage all flow in application</a:t>
-            </a:r>
-          </a:p>
-          <a:p>
-            <a:pPr lvl="2">
-              <a:spcAft>
-                <a:spcPts val="600"/>
-              </a:spcAft>
-            </a:pPr>
-            <a:r>
-              <a:rPr lang="en-US" sz="1600" dirty="0" smtClean="0"/>
-              <a:t>Receives </a:t>
-            </a:r>
-            <a:r>
-              <a:rPr lang="en-US" sz="1600" dirty="0"/>
-              <a:t>new data and passes it to the </a:t>
-            </a:r>
-            <a:r>
-              <a:rPr lang="en-US" sz="1600" b="1" dirty="0" smtClean="0"/>
-              <a:t>Stores</a:t>
-            </a:r>
-          </a:p>
-          <a:p>
-            <a:pPr lvl="1">
-              <a:spcAft>
-                <a:spcPts val="600"/>
-              </a:spcAft>
-            </a:pPr>
-            <a:r>
-              <a:rPr lang="en-US" sz="2000" b="1" dirty="0" smtClean="0"/>
-              <a:t>Stores: </a:t>
-            </a:r>
-          </a:p>
-          <a:p>
-            <a:pPr lvl="2">
-              <a:spcAft>
-                <a:spcPts val="600"/>
-              </a:spcAft>
-            </a:pPr>
-            <a:r>
-              <a:rPr lang="en-US" sz="1600" dirty="0" smtClean="0"/>
-              <a:t>Contain </a:t>
-            </a:r>
-            <a:r>
-              <a:rPr lang="en-US" sz="1600" dirty="0"/>
-              <a:t>the application </a:t>
-            </a:r>
-            <a:r>
-              <a:rPr lang="en-US" sz="1600" dirty="0" smtClean="0"/>
-              <a:t>data</a:t>
-            </a:r>
-          </a:p>
-          <a:p>
-            <a:pPr lvl="2">
-              <a:spcAft>
-                <a:spcPts val="600"/>
-              </a:spcAft>
-            </a:pPr>
-            <a:r>
-              <a:rPr lang="en-US" sz="1600" dirty="0"/>
-              <a:t>When a Store changes its data, it notifies the </a:t>
-            </a:r>
-            <a:r>
-              <a:rPr lang="en-US" sz="1600" b="1" dirty="0"/>
-              <a:t>Views</a:t>
-            </a:r>
-            <a:r>
-              <a:rPr lang="en-US" sz="1600" dirty="0" smtClean="0"/>
-              <a:t>.</a:t>
-            </a:r>
-          </a:p>
-          <a:p>
-            <a:pPr lvl="1">
-              <a:spcAft>
-                <a:spcPts val="600"/>
-              </a:spcAft>
-            </a:pPr>
-            <a:r>
-              <a:rPr lang="en-US" sz="2000" b="1" dirty="0" smtClean="0"/>
-              <a:t>Views</a:t>
-            </a:r>
-          </a:p>
-          <a:p>
-            <a:pPr lvl="2">
-              <a:spcAft>
-                <a:spcPts val="600"/>
-              </a:spcAft>
-            </a:pPr>
-            <a:r>
-              <a:rPr lang="en-US" sz="1600" dirty="0"/>
-              <a:t>A</a:t>
-            </a:r>
-            <a:r>
-              <a:rPr lang="en-US" sz="1600" dirty="0" smtClean="0"/>
-              <a:t>re React component</a:t>
-            </a:r>
-          </a:p>
-          <a:p>
-            <a:pPr lvl="2">
-              <a:spcAft>
-                <a:spcPts val="600"/>
-              </a:spcAft>
-            </a:pPr>
-            <a:r>
-              <a:rPr lang="en-US" sz="1600" dirty="0"/>
-              <a:t>R</a:t>
-            </a:r>
-            <a:r>
-              <a:rPr lang="en-US" sz="1600" dirty="0" smtClean="0"/>
-              <a:t>endering </a:t>
-            </a:r>
-            <a:r>
-              <a:rPr lang="en-US" sz="1600" dirty="0"/>
-              <a:t>interfaces and handling user </a:t>
-            </a:r>
-            <a:r>
-              <a:rPr lang="en-US" sz="1600" dirty="0" smtClean="0"/>
-              <a:t>events</a:t>
-            </a:r>
-          </a:p>
-          <a:p>
-            <a:pPr lvl="2">
-              <a:spcAft>
-                <a:spcPts val="600"/>
-              </a:spcAft>
-            </a:pPr>
-            <a:r>
-              <a:rPr lang="en-US" sz="1600" dirty="0"/>
-              <a:t>Their data is obtained from the </a:t>
-            </a:r>
-            <a:r>
-              <a:rPr lang="en-US" sz="1600" b="1" dirty="0"/>
-              <a:t>Stores</a:t>
-            </a:r>
-            <a:endParaRPr lang="en-US" sz="1600" b="1" dirty="0" smtClean="0"/>
-          </a:p>
-          <a:p>
-            <a:pPr lvl="1">
-              <a:spcAft>
-                <a:spcPts val="600"/>
-              </a:spcAft>
-            </a:pPr>
-            <a:endParaRPr lang="en-US" sz="2000" b="1" dirty="0">
-              <a:sym typeface="Wingdings" panose="05000000000000000000" pitchFamily="2" charset="2"/>
-            </a:endParaRPr>
+            <a:endParaRPr lang="en-US" sz="2000" dirty="0"/>
           </a:p>
         </p:txBody>
       </p:sp>
-    </p:spTree>
-    <p:extLst>
-      <p:ext uri="{BB962C8B-B14F-4D97-AF65-F5344CB8AC3E}">
-        <p14:creationId xmlns:p14="http://schemas.microsoft.com/office/powerpoint/2010/main" val="780827556"/>
-      </p:ext>
-    </p:extLst>
-  </p:cSld>
-  <p:clrMapOvr>
-    <a:masterClrMapping/>
-  </p:clrMapOvr>
-  <p:timing>
-    <p:tnLst>
-      <p:par>
-        <p:cTn id="1" dur="indefinite" restart="never" nodeType="tmRoot"/>
-      </p:par>
-    </p:tnLst>
-  </p:timing>
-</p:sld>
-</file>
-
-<file path=ppt/slides/slide35.xml><?xml version="1.0" encoding="utf-8"?>
-<p:sld xmlns:a="http://schemas.openxmlformats.org/drawingml/2006/main" xmlns:r="http://schemas.openxmlformats.org/officeDocument/2006/relationships" xmlns:p="http://schemas.openxmlformats.org/presentationml/2006/main">
-  <p:cSld>
-    <p:spTree>
-      <p:nvGrpSpPr>
-        <p:cNvPr id="1" name=""/>
-        <p:cNvGrpSpPr/>
-        <p:nvPr/>
-      </p:nvGrpSpPr>
-      <p:grpSpPr>
-        <a:xfrm>
-          <a:off x="0" y="0"/>
-          <a:ext cx="0" cy="0"/>
-          <a:chOff x="0" y="0"/>
-          <a:chExt cx="0" cy="0"/>
-        </a:xfrm>
-      </p:grpSpPr>
-      <p:sp>
-        <p:nvSpPr>
-          <p:cNvPr id="2" name="Title 1"/>
-          <p:cNvSpPr>
-            <a:spLocks noGrp="1"/>
-          </p:cNvSpPr>
-          <p:nvPr>
-            <p:ph type="title"/>
-          </p:nvPr>
-        </p:nvSpPr>
-        <p:spPr/>
-        <p:txBody>
-          <a:bodyPr/>
-          <a:lstStyle/>
-          <a:p>
-            <a:r>
-              <a:rPr lang="en-US" dirty="0" smtClean="0"/>
-              <a:t>React with Flux</a:t>
-            </a:r>
-            <a:endParaRPr lang="en-US" dirty="0"/>
-          </a:p>
-        </p:txBody>
-      </p:sp>
-      <p:sp>
-        <p:nvSpPr>
-          <p:cNvPr id="3" name="Rectangle 5"/>
-          <p:cNvSpPr txBox="1">
-            <a:spLocks noChangeArrowheads="1"/>
-          </p:cNvSpPr>
+      <p:pic>
+        <p:nvPicPr>
+          <p:cNvPr id="1028" name="Picture 4" descr="C:\Users\Tien.NguyenMinh\Desktop\download (3).jpg"/>
+          <p:cNvPicPr>
+            <a:picLocks noChangeAspect="1" noChangeArrowheads="1"/>
+          </p:cNvPicPr>
           <p:nvPr/>
-        </p:nvSpPr>
-        <p:spPr>
+        </p:nvPicPr>
+        <p:blipFill>
+          <a:blip r:embed="rId3">
+            <a:extLst>
+              <a:ext uri="{28A0092B-C50C-407E-A947-70E740481C1C}">
+                <a14:useLocalDpi xmlns:a14="http://schemas.microsoft.com/office/drawing/2010/main" val="0"/>
+              </a:ext>
+            </a:extLst>
+          </a:blip>
+          <a:srcRect/>
+          <a:stretch>
+            <a:fillRect/>
+          </a:stretch>
+        </p:blipFill>
+        <p:spPr bwMode="auto">
           <a:xfrm>
-            <a:off x="457993" y="1600200"/>
-            <a:ext cx="8075613" cy="4525963"/>
+            <a:off x="2271713" y="2418112"/>
+            <a:ext cx="3290887" cy="2230088"/>
           </a:xfrm>
           <a:prstGeom prst="rect">
             <a:avLst/>
           </a:prstGeom>
           <a:noFill/>
-          <a:ln/>
+          <a:extLst>
+            <a:ext uri="{909E8E84-426E-40DD-AFC4-6F175D3DCCD1}">
+              <a14:hiddenFill xmlns:a14="http://schemas.microsoft.com/office/drawing/2010/main">
+                <a:solidFill>
+                  <a:srgbClr val="FFFFFF"/>
+                </a:solidFill>
+              </a14:hiddenFill>
+            </a:ext>
+          </a:extLst>
         </p:spPr>
-        <p:txBody>
-          <a:bodyPr/>
-          <a:lstStyle>
-            <a:lvl1pPr marL="342900" indent="-342900" algn="l" rtl="0" eaLnBrk="1" fontAlgn="base" hangingPunct="1">
-              <a:spcBef>
-                <a:spcPct val="20000"/>
-              </a:spcBef>
-              <a:spcAft>
-                <a:spcPct val="0"/>
-              </a:spcAft>
-              <a:buClr>
-                <a:schemeClr val="hlink"/>
-              </a:buClr>
-              <a:buFont typeface="Wingdings" pitchFamily="2" charset="2"/>
-              <a:buChar char="v"/>
-              <a:defRPr sz="2800" b="1">
-                <a:solidFill>
-                  <a:schemeClr val="tx1"/>
-                </a:solidFill>
-                <a:latin typeface="Tahoma" pitchFamily="34" charset="0"/>
-                <a:ea typeface="+mn-ea"/>
-                <a:cs typeface="Tahoma" pitchFamily="34" charset="0"/>
-              </a:defRPr>
-            </a:lvl1pPr>
-            <a:lvl2pPr marL="742950" indent="-285750" algn="l" rtl="0" eaLnBrk="1" fontAlgn="base" hangingPunct="1">
-              <a:spcBef>
-                <a:spcPct val="20000"/>
-              </a:spcBef>
-              <a:spcAft>
-                <a:spcPct val="0"/>
-              </a:spcAft>
-              <a:buClr>
-                <a:schemeClr val="accent1"/>
-              </a:buClr>
-              <a:buFont typeface="Wingdings" pitchFamily="2" charset="2"/>
-              <a:buChar char="§"/>
-              <a:defRPr sz="2800">
-                <a:solidFill>
-                  <a:schemeClr val="tx1"/>
-                </a:solidFill>
-                <a:latin typeface="Tahoma" pitchFamily="34" charset="0"/>
-                <a:cs typeface="Tahoma" pitchFamily="34" charset="0"/>
-              </a:defRPr>
-            </a:lvl2pPr>
-            <a:lvl3pPr marL="1143000" indent="-228600" algn="l" rtl="0" eaLnBrk="1" fontAlgn="base" hangingPunct="1">
-              <a:spcBef>
-                <a:spcPct val="20000"/>
-              </a:spcBef>
-              <a:spcAft>
-                <a:spcPct val="0"/>
-              </a:spcAft>
-              <a:buClr>
-                <a:schemeClr val="tx1"/>
-              </a:buClr>
-              <a:buChar char="•"/>
-              <a:defRPr sz="2400">
-                <a:solidFill>
-                  <a:schemeClr val="tx1"/>
-                </a:solidFill>
-                <a:latin typeface="Tahoma" pitchFamily="34" charset="0"/>
-                <a:cs typeface="Tahoma" pitchFamily="34" charset="0"/>
-              </a:defRPr>
-            </a:lvl3pPr>
-            <a:lvl4pPr marL="1600200" indent="-228600" algn="l" rtl="0" eaLnBrk="1" fontAlgn="base" hangingPunct="1">
-              <a:spcBef>
-                <a:spcPct val="20000"/>
-              </a:spcBef>
-              <a:spcAft>
-                <a:spcPct val="0"/>
-              </a:spcAft>
-              <a:buChar char="–"/>
-              <a:defRPr sz="2000">
-                <a:solidFill>
-                  <a:schemeClr val="tx1"/>
-                </a:solidFill>
-                <a:latin typeface="Tahoma" pitchFamily="34" charset="0"/>
-                <a:cs typeface="Tahoma" pitchFamily="34" charset="0"/>
-              </a:defRPr>
-            </a:lvl4pPr>
-            <a:lvl5pPr marL="2057400" indent="-228600" algn="l" rtl="0" eaLnBrk="1" fontAlgn="base" hangingPunct="1">
-              <a:spcBef>
-                <a:spcPct val="20000"/>
-              </a:spcBef>
-              <a:spcAft>
-                <a:spcPct val="0"/>
-              </a:spcAft>
-              <a:buChar char="»"/>
-              <a:defRPr sz="2000">
-                <a:solidFill>
-                  <a:schemeClr val="tx1"/>
-                </a:solidFill>
-                <a:latin typeface="Tahoma" pitchFamily="34" charset="0"/>
-                <a:cs typeface="Tahoma" pitchFamily="34" charset="0"/>
-              </a:defRPr>
-            </a:lvl5pPr>
-            <a:lvl6pPr marL="2514600" indent="-228600" algn="l" rtl="0" eaLnBrk="1" fontAlgn="base" hangingPunct="1">
-              <a:spcBef>
-                <a:spcPct val="20000"/>
-              </a:spcBef>
-              <a:spcAft>
-                <a:spcPct val="0"/>
-              </a:spcAft>
-              <a:buChar char="»"/>
-              <a:defRPr sz="2000">
-                <a:solidFill>
-                  <a:schemeClr val="tx1"/>
-                </a:solidFill>
-                <a:latin typeface="Arial" charset="0"/>
-              </a:defRPr>
-            </a:lvl6pPr>
-            <a:lvl7pPr marL="2971800" indent="-228600" algn="l" rtl="0" eaLnBrk="1" fontAlgn="base" hangingPunct="1">
-              <a:spcBef>
-                <a:spcPct val="20000"/>
-              </a:spcBef>
-              <a:spcAft>
-                <a:spcPct val="0"/>
-              </a:spcAft>
-              <a:buChar char="»"/>
-              <a:defRPr sz="2000">
-                <a:solidFill>
-                  <a:schemeClr val="tx1"/>
-                </a:solidFill>
-                <a:latin typeface="Arial" charset="0"/>
-              </a:defRPr>
-            </a:lvl7pPr>
-            <a:lvl8pPr marL="3429000" indent="-228600" algn="l" rtl="0" eaLnBrk="1" fontAlgn="base" hangingPunct="1">
-              <a:spcBef>
-                <a:spcPct val="20000"/>
-              </a:spcBef>
-              <a:spcAft>
-                <a:spcPct val="0"/>
-              </a:spcAft>
-              <a:buChar char="»"/>
-              <a:defRPr sz="2000">
-                <a:solidFill>
-                  <a:schemeClr val="tx1"/>
-                </a:solidFill>
-                <a:latin typeface="Arial" charset="0"/>
-              </a:defRPr>
-            </a:lvl8pPr>
-            <a:lvl9pPr marL="3886200" indent="-228600" algn="l" rtl="0" eaLnBrk="1" fontAlgn="base" hangingPunct="1">
-              <a:spcBef>
-                <a:spcPct val="20000"/>
-              </a:spcBef>
-              <a:spcAft>
-                <a:spcPct val="0"/>
-              </a:spcAft>
-              <a:buChar char="»"/>
-              <a:defRPr sz="2000">
-                <a:solidFill>
-                  <a:schemeClr val="tx1"/>
-                </a:solidFill>
-                <a:latin typeface="Arial" charset="0"/>
-              </a:defRPr>
-            </a:lvl9pPr>
-          </a:lstStyle>
-          <a:p>
-            <a:pPr lvl="1">
-              <a:spcAft>
-                <a:spcPts val="600"/>
-              </a:spcAft>
-            </a:pPr>
-            <a:r>
-              <a:rPr lang="en-US" sz="2400" dirty="0" smtClean="0"/>
-              <a:t>Action:</a:t>
-            </a:r>
-          </a:p>
-          <a:p>
-            <a:pPr lvl="2">
-              <a:spcAft>
-                <a:spcPts val="600"/>
-              </a:spcAft>
-            </a:pPr>
-            <a:r>
-              <a:rPr lang="en-US" sz="1600" dirty="0"/>
-              <a:t>The dispatcher exposes a method </a:t>
-            </a:r>
-            <a:r>
-              <a:rPr lang="en-US" sz="1600" dirty="0" smtClean="0"/>
-              <a:t>to </a:t>
-            </a:r>
-            <a:r>
-              <a:rPr lang="en-US" sz="1600" dirty="0"/>
-              <a:t>trigger a dispatch to the </a:t>
-            </a:r>
-            <a:r>
-              <a:rPr lang="en-US" sz="1600" dirty="0" smtClean="0"/>
-              <a:t>stores</a:t>
-            </a:r>
-          </a:p>
-          <a:p>
-            <a:pPr lvl="2">
-              <a:spcAft>
-                <a:spcPts val="600"/>
-              </a:spcAft>
-            </a:pPr>
-            <a:r>
-              <a:rPr lang="en-US" sz="1600" dirty="0" smtClean="0"/>
-              <a:t>Contain Action Type and data</a:t>
-            </a:r>
-          </a:p>
-          <a:p>
-            <a:pPr lvl="1">
-              <a:spcAft>
-                <a:spcPts val="600"/>
-              </a:spcAft>
-            </a:pPr>
-            <a:endParaRPr lang="en-US" sz="2000" dirty="0" smtClean="0"/>
-          </a:p>
-          <a:p>
-            <a:pPr lvl="1">
-              <a:spcAft>
-                <a:spcPts val="600"/>
-              </a:spcAft>
-            </a:pPr>
-            <a:endParaRPr lang="en-US" sz="1600" dirty="0" smtClean="0"/>
-          </a:p>
-          <a:p>
-            <a:pPr lvl="1">
-              <a:spcAft>
-                <a:spcPts val="600"/>
-              </a:spcAft>
-            </a:pPr>
-            <a:endParaRPr lang="en-US" sz="2000" b="1" dirty="0">
-              <a:sym typeface="Wingdings" panose="05000000000000000000" pitchFamily="2" charset="2"/>
-            </a:endParaRPr>
-          </a:p>
-        </p:txBody>
-      </p:sp>
+      </p:pic>
     </p:spTree>
     <p:extLst>
       <p:ext uri="{BB962C8B-B14F-4D97-AF65-F5344CB8AC3E}">
-        <p14:creationId xmlns:p14="http://schemas.microsoft.com/office/powerpoint/2010/main" val="1432082530"/>
-      </p:ext>
-    </p:extLst>
-  </p:cSld>
-  <p:clrMapOvr>
-    <a:masterClrMapping/>
-  </p:clrMapOvr>
-  <p:timing>
-    <p:tnLst>
-      <p:par>
-        <p:cTn id="1" dur="indefinite" restart="never" nodeType="tmRoot"/>
-      </p:par>
-    </p:tnLst>
-  </p:timing>
-</p:sld>
-</file>
-
-<file path=ppt/slides/slide36.xml><?xml version="1.0" encoding="utf-8"?>
-<p:sld xmlns:a="http://schemas.openxmlformats.org/drawingml/2006/main" xmlns:r="http://schemas.openxmlformats.org/officeDocument/2006/relationships" xmlns:p="http://schemas.openxmlformats.org/presentationml/2006/main">
-  <p:cSld>
-    <p:spTree>
-      <p:nvGrpSpPr>
-        <p:cNvPr id="1" name=""/>
-        <p:cNvGrpSpPr/>
-        <p:nvPr/>
-      </p:nvGrpSpPr>
-      <p:grpSpPr>
-        <a:xfrm>
-          <a:off x="0" y="0"/>
-          <a:ext cx="0" cy="0"/>
-          <a:chOff x="0" y="0"/>
-          <a:chExt cx="0" cy="0"/>
-        </a:xfrm>
-      </p:grpSpPr>
-      <p:sp>
-        <p:nvSpPr>
-          <p:cNvPr id="2" name="Title 1"/>
-          <p:cNvSpPr>
-            <a:spLocks noGrp="1"/>
-          </p:cNvSpPr>
-          <p:nvPr>
-            <p:ph type="title"/>
-          </p:nvPr>
-        </p:nvSpPr>
-        <p:spPr/>
-        <p:txBody>
-          <a:bodyPr/>
-          <a:lstStyle/>
-          <a:p>
-            <a:r>
-              <a:rPr lang="en-US" dirty="0" smtClean="0"/>
-              <a:t>React with Flux</a:t>
-            </a:r>
-            <a:endParaRPr lang="en-US" dirty="0"/>
-          </a:p>
-        </p:txBody>
-      </p:sp>
-      <p:sp>
-        <p:nvSpPr>
-          <p:cNvPr id="3" name="Rectangle 5"/>
-          <p:cNvSpPr txBox="1">
-            <a:spLocks noChangeArrowheads="1"/>
-          </p:cNvSpPr>
-          <p:nvPr/>
-        </p:nvSpPr>
-        <p:spPr>
-          <a:xfrm>
-            <a:off x="457992" y="1600200"/>
-            <a:ext cx="8075613" cy="4525963"/>
-          </a:xfrm>
-          <a:prstGeom prst="rect">
-            <a:avLst/>
-          </a:prstGeom>
-          <a:noFill/>
-          <a:ln/>
-        </p:spPr>
-        <p:txBody>
-          <a:bodyPr/>
-          <a:lstStyle>
-            <a:lvl1pPr marL="342900" indent="-342900" algn="l" rtl="0" eaLnBrk="1" fontAlgn="base" hangingPunct="1">
-              <a:spcBef>
-                <a:spcPct val="20000"/>
-              </a:spcBef>
-              <a:spcAft>
-                <a:spcPct val="0"/>
-              </a:spcAft>
-              <a:buClr>
-                <a:schemeClr val="hlink"/>
-              </a:buClr>
-              <a:buFont typeface="Wingdings" pitchFamily="2" charset="2"/>
-              <a:buChar char="v"/>
-              <a:defRPr sz="2800" b="1">
-                <a:solidFill>
-                  <a:schemeClr val="tx1"/>
-                </a:solidFill>
-                <a:latin typeface="Tahoma" pitchFamily="34" charset="0"/>
-                <a:ea typeface="+mn-ea"/>
-                <a:cs typeface="Tahoma" pitchFamily="34" charset="0"/>
-              </a:defRPr>
-            </a:lvl1pPr>
-            <a:lvl2pPr marL="742950" indent="-285750" algn="l" rtl="0" eaLnBrk="1" fontAlgn="base" hangingPunct="1">
-              <a:spcBef>
-                <a:spcPct val="20000"/>
-              </a:spcBef>
-              <a:spcAft>
-                <a:spcPct val="0"/>
-              </a:spcAft>
-              <a:buClr>
-                <a:schemeClr val="accent1"/>
-              </a:buClr>
-              <a:buFont typeface="Wingdings" pitchFamily="2" charset="2"/>
-              <a:buChar char="§"/>
-              <a:defRPr sz="2800">
-                <a:solidFill>
-                  <a:schemeClr val="tx1"/>
-                </a:solidFill>
-                <a:latin typeface="Tahoma" pitchFamily="34" charset="0"/>
-                <a:cs typeface="Tahoma" pitchFamily="34" charset="0"/>
-              </a:defRPr>
-            </a:lvl2pPr>
-            <a:lvl3pPr marL="1143000" indent="-228600" algn="l" rtl="0" eaLnBrk="1" fontAlgn="base" hangingPunct="1">
-              <a:spcBef>
-                <a:spcPct val="20000"/>
-              </a:spcBef>
-              <a:spcAft>
-                <a:spcPct val="0"/>
-              </a:spcAft>
-              <a:buClr>
-                <a:schemeClr val="tx1"/>
-              </a:buClr>
-              <a:buChar char="•"/>
-              <a:defRPr sz="2400">
-                <a:solidFill>
-                  <a:schemeClr val="tx1"/>
-                </a:solidFill>
-                <a:latin typeface="Tahoma" pitchFamily="34" charset="0"/>
-                <a:cs typeface="Tahoma" pitchFamily="34" charset="0"/>
-              </a:defRPr>
-            </a:lvl3pPr>
-            <a:lvl4pPr marL="1600200" indent="-228600" algn="l" rtl="0" eaLnBrk="1" fontAlgn="base" hangingPunct="1">
-              <a:spcBef>
-                <a:spcPct val="20000"/>
-              </a:spcBef>
-              <a:spcAft>
-                <a:spcPct val="0"/>
-              </a:spcAft>
-              <a:buChar char="–"/>
-              <a:defRPr sz="2000">
-                <a:solidFill>
-                  <a:schemeClr val="tx1"/>
-                </a:solidFill>
-                <a:latin typeface="Tahoma" pitchFamily="34" charset="0"/>
-                <a:cs typeface="Tahoma" pitchFamily="34" charset="0"/>
-              </a:defRPr>
-            </a:lvl4pPr>
-            <a:lvl5pPr marL="2057400" indent="-228600" algn="l" rtl="0" eaLnBrk="1" fontAlgn="base" hangingPunct="1">
-              <a:spcBef>
-                <a:spcPct val="20000"/>
-              </a:spcBef>
-              <a:spcAft>
-                <a:spcPct val="0"/>
-              </a:spcAft>
-              <a:buChar char="»"/>
-              <a:defRPr sz="2000">
-                <a:solidFill>
-                  <a:schemeClr val="tx1"/>
-                </a:solidFill>
-                <a:latin typeface="Tahoma" pitchFamily="34" charset="0"/>
-                <a:cs typeface="Tahoma" pitchFamily="34" charset="0"/>
-              </a:defRPr>
-            </a:lvl5pPr>
-            <a:lvl6pPr marL="2514600" indent="-228600" algn="l" rtl="0" eaLnBrk="1" fontAlgn="base" hangingPunct="1">
-              <a:spcBef>
-                <a:spcPct val="20000"/>
-              </a:spcBef>
-              <a:spcAft>
-                <a:spcPct val="0"/>
-              </a:spcAft>
-              <a:buChar char="»"/>
-              <a:defRPr sz="2000">
-                <a:solidFill>
-                  <a:schemeClr val="tx1"/>
-                </a:solidFill>
-                <a:latin typeface="Arial" charset="0"/>
-              </a:defRPr>
-            </a:lvl6pPr>
-            <a:lvl7pPr marL="2971800" indent="-228600" algn="l" rtl="0" eaLnBrk="1" fontAlgn="base" hangingPunct="1">
-              <a:spcBef>
-                <a:spcPct val="20000"/>
-              </a:spcBef>
-              <a:spcAft>
-                <a:spcPct val="0"/>
-              </a:spcAft>
-              <a:buChar char="»"/>
-              <a:defRPr sz="2000">
-                <a:solidFill>
-                  <a:schemeClr val="tx1"/>
-                </a:solidFill>
-                <a:latin typeface="Arial" charset="0"/>
-              </a:defRPr>
-            </a:lvl7pPr>
-            <a:lvl8pPr marL="3429000" indent="-228600" algn="l" rtl="0" eaLnBrk="1" fontAlgn="base" hangingPunct="1">
-              <a:spcBef>
-                <a:spcPct val="20000"/>
-              </a:spcBef>
-              <a:spcAft>
-                <a:spcPct val="0"/>
-              </a:spcAft>
-              <a:buChar char="»"/>
-              <a:defRPr sz="2000">
-                <a:solidFill>
-                  <a:schemeClr val="tx1"/>
-                </a:solidFill>
-                <a:latin typeface="Arial" charset="0"/>
-              </a:defRPr>
-            </a:lvl8pPr>
-            <a:lvl9pPr marL="3886200" indent="-228600" algn="l" rtl="0" eaLnBrk="1" fontAlgn="base" hangingPunct="1">
-              <a:spcBef>
-                <a:spcPct val="20000"/>
-              </a:spcBef>
-              <a:spcAft>
-                <a:spcPct val="0"/>
-              </a:spcAft>
-              <a:buChar char="»"/>
-              <a:defRPr sz="2000">
-                <a:solidFill>
-                  <a:schemeClr val="tx1"/>
-                </a:solidFill>
-                <a:latin typeface="Arial" charset="0"/>
-              </a:defRPr>
-            </a:lvl9pPr>
-          </a:lstStyle>
-          <a:p>
-            <a:pPr lvl="1">
-              <a:spcAft>
-                <a:spcPts val="600"/>
-              </a:spcAft>
-            </a:pPr>
-            <a:endParaRPr lang="en-US" sz="2000" dirty="0">
-              <a:sym typeface="Wingdings" panose="05000000000000000000" pitchFamily="2" charset="2"/>
-            </a:endParaRPr>
-          </a:p>
-        </p:txBody>
-      </p:sp>
-      <p:sp>
-        <p:nvSpPr>
-          <p:cNvPr id="10" name="Rectangle 9"/>
-          <p:cNvSpPr/>
-          <p:nvPr/>
-        </p:nvSpPr>
-        <p:spPr>
-          <a:xfrm>
-            <a:off x="1371600" y="3733800"/>
-            <a:ext cx="1981200" cy="514350"/>
-          </a:xfrm>
-          <a:prstGeom prst="rect">
-            <a:avLst/>
-          </a:prstGeom>
-          <a:solidFill>
-            <a:schemeClr val="accent2"/>
-          </a:solidFill>
-          <a:ln>
-            <a:solidFill>
-              <a:schemeClr val="accent3"/>
-            </a:solidFill>
-          </a:ln>
-        </p:spPr>
-        <p:style>
-          <a:lnRef idx="1">
-            <a:schemeClr val="accent4"/>
-          </a:lnRef>
-          <a:fillRef idx="2">
-            <a:schemeClr val="accent4"/>
-          </a:fillRef>
-          <a:effectRef idx="1">
-            <a:schemeClr val="accent4"/>
-          </a:effectRef>
-          <a:fontRef idx="minor">
-            <a:schemeClr val="dk1"/>
-          </a:fontRef>
-        </p:style>
-        <p:txBody>
-          <a:bodyPr rtlCol="0" anchor="ctr"/>
-          <a:lstStyle/>
-          <a:p>
-            <a:pPr algn="ctr"/>
-            <a:r>
-              <a:rPr lang="en-US" sz="1600" dirty="0" smtClean="0">
-                <a:solidFill>
-                  <a:schemeClr val="bg1"/>
-                </a:solidFill>
-                <a:latin typeface="Tahoma" panose="020B0604030504040204" pitchFamily="34" charset="0"/>
-                <a:ea typeface="Tahoma" panose="020B0604030504040204" pitchFamily="34" charset="0"/>
-                <a:cs typeface="Tahoma" panose="020B0604030504040204" pitchFamily="34" charset="0"/>
-              </a:rPr>
-              <a:t>Action</a:t>
-            </a:r>
-          </a:p>
-        </p:txBody>
-      </p:sp>
-      <p:sp>
-        <p:nvSpPr>
-          <p:cNvPr id="13" name="Rectangle 12"/>
-          <p:cNvSpPr/>
-          <p:nvPr/>
-        </p:nvSpPr>
-        <p:spPr>
-          <a:xfrm>
-            <a:off x="1371600" y="1981200"/>
-            <a:ext cx="1981200" cy="533400"/>
-          </a:xfrm>
-          <a:prstGeom prst="rect">
-            <a:avLst/>
-          </a:prstGeom>
-          <a:solidFill>
-            <a:srgbClr val="00B0F0"/>
-          </a:solidFill>
-          <a:ln>
-            <a:solidFill>
-              <a:schemeClr val="accent3"/>
-            </a:solidFill>
-          </a:ln>
-        </p:spPr>
-        <p:style>
-          <a:lnRef idx="1">
-            <a:schemeClr val="accent4"/>
-          </a:lnRef>
-          <a:fillRef idx="2">
-            <a:schemeClr val="accent4"/>
-          </a:fillRef>
-          <a:effectRef idx="1">
-            <a:schemeClr val="accent4"/>
-          </a:effectRef>
-          <a:fontRef idx="minor">
-            <a:schemeClr val="dk1"/>
-          </a:fontRef>
-        </p:style>
-        <p:txBody>
-          <a:bodyPr rtlCol="0" anchor="ctr"/>
-          <a:lstStyle/>
-          <a:p>
-            <a:pPr algn="ctr"/>
-            <a:r>
-              <a:rPr lang="en-US" sz="1600" dirty="0" smtClean="0">
-                <a:solidFill>
-                  <a:schemeClr val="bg1"/>
-                </a:solidFill>
-                <a:latin typeface="Tahoma" panose="020B0604030504040204" pitchFamily="34" charset="0"/>
-                <a:ea typeface="Tahoma" panose="020B0604030504040204" pitchFamily="34" charset="0"/>
-                <a:cs typeface="Tahoma" panose="020B0604030504040204" pitchFamily="34" charset="0"/>
-              </a:rPr>
-              <a:t>Dispatcher</a:t>
-            </a:r>
-          </a:p>
-        </p:txBody>
-      </p:sp>
-      <p:sp>
-        <p:nvSpPr>
-          <p:cNvPr id="14" name="Rectangle 13"/>
-          <p:cNvSpPr/>
-          <p:nvPr/>
-        </p:nvSpPr>
-        <p:spPr>
-          <a:xfrm>
-            <a:off x="4876800" y="1981200"/>
-            <a:ext cx="1981200" cy="510381"/>
-          </a:xfrm>
-          <a:prstGeom prst="rect">
-            <a:avLst/>
-          </a:prstGeom>
-          <a:solidFill>
-            <a:schemeClr val="accent1">
-              <a:lumMod val="75000"/>
-            </a:schemeClr>
-          </a:solidFill>
-          <a:ln>
-            <a:solidFill>
-              <a:schemeClr val="accent3"/>
-            </a:solidFill>
-          </a:ln>
-        </p:spPr>
-        <p:style>
-          <a:lnRef idx="1">
-            <a:schemeClr val="accent4"/>
-          </a:lnRef>
-          <a:fillRef idx="2">
-            <a:schemeClr val="accent4"/>
-          </a:fillRef>
-          <a:effectRef idx="1">
-            <a:schemeClr val="accent4"/>
-          </a:effectRef>
-          <a:fontRef idx="minor">
-            <a:schemeClr val="dk1"/>
-          </a:fontRef>
-        </p:style>
-        <p:txBody>
-          <a:bodyPr rtlCol="0" anchor="ctr"/>
-          <a:lstStyle/>
-          <a:p>
-            <a:pPr algn="ctr"/>
-            <a:r>
-              <a:rPr lang="en-US" sz="1600" dirty="0" smtClean="0">
-                <a:solidFill>
-                  <a:schemeClr val="bg1"/>
-                </a:solidFill>
-                <a:latin typeface="Tahoma" panose="020B0604030504040204" pitchFamily="34" charset="0"/>
-                <a:ea typeface="Tahoma" panose="020B0604030504040204" pitchFamily="34" charset="0"/>
-                <a:cs typeface="Tahoma" panose="020B0604030504040204" pitchFamily="34" charset="0"/>
-              </a:rPr>
-              <a:t>Store</a:t>
-            </a:r>
-          </a:p>
-        </p:txBody>
-      </p:sp>
-      <p:sp>
-        <p:nvSpPr>
-          <p:cNvPr id="15" name="Rectangle 14"/>
-          <p:cNvSpPr/>
-          <p:nvPr/>
-        </p:nvSpPr>
-        <p:spPr>
-          <a:xfrm>
-            <a:off x="4876800" y="3733800"/>
-            <a:ext cx="1981200" cy="533400"/>
-          </a:xfrm>
-          <a:prstGeom prst="rect">
-            <a:avLst/>
-          </a:prstGeom>
-          <a:solidFill>
-            <a:srgbClr val="B93025"/>
-          </a:solidFill>
-          <a:ln>
-            <a:solidFill>
-              <a:schemeClr val="accent3"/>
-            </a:solidFill>
-          </a:ln>
-        </p:spPr>
-        <p:style>
-          <a:lnRef idx="1">
-            <a:schemeClr val="accent4"/>
-          </a:lnRef>
-          <a:fillRef idx="2">
-            <a:schemeClr val="accent4"/>
-          </a:fillRef>
-          <a:effectRef idx="1">
-            <a:schemeClr val="accent4"/>
-          </a:effectRef>
-          <a:fontRef idx="minor">
-            <a:schemeClr val="dk1"/>
-          </a:fontRef>
-        </p:style>
-        <p:txBody>
-          <a:bodyPr rtlCol="0" anchor="ctr"/>
-          <a:lstStyle/>
-          <a:p>
-            <a:pPr algn="ctr"/>
-            <a:r>
-              <a:rPr lang="en-US" sz="1600" dirty="0" smtClean="0">
-                <a:solidFill>
-                  <a:schemeClr val="bg1"/>
-                </a:solidFill>
-                <a:latin typeface="Tahoma" panose="020B0604030504040204" pitchFamily="34" charset="0"/>
-                <a:ea typeface="Tahoma" panose="020B0604030504040204" pitchFamily="34" charset="0"/>
-                <a:cs typeface="Tahoma" panose="020B0604030504040204" pitchFamily="34" charset="0"/>
-              </a:rPr>
-              <a:t>View</a:t>
-            </a:r>
-          </a:p>
-        </p:txBody>
-      </p:sp>
-      <p:sp>
-        <p:nvSpPr>
-          <p:cNvPr id="16" name="Rectangle 15"/>
-          <p:cNvSpPr/>
-          <p:nvPr/>
-        </p:nvSpPr>
-        <p:spPr>
-          <a:xfrm>
-            <a:off x="1381125" y="5181600"/>
-            <a:ext cx="1981200" cy="514350"/>
-          </a:xfrm>
-          <a:prstGeom prst="rect">
-            <a:avLst/>
-          </a:prstGeom>
-          <a:solidFill>
-            <a:srgbClr val="7030A0"/>
-          </a:solidFill>
-          <a:ln>
-            <a:solidFill>
-              <a:schemeClr val="accent3"/>
-            </a:solidFill>
-          </a:ln>
-        </p:spPr>
-        <p:style>
-          <a:lnRef idx="1">
-            <a:schemeClr val="accent4"/>
-          </a:lnRef>
-          <a:fillRef idx="2">
-            <a:schemeClr val="accent4"/>
-          </a:fillRef>
-          <a:effectRef idx="1">
-            <a:schemeClr val="accent4"/>
-          </a:effectRef>
-          <a:fontRef idx="minor">
-            <a:schemeClr val="dk1"/>
-          </a:fontRef>
-        </p:style>
-        <p:txBody>
-          <a:bodyPr rtlCol="0" anchor="ctr"/>
-          <a:lstStyle/>
-          <a:p>
-            <a:pPr algn="ctr"/>
-            <a:r>
-              <a:rPr lang="en-US" sz="1600" dirty="0" smtClean="0">
-                <a:solidFill>
-                  <a:schemeClr val="bg1"/>
-                </a:solidFill>
-                <a:latin typeface="Tahoma" panose="020B0604030504040204" pitchFamily="34" charset="0"/>
-                <a:ea typeface="Tahoma" panose="020B0604030504040204" pitchFamily="34" charset="0"/>
-                <a:cs typeface="Tahoma" panose="020B0604030504040204" pitchFamily="34" charset="0"/>
-              </a:rPr>
-              <a:t>API</a:t>
-            </a:r>
-          </a:p>
-        </p:txBody>
-      </p:sp>
-      <p:cxnSp>
-        <p:nvCxnSpPr>
-          <p:cNvPr id="18" name="Straight Arrow Connector 17"/>
-          <p:cNvCxnSpPr>
-            <a:stCxn id="13" idx="3"/>
-          </p:cNvCxnSpPr>
-          <p:nvPr/>
-        </p:nvCxnSpPr>
-        <p:spPr>
-          <a:xfrm>
-            <a:off x="3352800" y="2247900"/>
-            <a:ext cx="1524000" cy="0"/>
-          </a:xfrm>
-          <a:prstGeom prst="straightConnector1">
-            <a:avLst/>
-          </a:prstGeom>
-          <a:ln w="28575">
-            <a:solidFill>
-              <a:schemeClr val="bg2">
-                <a:lumMod val="50000"/>
-              </a:schemeClr>
-            </a:solidFill>
-            <a:tailEnd type="arrow"/>
-          </a:ln>
-        </p:spPr>
-        <p:style>
-          <a:lnRef idx="1">
-            <a:schemeClr val="accent1"/>
-          </a:lnRef>
-          <a:fillRef idx="0">
-            <a:schemeClr val="accent1"/>
-          </a:fillRef>
-          <a:effectRef idx="0">
-            <a:schemeClr val="accent1"/>
-          </a:effectRef>
-          <a:fontRef idx="minor">
-            <a:schemeClr val="tx1"/>
-          </a:fontRef>
-        </p:style>
-      </p:cxnSp>
-      <p:cxnSp>
-        <p:nvCxnSpPr>
-          <p:cNvPr id="27" name="Straight Arrow Connector 26"/>
-          <p:cNvCxnSpPr>
-            <a:stCxn id="14" idx="2"/>
-            <a:endCxn id="15" idx="0"/>
-          </p:cNvCxnSpPr>
-          <p:nvPr/>
-        </p:nvCxnSpPr>
-        <p:spPr>
-          <a:xfrm>
-            <a:off x="5867400" y="2491581"/>
-            <a:ext cx="0" cy="1242219"/>
-          </a:xfrm>
-          <a:prstGeom prst="straightConnector1">
-            <a:avLst/>
-          </a:prstGeom>
-          <a:ln w="28575">
-            <a:solidFill>
-              <a:schemeClr val="bg2">
-                <a:lumMod val="50000"/>
-              </a:schemeClr>
-            </a:solidFill>
-            <a:tailEnd type="arrow"/>
-          </a:ln>
-        </p:spPr>
-        <p:style>
-          <a:lnRef idx="1">
-            <a:schemeClr val="accent1"/>
-          </a:lnRef>
-          <a:fillRef idx="0">
-            <a:schemeClr val="accent1"/>
-          </a:fillRef>
-          <a:effectRef idx="0">
-            <a:schemeClr val="accent1"/>
-          </a:effectRef>
-          <a:fontRef idx="minor">
-            <a:schemeClr val="tx1"/>
-          </a:fontRef>
-        </p:style>
-      </p:cxnSp>
-      <p:cxnSp>
-        <p:nvCxnSpPr>
-          <p:cNvPr id="33" name="Straight Arrow Connector 32"/>
-          <p:cNvCxnSpPr>
-            <a:stCxn id="15" idx="1"/>
-          </p:cNvCxnSpPr>
-          <p:nvPr/>
-        </p:nvCxnSpPr>
-        <p:spPr>
-          <a:xfrm flipH="1">
-            <a:off x="3362325" y="4000500"/>
-            <a:ext cx="1514475" cy="0"/>
-          </a:xfrm>
-          <a:prstGeom prst="straightConnector1">
-            <a:avLst/>
-          </a:prstGeom>
-          <a:ln w="28575">
-            <a:solidFill>
-              <a:schemeClr val="bg2">
-                <a:lumMod val="50000"/>
-              </a:schemeClr>
-            </a:solidFill>
-            <a:tailEnd type="arrow"/>
-          </a:ln>
-        </p:spPr>
-        <p:style>
-          <a:lnRef idx="1">
-            <a:schemeClr val="accent1"/>
-          </a:lnRef>
-          <a:fillRef idx="0">
-            <a:schemeClr val="accent1"/>
-          </a:fillRef>
-          <a:effectRef idx="0">
-            <a:schemeClr val="accent1"/>
-          </a:effectRef>
-          <a:fontRef idx="minor">
-            <a:schemeClr val="tx1"/>
-          </a:fontRef>
-        </p:style>
-      </p:cxnSp>
-      <p:cxnSp>
-        <p:nvCxnSpPr>
-          <p:cNvPr id="38" name="Straight Arrow Connector 37"/>
-          <p:cNvCxnSpPr>
-            <a:stCxn id="10" idx="0"/>
-            <a:endCxn id="13" idx="2"/>
-          </p:cNvCxnSpPr>
-          <p:nvPr/>
-        </p:nvCxnSpPr>
-        <p:spPr>
-          <a:xfrm flipV="1">
-            <a:off x="2362200" y="2514600"/>
-            <a:ext cx="0" cy="1219200"/>
-          </a:xfrm>
-          <a:prstGeom prst="straightConnector1">
-            <a:avLst/>
-          </a:prstGeom>
-          <a:ln w="28575">
-            <a:solidFill>
-              <a:schemeClr val="bg2">
-                <a:lumMod val="50000"/>
-              </a:schemeClr>
-            </a:solidFill>
-            <a:tailEnd type="arrow"/>
-          </a:ln>
-        </p:spPr>
-        <p:style>
-          <a:lnRef idx="1">
-            <a:schemeClr val="accent1"/>
-          </a:lnRef>
-          <a:fillRef idx="0">
-            <a:schemeClr val="accent1"/>
-          </a:fillRef>
-          <a:effectRef idx="0">
-            <a:schemeClr val="accent1"/>
-          </a:effectRef>
-          <a:fontRef idx="minor">
-            <a:schemeClr val="tx1"/>
-          </a:fontRef>
-        </p:style>
-      </p:cxnSp>
-      <p:cxnSp>
-        <p:nvCxnSpPr>
-          <p:cNvPr id="42" name="Straight Arrow Connector 41"/>
-          <p:cNvCxnSpPr/>
-          <p:nvPr/>
-        </p:nvCxnSpPr>
-        <p:spPr>
-          <a:xfrm flipV="1">
-            <a:off x="2514600" y="4267200"/>
-            <a:ext cx="0" cy="952500"/>
-          </a:xfrm>
-          <a:prstGeom prst="straightConnector1">
-            <a:avLst/>
-          </a:prstGeom>
-          <a:ln w="28575">
-            <a:solidFill>
-              <a:schemeClr val="bg2">
-                <a:lumMod val="50000"/>
-              </a:schemeClr>
-            </a:solidFill>
-            <a:tailEnd type="arrow"/>
-          </a:ln>
-        </p:spPr>
-        <p:style>
-          <a:lnRef idx="1">
-            <a:schemeClr val="accent1"/>
-          </a:lnRef>
-          <a:fillRef idx="0">
-            <a:schemeClr val="accent1"/>
-          </a:fillRef>
-          <a:effectRef idx="0">
-            <a:schemeClr val="accent1"/>
-          </a:effectRef>
-          <a:fontRef idx="minor">
-            <a:schemeClr val="tx1"/>
-          </a:fontRef>
-        </p:style>
-      </p:cxnSp>
-      <p:cxnSp>
-        <p:nvCxnSpPr>
-          <p:cNvPr id="44" name="Straight Arrow Connector 43"/>
-          <p:cNvCxnSpPr/>
-          <p:nvPr/>
-        </p:nvCxnSpPr>
-        <p:spPr>
-          <a:xfrm>
-            <a:off x="2133600" y="4267200"/>
-            <a:ext cx="0" cy="914400"/>
-          </a:xfrm>
-          <a:prstGeom prst="straightConnector1">
-            <a:avLst/>
-          </a:prstGeom>
-          <a:ln w="28575">
-            <a:solidFill>
-              <a:schemeClr val="bg2">
-                <a:lumMod val="50000"/>
-              </a:schemeClr>
-            </a:solidFill>
-            <a:tailEnd type="arrow"/>
-          </a:ln>
-        </p:spPr>
-        <p:style>
-          <a:lnRef idx="1">
-            <a:schemeClr val="accent1"/>
-          </a:lnRef>
-          <a:fillRef idx="0">
-            <a:schemeClr val="accent1"/>
-          </a:fillRef>
-          <a:effectRef idx="0">
-            <a:schemeClr val="accent1"/>
-          </a:effectRef>
-          <a:fontRef idx="minor">
-            <a:schemeClr val="tx1"/>
-          </a:fontRef>
-        </p:style>
-      </p:cxnSp>
-      <p:sp>
-        <p:nvSpPr>
-          <p:cNvPr id="46" name="TextBox 45"/>
-          <p:cNvSpPr txBox="1"/>
-          <p:nvPr/>
-        </p:nvSpPr>
-        <p:spPr>
-          <a:xfrm>
-            <a:off x="3810000" y="3657600"/>
-            <a:ext cx="533399" cy="276999"/>
-          </a:xfrm>
-          <a:prstGeom prst="rect">
-            <a:avLst/>
-          </a:prstGeom>
-          <a:noFill/>
-        </p:spPr>
-        <p:txBody>
-          <a:bodyPr wrap="square" rtlCol="0">
-            <a:spAutoFit/>
-          </a:bodyPr>
-          <a:lstStyle/>
-          <a:p>
-            <a:r>
-              <a:rPr lang="en-US" sz="1200" dirty="0" smtClean="0">
-                <a:latin typeface="Tahoma" panose="020B0604030504040204" pitchFamily="34" charset="0"/>
-                <a:ea typeface="Tahoma" panose="020B0604030504040204" pitchFamily="34" charset="0"/>
-                <a:cs typeface="Tahoma" panose="020B0604030504040204" pitchFamily="34" charset="0"/>
-              </a:rPr>
-              <a:t>Call</a:t>
-            </a:r>
-            <a:endParaRPr lang="en-US" sz="1200" dirty="0">
-              <a:latin typeface="Tahoma" panose="020B0604030504040204" pitchFamily="34" charset="0"/>
-              <a:ea typeface="Tahoma" panose="020B0604030504040204" pitchFamily="34" charset="0"/>
-              <a:cs typeface="Tahoma" panose="020B0604030504040204" pitchFamily="34" charset="0"/>
-            </a:endParaRPr>
-          </a:p>
-        </p:txBody>
-      </p:sp>
-      <p:sp>
-        <p:nvSpPr>
-          <p:cNvPr id="47" name="TextBox 46"/>
-          <p:cNvSpPr txBox="1"/>
-          <p:nvPr/>
-        </p:nvSpPr>
-        <p:spPr>
-          <a:xfrm>
-            <a:off x="2362200" y="2971800"/>
-            <a:ext cx="1219200" cy="276999"/>
-          </a:xfrm>
-          <a:prstGeom prst="rect">
-            <a:avLst/>
-          </a:prstGeom>
-          <a:noFill/>
-        </p:spPr>
-        <p:txBody>
-          <a:bodyPr wrap="square" rtlCol="0">
-            <a:spAutoFit/>
-          </a:bodyPr>
-          <a:lstStyle/>
-          <a:p>
-            <a:r>
-              <a:rPr lang="en-US" sz="1200" dirty="0" smtClean="0">
-                <a:latin typeface="Tahoma" panose="020B0604030504040204" pitchFamily="34" charset="0"/>
-                <a:ea typeface="Tahoma" panose="020B0604030504040204" pitchFamily="34" charset="0"/>
-                <a:cs typeface="Tahoma" panose="020B0604030504040204" pitchFamily="34" charset="0"/>
-              </a:rPr>
-              <a:t>Call dispatch</a:t>
-            </a:r>
-            <a:endParaRPr lang="en-US" sz="1200" dirty="0">
-              <a:latin typeface="Tahoma" panose="020B0604030504040204" pitchFamily="34" charset="0"/>
-              <a:ea typeface="Tahoma" panose="020B0604030504040204" pitchFamily="34" charset="0"/>
-              <a:cs typeface="Tahoma" panose="020B0604030504040204" pitchFamily="34" charset="0"/>
-            </a:endParaRPr>
-          </a:p>
-        </p:txBody>
-      </p:sp>
-      <p:sp>
-        <p:nvSpPr>
-          <p:cNvPr id="48" name="TextBox 47"/>
-          <p:cNvSpPr txBox="1"/>
-          <p:nvPr/>
-        </p:nvSpPr>
-        <p:spPr>
-          <a:xfrm>
-            <a:off x="5867400" y="2958801"/>
-            <a:ext cx="762000" cy="276999"/>
-          </a:xfrm>
-          <a:prstGeom prst="rect">
-            <a:avLst/>
-          </a:prstGeom>
-          <a:noFill/>
-        </p:spPr>
-        <p:txBody>
-          <a:bodyPr wrap="square" rtlCol="0">
-            <a:spAutoFit/>
-          </a:bodyPr>
-          <a:lstStyle/>
-          <a:p>
-            <a:r>
-              <a:rPr lang="en-US" sz="1200" dirty="0" smtClean="0">
-                <a:latin typeface="Tahoma" panose="020B0604030504040204" pitchFamily="34" charset="0"/>
-                <a:ea typeface="Tahoma" panose="020B0604030504040204" pitchFamily="34" charset="0"/>
-                <a:cs typeface="Tahoma" panose="020B0604030504040204" pitchFamily="34" charset="0"/>
-              </a:rPr>
-              <a:t>Notify</a:t>
-            </a:r>
-            <a:endParaRPr lang="en-US" sz="1200" dirty="0">
-              <a:latin typeface="Tahoma" panose="020B0604030504040204" pitchFamily="34" charset="0"/>
-              <a:ea typeface="Tahoma" panose="020B0604030504040204" pitchFamily="34" charset="0"/>
-              <a:cs typeface="Tahoma" panose="020B0604030504040204" pitchFamily="34" charset="0"/>
-            </a:endParaRPr>
-          </a:p>
-        </p:txBody>
-      </p:sp>
-      <p:sp>
-        <p:nvSpPr>
-          <p:cNvPr id="49" name="TextBox 48"/>
-          <p:cNvSpPr txBox="1"/>
-          <p:nvPr/>
-        </p:nvSpPr>
-        <p:spPr>
-          <a:xfrm>
-            <a:off x="3429000" y="1928613"/>
-            <a:ext cx="1504952" cy="276999"/>
-          </a:xfrm>
-          <a:prstGeom prst="rect">
-            <a:avLst/>
-          </a:prstGeom>
-          <a:noFill/>
-        </p:spPr>
-        <p:txBody>
-          <a:bodyPr wrap="square" rtlCol="0">
-            <a:spAutoFit/>
-          </a:bodyPr>
-          <a:lstStyle/>
-          <a:p>
-            <a:r>
-              <a:rPr lang="en-US" sz="1200" dirty="0" smtClean="0">
-                <a:latin typeface="Tahoma" panose="020B0604030504040204" pitchFamily="34" charset="0"/>
-                <a:ea typeface="Tahoma" panose="020B0604030504040204" pitchFamily="34" charset="0"/>
-                <a:cs typeface="Tahoma" panose="020B0604030504040204" pitchFamily="34" charset="0"/>
-              </a:rPr>
-              <a:t>Dispatch action</a:t>
-            </a:r>
-            <a:endParaRPr lang="en-US" sz="1200" dirty="0">
-              <a:latin typeface="Tahoma" panose="020B0604030504040204" pitchFamily="34" charset="0"/>
-              <a:ea typeface="Tahoma" panose="020B0604030504040204" pitchFamily="34" charset="0"/>
-              <a:cs typeface="Tahoma" panose="020B0604030504040204" pitchFamily="34" charset="0"/>
-            </a:endParaRPr>
-          </a:p>
-        </p:txBody>
-      </p:sp>
-      <p:sp>
-        <p:nvSpPr>
-          <p:cNvPr id="50" name="TextBox 49"/>
-          <p:cNvSpPr txBox="1"/>
-          <p:nvPr/>
-        </p:nvSpPr>
-        <p:spPr>
-          <a:xfrm>
-            <a:off x="1304925" y="4570511"/>
-            <a:ext cx="838200" cy="276999"/>
-          </a:xfrm>
-          <a:prstGeom prst="rect">
-            <a:avLst/>
-          </a:prstGeom>
-          <a:noFill/>
-        </p:spPr>
-        <p:txBody>
-          <a:bodyPr wrap="square" rtlCol="0">
-            <a:spAutoFit/>
-          </a:bodyPr>
-          <a:lstStyle/>
-          <a:p>
-            <a:r>
-              <a:rPr lang="en-US" sz="1200" dirty="0" smtClean="0">
-                <a:latin typeface="Tahoma" panose="020B0604030504040204" pitchFamily="34" charset="0"/>
-                <a:ea typeface="Tahoma" panose="020B0604030504040204" pitchFamily="34" charset="0"/>
-                <a:cs typeface="Tahoma" panose="020B0604030504040204" pitchFamily="34" charset="0"/>
-              </a:rPr>
-              <a:t>Request</a:t>
-            </a:r>
-            <a:endParaRPr lang="en-US" sz="1200" dirty="0">
-              <a:latin typeface="Tahoma" panose="020B0604030504040204" pitchFamily="34" charset="0"/>
-              <a:ea typeface="Tahoma" panose="020B0604030504040204" pitchFamily="34" charset="0"/>
-              <a:cs typeface="Tahoma" panose="020B0604030504040204" pitchFamily="34" charset="0"/>
-            </a:endParaRPr>
-          </a:p>
-        </p:txBody>
-      </p:sp>
-      <p:sp>
-        <p:nvSpPr>
-          <p:cNvPr id="51" name="TextBox 50"/>
-          <p:cNvSpPr txBox="1"/>
-          <p:nvPr/>
-        </p:nvSpPr>
-        <p:spPr>
-          <a:xfrm>
-            <a:off x="2514600" y="4570510"/>
-            <a:ext cx="800100" cy="276999"/>
-          </a:xfrm>
-          <a:prstGeom prst="rect">
-            <a:avLst/>
-          </a:prstGeom>
-          <a:noFill/>
-        </p:spPr>
-        <p:txBody>
-          <a:bodyPr wrap="square" rtlCol="0">
-            <a:spAutoFit/>
-          </a:bodyPr>
-          <a:lstStyle/>
-          <a:p>
-            <a:r>
-              <a:rPr lang="en-US" sz="1200" dirty="0" smtClean="0">
-                <a:latin typeface="Tahoma" panose="020B0604030504040204" pitchFamily="34" charset="0"/>
-                <a:ea typeface="Tahoma" panose="020B0604030504040204" pitchFamily="34" charset="0"/>
-                <a:cs typeface="Tahoma" panose="020B0604030504040204" pitchFamily="34" charset="0"/>
-              </a:rPr>
-              <a:t>Data</a:t>
-            </a:r>
-            <a:endParaRPr lang="en-US" sz="1200" dirty="0">
-              <a:latin typeface="Tahoma" panose="020B0604030504040204" pitchFamily="34" charset="0"/>
-              <a:ea typeface="Tahoma" panose="020B0604030504040204" pitchFamily="34" charset="0"/>
-              <a:cs typeface="Tahoma" panose="020B0604030504040204" pitchFamily="34" charset="0"/>
-            </a:endParaRPr>
-          </a:p>
-        </p:txBody>
-      </p:sp>
-    </p:spTree>
-    <p:extLst>
-      <p:ext uri="{BB962C8B-B14F-4D97-AF65-F5344CB8AC3E}">
-        <p14:creationId xmlns:p14="http://schemas.microsoft.com/office/powerpoint/2010/main" val="2987393982"/>
-      </p:ext>
-    </p:extLst>
-  </p:cSld>
-  <p:clrMapOvr>
-    <a:masterClrMapping/>
-  </p:clrMapOvr>
-  <p:timing>
-    <p:tnLst>
-      <p:par>
-        <p:cTn id="1" dur="indefinite" restart="never" nodeType="tmRoot"/>
-      </p:par>
-    </p:tnLst>
-  </p:timing>
-</p:sld>
-</file>
-
-<file path=ppt/slides/slide37.xml><?xml version="1.0" encoding="utf-8"?>
-<p:sld xmlns:a="http://schemas.openxmlformats.org/drawingml/2006/main" xmlns:r="http://schemas.openxmlformats.org/officeDocument/2006/relationships" xmlns:p="http://schemas.openxmlformats.org/presentationml/2006/main">
-  <p:cSld>
-    <p:spTree>
-      <p:nvGrpSpPr>
-        <p:cNvPr id="1" name=""/>
-        <p:cNvGrpSpPr/>
-        <p:nvPr/>
-      </p:nvGrpSpPr>
-      <p:grpSpPr>
-        <a:xfrm>
-          <a:off x="0" y="0"/>
-          <a:ext cx="0" cy="0"/>
-          <a:chOff x="0" y="0"/>
-          <a:chExt cx="0" cy="0"/>
-        </a:xfrm>
-      </p:grpSpPr>
-      <p:sp>
-        <p:nvSpPr>
-          <p:cNvPr id="2" name="Title 1"/>
-          <p:cNvSpPr>
-            <a:spLocks noGrp="1"/>
-          </p:cNvSpPr>
-          <p:nvPr>
-            <p:ph type="title"/>
-          </p:nvPr>
-        </p:nvSpPr>
-        <p:spPr/>
-        <p:txBody>
-          <a:bodyPr/>
-          <a:lstStyle/>
-          <a:p>
-            <a:r>
-              <a:rPr lang="en-US" dirty="0" smtClean="0"/>
-              <a:t>Example</a:t>
-            </a:r>
-            <a:endParaRPr lang="en-US" dirty="0"/>
-          </a:p>
-        </p:txBody>
-      </p:sp>
-      <p:sp>
-        <p:nvSpPr>
-          <p:cNvPr id="3" name="Rectangle 5"/>
-          <p:cNvSpPr txBox="1">
-            <a:spLocks noChangeArrowheads="1"/>
-          </p:cNvSpPr>
-          <p:nvPr/>
-        </p:nvSpPr>
-        <p:spPr>
-          <a:xfrm>
-            <a:off x="457993" y="1600200"/>
-            <a:ext cx="8075613" cy="4525963"/>
-          </a:xfrm>
-          <a:prstGeom prst="rect">
-            <a:avLst/>
-          </a:prstGeom>
-          <a:noFill/>
-          <a:ln/>
-        </p:spPr>
-        <p:txBody>
-          <a:bodyPr/>
-          <a:lstStyle>
-            <a:lvl1pPr marL="342900" indent="-342900" algn="l" rtl="0" eaLnBrk="1" fontAlgn="base" hangingPunct="1">
-              <a:spcBef>
-                <a:spcPct val="20000"/>
-              </a:spcBef>
-              <a:spcAft>
-                <a:spcPct val="0"/>
-              </a:spcAft>
-              <a:buClr>
-                <a:schemeClr val="hlink"/>
-              </a:buClr>
-              <a:buFont typeface="Wingdings" pitchFamily="2" charset="2"/>
-              <a:buChar char="v"/>
-              <a:defRPr sz="2800" b="1">
-                <a:solidFill>
-                  <a:schemeClr val="tx1"/>
-                </a:solidFill>
-                <a:latin typeface="Tahoma" pitchFamily="34" charset="0"/>
-                <a:ea typeface="+mn-ea"/>
-                <a:cs typeface="Tahoma" pitchFamily="34" charset="0"/>
-              </a:defRPr>
-            </a:lvl1pPr>
-            <a:lvl2pPr marL="742950" indent="-285750" algn="l" rtl="0" eaLnBrk="1" fontAlgn="base" hangingPunct="1">
-              <a:spcBef>
-                <a:spcPct val="20000"/>
-              </a:spcBef>
-              <a:spcAft>
-                <a:spcPct val="0"/>
-              </a:spcAft>
-              <a:buClr>
-                <a:schemeClr val="accent1"/>
-              </a:buClr>
-              <a:buFont typeface="Wingdings" pitchFamily="2" charset="2"/>
-              <a:buChar char="§"/>
-              <a:defRPr sz="2800">
-                <a:solidFill>
-                  <a:schemeClr val="tx1"/>
-                </a:solidFill>
-                <a:latin typeface="Tahoma" pitchFamily="34" charset="0"/>
-                <a:cs typeface="Tahoma" pitchFamily="34" charset="0"/>
-              </a:defRPr>
-            </a:lvl2pPr>
-            <a:lvl3pPr marL="1143000" indent="-228600" algn="l" rtl="0" eaLnBrk="1" fontAlgn="base" hangingPunct="1">
-              <a:spcBef>
-                <a:spcPct val="20000"/>
-              </a:spcBef>
-              <a:spcAft>
-                <a:spcPct val="0"/>
-              </a:spcAft>
-              <a:buClr>
-                <a:schemeClr val="tx1"/>
-              </a:buClr>
-              <a:buChar char="•"/>
-              <a:defRPr sz="2400">
-                <a:solidFill>
-                  <a:schemeClr val="tx1"/>
-                </a:solidFill>
-                <a:latin typeface="Tahoma" pitchFamily="34" charset="0"/>
-                <a:cs typeface="Tahoma" pitchFamily="34" charset="0"/>
-              </a:defRPr>
-            </a:lvl3pPr>
-            <a:lvl4pPr marL="1600200" indent="-228600" algn="l" rtl="0" eaLnBrk="1" fontAlgn="base" hangingPunct="1">
-              <a:spcBef>
-                <a:spcPct val="20000"/>
-              </a:spcBef>
-              <a:spcAft>
-                <a:spcPct val="0"/>
-              </a:spcAft>
-              <a:buChar char="–"/>
-              <a:defRPr sz="2000">
-                <a:solidFill>
-                  <a:schemeClr val="tx1"/>
-                </a:solidFill>
-                <a:latin typeface="Tahoma" pitchFamily="34" charset="0"/>
-                <a:cs typeface="Tahoma" pitchFamily="34" charset="0"/>
-              </a:defRPr>
-            </a:lvl4pPr>
-            <a:lvl5pPr marL="2057400" indent="-228600" algn="l" rtl="0" eaLnBrk="1" fontAlgn="base" hangingPunct="1">
-              <a:spcBef>
-                <a:spcPct val="20000"/>
-              </a:spcBef>
-              <a:spcAft>
-                <a:spcPct val="0"/>
-              </a:spcAft>
-              <a:buChar char="»"/>
-              <a:defRPr sz="2000">
-                <a:solidFill>
-                  <a:schemeClr val="tx1"/>
-                </a:solidFill>
-                <a:latin typeface="Tahoma" pitchFamily="34" charset="0"/>
-                <a:cs typeface="Tahoma" pitchFamily="34" charset="0"/>
-              </a:defRPr>
-            </a:lvl5pPr>
-            <a:lvl6pPr marL="2514600" indent="-228600" algn="l" rtl="0" eaLnBrk="1" fontAlgn="base" hangingPunct="1">
-              <a:spcBef>
-                <a:spcPct val="20000"/>
-              </a:spcBef>
-              <a:spcAft>
-                <a:spcPct val="0"/>
-              </a:spcAft>
-              <a:buChar char="»"/>
-              <a:defRPr sz="2000">
-                <a:solidFill>
-                  <a:schemeClr val="tx1"/>
-                </a:solidFill>
-                <a:latin typeface="Arial" charset="0"/>
-              </a:defRPr>
-            </a:lvl6pPr>
-            <a:lvl7pPr marL="2971800" indent="-228600" algn="l" rtl="0" eaLnBrk="1" fontAlgn="base" hangingPunct="1">
-              <a:spcBef>
-                <a:spcPct val="20000"/>
-              </a:spcBef>
-              <a:spcAft>
-                <a:spcPct val="0"/>
-              </a:spcAft>
-              <a:buChar char="»"/>
-              <a:defRPr sz="2000">
-                <a:solidFill>
-                  <a:schemeClr val="tx1"/>
-                </a:solidFill>
-                <a:latin typeface="Arial" charset="0"/>
-              </a:defRPr>
-            </a:lvl7pPr>
-            <a:lvl8pPr marL="3429000" indent="-228600" algn="l" rtl="0" eaLnBrk="1" fontAlgn="base" hangingPunct="1">
-              <a:spcBef>
-                <a:spcPct val="20000"/>
-              </a:spcBef>
-              <a:spcAft>
-                <a:spcPct val="0"/>
-              </a:spcAft>
-              <a:buChar char="»"/>
-              <a:defRPr sz="2000">
-                <a:solidFill>
-                  <a:schemeClr val="tx1"/>
-                </a:solidFill>
-                <a:latin typeface="Arial" charset="0"/>
-              </a:defRPr>
-            </a:lvl8pPr>
-            <a:lvl9pPr marL="3886200" indent="-228600" algn="l" rtl="0" eaLnBrk="1" fontAlgn="base" hangingPunct="1">
-              <a:spcBef>
-                <a:spcPct val="20000"/>
-              </a:spcBef>
-              <a:spcAft>
-                <a:spcPct val="0"/>
-              </a:spcAft>
-              <a:buChar char="»"/>
-              <a:defRPr sz="2000">
-                <a:solidFill>
-                  <a:schemeClr val="tx1"/>
-                </a:solidFill>
-                <a:latin typeface="Arial" charset="0"/>
-              </a:defRPr>
-            </a:lvl9pPr>
-          </a:lstStyle>
-          <a:p>
-            <a:pPr lvl="1">
-              <a:spcAft>
-                <a:spcPts val="600"/>
-              </a:spcAft>
-            </a:pPr>
-            <a:r>
-              <a:rPr lang="en-US" sz="2400" dirty="0" smtClean="0"/>
-              <a:t>Build </a:t>
-            </a:r>
-            <a:r>
-              <a:rPr lang="en-US" sz="2400" dirty="0" err="1" smtClean="0"/>
-              <a:t>Todo</a:t>
-            </a:r>
-            <a:r>
-              <a:rPr lang="en-US" sz="2400" dirty="0" smtClean="0"/>
-              <a:t> List using</a:t>
-            </a:r>
-          </a:p>
-          <a:p>
-            <a:pPr lvl="2">
-              <a:spcAft>
-                <a:spcPts val="600"/>
-              </a:spcAft>
-            </a:pPr>
-            <a:r>
-              <a:rPr lang="en-US" sz="2000" dirty="0" smtClean="0"/>
-              <a:t>React</a:t>
-            </a:r>
-          </a:p>
-          <a:p>
-            <a:pPr lvl="2">
-              <a:spcAft>
-                <a:spcPts val="600"/>
-              </a:spcAft>
-            </a:pPr>
-            <a:r>
-              <a:rPr lang="en-US" sz="2000" dirty="0" smtClean="0"/>
-              <a:t>Flux</a:t>
-            </a:r>
-          </a:p>
-          <a:p>
-            <a:pPr lvl="2">
-              <a:spcAft>
-                <a:spcPts val="600"/>
-              </a:spcAft>
-            </a:pPr>
-            <a:r>
-              <a:rPr lang="en-US" sz="2000" dirty="0" smtClean="0"/>
-              <a:t>Gulp</a:t>
-            </a:r>
-          </a:p>
-          <a:p>
-            <a:pPr lvl="2">
-              <a:spcAft>
-                <a:spcPts val="600"/>
-              </a:spcAft>
-            </a:pPr>
-            <a:r>
-              <a:rPr lang="en-US" sz="2000" dirty="0" err="1" smtClean="0"/>
-              <a:t>Browserify</a:t>
-            </a:r>
-            <a:endParaRPr lang="en-US" sz="2000" dirty="0" smtClean="0"/>
-          </a:p>
-          <a:p>
-            <a:pPr marL="914400" lvl="2" indent="0">
-              <a:spcAft>
-                <a:spcPts val="600"/>
-              </a:spcAft>
-              <a:buNone/>
-            </a:pPr>
-            <a:endParaRPr lang="en-US" sz="2000" dirty="0" smtClean="0"/>
-          </a:p>
-          <a:p>
-            <a:pPr lvl="2">
-              <a:spcAft>
-                <a:spcPts val="600"/>
-              </a:spcAft>
-            </a:pPr>
-            <a:endParaRPr lang="en-US" sz="2000" dirty="0"/>
-          </a:p>
-        </p:txBody>
-      </p:sp>
-    </p:spTree>
-    <p:extLst>
-      <p:ext uri="{BB962C8B-B14F-4D97-AF65-F5344CB8AC3E}">
-        <p14:creationId xmlns:p14="http://schemas.microsoft.com/office/powerpoint/2010/main" val="3444772947"/>
+        <p14:creationId xmlns:p14="http://schemas.microsoft.com/office/powerpoint/2010/main" val="3587915927"/>
       </p:ext>
     </p:extLst>
   </p:cSld>

--- a/React_Slide.pptx
+++ b/React_Slide.pptx
@@ -142,7 +142,7 @@
   </p:defaultTextStyle>
   <p:extLst>
     <p:ext uri="{EFAFB233-063F-42B5-8137-9DF3F51BA10A}">
-      <p15:sldGuideLst xmlns:p15="http://schemas.microsoft.com/office/powerpoint/2012/main" xmlns="">
+      <p15:sldGuideLst xmlns="" xmlns:p15="http://schemas.microsoft.com/office/powerpoint/2012/main">
         <p15:guide id="1" orient="horz" pos="2160">
           <p15:clr>
             <a:srgbClr val="A4A3A4"/>
@@ -20265,21 +20265,18 @@
               <a:buChar char="§"/>
             </a:pPr>
             <a:r>
-              <a:rPr lang="en-US" sz="2400" dirty="0" smtClean="0">
+              <a:rPr lang="en-US" sz="2400" smtClean="0">
                 <a:latin typeface="Tahoma" pitchFamily="34" charset="0"/>
                 <a:ea typeface="Tahoma" panose="020B0604030504040204" pitchFamily="34" charset="0"/>
                 <a:cs typeface="Tahoma" pitchFamily="34" charset="0"/>
               </a:rPr>
-              <a:t>React </a:t>
-            </a:r>
-            <a:r>
-              <a:rPr lang="en-US" sz="2400" dirty="0">
-                <a:latin typeface="Tahoma" pitchFamily="34" charset="0"/>
-                <a:ea typeface="Tahoma" panose="020B0604030504040204" pitchFamily="34" charset="0"/>
-                <a:cs typeface="Tahoma" pitchFamily="34" charset="0"/>
-              </a:rPr>
-              <a:t>with Flux</a:t>
-            </a:r>
+              <a:t>Best Practices</a:t>
+            </a:r>
+            <a:endParaRPr lang="en-US" sz="2400" dirty="0">
+              <a:latin typeface="Tahoma" pitchFamily="34" charset="0"/>
+              <a:ea typeface="Tahoma" panose="020B0604030504040204" pitchFamily="34" charset="0"/>
+              <a:cs typeface="Tahoma" pitchFamily="34" charset="0"/>
+            </a:endParaRPr>
           </a:p>
         </p:txBody>
       </p:sp>
@@ -25407,11 +25404,7 @@
             </a:r>
             <a:r>
               <a:rPr lang="en-US" sz="2400" dirty="0" smtClean="0"/>
-              <a:t> </a:t>
-            </a:r>
-            <a:r>
-              <a:rPr lang="en-US" sz="2400" dirty="0" smtClean="0"/>
-              <a:t>List</a:t>
+              <a:t> List</a:t>
             </a:r>
             <a:endParaRPr lang="en-US" sz="2000" dirty="0" smtClean="0"/>
           </a:p>

--- a/React_Slide.pptx
+++ b/React_Slide.pptx
@@ -241,7 +241,7 @@
           <a:p>
             <a:fld id="{30C56A28-4380-4698-9362-A1403F5E2820}" type="datetimeFigureOut">
               <a:rPr lang="en-US" smtClean="0"/>
-              <a:t>12/23/2015</a:t>
+              <a:t>12/25/2015</a:t>
             </a:fld>
             <a:endParaRPr lang="en-US"/>
           </a:p>
@@ -810,7 +810,15 @@
           <a:bodyPr/>
           <a:lstStyle/>
           <a:p>
-            <a:endParaRPr lang="en-US" dirty="0"/>
+            <a:pPr lvl="1">
+              <a:spcAft>
+                <a:spcPts val="600"/>
+              </a:spcAft>
+            </a:pPr>
+            <a:r>
+              <a:rPr lang="en-US" sz="2400" dirty="0" smtClean="0"/>
+              <a:t>When we use our defined components, we can add attributes called props.</a:t>
+            </a:r>
           </a:p>
         </p:txBody>
       </p:sp>
@@ -831,7 +839,7 @@
           <a:p>
             <a:fld id="{47CA5B65-C32E-4594-82B5-5B950CCEF23B}" type="slidenum">
               <a:rPr lang="en-US" smtClean="0"/>
-              <a:t>15</a:t>
+              <a:t>14</a:t>
             </a:fld>
             <a:endParaRPr lang="en-US"/>
           </a:p>
@@ -894,140 +902,6 @@
           <a:bodyPr/>
           <a:lstStyle/>
           <a:p>
-            <a:r>
-              <a:rPr lang="en-US" sz="1200" b="0" i="0" kern="1200" dirty="0" smtClean="0">
-                <a:solidFill>
-                  <a:schemeClr val="tx1"/>
-                </a:solidFill>
-                <a:effectLst/>
-                <a:latin typeface="+mn-lt"/>
-                <a:ea typeface="+mn-ea"/>
-                <a:cs typeface="+mn-cs"/>
-              </a:rPr>
-              <a:t>In React each component is well encapsulated and maintains its own state (if </a:t>
-            </a:r>
-            <a:r>
-              <a:rPr lang="en-US" sz="1200" b="0" i="0" kern="1200" dirty="0" err="1" smtClean="0">
-                <a:solidFill>
-                  <a:schemeClr val="tx1"/>
-                </a:solidFill>
-                <a:effectLst/>
-                <a:latin typeface="+mn-lt"/>
-                <a:ea typeface="+mn-ea"/>
-                <a:cs typeface="+mn-cs"/>
-              </a:rPr>
-              <a:t>stateful</a:t>
-            </a:r>
-            <a:r>
-              <a:rPr lang="en-US" sz="1200" b="0" i="0" kern="1200" dirty="0" smtClean="0">
-                <a:solidFill>
-                  <a:schemeClr val="tx1"/>
-                </a:solidFill>
-                <a:effectLst/>
-                <a:latin typeface="+mn-lt"/>
-                <a:ea typeface="+mn-ea"/>
-                <a:cs typeface="+mn-cs"/>
-              </a:rPr>
-              <a:t>). A </a:t>
-            </a:r>
-            <a:r>
-              <a:rPr lang="en-US" sz="1200" b="0" i="0" kern="1200" dirty="0" err="1" smtClean="0">
-                <a:solidFill>
-                  <a:schemeClr val="tx1"/>
-                </a:solidFill>
-                <a:effectLst/>
-                <a:latin typeface="+mn-lt"/>
-                <a:ea typeface="+mn-ea"/>
-                <a:cs typeface="+mn-cs"/>
-              </a:rPr>
-              <a:t>stateful</a:t>
-            </a:r>
-            <a:r>
-              <a:rPr lang="en-US" sz="1200" b="0" i="0" kern="1200" dirty="0" smtClean="0">
-                <a:solidFill>
-                  <a:schemeClr val="tx1"/>
-                </a:solidFill>
-                <a:effectLst/>
-                <a:latin typeface="+mn-lt"/>
-                <a:ea typeface="+mn-ea"/>
-                <a:cs typeface="+mn-cs"/>
-              </a:rPr>
-              <a:t> component can store a value in its state and pass it to its child components via </a:t>
-            </a:r>
-            <a:r>
-              <a:rPr lang="en-US" dirty="0" smtClean="0"/>
-              <a:t>props</a:t>
-            </a:r>
-            <a:r>
-              <a:rPr lang="en-US" sz="1200" b="0" i="0" kern="1200" dirty="0" smtClean="0">
-                <a:solidFill>
-                  <a:schemeClr val="tx1"/>
-                </a:solidFill>
-                <a:effectLst/>
-                <a:latin typeface="+mn-lt"/>
-                <a:ea typeface="+mn-ea"/>
-                <a:cs typeface="+mn-cs"/>
-              </a:rPr>
-              <a:t>. This ensures that whenever a component’s state changes, the </a:t>
-            </a:r>
-            <a:r>
-              <a:rPr lang="en-US" dirty="0" smtClean="0"/>
-              <a:t>props</a:t>
-            </a:r>
-            <a:r>
-              <a:rPr lang="en-US" sz="1200" b="0" i="0" kern="1200" dirty="0" smtClean="0">
-                <a:solidFill>
-                  <a:schemeClr val="tx1"/>
-                </a:solidFill>
-                <a:effectLst/>
-                <a:latin typeface="+mn-lt"/>
-                <a:ea typeface="+mn-ea"/>
-                <a:cs typeface="+mn-cs"/>
-              </a:rPr>
-              <a:t> also change. As a result the child components that depend on these </a:t>
-            </a:r>
-            <a:r>
-              <a:rPr lang="en-US" dirty="0" smtClean="0"/>
-              <a:t>props</a:t>
-            </a:r>
-            <a:r>
-              <a:rPr lang="en-US" sz="1200" b="0" i="0" kern="1200" dirty="0" smtClean="0">
-                <a:solidFill>
-                  <a:schemeClr val="tx1"/>
-                </a:solidFill>
-                <a:effectLst/>
-                <a:latin typeface="+mn-lt"/>
-                <a:ea typeface="+mn-ea"/>
-                <a:cs typeface="+mn-cs"/>
-              </a:rPr>
-              <a:t> re-render themselves automatically.</a:t>
-            </a:r>
-          </a:p>
-          <a:p>
-            <a:r>
-              <a:rPr lang="en-US" sz="1200" b="0" i="0" kern="1200" dirty="0" smtClean="0">
-                <a:solidFill>
-                  <a:schemeClr val="tx1"/>
-                </a:solidFill>
-                <a:effectLst/>
-                <a:latin typeface="+mn-lt"/>
-                <a:ea typeface="+mn-ea"/>
-                <a:cs typeface="+mn-cs"/>
-              </a:rPr>
-              <a:t>You could say the state is </a:t>
-            </a:r>
-            <a:r>
-              <a:rPr lang="en-US" sz="1200" b="1" i="0" kern="1200" dirty="0" smtClean="0">
-                <a:solidFill>
-                  <a:schemeClr val="tx1"/>
-                </a:solidFill>
-                <a:effectLst/>
-                <a:latin typeface="+mn-lt"/>
-                <a:ea typeface="+mn-ea"/>
-                <a:cs typeface="+mn-cs"/>
-              </a:rPr>
-              <a:t>private.</a:t>
-            </a:r>
             <a:endParaRPr lang="en-US" dirty="0"/>
           </a:p>
         </p:txBody>
@@ -1049,7 +923,7 @@
           <a:p>
             <a:fld id="{47CA5B65-C32E-4594-82B5-5B950CCEF23B}" type="slidenum">
               <a:rPr lang="en-US" smtClean="0"/>
-              <a:t>16</a:t>
+              <a:t>15</a:t>
             </a:fld>
             <a:endParaRPr lang="en-US"/>
           </a:p>
@@ -1058,7 +932,7 @@
     </p:spTree>
     <p:extLst>
       <p:ext uri="{BB962C8B-B14F-4D97-AF65-F5344CB8AC3E}">
-        <p14:creationId xmlns:p14="http://schemas.microsoft.com/office/powerpoint/2010/main" val="3704078898"/>
+        <p14:creationId xmlns:p14="http://schemas.microsoft.com/office/powerpoint/2010/main" val="898643330"/>
       </p:ext>
     </p:extLst>
   </p:cSld>
@@ -1267,7 +1141,7 @@
           <a:p>
             <a:fld id="{47CA5B65-C32E-4594-82B5-5B950CCEF23B}" type="slidenum">
               <a:rPr lang="en-US" smtClean="0"/>
-              <a:t>17</a:t>
+              <a:t>16</a:t>
             </a:fld>
             <a:endParaRPr lang="en-US"/>
           </a:p>
@@ -1276,7 +1150,7 @@
     </p:spTree>
     <p:extLst>
       <p:ext uri="{BB962C8B-B14F-4D97-AF65-F5344CB8AC3E}">
-        <p14:creationId xmlns:p14="http://schemas.microsoft.com/office/powerpoint/2010/main" val="1224336219"/>
+        <p14:creationId xmlns:p14="http://schemas.microsoft.com/office/powerpoint/2010/main" val="3704078898"/>
       </p:ext>
     </p:extLst>
   </p:cSld>
@@ -1331,7 +1205,7 @@
           <a:lstStyle/>
           <a:p>
             <a:r>
-              <a:rPr lang="en-US" sz="1200" b="1" i="0" kern="1200" cap="all" dirty="0" smtClean="0">
+              <a:rPr lang="en-US" sz="1200" b="0" i="0" kern="1200" dirty="0" smtClean="0">
                 <a:solidFill>
                   <a:schemeClr val="tx1"/>
                 </a:solidFill>
@@ -1340,12 +1214,10 @@
                 <a:ea typeface="+mn-ea"/>
                 <a:cs typeface="+mn-cs"/>
               </a:rPr>
-              <a:t>PROS</a:t>
-            </a:r>
-          </a:p>
-          <a:p>
-            <a:r>
-              <a:rPr lang="en-US" sz="1200" b="0" i="0" kern="1200" dirty="0" smtClean="0">
+              <a:t>In React each component is well encapsulated and maintains its own state (if </a:t>
+            </a:r>
+            <a:r>
+              <a:rPr lang="en-US" sz="1200" b="0" i="0" kern="1200" dirty="0" err="1" smtClean="0">
                 <a:solidFill>
                   <a:schemeClr val="tx1"/>
                 </a:solidFill>
@@ -1354,10 +1226,8 @@
                 <a:ea typeface="+mn-ea"/>
                 <a:cs typeface="+mn-cs"/>
               </a:rPr>
-              <a:t>Fast and efficient "diffing" algorithm</a:t>
-            </a:r>
-          </a:p>
-          <a:p>
+              <a:t>stateful</a:t>
+            </a:r>
             <a:r>
               <a:rPr lang="en-US" sz="1200" b="0" i="0" kern="1200" dirty="0" smtClean="0">
                 <a:solidFill>
@@ -1368,7 +1238,7 @@
                 <a:ea typeface="+mn-ea"/>
                 <a:cs typeface="+mn-cs"/>
               </a:rPr>
-              <a:t>Multiple frontends (JSX, </a:t>
+              <a:t>). A </a:t>
             </a:r>
             <a:r>
               <a:rPr lang="en-US" sz="1200" b="0" i="0" kern="1200" dirty="0" err="1" smtClean="0">
@@ -1380,7 +1250,7 @@
                 <a:ea typeface="+mn-ea"/>
                 <a:cs typeface="+mn-cs"/>
               </a:rPr>
-              <a:t>hyperscript</a:t>
+              <a:t>stateful</a:t>
             </a:r>
             <a:r>
               <a:rPr lang="en-US" sz="1200" b="0" i="0" kern="1200" dirty="0" smtClean="0">
@@ -1392,10 +1262,12 @@
                 <a:ea typeface="+mn-ea"/>
                 <a:cs typeface="+mn-cs"/>
               </a:rPr>
-              <a:t>)</a:t>
-            </a:r>
-          </a:p>
-          <a:p>
+              <a:t> component can store a value in its state and pass it to its child components via </a:t>
+            </a:r>
+            <a:r>
+              <a:rPr lang="en-US" dirty="0" smtClean="0"/>
+              <a:t>props</a:t>
+            </a:r>
             <a:r>
               <a:rPr lang="en-US" sz="1200" b="0" i="0" kern="1200" dirty="0" smtClean="0">
                 <a:solidFill>
@@ -1406,10 +1278,12 @@
                 <a:ea typeface="+mn-ea"/>
                 <a:cs typeface="+mn-cs"/>
               </a:rPr>
-              <a:t>Lightweight enough to run on mobile devices</a:t>
-            </a:r>
-          </a:p>
-          <a:p>
+              <a:t>. This ensures that whenever a component’s state changes, the </a:t>
+            </a:r>
+            <a:r>
+              <a:rPr lang="en-US" dirty="0" smtClean="0"/>
+              <a:t>props</a:t>
+            </a:r>
             <a:r>
               <a:rPr lang="en-US" sz="1200" b="0" i="0" kern="1200" dirty="0" smtClean="0">
                 <a:solidFill>
@@ -1420,10 +1294,12 @@
                 <a:ea typeface="+mn-ea"/>
                 <a:cs typeface="+mn-cs"/>
               </a:rPr>
-              <a:t>Lots of traction and mindshare</a:t>
-            </a:r>
-          </a:p>
-          <a:p>
+              <a:t> also change. As a result the child components that depend on these </a:t>
+            </a:r>
+            <a:r>
+              <a:rPr lang="en-US" dirty="0" smtClean="0"/>
+              <a:t>props</a:t>
+            </a:r>
             <a:r>
               <a:rPr lang="en-US" sz="1200" b="0" i="0" kern="1200" dirty="0" smtClean="0">
                 <a:solidFill>
@@ -1434,12 +1310,12 @@
                 <a:ea typeface="+mn-ea"/>
                 <a:cs typeface="+mn-cs"/>
               </a:rPr>
-              <a:t>Can be used without React (i.e. as an independent engine)</a:t>
-            </a:r>
-          </a:p>
-          <a:p>
-            <a:r>
-              <a:rPr lang="en-US" sz="1200" b="1" i="0" kern="1200" cap="all" dirty="0" smtClean="0">
+              <a:t> re-render themselves automatically.</a:t>
+            </a:r>
+          </a:p>
+          <a:p>
+            <a:r>
+              <a:rPr lang="en-US" sz="1200" b="0" i="0" kern="1200" dirty="0" smtClean="0">
                 <a:solidFill>
                   <a:schemeClr val="tx1"/>
                 </a:solidFill>
@@ -1448,12 +1324,10 @@
                 <a:ea typeface="+mn-ea"/>
                 <a:cs typeface="+mn-cs"/>
               </a:rPr>
-              <a:t>CONS</a:t>
-            </a:r>
-          </a:p>
-          <a:p>
-            <a:r>
-              <a:rPr lang="en-US" sz="1200" b="0" i="0" kern="1200" dirty="0" smtClean="0">
+              <a:t>You could say the state is </a:t>
+            </a:r>
+            <a:r>
+              <a:rPr lang="en-US" sz="1200" b="1" i="0" kern="1200" dirty="0" smtClean="0">
                 <a:solidFill>
                   <a:schemeClr val="tx1"/>
                 </a:solidFill>
@@ -1462,31 +1336,9 @@
                 <a:ea typeface="+mn-ea"/>
                 <a:cs typeface="+mn-cs"/>
               </a:rPr>
-              <a:t>Full in-memory copy of the DOM (higher memory use)</a:t>
-            </a:r>
-          </a:p>
-          <a:p>
-            <a:r>
-              <a:rPr lang="en-US" sz="1200" b="0" i="0" kern="1200" dirty="0" smtClean="0">
-                <a:solidFill>
-                  <a:schemeClr val="tx1"/>
-                </a:solidFill>
-                <a:effectLst/>
-                <a:latin typeface="+mn-lt"/>
-                <a:ea typeface="+mn-ea"/>
-                <a:cs typeface="+mn-cs"/>
-              </a:rPr>
-              <a:t>No differentiation between static and dynamic elements *</a:t>
-            </a:r>
-            <a:endParaRPr lang="en-US" sz="1200" b="0" i="0" kern="1200" dirty="0">
-              <a:solidFill>
-                <a:schemeClr val="tx1"/>
-              </a:solidFill>
-              <a:effectLst/>
-              <a:latin typeface="+mn-lt"/>
-              <a:ea typeface="+mn-ea"/>
-              <a:cs typeface="+mn-cs"/>
-            </a:endParaRPr>
+              <a:t>private.</a:t>
+            </a:r>
+            <a:endParaRPr lang="en-US" dirty="0"/>
           </a:p>
         </p:txBody>
       </p:sp>
@@ -1507,7 +1359,7 @@
           <a:p>
             <a:fld id="{47CA5B65-C32E-4594-82B5-5B950CCEF23B}" type="slidenum">
               <a:rPr lang="en-US" smtClean="0"/>
-              <a:t>18</a:t>
+              <a:t>17</a:t>
             </a:fld>
             <a:endParaRPr lang="en-US"/>
           </a:p>
@@ -1516,7 +1368,7 @@
     </p:spTree>
     <p:extLst>
       <p:ext uri="{BB962C8B-B14F-4D97-AF65-F5344CB8AC3E}">
-        <p14:creationId xmlns:p14="http://schemas.microsoft.com/office/powerpoint/2010/main" val="1044047736"/>
+        <p14:creationId xmlns:p14="http://schemas.microsoft.com/office/powerpoint/2010/main" val="1224336219"/>
       </p:ext>
     </p:extLst>
   </p:cSld>
@@ -1571,7 +1423,7 @@
           <a:lstStyle/>
           <a:p>
             <a:r>
-              <a:rPr lang="en-US" sz="1200" b="0" i="0" kern="1200" dirty="0" smtClean="0">
+              <a:rPr lang="en-US" sz="1200" b="1" i="0" kern="1200" cap="all" dirty="0" smtClean="0">
                 <a:solidFill>
                   <a:schemeClr val="tx1"/>
                 </a:solidFill>
@@ -1580,10 +1432,12 @@
                 <a:ea typeface="+mn-ea"/>
                 <a:cs typeface="+mn-cs"/>
               </a:rPr>
-              <a:t>In React each component is well encapsulated and maintains its own state (if </a:t>
-            </a:r>
-            <a:r>
-              <a:rPr lang="en-US" sz="1200" b="0" i="0" kern="1200" dirty="0" err="1" smtClean="0">
+              <a:t>PROS</a:t>
+            </a:r>
+          </a:p>
+          <a:p>
+            <a:r>
+              <a:rPr lang="en-US" sz="1200" b="0" i="0" kern="1200" dirty="0" smtClean="0">
                 <a:solidFill>
                   <a:schemeClr val="tx1"/>
                 </a:solidFill>
@@ -1592,8 +1446,10 @@
                 <a:ea typeface="+mn-ea"/>
                 <a:cs typeface="+mn-cs"/>
               </a:rPr>
-              <a:t>stateful</a:t>
-            </a:r>
+              <a:t>Fast and efficient "diffing" algorithm</a:t>
+            </a:r>
+          </a:p>
+          <a:p>
             <a:r>
               <a:rPr lang="en-US" sz="1200" b="0" i="0" kern="1200" dirty="0" smtClean="0">
                 <a:solidFill>
@@ -1604,7 +1460,7 @@
                 <a:ea typeface="+mn-ea"/>
                 <a:cs typeface="+mn-cs"/>
               </a:rPr>
-              <a:t>). A </a:t>
+              <a:t>Multiple frontends (JSX, </a:t>
             </a:r>
             <a:r>
               <a:rPr lang="en-US" sz="1200" b="0" i="0" kern="1200" dirty="0" err="1" smtClean="0">
@@ -1616,7 +1472,7 @@
                 <a:ea typeface="+mn-ea"/>
                 <a:cs typeface="+mn-cs"/>
               </a:rPr>
-              <a:t>stateful</a:t>
+              <a:t>hyperscript</a:t>
             </a:r>
             <a:r>
               <a:rPr lang="en-US" sz="1200" b="0" i="0" kern="1200" dirty="0" smtClean="0">
@@ -1628,12 +1484,10 @@
                 <a:ea typeface="+mn-ea"/>
                 <a:cs typeface="+mn-cs"/>
               </a:rPr>
-              <a:t> component can store a value in its state and pass it to its child components via </a:t>
-            </a:r>
-            <a:r>
-              <a:rPr lang="en-US" dirty="0" smtClean="0"/>
-              <a:t>props</a:t>
-            </a:r>
+              <a:t>)</a:t>
+            </a:r>
+          </a:p>
+          <a:p>
             <a:r>
               <a:rPr lang="en-US" sz="1200" b="0" i="0" kern="1200" dirty="0" smtClean="0">
                 <a:solidFill>
@@ -1644,12 +1498,10 @@
                 <a:ea typeface="+mn-ea"/>
                 <a:cs typeface="+mn-cs"/>
               </a:rPr>
-              <a:t>. This ensures that whenever a component’s state changes, the </a:t>
-            </a:r>
-            <a:r>
-              <a:rPr lang="en-US" dirty="0" smtClean="0"/>
-              <a:t>props</a:t>
-            </a:r>
+              <a:t>Lightweight enough to run on mobile devices</a:t>
+            </a:r>
+          </a:p>
+          <a:p>
             <a:r>
               <a:rPr lang="en-US" sz="1200" b="0" i="0" kern="1200" dirty="0" smtClean="0">
                 <a:solidFill>
@@ -1660,12 +1512,10 @@
                 <a:ea typeface="+mn-ea"/>
                 <a:cs typeface="+mn-cs"/>
               </a:rPr>
-              <a:t> also change. As a result the child components that depend on these </a:t>
-            </a:r>
-            <a:r>
-              <a:rPr lang="en-US" dirty="0" smtClean="0"/>
-              <a:t>props</a:t>
-            </a:r>
+              <a:t>Lots of traction and mindshare</a:t>
+            </a:r>
+          </a:p>
+          <a:p>
             <a:r>
               <a:rPr lang="en-US" sz="1200" b="0" i="0" kern="1200" dirty="0" smtClean="0">
                 <a:solidFill>
@@ -1676,12 +1526,12 @@
                 <a:ea typeface="+mn-ea"/>
                 <a:cs typeface="+mn-cs"/>
               </a:rPr>
-              <a:t> re-render themselves automatically.</a:t>
-            </a:r>
-          </a:p>
-          <a:p>
-            <a:r>
-              <a:rPr lang="en-US" sz="1200" b="0" i="0" kern="1200" dirty="0" smtClean="0">
+              <a:t>Can be used without React (i.e. as an independent engine)</a:t>
+            </a:r>
+          </a:p>
+          <a:p>
+            <a:r>
+              <a:rPr lang="en-US" sz="1200" b="1" i="0" kern="1200" cap="all" dirty="0" smtClean="0">
                 <a:solidFill>
                   <a:schemeClr val="tx1"/>
                 </a:solidFill>
@@ -1690,10 +1540,12 @@
                 <a:ea typeface="+mn-ea"/>
                 <a:cs typeface="+mn-cs"/>
               </a:rPr>
-              <a:t>You could say the state is </a:t>
-            </a:r>
-            <a:r>
-              <a:rPr lang="en-US" sz="1200" b="1" i="0" kern="1200" dirty="0" smtClean="0">
+              <a:t>CONS</a:t>
+            </a:r>
+          </a:p>
+          <a:p>
+            <a:r>
+              <a:rPr lang="en-US" sz="1200" b="0" i="0" kern="1200" dirty="0" smtClean="0">
                 <a:solidFill>
                   <a:schemeClr val="tx1"/>
                 </a:solidFill>
@@ -1702,9 +1554,31 @@
                 <a:ea typeface="+mn-ea"/>
                 <a:cs typeface="+mn-cs"/>
               </a:rPr>
-              <a:t>private.</a:t>
-            </a:r>
-            <a:endParaRPr lang="en-US" dirty="0"/>
+              <a:t>Full in-memory copy of the DOM (higher memory use)</a:t>
+            </a:r>
+          </a:p>
+          <a:p>
+            <a:r>
+              <a:rPr lang="en-US" sz="1200" b="0" i="0" kern="1200" dirty="0" smtClean="0">
+                <a:solidFill>
+                  <a:schemeClr val="tx1"/>
+                </a:solidFill>
+                <a:effectLst/>
+                <a:latin typeface="+mn-lt"/>
+                <a:ea typeface="+mn-ea"/>
+                <a:cs typeface="+mn-cs"/>
+              </a:rPr>
+              <a:t>No differentiation between static and dynamic elements *</a:t>
+            </a:r>
+            <a:endParaRPr lang="en-US" sz="1200" b="0" i="0" kern="1200" dirty="0">
+              <a:solidFill>
+                <a:schemeClr val="tx1"/>
+              </a:solidFill>
+              <a:effectLst/>
+              <a:latin typeface="+mn-lt"/>
+              <a:ea typeface="+mn-ea"/>
+              <a:cs typeface="+mn-cs"/>
+            </a:endParaRPr>
           </a:p>
         </p:txBody>
       </p:sp>
@@ -1725,7 +1599,7 @@
           <a:p>
             <a:fld id="{47CA5B65-C32E-4594-82B5-5B950CCEF23B}" type="slidenum">
               <a:rPr lang="en-US" smtClean="0"/>
-              <a:t>19</a:t>
+              <a:t>18</a:t>
             </a:fld>
             <a:endParaRPr lang="en-US"/>
           </a:p>
@@ -1734,7 +1608,7 @@
     </p:spTree>
     <p:extLst>
       <p:ext uri="{BB962C8B-B14F-4D97-AF65-F5344CB8AC3E}">
-        <p14:creationId xmlns:p14="http://schemas.microsoft.com/office/powerpoint/2010/main" val="1224336219"/>
+        <p14:creationId xmlns:p14="http://schemas.microsoft.com/office/powerpoint/2010/main" val="1044047736"/>
       </p:ext>
     </p:extLst>
   </p:cSld>
@@ -1789,67 +1663,140 @@
           <a:lstStyle/>
           <a:p>
             <a:r>
+              <a:rPr lang="en-US" sz="1200" b="0" i="0" kern="1200" dirty="0" smtClean="0">
+                <a:solidFill>
+                  <a:schemeClr val="tx1"/>
+                </a:solidFill>
+                <a:effectLst/>
+                <a:latin typeface="+mn-lt"/>
+                <a:ea typeface="+mn-ea"/>
+                <a:cs typeface="+mn-cs"/>
+              </a:rPr>
+              <a:t>In React each component is well encapsulated and maintains its own state (if </a:t>
+            </a:r>
+            <a:r>
+              <a:rPr lang="en-US" sz="1200" b="0" i="0" kern="1200" dirty="0" err="1" smtClean="0">
+                <a:solidFill>
+                  <a:schemeClr val="tx1"/>
+                </a:solidFill>
+                <a:effectLst/>
+                <a:latin typeface="+mn-lt"/>
+                <a:ea typeface="+mn-ea"/>
+                <a:cs typeface="+mn-cs"/>
+              </a:rPr>
+              <a:t>stateful</a:t>
+            </a:r>
+            <a:r>
+              <a:rPr lang="en-US" sz="1200" b="0" i="0" kern="1200" dirty="0" smtClean="0">
+                <a:solidFill>
+                  <a:schemeClr val="tx1"/>
+                </a:solidFill>
+                <a:effectLst/>
+                <a:latin typeface="+mn-lt"/>
+                <a:ea typeface="+mn-ea"/>
+                <a:cs typeface="+mn-cs"/>
+              </a:rPr>
+              <a:t>). A </a:t>
+            </a:r>
+            <a:r>
+              <a:rPr lang="en-US" sz="1200" b="0" i="0" kern="1200" dirty="0" err="1" smtClean="0">
+                <a:solidFill>
+                  <a:schemeClr val="tx1"/>
+                </a:solidFill>
+                <a:effectLst/>
+                <a:latin typeface="+mn-lt"/>
+                <a:ea typeface="+mn-ea"/>
+                <a:cs typeface="+mn-cs"/>
+              </a:rPr>
+              <a:t>stateful</a:t>
+            </a:r>
+            <a:r>
+              <a:rPr lang="en-US" sz="1200" b="0" i="0" kern="1200" dirty="0" smtClean="0">
+                <a:solidFill>
+                  <a:schemeClr val="tx1"/>
+                </a:solidFill>
+                <a:effectLst/>
+                <a:latin typeface="+mn-lt"/>
+                <a:ea typeface="+mn-ea"/>
+                <a:cs typeface="+mn-cs"/>
+              </a:rPr>
+              <a:t> component can store a value in its state and pass it to its child components via </a:t>
+            </a:r>
+            <a:r>
               <a:rPr lang="en-US" dirty="0" smtClean="0"/>
-              <a:t>Notes:</a:t>
-            </a:r>
-          </a:p>
-          <a:p>
-            <a:pPr marL="171450" indent="-171450">
-              <a:buFontTx/>
-              <a:buChar char="-"/>
-            </a:pPr>
-            <a:r>
-              <a:rPr lang="en-US" baseline="0" dirty="0" smtClean="0"/>
-              <a:t>There are some conflict when using </a:t>
-            </a:r>
-            <a:r>
-              <a:rPr lang="en-US" baseline="0" dirty="0" err="1" smtClean="0"/>
-              <a:t>mixins</a:t>
-            </a:r>
-            <a:r>
-              <a:rPr lang="en-US" baseline="0" dirty="0" smtClean="0"/>
-              <a:t>:</a:t>
-            </a:r>
-          </a:p>
-          <a:p>
-            <a:pPr marL="628650" lvl="1" indent="-171450">
-              <a:buFontTx/>
-              <a:buChar char="-"/>
-            </a:pPr>
-            <a:r>
-              <a:rPr lang="en-US" baseline="0" dirty="0" err="1" smtClean="0"/>
-              <a:t>getDefaultProps</a:t>
-            </a:r>
-            <a:r>
-              <a:rPr lang="en-US" baseline="0" dirty="0" smtClean="0"/>
-              <a:t>: the same prop name</a:t>
-            </a:r>
-          </a:p>
-          <a:p>
-            <a:pPr marL="628650" lvl="1" indent="-171450">
-              <a:buFontTx/>
-              <a:buChar char="-"/>
-            </a:pPr>
-            <a:r>
-              <a:rPr lang="en-US" baseline="0" dirty="0" err="1" smtClean="0"/>
-              <a:t>getDefaultState</a:t>
-            </a:r>
-            <a:r>
-              <a:rPr lang="en-US" baseline="0" dirty="0" smtClean="0"/>
-              <a:t>: the same prop name</a:t>
-            </a:r>
-            <a:endParaRPr lang="en-US" baseline="0" dirty="0"/>
-          </a:p>
-          <a:p>
-            <a:pPr marL="171450" lvl="0" indent="-171450">
-              <a:buFontTx/>
-              <a:buChar char="-"/>
-            </a:pPr>
-            <a:r>
-              <a:rPr lang="en-US" baseline="0" dirty="0" smtClean="0"/>
-              <a:t>The same method name</a:t>
-            </a:r>
-            <a:endParaRPr lang="en-US" baseline="0" dirty="0"/>
+              <a:t>props</a:t>
+            </a:r>
+            <a:r>
+              <a:rPr lang="en-US" sz="1200" b="0" i="0" kern="1200" dirty="0" smtClean="0">
+                <a:solidFill>
+                  <a:schemeClr val="tx1"/>
+                </a:solidFill>
+                <a:effectLst/>
+                <a:latin typeface="+mn-lt"/>
+                <a:ea typeface="+mn-ea"/>
+                <a:cs typeface="+mn-cs"/>
+              </a:rPr>
+              <a:t>. This ensures that whenever a component’s state changes, the </a:t>
+            </a:r>
+            <a:r>
+              <a:rPr lang="en-US" dirty="0" smtClean="0"/>
+              <a:t>props</a:t>
+            </a:r>
+            <a:r>
+              <a:rPr lang="en-US" sz="1200" b="0" i="0" kern="1200" dirty="0" smtClean="0">
+                <a:solidFill>
+                  <a:schemeClr val="tx1"/>
+                </a:solidFill>
+                <a:effectLst/>
+                <a:latin typeface="+mn-lt"/>
+                <a:ea typeface="+mn-ea"/>
+                <a:cs typeface="+mn-cs"/>
+              </a:rPr>
+              <a:t> also change. As a result the child components that depend on these </a:t>
+            </a:r>
+            <a:r>
+              <a:rPr lang="en-US" dirty="0" smtClean="0"/>
+              <a:t>props</a:t>
+            </a:r>
+            <a:r>
+              <a:rPr lang="en-US" sz="1200" b="0" i="0" kern="1200" dirty="0" smtClean="0">
+                <a:solidFill>
+                  <a:schemeClr val="tx1"/>
+                </a:solidFill>
+                <a:effectLst/>
+                <a:latin typeface="+mn-lt"/>
+                <a:ea typeface="+mn-ea"/>
+                <a:cs typeface="+mn-cs"/>
+              </a:rPr>
+              <a:t> re-render themselves automatically.</a:t>
+            </a:r>
+          </a:p>
+          <a:p>
+            <a:r>
+              <a:rPr lang="en-US" sz="1200" b="0" i="0" kern="1200" dirty="0" smtClean="0">
+                <a:solidFill>
+                  <a:schemeClr val="tx1"/>
+                </a:solidFill>
+                <a:effectLst/>
+                <a:latin typeface="+mn-lt"/>
+                <a:ea typeface="+mn-ea"/>
+                <a:cs typeface="+mn-cs"/>
+              </a:rPr>
+              <a:t>You could say the state is </a:t>
+            </a:r>
+            <a:r>
+              <a:rPr lang="en-US" sz="1200" b="1" i="0" kern="1200" dirty="0" smtClean="0">
+                <a:solidFill>
+                  <a:schemeClr val="tx1"/>
+                </a:solidFill>
+                <a:effectLst/>
+                <a:latin typeface="+mn-lt"/>
+                <a:ea typeface="+mn-ea"/>
+                <a:cs typeface="+mn-cs"/>
+              </a:rPr>
+              <a:t>private.</a:t>
+            </a:r>
+            <a:endParaRPr lang="en-US" dirty="0"/>
           </a:p>
         </p:txBody>
       </p:sp>
@@ -1870,7 +1817,7 @@
           <a:p>
             <a:fld id="{47CA5B65-C32E-4594-82B5-5B950CCEF23B}" type="slidenum">
               <a:rPr lang="en-US" smtClean="0"/>
-              <a:t>20</a:t>
+              <a:t>19</a:t>
             </a:fld>
             <a:endParaRPr lang="en-US"/>
           </a:p>
@@ -1879,7 +1826,7 @@
     </p:spTree>
     <p:extLst>
       <p:ext uri="{BB962C8B-B14F-4D97-AF65-F5344CB8AC3E}">
-        <p14:creationId xmlns:p14="http://schemas.microsoft.com/office/powerpoint/2010/main" val="3704078898"/>
+        <p14:creationId xmlns:p14="http://schemas.microsoft.com/office/powerpoint/2010/main" val="1224336219"/>
       </p:ext>
     </p:extLst>
   </p:cSld>
@@ -1933,6 +1880,67 @@
           <a:bodyPr/>
           <a:lstStyle/>
           <a:p>
+            <a:r>
+              <a:rPr lang="en-US" dirty="0" smtClean="0"/>
+              <a:t>Notes:</a:t>
+            </a:r>
+          </a:p>
+          <a:p>
+            <a:pPr marL="171450" indent="-171450">
+              <a:buFontTx/>
+              <a:buChar char="-"/>
+            </a:pPr>
+            <a:r>
+              <a:rPr lang="en-US" baseline="0" dirty="0" smtClean="0"/>
+              <a:t>There are some conflict when using </a:t>
+            </a:r>
+            <a:r>
+              <a:rPr lang="en-US" baseline="0" dirty="0" err="1" smtClean="0"/>
+              <a:t>mixins</a:t>
+            </a:r>
+            <a:r>
+              <a:rPr lang="en-US" baseline="0" dirty="0" smtClean="0"/>
+              <a:t>:</a:t>
+            </a:r>
+          </a:p>
+          <a:p>
+            <a:pPr marL="628650" lvl="1" indent="-171450">
+              <a:buFontTx/>
+              <a:buChar char="-"/>
+            </a:pPr>
+            <a:r>
+              <a:rPr lang="en-US" baseline="0" dirty="0" err="1" smtClean="0"/>
+              <a:t>getDefaultProps</a:t>
+            </a:r>
+            <a:r>
+              <a:rPr lang="en-US" baseline="0" dirty="0" smtClean="0"/>
+              <a:t>: the same prop name</a:t>
+            </a:r>
+          </a:p>
+          <a:p>
+            <a:pPr marL="628650" lvl="1" indent="-171450">
+              <a:buFontTx/>
+              <a:buChar char="-"/>
+            </a:pPr>
+            <a:r>
+              <a:rPr lang="en-US" baseline="0" dirty="0" err="1" smtClean="0"/>
+              <a:t>getDefaultState</a:t>
+            </a:r>
+            <a:r>
+              <a:rPr lang="en-US" baseline="0" dirty="0" smtClean="0"/>
+              <a:t>: the same prop name</a:t>
+            </a:r>
+            <a:endParaRPr lang="en-US" baseline="0" dirty="0"/>
+          </a:p>
+          <a:p>
+            <a:pPr marL="171450" lvl="0" indent="-171450">
+              <a:buFontTx/>
+              <a:buChar char="-"/>
+            </a:pPr>
+            <a:r>
+              <a:rPr lang="en-US" baseline="0" dirty="0" smtClean="0"/>
+              <a:t>The same method name</a:t>
+            </a:r>
             <a:endParaRPr lang="en-US" baseline="0" dirty="0"/>
           </a:p>
         </p:txBody>
@@ -1954,7 +1962,7 @@
           <a:p>
             <a:fld id="{47CA5B65-C32E-4594-82B5-5B950CCEF23B}" type="slidenum">
               <a:rPr lang="en-US" smtClean="0"/>
-              <a:t>21</a:t>
+              <a:t>20</a:t>
             </a:fld>
             <a:endParaRPr lang="en-US"/>
           </a:p>
@@ -2017,10 +2025,6 @@
           <a:bodyPr/>
           <a:lstStyle/>
           <a:p>
-            <a:r>
-              <a:rPr lang="en-US" baseline="0" dirty="0" smtClean="0"/>
-              <a:t>https://facebook.github.io/react/docs/component-specs.html</a:t>
-            </a:r>
             <a:endParaRPr lang="en-US" baseline="0" dirty="0"/>
           </a:p>
         </p:txBody>
@@ -2042,7 +2046,7 @@
           <a:p>
             <a:fld id="{47CA5B65-C32E-4594-82B5-5B950CCEF23B}" type="slidenum">
               <a:rPr lang="en-US" smtClean="0"/>
-              <a:t>22</a:t>
+              <a:t>21</a:t>
             </a:fld>
             <a:endParaRPr lang="en-US"/>
           </a:p>
@@ -2106,248 +2110,10 @@
           <a:lstStyle/>
           <a:p>
             <a:r>
-              <a:rPr lang="en-US" sz="1200" b="0" i="0" kern="1200" dirty="0" smtClean="0">
-                <a:solidFill>
-                  <a:schemeClr val="tx1"/>
-                </a:solidFill>
-                <a:effectLst/>
-                <a:latin typeface="+mn-lt"/>
-                <a:ea typeface="+mn-ea"/>
-                <a:cs typeface="+mn-cs"/>
-              </a:rPr>
-              <a:t>Any changes on the props object will also trigger the lifecycle and is almost identical to the state change with one additional method being called.</a:t>
-            </a:r>
-          </a:p>
-          <a:p>
-            <a:r>
-              <a:rPr lang="en-US" sz="1200" b="1" i="1" kern="1200" dirty="0" err="1" smtClean="0">
-                <a:solidFill>
-                  <a:schemeClr val="tx1"/>
-                </a:solidFill>
-                <a:effectLst/>
-                <a:latin typeface="+mn-lt"/>
-                <a:ea typeface="+mn-ea"/>
-                <a:cs typeface="+mn-cs"/>
-              </a:rPr>
-              <a:t>componentWillReceiveProps</a:t>
-            </a:r>
-            <a:r>
-              <a:rPr lang="en-US" sz="1200" b="0" i="0" kern="1200" dirty="0" smtClean="0">
-                <a:solidFill>
-                  <a:schemeClr val="tx1"/>
-                </a:solidFill>
-                <a:effectLst/>
-                <a:latin typeface="+mn-lt"/>
-                <a:ea typeface="+mn-ea"/>
-                <a:cs typeface="+mn-cs"/>
-              </a:rPr>
-              <a:t> is only called when the props have changed and when this is not an initial </a:t>
-            </a:r>
-            <a:r>
-              <a:rPr lang="en-US" sz="1200" b="0" i="0" kern="1200" dirty="0" err="1" smtClean="0">
-                <a:solidFill>
-                  <a:schemeClr val="tx1"/>
-                </a:solidFill>
-                <a:effectLst/>
-                <a:latin typeface="+mn-lt"/>
-                <a:ea typeface="+mn-ea"/>
-                <a:cs typeface="+mn-cs"/>
-              </a:rPr>
-              <a:t>rendering.</a:t>
-            </a:r>
-            <a:r>
-              <a:rPr lang="en-US" sz="1200" b="0" i="1" kern="1200" dirty="0" err="1" smtClean="0">
-                <a:solidFill>
-                  <a:schemeClr val="tx1"/>
-                </a:solidFill>
-                <a:effectLst/>
-                <a:latin typeface="+mn-lt"/>
-                <a:ea typeface="+mn-ea"/>
-                <a:cs typeface="+mn-cs"/>
-              </a:rPr>
-              <a:t>componentWillReceiveProps</a:t>
-            </a:r>
-            <a:r>
-              <a:rPr lang="en-US" sz="1200" b="0" i="0" kern="1200" dirty="0" smtClean="0">
-                <a:solidFill>
-                  <a:schemeClr val="tx1"/>
-                </a:solidFill>
-                <a:effectLst/>
-                <a:latin typeface="+mn-lt"/>
-                <a:ea typeface="+mn-ea"/>
-                <a:cs typeface="+mn-cs"/>
-              </a:rPr>
-              <a:t> enables to update the state depending on the existing and upcoming props, without triggering another rendering. One interesting thing to remember here is that there is no equivalent method for the state as state changes should never trigger any props changes.</a:t>
-            </a:r>
-          </a:p>
-          <a:p>
-            <a:r>
-              <a:rPr lang="en-US" sz="1200" b="0" i="0" kern="1200" dirty="0" err="1" smtClean="0">
-                <a:solidFill>
-                  <a:schemeClr val="tx1"/>
-                </a:solidFill>
-                <a:effectLst/>
-                <a:latin typeface="+mn-lt"/>
-                <a:ea typeface="+mn-ea"/>
-                <a:cs typeface="+mn-cs"/>
-              </a:rPr>
-              <a:t>componentWillReceiveProps</a:t>
-            </a:r>
-            <a:r>
-              <a:rPr lang="en-US" sz="1200" b="1" i="0" kern="1200" dirty="0" smtClean="0">
-                <a:solidFill>
-                  <a:schemeClr val="tx1"/>
-                </a:solidFill>
-                <a:effectLst/>
-                <a:latin typeface="+mn-lt"/>
-                <a:ea typeface="+mn-ea"/>
-                <a:cs typeface="+mn-cs"/>
-              </a:rPr>
-              <a:t>:</a:t>
-            </a:r>
-            <a:r>
-              <a:rPr lang="en-US" sz="1200" b="0" i="0" kern="1200" dirty="0" smtClean="0">
-                <a:solidFill>
-                  <a:schemeClr val="tx1"/>
-                </a:solidFill>
-                <a:effectLst/>
-                <a:latin typeface="+mn-lt"/>
-                <a:ea typeface="+mn-ea"/>
-                <a:cs typeface="+mn-cs"/>
-              </a:rPr>
-              <a:t> </a:t>
-            </a:r>
-            <a:r>
-              <a:rPr lang="en-US" sz="1200" b="1" i="0" kern="1200" dirty="0" smtClean="0">
-                <a:solidFill>
-                  <a:schemeClr val="tx1"/>
-                </a:solidFill>
-                <a:effectLst/>
-                <a:latin typeface="+mn-lt"/>
-                <a:ea typeface="+mn-ea"/>
-                <a:cs typeface="+mn-cs"/>
-              </a:rPr>
-              <a:t>function</a:t>
-            </a:r>
-            <a:r>
-              <a:rPr lang="en-US" sz="1200" b="0" i="0" kern="1200" dirty="0" smtClean="0">
-                <a:solidFill>
-                  <a:schemeClr val="tx1"/>
-                </a:solidFill>
-                <a:effectLst/>
-                <a:latin typeface="+mn-lt"/>
-                <a:ea typeface="+mn-ea"/>
-                <a:cs typeface="+mn-cs"/>
-              </a:rPr>
-              <a:t>(</a:t>
-            </a:r>
-            <a:r>
-              <a:rPr lang="en-US" sz="1200" b="0" i="0" kern="1200" dirty="0" err="1" smtClean="0">
-                <a:solidFill>
-                  <a:schemeClr val="tx1"/>
-                </a:solidFill>
-                <a:effectLst/>
-                <a:latin typeface="+mn-lt"/>
-                <a:ea typeface="+mn-ea"/>
-                <a:cs typeface="+mn-cs"/>
-              </a:rPr>
-              <a:t>nextProps</a:t>
-            </a:r>
-            <a:r>
-              <a:rPr lang="en-US" sz="1200" b="0" i="0" kern="1200" dirty="0" smtClean="0">
-                <a:solidFill>
-                  <a:schemeClr val="tx1"/>
-                </a:solidFill>
-                <a:effectLst/>
-                <a:latin typeface="+mn-lt"/>
-                <a:ea typeface="+mn-ea"/>
-                <a:cs typeface="+mn-cs"/>
-              </a:rPr>
-              <a:t>) { </a:t>
-            </a:r>
-            <a:r>
-              <a:rPr lang="en-US" sz="1200" b="1" i="0" kern="1200" dirty="0" err="1" smtClean="0">
-                <a:solidFill>
-                  <a:schemeClr val="tx1"/>
-                </a:solidFill>
-                <a:effectLst/>
-                <a:latin typeface="+mn-lt"/>
-                <a:ea typeface="+mn-ea"/>
-                <a:cs typeface="+mn-cs"/>
-              </a:rPr>
-              <a:t>this</a:t>
-            </a:r>
-            <a:r>
-              <a:rPr lang="en-US" sz="1200" b="0" i="0" kern="1200" dirty="0" err="1" smtClean="0">
-                <a:solidFill>
-                  <a:schemeClr val="tx1"/>
-                </a:solidFill>
-                <a:effectLst/>
-                <a:latin typeface="+mn-lt"/>
-                <a:ea typeface="+mn-ea"/>
-                <a:cs typeface="+mn-cs"/>
-              </a:rPr>
-              <a:t>.setState</a:t>
-            </a:r>
-            <a:r>
-              <a:rPr lang="en-US" sz="1200" b="0" i="0" kern="1200" dirty="0" smtClean="0">
-                <a:solidFill>
-                  <a:schemeClr val="tx1"/>
-                </a:solidFill>
-                <a:effectLst/>
-                <a:latin typeface="+mn-lt"/>
-                <a:ea typeface="+mn-ea"/>
-                <a:cs typeface="+mn-cs"/>
-              </a:rPr>
-              <a:t>({ </a:t>
-            </a:r>
-            <a:r>
-              <a:rPr lang="en-US" sz="1200" b="0" i="1" kern="1200" dirty="0" smtClean="0">
-                <a:solidFill>
-                  <a:schemeClr val="tx1"/>
-                </a:solidFill>
-                <a:effectLst/>
-                <a:latin typeface="+mn-lt"/>
-                <a:ea typeface="+mn-ea"/>
-                <a:cs typeface="+mn-cs"/>
-              </a:rPr>
-              <a:t>// set something </a:t>
-            </a:r>
-            <a:r>
-              <a:rPr lang="en-US" sz="1200" b="0" i="0" kern="1200" dirty="0" smtClean="0">
-                <a:solidFill>
-                  <a:schemeClr val="tx1"/>
-                </a:solidFill>
-                <a:effectLst/>
-                <a:latin typeface="+mn-lt"/>
-                <a:ea typeface="+mn-ea"/>
-                <a:cs typeface="+mn-cs"/>
-              </a:rPr>
-              <a:t>}); } </a:t>
-            </a:r>
-          </a:p>
-          <a:p>
-            <a:r>
-              <a:rPr lang="en-US" sz="1200" b="0" i="0" kern="1200" dirty="0" smtClean="0">
-                <a:solidFill>
-                  <a:schemeClr val="tx1"/>
-                </a:solidFill>
-                <a:effectLst/>
-                <a:latin typeface="+mn-lt"/>
-                <a:ea typeface="+mn-ea"/>
-                <a:cs typeface="+mn-cs"/>
-              </a:rPr>
-              <a:t>The rest of the lifecycle reveals nothing new here and is identical to the state change triggered cycle.</a:t>
-            </a:r>
-            <a:endParaRPr lang="en-US" sz="1200" b="0" i="0" kern="1200" dirty="0">
-              <a:solidFill>
-                <a:schemeClr val="tx1"/>
-              </a:solidFill>
-              <a:effectLst/>
-              <a:latin typeface="+mn-lt"/>
-              <a:ea typeface="+mn-ea"/>
-              <a:cs typeface="+mn-cs"/>
-            </a:endParaRPr>
+              <a:rPr lang="en-US" baseline="0" dirty="0" smtClean="0"/>
+              <a:t>https://facebook.github.io/react/docs/component-specs.html</a:t>
+            </a:r>
+            <a:endParaRPr lang="en-US" baseline="0" dirty="0"/>
           </a:p>
         </p:txBody>
       </p:sp>
@@ -2368,7 +2134,7 @@
           <a:p>
             <a:fld id="{47CA5B65-C32E-4594-82B5-5B950CCEF23B}" type="slidenum">
               <a:rPr lang="en-US" smtClean="0"/>
-              <a:t>23</a:t>
+              <a:t>22</a:t>
             </a:fld>
             <a:endParaRPr lang="en-US"/>
           </a:p>
@@ -2441,10 +2207,12 @@
                 <a:ea typeface="+mn-ea"/>
                 <a:cs typeface="+mn-cs"/>
               </a:rPr>
-              <a:t>From looking at the image above we can see that the first two methods being called are </a:t>
-            </a:r>
-            <a:r>
-              <a:rPr lang="en-US" sz="1200" b="0" i="1" kern="1200" dirty="0" err="1" smtClean="0">
+              <a:t>Any changes on the props object will also trigger the lifecycle and is almost identical to the state change with one additional method being called.</a:t>
+            </a:r>
+          </a:p>
+          <a:p>
+            <a:r>
+              <a:rPr lang="en-US" sz="1200" b="1" i="1" kern="1200" dirty="0" err="1" smtClean="0">
                 <a:solidFill>
                   <a:schemeClr val="tx1"/>
                 </a:solidFill>
@@ -2453,7 +2221,7 @@
                 <a:ea typeface="+mn-ea"/>
                 <a:cs typeface="+mn-cs"/>
               </a:rPr>
-              <a:t>getDefaultProps</a:t>
+              <a:t>componentWillReceiveProps</a:t>
             </a:r>
             <a:r>
               <a:rPr lang="en-US" sz="1200" b="0" i="0" kern="1200" dirty="0" smtClean="0">
@@ -2465,10 +2233,10 @@
                 <a:ea typeface="+mn-ea"/>
                 <a:cs typeface="+mn-cs"/>
               </a:rPr>
-              <a:t> and </a:t>
-            </a:r>
-            <a:r>
-              <a:rPr lang="en-US" sz="1200" b="0" i="1" kern="1200" dirty="0" err="1" smtClean="0">
+              <a:t> is only called when the props have changed and when this is not an initial </a:t>
+            </a:r>
+            <a:r>
+              <a:rPr lang="en-US" sz="1200" b="0" i="0" kern="1200" dirty="0" err="1" smtClean="0">
                 <a:solidFill>
                   <a:schemeClr val="tx1"/>
                 </a:solidFill>
@@ -2477,10 +2245,10 @@
                 <a:ea typeface="+mn-ea"/>
                 <a:cs typeface="+mn-cs"/>
               </a:rPr>
-              <a:t>getInitialState</a:t>
-            </a:r>
-            <a:r>
-              <a:rPr lang="en-US" sz="1200" b="0" i="0" kern="1200" dirty="0" smtClean="0">
+              <a:t>rendering.</a:t>
+            </a:r>
+            <a:r>
+              <a:rPr lang="en-US" sz="1200" b="0" i="1" kern="1200" dirty="0" err="1" smtClean="0">
                 <a:solidFill>
                   <a:schemeClr val="tx1"/>
                 </a:solidFill>
@@ -2489,10 +2257,8 @@
                 <a:ea typeface="+mn-ea"/>
                 <a:cs typeface="+mn-cs"/>
               </a:rPr>
-              <a:t>. Both methods are only called once when initially rendering the component.</a:t>
-            </a:r>
-          </a:p>
-          <a:p>
+              <a:t>componentWillReceiveProps</a:t>
+            </a:r>
             <a:r>
               <a:rPr lang="en-US" sz="1200" b="0" i="0" kern="1200" dirty="0" smtClean="0">
                 <a:solidFill>
@@ -2503,10 +2269,12 @@
                 <a:ea typeface="+mn-ea"/>
                 <a:cs typeface="+mn-cs"/>
               </a:rPr>
-              <a:t>The </a:t>
-            </a:r>
-            <a:r>
-              <a:rPr lang="en-US" sz="1200" b="1" i="1" kern="1200" dirty="0" err="1" smtClean="0">
+              <a:t> enables to update the state depending on the existing and upcoming props, without triggering another rendering. One interesting thing to remember here is that there is no equivalent method for the state as state changes should never trigger any props changes.</a:t>
+            </a:r>
+          </a:p>
+          <a:p>
+            <a:r>
+              <a:rPr lang="en-US" sz="1200" b="0" i="0" kern="1200" dirty="0" err="1" smtClean="0">
                 <a:solidFill>
                   <a:schemeClr val="tx1"/>
                 </a:solidFill>
@@ -2515,10 +2283,10 @@
                 <a:ea typeface="+mn-ea"/>
                 <a:cs typeface="+mn-cs"/>
               </a:rPr>
-              <a:t>getInitialState</a:t>
-            </a:r>
-            <a:r>
-              <a:rPr lang="en-US" sz="1200" b="0" i="0" kern="1200" dirty="0" smtClean="0">
+              <a:t>componentWillReceiveProps</a:t>
+            </a:r>
+            <a:r>
+              <a:rPr lang="en-US" sz="1200" b="1" i="0" kern="1200" dirty="0" smtClean="0">
                 <a:solidFill>
                   <a:schemeClr val="tx1"/>
                 </a:solidFill>
@@ -2527,10 +2295,10 @@
                 <a:ea typeface="+mn-ea"/>
                 <a:cs typeface="+mn-cs"/>
               </a:rPr>
-              <a:t> method enables to set the initial state value, that is accessible inside the component via </a:t>
-            </a:r>
-            <a:r>
-              <a:rPr lang="en-US" sz="1200" b="0" i="1" kern="1200" dirty="0" err="1" smtClean="0">
+              <a:t>:</a:t>
+            </a:r>
+            <a:r>
+              <a:rPr lang="en-US" sz="1200" b="0" i="0" kern="1200" dirty="0" smtClean="0">
                 <a:solidFill>
                   <a:schemeClr val="tx1"/>
                 </a:solidFill>
@@ -2539,10 +2307,10 @@
                 <a:ea typeface="+mn-ea"/>
                 <a:cs typeface="+mn-cs"/>
               </a:rPr>
-              <a:t>this.state</a:t>
-            </a:r>
-            <a:r>
-              <a:rPr lang="en-US" sz="1200" b="0" i="0" kern="1200" dirty="0" smtClean="0">
+              <a:t> </a:t>
+            </a:r>
+            <a:r>
+              <a:rPr lang="en-US" sz="1200" b="1" i="0" kern="1200" dirty="0" smtClean="0">
                 <a:solidFill>
                   <a:schemeClr val="tx1"/>
                 </a:solidFill>
@@ -2551,12 +2319,10 @@
                 <a:ea typeface="+mn-ea"/>
                 <a:cs typeface="+mn-cs"/>
               </a:rPr>
-              <a:t>.</a:t>
-            </a:r>
-          </a:p>
-          <a:p>
-            <a:r>
-              <a:rPr lang="en-US" sz="1200" b="0" i="0" kern="1200" dirty="0" err="1" smtClean="0">
+              <a:t>function</a:t>
+            </a:r>
+            <a:r>
+              <a:rPr lang="en-US" sz="1200" b="0" i="0" kern="1200" dirty="0" smtClean="0">
                 <a:solidFill>
                   <a:schemeClr val="tx1"/>
                 </a:solidFill>
@@ -2565,10 +2331,10 @@
                 <a:ea typeface="+mn-ea"/>
                 <a:cs typeface="+mn-cs"/>
               </a:rPr>
-              <a:t>getInitialState</a:t>
-            </a:r>
-            <a:r>
-              <a:rPr lang="en-US" sz="1200" b="1" i="0" kern="1200" dirty="0" smtClean="0">
+              <a:t>(</a:t>
+            </a:r>
+            <a:r>
+              <a:rPr lang="en-US" sz="1200" b="0" i="0" kern="1200" dirty="0" err="1" smtClean="0">
                 <a:solidFill>
                   <a:schemeClr val="tx1"/>
                 </a:solidFill>
@@ -2577,7 +2343,7 @@
                 <a:ea typeface="+mn-ea"/>
                 <a:cs typeface="+mn-cs"/>
               </a:rPr>
-              <a:t>:</a:t>
+              <a:t>nextProps</a:t>
             </a:r>
             <a:r>
               <a:rPr lang="en-US" sz="1200" b="0" i="0" kern="1200" dirty="0" smtClean="0">
@@ -2589,10 +2355,10 @@
                 <a:ea typeface="+mn-ea"/>
                 <a:cs typeface="+mn-cs"/>
               </a:rPr>
-              <a:t> </a:t>
-            </a:r>
-            <a:r>
-              <a:rPr lang="en-US" sz="1200" b="1" i="0" kern="1200" dirty="0" smtClean="0">
+              <a:t>) { </a:t>
+            </a:r>
+            <a:r>
+              <a:rPr lang="en-US" sz="1200" b="1" i="0" kern="1200" dirty="0" err="1" smtClean="0">
                 <a:solidFill>
                   <a:schemeClr val="tx1"/>
                 </a:solidFill>
@@ -2601,10 +2367,10 @@
                 <a:ea typeface="+mn-ea"/>
                 <a:cs typeface="+mn-cs"/>
               </a:rPr>
-              <a:t>function</a:t>
-            </a:r>
-            <a:r>
-              <a:rPr lang="en-US" sz="1200" b="0" i="0" kern="1200" dirty="0" smtClean="0">
+              <a:t>this</a:t>
+            </a:r>
+            <a:r>
+              <a:rPr lang="en-US" sz="1200" b="0" i="0" kern="1200" dirty="0" err="1" smtClean="0">
                 <a:solidFill>
                   <a:schemeClr val="tx1"/>
                 </a:solidFill>
@@ -2613,10 +2379,10 @@
                 <a:ea typeface="+mn-ea"/>
                 <a:cs typeface="+mn-cs"/>
               </a:rPr>
-              <a:t>(){ </a:t>
-            </a:r>
-            <a:r>
-              <a:rPr lang="en-US" sz="1200" b="1" i="0" kern="1200" dirty="0" smtClean="0">
+              <a:t>.setState</a:t>
+            </a:r>
+            <a:r>
+              <a:rPr lang="en-US" sz="1200" b="0" i="0" kern="1200" dirty="0" smtClean="0">
                 <a:solidFill>
                   <a:schemeClr val="tx1"/>
                 </a:solidFill>
@@ -2625,10 +2391,10 @@
                 <a:ea typeface="+mn-ea"/>
                 <a:cs typeface="+mn-cs"/>
               </a:rPr>
-              <a:t>return</a:t>
-            </a:r>
-            <a:r>
-              <a:rPr lang="en-US" sz="1200" b="0" i="0" kern="1200" dirty="0" smtClean="0">
+              <a:t>({ </a:t>
+            </a:r>
+            <a:r>
+              <a:rPr lang="en-US" sz="1200" b="0" i="1" kern="1200" dirty="0" smtClean="0">
                 <a:solidFill>
                   <a:schemeClr val="tx1"/>
                 </a:solidFill>
@@ -2637,10 +2403,10 @@
                 <a:ea typeface="+mn-ea"/>
                 <a:cs typeface="+mn-cs"/>
               </a:rPr>
-              <a:t> { </a:t>
-            </a:r>
-            <a:r>
-              <a:rPr lang="en-US" sz="1200" b="0" i="1" kern="1200" dirty="0" smtClean="0">
+              <a:t>// set something </a:t>
+            </a:r>
+            <a:r>
+              <a:rPr lang="en-US" sz="1200" b="0" i="0" kern="1200" dirty="0" smtClean="0">
                 <a:solidFill>
                   <a:schemeClr val="tx1"/>
                 </a:solidFill>
@@ -2649,8 +2415,10 @@
                 <a:ea typeface="+mn-ea"/>
                 <a:cs typeface="+mn-cs"/>
               </a:rPr>
-              <a:t>/* something here */</a:t>
-            </a:r>
+              <a:t>}); } </a:t>
+            </a:r>
+          </a:p>
+          <a:p>
             <a:r>
               <a:rPr lang="en-US" sz="1200" b="0" i="0" kern="1200" dirty="0" smtClean="0">
                 <a:solidFill>
@@ -2661,469 +2429,17 @@
                 <a:ea typeface="+mn-ea"/>
                 <a:cs typeface="+mn-cs"/>
               </a:rPr>
-              <a:t>}; } </a:t>
-            </a:r>
-          </a:p>
-          <a:p>
-            <a:r>
-              <a:rPr lang="en-US" sz="1200" b="0" i="0" kern="1200" dirty="0" smtClean="0">
-                <a:solidFill>
-                  <a:schemeClr val="tx1"/>
-                </a:solidFill>
-                <a:effectLst/>
-                <a:latin typeface="+mn-lt"/>
-                <a:ea typeface="+mn-ea"/>
-                <a:cs typeface="+mn-cs"/>
-              </a:rPr>
-              <a:t>Analogously </a:t>
-            </a:r>
-            <a:r>
-              <a:rPr lang="en-US" sz="1200" b="1" i="1" kern="1200" dirty="0" err="1" smtClean="0">
-                <a:solidFill>
-                  <a:schemeClr val="tx1"/>
-                </a:solidFill>
-                <a:effectLst/>
-                <a:latin typeface="+mn-lt"/>
-                <a:ea typeface="+mn-ea"/>
-                <a:cs typeface="+mn-cs"/>
-              </a:rPr>
-              <a:t>getDefaultProps</a:t>
-            </a:r>
-            <a:r>
-              <a:rPr lang="en-US" sz="1200" b="0" i="0" kern="1200" dirty="0" smtClean="0">
-                <a:solidFill>
-                  <a:schemeClr val="tx1"/>
-                </a:solidFill>
-                <a:effectLst/>
-                <a:latin typeface="+mn-lt"/>
-                <a:ea typeface="+mn-ea"/>
-                <a:cs typeface="+mn-cs"/>
-              </a:rPr>
-              <a:t> can be used to define any default props which can be accessed via </a:t>
-            </a:r>
-            <a:r>
-              <a:rPr lang="en-US" sz="1200" b="0" i="1" kern="1200" dirty="0" err="1" smtClean="0">
-                <a:solidFill>
-                  <a:schemeClr val="tx1"/>
-                </a:solidFill>
-                <a:effectLst/>
-                <a:latin typeface="+mn-lt"/>
-                <a:ea typeface="+mn-ea"/>
-                <a:cs typeface="+mn-cs"/>
-              </a:rPr>
-              <a:t>this.props</a:t>
-            </a:r>
-            <a:r>
-              <a:rPr lang="en-US" sz="1200" b="0" i="0" kern="1200" dirty="0" smtClean="0">
-                <a:solidFill>
-                  <a:schemeClr val="tx1"/>
-                </a:solidFill>
-                <a:effectLst/>
-                <a:latin typeface="+mn-lt"/>
-                <a:ea typeface="+mn-ea"/>
-                <a:cs typeface="+mn-cs"/>
-              </a:rPr>
-              <a:t>.</a:t>
-            </a:r>
-          </a:p>
-          <a:p>
-            <a:r>
-              <a:rPr lang="en-US" sz="1200" b="0" i="0" kern="1200" dirty="0" err="1" smtClean="0">
-                <a:solidFill>
-                  <a:schemeClr val="tx1"/>
-                </a:solidFill>
-                <a:effectLst/>
-                <a:latin typeface="+mn-lt"/>
-                <a:ea typeface="+mn-ea"/>
-                <a:cs typeface="+mn-cs"/>
-              </a:rPr>
-              <a:t>getDefaultProps</a:t>
-            </a:r>
-            <a:r>
-              <a:rPr lang="en-US" sz="1200" b="1" i="0" kern="1200" dirty="0" smtClean="0">
-                <a:solidFill>
-                  <a:schemeClr val="tx1"/>
-                </a:solidFill>
-                <a:effectLst/>
-                <a:latin typeface="+mn-lt"/>
-                <a:ea typeface="+mn-ea"/>
-                <a:cs typeface="+mn-cs"/>
-              </a:rPr>
-              <a:t>:</a:t>
-            </a:r>
-            <a:r>
-              <a:rPr lang="en-US" sz="1200" b="0" i="0" kern="1200" dirty="0" smtClean="0">
-                <a:solidFill>
-                  <a:schemeClr val="tx1"/>
-                </a:solidFill>
-                <a:effectLst/>
-                <a:latin typeface="+mn-lt"/>
-                <a:ea typeface="+mn-ea"/>
-                <a:cs typeface="+mn-cs"/>
-              </a:rPr>
-              <a:t> </a:t>
-            </a:r>
-            <a:r>
-              <a:rPr lang="en-US" sz="1200" b="1" i="0" kern="1200" dirty="0" smtClean="0">
-                <a:solidFill>
-                  <a:schemeClr val="tx1"/>
-                </a:solidFill>
-                <a:effectLst/>
-                <a:latin typeface="+mn-lt"/>
-                <a:ea typeface="+mn-ea"/>
-                <a:cs typeface="+mn-cs"/>
-              </a:rPr>
-              <a:t>function</a:t>
-            </a:r>
-            <a:r>
-              <a:rPr lang="en-US" sz="1200" b="0" i="0" kern="1200" dirty="0" smtClean="0">
-                <a:solidFill>
-                  <a:schemeClr val="tx1"/>
-                </a:solidFill>
-                <a:effectLst/>
-                <a:latin typeface="+mn-lt"/>
-                <a:ea typeface="+mn-ea"/>
-                <a:cs typeface="+mn-cs"/>
-              </a:rPr>
-              <a:t>(){ </a:t>
-            </a:r>
-            <a:r>
-              <a:rPr lang="en-US" sz="1200" b="1" i="0" kern="1200" dirty="0" smtClean="0">
-                <a:solidFill>
-                  <a:schemeClr val="tx1"/>
-                </a:solidFill>
-                <a:effectLst/>
-                <a:latin typeface="+mn-lt"/>
-                <a:ea typeface="+mn-ea"/>
-                <a:cs typeface="+mn-cs"/>
-              </a:rPr>
-              <a:t>return</a:t>
-            </a:r>
-            <a:r>
-              <a:rPr lang="en-US" sz="1200" b="0" i="0" kern="1200" dirty="0" smtClean="0">
-                <a:solidFill>
-                  <a:schemeClr val="tx1"/>
-                </a:solidFill>
-                <a:effectLst/>
-                <a:latin typeface="+mn-lt"/>
-                <a:ea typeface="+mn-ea"/>
-                <a:cs typeface="+mn-cs"/>
-              </a:rPr>
-              <a:t> { </a:t>
-            </a:r>
-            <a:r>
-              <a:rPr lang="en-US" sz="1200" b="0" i="1" kern="1200" dirty="0" smtClean="0">
-                <a:solidFill>
-                  <a:schemeClr val="tx1"/>
-                </a:solidFill>
-                <a:effectLst/>
-                <a:latin typeface="+mn-lt"/>
-                <a:ea typeface="+mn-ea"/>
-                <a:cs typeface="+mn-cs"/>
-              </a:rPr>
-              <a:t>/* something here */</a:t>
-            </a:r>
-            <a:r>
-              <a:rPr lang="en-US" sz="1200" b="0" i="0" kern="1200" dirty="0" smtClean="0">
-                <a:solidFill>
-                  <a:schemeClr val="tx1"/>
-                </a:solidFill>
-                <a:effectLst/>
-                <a:latin typeface="+mn-lt"/>
-                <a:ea typeface="+mn-ea"/>
-                <a:cs typeface="+mn-cs"/>
-              </a:rPr>
-              <a:t>}; } </a:t>
-            </a:r>
-          </a:p>
-          <a:p>
-            <a:r>
-              <a:rPr lang="en-US" sz="1200" b="0" i="0" kern="1200" dirty="0" smtClean="0">
-                <a:solidFill>
-                  <a:schemeClr val="tx1"/>
-                </a:solidFill>
-                <a:effectLst/>
-                <a:latin typeface="+mn-lt"/>
-                <a:ea typeface="+mn-ea"/>
-                <a:cs typeface="+mn-cs"/>
-              </a:rPr>
-              <a:t>Another two methods that only get called when initializing a component are </a:t>
-            </a:r>
-            <a:r>
-              <a:rPr lang="en-US" sz="1200" b="0" i="1" kern="1200" dirty="0" err="1" smtClean="0">
-                <a:solidFill>
-                  <a:schemeClr val="tx1"/>
-                </a:solidFill>
-                <a:effectLst/>
-                <a:latin typeface="+mn-lt"/>
-                <a:ea typeface="+mn-ea"/>
-                <a:cs typeface="+mn-cs"/>
-              </a:rPr>
-              <a:t>componentWillMount</a:t>
-            </a:r>
-            <a:r>
-              <a:rPr lang="en-US" sz="1200" b="0" i="0" kern="1200" dirty="0" smtClean="0">
-                <a:solidFill>
-                  <a:schemeClr val="tx1"/>
-                </a:solidFill>
-                <a:effectLst/>
-                <a:latin typeface="+mn-lt"/>
-                <a:ea typeface="+mn-ea"/>
-                <a:cs typeface="+mn-cs"/>
-              </a:rPr>
-              <a:t> and </a:t>
-            </a:r>
-            <a:r>
-              <a:rPr lang="en-US" sz="1200" b="0" i="1" kern="1200" dirty="0" err="1" smtClean="0">
-                <a:solidFill>
-                  <a:schemeClr val="tx1"/>
-                </a:solidFill>
-                <a:effectLst/>
-                <a:latin typeface="+mn-lt"/>
-                <a:ea typeface="+mn-ea"/>
-                <a:cs typeface="+mn-cs"/>
-              </a:rPr>
-              <a:t>componentDidMount</a:t>
-            </a:r>
-            <a:r>
-              <a:rPr lang="en-US" sz="1200" b="0" i="0" kern="1200" dirty="0" smtClean="0">
-                <a:solidFill>
-                  <a:schemeClr val="tx1"/>
-                </a:solidFill>
-                <a:effectLst/>
-                <a:latin typeface="+mn-lt"/>
-                <a:ea typeface="+mn-ea"/>
-                <a:cs typeface="+mn-cs"/>
-              </a:rPr>
-              <a:t>.</a:t>
-            </a:r>
-          </a:p>
-          <a:p>
-            <a:r>
-              <a:rPr lang="en-US" sz="1200" b="1" i="1" kern="1200" dirty="0" err="1" smtClean="0">
-                <a:solidFill>
-                  <a:schemeClr val="tx1"/>
-                </a:solidFill>
-                <a:effectLst/>
-                <a:latin typeface="+mn-lt"/>
-                <a:ea typeface="+mn-ea"/>
-                <a:cs typeface="+mn-cs"/>
-              </a:rPr>
-              <a:t>componentWillMount</a:t>
-            </a:r>
-            <a:r>
-              <a:rPr lang="en-US" sz="1200" b="0" i="0" kern="1200" dirty="0" smtClean="0">
-                <a:solidFill>
-                  <a:schemeClr val="tx1"/>
-                </a:solidFill>
-                <a:effectLst/>
-                <a:latin typeface="+mn-lt"/>
-                <a:ea typeface="+mn-ea"/>
-                <a:cs typeface="+mn-cs"/>
-              </a:rPr>
-              <a:t> is called before the </a:t>
-            </a:r>
-            <a:r>
-              <a:rPr lang="en-US" sz="1200" b="0" i="1" kern="1200" dirty="0" smtClean="0">
-                <a:solidFill>
-                  <a:schemeClr val="tx1"/>
-                </a:solidFill>
-                <a:effectLst/>
-                <a:latin typeface="+mn-lt"/>
-                <a:ea typeface="+mn-ea"/>
-                <a:cs typeface="+mn-cs"/>
-              </a:rPr>
-              <a:t>render</a:t>
-            </a:r>
-            <a:r>
-              <a:rPr lang="en-US" sz="1200" b="0" i="0" kern="1200" dirty="0" smtClean="0">
-                <a:solidFill>
-                  <a:schemeClr val="tx1"/>
-                </a:solidFill>
-                <a:effectLst/>
-                <a:latin typeface="+mn-lt"/>
-                <a:ea typeface="+mn-ea"/>
-                <a:cs typeface="+mn-cs"/>
-              </a:rPr>
-              <a:t> method is executed. It is important to note that setting the state in this phase will not trigger a re-rendering.</a:t>
-            </a:r>
-          </a:p>
-          <a:p>
-            <a:r>
-              <a:rPr lang="en-US" sz="1200" b="0" i="0" kern="1200" dirty="0" smtClean="0">
-                <a:solidFill>
-                  <a:schemeClr val="tx1"/>
-                </a:solidFill>
-                <a:effectLst/>
-                <a:latin typeface="+mn-lt"/>
-                <a:ea typeface="+mn-ea"/>
-                <a:cs typeface="+mn-cs"/>
-              </a:rPr>
-              <a:t>The </a:t>
-            </a:r>
-            <a:r>
-              <a:rPr lang="en-US" sz="1200" b="1" i="1" kern="1200" dirty="0" smtClean="0">
-                <a:solidFill>
-                  <a:schemeClr val="tx1"/>
-                </a:solidFill>
-                <a:effectLst/>
-                <a:latin typeface="+mn-lt"/>
-                <a:ea typeface="+mn-ea"/>
-                <a:cs typeface="+mn-cs"/>
-              </a:rPr>
-              <a:t>render</a:t>
-            </a:r>
-            <a:r>
-              <a:rPr lang="en-US" sz="1200" b="0" i="0" kern="1200" dirty="0" smtClean="0">
-                <a:solidFill>
-                  <a:schemeClr val="tx1"/>
-                </a:solidFill>
-                <a:effectLst/>
-                <a:latin typeface="+mn-lt"/>
-                <a:ea typeface="+mn-ea"/>
-                <a:cs typeface="+mn-cs"/>
-              </a:rPr>
-              <a:t> method returns the needed component markup, which can be a single child component or null or false (in case you don't want any rendering).</a:t>
-            </a:r>
-          </a:p>
-          <a:p>
-            <a:r>
-              <a:rPr lang="en-US" sz="1200" b="0" i="0" kern="1200" dirty="0" smtClean="0">
-                <a:solidFill>
-                  <a:schemeClr val="tx1"/>
-                </a:solidFill>
-                <a:effectLst/>
-                <a:latin typeface="+mn-lt"/>
-                <a:ea typeface="+mn-ea"/>
-                <a:cs typeface="+mn-cs"/>
-              </a:rPr>
-              <a:t>This is the part of the lifecycle where props and state values are interpreted to create the correct output. Neither props nor state should </a:t>
-            </a:r>
-            <a:r>
-              <a:rPr lang="en-US" sz="1200" b="0" i="0" kern="1200" dirty="0" err="1" smtClean="0">
-                <a:solidFill>
-                  <a:schemeClr val="tx1"/>
-                </a:solidFill>
-                <a:effectLst/>
-                <a:latin typeface="+mn-lt"/>
-                <a:ea typeface="+mn-ea"/>
-                <a:cs typeface="+mn-cs"/>
-              </a:rPr>
-              <a:t>should</a:t>
-            </a:r>
-            <a:r>
-              <a:rPr lang="en-US" sz="1200" b="0" i="0" kern="1200" dirty="0" smtClean="0">
-                <a:solidFill>
-                  <a:schemeClr val="tx1"/>
-                </a:solidFill>
-                <a:effectLst/>
-                <a:latin typeface="+mn-lt"/>
-                <a:ea typeface="+mn-ea"/>
-                <a:cs typeface="+mn-cs"/>
-              </a:rPr>
-              <a:t> be modified inside this function. This is important to remember, as by definition the </a:t>
-            </a:r>
-            <a:r>
-              <a:rPr lang="en-US" sz="1200" b="0" i="1" kern="1200" dirty="0" smtClean="0">
-                <a:solidFill>
-                  <a:schemeClr val="tx1"/>
-                </a:solidFill>
-                <a:effectLst/>
-                <a:latin typeface="+mn-lt"/>
-                <a:ea typeface="+mn-ea"/>
-                <a:cs typeface="+mn-cs"/>
-              </a:rPr>
-              <a:t>render</a:t>
-            </a:r>
-            <a:r>
-              <a:rPr lang="en-US" sz="1200" b="0" i="0" kern="1200" dirty="0" smtClean="0">
-                <a:solidFill>
-                  <a:schemeClr val="tx1"/>
-                </a:solidFill>
-                <a:effectLst/>
-                <a:latin typeface="+mn-lt"/>
-                <a:ea typeface="+mn-ea"/>
-                <a:cs typeface="+mn-cs"/>
-              </a:rPr>
-              <a:t> function has to be pure, meaning that the same result is returned every time the method is invoked.</a:t>
-            </a:r>
-          </a:p>
-          <a:p>
-            <a:r>
-              <a:rPr lang="en-US" sz="1200" b="0" i="0" kern="1200" dirty="0" smtClean="0">
-                <a:solidFill>
-                  <a:schemeClr val="tx1"/>
-                </a:solidFill>
-                <a:effectLst/>
-                <a:latin typeface="+mn-lt"/>
-                <a:ea typeface="+mn-ea"/>
-                <a:cs typeface="+mn-cs"/>
-              </a:rPr>
-              <a:t>As soon as the render method has been executed the </a:t>
-            </a:r>
-            <a:r>
-              <a:rPr lang="en-US" sz="1200" b="1" i="1" kern="1200" dirty="0" err="1" smtClean="0">
-                <a:solidFill>
-                  <a:schemeClr val="tx1"/>
-                </a:solidFill>
-                <a:effectLst/>
-                <a:latin typeface="+mn-lt"/>
-                <a:ea typeface="+mn-ea"/>
-                <a:cs typeface="+mn-cs"/>
-              </a:rPr>
-              <a:t>componentDidMount</a:t>
-            </a:r>
-            <a:r>
-              <a:rPr lang="en-US" sz="1200" b="0" i="0" kern="1200" dirty="0" smtClean="0">
-                <a:solidFill>
-                  <a:schemeClr val="tx1"/>
-                </a:solidFill>
-                <a:effectLst/>
-                <a:latin typeface="+mn-lt"/>
-                <a:ea typeface="+mn-ea"/>
-                <a:cs typeface="+mn-cs"/>
-              </a:rPr>
-              <a:t> function is called. The DOM can be accessed in this method, enabling to define DOM manipulations or data fetching operations. Any DOM interactions should always happen in this phase not inside </a:t>
-            </a:r>
-            <a:r>
-              <a:rPr lang="en-US" sz="1200" b="0" i="0" kern="1200" dirty="0" err="1" smtClean="0">
-                <a:solidFill>
-                  <a:schemeClr val="tx1"/>
-                </a:solidFill>
-                <a:effectLst/>
-                <a:latin typeface="+mn-lt"/>
-                <a:ea typeface="+mn-ea"/>
-                <a:cs typeface="+mn-cs"/>
-              </a:rPr>
-              <a:t>the</a:t>
-            </a:r>
-            <a:r>
-              <a:rPr lang="en-US" sz="1200" b="0" i="1" kern="1200" dirty="0" err="1" smtClean="0">
-                <a:solidFill>
-                  <a:schemeClr val="tx1"/>
-                </a:solidFill>
-                <a:effectLst/>
-                <a:latin typeface="+mn-lt"/>
-                <a:ea typeface="+mn-ea"/>
-                <a:cs typeface="+mn-cs"/>
-              </a:rPr>
-              <a:t>render</a:t>
-            </a:r>
-            <a:r>
-              <a:rPr lang="en-US" sz="1200" b="0" i="0" kern="1200" smtClean="0">
-                <a:solidFill>
-                  <a:schemeClr val="tx1"/>
-                </a:solidFill>
-                <a:effectLst/>
-                <a:latin typeface="+mn-lt"/>
-                <a:ea typeface="+mn-ea"/>
-                <a:cs typeface="+mn-cs"/>
-              </a:rPr>
-              <a:t> method.</a:t>
-            </a:r>
-          </a:p>
-          <a:p>
-            <a:endParaRPr lang="en-US" baseline="0" dirty="0"/>
+              <a:t>The rest of the lifecycle reveals nothing new here and is identical to the state change triggered cycle.</a:t>
+            </a:r>
+            <a:endParaRPr lang="en-US" sz="1200" b="0" i="0" kern="1200" dirty="0">
+              <a:solidFill>
+                <a:schemeClr val="tx1"/>
+              </a:solidFill>
+              <a:effectLst/>
+              <a:latin typeface="+mn-lt"/>
+              <a:ea typeface="+mn-ea"/>
+              <a:cs typeface="+mn-cs"/>
+            </a:endParaRPr>
           </a:p>
         </p:txBody>
       </p:sp>
@@ -3144,7 +2460,7 @@
           <a:p>
             <a:fld id="{47CA5B65-C32E-4594-82B5-5B950CCEF23B}" type="slidenum">
               <a:rPr lang="en-US" smtClean="0"/>
-              <a:t>24</a:t>
+              <a:t>23</a:t>
             </a:fld>
             <a:endParaRPr lang="en-US"/>
           </a:p>
@@ -4129,7 +3445,7 @@
           <a:p>
             <a:fld id="{47CA5B65-C32E-4594-82B5-5B950CCEF23B}" type="slidenum">
               <a:rPr lang="en-US" smtClean="0"/>
-              <a:t>25</a:t>
+              <a:t>24</a:t>
             </a:fld>
             <a:endParaRPr lang="en-US"/>
           </a:p>
@@ -4202,7 +3518,7 @@
                 <a:ea typeface="+mn-ea"/>
                 <a:cs typeface="+mn-cs"/>
               </a:rPr>
-              <a:t>The only method we haven't touched yet is the </a:t>
+              <a:t>From looking at the image above we can see that the first two methods being called are </a:t>
             </a:r>
             <a:r>
               <a:rPr lang="en-US" sz="1200" b="0" i="1" kern="1200" dirty="0" err="1" smtClean="0">
@@ -4214,7 +3530,7 @@
                 <a:ea typeface="+mn-ea"/>
                 <a:cs typeface="+mn-cs"/>
               </a:rPr>
-              <a:t>componentWillUnmount</a:t>
+              <a:t>getDefaultProps</a:t>
             </a:r>
             <a:r>
               <a:rPr lang="en-US" sz="1200" b="0" i="0" kern="1200" dirty="0" smtClean="0">
@@ -4226,10 +3542,10 @@
                 <a:ea typeface="+mn-ea"/>
                 <a:cs typeface="+mn-cs"/>
               </a:rPr>
-              <a:t> which gets called before the component is removed from the DOM. This method can be beneficial when needing to perform clean up operations, </a:t>
-            </a:r>
-            <a:r>
-              <a:rPr lang="en-US" sz="1200" b="0" i="0" kern="1200" dirty="0" err="1" smtClean="0">
+              <a:t> and </a:t>
+            </a:r>
+            <a:r>
+              <a:rPr lang="en-US" sz="1200" b="0" i="1" kern="1200" dirty="0" err="1" smtClean="0">
                 <a:solidFill>
                   <a:schemeClr val="tx1"/>
                 </a:solidFill>
@@ -4238,7 +3554,7 @@
                 <a:ea typeface="+mn-ea"/>
                 <a:cs typeface="+mn-cs"/>
               </a:rPr>
-              <a:t>f.e</a:t>
+              <a:t>getInitialState</a:t>
             </a:r>
             <a:r>
               <a:rPr lang="en-US" sz="1200" b="0" i="0" kern="1200" dirty="0" smtClean="0">
@@ -4250,10 +3566,12 @@
                 <a:ea typeface="+mn-ea"/>
                 <a:cs typeface="+mn-cs"/>
               </a:rPr>
-              <a:t>. removing any timers defined in </a:t>
-            </a:r>
-            <a:r>
-              <a:rPr lang="en-US" sz="1200" b="0" i="1" kern="1200" dirty="0" err="1" smtClean="0">
+              <a:t>. Both methods are only called once when initially rendering the component.</a:t>
+            </a:r>
+          </a:p>
+          <a:p>
+            <a:r>
+              <a:rPr lang="en-US" sz="1200" b="0" i="0" kern="1200" dirty="0" smtClean="0">
                 <a:solidFill>
                   <a:schemeClr val="tx1"/>
                 </a:solidFill>
@@ -4262,10 +3580,10 @@
                 <a:ea typeface="+mn-ea"/>
                 <a:cs typeface="+mn-cs"/>
               </a:rPr>
-              <a:t>componentDidMount</a:t>
-            </a:r>
-            <a:r>
-              <a:rPr lang="en-US" sz="1200" b="0" i="0" kern="1200" dirty="0" smtClean="0">
+              <a:t>The </a:t>
+            </a:r>
+            <a:r>
+              <a:rPr lang="en-US" sz="1200" b="1" i="1" kern="1200" dirty="0" err="1" smtClean="0">
                 <a:solidFill>
                   <a:schemeClr val="tx1"/>
                 </a:solidFill>
@@ -4274,10 +3592,8 @@
                 <a:ea typeface="+mn-ea"/>
                 <a:cs typeface="+mn-cs"/>
               </a:rPr>
-              <a:t>.</a:t>
-            </a:r>
-          </a:p>
-          <a:p>
+              <a:t>getInitialState</a:t>
+            </a:r>
             <a:r>
               <a:rPr lang="en-US" sz="1200" b="0" i="0" kern="1200" dirty="0" smtClean="0">
                 <a:solidFill>
@@ -4288,10 +3604,10 @@
                 <a:ea typeface="+mn-ea"/>
                 <a:cs typeface="+mn-cs"/>
               </a:rPr>
-              <a:t>Check the </a:t>
-            </a:r>
-            <a:r>
-              <a:rPr lang="en-US" sz="1200" b="0" i="0" kern="1200" dirty="0" smtClean="0">
+              <a:t> method enables to set the initial state value, that is accessible inside the component via </a:t>
+            </a:r>
+            <a:r>
+              <a:rPr lang="en-US" sz="1200" b="0" i="1" kern="1200" dirty="0" err="1" smtClean="0">
                 <a:solidFill>
                   <a:schemeClr val="tx1"/>
                 </a:solidFill>
@@ -4299,9 +3615,8 @@
                 <a:latin typeface="+mn-lt"/>
                 <a:ea typeface="+mn-ea"/>
                 <a:cs typeface="+mn-cs"/>
-                <a:hlinkClick r:id="rId3"/>
-              </a:rPr>
-              <a:t>code</a:t>
+              </a:rPr>
+              <a:t>this.state</a:t>
             </a:r>
             <a:r>
               <a:rPr lang="en-US" sz="1200" b="0" i="0" kern="1200" dirty="0" smtClean="0">
@@ -4313,17 +3628,579 @@
                 <a:ea typeface="+mn-ea"/>
                 <a:cs typeface="+mn-cs"/>
               </a:rPr>
-              <a:t> example for a more detailed insight.</a:t>
-            </a:r>
-            <a:endParaRPr lang="en-US" sz="1200" b="0" i="0" kern="1200" dirty="0">
-              <a:solidFill>
-                <a:schemeClr val="tx1"/>
-              </a:solidFill>
-              <a:effectLst/>
-              <a:latin typeface="+mn-lt"/>
-              <a:ea typeface="+mn-ea"/>
-              <a:cs typeface="+mn-cs"/>
-            </a:endParaRPr>
+              <a:t>.</a:t>
+            </a:r>
+          </a:p>
+          <a:p>
+            <a:r>
+              <a:rPr lang="en-US" sz="1200" b="0" i="0" kern="1200" dirty="0" err="1" smtClean="0">
+                <a:solidFill>
+                  <a:schemeClr val="tx1"/>
+                </a:solidFill>
+                <a:effectLst/>
+                <a:latin typeface="+mn-lt"/>
+                <a:ea typeface="+mn-ea"/>
+                <a:cs typeface="+mn-cs"/>
+              </a:rPr>
+              <a:t>getInitialState</a:t>
+            </a:r>
+            <a:r>
+              <a:rPr lang="en-US" sz="1200" b="1" i="0" kern="1200" dirty="0" smtClean="0">
+                <a:solidFill>
+                  <a:schemeClr val="tx1"/>
+                </a:solidFill>
+                <a:effectLst/>
+                <a:latin typeface="+mn-lt"/>
+                <a:ea typeface="+mn-ea"/>
+                <a:cs typeface="+mn-cs"/>
+              </a:rPr>
+              <a:t>:</a:t>
+            </a:r>
+            <a:r>
+              <a:rPr lang="en-US" sz="1200" b="0" i="0" kern="1200" dirty="0" smtClean="0">
+                <a:solidFill>
+                  <a:schemeClr val="tx1"/>
+                </a:solidFill>
+                <a:effectLst/>
+                <a:latin typeface="+mn-lt"/>
+                <a:ea typeface="+mn-ea"/>
+                <a:cs typeface="+mn-cs"/>
+              </a:rPr>
+              <a:t> </a:t>
+            </a:r>
+            <a:r>
+              <a:rPr lang="en-US" sz="1200" b="1" i="0" kern="1200" dirty="0" smtClean="0">
+                <a:solidFill>
+                  <a:schemeClr val="tx1"/>
+                </a:solidFill>
+                <a:effectLst/>
+                <a:latin typeface="+mn-lt"/>
+                <a:ea typeface="+mn-ea"/>
+                <a:cs typeface="+mn-cs"/>
+              </a:rPr>
+              <a:t>function</a:t>
+            </a:r>
+            <a:r>
+              <a:rPr lang="en-US" sz="1200" b="0" i="0" kern="1200" dirty="0" smtClean="0">
+                <a:solidFill>
+                  <a:schemeClr val="tx1"/>
+                </a:solidFill>
+                <a:effectLst/>
+                <a:latin typeface="+mn-lt"/>
+                <a:ea typeface="+mn-ea"/>
+                <a:cs typeface="+mn-cs"/>
+              </a:rPr>
+              <a:t>(){ </a:t>
+            </a:r>
+            <a:r>
+              <a:rPr lang="en-US" sz="1200" b="1" i="0" kern="1200" dirty="0" smtClean="0">
+                <a:solidFill>
+                  <a:schemeClr val="tx1"/>
+                </a:solidFill>
+                <a:effectLst/>
+                <a:latin typeface="+mn-lt"/>
+                <a:ea typeface="+mn-ea"/>
+                <a:cs typeface="+mn-cs"/>
+              </a:rPr>
+              <a:t>return</a:t>
+            </a:r>
+            <a:r>
+              <a:rPr lang="en-US" sz="1200" b="0" i="0" kern="1200" dirty="0" smtClean="0">
+                <a:solidFill>
+                  <a:schemeClr val="tx1"/>
+                </a:solidFill>
+                <a:effectLst/>
+                <a:latin typeface="+mn-lt"/>
+                <a:ea typeface="+mn-ea"/>
+                <a:cs typeface="+mn-cs"/>
+              </a:rPr>
+              <a:t> { </a:t>
+            </a:r>
+            <a:r>
+              <a:rPr lang="en-US" sz="1200" b="0" i="1" kern="1200" dirty="0" smtClean="0">
+                <a:solidFill>
+                  <a:schemeClr val="tx1"/>
+                </a:solidFill>
+                <a:effectLst/>
+                <a:latin typeface="+mn-lt"/>
+                <a:ea typeface="+mn-ea"/>
+                <a:cs typeface="+mn-cs"/>
+              </a:rPr>
+              <a:t>/* something here */</a:t>
+            </a:r>
+            <a:r>
+              <a:rPr lang="en-US" sz="1200" b="0" i="0" kern="1200" dirty="0" smtClean="0">
+                <a:solidFill>
+                  <a:schemeClr val="tx1"/>
+                </a:solidFill>
+                <a:effectLst/>
+                <a:latin typeface="+mn-lt"/>
+                <a:ea typeface="+mn-ea"/>
+                <a:cs typeface="+mn-cs"/>
+              </a:rPr>
+              <a:t>}; } </a:t>
+            </a:r>
+          </a:p>
+          <a:p>
+            <a:r>
+              <a:rPr lang="en-US" sz="1200" b="0" i="0" kern="1200" dirty="0" smtClean="0">
+                <a:solidFill>
+                  <a:schemeClr val="tx1"/>
+                </a:solidFill>
+                <a:effectLst/>
+                <a:latin typeface="+mn-lt"/>
+                <a:ea typeface="+mn-ea"/>
+                <a:cs typeface="+mn-cs"/>
+              </a:rPr>
+              <a:t>Analogously </a:t>
+            </a:r>
+            <a:r>
+              <a:rPr lang="en-US" sz="1200" b="1" i="1" kern="1200" dirty="0" err="1" smtClean="0">
+                <a:solidFill>
+                  <a:schemeClr val="tx1"/>
+                </a:solidFill>
+                <a:effectLst/>
+                <a:latin typeface="+mn-lt"/>
+                <a:ea typeface="+mn-ea"/>
+                <a:cs typeface="+mn-cs"/>
+              </a:rPr>
+              <a:t>getDefaultProps</a:t>
+            </a:r>
+            <a:r>
+              <a:rPr lang="en-US" sz="1200" b="0" i="0" kern="1200" dirty="0" smtClean="0">
+                <a:solidFill>
+                  <a:schemeClr val="tx1"/>
+                </a:solidFill>
+                <a:effectLst/>
+                <a:latin typeface="+mn-lt"/>
+                <a:ea typeface="+mn-ea"/>
+                <a:cs typeface="+mn-cs"/>
+              </a:rPr>
+              <a:t> can be used to define any default props which can be accessed via </a:t>
+            </a:r>
+            <a:r>
+              <a:rPr lang="en-US" sz="1200" b="0" i="1" kern="1200" dirty="0" err="1" smtClean="0">
+                <a:solidFill>
+                  <a:schemeClr val="tx1"/>
+                </a:solidFill>
+                <a:effectLst/>
+                <a:latin typeface="+mn-lt"/>
+                <a:ea typeface="+mn-ea"/>
+                <a:cs typeface="+mn-cs"/>
+              </a:rPr>
+              <a:t>this.props</a:t>
+            </a:r>
+            <a:r>
+              <a:rPr lang="en-US" sz="1200" b="0" i="0" kern="1200" dirty="0" smtClean="0">
+                <a:solidFill>
+                  <a:schemeClr val="tx1"/>
+                </a:solidFill>
+                <a:effectLst/>
+                <a:latin typeface="+mn-lt"/>
+                <a:ea typeface="+mn-ea"/>
+                <a:cs typeface="+mn-cs"/>
+              </a:rPr>
+              <a:t>.</a:t>
+            </a:r>
+          </a:p>
+          <a:p>
+            <a:r>
+              <a:rPr lang="en-US" sz="1200" b="0" i="0" kern="1200" dirty="0" err="1" smtClean="0">
+                <a:solidFill>
+                  <a:schemeClr val="tx1"/>
+                </a:solidFill>
+                <a:effectLst/>
+                <a:latin typeface="+mn-lt"/>
+                <a:ea typeface="+mn-ea"/>
+                <a:cs typeface="+mn-cs"/>
+              </a:rPr>
+              <a:t>getDefaultProps</a:t>
+            </a:r>
+            <a:r>
+              <a:rPr lang="en-US" sz="1200" b="1" i="0" kern="1200" dirty="0" smtClean="0">
+                <a:solidFill>
+                  <a:schemeClr val="tx1"/>
+                </a:solidFill>
+                <a:effectLst/>
+                <a:latin typeface="+mn-lt"/>
+                <a:ea typeface="+mn-ea"/>
+                <a:cs typeface="+mn-cs"/>
+              </a:rPr>
+              <a:t>:</a:t>
+            </a:r>
+            <a:r>
+              <a:rPr lang="en-US" sz="1200" b="0" i="0" kern="1200" dirty="0" smtClean="0">
+                <a:solidFill>
+                  <a:schemeClr val="tx1"/>
+                </a:solidFill>
+                <a:effectLst/>
+                <a:latin typeface="+mn-lt"/>
+                <a:ea typeface="+mn-ea"/>
+                <a:cs typeface="+mn-cs"/>
+              </a:rPr>
+              <a:t> </a:t>
+            </a:r>
+            <a:r>
+              <a:rPr lang="en-US" sz="1200" b="1" i="0" kern="1200" dirty="0" smtClean="0">
+                <a:solidFill>
+                  <a:schemeClr val="tx1"/>
+                </a:solidFill>
+                <a:effectLst/>
+                <a:latin typeface="+mn-lt"/>
+                <a:ea typeface="+mn-ea"/>
+                <a:cs typeface="+mn-cs"/>
+              </a:rPr>
+              <a:t>function</a:t>
+            </a:r>
+            <a:r>
+              <a:rPr lang="en-US" sz="1200" b="0" i="0" kern="1200" dirty="0" smtClean="0">
+                <a:solidFill>
+                  <a:schemeClr val="tx1"/>
+                </a:solidFill>
+                <a:effectLst/>
+                <a:latin typeface="+mn-lt"/>
+                <a:ea typeface="+mn-ea"/>
+                <a:cs typeface="+mn-cs"/>
+              </a:rPr>
+              <a:t>(){ </a:t>
+            </a:r>
+            <a:r>
+              <a:rPr lang="en-US" sz="1200" b="1" i="0" kern="1200" dirty="0" smtClean="0">
+                <a:solidFill>
+                  <a:schemeClr val="tx1"/>
+                </a:solidFill>
+                <a:effectLst/>
+                <a:latin typeface="+mn-lt"/>
+                <a:ea typeface="+mn-ea"/>
+                <a:cs typeface="+mn-cs"/>
+              </a:rPr>
+              <a:t>return</a:t>
+            </a:r>
+            <a:r>
+              <a:rPr lang="en-US" sz="1200" b="0" i="0" kern="1200" dirty="0" smtClean="0">
+                <a:solidFill>
+                  <a:schemeClr val="tx1"/>
+                </a:solidFill>
+                <a:effectLst/>
+                <a:latin typeface="+mn-lt"/>
+                <a:ea typeface="+mn-ea"/>
+                <a:cs typeface="+mn-cs"/>
+              </a:rPr>
+              <a:t> { </a:t>
+            </a:r>
+            <a:r>
+              <a:rPr lang="en-US" sz="1200" b="0" i="1" kern="1200" dirty="0" smtClean="0">
+                <a:solidFill>
+                  <a:schemeClr val="tx1"/>
+                </a:solidFill>
+                <a:effectLst/>
+                <a:latin typeface="+mn-lt"/>
+                <a:ea typeface="+mn-ea"/>
+                <a:cs typeface="+mn-cs"/>
+              </a:rPr>
+              <a:t>/* something here */</a:t>
+            </a:r>
+            <a:r>
+              <a:rPr lang="en-US" sz="1200" b="0" i="0" kern="1200" dirty="0" smtClean="0">
+                <a:solidFill>
+                  <a:schemeClr val="tx1"/>
+                </a:solidFill>
+                <a:effectLst/>
+                <a:latin typeface="+mn-lt"/>
+                <a:ea typeface="+mn-ea"/>
+                <a:cs typeface="+mn-cs"/>
+              </a:rPr>
+              <a:t>}; } </a:t>
+            </a:r>
+          </a:p>
+          <a:p>
+            <a:r>
+              <a:rPr lang="en-US" sz="1200" b="0" i="0" kern="1200" dirty="0" smtClean="0">
+                <a:solidFill>
+                  <a:schemeClr val="tx1"/>
+                </a:solidFill>
+                <a:effectLst/>
+                <a:latin typeface="+mn-lt"/>
+                <a:ea typeface="+mn-ea"/>
+                <a:cs typeface="+mn-cs"/>
+              </a:rPr>
+              <a:t>Another two methods that only get called when initializing a component are </a:t>
+            </a:r>
+            <a:r>
+              <a:rPr lang="en-US" sz="1200" b="0" i="1" kern="1200" dirty="0" err="1" smtClean="0">
+                <a:solidFill>
+                  <a:schemeClr val="tx1"/>
+                </a:solidFill>
+                <a:effectLst/>
+                <a:latin typeface="+mn-lt"/>
+                <a:ea typeface="+mn-ea"/>
+                <a:cs typeface="+mn-cs"/>
+              </a:rPr>
+              <a:t>componentWillMount</a:t>
+            </a:r>
+            <a:r>
+              <a:rPr lang="en-US" sz="1200" b="0" i="0" kern="1200" dirty="0" smtClean="0">
+                <a:solidFill>
+                  <a:schemeClr val="tx1"/>
+                </a:solidFill>
+                <a:effectLst/>
+                <a:latin typeface="+mn-lt"/>
+                <a:ea typeface="+mn-ea"/>
+                <a:cs typeface="+mn-cs"/>
+              </a:rPr>
+              <a:t> and </a:t>
+            </a:r>
+            <a:r>
+              <a:rPr lang="en-US" sz="1200" b="0" i="1" kern="1200" dirty="0" err="1" smtClean="0">
+                <a:solidFill>
+                  <a:schemeClr val="tx1"/>
+                </a:solidFill>
+                <a:effectLst/>
+                <a:latin typeface="+mn-lt"/>
+                <a:ea typeface="+mn-ea"/>
+                <a:cs typeface="+mn-cs"/>
+              </a:rPr>
+              <a:t>componentDidMount</a:t>
+            </a:r>
+            <a:r>
+              <a:rPr lang="en-US" sz="1200" b="0" i="0" kern="1200" dirty="0" smtClean="0">
+                <a:solidFill>
+                  <a:schemeClr val="tx1"/>
+                </a:solidFill>
+                <a:effectLst/>
+                <a:latin typeface="+mn-lt"/>
+                <a:ea typeface="+mn-ea"/>
+                <a:cs typeface="+mn-cs"/>
+              </a:rPr>
+              <a:t>.</a:t>
+            </a:r>
+          </a:p>
+          <a:p>
+            <a:r>
+              <a:rPr lang="en-US" sz="1200" b="1" i="1" kern="1200" dirty="0" err="1" smtClean="0">
+                <a:solidFill>
+                  <a:schemeClr val="tx1"/>
+                </a:solidFill>
+                <a:effectLst/>
+                <a:latin typeface="+mn-lt"/>
+                <a:ea typeface="+mn-ea"/>
+                <a:cs typeface="+mn-cs"/>
+              </a:rPr>
+              <a:t>componentWillMount</a:t>
+            </a:r>
+            <a:r>
+              <a:rPr lang="en-US" sz="1200" b="0" i="0" kern="1200" dirty="0" smtClean="0">
+                <a:solidFill>
+                  <a:schemeClr val="tx1"/>
+                </a:solidFill>
+                <a:effectLst/>
+                <a:latin typeface="+mn-lt"/>
+                <a:ea typeface="+mn-ea"/>
+                <a:cs typeface="+mn-cs"/>
+              </a:rPr>
+              <a:t> is called before the </a:t>
+            </a:r>
+            <a:r>
+              <a:rPr lang="en-US" sz="1200" b="0" i="1" kern="1200" dirty="0" smtClean="0">
+                <a:solidFill>
+                  <a:schemeClr val="tx1"/>
+                </a:solidFill>
+                <a:effectLst/>
+                <a:latin typeface="+mn-lt"/>
+                <a:ea typeface="+mn-ea"/>
+                <a:cs typeface="+mn-cs"/>
+              </a:rPr>
+              <a:t>render</a:t>
+            </a:r>
+            <a:r>
+              <a:rPr lang="en-US" sz="1200" b="0" i="0" kern="1200" dirty="0" smtClean="0">
+                <a:solidFill>
+                  <a:schemeClr val="tx1"/>
+                </a:solidFill>
+                <a:effectLst/>
+                <a:latin typeface="+mn-lt"/>
+                <a:ea typeface="+mn-ea"/>
+                <a:cs typeface="+mn-cs"/>
+              </a:rPr>
+              <a:t> method is executed. It is important to note that setting the state in this phase will not trigger a re-rendering.</a:t>
+            </a:r>
+          </a:p>
+          <a:p>
+            <a:r>
+              <a:rPr lang="en-US" sz="1200" b="0" i="0" kern="1200" dirty="0" smtClean="0">
+                <a:solidFill>
+                  <a:schemeClr val="tx1"/>
+                </a:solidFill>
+                <a:effectLst/>
+                <a:latin typeface="+mn-lt"/>
+                <a:ea typeface="+mn-ea"/>
+                <a:cs typeface="+mn-cs"/>
+              </a:rPr>
+              <a:t>The </a:t>
+            </a:r>
+            <a:r>
+              <a:rPr lang="en-US" sz="1200" b="1" i="1" kern="1200" dirty="0" smtClean="0">
+                <a:solidFill>
+                  <a:schemeClr val="tx1"/>
+                </a:solidFill>
+                <a:effectLst/>
+                <a:latin typeface="+mn-lt"/>
+                <a:ea typeface="+mn-ea"/>
+                <a:cs typeface="+mn-cs"/>
+              </a:rPr>
+              <a:t>render</a:t>
+            </a:r>
+            <a:r>
+              <a:rPr lang="en-US" sz="1200" b="0" i="0" kern="1200" dirty="0" smtClean="0">
+                <a:solidFill>
+                  <a:schemeClr val="tx1"/>
+                </a:solidFill>
+                <a:effectLst/>
+                <a:latin typeface="+mn-lt"/>
+                <a:ea typeface="+mn-ea"/>
+                <a:cs typeface="+mn-cs"/>
+              </a:rPr>
+              <a:t> method returns the needed component markup, which can be a single child component or null or false (in case you don't want any rendering).</a:t>
+            </a:r>
+          </a:p>
+          <a:p>
+            <a:r>
+              <a:rPr lang="en-US" sz="1200" b="0" i="0" kern="1200" dirty="0" smtClean="0">
+                <a:solidFill>
+                  <a:schemeClr val="tx1"/>
+                </a:solidFill>
+                <a:effectLst/>
+                <a:latin typeface="+mn-lt"/>
+                <a:ea typeface="+mn-ea"/>
+                <a:cs typeface="+mn-cs"/>
+              </a:rPr>
+              <a:t>This is the part of the lifecycle where props and state values are interpreted to create the correct output. Neither props nor state should </a:t>
+            </a:r>
+            <a:r>
+              <a:rPr lang="en-US" sz="1200" b="0" i="0" kern="1200" dirty="0" err="1" smtClean="0">
+                <a:solidFill>
+                  <a:schemeClr val="tx1"/>
+                </a:solidFill>
+                <a:effectLst/>
+                <a:latin typeface="+mn-lt"/>
+                <a:ea typeface="+mn-ea"/>
+                <a:cs typeface="+mn-cs"/>
+              </a:rPr>
+              <a:t>should</a:t>
+            </a:r>
+            <a:r>
+              <a:rPr lang="en-US" sz="1200" b="0" i="0" kern="1200" dirty="0" smtClean="0">
+                <a:solidFill>
+                  <a:schemeClr val="tx1"/>
+                </a:solidFill>
+                <a:effectLst/>
+                <a:latin typeface="+mn-lt"/>
+                <a:ea typeface="+mn-ea"/>
+                <a:cs typeface="+mn-cs"/>
+              </a:rPr>
+              <a:t> be modified inside this function. This is important to remember, as by definition the </a:t>
+            </a:r>
+            <a:r>
+              <a:rPr lang="en-US" sz="1200" b="0" i="1" kern="1200" dirty="0" smtClean="0">
+                <a:solidFill>
+                  <a:schemeClr val="tx1"/>
+                </a:solidFill>
+                <a:effectLst/>
+                <a:latin typeface="+mn-lt"/>
+                <a:ea typeface="+mn-ea"/>
+                <a:cs typeface="+mn-cs"/>
+              </a:rPr>
+              <a:t>render</a:t>
+            </a:r>
+            <a:r>
+              <a:rPr lang="en-US" sz="1200" b="0" i="0" kern="1200" dirty="0" smtClean="0">
+                <a:solidFill>
+                  <a:schemeClr val="tx1"/>
+                </a:solidFill>
+                <a:effectLst/>
+                <a:latin typeface="+mn-lt"/>
+                <a:ea typeface="+mn-ea"/>
+                <a:cs typeface="+mn-cs"/>
+              </a:rPr>
+              <a:t> function has to be pure, meaning that the same result is returned every time the method is invoked.</a:t>
+            </a:r>
+          </a:p>
+          <a:p>
+            <a:r>
+              <a:rPr lang="en-US" sz="1200" b="0" i="0" kern="1200" dirty="0" smtClean="0">
+                <a:solidFill>
+                  <a:schemeClr val="tx1"/>
+                </a:solidFill>
+                <a:effectLst/>
+                <a:latin typeface="+mn-lt"/>
+                <a:ea typeface="+mn-ea"/>
+                <a:cs typeface="+mn-cs"/>
+              </a:rPr>
+              <a:t>As soon as the render method has been executed the </a:t>
+            </a:r>
+            <a:r>
+              <a:rPr lang="en-US" sz="1200" b="1" i="1" kern="1200" dirty="0" err="1" smtClean="0">
+                <a:solidFill>
+                  <a:schemeClr val="tx1"/>
+                </a:solidFill>
+                <a:effectLst/>
+                <a:latin typeface="+mn-lt"/>
+                <a:ea typeface="+mn-ea"/>
+                <a:cs typeface="+mn-cs"/>
+              </a:rPr>
+              <a:t>componentDidMount</a:t>
+            </a:r>
+            <a:r>
+              <a:rPr lang="en-US" sz="1200" b="0" i="0" kern="1200" dirty="0" smtClean="0">
+                <a:solidFill>
+                  <a:schemeClr val="tx1"/>
+                </a:solidFill>
+                <a:effectLst/>
+                <a:latin typeface="+mn-lt"/>
+                <a:ea typeface="+mn-ea"/>
+                <a:cs typeface="+mn-cs"/>
+              </a:rPr>
+              <a:t> function is called. The DOM can be accessed in this method, enabling to define DOM manipulations or data fetching operations. Any DOM interactions should always happen in this phase not inside </a:t>
+            </a:r>
+            <a:r>
+              <a:rPr lang="en-US" sz="1200" b="0" i="0" kern="1200" dirty="0" err="1" smtClean="0">
+                <a:solidFill>
+                  <a:schemeClr val="tx1"/>
+                </a:solidFill>
+                <a:effectLst/>
+                <a:latin typeface="+mn-lt"/>
+                <a:ea typeface="+mn-ea"/>
+                <a:cs typeface="+mn-cs"/>
+              </a:rPr>
+              <a:t>the</a:t>
+            </a:r>
+            <a:r>
+              <a:rPr lang="en-US" sz="1200" b="0" i="1" kern="1200" dirty="0" err="1" smtClean="0">
+                <a:solidFill>
+                  <a:schemeClr val="tx1"/>
+                </a:solidFill>
+                <a:effectLst/>
+                <a:latin typeface="+mn-lt"/>
+                <a:ea typeface="+mn-ea"/>
+                <a:cs typeface="+mn-cs"/>
+              </a:rPr>
+              <a:t>render</a:t>
+            </a:r>
+            <a:r>
+              <a:rPr lang="en-US" sz="1200" b="0" i="0" kern="1200" smtClean="0">
+                <a:solidFill>
+                  <a:schemeClr val="tx1"/>
+                </a:solidFill>
+                <a:effectLst/>
+                <a:latin typeface="+mn-lt"/>
+                <a:ea typeface="+mn-ea"/>
+                <a:cs typeface="+mn-cs"/>
+              </a:rPr>
+              <a:t> method.</a:t>
+            </a:r>
+          </a:p>
+          <a:p>
+            <a:endParaRPr lang="en-US" baseline="0" dirty="0"/>
           </a:p>
         </p:txBody>
       </p:sp>
@@ -4344,7 +4221,7 @@
           <a:p>
             <a:fld id="{47CA5B65-C32E-4594-82B5-5B950CCEF23B}" type="slidenum">
               <a:rPr lang="en-US" smtClean="0"/>
-              <a:t>26</a:t>
+              <a:t>25</a:t>
             </a:fld>
             <a:endParaRPr lang="en-US"/>
           </a:p>
@@ -4492,6 +4369,54 @@
               <a:t>.</a:t>
             </a:r>
           </a:p>
+          <a:p>
+            <a:r>
+              <a:rPr lang="en-US" sz="1200" b="0" i="0" kern="1200" dirty="0" smtClean="0">
+                <a:solidFill>
+                  <a:schemeClr val="tx1"/>
+                </a:solidFill>
+                <a:effectLst/>
+                <a:latin typeface="+mn-lt"/>
+                <a:ea typeface="+mn-ea"/>
+                <a:cs typeface="+mn-cs"/>
+              </a:rPr>
+              <a:t>Check the </a:t>
+            </a:r>
+            <a:r>
+              <a:rPr lang="en-US" sz="1200" b="0" i="0" kern="1200" dirty="0" smtClean="0">
+                <a:solidFill>
+                  <a:schemeClr val="tx1"/>
+                </a:solidFill>
+                <a:effectLst/>
+                <a:latin typeface="+mn-lt"/>
+                <a:ea typeface="+mn-ea"/>
+                <a:cs typeface="+mn-cs"/>
+                <a:hlinkClick r:id="rId3"/>
+              </a:rPr>
+              <a:t>code</a:t>
+            </a:r>
+            <a:r>
+              <a:rPr lang="en-US" sz="1200" b="0" i="0" kern="1200" dirty="0" smtClean="0">
+                <a:solidFill>
+                  <a:schemeClr val="tx1"/>
+                </a:solidFill>
+                <a:effectLst/>
+                <a:latin typeface="+mn-lt"/>
+                <a:ea typeface="+mn-ea"/>
+                <a:cs typeface="+mn-cs"/>
+              </a:rPr>
+              <a:t> example for a more detailed insight.</a:t>
+            </a:r>
+            <a:endParaRPr lang="en-US" sz="1200" b="0" i="0" kern="1200" dirty="0">
+              <a:solidFill>
+                <a:schemeClr val="tx1"/>
+              </a:solidFill>
+              <a:effectLst/>
+              <a:latin typeface="+mn-lt"/>
+              <a:ea typeface="+mn-ea"/>
+              <a:cs typeface="+mn-cs"/>
+            </a:endParaRPr>
+          </a:p>
         </p:txBody>
       </p:sp>
       <p:sp>
@@ -4511,7 +4436,7 @@
           <a:p>
             <a:fld id="{47CA5B65-C32E-4594-82B5-5B950CCEF23B}" type="slidenum">
               <a:rPr lang="en-US" smtClean="0"/>
-              <a:t>27</a:t>
+              <a:t>26</a:t>
             </a:fld>
             <a:endParaRPr lang="en-US"/>
           </a:p>
@@ -4678,7 +4603,7 @@
           <a:p>
             <a:fld id="{47CA5B65-C32E-4594-82B5-5B950CCEF23B}" type="slidenum">
               <a:rPr lang="en-US" smtClean="0"/>
-              <a:t>28</a:t>
+              <a:t>27</a:t>
             </a:fld>
             <a:endParaRPr lang="en-US"/>
           </a:p>
@@ -4845,7 +4770,7 @@
           <a:p>
             <a:fld id="{47CA5B65-C32E-4594-82B5-5B950CCEF23B}" type="slidenum">
               <a:rPr lang="en-US" smtClean="0"/>
-              <a:t>29</a:t>
+              <a:t>28</a:t>
             </a:fld>
             <a:endParaRPr lang="en-US"/>
           </a:p>
@@ -5012,7 +4937,7 @@
           <a:p>
             <a:fld id="{47CA5B65-C32E-4594-82B5-5B950CCEF23B}" type="slidenum">
               <a:rPr lang="en-US" smtClean="0"/>
-              <a:t>30</a:t>
+              <a:t>29</a:t>
             </a:fld>
             <a:endParaRPr lang="en-US"/>
           </a:p>
@@ -5100,18 +5025,6 @@
               <a:t>componentWillUnmount</a:t>
             </a:r>
             <a:r>
-              <a:rPr lang="en-US" sz="1200" b="0" i="1" kern="1200" dirty="0" smtClean="0">
-                <a:solidFill>
-                  <a:schemeClr val="tx1"/>
-                </a:solidFill>
-                <a:effectLst/>
-                <a:latin typeface="+mn-lt"/>
-                <a:ea typeface="+mn-ea"/>
-                <a:cs typeface="+mn-cs"/>
-              </a:rPr>
-              <a:t> </a:t>
-            </a:r>
-            <a:r>
               <a:rPr lang="en-US" sz="1200" b="0" i="0" kern="1200" dirty="0" smtClean="0">
                 <a:solidFill>
                   <a:schemeClr val="tx1"/>
@@ -5191,7 +5104,7 @@
           <a:p>
             <a:fld id="{47CA5B65-C32E-4594-82B5-5B950CCEF23B}" type="slidenum">
               <a:rPr lang="en-US" smtClean="0"/>
-              <a:t>31</a:t>
+              <a:t>30</a:t>
             </a:fld>
             <a:endParaRPr lang="en-US"/>
           </a:p>
@@ -5279,7 +5192,7 @@
               <a:t>componentWillUnmount</a:t>
             </a:r>
             <a:r>
-              <a:rPr lang="en-US" sz="1200" b="0" i="1" kern="1200" smtClean="0">
+              <a:rPr lang="en-US" sz="1200" b="0" i="1" kern="1200" dirty="0" smtClean="0">
                 <a:solidFill>
                   <a:schemeClr val="tx1"/>
                 </a:solidFill>
@@ -5370,7 +5283,7 @@
           <a:p>
             <a:fld id="{47CA5B65-C32E-4594-82B5-5B950CCEF23B}" type="slidenum">
               <a:rPr lang="en-US" smtClean="0"/>
-              <a:t>32</a:t>
+              <a:t>31</a:t>
             </a:fld>
             <a:endParaRPr lang="en-US"/>
           </a:p>
@@ -5458,6 +5371,18 @@
               <a:t>componentWillUnmount</a:t>
             </a:r>
             <a:r>
+              <a:rPr lang="en-US" sz="1200" b="0" i="1" kern="1200" smtClean="0">
+                <a:solidFill>
+                  <a:schemeClr val="tx1"/>
+                </a:solidFill>
+                <a:effectLst/>
+                <a:latin typeface="+mn-lt"/>
+                <a:ea typeface="+mn-ea"/>
+                <a:cs typeface="+mn-cs"/>
+              </a:rPr>
+              <a:t> </a:t>
+            </a:r>
+            <a:r>
               <a:rPr lang="en-US" sz="1200" b="0" i="0" kern="1200" dirty="0" smtClean="0">
                 <a:solidFill>
                   <a:schemeClr val="tx1"/>
@@ -5537,7 +5462,7 @@
           <a:p>
             <a:fld id="{47CA5B65-C32E-4594-82B5-5B950CCEF23B}" type="slidenum">
               <a:rPr lang="en-US" smtClean="0"/>
-              <a:t>33</a:t>
+              <a:t>32</a:t>
             </a:fld>
             <a:endParaRPr lang="en-US"/>
           </a:p>
@@ -5704,7 +5629,7 @@
           <a:p>
             <a:fld id="{47CA5B65-C32E-4594-82B5-5B950CCEF23B}" type="slidenum">
               <a:rPr lang="en-US" smtClean="0"/>
-              <a:t>34</a:t>
+              <a:t>33</a:t>
             </a:fld>
             <a:endParaRPr lang="en-US"/>
           </a:p>
@@ -5932,6 +5857,173 @@
 </p:notes>
 </file>
 
+<file path=ppt/notesSlides/notesSlide30.xml><?xml version="1.0" encoding="utf-8"?>
+<p:notes xmlns:a="http://schemas.openxmlformats.org/drawingml/2006/main" xmlns:r="http://schemas.openxmlformats.org/officeDocument/2006/relationships" xmlns:p="http://schemas.openxmlformats.org/presentationml/2006/main">
+  <p:cSld>
+    <p:spTree>
+      <p:nvGrpSpPr>
+        <p:cNvPr id="1" name=""/>
+        <p:cNvGrpSpPr/>
+        <p:nvPr/>
+      </p:nvGrpSpPr>
+      <p:grpSpPr>
+        <a:xfrm>
+          <a:off x="0" y="0"/>
+          <a:ext cx="0" cy="0"/>
+          <a:chOff x="0" y="0"/>
+          <a:chExt cx="0" cy="0"/>
+        </a:xfrm>
+      </p:grpSpPr>
+      <p:sp>
+        <p:nvSpPr>
+          <p:cNvPr id="2" name="Slide Image Placeholder 1"/>
+          <p:cNvSpPr>
+            <a:spLocks noGrp="1" noRot="1" noChangeAspect="1"/>
+          </p:cNvSpPr>
+          <p:nvPr>
+            <p:ph type="sldImg"/>
+          </p:nvPr>
+        </p:nvSpPr>
+        <p:spPr/>
+      </p:sp>
+      <p:sp>
+        <p:nvSpPr>
+          <p:cNvPr id="3" name="Notes Placeholder 2"/>
+          <p:cNvSpPr>
+            <a:spLocks noGrp="1"/>
+          </p:cNvSpPr>
+          <p:nvPr>
+            <p:ph type="body" idx="1"/>
+          </p:nvPr>
+        </p:nvSpPr>
+        <p:spPr/>
+        <p:txBody>
+          <a:bodyPr/>
+          <a:lstStyle/>
+          <a:p>
+            <a:r>
+              <a:rPr lang="en-US" sz="1200" b="0" i="0" kern="1200" dirty="0" smtClean="0">
+                <a:solidFill>
+                  <a:schemeClr val="tx1"/>
+                </a:solidFill>
+                <a:effectLst/>
+                <a:latin typeface="+mn-lt"/>
+                <a:ea typeface="+mn-ea"/>
+                <a:cs typeface="+mn-cs"/>
+              </a:rPr>
+              <a:t>The only method we haven't touched yet is the </a:t>
+            </a:r>
+            <a:r>
+              <a:rPr lang="en-US" sz="1200" b="0" i="1" kern="1200" dirty="0" err="1" smtClean="0">
+                <a:solidFill>
+                  <a:schemeClr val="tx1"/>
+                </a:solidFill>
+                <a:effectLst/>
+                <a:latin typeface="+mn-lt"/>
+                <a:ea typeface="+mn-ea"/>
+                <a:cs typeface="+mn-cs"/>
+              </a:rPr>
+              <a:t>componentWillUnmount</a:t>
+            </a:r>
+            <a:r>
+              <a:rPr lang="en-US" sz="1200" b="0" i="0" kern="1200" dirty="0" smtClean="0">
+                <a:solidFill>
+                  <a:schemeClr val="tx1"/>
+                </a:solidFill>
+                <a:effectLst/>
+                <a:latin typeface="+mn-lt"/>
+                <a:ea typeface="+mn-ea"/>
+                <a:cs typeface="+mn-cs"/>
+              </a:rPr>
+              <a:t> which gets called before the component is removed from the DOM. This method can be beneficial when needing to perform clean up operations, </a:t>
+            </a:r>
+            <a:r>
+              <a:rPr lang="en-US" sz="1200" b="0" i="0" kern="1200" dirty="0" err="1" smtClean="0">
+                <a:solidFill>
+                  <a:schemeClr val="tx1"/>
+                </a:solidFill>
+                <a:effectLst/>
+                <a:latin typeface="+mn-lt"/>
+                <a:ea typeface="+mn-ea"/>
+                <a:cs typeface="+mn-cs"/>
+              </a:rPr>
+              <a:t>f.e</a:t>
+            </a:r>
+            <a:r>
+              <a:rPr lang="en-US" sz="1200" b="0" i="0" kern="1200" dirty="0" smtClean="0">
+                <a:solidFill>
+                  <a:schemeClr val="tx1"/>
+                </a:solidFill>
+                <a:effectLst/>
+                <a:latin typeface="+mn-lt"/>
+                <a:ea typeface="+mn-ea"/>
+                <a:cs typeface="+mn-cs"/>
+              </a:rPr>
+              <a:t>. removing any timers defined in </a:t>
+            </a:r>
+            <a:r>
+              <a:rPr lang="en-US" sz="1200" b="0" i="1" kern="1200" dirty="0" err="1" smtClean="0">
+                <a:solidFill>
+                  <a:schemeClr val="tx1"/>
+                </a:solidFill>
+                <a:effectLst/>
+                <a:latin typeface="+mn-lt"/>
+                <a:ea typeface="+mn-ea"/>
+                <a:cs typeface="+mn-cs"/>
+              </a:rPr>
+              <a:t>componentDidMount</a:t>
+            </a:r>
+            <a:r>
+              <a:rPr lang="en-US" sz="1200" b="0" i="0" kern="1200" dirty="0" smtClean="0">
+                <a:solidFill>
+                  <a:schemeClr val="tx1"/>
+                </a:solidFill>
+                <a:effectLst/>
+                <a:latin typeface="+mn-lt"/>
+                <a:ea typeface="+mn-ea"/>
+                <a:cs typeface="+mn-cs"/>
+              </a:rPr>
+              <a:t>.</a:t>
+            </a:r>
+          </a:p>
+        </p:txBody>
+      </p:sp>
+      <p:sp>
+        <p:nvSpPr>
+          <p:cNvPr id="4" name="Slide Number Placeholder 3"/>
+          <p:cNvSpPr>
+            <a:spLocks noGrp="1"/>
+          </p:cNvSpPr>
+          <p:nvPr>
+            <p:ph type="sldNum" sz="quarter" idx="10"/>
+          </p:nvPr>
+        </p:nvSpPr>
+        <p:spPr/>
+        <p:txBody>
+          <a:bodyPr/>
+          <a:lstStyle/>
+          <a:p>
+            <a:fld id="{47CA5B65-C32E-4594-82B5-5B950CCEF23B}" type="slidenum">
+              <a:rPr lang="en-US" smtClean="0"/>
+              <a:t>34</a:t>
+            </a:fld>
+            <a:endParaRPr lang="en-US"/>
+          </a:p>
+        </p:txBody>
+      </p:sp>
+    </p:spTree>
+    <p:extLst>
+      <p:ext uri="{BB962C8B-B14F-4D97-AF65-F5344CB8AC3E}">
+        <p14:creationId xmlns:p14="http://schemas.microsoft.com/office/powerpoint/2010/main" val="3704078898"/>
+      </p:ext>
+    </p:extLst>
+  </p:cSld>
+  <p:clrMapOvr>
+    <a:masterClrMapping/>
+  </p:clrMapOvr>
+</p:notes>
+</file>
+
 <file path=ppt/notesSlides/notesSlide4.xml><?xml version="1.0" encoding="utf-8"?>
 <p:notes xmlns:a="http://schemas.openxmlformats.org/drawingml/2006/main" xmlns:r="http://schemas.openxmlformats.org/officeDocument/2006/relationships" xmlns:p="http://schemas.openxmlformats.org/presentationml/2006/main">
   <p:cSld>
@@ -6185,7 +6277,59 @@
           <a:bodyPr/>
           <a:lstStyle/>
           <a:p>
-            <a:endParaRPr lang="en-US" dirty="0"/>
+            <a:pPr marL="0" marR="0" lvl="1" indent="0" algn="l" defTabSz="914400" rtl="0" eaLnBrk="1" fontAlgn="auto" latinLnBrk="0" hangingPunct="1">
+              <a:lnSpc>
+                <a:spcPct val="100000"/>
+              </a:lnSpc>
+              <a:spcBef>
+                <a:spcPts val="0"/>
+              </a:spcBef>
+              <a:spcAft>
+                <a:spcPts val="0"/>
+              </a:spcAft>
+              <a:buClrTx/>
+              <a:buSzTx/>
+              <a:buFontTx/>
+              <a:buNone/>
+              <a:tabLst/>
+              <a:defRPr/>
+            </a:pPr>
+            <a:r>
+              <a:rPr lang="en-US" sz="2400" dirty="0" smtClean="0"/>
+              <a:t>Less effort to read </a:t>
+            </a:r>
+            <a:r>
+              <a:rPr lang="en-US" sz="2400" smtClean="0"/>
+              <a:t>and write</a:t>
+            </a:r>
+          </a:p>
+          <a:p>
+            <a:pPr marL="0" marR="0" lvl="1" indent="0" algn="l" defTabSz="914400" rtl="0" eaLnBrk="1" fontAlgn="auto" latinLnBrk="0" hangingPunct="1">
+              <a:lnSpc>
+                <a:spcPct val="100000"/>
+              </a:lnSpc>
+              <a:spcBef>
+                <a:spcPts val="0"/>
+              </a:spcBef>
+              <a:spcAft>
+                <a:spcPts val="0"/>
+              </a:spcAft>
+              <a:buClrTx/>
+              <a:buSzTx/>
+              <a:buFontTx/>
+              <a:buNone/>
+              <a:tabLst/>
+              <a:defRPr/>
+            </a:pPr>
+            <a:r>
+              <a:rPr lang="en-US" sz="2400" smtClean="0"/>
+              <a:t>Need </a:t>
+            </a:r>
+            <a:r>
+              <a:rPr lang="en-US" sz="2400" dirty="0" smtClean="0"/>
+              <a:t>to transformed into JS before running in the browser.</a:t>
+            </a:r>
+            <a:endParaRPr lang="en-US" sz="2400" dirty="0" smtClean="0"/>
           </a:p>
         </p:txBody>
       </p:sp>
@@ -6206,7 +6350,7 @@
           <a:p>
             <a:fld id="{47CA5B65-C32E-4594-82B5-5B950CCEF23B}" type="slidenum">
               <a:rPr lang="en-US" smtClean="0"/>
-              <a:t>10</a:t>
+              <a:t>8</a:t>
             </a:fld>
             <a:endParaRPr lang="en-US"/>
           </a:p>
@@ -6215,7 +6359,7 @@
     </p:spTree>
     <p:extLst>
       <p:ext uri="{BB962C8B-B14F-4D97-AF65-F5344CB8AC3E}">
-        <p14:creationId xmlns:p14="http://schemas.microsoft.com/office/powerpoint/2010/main" val="3729163769"/>
+        <p14:creationId xmlns:p14="http://schemas.microsoft.com/office/powerpoint/2010/main" val="1938065957"/>
       </p:ext>
     </p:extLst>
   </p:cSld>
@@ -6269,12 +6413,6 @@
           <a:bodyPr/>
           <a:lstStyle/>
           <a:p>
-            <a:r>
-              <a:rPr lang="en-US" dirty="0" smtClean="0"/>
-              <a:t>https://facebook.github.io/react/docs/tags-and-attributes.html</a:t>
-            </a:r>
-          </a:p>
-          <a:p>
             <a:endParaRPr lang="en-US" dirty="0"/>
           </a:p>
         </p:txBody>
@@ -6296,7 +6434,7 @@
           <a:p>
             <a:fld id="{47CA5B65-C32E-4594-82B5-5B950CCEF23B}" type="slidenum">
               <a:rPr lang="en-US" smtClean="0"/>
-              <a:t>11</a:t>
+              <a:t>10</a:t>
             </a:fld>
             <a:endParaRPr lang="en-US"/>
           </a:p>
@@ -6305,7 +6443,7 @@
     </p:spTree>
     <p:extLst>
       <p:ext uri="{BB962C8B-B14F-4D97-AF65-F5344CB8AC3E}">
-        <p14:creationId xmlns:p14="http://schemas.microsoft.com/office/powerpoint/2010/main" val="291943593"/>
+        <p14:creationId xmlns:p14="http://schemas.microsoft.com/office/powerpoint/2010/main" val="3729163769"/>
       </p:ext>
     </p:extLst>
   </p:cSld>
@@ -6360,73 +6498,11 @@
           <a:lstStyle/>
           <a:p>
             <a:r>
-              <a:rPr lang="en-US" sz="1200" b="0" i="0" kern="1200" dirty="0" smtClean="0">
-                <a:solidFill>
-                  <a:schemeClr val="tx1"/>
-                </a:solidFill>
-                <a:effectLst/>
-                <a:latin typeface="+mn-lt"/>
-                <a:ea typeface="+mn-ea"/>
-                <a:cs typeface="+mn-cs"/>
-              </a:rPr>
-              <a:t>You can use React using only </a:t>
-            </a:r>
-            <a:r>
-              <a:rPr lang="en-US" dirty="0" err="1" smtClean="0"/>
-              <a:t>ReactElement</a:t>
-            </a:r>
-            <a:r>
-              <a:rPr lang="en-US" sz="1200" b="0" i="0" kern="1200" dirty="0" err="1" smtClean="0">
-                <a:solidFill>
-                  <a:schemeClr val="tx1"/>
-                </a:solidFill>
-                <a:effectLst/>
-                <a:latin typeface="+mn-lt"/>
-                <a:ea typeface="+mn-ea"/>
-                <a:cs typeface="+mn-cs"/>
-              </a:rPr>
-              <a:t>s</a:t>
-            </a:r>
-            <a:r>
-              <a:rPr lang="en-US" sz="1200" b="0" i="0" kern="1200" dirty="0" smtClean="0">
-                <a:solidFill>
-                  <a:schemeClr val="tx1"/>
-                </a:solidFill>
-                <a:effectLst/>
-                <a:latin typeface="+mn-lt"/>
-                <a:ea typeface="+mn-ea"/>
-                <a:cs typeface="+mn-cs"/>
-              </a:rPr>
-              <a:t> but to really take advantage of React, you'll want to use </a:t>
-            </a:r>
-            <a:r>
-              <a:rPr lang="en-US" dirty="0" err="1" smtClean="0"/>
-              <a:t>ReactComponent</a:t>
-            </a:r>
-            <a:r>
-              <a:rPr lang="en-US" sz="1200" b="0" i="0" kern="1200" dirty="0" err="1" smtClean="0">
-                <a:solidFill>
-                  <a:schemeClr val="tx1"/>
-                </a:solidFill>
-                <a:effectLst/>
-                <a:latin typeface="+mn-lt"/>
-                <a:ea typeface="+mn-ea"/>
-                <a:cs typeface="+mn-cs"/>
-              </a:rPr>
-              <a:t>s</a:t>
-            </a:r>
-            <a:r>
-              <a:rPr lang="en-US" sz="1200" b="0" i="0" kern="1200" dirty="0" smtClean="0">
-                <a:solidFill>
-                  <a:schemeClr val="tx1"/>
-                </a:solidFill>
-                <a:effectLst/>
-                <a:latin typeface="+mn-lt"/>
-                <a:ea typeface="+mn-ea"/>
-                <a:cs typeface="+mn-cs"/>
-              </a:rPr>
-              <a:t> to create encapsulations with embedded state.</a:t>
-            </a:r>
+              <a:rPr lang="en-US" dirty="0" smtClean="0"/>
+              <a:t>https://facebook.github.io/react/docs/tags-and-attributes.html</a:t>
+            </a:r>
+          </a:p>
+          <a:p>
             <a:endParaRPr lang="en-US" dirty="0"/>
           </a:p>
         </p:txBody>
@@ -6448,7 +6524,7 @@
           <a:p>
             <a:fld id="{47CA5B65-C32E-4594-82B5-5B950CCEF23B}" type="slidenum">
               <a:rPr lang="en-US" smtClean="0"/>
-              <a:t>12</a:t>
+              <a:t>11</a:t>
             </a:fld>
             <a:endParaRPr lang="en-US"/>
           </a:p>
@@ -6457,7 +6533,7 @@
     </p:spTree>
     <p:extLst>
       <p:ext uri="{BB962C8B-B14F-4D97-AF65-F5344CB8AC3E}">
-        <p14:creationId xmlns:p14="http://schemas.microsoft.com/office/powerpoint/2010/main" val="898643330"/>
+        <p14:creationId xmlns:p14="http://schemas.microsoft.com/office/powerpoint/2010/main" val="291943593"/>
       </p:ext>
     </p:extLst>
   </p:cSld>
@@ -6600,7 +6676,7 @@
           <a:p>
             <a:fld id="{47CA5B65-C32E-4594-82B5-5B950CCEF23B}" type="slidenum">
               <a:rPr lang="en-US" smtClean="0"/>
-              <a:t>13</a:t>
+              <a:t>12</a:t>
             </a:fld>
             <a:endParaRPr lang="en-US"/>
           </a:p>
@@ -6663,15 +6739,75 @@
           <a:bodyPr/>
           <a:lstStyle/>
           <a:p>
-            <a:pPr lvl="1">
-              <a:spcAft>
-                <a:spcPts val="600"/>
-              </a:spcAft>
-            </a:pPr>
-            <a:r>
-              <a:rPr lang="en-US" sz="2400" dirty="0" smtClean="0"/>
-              <a:t>When we use our defined components, we can add attributes called props.</a:t>
-            </a:r>
+            <a:r>
+              <a:rPr lang="en-US" sz="1200" b="0" i="0" kern="1200" dirty="0" smtClean="0">
+                <a:solidFill>
+                  <a:schemeClr val="tx1"/>
+                </a:solidFill>
+                <a:effectLst/>
+                <a:latin typeface="+mn-lt"/>
+                <a:ea typeface="+mn-ea"/>
+                <a:cs typeface="+mn-cs"/>
+              </a:rPr>
+              <a:t>You can use React using only </a:t>
+            </a:r>
+            <a:r>
+              <a:rPr lang="en-US" dirty="0" err="1" smtClean="0"/>
+              <a:t>ReactElement</a:t>
+            </a:r>
+            <a:r>
+              <a:rPr lang="en-US" sz="1200" b="0" i="0" kern="1200" dirty="0" err="1" smtClean="0">
+                <a:solidFill>
+                  <a:schemeClr val="tx1"/>
+                </a:solidFill>
+                <a:effectLst/>
+                <a:latin typeface="+mn-lt"/>
+                <a:ea typeface="+mn-ea"/>
+                <a:cs typeface="+mn-cs"/>
+              </a:rPr>
+              <a:t>s</a:t>
+            </a:r>
+            <a:r>
+              <a:rPr lang="en-US" sz="1200" b="0" i="0" kern="1200" dirty="0" smtClean="0">
+                <a:solidFill>
+                  <a:schemeClr val="tx1"/>
+                </a:solidFill>
+                <a:effectLst/>
+                <a:latin typeface="+mn-lt"/>
+                <a:ea typeface="+mn-ea"/>
+                <a:cs typeface="+mn-cs"/>
+              </a:rPr>
+              <a:t> but to really take advantage of React, you'll want to use </a:t>
+            </a:r>
+            <a:r>
+              <a:rPr lang="en-US" dirty="0" err="1" smtClean="0"/>
+              <a:t>ReactComponent</a:t>
+            </a:r>
+            <a:r>
+              <a:rPr lang="en-US" sz="1200" b="0" i="0" kern="1200" dirty="0" err="1" smtClean="0">
+                <a:solidFill>
+                  <a:schemeClr val="tx1"/>
+                </a:solidFill>
+                <a:effectLst/>
+                <a:latin typeface="+mn-lt"/>
+                <a:ea typeface="+mn-ea"/>
+                <a:cs typeface="+mn-cs"/>
+              </a:rPr>
+              <a:t>s</a:t>
+            </a:r>
+            <a:r>
+              <a:rPr lang="en-US" sz="1200" b="0" i="0" kern="1200" dirty="0" smtClean="0">
+                <a:solidFill>
+                  <a:schemeClr val="tx1"/>
+                </a:solidFill>
+                <a:effectLst/>
+                <a:latin typeface="+mn-lt"/>
+                <a:ea typeface="+mn-ea"/>
+                <a:cs typeface="+mn-cs"/>
+              </a:rPr>
+              <a:t> to create encapsulations with embedded state.</a:t>
+            </a:r>
+            <a:endParaRPr lang="en-US" dirty="0"/>
           </a:p>
         </p:txBody>
       </p:sp>
@@ -6692,7 +6828,7 @@
           <a:p>
             <a:fld id="{47CA5B65-C32E-4594-82B5-5B950CCEF23B}" type="slidenum">
               <a:rPr lang="en-US" smtClean="0"/>
-              <a:t>14</a:t>
+              <a:t>13</a:t>
             </a:fld>
             <a:endParaRPr lang="en-US"/>
           </a:p>
@@ -7834,7 +7970,7 @@
             <a:fld id="{1D8BD707-D9CF-40AE-B4C6-C98DA3205C09}" type="datetimeFigureOut">
               <a:rPr lang="en-US" smtClean="0"/>
               <a:pPr/>
-              <a:t>12/23/2015</a:t>
+              <a:t>12/25/2015</a:t>
             </a:fld>
             <a:endParaRPr lang="en-US"/>
           </a:p>
@@ -8061,7 +8197,7 @@
             <a:fld id="{1D8BD707-D9CF-40AE-B4C6-C98DA3205C09}" type="datetimeFigureOut">
               <a:rPr lang="en-US" smtClean="0"/>
               <a:pPr/>
-              <a:t>12/23/2015</a:t>
+              <a:t>12/25/2015</a:t>
             </a:fld>
             <a:endParaRPr lang="en-US"/>
           </a:p>
@@ -8288,7 +8424,7 @@
             <a:fld id="{1D8BD707-D9CF-40AE-B4C6-C98DA3205C09}" type="datetimeFigureOut">
               <a:rPr lang="en-US" smtClean="0"/>
               <a:pPr/>
-              <a:t>12/23/2015</a:t>
+              <a:t>12/25/2015</a:t>
             </a:fld>
             <a:endParaRPr lang="en-US"/>
           </a:p>
@@ -8487,7 +8623,7 @@
             <a:fld id="{1D8BD707-D9CF-40AE-B4C6-C98DA3205C09}" type="datetimeFigureOut">
               <a:rPr lang="en-US" smtClean="0"/>
               <a:pPr/>
-              <a:t>12/23/2015</a:t>
+              <a:t>12/25/2015</a:t>
             </a:fld>
             <a:endParaRPr lang="en-US"/>
           </a:p>
@@ -8686,7 +8822,7 @@
             <a:fld id="{1D8BD707-D9CF-40AE-B4C6-C98DA3205C09}" type="datetimeFigureOut">
               <a:rPr lang="en-US" smtClean="0"/>
               <a:pPr/>
-              <a:t>12/23/2015</a:t>
+              <a:t>12/25/2015</a:t>
             </a:fld>
             <a:endParaRPr lang="en-US"/>
           </a:p>
@@ -8912,7 +9048,7 @@
             <a:fld id="{1D8BD707-D9CF-40AE-B4C6-C98DA3205C09}" type="datetimeFigureOut">
               <a:rPr lang="en-US" smtClean="0"/>
               <a:pPr/>
-              <a:t>12/23/2015</a:t>
+              <a:t>12/25/2015</a:t>
             </a:fld>
             <a:endParaRPr lang="en-US"/>
           </a:p>
@@ -9151,7 +9287,7 @@
             <a:fld id="{1D8BD707-D9CF-40AE-B4C6-C98DA3205C09}" type="datetimeFigureOut">
               <a:rPr lang="en-US" smtClean="0"/>
               <a:pPr/>
-              <a:t>12/23/2015</a:t>
+              <a:t>12/25/2015</a:t>
             </a:fld>
             <a:endParaRPr lang="en-US"/>
           </a:p>
@@ -9486,7 +9622,7 @@
             <a:fld id="{1D8BD707-D9CF-40AE-B4C6-C98DA3205C09}" type="datetimeFigureOut">
               <a:rPr lang="en-US" smtClean="0"/>
               <a:pPr/>
-              <a:t>12/23/2015</a:t>
+              <a:t>12/25/2015</a:t>
             </a:fld>
             <a:endParaRPr lang="en-US"/>
           </a:p>
@@ -9956,7 +10092,7 @@
             <a:fld id="{1D8BD707-D9CF-40AE-B4C6-C98DA3205C09}" type="datetimeFigureOut">
               <a:rPr lang="en-US" smtClean="0"/>
               <a:pPr/>
-              <a:t>12/23/2015</a:t>
+              <a:t>12/25/2015</a:t>
             </a:fld>
             <a:endParaRPr lang="en-US"/>
           </a:p>
@@ -10121,7 +10257,7 @@
             <a:fld id="{1D8BD707-D9CF-40AE-B4C6-C98DA3205C09}" type="datetimeFigureOut">
               <a:rPr lang="en-US" smtClean="0"/>
               <a:pPr/>
-              <a:t>12/23/2015</a:t>
+              <a:t>12/25/2015</a:t>
             </a:fld>
             <a:endParaRPr lang="en-US"/>
           </a:p>
@@ -10263,7 +10399,7 @@
             <a:fld id="{1D8BD707-D9CF-40AE-B4C6-C98DA3205C09}" type="datetimeFigureOut">
               <a:rPr lang="en-US" smtClean="0"/>
               <a:pPr/>
-              <a:t>12/23/2015</a:t>
+              <a:t>12/25/2015</a:t>
             </a:fld>
             <a:endParaRPr lang="en-US"/>
           </a:p>
@@ -10587,7 +10723,7 @@
             <a:fld id="{1D8BD707-D9CF-40AE-B4C6-C98DA3205C09}" type="datetimeFigureOut">
               <a:rPr lang="en-US" smtClean="0"/>
               <a:pPr/>
-              <a:t>12/23/2015</a:t>
+              <a:t>12/25/2015</a:t>
             </a:fld>
             <a:endParaRPr lang="en-US"/>
           </a:p>
@@ -10892,7 +11028,7 @@
             <a:fld id="{1D8BD707-D9CF-40AE-B4C6-C98DA3205C09}" type="datetimeFigureOut">
               <a:rPr lang="en-US" smtClean="0"/>
               <a:pPr/>
-              <a:t>12/23/2015</a:t>
+              <a:t>12/25/2015</a:t>
             </a:fld>
             <a:endParaRPr lang="en-US"/>
           </a:p>
@@ -11437,7 +11573,7 @@
             <a:fld id="{1D8BD707-D9CF-40AE-B4C6-C98DA3205C09}" type="datetimeFigureOut">
               <a:rPr lang="en-US" smtClean="0"/>
               <a:pPr/>
-              <a:t>12/23/2015</a:t>
+              <a:t>12/25/2015</a:t>
             </a:fld>
             <a:endParaRPr lang="en-US"/>
           </a:p>
@@ -20119,167 +20255,1722 @@
           </a:p>
         </p:txBody>
       </p:sp>
-      <p:sp>
-        <p:nvSpPr>
-          <p:cNvPr id="4" name="Footer Placeholder 3"/>
-          <p:cNvSpPr>
-            <a:spLocks noGrp="1"/>
-          </p:cNvSpPr>
-          <p:nvPr>
-            <p:ph type="ftr" sz="quarter" idx="11"/>
-          </p:nvPr>
-        </p:nvSpPr>
-        <p:spPr/>
-        <p:txBody>
-          <a:bodyPr/>
-          <a:lstStyle/>
-          <a:p>
-            <a:pPr>
-              <a:defRPr/>
-            </a:pPr>
-            <a:r>
-              <a:rPr lang="vi-VN" dirty="0"/>
-              <a:t>Dữ liệu kiểu con trỏ (cơ bản)</a:t>
-            </a:r>
-            <a:endParaRPr lang="en-US" dirty="0"/>
-          </a:p>
-        </p:txBody>
-      </p:sp>
-      <p:sp>
-        <p:nvSpPr>
-          <p:cNvPr id="3" name="Rectangle 2"/>
-          <p:cNvSpPr/>
+      <p:grpSp>
+        <p:nvGrpSpPr>
+          <p:cNvPr id="5" name="Group 46"/>
+          <p:cNvGrpSpPr>
+            <a:grpSpLocks/>
+          </p:cNvGrpSpPr>
           <p:nvPr/>
-        </p:nvSpPr>
-        <p:spPr>
+        </p:nvGrpSpPr>
+        <p:grpSpPr bwMode="auto">
           <a:xfrm>
-            <a:off x="381000" y="1371600"/>
-            <a:ext cx="4572000" cy="3677930"/>
+            <a:off x="2133600" y="1905000"/>
+            <a:ext cx="4724400" cy="882650"/>
+            <a:chOff x="1296" y="1824"/>
+            <a:chExt cx="2976" cy="556"/>
           </a:xfrm>
-          <a:prstGeom prst="rect">
-            <a:avLst/>
-          </a:prstGeom>
-          <a:noFill/>
-          <a:ln/>
-        </p:spPr>
-        <p:txBody>
-          <a:bodyPr/>
-          <a:lstStyle/>
-          <a:p>
-            <a:pPr marL="742950" lvl="1" indent="-285750" fontAlgn="base">
-              <a:spcBef>
-                <a:spcPct val="20000"/>
-              </a:spcBef>
-              <a:spcAft>
-                <a:spcPts val="600"/>
-              </a:spcAft>
-              <a:buClr>
-                <a:schemeClr val="accent1"/>
-              </a:buClr>
-              <a:buFont typeface="Wingdings" pitchFamily="2" charset="2"/>
-              <a:buChar char="§"/>
-            </a:pPr>
-            <a:r>
-              <a:rPr lang="en-US" sz="2400" dirty="0">
-                <a:latin typeface="Tahoma" pitchFamily="34" charset="0"/>
-                <a:ea typeface="Tahoma" panose="020B0604030504040204" pitchFamily="34" charset="0"/>
-                <a:cs typeface="Tahoma" pitchFamily="34" charset="0"/>
-              </a:rPr>
-              <a:t>Introduce React</a:t>
-            </a:r>
-          </a:p>
-          <a:p>
-            <a:pPr marL="742950" lvl="1" indent="-285750" fontAlgn="base">
-              <a:spcBef>
-                <a:spcPct val="20000"/>
-              </a:spcBef>
-              <a:spcAft>
-                <a:spcPts val="600"/>
-              </a:spcAft>
-              <a:buClr>
-                <a:schemeClr val="accent1"/>
-              </a:buClr>
-              <a:buFont typeface="Wingdings" pitchFamily="2" charset="2"/>
-              <a:buChar char="§"/>
-            </a:pPr>
-            <a:r>
-              <a:rPr lang="en-US" sz="2400" dirty="0">
-                <a:latin typeface="Tahoma" pitchFamily="34" charset="0"/>
-                <a:ea typeface="Tahoma" panose="020B0604030504040204" pitchFamily="34" charset="0"/>
-                <a:cs typeface="Tahoma" pitchFamily="34" charset="0"/>
-              </a:rPr>
-              <a:t>React Core Concept</a:t>
-            </a:r>
-          </a:p>
-          <a:p>
-            <a:pPr marL="742950" lvl="1" indent="-285750" fontAlgn="base">
-              <a:spcBef>
-                <a:spcPct val="20000"/>
-              </a:spcBef>
-              <a:spcAft>
-                <a:spcPts val="600"/>
-              </a:spcAft>
-              <a:buClr>
-                <a:schemeClr val="accent1"/>
-              </a:buClr>
-              <a:buFont typeface="Wingdings" pitchFamily="2" charset="2"/>
-              <a:buChar char="§"/>
-            </a:pPr>
-            <a:r>
-              <a:rPr lang="en-US" sz="2400" dirty="0" smtClean="0">
-                <a:latin typeface="Tahoma" pitchFamily="34" charset="0"/>
-                <a:ea typeface="Tahoma" panose="020B0604030504040204" pitchFamily="34" charset="0"/>
-                <a:cs typeface="Tahoma" pitchFamily="34" charset="0"/>
-              </a:rPr>
-              <a:t>React </a:t>
-            </a:r>
-            <a:r>
-              <a:rPr lang="en-US" sz="2400" dirty="0">
-                <a:latin typeface="Tahoma" pitchFamily="34" charset="0"/>
-                <a:ea typeface="Tahoma" panose="020B0604030504040204" pitchFamily="34" charset="0"/>
-                <a:cs typeface="Tahoma" pitchFamily="34" charset="0"/>
-              </a:rPr>
-              <a:t>Life </a:t>
-            </a:r>
-            <a:r>
-              <a:rPr lang="en-US" sz="2400" dirty="0" smtClean="0">
-                <a:latin typeface="Tahoma" pitchFamily="34" charset="0"/>
-                <a:ea typeface="Tahoma" panose="020B0604030504040204" pitchFamily="34" charset="0"/>
-                <a:cs typeface="Tahoma" pitchFamily="34" charset="0"/>
-              </a:rPr>
-              <a:t>Cycle</a:t>
-            </a:r>
-          </a:p>
-          <a:p>
-            <a:pPr marL="742950" lvl="1" indent="-285750" fontAlgn="base">
-              <a:spcBef>
-                <a:spcPct val="20000"/>
-              </a:spcBef>
-              <a:spcAft>
-                <a:spcPts val="600"/>
-              </a:spcAft>
-              <a:buClr>
-                <a:schemeClr val="accent1"/>
-              </a:buClr>
-              <a:buFont typeface="Wingdings" pitchFamily="2" charset="2"/>
-              <a:buChar char="§"/>
-            </a:pPr>
-            <a:r>
-              <a:rPr lang="en-US" sz="2400" smtClean="0">
-                <a:latin typeface="Tahoma" pitchFamily="34" charset="0"/>
-                <a:ea typeface="Tahoma" panose="020B0604030504040204" pitchFamily="34" charset="0"/>
-                <a:cs typeface="Tahoma" pitchFamily="34" charset="0"/>
-              </a:rPr>
-              <a:t>Best Practices</a:t>
-            </a:r>
-            <a:endParaRPr lang="en-US" sz="2400" dirty="0">
-              <a:latin typeface="Tahoma" pitchFamily="34" charset="0"/>
-              <a:ea typeface="Tahoma" panose="020B0604030504040204" pitchFamily="34" charset="0"/>
-              <a:cs typeface="Tahoma" pitchFamily="34" charset="0"/>
-            </a:endParaRPr>
-          </a:p>
-        </p:txBody>
-      </p:sp>
+        </p:grpSpPr>
+        <p:sp>
+          <p:nvSpPr>
+            <p:cNvPr id="6" name="AutoShape 47"/>
+            <p:cNvSpPr>
+              <a:spLocks noChangeArrowheads="1"/>
+            </p:cNvSpPr>
+            <p:nvPr/>
+          </p:nvSpPr>
+          <p:spPr bwMode="gray">
+            <a:xfrm>
+              <a:off x="1536" y="1899"/>
+              <a:ext cx="2736" cy="288"/>
+            </a:xfrm>
+            <a:prstGeom prst="roundRect">
+              <a:avLst>
+                <a:gd name="adj" fmla="val 16667"/>
+              </a:avLst>
+            </a:prstGeom>
+            <a:gradFill rotWithShape="1">
+              <a:gsLst>
+                <a:gs pos="0">
+                  <a:schemeClr val="accent2">
+                    <a:gamma/>
+                    <a:tint val="21176"/>
+                    <a:invGamma/>
+                  </a:schemeClr>
+                </a:gs>
+                <a:gs pos="100000">
+                  <a:schemeClr val="accent2"/>
+                </a:gs>
+              </a:gsLst>
+              <a:lin ang="0" scaled="1"/>
+            </a:gradFill>
+            <a:ln w="12700" algn="ctr">
+              <a:solidFill>
+                <a:schemeClr val="bg1"/>
+              </a:solidFill>
+              <a:round/>
+              <a:headEnd/>
+              <a:tailEnd/>
+            </a:ln>
+            <a:effectLst>
+              <a:outerShdw dist="99190" dir="2388334" algn="ctr" rotWithShape="0">
+                <a:srgbClr val="333333">
+                  <a:alpha val="50000"/>
+                </a:srgbClr>
+              </a:outerShdw>
+            </a:effectLst>
+          </p:spPr>
+          <p:txBody>
+            <a:bodyPr wrap="none" anchor="ctr"/>
+            <a:lstStyle/>
+            <a:p>
+              <a:pPr>
+                <a:defRPr/>
+              </a:pPr>
+              <a:endParaRPr lang="en-US">
+                <a:cs typeface="+mn-cs"/>
+              </a:endParaRPr>
+            </a:p>
+          </p:txBody>
+        </p:sp>
+        <p:sp>
+          <p:nvSpPr>
+            <p:cNvPr id="7" name="AutoShape 48"/>
+            <p:cNvSpPr>
+              <a:spLocks noChangeArrowheads="1"/>
+            </p:cNvSpPr>
+            <p:nvPr/>
+          </p:nvSpPr>
+          <p:spPr bwMode="gray">
+            <a:xfrm>
+              <a:off x="1296" y="1824"/>
+              <a:ext cx="432" cy="432"/>
+            </a:xfrm>
+            <a:prstGeom prst="diamond">
+              <a:avLst/>
+            </a:prstGeom>
+            <a:solidFill>
+              <a:schemeClr val="accent2"/>
+            </a:solidFill>
+            <a:ln w="25400" algn="ctr">
+              <a:solidFill>
+                <a:schemeClr val="bg1"/>
+              </a:solidFill>
+              <a:miter lim="800000"/>
+              <a:headEnd/>
+              <a:tailEnd/>
+            </a:ln>
+            <a:effectLst>
+              <a:outerShdw dist="63500" dir="2212194" algn="ctr" rotWithShape="0">
+                <a:srgbClr val="333333">
+                  <a:alpha val="50000"/>
+                </a:srgbClr>
+              </a:outerShdw>
+            </a:effectLst>
+          </p:spPr>
+          <p:txBody>
+            <a:bodyPr wrap="none" anchor="ctr"/>
+            <a:lstStyle/>
+            <a:p>
+              <a:endParaRPr lang="en-US"/>
+            </a:p>
+          </p:txBody>
+        </p:sp>
+        <p:sp>
+          <p:nvSpPr>
+            <p:cNvPr id="8" name="Text Box 49"/>
+            <p:cNvSpPr txBox="1">
+              <a:spLocks noChangeArrowheads="1"/>
+            </p:cNvSpPr>
+            <p:nvPr/>
+          </p:nvSpPr>
+          <p:spPr bwMode="gray">
+            <a:xfrm>
+              <a:off x="1824" y="1934"/>
+              <a:ext cx="2448" cy="446"/>
+            </a:xfrm>
+            <a:prstGeom prst="rect">
+              <a:avLst/>
+            </a:prstGeom>
+            <a:noFill/>
+            <a:ln>
+              <a:noFill/>
+            </a:ln>
+            <a:extLst>
+              <a:ext uri="{909E8E84-426E-40DD-AFC4-6F175D3DCCD1}">
+                <a14:hiddenFill xmlns:a14="http://schemas.microsoft.com/office/drawing/2010/main">
+                  <a:solidFill>
+                    <a:srgbClr val="FFFFFF"/>
+                  </a:solidFill>
+                </a14:hiddenFill>
+              </a:ext>
+              <a:ext uri="{91240B29-F687-4F45-9708-019B960494DF}">
+                <a14:hiddenLine xmlns:a14="http://schemas.microsoft.com/office/drawing/2010/main" w="9525" algn="ctr">
+                  <a:solidFill>
+                    <a:srgbClr val="000000"/>
+                  </a:solidFill>
+                  <a:miter lim="800000"/>
+                  <a:headEnd/>
+                  <a:tailEnd/>
+                </a14:hiddenLine>
+              </a:ext>
+            </a:extLst>
+          </p:spPr>
+          <p:txBody>
+            <a:bodyPr>
+              <a:spAutoFit/>
+            </a:bodyPr>
+            <a:lstStyle>
+              <a:lvl1pPr eaLnBrk="0" hangingPunct="0">
+                <a:defRPr>
+                  <a:solidFill>
+                    <a:schemeClr val="tx1"/>
+                  </a:solidFill>
+                  <a:latin typeface="Arial" charset="0"/>
+                </a:defRPr>
+              </a:lvl1pPr>
+              <a:lvl2pPr marL="742950" indent="-285750" eaLnBrk="0" hangingPunct="0">
+                <a:defRPr>
+                  <a:solidFill>
+                    <a:schemeClr val="tx1"/>
+                  </a:solidFill>
+                  <a:latin typeface="Arial" charset="0"/>
+                </a:defRPr>
+              </a:lvl2pPr>
+              <a:lvl3pPr marL="1143000" indent="-228600" eaLnBrk="0" hangingPunct="0">
+                <a:defRPr>
+                  <a:solidFill>
+                    <a:schemeClr val="tx1"/>
+                  </a:solidFill>
+                  <a:latin typeface="Arial" charset="0"/>
+                </a:defRPr>
+              </a:lvl3pPr>
+              <a:lvl4pPr marL="1600200" indent="-228600" eaLnBrk="0" hangingPunct="0">
+                <a:defRPr>
+                  <a:solidFill>
+                    <a:schemeClr val="tx1"/>
+                  </a:solidFill>
+                  <a:latin typeface="Arial" charset="0"/>
+                </a:defRPr>
+              </a:lvl4pPr>
+              <a:lvl5pPr marL="2057400" indent="-228600" eaLnBrk="0" hangingPunct="0">
+                <a:defRPr>
+                  <a:solidFill>
+                    <a:schemeClr val="tx1"/>
+                  </a:solidFill>
+                  <a:latin typeface="Arial" charset="0"/>
+                </a:defRPr>
+              </a:lvl5pPr>
+              <a:lvl6pPr marL="2514600" indent="-228600" eaLnBrk="0" fontAlgn="base" hangingPunct="0">
+                <a:spcBef>
+                  <a:spcPct val="0"/>
+                </a:spcBef>
+                <a:spcAft>
+                  <a:spcPct val="0"/>
+                </a:spcAft>
+                <a:defRPr>
+                  <a:solidFill>
+                    <a:schemeClr val="tx1"/>
+                  </a:solidFill>
+                  <a:latin typeface="Arial" charset="0"/>
+                </a:defRPr>
+              </a:lvl6pPr>
+              <a:lvl7pPr marL="2971800" indent="-228600" eaLnBrk="0" fontAlgn="base" hangingPunct="0">
+                <a:spcBef>
+                  <a:spcPct val="0"/>
+                </a:spcBef>
+                <a:spcAft>
+                  <a:spcPct val="0"/>
+                </a:spcAft>
+                <a:defRPr>
+                  <a:solidFill>
+                    <a:schemeClr val="tx1"/>
+                  </a:solidFill>
+                  <a:latin typeface="Arial" charset="0"/>
+                </a:defRPr>
+              </a:lvl7pPr>
+              <a:lvl8pPr marL="3429000" indent="-228600" eaLnBrk="0" fontAlgn="base" hangingPunct="0">
+                <a:spcBef>
+                  <a:spcPct val="0"/>
+                </a:spcBef>
+                <a:spcAft>
+                  <a:spcPct val="0"/>
+                </a:spcAft>
+                <a:defRPr>
+                  <a:solidFill>
+                    <a:schemeClr val="tx1"/>
+                  </a:solidFill>
+                  <a:latin typeface="Arial" charset="0"/>
+                </a:defRPr>
+              </a:lvl8pPr>
+              <a:lvl9pPr marL="3886200" indent="-228600" eaLnBrk="0" fontAlgn="base" hangingPunct="0">
+                <a:spcBef>
+                  <a:spcPct val="0"/>
+                </a:spcBef>
+                <a:spcAft>
+                  <a:spcPct val="0"/>
+                </a:spcAft>
+                <a:defRPr>
+                  <a:solidFill>
+                    <a:schemeClr val="tx1"/>
+                  </a:solidFill>
+                  <a:latin typeface="Arial" charset="0"/>
+                </a:defRPr>
+              </a:lvl9pPr>
+            </a:lstStyle>
+            <a:p>
+              <a:pPr marL="0" lvl="1" indent="0"/>
+              <a:r>
+                <a:rPr lang="en-US" sz="2000" dirty="0">
+                  <a:latin typeface="Tahoma" pitchFamily="34" charset="0"/>
+                  <a:ea typeface="Tahoma" panose="020B0604030504040204" pitchFamily="34" charset="0"/>
+                  <a:cs typeface="Tahoma" pitchFamily="34" charset="0"/>
+                </a:rPr>
+                <a:t>Introduce React</a:t>
+              </a:r>
+            </a:p>
+            <a:p>
+              <a:endParaRPr lang="en-US" sz="2000" b="1" dirty="0">
+                <a:solidFill>
+                  <a:srgbClr val="000000"/>
+                </a:solidFill>
+              </a:endParaRPr>
+            </a:p>
+          </p:txBody>
+        </p:sp>
+        <p:sp>
+          <p:nvSpPr>
+            <p:cNvPr id="9" name="Text Box 50"/>
+            <p:cNvSpPr txBox="1">
+              <a:spLocks noChangeArrowheads="1"/>
+            </p:cNvSpPr>
+            <p:nvPr/>
+          </p:nvSpPr>
+          <p:spPr bwMode="gray">
+            <a:xfrm>
+              <a:off x="1393" y="1886"/>
+              <a:ext cx="223" cy="288"/>
+            </a:xfrm>
+            <a:prstGeom prst="rect">
+              <a:avLst/>
+            </a:prstGeom>
+            <a:noFill/>
+            <a:ln>
+              <a:noFill/>
+            </a:ln>
+            <a:extLst>
+              <a:ext uri="{909E8E84-426E-40DD-AFC4-6F175D3DCCD1}">
+                <a14:hiddenFill xmlns:a14="http://schemas.microsoft.com/office/drawing/2010/main">
+                  <a:solidFill>
+                    <a:srgbClr val="FFFFFF"/>
+                  </a:solidFill>
+                </a14:hiddenFill>
+              </a:ext>
+              <a:ext uri="{91240B29-F687-4F45-9708-019B960494DF}">
+                <a14:hiddenLine xmlns:a14="http://schemas.microsoft.com/office/drawing/2010/main" w="9525" algn="ctr">
+                  <a:solidFill>
+                    <a:srgbClr val="000000"/>
+                  </a:solidFill>
+                  <a:miter lim="800000"/>
+                  <a:headEnd/>
+                  <a:tailEnd/>
+                </a14:hiddenLine>
+              </a:ext>
+            </a:extLst>
+          </p:spPr>
+          <p:txBody>
+            <a:bodyPr wrap="none">
+              <a:spAutoFit/>
+            </a:bodyPr>
+            <a:lstStyle>
+              <a:lvl1pPr eaLnBrk="0" hangingPunct="0">
+                <a:defRPr>
+                  <a:solidFill>
+                    <a:schemeClr val="tx1"/>
+                  </a:solidFill>
+                  <a:latin typeface="Arial" charset="0"/>
+                </a:defRPr>
+              </a:lvl1pPr>
+              <a:lvl2pPr marL="742950" indent="-285750" eaLnBrk="0" hangingPunct="0">
+                <a:defRPr>
+                  <a:solidFill>
+                    <a:schemeClr val="tx1"/>
+                  </a:solidFill>
+                  <a:latin typeface="Arial" charset="0"/>
+                </a:defRPr>
+              </a:lvl2pPr>
+              <a:lvl3pPr marL="1143000" indent="-228600" eaLnBrk="0" hangingPunct="0">
+                <a:defRPr>
+                  <a:solidFill>
+                    <a:schemeClr val="tx1"/>
+                  </a:solidFill>
+                  <a:latin typeface="Arial" charset="0"/>
+                </a:defRPr>
+              </a:lvl3pPr>
+              <a:lvl4pPr marL="1600200" indent="-228600" eaLnBrk="0" hangingPunct="0">
+                <a:defRPr>
+                  <a:solidFill>
+                    <a:schemeClr val="tx1"/>
+                  </a:solidFill>
+                  <a:latin typeface="Arial" charset="0"/>
+                </a:defRPr>
+              </a:lvl4pPr>
+              <a:lvl5pPr marL="2057400" indent="-228600" eaLnBrk="0" hangingPunct="0">
+                <a:defRPr>
+                  <a:solidFill>
+                    <a:schemeClr val="tx1"/>
+                  </a:solidFill>
+                  <a:latin typeface="Arial" charset="0"/>
+                </a:defRPr>
+              </a:lvl5pPr>
+              <a:lvl6pPr marL="2514600" indent="-228600" eaLnBrk="0" fontAlgn="base" hangingPunct="0">
+                <a:spcBef>
+                  <a:spcPct val="0"/>
+                </a:spcBef>
+                <a:spcAft>
+                  <a:spcPct val="0"/>
+                </a:spcAft>
+                <a:defRPr>
+                  <a:solidFill>
+                    <a:schemeClr val="tx1"/>
+                  </a:solidFill>
+                  <a:latin typeface="Arial" charset="0"/>
+                </a:defRPr>
+              </a:lvl6pPr>
+              <a:lvl7pPr marL="2971800" indent="-228600" eaLnBrk="0" fontAlgn="base" hangingPunct="0">
+                <a:spcBef>
+                  <a:spcPct val="0"/>
+                </a:spcBef>
+                <a:spcAft>
+                  <a:spcPct val="0"/>
+                </a:spcAft>
+                <a:defRPr>
+                  <a:solidFill>
+                    <a:schemeClr val="tx1"/>
+                  </a:solidFill>
+                  <a:latin typeface="Arial" charset="0"/>
+                </a:defRPr>
+              </a:lvl7pPr>
+              <a:lvl8pPr marL="3429000" indent="-228600" eaLnBrk="0" fontAlgn="base" hangingPunct="0">
+                <a:spcBef>
+                  <a:spcPct val="0"/>
+                </a:spcBef>
+                <a:spcAft>
+                  <a:spcPct val="0"/>
+                </a:spcAft>
+                <a:defRPr>
+                  <a:solidFill>
+                    <a:schemeClr val="tx1"/>
+                  </a:solidFill>
+                  <a:latin typeface="Arial" charset="0"/>
+                </a:defRPr>
+              </a:lvl8pPr>
+              <a:lvl9pPr marL="3886200" indent="-228600" eaLnBrk="0" fontAlgn="base" hangingPunct="0">
+                <a:spcBef>
+                  <a:spcPct val="0"/>
+                </a:spcBef>
+                <a:spcAft>
+                  <a:spcPct val="0"/>
+                </a:spcAft>
+                <a:defRPr>
+                  <a:solidFill>
+                    <a:schemeClr val="tx1"/>
+                  </a:solidFill>
+                  <a:latin typeface="Arial" charset="0"/>
+                </a:defRPr>
+              </a:lvl9pPr>
+            </a:lstStyle>
+            <a:p>
+              <a:pPr algn="ctr"/>
+              <a:r>
+                <a:rPr lang="en-US" sz="2400">
+                  <a:solidFill>
+                    <a:schemeClr val="bg1"/>
+                  </a:solidFill>
+                </a:rPr>
+                <a:t>1</a:t>
+              </a:r>
+            </a:p>
+          </p:txBody>
+        </p:sp>
+      </p:grpSp>
+      <p:grpSp>
+        <p:nvGrpSpPr>
+          <p:cNvPr id="10" name="Group 51"/>
+          <p:cNvGrpSpPr>
+            <a:grpSpLocks/>
+          </p:cNvGrpSpPr>
+          <p:nvPr/>
+        </p:nvGrpSpPr>
+        <p:grpSpPr bwMode="auto">
+          <a:xfrm>
+            <a:off x="2133600" y="2743200"/>
+            <a:ext cx="4724400" cy="685800"/>
+            <a:chOff x="1296" y="1824"/>
+            <a:chExt cx="2976" cy="432"/>
+          </a:xfrm>
+        </p:grpSpPr>
+        <p:sp>
+          <p:nvSpPr>
+            <p:cNvPr id="11" name="AutoShape 52"/>
+            <p:cNvSpPr>
+              <a:spLocks noChangeArrowheads="1"/>
+            </p:cNvSpPr>
+            <p:nvPr/>
+          </p:nvSpPr>
+          <p:spPr bwMode="gray">
+            <a:xfrm>
+              <a:off x="1536" y="1899"/>
+              <a:ext cx="2736" cy="288"/>
+            </a:xfrm>
+            <a:prstGeom prst="roundRect">
+              <a:avLst>
+                <a:gd name="adj" fmla="val 16667"/>
+              </a:avLst>
+            </a:prstGeom>
+            <a:gradFill rotWithShape="1">
+              <a:gsLst>
+                <a:gs pos="0">
+                  <a:schemeClr val="accent1">
+                    <a:gamma/>
+                    <a:tint val="21176"/>
+                    <a:invGamma/>
+                  </a:schemeClr>
+                </a:gs>
+                <a:gs pos="100000">
+                  <a:schemeClr val="accent1"/>
+                </a:gs>
+              </a:gsLst>
+              <a:lin ang="0" scaled="1"/>
+            </a:gradFill>
+            <a:ln w="12700" algn="ctr">
+              <a:solidFill>
+                <a:schemeClr val="bg1"/>
+              </a:solidFill>
+              <a:round/>
+              <a:headEnd/>
+              <a:tailEnd/>
+            </a:ln>
+            <a:effectLst>
+              <a:outerShdw dist="99190" dir="2388334" algn="ctr" rotWithShape="0">
+                <a:srgbClr val="333333">
+                  <a:alpha val="50000"/>
+                </a:srgbClr>
+              </a:outerShdw>
+            </a:effectLst>
+          </p:spPr>
+          <p:txBody>
+            <a:bodyPr wrap="none" anchor="ctr"/>
+            <a:lstStyle/>
+            <a:p>
+              <a:pPr>
+                <a:defRPr/>
+              </a:pPr>
+              <a:endParaRPr lang="en-US">
+                <a:cs typeface="+mn-cs"/>
+              </a:endParaRPr>
+            </a:p>
+          </p:txBody>
+        </p:sp>
+        <p:sp>
+          <p:nvSpPr>
+            <p:cNvPr id="12" name="AutoShape 53"/>
+            <p:cNvSpPr>
+              <a:spLocks noChangeArrowheads="1"/>
+            </p:cNvSpPr>
+            <p:nvPr/>
+          </p:nvSpPr>
+          <p:spPr bwMode="gray">
+            <a:xfrm>
+              <a:off x="1296" y="1824"/>
+              <a:ext cx="432" cy="432"/>
+            </a:xfrm>
+            <a:prstGeom prst="diamond">
+              <a:avLst/>
+            </a:prstGeom>
+            <a:solidFill>
+              <a:schemeClr val="accent1"/>
+            </a:solidFill>
+            <a:ln w="25400" algn="ctr">
+              <a:solidFill>
+                <a:schemeClr val="bg1"/>
+              </a:solidFill>
+              <a:miter lim="800000"/>
+              <a:headEnd/>
+              <a:tailEnd/>
+            </a:ln>
+            <a:effectLst>
+              <a:outerShdw dist="63500" dir="2212194" algn="ctr" rotWithShape="0">
+                <a:srgbClr val="333333">
+                  <a:alpha val="50000"/>
+                </a:srgbClr>
+              </a:outerShdw>
+            </a:effectLst>
+          </p:spPr>
+          <p:txBody>
+            <a:bodyPr wrap="none" anchor="ctr"/>
+            <a:lstStyle/>
+            <a:p>
+              <a:endParaRPr lang="en-US"/>
+            </a:p>
+          </p:txBody>
+        </p:sp>
+        <p:sp>
+          <p:nvSpPr>
+            <p:cNvPr id="13" name="Text Box 54"/>
+            <p:cNvSpPr txBox="1">
+              <a:spLocks noChangeArrowheads="1"/>
+            </p:cNvSpPr>
+            <p:nvPr/>
+          </p:nvSpPr>
+          <p:spPr bwMode="gray">
+            <a:xfrm>
+              <a:off x="1824" y="1934"/>
+              <a:ext cx="2448" cy="252"/>
+            </a:xfrm>
+            <a:prstGeom prst="rect">
+              <a:avLst/>
+            </a:prstGeom>
+            <a:noFill/>
+            <a:ln>
+              <a:noFill/>
+            </a:ln>
+            <a:extLst>
+              <a:ext uri="{909E8E84-426E-40DD-AFC4-6F175D3DCCD1}">
+                <a14:hiddenFill xmlns:a14="http://schemas.microsoft.com/office/drawing/2010/main">
+                  <a:solidFill>
+                    <a:srgbClr val="FFFFFF"/>
+                  </a:solidFill>
+                </a14:hiddenFill>
+              </a:ext>
+              <a:ext uri="{91240B29-F687-4F45-9708-019B960494DF}">
+                <a14:hiddenLine xmlns:a14="http://schemas.microsoft.com/office/drawing/2010/main" w="9525" algn="ctr">
+                  <a:solidFill>
+                    <a:srgbClr val="000000"/>
+                  </a:solidFill>
+                  <a:miter lim="800000"/>
+                  <a:headEnd/>
+                  <a:tailEnd/>
+                </a14:hiddenLine>
+              </a:ext>
+            </a:extLst>
+          </p:spPr>
+          <p:txBody>
+            <a:bodyPr>
+              <a:spAutoFit/>
+            </a:bodyPr>
+            <a:lstStyle>
+              <a:defPPr>
+                <a:defRPr lang="en-US"/>
+              </a:defPPr>
+              <a:lvl1pPr eaLnBrk="0" hangingPunct="0">
+                <a:defRPr sz="2000" b="1">
+                  <a:solidFill>
+                    <a:srgbClr val="000000"/>
+                  </a:solidFill>
+                  <a:latin typeface="Arial" charset="0"/>
+                </a:defRPr>
+              </a:lvl1pPr>
+              <a:lvl2pPr marL="0" lvl="1" indent="0" eaLnBrk="0" hangingPunct="0">
+                <a:defRPr sz="2000">
+                  <a:latin typeface="Tahoma" pitchFamily="34" charset="0"/>
+                  <a:ea typeface="Tahoma" panose="020B0604030504040204" pitchFamily="34" charset="0"/>
+                  <a:cs typeface="Tahoma" pitchFamily="34" charset="0"/>
+                </a:defRPr>
+              </a:lvl2pPr>
+              <a:lvl3pPr marL="1143000" indent="-228600" eaLnBrk="0" hangingPunct="0">
+                <a:defRPr>
+                  <a:latin typeface="Arial" charset="0"/>
+                </a:defRPr>
+              </a:lvl3pPr>
+              <a:lvl4pPr marL="1600200" indent="-228600" eaLnBrk="0" hangingPunct="0">
+                <a:defRPr>
+                  <a:latin typeface="Arial" charset="0"/>
+                </a:defRPr>
+              </a:lvl4pPr>
+              <a:lvl5pPr marL="2057400" indent="-228600" eaLnBrk="0" hangingPunct="0">
+                <a:defRPr>
+                  <a:latin typeface="Arial" charset="0"/>
+                </a:defRPr>
+              </a:lvl5pPr>
+              <a:lvl6pPr marL="2514600" indent="-228600" eaLnBrk="0" fontAlgn="base" hangingPunct="0">
+                <a:spcBef>
+                  <a:spcPct val="0"/>
+                </a:spcBef>
+                <a:spcAft>
+                  <a:spcPct val="0"/>
+                </a:spcAft>
+                <a:defRPr>
+                  <a:latin typeface="Arial" charset="0"/>
+                </a:defRPr>
+              </a:lvl6pPr>
+              <a:lvl7pPr marL="2971800" indent="-228600" eaLnBrk="0" fontAlgn="base" hangingPunct="0">
+                <a:spcBef>
+                  <a:spcPct val="0"/>
+                </a:spcBef>
+                <a:spcAft>
+                  <a:spcPct val="0"/>
+                </a:spcAft>
+                <a:defRPr>
+                  <a:latin typeface="Arial" charset="0"/>
+                </a:defRPr>
+              </a:lvl7pPr>
+              <a:lvl8pPr marL="3429000" indent="-228600" eaLnBrk="0" fontAlgn="base" hangingPunct="0">
+                <a:spcBef>
+                  <a:spcPct val="0"/>
+                </a:spcBef>
+                <a:spcAft>
+                  <a:spcPct val="0"/>
+                </a:spcAft>
+                <a:defRPr>
+                  <a:latin typeface="Arial" charset="0"/>
+                </a:defRPr>
+              </a:lvl8pPr>
+              <a:lvl9pPr marL="3886200" indent="-228600" eaLnBrk="0" fontAlgn="base" hangingPunct="0">
+                <a:spcBef>
+                  <a:spcPct val="0"/>
+                </a:spcBef>
+                <a:spcAft>
+                  <a:spcPct val="0"/>
+                </a:spcAft>
+                <a:defRPr>
+                  <a:latin typeface="Arial" charset="0"/>
+                </a:defRPr>
+              </a:lvl9pPr>
+            </a:lstStyle>
+            <a:p>
+              <a:r>
+                <a:rPr lang="en-US" b="0" dirty="0">
+                  <a:solidFill>
+                    <a:schemeClr val="tx1"/>
+                  </a:solidFill>
+                  <a:latin typeface="Tahoma" pitchFamily="34" charset="0"/>
+                  <a:ea typeface="Tahoma" panose="020B0604030504040204" pitchFamily="34" charset="0"/>
+                  <a:cs typeface="Tahoma" pitchFamily="34" charset="0"/>
+                </a:rPr>
+                <a:t>React Core Concept</a:t>
+              </a:r>
+            </a:p>
+          </p:txBody>
+        </p:sp>
+        <p:sp>
+          <p:nvSpPr>
+            <p:cNvPr id="14" name="Text Box 55"/>
+            <p:cNvSpPr txBox="1">
+              <a:spLocks noChangeArrowheads="1"/>
+            </p:cNvSpPr>
+            <p:nvPr/>
+          </p:nvSpPr>
+          <p:spPr bwMode="gray">
+            <a:xfrm>
+              <a:off x="1393" y="1886"/>
+              <a:ext cx="223" cy="288"/>
+            </a:xfrm>
+            <a:prstGeom prst="rect">
+              <a:avLst/>
+            </a:prstGeom>
+            <a:noFill/>
+            <a:ln>
+              <a:noFill/>
+            </a:ln>
+            <a:extLst>
+              <a:ext uri="{909E8E84-426E-40DD-AFC4-6F175D3DCCD1}">
+                <a14:hiddenFill xmlns:a14="http://schemas.microsoft.com/office/drawing/2010/main">
+                  <a:solidFill>
+                    <a:srgbClr val="FFFFFF"/>
+                  </a:solidFill>
+                </a14:hiddenFill>
+              </a:ext>
+              <a:ext uri="{91240B29-F687-4F45-9708-019B960494DF}">
+                <a14:hiddenLine xmlns:a14="http://schemas.microsoft.com/office/drawing/2010/main" w="9525" algn="ctr">
+                  <a:solidFill>
+                    <a:srgbClr val="000000"/>
+                  </a:solidFill>
+                  <a:miter lim="800000"/>
+                  <a:headEnd/>
+                  <a:tailEnd/>
+                </a14:hiddenLine>
+              </a:ext>
+            </a:extLst>
+          </p:spPr>
+          <p:txBody>
+            <a:bodyPr wrap="none">
+              <a:spAutoFit/>
+            </a:bodyPr>
+            <a:lstStyle>
+              <a:lvl1pPr eaLnBrk="0" hangingPunct="0">
+                <a:defRPr>
+                  <a:solidFill>
+                    <a:schemeClr val="tx1"/>
+                  </a:solidFill>
+                  <a:latin typeface="Arial" charset="0"/>
+                </a:defRPr>
+              </a:lvl1pPr>
+              <a:lvl2pPr marL="742950" indent="-285750" eaLnBrk="0" hangingPunct="0">
+                <a:defRPr>
+                  <a:solidFill>
+                    <a:schemeClr val="tx1"/>
+                  </a:solidFill>
+                  <a:latin typeface="Arial" charset="0"/>
+                </a:defRPr>
+              </a:lvl2pPr>
+              <a:lvl3pPr marL="1143000" indent="-228600" eaLnBrk="0" hangingPunct="0">
+                <a:defRPr>
+                  <a:solidFill>
+                    <a:schemeClr val="tx1"/>
+                  </a:solidFill>
+                  <a:latin typeface="Arial" charset="0"/>
+                </a:defRPr>
+              </a:lvl3pPr>
+              <a:lvl4pPr marL="1600200" indent="-228600" eaLnBrk="0" hangingPunct="0">
+                <a:defRPr>
+                  <a:solidFill>
+                    <a:schemeClr val="tx1"/>
+                  </a:solidFill>
+                  <a:latin typeface="Arial" charset="0"/>
+                </a:defRPr>
+              </a:lvl4pPr>
+              <a:lvl5pPr marL="2057400" indent="-228600" eaLnBrk="0" hangingPunct="0">
+                <a:defRPr>
+                  <a:solidFill>
+                    <a:schemeClr val="tx1"/>
+                  </a:solidFill>
+                  <a:latin typeface="Arial" charset="0"/>
+                </a:defRPr>
+              </a:lvl5pPr>
+              <a:lvl6pPr marL="2514600" indent="-228600" eaLnBrk="0" fontAlgn="base" hangingPunct="0">
+                <a:spcBef>
+                  <a:spcPct val="0"/>
+                </a:spcBef>
+                <a:spcAft>
+                  <a:spcPct val="0"/>
+                </a:spcAft>
+                <a:defRPr>
+                  <a:solidFill>
+                    <a:schemeClr val="tx1"/>
+                  </a:solidFill>
+                  <a:latin typeface="Arial" charset="0"/>
+                </a:defRPr>
+              </a:lvl6pPr>
+              <a:lvl7pPr marL="2971800" indent="-228600" eaLnBrk="0" fontAlgn="base" hangingPunct="0">
+                <a:spcBef>
+                  <a:spcPct val="0"/>
+                </a:spcBef>
+                <a:spcAft>
+                  <a:spcPct val="0"/>
+                </a:spcAft>
+                <a:defRPr>
+                  <a:solidFill>
+                    <a:schemeClr val="tx1"/>
+                  </a:solidFill>
+                  <a:latin typeface="Arial" charset="0"/>
+                </a:defRPr>
+              </a:lvl7pPr>
+              <a:lvl8pPr marL="3429000" indent="-228600" eaLnBrk="0" fontAlgn="base" hangingPunct="0">
+                <a:spcBef>
+                  <a:spcPct val="0"/>
+                </a:spcBef>
+                <a:spcAft>
+                  <a:spcPct val="0"/>
+                </a:spcAft>
+                <a:defRPr>
+                  <a:solidFill>
+                    <a:schemeClr val="tx1"/>
+                  </a:solidFill>
+                  <a:latin typeface="Arial" charset="0"/>
+                </a:defRPr>
+              </a:lvl8pPr>
+              <a:lvl9pPr marL="3886200" indent="-228600" eaLnBrk="0" fontAlgn="base" hangingPunct="0">
+                <a:spcBef>
+                  <a:spcPct val="0"/>
+                </a:spcBef>
+                <a:spcAft>
+                  <a:spcPct val="0"/>
+                </a:spcAft>
+                <a:defRPr>
+                  <a:solidFill>
+                    <a:schemeClr val="tx1"/>
+                  </a:solidFill>
+                  <a:latin typeface="Arial" charset="0"/>
+                </a:defRPr>
+              </a:lvl9pPr>
+            </a:lstStyle>
+            <a:p>
+              <a:pPr algn="ctr"/>
+              <a:r>
+                <a:rPr lang="en-US" sz="2400">
+                  <a:solidFill>
+                    <a:schemeClr val="bg1"/>
+                  </a:solidFill>
+                </a:rPr>
+                <a:t>2</a:t>
+              </a:r>
+            </a:p>
+          </p:txBody>
+        </p:sp>
+      </p:grpSp>
+      <p:grpSp>
+        <p:nvGrpSpPr>
+          <p:cNvPr id="15" name="Group 56"/>
+          <p:cNvGrpSpPr>
+            <a:grpSpLocks/>
+          </p:cNvGrpSpPr>
+          <p:nvPr/>
+        </p:nvGrpSpPr>
+        <p:grpSpPr bwMode="auto">
+          <a:xfrm>
+            <a:off x="2133600" y="3581400"/>
+            <a:ext cx="4724400" cy="685800"/>
+            <a:chOff x="1296" y="1824"/>
+            <a:chExt cx="2976" cy="432"/>
+          </a:xfrm>
+        </p:grpSpPr>
+        <p:sp>
+          <p:nvSpPr>
+            <p:cNvPr id="16" name="AutoShape 57"/>
+            <p:cNvSpPr>
+              <a:spLocks noChangeArrowheads="1"/>
+            </p:cNvSpPr>
+            <p:nvPr/>
+          </p:nvSpPr>
+          <p:spPr bwMode="gray">
+            <a:xfrm>
+              <a:off x="1536" y="1899"/>
+              <a:ext cx="2736" cy="288"/>
+            </a:xfrm>
+            <a:prstGeom prst="roundRect">
+              <a:avLst>
+                <a:gd name="adj" fmla="val 16667"/>
+              </a:avLst>
+            </a:prstGeom>
+            <a:gradFill rotWithShape="1">
+              <a:gsLst>
+                <a:gs pos="0">
+                  <a:schemeClr val="tx2">
+                    <a:gamma/>
+                    <a:tint val="21176"/>
+                    <a:invGamma/>
+                  </a:schemeClr>
+                </a:gs>
+                <a:gs pos="100000">
+                  <a:schemeClr val="tx2"/>
+                </a:gs>
+              </a:gsLst>
+              <a:lin ang="0" scaled="1"/>
+            </a:gradFill>
+            <a:ln w="12700" algn="ctr">
+              <a:solidFill>
+                <a:schemeClr val="bg1"/>
+              </a:solidFill>
+              <a:round/>
+              <a:headEnd/>
+              <a:tailEnd/>
+            </a:ln>
+            <a:effectLst>
+              <a:outerShdw dist="99190" dir="2388334" algn="ctr" rotWithShape="0">
+                <a:srgbClr val="333333">
+                  <a:alpha val="50000"/>
+                </a:srgbClr>
+              </a:outerShdw>
+            </a:effectLst>
+          </p:spPr>
+          <p:txBody>
+            <a:bodyPr wrap="none" anchor="ctr"/>
+            <a:lstStyle/>
+            <a:p>
+              <a:pPr>
+                <a:defRPr/>
+              </a:pPr>
+              <a:endParaRPr lang="en-US">
+                <a:cs typeface="+mn-cs"/>
+              </a:endParaRPr>
+            </a:p>
+          </p:txBody>
+        </p:sp>
+        <p:sp>
+          <p:nvSpPr>
+            <p:cNvPr id="17" name="AutoShape 58"/>
+            <p:cNvSpPr>
+              <a:spLocks noChangeArrowheads="1"/>
+            </p:cNvSpPr>
+            <p:nvPr/>
+          </p:nvSpPr>
+          <p:spPr bwMode="gray">
+            <a:xfrm>
+              <a:off x="1296" y="1824"/>
+              <a:ext cx="432" cy="432"/>
+            </a:xfrm>
+            <a:prstGeom prst="diamond">
+              <a:avLst/>
+            </a:prstGeom>
+            <a:solidFill>
+              <a:schemeClr val="hlink"/>
+            </a:solidFill>
+            <a:ln w="25400" algn="ctr">
+              <a:solidFill>
+                <a:schemeClr val="bg1"/>
+              </a:solidFill>
+              <a:miter lim="800000"/>
+              <a:headEnd/>
+              <a:tailEnd/>
+            </a:ln>
+            <a:effectLst>
+              <a:outerShdw dist="63500" dir="2212194" algn="ctr" rotWithShape="0">
+                <a:srgbClr val="333333">
+                  <a:alpha val="50000"/>
+                </a:srgbClr>
+              </a:outerShdw>
+            </a:effectLst>
+          </p:spPr>
+          <p:txBody>
+            <a:bodyPr wrap="none" anchor="ctr"/>
+            <a:lstStyle/>
+            <a:p>
+              <a:endParaRPr lang="en-US"/>
+            </a:p>
+          </p:txBody>
+        </p:sp>
+        <p:sp>
+          <p:nvSpPr>
+            <p:cNvPr id="18" name="Text Box 59"/>
+            <p:cNvSpPr txBox="1">
+              <a:spLocks noChangeArrowheads="1"/>
+            </p:cNvSpPr>
+            <p:nvPr/>
+          </p:nvSpPr>
+          <p:spPr bwMode="gray">
+            <a:xfrm>
+              <a:off x="1824" y="1934"/>
+              <a:ext cx="2448" cy="252"/>
+            </a:xfrm>
+            <a:prstGeom prst="rect">
+              <a:avLst/>
+            </a:prstGeom>
+            <a:noFill/>
+            <a:ln>
+              <a:noFill/>
+            </a:ln>
+            <a:extLst>
+              <a:ext uri="{909E8E84-426E-40DD-AFC4-6F175D3DCCD1}">
+                <a14:hiddenFill xmlns:a14="http://schemas.microsoft.com/office/drawing/2010/main">
+                  <a:solidFill>
+                    <a:srgbClr val="FFFFFF"/>
+                  </a:solidFill>
+                </a14:hiddenFill>
+              </a:ext>
+              <a:ext uri="{91240B29-F687-4F45-9708-019B960494DF}">
+                <a14:hiddenLine xmlns:a14="http://schemas.microsoft.com/office/drawing/2010/main" w="9525" algn="ctr">
+                  <a:solidFill>
+                    <a:srgbClr val="000000"/>
+                  </a:solidFill>
+                  <a:miter lim="800000"/>
+                  <a:headEnd/>
+                  <a:tailEnd/>
+                </a14:hiddenLine>
+              </a:ext>
+            </a:extLst>
+          </p:spPr>
+          <p:txBody>
+            <a:bodyPr>
+              <a:spAutoFit/>
+            </a:bodyPr>
+            <a:lstStyle>
+              <a:lvl1pPr eaLnBrk="0" hangingPunct="0">
+                <a:defRPr>
+                  <a:solidFill>
+                    <a:schemeClr val="tx1"/>
+                  </a:solidFill>
+                  <a:latin typeface="Arial" charset="0"/>
+                </a:defRPr>
+              </a:lvl1pPr>
+              <a:lvl2pPr marL="742950" indent="-285750" eaLnBrk="0" hangingPunct="0">
+                <a:defRPr>
+                  <a:solidFill>
+                    <a:schemeClr val="tx1"/>
+                  </a:solidFill>
+                  <a:latin typeface="Arial" charset="0"/>
+                </a:defRPr>
+              </a:lvl2pPr>
+              <a:lvl3pPr marL="1143000" indent="-228600" eaLnBrk="0" hangingPunct="0">
+                <a:defRPr>
+                  <a:solidFill>
+                    <a:schemeClr val="tx1"/>
+                  </a:solidFill>
+                  <a:latin typeface="Arial" charset="0"/>
+                </a:defRPr>
+              </a:lvl3pPr>
+              <a:lvl4pPr marL="1600200" indent="-228600" eaLnBrk="0" hangingPunct="0">
+                <a:defRPr>
+                  <a:solidFill>
+                    <a:schemeClr val="tx1"/>
+                  </a:solidFill>
+                  <a:latin typeface="Arial" charset="0"/>
+                </a:defRPr>
+              </a:lvl4pPr>
+              <a:lvl5pPr marL="2057400" indent="-228600" eaLnBrk="0" hangingPunct="0">
+                <a:defRPr>
+                  <a:solidFill>
+                    <a:schemeClr val="tx1"/>
+                  </a:solidFill>
+                  <a:latin typeface="Arial" charset="0"/>
+                </a:defRPr>
+              </a:lvl5pPr>
+              <a:lvl6pPr marL="2514600" indent="-228600" eaLnBrk="0" fontAlgn="base" hangingPunct="0">
+                <a:spcBef>
+                  <a:spcPct val="0"/>
+                </a:spcBef>
+                <a:spcAft>
+                  <a:spcPct val="0"/>
+                </a:spcAft>
+                <a:defRPr>
+                  <a:solidFill>
+                    <a:schemeClr val="tx1"/>
+                  </a:solidFill>
+                  <a:latin typeface="Arial" charset="0"/>
+                </a:defRPr>
+              </a:lvl6pPr>
+              <a:lvl7pPr marL="2971800" indent="-228600" eaLnBrk="0" fontAlgn="base" hangingPunct="0">
+                <a:spcBef>
+                  <a:spcPct val="0"/>
+                </a:spcBef>
+                <a:spcAft>
+                  <a:spcPct val="0"/>
+                </a:spcAft>
+                <a:defRPr>
+                  <a:solidFill>
+                    <a:schemeClr val="tx1"/>
+                  </a:solidFill>
+                  <a:latin typeface="Arial" charset="0"/>
+                </a:defRPr>
+              </a:lvl7pPr>
+              <a:lvl8pPr marL="3429000" indent="-228600" eaLnBrk="0" fontAlgn="base" hangingPunct="0">
+                <a:spcBef>
+                  <a:spcPct val="0"/>
+                </a:spcBef>
+                <a:spcAft>
+                  <a:spcPct val="0"/>
+                </a:spcAft>
+                <a:defRPr>
+                  <a:solidFill>
+                    <a:schemeClr val="tx1"/>
+                  </a:solidFill>
+                  <a:latin typeface="Arial" charset="0"/>
+                </a:defRPr>
+              </a:lvl8pPr>
+              <a:lvl9pPr marL="3886200" indent="-228600" eaLnBrk="0" fontAlgn="base" hangingPunct="0">
+                <a:spcBef>
+                  <a:spcPct val="0"/>
+                </a:spcBef>
+                <a:spcAft>
+                  <a:spcPct val="0"/>
+                </a:spcAft>
+                <a:defRPr>
+                  <a:solidFill>
+                    <a:schemeClr val="tx1"/>
+                  </a:solidFill>
+                  <a:latin typeface="Arial" charset="0"/>
+                </a:defRPr>
+              </a:lvl9pPr>
+            </a:lstStyle>
+            <a:p>
+              <a:r>
+                <a:rPr lang="en-US" sz="2000" dirty="0">
+                  <a:latin typeface="Tahoma" pitchFamily="34" charset="0"/>
+                  <a:ea typeface="Tahoma" panose="020B0604030504040204" pitchFamily="34" charset="0"/>
+                  <a:cs typeface="Tahoma" pitchFamily="34" charset="0"/>
+                </a:rPr>
+                <a:t>React Life Cycle</a:t>
+              </a:r>
+            </a:p>
+          </p:txBody>
+        </p:sp>
+        <p:sp>
+          <p:nvSpPr>
+            <p:cNvPr id="19" name="Text Box 60"/>
+            <p:cNvSpPr txBox="1">
+              <a:spLocks noChangeArrowheads="1"/>
+            </p:cNvSpPr>
+            <p:nvPr/>
+          </p:nvSpPr>
+          <p:spPr bwMode="gray">
+            <a:xfrm>
+              <a:off x="1393" y="1886"/>
+              <a:ext cx="223" cy="288"/>
+            </a:xfrm>
+            <a:prstGeom prst="rect">
+              <a:avLst/>
+            </a:prstGeom>
+            <a:noFill/>
+            <a:ln>
+              <a:noFill/>
+            </a:ln>
+            <a:extLst>
+              <a:ext uri="{909E8E84-426E-40DD-AFC4-6F175D3DCCD1}">
+                <a14:hiddenFill xmlns:a14="http://schemas.microsoft.com/office/drawing/2010/main">
+                  <a:solidFill>
+                    <a:srgbClr val="FFFFFF"/>
+                  </a:solidFill>
+                </a14:hiddenFill>
+              </a:ext>
+              <a:ext uri="{91240B29-F687-4F45-9708-019B960494DF}">
+                <a14:hiddenLine xmlns:a14="http://schemas.microsoft.com/office/drawing/2010/main" w="9525" algn="ctr">
+                  <a:solidFill>
+                    <a:srgbClr val="000000"/>
+                  </a:solidFill>
+                  <a:miter lim="800000"/>
+                  <a:headEnd/>
+                  <a:tailEnd/>
+                </a14:hiddenLine>
+              </a:ext>
+            </a:extLst>
+          </p:spPr>
+          <p:txBody>
+            <a:bodyPr wrap="none">
+              <a:spAutoFit/>
+            </a:bodyPr>
+            <a:lstStyle>
+              <a:lvl1pPr eaLnBrk="0" hangingPunct="0">
+                <a:defRPr>
+                  <a:solidFill>
+                    <a:schemeClr val="tx1"/>
+                  </a:solidFill>
+                  <a:latin typeface="Arial" charset="0"/>
+                </a:defRPr>
+              </a:lvl1pPr>
+              <a:lvl2pPr marL="742950" indent="-285750" eaLnBrk="0" hangingPunct="0">
+                <a:defRPr>
+                  <a:solidFill>
+                    <a:schemeClr val="tx1"/>
+                  </a:solidFill>
+                  <a:latin typeface="Arial" charset="0"/>
+                </a:defRPr>
+              </a:lvl2pPr>
+              <a:lvl3pPr marL="1143000" indent="-228600" eaLnBrk="0" hangingPunct="0">
+                <a:defRPr>
+                  <a:solidFill>
+                    <a:schemeClr val="tx1"/>
+                  </a:solidFill>
+                  <a:latin typeface="Arial" charset="0"/>
+                </a:defRPr>
+              </a:lvl3pPr>
+              <a:lvl4pPr marL="1600200" indent="-228600" eaLnBrk="0" hangingPunct="0">
+                <a:defRPr>
+                  <a:solidFill>
+                    <a:schemeClr val="tx1"/>
+                  </a:solidFill>
+                  <a:latin typeface="Arial" charset="0"/>
+                </a:defRPr>
+              </a:lvl4pPr>
+              <a:lvl5pPr marL="2057400" indent="-228600" eaLnBrk="0" hangingPunct="0">
+                <a:defRPr>
+                  <a:solidFill>
+                    <a:schemeClr val="tx1"/>
+                  </a:solidFill>
+                  <a:latin typeface="Arial" charset="0"/>
+                </a:defRPr>
+              </a:lvl5pPr>
+              <a:lvl6pPr marL="2514600" indent="-228600" eaLnBrk="0" fontAlgn="base" hangingPunct="0">
+                <a:spcBef>
+                  <a:spcPct val="0"/>
+                </a:spcBef>
+                <a:spcAft>
+                  <a:spcPct val="0"/>
+                </a:spcAft>
+                <a:defRPr>
+                  <a:solidFill>
+                    <a:schemeClr val="tx1"/>
+                  </a:solidFill>
+                  <a:latin typeface="Arial" charset="0"/>
+                </a:defRPr>
+              </a:lvl6pPr>
+              <a:lvl7pPr marL="2971800" indent="-228600" eaLnBrk="0" fontAlgn="base" hangingPunct="0">
+                <a:spcBef>
+                  <a:spcPct val="0"/>
+                </a:spcBef>
+                <a:spcAft>
+                  <a:spcPct val="0"/>
+                </a:spcAft>
+                <a:defRPr>
+                  <a:solidFill>
+                    <a:schemeClr val="tx1"/>
+                  </a:solidFill>
+                  <a:latin typeface="Arial" charset="0"/>
+                </a:defRPr>
+              </a:lvl7pPr>
+              <a:lvl8pPr marL="3429000" indent="-228600" eaLnBrk="0" fontAlgn="base" hangingPunct="0">
+                <a:spcBef>
+                  <a:spcPct val="0"/>
+                </a:spcBef>
+                <a:spcAft>
+                  <a:spcPct val="0"/>
+                </a:spcAft>
+                <a:defRPr>
+                  <a:solidFill>
+                    <a:schemeClr val="tx1"/>
+                  </a:solidFill>
+                  <a:latin typeface="Arial" charset="0"/>
+                </a:defRPr>
+              </a:lvl8pPr>
+              <a:lvl9pPr marL="3886200" indent="-228600" eaLnBrk="0" fontAlgn="base" hangingPunct="0">
+                <a:spcBef>
+                  <a:spcPct val="0"/>
+                </a:spcBef>
+                <a:spcAft>
+                  <a:spcPct val="0"/>
+                </a:spcAft>
+                <a:defRPr>
+                  <a:solidFill>
+                    <a:schemeClr val="tx1"/>
+                  </a:solidFill>
+                  <a:latin typeface="Arial" charset="0"/>
+                </a:defRPr>
+              </a:lvl9pPr>
+            </a:lstStyle>
+            <a:p>
+              <a:pPr algn="ctr"/>
+              <a:r>
+                <a:rPr lang="en-US" sz="2400">
+                  <a:solidFill>
+                    <a:schemeClr val="bg1"/>
+                  </a:solidFill>
+                </a:rPr>
+                <a:t>3</a:t>
+              </a:r>
+            </a:p>
+          </p:txBody>
+        </p:sp>
+      </p:grpSp>
+      <p:grpSp>
+        <p:nvGrpSpPr>
+          <p:cNvPr id="20" name="Group 61"/>
+          <p:cNvGrpSpPr>
+            <a:grpSpLocks/>
+          </p:cNvGrpSpPr>
+          <p:nvPr/>
+        </p:nvGrpSpPr>
+        <p:grpSpPr bwMode="auto">
+          <a:xfrm>
+            <a:off x="2133600" y="4495800"/>
+            <a:ext cx="4724400" cy="685800"/>
+            <a:chOff x="1296" y="1824"/>
+            <a:chExt cx="2976" cy="432"/>
+          </a:xfrm>
+        </p:grpSpPr>
+        <p:sp>
+          <p:nvSpPr>
+            <p:cNvPr id="21" name="AutoShape 62"/>
+            <p:cNvSpPr>
+              <a:spLocks noChangeArrowheads="1"/>
+            </p:cNvSpPr>
+            <p:nvPr/>
+          </p:nvSpPr>
+          <p:spPr bwMode="gray">
+            <a:xfrm>
+              <a:off x="1536" y="1899"/>
+              <a:ext cx="2736" cy="288"/>
+            </a:xfrm>
+            <a:prstGeom prst="roundRect">
+              <a:avLst>
+                <a:gd name="adj" fmla="val 16667"/>
+              </a:avLst>
+            </a:prstGeom>
+            <a:gradFill rotWithShape="1">
+              <a:gsLst>
+                <a:gs pos="0">
+                  <a:schemeClr val="folHlink">
+                    <a:gamma/>
+                    <a:tint val="21176"/>
+                    <a:invGamma/>
+                  </a:schemeClr>
+                </a:gs>
+                <a:gs pos="100000">
+                  <a:schemeClr val="folHlink"/>
+                </a:gs>
+              </a:gsLst>
+              <a:lin ang="0" scaled="1"/>
+            </a:gradFill>
+            <a:ln w="12700" algn="ctr">
+              <a:solidFill>
+                <a:schemeClr val="bg1"/>
+              </a:solidFill>
+              <a:round/>
+              <a:headEnd/>
+              <a:tailEnd/>
+            </a:ln>
+            <a:effectLst>
+              <a:outerShdw dist="99190" dir="2388334" algn="ctr" rotWithShape="0">
+                <a:srgbClr val="333333">
+                  <a:alpha val="50000"/>
+                </a:srgbClr>
+              </a:outerShdw>
+            </a:effectLst>
+          </p:spPr>
+          <p:txBody>
+            <a:bodyPr wrap="none" anchor="ctr"/>
+            <a:lstStyle/>
+            <a:p>
+              <a:pPr>
+                <a:defRPr/>
+              </a:pPr>
+              <a:endParaRPr lang="en-US">
+                <a:cs typeface="+mn-cs"/>
+              </a:endParaRPr>
+            </a:p>
+          </p:txBody>
+        </p:sp>
+        <p:sp>
+          <p:nvSpPr>
+            <p:cNvPr id="22" name="AutoShape 63"/>
+            <p:cNvSpPr>
+              <a:spLocks noChangeArrowheads="1"/>
+            </p:cNvSpPr>
+            <p:nvPr/>
+          </p:nvSpPr>
+          <p:spPr bwMode="gray">
+            <a:xfrm>
+              <a:off x="1296" y="1824"/>
+              <a:ext cx="432" cy="432"/>
+            </a:xfrm>
+            <a:prstGeom prst="diamond">
+              <a:avLst/>
+            </a:prstGeom>
+            <a:solidFill>
+              <a:schemeClr val="folHlink"/>
+            </a:solidFill>
+            <a:ln w="25400" algn="ctr">
+              <a:solidFill>
+                <a:schemeClr val="bg1"/>
+              </a:solidFill>
+              <a:miter lim="800000"/>
+              <a:headEnd/>
+              <a:tailEnd/>
+            </a:ln>
+            <a:effectLst>
+              <a:outerShdw dist="63500" dir="2212194" algn="ctr" rotWithShape="0">
+                <a:srgbClr val="333333">
+                  <a:alpha val="50000"/>
+                </a:srgbClr>
+              </a:outerShdw>
+            </a:effectLst>
+          </p:spPr>
+          <p:txBody>
+            <a:bodyPr wrap="none" anchor="ctr"/>
+            <a:lstStyle/>
+            <a:p>
+              <a:endParaRPr lang="en-US"/>
+            </a:p>
+          </p:txBody>
+        </p:sp>
+        <p:sp>
+          <p:nvSpPr>
+            <p:cNvPr id="23" name="Text Box 64"/>
+            <p:cNvSpPr txBox="1">
+              <a:spLocks noChangeArrowheads="1"/>
+            </p:cNvSpPr>
+            <p:nvPr/>
+          </p:nvSpPr>
+          <p:spPr bwMode="gray">
+            <a:xfrm>
+              <a:off x="1824" y="1934"/>
+              <a:ext cx="2448" cy="252"/>
+            </a:xfrm>
+            <a:prstGeom prst="rect">
+              <a:avLst/>
+            </a:prstGeom>
+            <a:noFill/>
+            <a:ln>
+              <a:noFill/>
+            </a:ln>
+            <a:extLst>
+              <a:ext uri="{909E8E84-426E-40DD-AFC4-6F175D3DCCD1}">
+                <a14:hiddenFill xmlns:a14="http://schemas.microsoft.com/office/drawing/2010/main">
+                  <a:solidFill>
+                    <a:srgbClr val="FFFFFF"/>
+                  </a:solidFill>
+                </a14:hiddenFill>
+              </a:ext>
+              <a:ext uri="{91240B29-F687-4F45-9708-019B960494DF}">
+                <a14:hiddenLine xmlns:a14="http://schemas.microsoft.com/office/drawing/2010/main" w="9525" algn="ctr">
+                  <a:solidFill>
+                    <a:srgbClr val="000000"/>
+                  </a:solidFill>
+                  <a:miter lim="800000"/>
+                  <a:headEnd/>
+                  <a:tailEnd/>
+                </a14:hiddenLine>
+              </a:ext>
+            </a:extLst>
+          </p:spPr>
+          <p:txBody>
+            <a:bodyPr>
+              <a:spAutoFit/>
+            </a:bodyPr>
+            <a:lstStyle>
+              <a:lvl1pPr eaLnBrk="0" hangingPunct="0">
+                <a:defRPr>
+                  <a:solidFill>
+                    <a:schemeClr val="tx1"/>
+                  </a:solidFill>
+                  <a:latin typeface="Arial" charset="0"/>
+                </a:defRPr>
+              </a:lvl1pPr>
+              <a:lvl2pPr marL="742950" indent="-285750" eaLnBrk="0" hangingPunct="0">
+                <a:defRPr>
+                  <a:solidFill>
+                    <a:schemeClr val="tx1"/>
+                  </a:solidFill>
+                  <a:latin typeface="Arial" charset="0"/>
+                </a:defRPr>
+              </a:lvl2pPr>
+              <a:lvl3pPr marL="1143000" indent="-228600" eaLnBrk="0" hangingPunct="0">
+                <a:defRPr>
+                  <a:solidFill>
+                    <a:schemeClr val="tx1"/>
+                  </a:solidFill>
+                  <a:latin typeface="Arial" charset="0"/>
+                </a:defRPr>
+              </a:lvl3pPr>
+              <a:lvl4pPr marL="1600200" indent="-228600" eaLnBrk="0" hangingPunct="0">
+                <a:defRPr>
+                  <a:solidFill>
+                    <a:schemeClr val="tx1"/>
+                  </a:solidFill>
+                  <a:latin typeface="Arial" charset="0"/>
+                </a:defRPr>
+              </a:lvl4pPr>
+              <a:lvl5pPr marL="2057400" indent="-228600" eaLnBrk="0" hangingPunct="0">
+                <a:defRPr>
+                  <a:solidFill>
+                    <a:schemeClr val="tx1"/>
+                  </a:solidFill>
+                  <a:latin typeface="Arial" charset="0"/>
+                </a:defRPr>
+              </a:lvl5pPr>
+              <a:lvl6pPr marL="2514600" indent="-228600" eaLnBrk="0" fontAlgn="base" hangingPunct="0">
+                <a:spcBef>
+                  <a:spcPct val="0"/>
+                </a:spcBef>
+                <a:spcAft>
+                  <a:spcPct val="0"/>
+                </a:spcAft>
+                <a:defRPr>
+                  <a:solidFill>
+                    <a:schemeClr val="tx1"/>
+                  </a:solidFill>
+                  <a:latin typeface="Arial" charset="0"/>
+                </a:defRPr>
+              </a:lvl6pPr>
+              <a:lvl7pPr marL="2971800" indent="-228600" eaLnBrk="0" fontAlgn="base" hangingPunct="0">
+                <a:spcBef>
+                  <a:spcPct val="0"/>
+                </a:spcBef>
+                <a:spcAft>
+                  <a:spcPct val="0"/>
+                </a:spcAft>
+                <a:defRPr>
+                  <a:solidFill>
+                    <a:schemeClr val="tx1"/>
+                  </a:solidFill>
+                  <a:latin typeface="Arial" charset="0"/>
+                </a:defRPr>
+              </a:lvl7pPr>
+              <a:lvl8pPr marL="3429000" indent="-228600" eaLnBrk="0" fontAlgn="base" hangingPunct="0">
+                <a:spcBef>
+                  <a:spcPct val="0"/>
+                </a:spcBef>
+                <a:spcAft>
+                  <a:spcPct val="0"/>
+                </a:spcAft>
+                <a:defRPr>
+                  <a:solidFill>
+                    <a:schemeClr val="tx1"/>
+                  </a:solidFill>
+                  <a:latin typeface="Arial" charset="0"/>
+                </a:defRPr>
+              </a:lvl8pPr>
+              <a:lvl9pPr marL="3886200" indent="-228600" eaLnBrk="0" fontAlgn="base" hangingPunct="0">
+                <a:spcBef>
+                  <a:spcPct val="0"/>
+                </a:spcBef>
+                <a:spcAft>
+                  <a:spcPct val="0"/>
+                </a:spcAft>
+                <a:defRPr>
+                  <a:solidFill>
+                    <a:schemeClr val="tx1"/>
+                  </a:solidFill>
+                  <a:latin typeface="Arial" charset="0"/>
+                </a:defRPr>
+              </a:lvl9pPr>
+            </a:lstStyle>
+            <a:p>
+              <a:r>
+                <a:rPr lang="en-US" sz="2000" dirty="0">
+                  <a:latin typeface="Tahoma" pitchFamily="34" charset="0"/>
+                  <a:ea typeface="Tahoma" panose="020B0604030504040204" pitchFamily="34" charset="0"/>
+                  <a:cs typeface="Tahoma" pitchFamily="34" charset="0"/>
+                </a:rPr>
+                <a:t>Best Practices and Demo</a:t>
+              </a:r>
+            </a:p>
+          </p:txBody>
+        </p:sp>
+        <p:sp>
+          <p:nvSpPr>
+            <p:cNvPr id="24" name="Text Box 65"/>
+            <p:cNvSpPr txBox="1">
+              <a:spLocks noChangeArrowheads="1"/>
+            </p:cNvSpPr>
+            <p:nvPr/>
+          </p:nvSpPr>
+          <p:spPr bwMode="gray">
+            <a:xfrm>
+              <a:off x="1393" y="1886"/>
+              <a:ext cx="223" cy="288"/>
+            </a:xfrm>
+            <a:prstGeom prst="rect">
+              <a:avLst/>
+            </a:prstGeom>
+            <a:noFill/>
+            <a:ln>
+              <a:noFill/>
+            </a:ln>
+            <a:extLst>
+              <a:ext uri="{909E8E84-426E-40DD-AFC4-6F175D3DCCD1}">
+                <a14:hiddenFill xmlns:a14="http://schemas.microsoft.com/office/drawing/2010/main">
+                  <a:solidFill>
+                    <a:srgbClr val="FFFFFF"/>
+                  </a:solidFill>
+                </a14:hiddenFill>
+              </a:ext>
+              <a:ext uri="{91240B29-F687-4F45-9708-019B960494DF}">
+                <a14:hiddenLine xmlns:a14="http://schemas.microsoft.com/office/drawing/2010/main" w="9525" algn="ctr">
+                  <a:solidFill>
+                    <a:srgbClr val="000000"/>
+                  </a:solidFill>
+                  <a:miter lim="800000"/>
+                  <a:headEnd/>
+                  <a:tailEnd/>
+                </a14:hiddenLine>
+              </a:ext>
+            </a:extLst>
+          </p:spPr>
+          <p:txBody>
+            <a:bodyPr wrap="none">
+              <a:spAutoFit/>
+            </a:bodyPr>
+            <a:lstStyle>
+              <a:lvl1pPr eaLnBrk="0" hangingPunct="0">
+                <a:defRPr>
+                  <a:solidFill>
+                    <a:schemeClr val="tx1"/>
+                  </a:solidFill>
+                  <a:latin typeface="Arial" charset="0"/>
+                </a:defRPr>
+              </a:lvl1pPr>
+              <a:lvl2pPr marL="742950" indent="-285750" eaLnBrk="0" hangingPunct="0">
+                <a:defRPr>
+                  <a:solidFill>
+                    <a:schemeClr val="tx1"/>
+                  </a:solidFill>
+                  <a:latin typeface="Arial" charset="0"/>
+                </a:defRPr>
+              </a:lvl2pPr>
+              <a:lvl3pPr marL="1143000" indent="-228600" eaLnBrk="0" hangingPunct="0">
+                <a:defRPr>
+                  <a:solidFill>
+                    <a:schemeClr val="tx1"/>
+                  </a:solidFill>
+                  <a:latin typeface="Arial" charset="0"/>
+                </a:defRPr>
+              </a:lvl3pPr>
+              <a:lvl4pPr marL="1600200" indent="-228600" eaLnBrk="0" hangingPunct="0">
+                <a:defRPr>
+                  <a:solidFill>
+                    <a:schemeClr val="tx1"/>
+                  </a:solidFill>
+                  <a:latin typeface="Arial" charset="0"/>
+                </a:defRPr>
+              </a:lvl4pPr>
+              <a:lvl5pPr marL="2057400" indent="-228600" eaLnBrk="0" hangingPunct="0">
+                <a:defRPr>
+                  <a:solidFill>
+                    <a:schemeClr val="tx1"/>
+                  </a:solidFill>
+                  <a:latin typeface="Arial" charset="0"/>
+                </a:defRPr>
+              </a:lvl5pPr>
+              <a:lvl6pPr marL="2514600" indent="-228600" eaLnBrk="0" fontAlgn="base" hangingPunct="0">
+                <a:spcBef>
+                  <a:spcPct val="0"/>
+                </a:spcBef>
+                <a:spcAft>
+                  <a:spcPct val="0"/>
+                </a:spcAft>
+                <a:defRPr>
+                  <a:solidFill>
+                    <a:schemeClr val="tx1"/>
+                  </a:solidFill>
+                  <a:latin typeface="Arial" charset="0"/>
+                </a:defRPr>
+              </a:lvl6pPr>
+              <a:lvl7pPr marL="2971800" indent="-228600" eaLnBrk="0" fontAlgn="base" hangingPunct="0">
+                <a:spcBef>
+                  <a:spcPct val="0"/>
+                </a:spcBef>
+                <a:spcAft>
+                  <a:spcPct val="0"/>
+                </a:spcAft>
+                <a:defRPr>
+                  <a:solidFill>
+                    <a:schemeClr val="tx1"/>
+                  </a:solidFill>
+                  <a:latin typeface="Arial" charset="0"/>
+                </a:defRPr>
+              </a:lvl7pPr>
+              <a:lvl8pPr marL="3429000" indent="-228600" eaLnBrk="0" fontAlgn="base" hangingPunct="0">
+                <a:spcBef>
+                  <a:spcPct val="0"/>
+                </a:spcBef>
+                <a:spcAft>
+                  <a:spcPct val="0"/>
+                </a:spcAft>
+                <a:defRPr>
+                  <a:solidFill>
+                    <a:schemeClr val="tx1"/>
+                  </a:solidFill>
+                  <a:latin typeface="Arial" charset="0"/>
+                </a:defRPr>
+              </a:lvl8pPr>
+              <a:lvl9pPr marL="3886200" indent="-228600" eaLnBrk="0" fontAlgn="base" hangingPunct="0">
+                <a:spcBef>
+                  <a:spcPct val="0"/>
+                </a:spcBef>
+                <a:spcAft>
+                  <a:spcPct val="0"/>
+                </a:spcAft>
+                <a:defRPr>
+                  <a:solidFill>
+                    <a:schemeClr val="tx1"/>
+                  </a:solidFill>
+                  <a:latin typeface="Arial" charset="0"/>
+                </a:defRPr>
+              </a:lvl9pPr>
+            </a:lstStyle>
+            <a:p>
+              <a:pPr algn="ctr"/>
+              <a:r>
+                <a:rPr lang="en-US" sz="2400">
+                  <a:solidFill>
+                    <a:schemeClr val="bg1"/>
+                  </a:solidFill>
+                </a:rPr>
+                <a:t>4</a:t>
+              </a:r>
+            </a:p>
+          </p:txBody>
+        </p:sp>
+      </p:grpSp>
     </p:spTree>
     <p:extLst>
       <p:ext uri="{BB962C8B-B14F-4D97-AF65-F5344CB8AC3E}">
@@ -20293,7 +21984,402 @@
   <p:timing>
     <p:tnLst>
       <p:par>
-        <p:cTn id="1" dur="indefinite" restart="never" nodeType="tmRoot"/>
+        <p:cTn id="1" dur="indefinite" restart="never" nodeType="tmRoot">
+          <p:childTnLst>
+            <p:seq concurrent="1" nextAc="seek">
+              <p:cTn id="2" dur="indefinite" nodeType="mainSeq">
+                <p:childTnLst>
+                  <p:par>
+                    <p:cTn id="3" fill="hold">
+                      <p:stCondLst>
+                        <p:cond delay="indefinite"/>
+                        <p:cond evt="onBegin" delay="0">
+                          <p:tn val="2"/>
+                        </p:cond>
+                      </p:stCondLst>
+                      <p:childTnLst>
+                        <p:par>
+                          <p:cTn id="4" fill="hold">
+                            <p:stCondLst>
+                              <p:cond delay="0"/>
+                            </p:stCondLst>
+                            <p:childTnLst>
+                              <p:par>
+                                <p:cTn id="5" presetID="47" presetClass="entr" presetSubtype="0" fill="hold" nodeType="withEffect">
+                                  <p:stCondLst>
+                                    <p:cond delay="0"/>
+                                  </p:stCondLst>
+                                  <p:childTnLst>
+                                    <p:set>
+                                      <p:cBhvr>
+                                        <p:cTn id="6" dur="1" fill="hold">
+                                          <p:stCondLst>
+                                            <p:cond delay="0"/>
+                                          </p:stCondLst>
+                                        </p:cTn>
+                                        <p:tgtEl>
+                                          <p:spTgt spid="5"/>
+                                        </p:tgtEl>
+                                        <p:attrNameLst>
+                                          <p:attrName>style.visibility</p:attrName>
+                                        </p:attrNameLst>
+                                      </p:cBhvr>
+                                      <p:to>
+                                        <p:strVal val="visible"/>
+                                      </p:to>
+                                    </p:set>
+                                    <p:animEffect transition="in" filter="fade">
+                                      <p:cBhvr>
+                                        <p:cTn id="7" dur="500"/>
+                                        <p:tgtEl>
+                                          <p:spTgt spid="5"/>
+                                        </p:tgtEl>
+                                      </p:cBhvr>
+                                    </p:animEffect>
+                                    <p:anim calcmode="lin" valueType="num">
+                                      <p:cBhvr>
+                                        <p:cTn id="8" dur="500" fill="hold"/>
+                                        <p:tgtEl>
+                                          <p:spTgt spid="5"/>
+                                        </p:tgtEl>
+                                        <p:attrNameLst>
+                                          <p:attrName>ppt_x</p:attrName>
+                                        </p:attrNameLst>
+                                      </p:cBhvr>
+                                      <p:tavLst>
+                                        <p:tav tm="0">
+                                          <p:val>
+                                            <p:strVal val="#ppt_x"/>
+                                          </p:val>
+                                        </p:tav>
+                                        <p:tav tm="100000">
+                                          <p:val>
+                                            <p:strVal val="#ppt_x"/>
+                                          </p:val>
+                                        </p:tav>
+                                      </p:tavLst>
+                                    </p:anim>
+                                    <p:anim calcmode="lin" valueType="num">
+                                      <p:cBhvr>
+                                        <p:cTn id="9" dur="500" fill="hold"/>
+                                        <p:tgtEl>
+                                          <p:spTgt spid="5"/>
+                                        </p:tgtEl>
+                                        <p:attrNameLst>
+                                          <p:attrName>ppt_y</p:attrName>
+                                        </p:attrNameLst>
+                                      </p:cBhvr>
+                                      <p:tavLst>
+                                        <p:tav tm="0">
+                                          <p:val>
+                                            <p:strVal val="#ppt_y-.1"/>
+                                          </p:val>
+                                        </p:tav>
+                                        <p:tav tm="100000">
+                                          <p:val>
+                                            <p:strVal val="#ppt_y"/>
+                                          </p:val>
+                                        </p:tav>
+                                      </p:tavLst>
+                                    </p:anim>
+                                  </p:childTnLst>
+                                </p:cTn>
+                              </p:par>
+                            </p:childTnLst>
+                          </p:cTn>
+                        </p:par>
+                        <p:par>
+                          <p:cTn id="10" fill="hold">
+                            <p:stCondLst>
+                              <p:cond delay="500"/>
+                            </p:stCondLst>
+                            <p:childTnLst>
+                              <p:par>
+                                <p:cTn id="11" presetID="47" presetClass="entr" presetSubtype="0" fill="hold" nodeType="afterEffect">
+                                  <p:stCondLst>
+                                    <p:cond delay="0"/>
+                                  </p:stCondLst>
+                                  <p:childTnLst>
+                                    <p:set>
+                                      <p:cBhvr>
+                                        <p:cTn id="12" dur="1" fill="hold">
+                                          <p:stCondLst>
+                                            <p:cond delay="0"/>
+                                          </p:stCondLst>
+                                        </p:cTn>
+                                        <p:tgtEl>
+                                          <p:spTgt spid="10"/>
+                                        </p:tgtEl>
+                                        <p:attrNameLst>
+                                          <p:attrName>style.visibility</p:attrName>
+                                        </p:attrNameLst>
+                                      </p:cBhvr>
+                                      <p:to>
+                                        <p:strVal val="visible"/>
+                                      </p:to>
+                                    </p:set>
+                                    <p:animEffect transition="in" filter="fade">
+                                      <p:cBhvr>
+                                        <p:cTn id="13" dur="500"/>
+                                        <p:tgtEl>
+                                          <p:spTgt spid="10"/>
+                                        </p:tgtEl>
+                                      </p:cBhvr>
+                                    </p:animEffect>
+                                    <p:anim calcmode="lin" valueType="num">
+                                      <p:cBhvr>
+                                        <p:cTn id="14" dur="500" fill="hold"/>
+                                        <p:tgtEl>
+                                          <p:spTgt spid="10"/>
+                                        </p:tgtEl>
+                                        <p:attrNameLst>
+                                          <p:attrName>ppt_x</p:attrName>
+                                        </p:attrNameLst>
+                                      </p:cBhvr>
+                                      <p:tavLst>
+                                        <p:tav tm="0">
+                                          <p:val>
+                                            <p:strVal val="#ppt_x"/>
+                                          </p:val>
+                                        </p:tav>
+                                        <p:tav tm="100000">
+                                          <p:val>
+                                            <p:strVal val="#ppt_x"/>
+                                          </p:val>
+                                        </p:tav>
+                                      </p:tavLst>
+                                    </p:anim>
+                                    <p:anim calcmode="lin" valueType="num">
+                                      <p:cBhvr>
+                                        <p:cTn id="15" dur="500" fill="hold"/>
+                                        <p:tgtEl>
+                                          <p:spTgt spid="10"/>
+                                        </p:tgtEl>
+                                        <p:attrNameLst>
+                                          <p:attrName>ppt_y</p:attrName>
+                                        </p:attrNameLst>
+                                      </p:cBhvr>
+                                      <p:tavLst>
+                                        <p:tav tm="0">
+                                          <p:val>
+                                            <p:strVal val="#ppt_y-.1"/>
+                                          </p:val>
+                                        </p:tav>
+                                        <p:tav tm="100000">
+                                          <p:val>
+                                            <p:strVal val="#ppt_y"/>
+                                          </p:val>
+                                        </p:tav>
+                                      </p:tavLst>
+                                    </p:anim>
+                                  </p:childTnLst>
+                                </p:cTn>
+                              </p:par>
+                            </p:childTnLst>
+                          </p:cTn>
+                        </p:par>
+                        <p:par>
+                          <p:cTn id="16" fill="hold">
+                            <p:stCondLst>
+                              <p:cond delay="1000"/>
+                            </p:stCondLst>
+                            <p:childTnLst>
+                              <p:par>
+                                <p:cTn id="17" presetID="47" presetClass="entr" presetSubtype="0" fill="hold" nodeType="afterEffect">
+                                  <p:stCondLst>
+                                    <p:cond delay="0"/>
+                                  </p:stCondLst>
+                                  <p:childTnLst>
+                                    <p:set>
+                                      <p:cBhvr>
+                                        <p:cTn id="18" dur="1" fill="hold">
+                                          <p:stCondLst>
+                                            <p:cond delay="0"/>
+                                          </p:stCondLst>
+                                        </p:cTn>
+                                        <p:tgtEl>
+                                          <p:spTgt spid="15"/>
+                                        </p:tgtEl>
+                                        <p:attrNameLst>
+                                          <p:attrName>style.visibility</p:attrName>
+                                        </p:attrNameLst>
+                                      </p:cBhvr>
+                                      <p:to>
+                                        <p:strVal val="visible"/>
+                                      </p:to>
+                                    </p:set>
+                                    <p:animEffect transition="in" filter="fade">
+                                      <p:cBhvr>
+                                        <p:cTn id="19" dur="500"/>
+                                        <p:tgtEl>
+                                          <p:spTgt spid="15"/>
+                                        </p:tgtEl>
+                                      </p:cBhvr>
+                                    </p:animEffect>
+                                    <p:anim calcmode="lin" valueType="num">
+                                      <p:cBhvr>
+                                        <p:cTn id="20" dur="500" fill="hold"/>
+                                        <p:tgtEl>
+                                          <p:spTgt spid="15"/>
+                                        </p:tgtEl>
+                                        <p:attrNameLst>
+                                          <p:attrName>ppt_x</p:attrName>
+                                        </p:attrNameLst>
+                                      </p:cBhvr>
+                                      <p:tavLst>
+                                        <p:tav tm="0">
+                                          <p:val>
+                                            <p:strVal val="#ppt_x"/>
+                                          </p:val>
+                                        </p:tav>
+                                        <p:tav tm="100000">
+                                          <p:val>
+                                            <p:strVal val="#ppt_x"/>
+                                          </p:val>
+                                        </p:tav>
+                                      </p:tavLst>
+                                    </p:anim>
+                                    <p:anim calcmode="lin" valueType="num">
+                                      <p:cBhvr>
+                                        <p:cTn id="21" dur="500" fill="hold"/>
+                                        <p:tgtEl>
+                                          <p:spTgt spid="15"/>
+                                        </p:tgtEl>
+                                        <p:attrNameLst>
+                                          <p:attrName>ppt_y</p:attrName>
+                                        </p:attrNameLst>
+                                      </p:cBhvr>
+                                      <p:tavLst>
+                                        <p:tav tm="0">
+                                          <p:val>
+                                            <p:strVal val="#ppt_y-.1"/>
+                                          </p:val>
+                                        </p:tav>
+                                        <p:tav tm="100000">
+                                          <p:val>
+                                            <p:strVal val="#ppt_y"/>
+                                          </p:val>
+                                        </p:tav>
+                                      </p:tavLst>
+                                    </p:anim>
+                                  </p:childTnLst>
+                                </p:cTn>
+                              </p:par>
+                            </p:childTnLst>
+                          </p:cTn>
+                        </p:par>
+                        <p:par>
+                          <p:cTn id="22" fill="hold">
+                            <p:stCondLst>
+                              <p:cond delay="1500"/>
+                            </p:stCondLst>
+                            <p:childTnLst>
+                              <p:par>
+                                <p:cTn id="23" presetID="47" presetClass="entr" presetSubtype="0" fill="hold" nodeType="afterEffect">
+                                  <p:stCondLst>
+                                    <p:cond delay="0"/>
+                                  </p:stCondLst>
+                                  <p:childTnLst>
+                                    <p:set>
+                                      <p:cBhvr>
+                                        <p:cTn id="24" dur="1" fill="hold">
+                                          <p:stCondLst>
+                                            <p:cond delay="0"/>
+                                          </p:stCondLst>
+                                        </p:cTn>
+                                        <p:tgtEl>
+                                          <p:spTgt spid="20"/>
+                                        </p:tgtEl>
+                                        <p:attrNameLst>
+                                          <p:attrName>style.visibility</p:attrName>
+                                        </p:attrNameLst>
+                                      </p:cBhvr>
+                                      <p:to>
+                                        <p:strVal val="visible"/>
+                                      </p:to>
+                                    </p:set>
+                                    <p:animEffect transition="in" filter="fade">
+                                      <p:cBhvr>
+                                        <p:cTn id="25" dur="500"/>
+                                        <p:tgtEl>
+                                          <p:spTgt spid="20"/>
+                                        </p:tgtEl>
+                                      </p:cBhvr>
+                                    </p:animEffect>
+                                    <p:anim calcmode="lin" valueType="num">
+                                      <p:cBhvr>
+                                        <p:cTn id="26" dur="500" fill="hold"/>
+                                        <p:tgtEl>
+                                          <p:spTgt spid="20"/>
+                                        </p:tgtEl>
+                                        <p:attrNameLst>
+                                          <p:attrName>ppt_x</p:attrName>
+                                        </p:attrNameLst>
+                                      </p:cBhvr>
+                                      <p:tavLst>
+                                        <p:tav tm="0">
+                                          <p:val>
+                                            <p:strVal val="#ppt_x"/>
+                                          </p:val>
+                                        </p:tav>
+                                        <p:tav tm="100000">
+                                          <p:val>
+                                            <p:strVal val="#ppt_x"/>
+                                          </p:val>
+                                        </p:tav>
+                                      </p:tavLst>
+                                    </p:anim>
+                                    <p:anim calcmode="lin" valueType="num">
+                                      <p:cBhvr>
+                                        <p:cTn id="27" dur="500" fill="hold"/>
+                                        <p:tgtEl>
+                                          <p:spTgt spid="20"/>
+                                        </p:tgtEl>
+                                        <p:attrNameLst>
+                                          <p:attrName>ppt_y</p:attrName>
+                                        </p:attrNameLst>
+                                      </p:cBhvr>
+                                      <p:tavLst>
+                                        <p:tav tm="0">
+                                          <p:val>
+                                            <p:strVal val="#ppt_y-.1"/>
+                                          </p:val>
+                                        </p:tav>
+                                        <p:tav tm="100000">
+                                          <p:val>
+                                            <p:strVal val="#ppt_y"/>
+                                          </p:val>
+                                        </p:tav>
+                                      </p:tavLst>
+                                    </p:anim>
+                                  </p:childTnLst>
+                                </p:cTn>
+                              </p:par>
+                            </p:childTnLst>
+                          </p:cTn>
+                        </p:par>
+                      </p:childTnLst>
+                    </p:cTn>
+                  </p:par>
+                </p:childTnLst>
+              </p:cTn>
+              <p:prevCondLst>
+                <p:cond evt="onPrev" delay="0">
+                  <p:tgtEl>
+                    <p:sldTgt/>
+                  </p:tgtEl>
+                </p:cond>
+              </p:prevCondLst>
+              <p:nextCondLst>
+                <p:cond evt="onNext" delay="0">
+                  <p:tgtEl>
+                    <p:sldTgt/>
+                  </p:tgtEl>
+                </p:cond>
+              </p:nextCondLst>
+            </p:seq>
+          </p:childTnLst>
+        </p:cTn>
       </p:par>
     </p:tnLst>
   </p:timing>
@@ -27361,15 +29447,7 @@
               </a:spcAft>
             </a:pPr>
             <a:r>
-              <a:rPr lang="en-US" sz="2400" dirty="0" smtClean="0"/>
-              <a:t>Let us </a:t>
-            </a:r>
-            <a:r>
-              <a:rPr lang="en-US" sz="2400" dirty="0"/>
-              <a:t>write </a:t>
-            </a:r>
-            <a:r>
-              <a:rPr lang="en-US" sz="2400" dirty="0" smtClean="0"/>
+              <a:rPr lang="en-US" sz="2400" smtClean="0"/>
               <a:t>HTML</a:t>
             </a:r>
             <a:r>
@@ -27392,31 +29470,12 @@
               </a:spcAft>
             </a:pPr>
             <a:r>
-              <a:rPr lang="en-US" sz="2400" dirty="0"/>
-              <a:t>L</a:t>
-            </a:r>
-            <a:r>
               <a:rPr lang="en-US" sz="2400" dirty="0" smtClean="0"/>
-              <a:t>ess </a:t>
-            </a:r>
-            <a:r>
-              <a:rPr lang="en-US" sz="2400" dirty="0"/>
-              <a:t>effort to read and </a:t>
+              <a:t>Not </a:t>
             </a:r>
             <a:r>
               <a:rPr lang="en-US" sz="2400" dirty="0" smtClean="0"/>
-              <a:t>write.</a:t>
-            </a:r>
-          </a:p>
-          <a:p>
-            <a:pPr lvl="1">
-              <a:spcAft>
-                <a:spcPts val="600"/>
-              </a:spcAft>
-            </a:pPr>
-            <a:r>
-              <a:rPr lang="en-US" sz="2400" dirty="0" smtClean="0"/>
-              <a:t>Not supported </a:t>
+              <a:t>supported </a:t>
             </a:r>
             <a:r>
               <a:rPr lang="en-US" sz="2400" dirty="0"/>
@@ -27435,34 +29494,11 @@
             </a:pPr>
             <a:r>
               <a:rPr lang="en-US" sz="2400" dirty="0" smtClean="0"/>
-              <a:t>Need to transformed </a:t>
+              <a:t>JSX </a:t>
             </a:r>
             <a:r>
               <a:rPr lang="en-US" sz="2400" dirty="0"/>
-              <a:t>into </a:t>
-            </a:r>
-            <a:r>
-              <a:rPr lang="en-US" sz="2400" dirty="0" smtClean="0"/>
-              <a:t>JS before </a:t>
-            </a:r>
-            <a:r>
-              <a:rPr lang="en-US" sz="2400" dirty="0"/>
-              <a:t>running in the </a:t>
-            </a:r>
-            <a:r>
-              <a:rPr lang="en-US" sz="2400" dirty="0" smtClean="0"/>
-              <a:t>browser.</a:t>
-            </a:r>
-          </a:p>
-          <a:p>
-            <a:pPr lvl="1">
-              <a:spcAft>
-                <a:spcPts val="600"/>
-              </a:spcAft>
-            </a:pPr>
-            <a:r>
-              <a:rPr lang="en-US" sz="2400" dirty="0"/>
-              <a:t>JSX and HTML syntax are similar but it’s different at some point</a:t>
+              <a:t>and HTML syntax are similar but it’s different at some point</a:t>
             </a:r>
           </a:p>
           <a:p>
@@ -27487,17 +29523,27 @@
               </a:rPr>
               <a:t>className</a:t>
             </a:r>
+            <a:endParaRPr lang="en-US" sz="2000" dirty="0" smtClean="0">
+              <a:sym typeface="Wingdings" panose="05000000000000000000" pitchFamily="2" charset="2"/>
+            </a:endParaRPr>
+          </a:p>
+          <a:p>
+            <a:pPr lvl="2">
+              <a:spcAft>
+                <a:spcPts val="600"/>
+              </a:spcAft>
+            </a:pPr>
             <a:r>
               <a:rPr lang="en-US" sz="2000" dirty="0" smtClean="0">
                 <a:sym typeface="Wingdings" panose="05000000000000000000" pitchFamily="2" charset="2"/>
               </a:rPr>
-              <a:t>, </a:t>
+              <a:t>for </a:t>
             </a:r>
             <a:r>
               <a:rPr lang="en-US" sz="2000" dirty="0">
                 <a:sym typeface="Wingdings" panose="05000000000000000000" pitchFamily="2" charset="2"/>
               </a:rPr>
-              <a:t>for  </a:t>
+              <a:t> </a:t>
             </a:r>
             <a:r>
               <a:rPr lang="en-US" sz="2000" dirty="0" err="1">

--- a/React_Slide.pptx
+++ b/React_Slide.pptx
@@ -142,7 +142,7 @@
   </p:defaultTextStyle>
   <p:extLst>
     <p:ext uri="{EFAFB233-063F-42B5-8137-9DF3F51BA10A}">
-      <p15:sldGuideLst xmlns="" xmlns:p15="http://schemas.microsoft.com/office/powerpoint/2012/main">
+      <p15:sldGuideLst xmlns:p15="http://schemas.microsoft.com/office/powerpoint/2012/main">
         <p15:guide id="1" orient="horz" pos="2160">
           <p15:clr>
             <a:srgbClr val="A4A3A4"/>
@@ -241,7 +241,7 @@
           <a:p>
             <a:fld id="{30C56A28-4380-4698-9362-A1403F5E2820}" type="datetimeFigureOut">
               <a:rPr lang="en-US" smtClean="0"/>
-              <a:t>12/25/2015</a:t>
+              <a:t>12/27/2015</a:t>
             </a:fld>
             <a:endParaRPr lang="en-US"/>
           </a:p>
@@ -602,7 +602,7 @@
                 <a:spcPct val="0"/>
               </a:spcBef>
             </a:pPr>
-            <a:endParaRPr lang="en-US" smtClean="0"/>
+            <a:endParaRPr lang="en-US" dirty="0" smtClean="0"/>
           </a:p>
         </p:txBody>
       </p:sp>
@@ -2523,131 +2523,6 @@
           <a:bodyPr/>
           <a:lstStyle/>
           <a:p>
-            <a:r>
-              <a:rPr lang="en-US" sz="1200" b="0" i="0" kern="1200" dirty="0" smtClean="0">
-                <a:solidFill>
-                  <a:schemeClr val="tx1"/>
-                </a:solidFill>
-                <a:effectLst/>
-                <a:latin typeface="+mn-lt"/>
-                <a:ea typeface="+mn-ea"/>
-                <a:cs typeface="+mn-cs"/>
-              </a:rPr>
-              <a:t>React.js isn’t a complete framework, so it doesn’t provide all the components you’ll find in other projects like </a:t>
-            </a:r>
-            <a:r>
-              <a:rPr lang="en-US" sz="1200" b="0" i="0" u="none" strike="noStrike" kern="1200" dirty="0" smtClean="0">
-                <a:solidFill>
-                  <a:schemeClr val="tx1"/>
-                </a:solidFill>
-                <a:effectLst/>
-                <a:latin typeface="+mn-lt"/>
-                <a:ea typeface="+mn-ea"/>
-                <a:cs typeface="+mn-cs"/>
-                <a:hlinkClick r:id="rId3"/>
-              </a:rPr>
-              <a:t>Ember</a:t>
-            </a:r>
-            <a:r>
-              <a:rPr lang="en-US" sz="1200" b="0" i="0" kern="1200" dirty="0" smtClean="0">
-                <a:solidFill>
-                  <a:schemeClr val="tx1"/>
-                </a:solidFill>
-                <a:effectLst/>
-                <a:latin typeface="+mn-lt"/>
-                <a:ea typeface="+mn-ea"/>
-                <a:cs typeface="+mn-cs"/>
-              </a:rPr>
-              <a:t> or </a:t>
-            </a:r>
-            <a:r>
-              <a:rPr lang="en-US" sz="1200" b="0" i="0" u="none" strike="noStrike" kern="1200" dirty="0" err="1" smtClean="0">
-                <a:solidFill>
-                  <a:schemeClr val="tx1"/>
-                </a:solidFill>
-                <a:effectLst/>
-                <a:latin typeface="+mn-lt"/>
-                <a:ea typeface="+mn-ea"/>
-                <a:cs typeface="+mn-cs"/>
-                <a:hlinkClick r:id="rId4"/>
-              </a:rPr>
-              <a:t>AngularJS</a:t>
-            </a:r>
-            <a:r>
-              <a:rPr lang="en-US" sz="1200" b="0" i="0" kern="1200" dirty="0" smtClean="0">
-                <a:solidFill>
-                  <a:schemeClr val="tx1"/>
-                </a:solidFill>
-                <a:effectLst/>
-                <a:latin typeface="+mn-lt"/>
-                <a:ea typeface="+mn-ea"/>
-                <a:cs typeface="+mn-cs"/>
-              </a:rPr>
-              <a:t>. </a:t>
-            </a:r>
-          </a:p>
-          <a:p>
-            <a:r>
-              <a:rPr lang="en-US" sz="1200" b="0" i="0" kern="1200" dirty="0" smtClean="0">
-                <a:solidFill>
-                  <a:schemeClr val="tx1"/>
-                </a:solidFill>
-                <a:effectLst/>
-                <a:latin typeface="+mn-lt"/>
-                <a:ea typeface="+mn-ea"/>
-                <a:cs typeface="+mn-cs"/>
-              </a:rPr>
-              <a:t>An important difference with frameworks like </a:t>
-            </a:r>
-            <a:r>
-              <a:rPr lang="en-US" sz="1200" b="0" i="0" kern="1200" dirty="0" err="1" smtClean="0">
-                <a:solidFill>
-                  <a:schemeClr val="tx1"/>
-                </a:solidFill>
-                <a:effectLst/>
-                <a:latin typeface="+mn-lt"/>
-                <a:ea typeface="+mn-ea"/>
-                <a:cs typeface="+mn-cs"/>
-              </a:rPr>
-              <a:t>AngularJS</a:t>
-            </a:r>
-            <a:r>
-              <a:rPr lang="en-US" sz="1200" b="0" i="0" kern="1200" dirty="0" smtClean="0">
-                <a:solidFill>
-                  <a:schemeClr val="tx1"/>
-                </a:solidFill>
-                <a:effectLst/>
-                <a:latin typeface="+mn-lt"/>
-                <a:ea typeface="+mn-ea"/>
-                <a:cs typeface="+mn-cs"/>
-              </a:rPr>
-              <a:t> – which uses a two-way data binding model – is that </a:t>
-            </a:r>
-            <a:r>
-              <a:rPr lang="en-US" sz="1200" b="0" i="0" u="none" strike="noStrike" kern="1200" dirty="0" smtClean="0">
-                <a:solidFill>
-                  <a:schemeClr val="tx1"/>
-                </a:solidFill>
-                <a:effectLst/>
-                <a:latin typeface="+mn-lt"/>
-                <a:ea typeface="+mn-ea"/>
-                <a:cs typeface="+mn-cs"/>
-                <a:hlinkClick r:id="rId5"/>
-              </a:rPr>
-              <a:t>React features a one-way data binding model</a:t>
-            </a:r>
-            <a:r>
-              <a:rPr lang="en-US" sz="1200" b="0" i="0" kern="1200" dirty="0" smtClean="0">
-                <a:solidFill>
-                  <a:schemeClr val="tx1"/>
-                </a:solidFill>
-                <a:effectLst/>
-                <a:latin typeface="+mn-lt"/>
-                <a:ea typeface="+mn-ea"/>
-                <a:cs typeface="+mn-cs"/>
-              </a:rPr>
-              <a:t>.</a:t>
-            </a:r>
             <a:endParaRPr lang="en-US" dirty="0"/>
           </a:p>
         </p:txBody>
@@ -6068,131 +5943,6 @@
           <a:bodyPr/>
           <a:lstStyle/>
           <a:p>
-            <a:r>
-              <a:rPr lang="en-US" sz="1200" b="0" i="0" kern="1200" dirty="0" smtClean="0">
-                <a:solidFill>
-                  <a:schemeClr val="tx1"/>
-                </a:solidFill>
-                <a:effectLst/>
-                <a:latin typeface="+mn-lt"/>
-                <a:ea typeface="+mn-ea"/>
-                <a:cs typeface="+mn-cs"/>
-              </a:rPr>
-              <a:t>React.js isn’t a complete framework, so it doesn’t provide all the components you’ll find in other projects like </a:t>
-            </a:r>
-            <a:r>
-              <a:rPr lang="en-US" sz="1200" b="0" i="0" u="none" strike="noStrike" kern="1200" dirty="0" smtClean="0">
-                <a:solidFill>
-                  <a:schemeClr val="tx1"/>
-                </a:solidFill>
-                <a:effectLst/>
-                <a:latin typeface="+mn-lt"/>
-                <a:ea typeface="+mn-ea"/>
-                <a:cs typeface="+mn-cs"/>
-                <a:hlinkClick r:id="rId3"/>
-              </a:rPr>
-              <a:t>Ember</a:t>
-            </a:r>
-            <a:r>
-              <a:rPr lang="en-US" sz="1200" b="0" i="0" kern="1200" dirty="0" smtClean="0">
-                <a:solidFill>
-                  <a:schemeClr val="tx1"/>
-                </a:solidFill>
-                <a:effectLst/>
-                <a:latin typeface="+mn-lt"/>
-                <a:ea typeface="+mn-ea"/>
-                <a:cs typeface="+mn-cs"/>
-              </a:rPr>
-              <a:t> or </a:t>
-            </a:r>
-            <a:r>
-              <a:rPr lang="en-US" sz="1200" b="0" i="0" u="none" strike="noStrike" kern="1200" dirty="0" err="1" smtClean="0">
-                <a:solidFill>
-                  <a:schemeClr val="tx1"/>
-                </a:solidFill>
-                <a:effectLst/>
-                <a:latin typeface="+mn-lt"/>
-                <a:ea typeface="+mn-ea"/>
-                <a:cs typeface="+mn-cs"/>
-                <a:hlinkClick r:id="rId4"/>
-              </a:rPr>
-              <a:t>AngularJS</a:t>
-            </a:r>
-            <a:r>
-              <a:rPr lang="en-US" sz="1200" b="0" i="0" kern="1200" dirty="0" smtClean="0">
-                <a:solidFill>
-                  <a:schemeClr val="tx1"/>
-                </a:solidFill>
-                <a:effectLst/>
-                <a:latin typeface="+mn-lt"/>
-                <a:ea typeface="+mn-ea"/>
-                <a:cs typeface="+mn-cs"/>
-              </a:rPr>
-              <a:t>. </a:t>
-            </a:r>
-          </a:p>
-          <a:p>
-            <a:r>
-              <a:rPr lang="en-US" sz="1200" b="0" i="0" kern="1200" dirty="0" smtClean="0">
-                <a:solidFill>
-                  <a:schemeClr val="tx1"/>
-                </a:solidFill>
-                <a:effectLst/>
-                <a:latin typeface="+mn-lt"/>
-                <a:ea typeface="+mn-ea"/>
-                <a:cs typeface="+mn-cs"/>
-              </a:rPr>
-              <a:t>An important difference with frameworks like </a:t>
-            </a:r>
-            <a:r>
-              <a:rPr lang="en-US" sz="1200" b="0" i="0" kern="1200" dirty="0" err="1" smtClean="0">
-                <a:solidFill>
-                  <a:schemeClr val="tx1"/>
-                </a:solidFill>
-                <a:effectLst/>
-                <a:latin typeface="+mn-lt"/>
-                <a:ea typeface="+mn-ea"/>
-                <a:cs typeface="+mn-cs"/>
-              </a:rPr>
-              <a:t>AngularJS</a:t>
-            </a:r>
-            <a:r>
-              <a:rPr lang="en-US" sz="1200" b="0" i="0" kern="1200" dirty="0" smtClean="0">
-                <a:solidFill>
-                  <a:schemeClr val="tx1"/>
-                </a:solidFill>
-                <a:effectLst/>
-                <a:latin typeface="+mn-lt"/>
-                <a:ea typeface="+mn-ea"/>
-                <a:cs typeface="+mn-cs"/>
-              </a:rPr>
-              <a:t> – which uses a two-way data binding model – is that </a:t>
-            </a:r>
-            <a:r>
-              <a:rPr lang="en-US" sz="1200" b="0" i="0" u="none" strike="noStrike" kern="1200" dirty="0" smtClean="0">
-                <a:solidFill>
-                  <a:schemeClr val="tx1"/>
-                </a:solidFill>
-                <a:effectLst/>
-                <a:latin typeface="+mn-lt"/>
-                <a:ea typeface="+mn-ea"/>
-                <a:cs typeface="+mn-cs"/>
-                <a:hlinkClick r:id="rId5"/>
-              </a:rPr>
-              <a:t>React features a one-way data binding model</a:t>
-            </a:r>
-            <a:r>
-              <a:rPr lang="en-US" sz="1200" b="0" i="0" kern="1200" dirty="0" smtClean="0">
-                <a:solidFill>
-                  <a:schemeClr val="tx1"/>
-                </a:solidFill>
-                <a:effectLst/>
-                <a:latin typeface="+mn-lt"/>
-                <a:ea typeface="+mn-ea"/>
-                <a:cs typeface="+mn-cs"/>
-              </a:rPr>
-              <a:t>.</a:t>
-            </a:r>
             <a:endParaRPr lang="en-US" dirty="0"/>
           </a:p>
         </p:txBody>
@@ -6329,7 +6079,6 @@
               <a:rPr lang="en-US" sz="2400" dirty="0" smtClean="0"/>
               <a:t>to transformed into JS before running in the browser.</a:t>
             </a:r>
-            <a:endParaRPr lang="en-US" sz="2400" dirty="0" smtClean="0"/>
           </a:p>
         </p:txBody>
       </p:sp>
@@ -7970,7 +7719,7 @@
             <a:fld id="{1D8BD707-D9CF-40AE-B4C6-C98DA3205C09}" type="datetimeFigureOut">
               <a:rPr lang="en-US" smtClean="0"/>
               <a:pPr/>
-              <a:t>12/25/2015</a:t>
+              <a:t>12/27/2015</a:t>
             </a:fld>
             <a:endParaRPr lang="en-US"/>
           </a:p>
@@ -8197,7 +7946,7 @@
             <a:fld id="{1D8BD707-D9CF-40AE-B4C6-C98DA3205C09}" type="datetimeFigureOut">
               <a:rPr lang="en-US" smtClean="0"/>
               <a:pPr/>
-              <a:t>12/25/2015</a:t>
+              <a:t>12/27/2015</a:t>
             </a:fld>
             <a:endParaRPr lang="en-US"/>
           </a:p>
@@ -8424,7 +8173,7 @@
             <a:fld id="{1D8BD707-D9CF-40AE-B4C6-C98DA3205C09}" type="datetimeFigureOut">
               <a:rPr lang="en-US" smtClean="0"/>
               <a:pPr/>
-              <a:t>12/25/2015</a:t>
+              <a:t>12/27/2015</a:t>
             </a:fld>
             <a:endParaRPr lang="en-US"/>
           </a:p>
@@ -8623,7 +8372,7 @@
             <a:fld id="{1D8BD707-D9CF-40AE-B4C6-C98DA3205C09}" type="datetimeFigureOut">
               <a:rPr lang="en-US" smtClean="0"/>
               <a:pPr/>
-              <a:t>12/25/2015</a:t>
+              <a:t>12/27/2015</a:t>
             </a:fld>
             <a:endParaRPr lang="en-US"/>
           </a:p>
@@ -8822,7 +8571,7 @@
             <a:fld id="{1D8BD707-D9CF-40AE-B4C6-C98DA3205C09}" type="datetimeFigureOut">
               <a:rPr lang="en-US" smtClean="0"/>
               <a:pPr/>
-              <a:t>12/25/2015</a:t>
+              <a:t>12/27/2015</a:t>
             </a:fld>
             <a:endParaRPr lang="en-US"/>
           </a:p>
@@ -9048,7 +8797,7 @@
             <a:fld id="{1D8BD707-D9CF-40AE-B4C6-C98DA3205C09}" type="datetimeFigureOut">
               <a:rPr lang="en-US" smtClean="0"/>
               <a:pPr/>
-              <a:t>12/25/2015</a:t>
+              <a:t>12/27/2015</a:t>
             </a:fld>
             <a:endParaRPr lang="en-US"/>
           </a:p>
@@ -9287,7 +9036,7 @@
             <a:fld id="{1D8BD707-D9CF-40AE-B4C6-C98DA3205C09}" type="datetimeFigureOut">
               <a:rPr lang="en-US" smtClean="0"/>
               <a:pPr/>
-              <a:t>12/25/2015</a:t>
+              <a:t>12/27/2015</a:t>
             </a:fld>
             <a:endParaRPr lang="en-US"/>
           </a:p>
@@ -9622,7 +9371,7 @@
             <a:fld id="{1D8BD707-D9CF-40AE-B4C6-C98DA3205C09}" type="datetimeFigureOut">
               <a:rPr lang="en-US" smtClean="0"/>
               <a:pPr/>
-              <a:t>12/25/2015</a:t>
+              <a:t>12/27/2015</a:t>
             </a:fld>
             <a:endParaRPr lang="en-US"/>
           </a:p>
@@ -10092,7 +9841,7 @@
             <a:fld id="{1D8BD707-D9CF-40AE-B4C6-C98DA3205C09}" type="datetimeFigureOut">
               <a:rPr lang="en-US" smtClean="0"/>
               <a:pPr/>
-              <a:t>12/25/2015</a:t>
+              <a:t>12/27/2015</a:t>
             </a:fld>
             <a:endParaRPr lang="en-US"/>
           </a:p>
@@ -10257,7 +10006,7 @@
             <a:fld id="{1D8BD707-D9CF-40AE-B4C6-C98DA3205C09}" type="datetimeFigureOut">
               <a:rPr lang="en-US" smtClean="0"/>
               <a:pPr/>
-              <a:t>12/25/2015</a:t>
+              <a:t>12/27/2015</a:t>
             </a:fld>
             <a:endParaRPr lang="en-US"/>
           </a:p>
@@ -10399,7 +10148,7 @@
             <a:fld id="{1D8BD707-D9CF-40AE-B4C6-C98DA3205C09}" type="datetimeFigureOut">
               <a:rPr lang="en-US" smtClean="0"/>
               <a:pPr/>
-              <a:t>12/25/2015</a:t>
+              <a:t>12/27/2015</a:t>
             </a:fld>
             <a:endParaRPr lang="en-US"/>
           </a:p>
@@ -10723,7 +10472,7 @@
             <a:fld id="{1D8BD707-D9CF-40AE-B4C6-C98DA3205C09}" type="datetimeFigureOut">
               <a:rPr lang="en-US" smtClean="0"/>
               <a:pPr/>
-              <a:t>12/25/2015</a:t>
+              <a:t>12/27/2015</a:t>
             </a:fld>
             <a:endParaRPr lang="en-US"/>
           </a:p>
@@ -11028,7 +10777,7 @@
             <a:fld id="{1D8BD707-D9CF-40AE-B4C6-C98DA3205C09}" type="datetimeFigureOut">
               <a:rPr lang="en-US" smtClean="0"/>
               <a:pPr/>
-              <a:t>12/25/2015</a:t>
+              <a:t>12/27/2015</a:t>
             </a:fld>
             <a:endParaRPr lang="en-US"/>
           </a:p>
@@ -11573,7 +11322,7 @@
             <a:fld id="{1D8BD707-D9CF-40AE-B4C6-C98DA3205C09}" type="datetimeFigureOut">
               <a:rPr lang="en-US" smtClean="0"/>
               <a:pPr/>
-              <a:t>12/25/2015</a:t>
+              <a:t>12/27/2015</a:t>
             </a:fld>
             <a:endParaRPr lang="en-US"/>
           </a:p>
@@ -20683,7 +20432,7 @@
             <a:p>
               <a:pPr algn="ctr"/>
               <a:r>
-                <a:rPr lang="en-US" sz="2400">
+                <a:rPr lang="en-US" sz="2400" dirty="0">
                   <a:solidFill>
                     <a:schemeClr val="bg1"/>
                   </a:solidFill>
@@ -28397,16 +28146,66 @@
             </a:r>
             <a:r>
               <a:rPr lang="en-US" sz="2400" dirty="0" smtClean="0"/>
-              <a:t>enables </a:t>
-            </a:r>
-            <a:r>
-              <a:rPr lang="en-US" sz="2400" dirty="0"/>
-              <a:t>high performance for the rendering the </a:t>
-            </a:r>
+              <a:t>high performance</a:t>
+            </a:r>
+            <a:endParaRPr lang="en-US" sz="2400" dirty="0" smtClean="0"/>
+          </a:p>
+          <a:p>
+            <a:pPr lvl="1">
+              <a:spcAft>
+                <a:spcPts val="600"/>
+              </a:spcAft>
+            </a:pPr>
             <a:r>
               <a:rPr lang="en-US" sz="2400" dirty="0" smtClean="0"/>
-              <a:t>UI.</a:t>
-            </a:r>
+              <a:t>Suitable with building: </a:t>
+            </a:r>
+          </a:p>
+          <a:p>
+            <a:pPr lvl="2">
+              <a:spcAft>
+                <a:spcPts val="600"/>
+              </a:spcAft>
+            </a:pPr>
+            <a:r>
+              <a:rPr lang="en-US" sz="2000" dirty="0" smtClean="0"/>
+              <a:t>Large applications</a:t>
+            </a:r>
+          </a:p>
+          <a:p>
+            <a:pPr lvl="2">
+              <a:spcAft>
+                <a:spcPts val="600"/>
+              </a:spcAft>
+            </a:pPr>
+            <a:r>
+              <a:rPr lang="en-US" sz="2000" dirty="0" smtClean="0"/>
+              <a:t>Application with data change </a:t>
+            </a:r>
+            <a:r>
+              <a:rPr lang="en-US" sz="2000" dirty="0"/>
+              <a:t>over time</a:t>
+            </a:r>
+            <a:r>
+              <a:rPr lang="en-US" sz="2000" dirty="0" smtClean="0"/>
+              <a:t>.</a:t>
+            </a:r>
+          </a:p>
+          <a:p>
+            <a:pPr lvl="2">
+              <a:spcAft>
+                <a:spcPts val="600"/>
+              </a:spcAft>
+            </a:pPr>
+            <a:r>
+              <a:rPr lang="en-US" sz="2000" dirty="0"/>
+              <a:t>Using with Flux for scaling front-end </a:t>
+            </a:r>
+            <a:r>
+              <a:rPr lang="en-US" sz="2000" dirty="0" smtClean="0"/>
+              <a:t>apps.</a:t>
+            </a:r>
+            <a:endParaRPr lang="en-US" sz="2000" dirty="0"/>
           </a:p>
           <a:p>
             <a:pPr lvl="1">
@@ -28415,31 +28214,8 @@
               </a:spcAft>
             </a:pPr>
             <a:r>
-              <a:rPr lang="en-US" sz="2400" dirty="0"/>
-              <a:t>B</a:t>
-            </a:r>
-            <a:r>
               <a:rPr lang="en-US" sz="2400" dirty="0" smtClean="0"/>
-              <a:t>uilding </a:t>
-            </a:r>
-            <a:r>
-              <a:rPr lang="en-US" sz="2400" dirty="0"/>
-              <a:t>large applications with data that changes over time.</a:t>
-            </a:r>
-          </a:p>
-          <a:p>
-            <a:pPr lvl="1">
-              <a:spcAft>
-                <a:spcPts val="600"/>
-              </a:spcAft>
-            </a:pPr>
-            <a:r>
-              <a:rPr lang="en-US" sz="2400" dirty="0"/>
-              <a:t> </a:t>
-            </a:r>
-            <a:r>
-              <a:rPr lang="en-US" sz="2400" dirty="0" smtClean="0"/>
-              <a:t>Using with Flux for scaling front-end apps, that provide data flows in a single direction.</a:t>
+              <a:t>One way data binding.</a:t>
             </a:r>
           </a:p>
           <a:p>
@@ -29191,7 +28967,845 @@
   <p:timing>
     <p:tnLst>
       <p:par>
-        <p:cTn id="1" dur="indefinite" restart="never" nodeType="tmRoot"/>
+        <p:cTn id="1" dur="indefinite" restart="never" nodeType="tmRoot">
+          <p:childTnLst>
+            <p:seq concurrent="1" nextAc="seek">
+              <p:cTn id="2" dur="indefinite" nodeType="mainSeq">
+                <p:childTnLst>
+                  <p:par>
+                    <p:cTn id="3" fill="hold">
+                      <p:stCondLst>
+                        <p:cond delay="indefinite"/>
+                        <p:cond evt="onBegin" delay="0">
+                          <p:tn val="2"/>
+                        </p:cond>
+                      </p:stCondLst>
+                      <p:childTnLst>
+                        <p:par>
+                          <p:cTn id="4" fill="hold">
+                            <p:stCondLst>
+                              <p:cond delay="0"/>
+                            </p:stCondLst>
+                            <p:childTnLst>
+                              <p:par>
+                                <p:cTn id="5" presetID="42" presetClass="entr" presetSubtype="0" fill="hold" nodeType="withEffect">
+                                  <p:stCondLst>
+                                    <p:cond delay="0"/>
+                                  </p:stCondLst>
+                                  <p:childTnLst>
+                                    <p:set>
+                                      <p:cBhvr>
+                                        <p:cTn id="6" dur="1" fill="hold">
+                                          <p:stCondLst>
+                                            <p:cond delay="0"/>
+                                          </p:stCondLst>
+                                        </p:cTn>
+                                        <p:tgtEl>
+                                          <p:spTgt spid="3">
+                                            <p:txEl>
+                                              <p:pRg st="0" end="0"/>
+                                            </p:txEl>
+                                          </p:spTgt>
+                                        </p:tgtEl>
+                                        <p:attrNameLst>
+                                          <p:attrName>style.visibility</p:attrName>
+                                        </p:attrNameLst>
+                                      </p:cBhvr>
+                                      <p:to>
+                                        <p:strVal val="visible"/>
+                                      </p:to>
+                                    </p:set>
+                                    <p:animEffect transition="in" filter="fade">
+                                      <p:cBhvr>
+                                        <p:cTn id="7" dur="1000"/>
+                                        <p:tgtEl>
+                                          <p:spTgt spid="3">
+                                            <p:txEl>
+                                              <p:pRg st="0" end="0"/>
+                                            </p:txEl>
+                                          </p:spTgt>
+                                        </p:tgtEl>
+                                      </p:cBhvr>
+                                    </p:animEffect>
+                                    <p:anim calcmode="lin" valueType="num">
+                                      <p:cBhvr>
+                                        <p:cTn id="8" dur="1000" fill="hold"/>
+                                        <p:tgtEl>
+                                          <p:spTgt spid="3">
+                                            <p:txEl>
+                                              <p:pRg st="0" end="0"/>
+                                            </p:txEl>
+                                          </p:spTgt>
+                                        </p:tgtEl>
+                                        <p:attrNameLst>
+                                          <p:attrName>ppt_x</p:attrName>
+                                        </p:attrNameLst>
+                                      </p:cBhvr>
+                                      <p:tavLst>
+                                        <p:tav tm="0">
+                                          <p:val>
+                                            <p:strVal val="#ppt_x"/>
+                                          </p:val>
+                                        </p:tav>
+                                        <p:tav tm="100000">
+                                          <p:val>
+                                            <p:strVal val="#ppt_x"/>
+                                          </p:val>
+                                        </p:tav>
+                                      </p:tavLst>
+                                    </p:anim>
+                                    <p:anim calcmode="lin" valueType="num">
+                                      <p:cBhvr>
+                                        <p:cTn id="9" dur="1000" fill="hold"/>
+                                        <p:tgtEl>
+                                          <p:spTgt spid="3">
+                                            <p:txEl>
+                                              <p:pRg st="0" end="0"/>
+                                            </p:txEl>
+                                          </p:spTgt>
+                                        </p:tgtEl>
+                                        <p:attrNameLst>
+                                          <p:attrName>ppt_y</p:attrName>
+                                        </p:attrNameLst>
+                                      </p:cBhvr>
+                                      <p:tavLst>
+                                        <p:tav tm="0">
+                                          <p:val>
+                                            <p:strVal val="#ppt_y+.1"/>
+                                          </p:val>
+                                        </p:tav>
+                                        <p:tav tm="100000">
+                                          <p:val>
+                                            <p:strVal val="#ppt_y"/>
+                                          </p:val>
+                                        </p:tav>
+                                      </p:tavLst>
+                                    </p:anim>
+                                  </p:childTnLst>
+                                </p:cTn>
+                              </p:par>
+                            </p:childTnLst>
+                          </p:cTn>
+                        </p:par>
+                        <p:par>
+                          <p:cTn id="10" fill="hold">
+                            <p:stCondLst>
+                              <p:cond delay="1000"/>
+                            </p:stCondLst>
+                            <p:childTnLst>
+                              <p:par>
+                                <p:cTn id="11" presetID="42" presetClass="entr" presetSubtype="0" fill="hold" nodeType="afterEffect">
+                                  <p:stCondLst>
+                                    <p:cond delay="0"/>
+                                  </p:stCondLst>
+                                  <p:childTnLst>
+                                    <p:set>
+                                      <p:cBhvr>
+                                        <p:cTn id="12" dur="1" fill="hold">
+                                          <p:stCondLst>
+                                            <p:cond delay="0"/>
+                                          </p:stCondLst>
+                                        </p:cTn>
+                                        <p:tgtEl>
+                                          <p:spTgt spid="3">
+                                            <p:txEl>
+                                              <p:pRg st="1" end="1"/>
+                                            </p:txEl>
+                                          </p:spTgt>
+                                        </p:tgtEl>
+                                        <p:attrNameLst>
+                                          <p:attrName>style.visibility</p:attrName>
+                                        </p:attrNameLst>
+                                      </p:cBhvr>
+                                      <p:to>
+                                        <p:strVal val="visible"/>
+                                      </p:to>
+                                    </p:set>
+                                    <p:animEffect transition="in" filter="fade">
+                                      <p:cBhvr>
+                                        <p:cTn id="13" dur="500"/>
+                                        <p:tgtEl>
+                                          <p:spTgt spid="3">
+                                            <p:txEl>
+                                              <p:pRg st="1" end="1"/>
+                                            </p:txEl>
+                                          </p:spTgt>
+                                        </p:tgtEl>
+                                      </p:cBhvr>
+                                    </p:animEffect>
+                                    <p:anim calcmode="lin" valueType="num">
+                                      <p:cBhvr>
+                                        <p:cTn id="14" dur="500" fill="hold"/>
+                                        <p:tgtEl>
+                                          <p:spTgt spid="3">
+                                            <p:txEl>
+                                              <p:pRg st="1" end="1"/>
+                                            </p:txEl>
+                                          </p:spTgt>
+                                        </p:tgtEl>
+                                        <p:attrNameLst>
+                                          <p:attrName>ppt_x</p:attrName>
+                                        </p:attrNameLst>
+                                      </p:cBhvr>
+                                      <p:tavLst>
+                                        <p:tav tm="0">
+                                          <p:val>
+                                            <p:strVal val="#ppt_x"/>
+                                          </p:val>
+                                        </p:tav>
+                                        <p:tav tm="100000">
+                                          <p:val>
+                                            <p:strVal val="#ppt_x"/>
+                                          </p:val>
+                                        </p:tav>
+                                      </p:tavLst>
+                                    </p:anim>
+                                    <p:anim calcmode="lin" valueType="num">
+                                      <p:cBhvr>
+                                        <p:cTn id="15" dur="500" fill="hold"/>
+                                        <p:tgtEl>
+                                          <p:spTgt spid="3">
+                                            <p:txEl>
+                                              <p:pRg st="1" end="1"/>
+                                            </p:txEl>
+                                          </p:spTgt>
+                                        </p:tgtEl>
+                                        <p:attrNameLst>
+                                          <p:attrName>ppt_y</p:attrName>
+                                        </p:attrNameLst>
+                                      </p:cBhvr>
+                                      <p:tavLst>
+                                        <p:tav tm="0">
+                                          <p:val>
+                                            <p:strVal val="#ppt_y+.1"/>
+                                          </p:val>
+                                        </p:tav>
+                                        <p:tav tm="100000">
+                                          <p:val>
+                                            <p:strVal val="#ppt_y"/>
+                                          </p:val>
+                                        </p:tav>
+                                      </p:tavLst>
+                                    </p:anim>
+                                  </p:childTnLst>
+                                </p:cTn>
+                              </p:par>
+                            </p:childTnLst>
+                          </p:cTn>
+                        </p:par>
+                        <p:par>
+                          <p:cTn id="16" fill="hold">
+                            <p:stCondLst>
+                              <p:cond delay="1500"/>
+                            </p:stCondLst>
+                            <p:childTnLst>
+                              <p:par>
+                                <p:cTn id="17" presetID="42" presetClass="entr" presetSubtype="0" fill="hold" nodeType="afterEffect">
+                                  <p:stCondLst>
+                                    <p:cond delay="0"/>
+                                  </p:stCondLst>
+                                  <p:childTnLst>
+                                    <p:set>
+                                      <p:cBhvr>
+                                        <p:cTn id="18" dur="1" fill="hold">
+                                          <p:stCondLst>
+                                            <p:cond delay="0"/>
+                                          </p:stCondLst>
+                                        </p:cTn>
+                                        <p:tgtEl>
+                                          <p:spTgt spid="3">
+                                            <p:txEl>
+                                              <p:pRg st="2" end="2"/>
+                                            </p:txEl>
+                                          </p:spTgt>
+                                        </p:tgtEl>
+                                        <p:attrNameLst>
+                                          <p:attrName>style.visibility</p:attrName>
+                                        </p:attrNameLst>
+                                      </p:cBhvr>
+                                      <p:to>
+                                        <p:strVal val="visible"/>
+                                      </p:to>
+                                    </p:set>
+                                    <p:animEffect transition="in" filter="fade">
+                                      <p:cBhvr>
+                                        <p:cTn id="19" dur="500"/>
+                                        <p:tgtEl>
+                                          <p:spTgt spid="3">
+                                            <p:txEl>
+                                              <p:pRg st="2" end="2"/>
+                                            </p:txEl>
+                                          </p:spTgt>
+                                        </p:tgtEl>
+                                      </p:cBhvr>
+                                    </p:animEffect>
+                                    <p:anim calcmode="lin" valueType="num">
+                                      <p:cBhvr>
+                                        <p:cTn id="20" dur="500" fill="hold"/>
+                                        <p:tgtEl>
+                                          <p:spTgt spid="3">
+                                            <p:txEl>
+                                              <p:pRg st="2" end="2"/>
+                                            </p:txEl>
+                                          </p:spTgt>
+                                        </p:tgtEl>
+                                        <p:attrNameLst>
+                                          <p:attrName>ppt_x</p:attrName>
+                                        </p:attrNameLst>
+                                      </p:cBhvr>
+                                      <p:tavLst>
+                                        <p:tav tm="0">
+                                          <p:val>
+                                            <p:strVal val="#ppt_x"/>
+                                          </p:val>
+                                        </p:tav>
+                                        <p:tav tm="100000">
+                                          <p:val>
+                                            <p:strVal val="#ppt_x"/>
+                                          </p:val>
+                                        </p:tav>
+                                      </p:tavLst>
+                                    </p:anim>
+                                    <p:anim calcmode="lin" valueType="num">
+                                      <p:cBhvr>
+                                        <p:cTn id="21" dur="500" fill="hold"/>
+                                        <p:tgtEl>
+                                          <p:spTgt spid="3">
+                                            <p:txEl>
+                                              <p:pRg st="2" end="2"/>
+                                            </p:txEl>
+                                          </p:spTgt>
+                                        </p:tgtEl>
+                                        <p:attrNameLst>
+                                          <p:attrName>ppt_y</p:attrName>
+                                        </p:attrNameLst>
+                                      </p:cBhvr>
+                                      <p:tavLst>
+                                        <p:tav tm="0">
+                                          <p:val>
+                                            <p:strVal val="#ppt_y+.1"/>
+                                          </p:val>
+                                        </p:tav>
+                                        <p:tav tm="100000">
+                                          <p:val>
+                                            <p:strVal val="#ppt_y"/>
+                                          </p:val>
+                                        </p:tav>
+                                      </p:tavLst>
+                                    </p:anim>
+                                  </p:childTnLst>
+                                </p:cTn>
+                              </p:par>
+                              <p:par>
+                                <p:cTn id="22" presetID="42" presetClass="entr" presetSubtype="0" fill="hold" nodeType="withEffect">
+                                  <p:stCondLst>
+                                    <p:cond delay="0"/>
+                                  </p:stCondLst>
+                                  <p:childTnLst>
+                                    <p:set>
+                                      <p:cBhvr>
+                                        <p:cTn id="23" dur="1" fill="hold">
+                                          <p:stCondLst>
+                                            <p:cond delay="0"/>
+                                          </p:stCondLst>
+                                        </p:cTn>
+                                        <p:tgtEl>
+                                          <p:spTgt spid="3">
+                                            <p:txEl>
+                                              <p:pRg st="3" end="3"/>
+                                            </p:txEl>
+                                          </p:spTgt>
+                                        </p:tgtEl>
+                                        <p:attrNameLst>
+                                          <p:attrName>style.visibility</p:attrName>
+                                        </p:attrNameLst>
+                                      </p:cBhvr>
+                                      <p:to>
+                                        <p:strVal val="visible"/>
+                                      </p:to>
+                                    </p:set>
+                                    <p:animEffect transition="in" filter="fade">
+                                      <p:cBhvr>
+                                        <p:cTn id="24" dur="1000"/>
+                                        <p:tgtEl>
+                                          <p:spTgt spid="3">
+                                            <p:txEl>
+                                              <p:pRg st="3" end="3"/>
+                                            </p:txEl>
+                                          </p:spTgt>
+                                        </p:tgtEl>
+                                      </p:cBhvr>
+                                    </p:animEffect>
+                                    <p:anim calcmode="lin" valueType="num">
+                                      <p:cBhvr>
+                                        <p:cTn id="25" dur="1000" fill="hold"/>
+                                        <p:tgtEl>
+                                          <p:spTgt spid="3">
+                                            <p:txEl>
+                                              <p:pRg st="3" end="3"/>
+                                            </p:txEl>
+                                          </p:spTgt>
+                                        </p:tgtEl>
+                                        <p:attrNameLst>
+                                          <p:attrName>ppt_x</p:attrName>
+                                        </p:attrNameLst>
+                                      </p:cBhvr>
+                                      <p:tavLst>
+                                        <p:tav tm="0">
+                                          <p:val>
+                                            <p:strVal val="#ppt_x"/>
+                                          </p:val>
+                                        </p:tav>
+                                        <p:tav tm="100000">
+                                          <p:val>
+                                            <p:strVal val="#ppt_x"/>
+                                          </p:val>
+                                        </p:tav>
+                                      </p:tavLst>
+                                    </p:anim>
+                                    <p:anim calcmode="lin" valueType="num">
+                                      <p:cBhvr>
+                                        <p:cTn id="26" dur="1000" fill="hold"/>
+                                        <p:tgtEl>
+                                          <p:spTgt spid="3">
+                                            <p:txEl>
+                                              <p:pRg st="3" end="3"/>
+                                            </p:txEl>
+                                          </p:spTgt>
+                                        </p:tgtEl>
+                                        <p:attrNameLst>
+                                          <p:attrName>ppt_y</p:attrName>
+                                        </p:attrNameLst>
+                                      </p:cBhvr>
+                                      <p:tavLst>
+                                        <p:tav tm="0">
+                                          <p:val>
+                                            <p:strVal val="#ppt_y+.1"/>
+                                          </p:val>
+                                        </p:tav>
+                                        <p:tav tm="100000">
+                                          <p:val>
+                                            <p:strVal val="#ppt_y"/>
+                                          </p:val>
+                                        </p:tav>
+                                      </p:tavLst>
+                                    </p:anim>
+                                  </p:childTnLst>
+                                </p:cTn>
+                              </p:par>
+                              <p:par>
+                                <p:cTn id="27" presetID="42" presetClass="entr" presetSubtype="0" fill="hold" nodeType="withEffect">
+                                  <p:stCondLst>
+                                    <p:cond delay="0"/>
+                                  </p:stCondLst>
+                                  <p:childTnLst>
+                                    <p:set>
+                                      <p:cBhvr>
+                                        <p:cTn id="28" dur="1" fill="hold">
+                                          <p:stCondLst>
+                                            <p:cond delay="0"/>
+                                          </p:stCondLst>
+                                        </p:cTn>
+                                        <p:tgtEl>
+                                          <p:spTgt spid="3">
+                                            <p:txEl>
+                                              <p:pRg st="4" end="4"/>
+                                            </p:txEl>
+                                          </p:spTgt>
+                                        </p:tgtEl>
+                                        <p:attrNameLst>
+                                          <p:attrName>style.visibility</p:attrName>
+                                        </p:attrNameLst>
+                                      </p:cBhvr>
+                                      <p:to>
+                                        <p:strVal val="visible"/>
+                                      </p:to>
+                                    </p:set>
+                                    <p:animEffect transition="in" filter="fade">
+                                      <p:cBhvr>
+                                        <p:cTn id="29" dur="1000"/>
+                                        <p:tgtEl>
+                                          <p:spTgt spid="3">
+                                            <p:txEl>
+                                              <p:pRg st="4" end="4"/>
+                                            </p:txEl>
+                                          </p:spTgt>
+                                        </p:tgtEl>
+                                      </p:cBhvr>
+                                    </p:animEffect>
+                                    <p:anim calcmode="lin" valueType="num">
+                                      <p:cBhvr>
+                                        <p:cTn id="30" dur="1000" fill="hold"/>
+                                        <p:tgtEl>
+                                          <p:spTgt spid="3">
+                                            <p:txEl>
+                                              <p:pRg st="4" end="4"/>
+                                            </p:txEl>
+                                          </p:spTgt>
+                                        </p:tgtEl>
+                                        <p:attrNameLst>
+                                          <p:attrName>ppt_x</p:attrName>
+                                        </p:attrNameLst>
+                                      </p:cBhvr>
+                                      <p:tavLst>
+                                        <p:tav tm="0">
+                                          <p:val>
+                                            <p:strVal val="#ppt_x"/>
+                                          </p:val>
+                                        </p:tav>
+                                        <p:tav tm="100000">
+                                          <p:val>
+                                            <p:strVal val="#ppt_x"/>
+                                          </p:val>
+                                        </p:tav>
+                                      </p:tavLst>
+                                    </p:anim>
+                                    <p:anim calcmode="lin" valueType="num">
+                                      <p:cBhvr>
+                                        <p:cTn id="31" dur="1000" fill="hold"/>
+                                        <p:tgtEl>
+                                          <p:spTgt spid="3">
+                                            <p:txEl>
+                                              <p:pRg st="4" end="4"/>
+                                            </p:txEl>
+                                          </p:spTgt>
+                                        </p:tgtEl>
+                                        <p:attrNameLst>
+                                          <p:attrName>ppt_y</p:attrName>
+                                        </p:attrNameLst>
+                                      </p:cBhvr>
+                                      <p:tavLst>
+                                        <p:tav tm="0">
+                                          <p:val>
+                                            <p:strVal val="#ppt_y+.1"/>
+                                          </p:val>
+                                        </p:tav>
+                                        <p:tav tm="100000">
+                                          <p:val>
+                                            <p:strVal val="#ppt_y"/>
+                                          </p:val>
+                                        </p:tav>
+                                      </p:tavLst>
+                                    </p:anim>
+                                  </p:childTnLst>
+                                </p:cTn>
+                              </p:par>
+                              <p:par>
+                                <p:cTn id="32" presetID="42" presetClass="entr" presetSubtype="0" fill="hold" nodeType="withEffect">
+                                  <p:stCondLst>
+                                    <p:cond delay="0"/>
+                                  </p:stCondLst>
+                                  <p:childTnLst>
+                                    <p:set>
+                                      <p:cBhvr>
+                                        <p:cTn id="33" dur="1" fill="hold">
+                                          <p:stCondLst>
+                                            <p:cond delay="0"/>
+                                          </p:stCondLst>
+                                        </p:cTn>
+                                        <p:tgtEl>
+                                          <p:spTgt spid="3">
+                                            <p:txEl>
+                                              <p:pRg st="5" end="5"/>
+                                            </p:txEl>
+                                          </p:spTgt>
+                                        </p:tgtEl>
+                                        <p:attrNameLst>
+                                          <p:attrName>style.visibility</p:attrName>
+                                        </p:attrNameLst>
+                                      </p:cBhvr>
+                                      <p:to>
+                                        <p:strVal val="visible"/>
+                                      </p:to>
+                                    </p:set>
+                                    <p:animEffect transition="in" filter="fade">
+                                      <p:cBhvr>
+                                        <p:cTn id="34" dur="1000"/>
+                                        <p:tgtEl>
+                                          <p:spTgt spid="3">
+                                            <p:txEl>
+                                              <p:pRg st="5" end="5"/>
+                                            </p:txEl>
+                                          </p:spTgt>
+                                        </p:tgtEl>
+                                      </p:cBhvr>
+                                    </p:animEffect>
+                                    <p:anim calcmode="lin" valueType="num">
+                                      <p:cBhvr>
+                                        <p:cTn id="35" dur="1000" fill="hold"/>
+                                        <p:tgtEl>
+                                          <p:spTgt spid="3">
+                                            <p:txEl>
+                                              <p:pRg st="5" end="5"/>
+                                            </p:txEl>
+                                          </p:spTgt>
+                                        </p:tgtEl>
+                                        <p:attrNameLst>
+                                          <p:attrName>ppt_x</p:attrName>
+                                        </p:attrNameLst>
+                                      </p:cBhvr>
+                                      <p:tavLst>
+                                        <p:tav tm="0">
+                                          <p:val>
+                                            <p:strVal val="#ppt_x"/>
+                                          </p:val>
+                                        </p:tav>
+                                        <p:tav tm="100000">
+                                          <p:val>
+                                            <p:strVal val="#ppt_x"/>
+                                          </p:val>
+                                        </p:tav>
+                                      </p:tavLst>
+                                    </p:anim>
+                                    <p:anim calcmode="lin" valueType="num">
+                                      <p:cBhvr>
+                                        <p:cTn id="36" dur="1000" fill="hold"/>
+                                        <p:tgtEl>
+                                          <p:spTgt spid="3">
+                                            <p:txEl>
+                                              <p:pRg st="5" end="5"/>
+                                            </p:txEl>
+                                          </p:spTgt>
+                                        </p:tgtEl>
+                                        <p:attrNameLst>
+                                          <p:attrName>ppt_y</p:attrName>
+                                        </p:attrNameLst>
+                                      </p:cBhvr>
+                                      <p:tavLst>
+                                        <p:tav tm="0">
+                                          <p:val>
+                                            <p:strVal val="#ppt_y+.1"/>
+                                          </p:val>
+                                        </p:tav>
+                                        <p:tav tm="100000">
+                                          <p:val>
+                                            <p:strVal val="#ppt_y"/>
+                                          </p:val>
+                                        </p:tav>
+                                      </p:tavLst>
+                                    </p:anim>
+                                  </p:childTnLst>
+                                </p:cTn>
+                              </p:par>
+                              <p:par>
+                                <p:cTn id="37" presetID="42" presetClass="entr" presetSubtype="0" fill="hold" nodeType="withEffect">
+                                  <p:stCondLst>
+                                    <p:cond delay="0"/>
+                                  </p:stCondLst>
+                                  <p:childTnLst>
+                                    <p:set>
+                                      <p:cBhvr>
+                                        <p:cTn id="38" dur="1" fill="hold">
+                                          <p:stCondLst>
+                                            <p:cond delay="0"/>
+                                          </p:stCondLst>
+                                        </p:cTn>
+                                        <p:tgtEl>
+                                          <p:spTgt spid="3">
+                                            <p:txEl>
+                                              <p:pRg st="6" end="6"/>
+                                            </p:txEl>
+                                          </p:spTgt>
+                                        </p:tgtEl>
+                                        <p:attrNameLst>
+                                          <p:attrName>style.visibility</p:attrName>
+                                        </p:attrNameLst>
+                                      </p:cBhvr>
+                                      <p:to>
+                                        <p:strVal val="visible"/>
+                                      </p:to>
+                                    </p:set>
+                                    <p:animEffect transition="in" filter="fade">
+                                      <p:cBhvr>
+                                        <p:cTn id="39" dur="1000"/>
+                                        <p:tgtEl>
+                                          <p:spTgt spid="3">
+                                            <p:txEl>
+                                              <p:pRg st="6" end="6"/>
+                                            </p:txEl>
+                                          </p:spTgt>
+                                        </p:tgtEl>
+                                      </p:cBhvr>
+                                    </p:animEffect>
+                                    <p:anim calcmode="lin" valueType="num">
+                                      <p:cBhvr>
+                                        <p:cTn id="40" dur="1000" fill="hold"/>
+                                        <p:tgtEl>
+                                          <p:spTgt spid="3">
+                                            <p:txEl>
+                                              <p:pRg st="6" end="6"/>
+                                            </p:txEl>
+                                          </p:spTgt>
+                                        </p:tgtEl>
+                                        <p:attrNameLst>
+                                          <p:attrName>ppt_x</p:attrName>
+                                        </p:attrNameLst>
+                                      </p:cBhvr>
+                                      <p:tavLst>
+                                        <p:tav tm="0">
+                                          <p:val>
+                                            <p:strVal val="#ppt_x"/>
+                                          </p:val>
+                                        </p:tav>
+                                        <p:tav tm="100000">
+                                          <p:val>
+                                            <p:strVal val="#ppt_x"/>
+                                          </p:val>
+                                        </p:tav>
+                                      </p:tavLst>
+                                    </p:anim>
+                                    <p:anim calcmode="lin" valueType="num">
+                                      <p:cBhvr>
+                                        <p:cTn id="41" dur="1000" fill="hold"/>
+                                        <p:tgtEl>
+                                          <p:spTgt spid="3">
+                                            <p:txEl>
+                                              <p:pRg st="6" end="6"/>
+                                            </p:txEl>
+                                          </p:spTgt>
+                                        </p:tgtEl>
+                                        <p:attrNameLst>
+                                          <p:attrName>ppt_y</p:attrName>
+                                        </p:attrNameLst>
+                                      </p:cBhvr>
+                                      <p:tavLst>
+                                        <p:tav tm="0">
+                                          <p:val>
+                                            <p:strVal val="#ppt_y+.1"/>
+                                          </p:val>
+                                        </p:tav>
+                                        <p:tav tm="100000">
+                                          <p:val>
+                                            <p:strVal val="#ppt_y"/>
+                                          </p:val>
+                                        </p:tav>
+                                      </p:tavLst>
+                                    </p:anim>
+                                  </p:childTnLst>
+                                </p:cTn>
+                              </p:par>
+                              <p:par>
+                                <p:cTn id="42" presetID="42" presetClass="entr" presetSubtype="0" fill="hold" nodeType="withEffect">
+                                  <p:stCondLst>
+                                    <p:cond delay="0"/>
+                                  </p:stCondLst>
+                                  <p:childTnLst>
+                                    <p:set>
+                                      <p:cBhvr>
+                                        <p:cTn id="43" dur="1" fill="hold">
+                                          <p:stCondLst>
+                                            <p:cond delay="0"/>
+                                          </p:stCondLst>
+                                        </p:cTn>
+                                        <p:tgtEl>
+                                          <p:spTgt spid="3">
+                                            <p:txEl>
+                                              <p:pRg st="7" end="7"/>
+                                            </p:txEl>
+                                          </p:spTgt>
+                                        </p:tgtEl>
+                                        <p:attrNameLst>
+                                          <p:attrName>style.visibility</p:attrName>
+                                        </p:attrNameLst>
+                                      </p:cBhvr>
+                                      <p:to>
+                                        <p:strVal val="visible"/>
+                                      </p:to>
+                                    </p:set>
+                                    <p:animEffect transition="in" filter="fade">
+                                      <p:cBhvr>
+                                        <p:cTn id="44" dur="1000"/>
+                                        <p:tgtEl>
+                                          <p:spTgt spid="3">
+                                            <p:txEl>
+                                              <p:pRg st="7" end="7"/>
+                                            </p:txEl>
+                                          </p:spTgt>
+                                        </p:tgtEl>
+                                      </p:cBhvr>
+                                    </p:animEffect>
+                                    <p:anim calcmode="lin" valueType="num">
+                                      <p:cBhvr>
+                                        <p:cTn id="45" dur="1000" fill="hold"/>
+                                        <p:tgtEl>
+                                          <p:spTgt spid="3">
+                                            <p:txEl>
+                                              <p:pRg st="7" end="7"/>
+                                            </p:txEl>
+                                          </p:spTgt>
+                                        </p:tgtEl>
+                                        <p:attrNameLst>
+                                          <p:attrName>ppt_x</p:attrName>
+                                        </p:attrNameLst>
+                                      </p:cBhvr>
+                                      <p:tavLst>
+                                        <p:tav tm="0">
+                                          <p:val>
+                                            <p:strVal val="#ppt_x"/>
+                                          </p:val>
+                                        </p:tav>
+                                        <p:tav tm="100000">
+                                          <p:val>
+                                            <p:strVal val="#ppt_x"/>
+                                          </p:val>
+                                        </p:tav>
+                                      </p:tavLst>
+                                    </p:anim>
+                                    <p:anim calcmode="lin" valueType="num">
+                                      <p:cBhvr>
+                                        <p:cTn id="46" dur="1000" fill="hold"/>
+                                        <p:tgtEl>
+                                          <p:spTgt spid="3">
+                                            <p:txEl>
+                                              <p:pRg st="7" end="7"/>
+                                            </p:txEl>
+                                          </p:spTgt>
+                                        </p:tgtEl>
+                                        <p:attrNameLst>
+                                          <p:attrName>ppt_y</p:attrName>
+                                        </p:attrNameLst>
+                                      </p:cBhvr>
+                                      <p:tavLst>
+                                        <p:tav tm="0">
+                                          <p:val>
+                                            <p:strVal val="#ppt_y+.1"/>
+                                          </p:val>
+                                        </p:tav>
+                                        <p:tav tm="100000">
+                                          <p:val>
+                                            <p:strVal val="#ppt_y"/>
+                                          </p:val>
+                                        </p:tav>
+                                      </p:tavLst>
+                                    </p:anim>
+                                  </p:childTnLst>
+                                </p:cTn>
+                              </p:par>
+                            </p:childTnLst>
+                          </p:cTn>
+                        </p:par>
+                      </p:childTnLst>
+                    </p:cTn>
+                  </p:par>
+                </p:childTnLst>
+              </p:cTn>
+              <p:prevCondLst>
+                <p:cond evt="onPrev" delay="0">
+                  <p:tgtEl>
+                    <p:sldTgt/>
+                  </p:tgtEl>
+                </p:cond>
+              </p:prevCondLst>
+              <p:nextCondLst>
+                <p:cond evt="onNext" delay="0">
+                  <p:tgtEl>
+                    <p:sldTgt/>
+                  </p:tgtEl>
+                </p:cond>
+              </p:nextCondLst>
+            </p:seq>
+          </p:childTnLst>
+        </p:cTn>
       </p:par>
     </p:tnLst>
   </p:timing>
@@ -29471,11 +30085,7 @@
             </a:pPr>
             <a:r>
               <a:rPr lang="en-US" sz="2400" dirty="0" smtClean="0"/>
-              <a:t>Not </a:t>
-            </a:r>
-            <a:r>
-              <a:rPr lang="en-US" sz="2400" dirty="0" smtClean="0"/>
-              <a:t>supported </a:t>
+              <a:t>Not supported </a:t>
             </a:r>
             <a:r>
               <a:rPr lang="en-US" sz="2400" dirty="0"/>
